--- a/machine-learning-12-13.pptx
+++ b/machine-learning-12-13.pptx
@@ -3500,55 +3500,8 @@
                 <a:latin typeface="Segoe UI" panose="020B0502040204020203" pitchFamily="34" charset="0"/>
                 <a:cs typeface="Segoe UI" panose="020B0502040204020203" pitchFamily="34" charset="0"/>
               </a:rPr>
-              <a:t>Το Εργαλείο σχεδίασης PowerPoint προτείνει επαγγελματικά σχέδια για την παρουσίασή σας, με βάση το περιεχόμενο των διαφανειών σας. </a:t>
-            </a:r>
-          </a:p>
-          <a:p>
-            <a:pPr marL="0" lvl="0" indent="0" rtl="0">
-              <a:spcAft>
-                <a:spcPts val="600"/>
-              </a:spcAft>
-              <a:buNone/>
-              <a:defRPr/>
-            </a:pPr>
-            <a:r>
-              <a:rPr lang="el-GR" dirty="0">
-                <a:latin typeface="Segoe UI" panose="020B0502040204020203" pitchFamily="34" charset="0"/>
-                <a:cs typeface="Segoe UI" panose="020B0502040204020203" pitchFamily="34" charset="0"/>
-              </a:rPr>
-              <a:t>Το Εργαλείο σχεδίασης</a:t>
-            </a:r>
-            <a:r>
-              <a:rPr lang="el-GR" b="1" dirty="0">
-                <a:latin typeface="Segoe UI" panose="020B0502040204020203" pitchFamily="34" charset="0"/>
-                <a:cs typeface="Segoe UI" panose="020B0502040204020203" pitchFamily="34" charset="0"/>
-              </a:rPr>
-              <a:t> </a:t>
-            </a:r>
-            <a:r>
-              <a:rPr lang="el-GR" dirty="0">
-                <a:latin typeface="Segoe UI" panose="020B0502040204020203" pitchFamily="34" charset="0"/>
-                <a:cs typeface="Segoe UI" panose="020B0502040204020203" pitchFamily="34" charset="0"/>
-              </a:rPr>
-              <a:t>είναι μια δυνατότητα που παρέχεται μόνο με συνδρομή. </a:t>
-            </a:r>
-            <a:r>
-              <a:rPr lang="el-GR" dirty="0">
-                <a:solidFill>
-                  <a:prstClr val="black">
-                    <a:lumMod val="75000"/>
-                    <a:lumOff val="25000"/>
-                  </a:prstClr>
-                </a:solidFill>
-                <a:latin typeface="Segoe UI" panose="020B0502040204020203" pitchFamily="34" charset="0"/>
-                <a:cs typeface="Segoe UI" panose="020B0502040204020203" pitchFamily="34" charset="0"/>
-              </a:rPr>
-              <a:t>Εάν έχετε μια συνδρομή στο Office 365, η επόμενη διαφάνεια σάς δείχνει πώς λειτουργεί σε μια νέα παρουσίαση.</a:t>
-            </a:r>
-            <a:endParaRPr lang="el-GR" dirty="0">
-              <a:latin typeface="Segoe UI" panose="020B0502040204020203" pitchFamily="34" charset="0"/>
-              <a:cs typeface="Segoe UI" panose="020B0502040204020203" pitchFamily="34" charset="0"/>
-            </a:endParaRPr>
+              <a:t>Η χρήση των δεδομένων στον αθλητισμό, έχει δει μεγάλη ανάπτυξη τα τελευταία χρόνια. Έτσι λοιπόν υπάρχει μεγάλη ανάγκη πλέον στην  διερεύνηση μελέτης και την κατασκευή αλγορίθμων που μπορούν να μαθαίνουν από τα δεδομένα αυτά. Τέτοιο αλγόριθμοι λειτουργούν, δημιουργώντας μοντέλα από δεδομένα τα οποία </a:t>
+            </a:r>
           </a:p>
         </p:txBody>
       </p:sp>

--- a/machine-learning-12-13.pptx
+++ b/machine-learning-12-13.pptx
@@ -5,21 +5,23 @@
     <p:sldMasterId id="2147483660" r:id="rId1"/>
   </p:sldMasterIdLst>
   <p:notesMasterIdLst>
-    <p:notesMasterId r:id="rId11"/>
+    <p:notesMasterId r:id="rId13"/>
   </p:notesMasterIdLst>
   <p:handoutMasterIdLst>
-    <p:handoutMasterId r:id="rId12"/>
+    <p:handoutMasterId r:id="rId14"/>
   </p:handoutMasterIdLst>
   <p:sldIdLst>
     <p:sldId id="256" r:id="rId2"/>
     <p:sldId id="271" r:id="rId3"/>
     <p:sldId id="279" r:id="rId4"/>
-    <p:sldId id="281" r:id="rId5"/>
-    <p:sldId id="280" r:id="rId6"/>
-    <p:sldId id="257" r:id="rId7"/>
-    <p:sldId id="275" r:id="rId8"/>
-    <p:sldId id="276" r:id="rId9"/>
-    <p:sldId id="282" r:id="rId10"/>
+    <p:sldId id="284" r:id="rId5"/>
+    <p:sldId id="283" r:id="rId6"/>
+    <p:sldId id="281" r:id="rId7"/>
+    <p:sldId id="280" r:id="rId8"/>
+    <p:sldId id="257" r:id="rId9"/>
+    <p:sldId id="275" r:id="rId10"/>
+    <p:sldId id="276" r:id="rId11"/>
+    <p:sldId id="282" r:id="rId12"/>
   </p:sldIdLst>
   <p:sldSz cx="12192000" cy="6858000"/>
   <p:notesSz cx="6858000" cy="9144000"/>
@@ -130,6 +132,8 @@
           <p14:sldIdLst>
             <p14:sldId id="271"/>
             <p14:sldId id="279"/>
+            <p14:sldId id="284"/>
+            <p14:sldId id="283"/>
             <p14:sldId id="281"/>
             <p14:sldId id="280"/>
             <p14:sldId id="257"/>
@@ -1030,7 +1034,7 @@
             <a:pPr rtl="0"/>
             <a:fld id="{DF61EA0F-A667-4B49-8422-0062BC55E249}" type="slidenum">
               <a:rPr lang="el-GR" smtClean="0"/>
-              <a:t>4</a:t>
+              <a:t>6</a:t>
             </a:fld>
             <a:endParaRPr lang="el-GR" dirty="0"/>
           </a:p>
@@ -1115,7 +1119,7 @@
             <a:pPr rtl="0"/>
             <a:fld id="{DF61EA0F-A667-4B49-8422-0062BC55E249}" type="slidenum">
               <a:rPr lang="el-GR" smtClean="0"/>
-              <a:t>5</a:t>
+              <a:t>7</a:t>
             </a:fld>
             <a:endParaRPr lang="el-GR" dirty="0"/>
           </a:p>
@@ -1200,7 +1204,7 @@
             <a:pPr rtl="0"/>
             <a:fld id="{DF61EA0F-A667-4B49-8422-0062BC55E249}" type="slidenum">
               <a:rPr lang="el-GR" smtClean="0"/>
-              <a:t>6</a:t>
+              <a:t>8</a:t>
             </a:fld>
             <a:endParaRPr lang="el-GR" dirty="0"/>
           </a:p>
@@ -1285,7 +1289,7 @@
             <a:pPr rtl="0"/>
             <a:fld id="{DF61EA0F-A667-4B49-8422-0062BC55E249}" type="slidenum">
               <a:rPr lang="el-GR" smtClean="0"/>
-              <a:t>7</a:t>
+              <a:t>9</a:t>
             </a:fld>
             <a:endParaRPr lang="el-GR" dirty="0"/>
           </a:p>
@@ -1370,7 +1374,7 @@
             <a:pPr rtl="0"/>
             <a:fld id="{DF61EA0F-A667-4B49-8422-0062BC55E249}" type="slidenum">
               <a:rPr lang="el-GR" smtClean="0"/>
-              <a:t>8</a:t>
+              <a:t>10</a:t>
             </a:fld>
             <a:endParaRPr lang="el-GR" dirty="0"/>
           </a:p>
@@ -1464,7 +1468,7 @@
             <a:pPr rtl="0"/>
             <a:fld id="{DF61EA0F-A667-4B49-8422-0062BC55E249}" type="slidenum">
               <a:rPr lang="el-GR" smtClean="0"/>
-              <a:t>9</a:t>
+              <a:t>11</a:t>
             </a:fld>
             <a:endParaRPr lang="el-GR" dirty="0"/>
           </a:p>
@@ -3181,6 +3185,1924 @@
 </p:sld>
 </file>
 
+<file path=ppt/slides/slide10.xml><?xml version="1.0" encoding="utf-8"?>
+<p:sld xmlns:a="http://schemas.openxmlformats.org/drawingml/2006/main" xmlns:r="http://schemas.openxmlformats.org/officeDocument/2006/relationships" xmlns:p="http://schemas.openxmlformats.org/presentationml/2006/main">
+  <p:cSld>
+    <p:spTree>
+      <p:nvGrpSpPr>
+        <p:cNvPr id="1" name=""/>
+        <p:cNvGrpSpPr/>
+        <p:nvPr/>
+      </p:nvGrpSpPr>
+      <p:grpSpPr>
+        <a:xfrm>
+          <a:off x="0" y="0"/>
+          <a:ext cx="0" cy="0"/>
+          <a:chOff x="0" y="0"/>
+          <a:chExt cx="0" cy="0"/>
+        </a:xfrm>
+      </p:grpSpPr>
+      <p:sp>
+        <p:nvSpPr>
+          <p:cNvPr id="8" name="Τίτλος 7"/>
+          <p:cNvSpPr>
+            <a:spLocks noGrp="1"/>
+          </p:cNvSpPr>
+          <p:nvPr>
+            <p:ph type="title"/>
+          </p:nvPr>
+        </p:nvSpPr>
+        <p:spPr>
+          <a:xfrm>
+            <a:off x="521207" y="448056"/>
+            <a:ext cx="8150845" cy="640080"/>
+          </a:xfrm>
+        </p:spPr>
+        <p:txBody>
+          <a:bodyPr rtlCol="0">
+            <a:normAutofit/>
+          </a:bodyPr>
+          <a:lstStyle/>
+          <a:p>
+            <a:pPr rtl="0"/>
+            <a:r>
+              <a:rPr lang="el-GR" dirty="0">
+                <a:latin typeface="Segoe UI Light" panose="020B0502040204020203" pitchFamily="34" charset="0"/>
+                <a:cs typeface="Segoe UI Light" panose="020B0502040204020203" pitchFamily="34" charset="0"/>
+              </a:rPr>
+              <a:t>Εξερεύνηση χωρίς κλείσιμο των διαφανειών</a:t>
+            </a:r>
+          </a:p>
+        </p:txBody>
+      </p:sp>
+      <p:sp>
+        <p:nvSpPr>
+          <p:cNvPr id="16" name="Θέση περιεχομένου 17"/>
+          <p:cNvSpPr txBox="1">
+            <a:spLocks/>
+          </p:cNvSpPr>
+          <p:nvPr/>
+        </p:nvSpPr>
+        <p:spPr>
+          <a:xfrm>
+            <a:off x="541609" y="1296100"/>
+            <a:ext cx="6093106" cy="1236475"/>
+          </a:xfrm>
+          <a:prstGeom prst="rect">
+            <a:avLst/>
+          </a:prstGeom>
+        </p:spPr>
+        <p:txBody>
+          <a:bodyPr vert="horz" lIns="91440" tIns="45720" rIns="91440" bIns="45720" rtlCol="0">
+            <a:normAutofit/>
+          </a:bodyPr>
+          <a:lstStyle>
+            <a:lvl1pPr marL="228600" indent="-228600" algn="l" defTabSz="914400" rtl="0" eaLnBrk="1" latinLnBrk="0" hangingPunct="1">
+              <a:lnSpc>
+                <a:spcPts val="1800"/>
+              </a:lnSpc>
+              <a:spcBef>
+                <a:spcPts val="1000"/>
+              </a:spcBef>
+              <a:spcAft>
+                <a:spcPts val="1000"/>
+              </a:spcAft>
+              <a:buFont typeface="Arial" panose="020B0604020202020204" pitchFamily="34" charset="0"/>
+              <a:buChar char="•"/>
+              <a:defRPr lang="en-US" sz="1200" kern="1200" smtClean="0">
+                <a:solidFill>
+                  <a:schemeClr val="tx1">
+                    <a:lumMod val="75000"/>
+                    <a:lumOff val="25000"/>
+                  </a:schemeClr>
+                </a:solidFill>
+                <a:latin typeface="+mn-lt"/>
+                <a:ea typeface="+mn-ea"/>
+                <a:cs typeface="+mn-cs"/>
+              </a:defRPr>
+            </a:lvl1pPr>
+            <a:lvl2pPr marL="685800" indent="-228600" algn="l" defTabSz="914400" rtl="0" eaLnBrk="1" latinLnBrk="0" hangingPunct="1">
+              <a:lnSpc>
+                <a:spcPts val="1800"/>
+              </a:lnSpc>
+              <a:spcBef>
+                <a:spcPts val="1000"/>
+              </a:spcBef>
+              <a:spcAft>
+                <a:spcPts val="1000"/>
+              </a:spcAft>
+              <a:buFont typeface="Arial" panose="020B0604020202020204" pitchFamily="34" charset="0"/>
+              <a:buChar char="•"/>
+              <a:defRPr lang="en-US" sz="1200" kern="1200" smtClean="0">
+                <a:solidFill>
+                  <a:schemeClr val="tx1">
+                    <a:lumMod val="75000"/>
+                    <a:lumOff val="25000"/>
+                  </a:schemeClr>
+                </a:solidFill>
+                <a:latin typeface="+mn-lt"/>
+                <a:ea typeface="+mn-ea"/>
+                <a:cs typeface="+mn-cs"/>
+              </a:defRPr>
+            </a:lvl2pPr>
+            <a:lvl3pPr marL="1143000" indent="-228600" algn="l" defTabSz="914400" rtl="0" eaLnBrk="1" latinLnBrk="0" hangingPunct="1">
+              <a:lnSpc>
+                <a:spcPts val="1800"/>
+              </a:lnSpc>
+              <a:spcBef>
+                <a:spcPts val="1000"/>
+              </a:spcBef>
+              <a:spcAft>
+                <a:spcPts val="1000"/>
+              </a:spcAft>
+              <a:buFont typeface="Arial" panose="020B0604020202020204" pitchFamily="34" charset="0"/>
+              <a:buChar char="•"/>
+              <a:defRPr lang="en-US" sz="1200" kern="1200" smtClean="0">
+                <a:solidFill>
+                  <a:schemeClr val="tx1">
+                    <a:lumMod val="75000"/>
+                    <a:lumOff val="25000"/>
+                  </a:schemeClr>
+                </a:solidFill>
+                <a:latin typeface="+mn-lt"/>
+                <a:ea typeface="+mn-ea"/>
+                <a:cs typeface="+mn-cs"/>
+              </a:defRPr>
+            </a:lvl3pPr>
+            <a:lvl4pPr marL="1600200" indent="-228600" algn="l" defTabSz="914400" rtl="0" eaLnBrk="1" latinLnBrk="0" hangingPunct="1">
+              <a:lnSpc>
+                <a:spcPts val="1800"/>
+              </a:lnSpc>
+              <a:spcBef>
+                <a:spcPts val="1000"/>
+              </a:spcBef>
+              <a:spcAft>
+                <a:spcPts val="1000"/>
+              </a:spcAft>
+              <a:buFont typeface="Arial" panose="020B0604020202020204" pitchFamily="34" charset="0"/>
+              <a:buChar char="•"/>
+              <a:defRPr lang="en-US" sz="1200" kern="1200" smtClean="0">
+                <a:solidFill>
+                  <a:schemeClr val="tx1">
+                    <a:lumMod val="75000"/>
+                    <a:lumOff val="25000"/>
+                  </a:schemeClr>
+                </a:solidFill>
+                <a:latin typeface="+mn-lt"/>
+                <a:ea typeface="+mn-ea"/>
+                <a:cs typeface="+mn-cs"/>
+              </a:defRPr>
+            </a:lvl4pPr>
+            <a:lvl5pPr marL="2057400" indent="-228600" algn="l" defTabSz="914400" rtl="0" eaLnBrk="1" latinLnBrk="0" hangingPunct="1">
+              <a:lnSpc>
+                <a:spcPts val="1800"/>
+              </a:lnSpc>
+              <a:spcBef>
+                <a:spcPts val="1000"/>
+              </a:spcBef>
+              <a:spcAft>
+                <a:spcPts val="1000"/>
+              </a:spcAft>
+              <a:buFont typeface="Arial" panose="020B0604020202020204" pitchFamily="34" charset="0"/>
+              <a:buChar char="•"/>
+              <a:defRPr lang="en-US" sz="1200" kern="1200">
+                <a:solidFill>
+                  <a:schemeClr val="tx1">
+                    <a:lumMod val="75000"/>
+                    <a:lumOff val="25000"/>
+                  </a:schemeClr>
+                </a:solidFill>
+                <a:latin typeface="+mn-lt"/>
+                <a:ea typeface="+mn-ea"/>
+                <a:cs typeface="+mn-cs"/>
+              </a:defRPr>
+            </a:lvl5pPr>
+            <a:lvl6pPr marL="2514600" indent="-228600" algn="l" defTabSz="914400" rtl="0" eaLnBrk="1" latinLnBrk="0" hangingPunct="1">
+              <a:lnSpc>
+                <a:spcPct val="90000"/>
+              </a:lnSpc>
+              <a:spcBef>
+                <a:spcPct val="30000"/>
+              </a:spcBef>
+              <a:buFont typeface="Arial" panose="020B0604020202020204" pitchFamily="34" charset="0"/>
+              <a:buChar char="•"/>
+              <a:defRPr sz="1800" kern="1200">
+                <a:solidFill>
+                  <a:schemeClr val="tx1"/>
+                </a:solidFill>
+                <a:latin typeface="+mn-lt"/>
+                <a:ea typeface="+mn-ea"/>
+                <a:cs typeface="+mn-cs"/>
+              </a:defRPr>
+            </a:lvl6pPr>
+            <a:lvl7pPr marL="2971800" indent="-228600" algn="l" defTabSz="914400" rtl="0" eaLnBrk="1" latinLnBrk="0" hangingPunct="1">
+              <a:lnSpc>
+                <a:spcPct val="90000"/>
+              </a:lnSpc>
+              <a:spcBef>
+                <a:spcPct val="30000"/>
+              </a:spcBef>
+              <a:buFont typeface="Arial" panose="020B0604020202020204" pitchFamily="34" charset="0"/>
+              <a:buChar char="•"/>
+              <a:defRPr sz="1800" kern="1200">
+                <a:solidFill>
+                  <a:schemeClr val="tx1"/>
+                </a:solidFill>
+                <a:latin typeface="+mn-lt"/>
+                <a:ea typeface="+mn-ea"/>
+                <a:cs typeface="+mn-cs"/>
+              </a:defRPr>
+            </a:lvl7pPr>
+            <a:lvl8pPr marL="3429000" indent="-228600" algn="l" defTabSz="914400" rtl="0" eaLnBrk="1" latinLnBrk="0" hangingPunct="1">
+              <a:lnSpc>
+                <a:spcPct val="90000"/>
+              </a:lnSpc>
+              <a:spcBef>
+                <a:spcPct val="30000"/>
+              </a:spcBef>
+              <a:buFont typeface="Arial" panose="020B0604020202020204" pitchFamily="34" charset="0"/>
+              <a:buChar char="•"/>
+              <a:defRPr sz="1800" kern="1200">
+                <a:solidFill>
+                  <a:schemeClr val="tx1"/>
+                </a:solidFill>
+                <a:latin typeface="+mn-lt"/>
+                <a:ea typeface="+mn-ea"/>
+                <a:cs typeface="+mn-cs"/>
+              </a:defRPr>
+            </a:lvl8pPr>
+            <a:lvl9pPr marL="3886200" indent="-228600" algn="l" defTabSz="914400" rtl="0" eaLnBrk="1" latinLnBrk="0" hangingPunct="1">
+              <a:lnSpc>
+                <a:spcPct val="90000"/>
+              </a:lnSpc>
+              <a:spcBef>
+                <a:spcPct val="30000"/>
+              </a:spcBef>
+              <a:buFont typeface="Arial" panose="020B0604020202020204" pitchFamily="34" charset="0"/>
+              <a:buChar char="•"/>
+              <a:defRPr sz="1800" kern="1200">
+                <a:solidFill>
+                  <a:schemeClr val="tx1"/>
+                </a:solidFill>
+                <a:latin typeface="+mn-lt"/>
+                <a:ea typeface="+mn-ea"/>
+                <a:cs typeface="+mn-cs"/>
+              </a:defRPr>
+            </a:lvl9pPr>
+          </a:lstStyle>
+          <a:p>
+            <a:pPr marL="0" indent="0">
+              <a:spcAft>
+                <a:spcPts val="2000"/>
+              </a:spcAft>
+              <a:buNone/>
+            </a:pPr>
+            <a:r>
+              <a:rPr lang="el-GR" dirty="0">
+                <a:latin typeface="Segoe UI" panose="020B0502040204020203" pitchFamily="34" charset="0"/>
+                <a:cs typeface="Segoe UI" panose="020B0502040204020203" pitchFamily="34" charset="0"/>
+              </a:rPr>
+              <a:t>Η Έξυπνη αναζήτηση φέρνει την έρευνα απευθείας στο PowerPoint.</a:t>
+            </a:r>
+            <a:br>
+              <a:rPr lang="el-GR" dirty="0">
+                <a:latin typeface="Segoe UI" panose="020B0502040204020203" pitchFamily="34" charset="0"/>
+                <a:cs typeface="Segoe UI" panose="020B0502040204020203" pitchFamily="34" charset="0"/>
+              </a:rPr>
+            </a:br>
+            <a:br>
+              <a:rPr lang="el-GR" dirty="0">
+                <a:latin typeface="Segoe UI" panose="020B0502040204020203" pitchFamily="34" charset="0"/>
+                <a:cs typeface="Segoe UI" panose="020B0502040204020203" pitchFamily="34" charset="0"/>
+              </a:rPr>
+            </a:br>
+            <a:r>
+              <a:rPr lang="el-GR" dirty="0">
+                <a:latin typeface="Segoe UI" panose="020B0502040204020203" pitchFamily="34" charset="0"/>
+                <a:cs typeface="Segoe UI" panose="020B0502040204020203" pitchFamily="34" charset="0"/>
+              </a:rPr>
+              <a:t>Δοκιμάστε το</a:t>
+            </a:r>
+            <a:r>
+              <a:rPr lang="en-US" dirty="0">
+                <a:latin typeface="Segoe UI" panose="020B0502040204020203" pitchFamily="34" charset="0"/>
+                <a:cs typeface="Segoe UI" panose="020B0502040204020203" pitchFamily="34" charset="0"/>
+              </a:rPr>
+              <a:t> </a:t>
+            </a:r>
+            <a:r>
+              <a:rPr lang="el-GR" dirty="0"/>
+              <a:t>(παράδειγμα στα Αγγλικά)</a:t>
+            </a:r>
+            <a:r>
+              <a:rPr lang="el-GR" dirty="0">
+                <a:latin typeface="Segoe UI" panose="020B0502040204020203" pitchFamily="34" charset="0"/>
+                <a:cs typeface="Segoe UI" panose="020B0502040204020203" pitchFamily="34" charset="0"/>
+              </a:rPr>
+              <a:t>:</a:t>
+            </a:r>
+          </a:p>
+        </p:txBody>
+      </p:sp>
+      <p:pic>
+        <p:nvPicPr>
+          <p:cNvPr id="18" name="Εικόνα 17"/>
+          <p:cNvPicPr>
+            <a:picLocks noChangeAspect="1"/>
+          </p:cNvPicPr>
+          <p:nvPr/>
+        </p:nvPicPr>
+        <p:blipFill>
+          <a:blip r:embed="rId3">
+            <a:extLst>
+              <a:ext uri="{28A0092B-C50C-407E-A947-70E740481C1C}">
+                <a14:useLocalDpi xmlns:a14="http://schemas.microsoft.com/office/drawing/2010/main" val="0"/>
+              </a:ext>
+            </a:extLst>
+          </a:blip>
+          <a:stretch>
+            <a:fillRect/>
+          </a:stretch>
+        </p:blipFill>
+        <p:spPr>
+          <a:xfrm>
+            <a:off x="494408" y="2146704"/>
+            <a:ext cx="11129521" cy="3193794"/>
+          </a:xfrm>
+          <a:prstGeom prst="rect">
+            <a:avLst/>
+          </a:prstGeom>
+        </p:spPr>
+      </p:pic>
+      <p:grpSp>
+        <p:nvGrpSpPr>
+          <p:cNvPr id="33" name="Ομάδα 32" descr="Μικρός κύκλος με τον αριθμό 1 που υποδεικνύει το βήμα 1"/>
+          <p:cNvGrpSpPr/>
+          <p:nvPr/>
+        </p:nvGrpSpPr>
+        <p:grpSpPr bwMode="blackWhite">
+          <a:xfrm>
+            <a:off x="558723" y="5233381"/>
+            <a:ext cx="558179" cy="409838"/>
+            <a:chOff x="6953426" y="711274"/>
+            <a:chExt cx="558179" cy="409838"/>
+          </a:xfrm>
+        </p:grpSpPr>
+        <p:sp>
+          <p:nvSpPr>
+            <p:cNvPr id="34" name="Έλλειψη 33" descr="Μικρός κύκλος"/>
+            <p:cNvSpPr/>
+            <p:nvPr/>
+          </p:nvSpPr>
+          <p:spPr bwMode="blackWhite">
+            <a:xfrm>
+              <a:off x="7025069" y="711274"/>
+              <a:ext cx="409838" cy="409838"/>
+            </a:xfrm>
+            <a:prstGeom prst="ellipse">
+              <a:avLst/>
+            </a:prstGeom>
+            <a:solidFill>
+              <a:srgbClr val="D24726"/>
+            </a:solidFill>
+            <a:ln>
+              <a:noFill/>
+            </a:ln>
+          </p:spPr>
+          <p:style>
+            <a:lnRef idx="2">
+              <a:schemeClr val="accent1">
+                <a:shade val="50000"/>
+              </a:schemeClr>
+            </a:lnRef>
+            <a:fillRef idx="1">
+              <a:schemeClr val="accent1"/>
+            </a:fillRef>
+            <a:effectRef idx="0">
+              <a:schemeClr val="accent1"/>
+            </a:effectRef>
+            <a:fontRef idx="minor">
+              <a:schemeClr val="lt1"/>
+            </a:fontRef>
+          </p:style>
+          <p:txBody>
+            <a:bodyPr rtlCol="0" anchor="ctr"/>
+            <a:lstStyle/>
+            <a:p>
+              <a:pPr algn="ctr" rtl="0"/>
+              <a:endParaRPr lang="el-GR" dirty="0"/>
+            </a:p>
+          </p:txBody>
+        </p:sp>
+        <p:sp>
+          <p:nvSpPr>
+            <p:cNvPr id="35" name="Πλαίσιο κειμένου 34" descr="Αριθμός 1"/>
+            <p:cNvSpPr txBox="1"/>
+            <p:nvPr/>
+          </p:nvSpPr>
+          <p:spPr bwMode="blackWhite">
+            <a:xfrm>
+              <a:off x="6953426" y="727564"/>
+              <a:ext cx="558179" cy="369332"/>
+            </a:xfrm>
+            <a:prstGeom prst="rect">
+              <a:avLst/>
+            </a:prstGeom>
+            <a:noFill/>
+          </p:spPr>
+          <p:txBody>
+            <a:bodyPr wrap="square" rtlCol="0">
+              <a:spAutoFit/>
+            </a:bodyPr>
+            <a:lstStyle/>
+            <a:p>
+              <a:pPr algn="ctr" rtl="0"/>
+              <a:r>
+                <a:rPr lang="el-GR" dirty="0">
+                  <a:solidFill>
+                    <a:schemeClr val="bg1"/>
+                  </a:solidFill>
+                  <a:latin typeface="Segoe UI Semibold" panose="020B0702040204020203" pitchFamily="34" charset="0"/>
+                  <a:cs typeface="Segoe UI Semibold" panose="020B0702040204020203" pitchFamily="34" charset="0"/>
+                </a:rPr>
+                <a:t>1</a:t>
+              </a:r>
+            </a:p>
+          </p:txBody>
+        </p:sp>
+      </p:grpSp>
+      <p:sp>
+        <p:nvSpPr>
+          <p:cNvPr id="42" name="Θέση περιεχομένου 17"/>
+          <p:cNvSpPr txBox="1">
+            <a:spLocks/>
+          </p:cNvSpPr>
+          <p:nvPr/>
+        </p:nvSpPr>
+        <p:spPr>
+          <a:xfrm>
+            <a:off x="1066038" y="5273573"/>
+            <a:ext cx="2919669" cy="1298398"/>
+          </a:xfrm>
+          <a:prstGeom prst="rect">
+            <a:avLst/>
+          </a:prstGeom>
+        </p:spPr>
+        <p:txBody>
+          <a:bodyPr vert="horz" lIns="91440" tIns="45720" rIns="91440" bIns="45720" rtlCol="0">
+            <a:normAutofit/>
+          </a:bodyPr>
+          <a:lstStyle>
+            <a:lvl1pPr marL="228600" indent="-228600" algn="l" defTabSz="914400" rtl="0" eaLnBrk="1" latinLnBrk="0" hangingPunct="1">
+              <a:lnSpc>
+                <a:spcPts val="1800"/>
+              </a:lnSpc>
+              <a:spcBef>
+                <a:spcPts val="1000"/>
+              </a:spcBef>
+              <a:spcAft>
+                <a:spcPts val="1000"/>
+              </a:spcAft>
+              <a:buFont typeface="Arial" panose="020B0604020202020204" pitchFamily="34" charset="0"/>
+              <a:buChar char="•"/>
+              <a:defRPr lang="en-US" sz="1200" kern="1200" smtClean="0">
+                <a:solidFill>
+                  <a:schemeClr val="tx1">
+                    <a:lumMod val="75000"/>
+                    <a:lumOff val="25000"/>
+                  </a:schemeClr>
+                </a:solidFill>
+                <a:latin typeface="+mn-lt"/>
+                <a:ea typeface="+mn-ea"/>
+                <a:cs typeface="+mn-cs"/>
+              </a:defRPr>
+            </a:lvl1pPr>
+            <a:lvl2pPr marL="685800" indent="-228600" algn="l" defTabSz="914400" rtl="0" eaLnBrk="1" latinLnBrk="0" hangingPunct="1">
+              <a:lnSpc>
+                <a:spcPts val="1800"/>
+              </a:lnSpc>
+              <a:spcBef>
+                <a:spcPts val="1000"/>
+              </a:spcBef>
+              <a:spcAft>
+                <a:spcPts val="1000"/>
+              </a:spcAft>
+              <a:buFont typeface="Arial" panose="020B0604020202020204" pitchFamily="34" charset="0"/>
+              <a:buChar char="•"/>
+              <a:defRPr lang="en-US" sz="1200" kern="1200" smtClean="0">
+                <a:solidFill>
+                  <a:schemeClr val="tx1">
+                    <a:lumMod val="75000"/>
+                    <a:lumOff val="25000"/>
+                  </a:schemeClr>
+                </a:solidFill>
+                <a:latin typeface="+mn-lt"/>
+                <a:ea typeface="+mn-ea"/>
+                <a:cs typeface="+mn-cs"/>
+              </a:defRPr>
+            </a:lvl2pPr>
+            <a:lvl3pPr marL="1143000" indent="-228600" algn="l" defTabSz="914400" rtl="0" eaLnBrk="1" latinLnBrk="0" hangingPunct="1">
+              <a:lnSpc>
+                <a:spcPts val="1800"/>
+              </a:lnSpc>
+              <a:spcBef>
+                <a:spcPts val="1000"/>
+              </a:spcBef>
+              <a:spcAft>
+                <a:spcPts val="1000"/>
+              </a:spcAft>
+              <a:buFont typeface="Arial" panose="020B0604020202020204" pitchFamily="34" charset="0"/>
+              <a:buChar char="•"/>
+              <a:defRPr lang="en-US" sz="1200" kern="1200" smtClean="0">
+                <a:solidFill>
+                  <a:schemeClr val="tx1">
+                    <a:lumMod val="75000"/>
+                    <a:lumOff val="25000"/>
+                  </a:schemeClr>
+                </a:solidFill>
+                <a:latin typeface="+mn-lt"/>
+                <a:ea typeface="+mn-ea"/>
+                <a:cs typeface="+mn-cs"/>
+              </a:defRPr>
+            </a:lvl3pPr>
+            <a:lvl4pPr marL="1600200" indent="-228600" algn="l" defTabSz="914400" rtl="0" eaLnBrk="1" latinLnBrk="0" hangingPunct="1">
+              <a:lnSpc>
+                <a:spcPts val="1800"/>
+              </a:lnSpc>
+              <a:spcBef>
+                <a:spcPts val="1000"/>
+              </a:spcBef>
+              <a:spcAft>
+                <a:spcPts val="1000"/>
+              </a:spcAft>
+              <a:buFont typeface="Arial" panose="020B0604020202020204" pitchFamily="34" charset="0"/>
+              <a:buChar char="•"/>
+              <a:defRPr lang="en-US" sz="1200" kern="1200" smtClean="0">
+                <a:solidFill>
+                  <a:schemeClr val="tx1">
+                    <a:lumMod val="75000"/>
+                    <a:lumOff val="25000"/>
+                  </a:schemeClr>
+                </a:solidFill>
+                <a:latin typeface="+mn-lt"/>
+                <a:ea typeface="+mn-ea"/>
+                <a:cs typeface="+mn-cs"/>
+              </a:defRPr>
+            </a:lvl4pPr>
+            <a:lvl5pPr marL="2057400" indent="-228600" algn="l" defTabSz="914400" rtl="0" eaLnBrk="1" latinLnBrk="0" hangingPunct="1">
+              <a:lnSpc>
+                <a:spcPts val="1800"/>
+              </a:lnSpc>
+              <a:spcBef>
+                <a:spcPts val="1000"/>
+              </a:spcBef>
+              <a:spcAft>
+                <a:spcPts val="1000"/>
+              </a:spcAft>
+              <a:buFont typeface="Arial" panose="020B0604020202020204" pitchFamily="34" charset="0"/>
+              <a:buChar char="•"/>
+              <a:defRPr lang="en-US" sz="1200" kern="1200">
+                <a:solidFill>
+                  <a:schemeClr val="tx1">
+                    <a:lumMod val="75000"/>
+                    <a:lumOff val="25000"/>
+                  </a:schemeClr>
+                </a:solidFill>
+                <a:latin typeface="+mn-lt"/>
+                <a:ea typeface="+mn-ea"/>
+                <a:cs typeface="+mn-cs"/>
+              </a:defRPr>
+            </a:lvl5pPr>
+            <a:lvl6pPr marL="2514600" indent="-228600" algn="l" defTabSz="914400" rtl="0" eaLnBrk="1" latinLnBrk="0" hangingPunct="1">
+              <a:lnSpc>
+                <a:spcPct val="90000"/>
+              </a:lnSpc>
+              <a:spcBef>
+                <a:spcPct val="30000"/>
+              </a:spcBef>
+              <a:buFont typeface="Arial" panose="020B0604020202020204" pitchFamily="34" charset="0"/>
+              <a:buChar char="•"/>
+              <a:defRPr sz="1800" kern="1200">
+                <a:solidFill>
+                  <a:schemeClr val="tx1"/>
+                </a:solidFill>
+                <a:latin typeface="+mn-lt"/>
+                <a:ea typeface="+mn-ea"/>
+                <a:cs typeface="+mn-cs"/>
+              </a:defRPr>
+            </a:lvl6pPr>
+            <a:lvl7pPr marL="2971800" indent="-228600" algn="l" defTabSz="914400" rtl="0" eaLnBrk="1" latinLnBrk="0" hangingPunct="1">
+              <a:lnSpc>
+                <a:spcPct val="90000"/>
+              </a:lnSpc>
+              <a:spcBef>
+                <a:spcPct val="30000"/>
+              </a:spcBef>
+              <a:buFont typeface="Arial" panose="020B0604020202020204" pitchFamily="34" charset="0"/>
+              <a:buChar char="•"/>
+              <a:defRPr sz="1800" kern="1200">
+                <a:solidFill>
+                  <a:schemeClr val="tx1"/>
+                </a:solidFill>
+                <a:latin typeface="+mn-lt"/>
+                <a:ea typeface="+mn-ea"/>
+                <a:cs typeface="+mn-cs"/>
+              </a:defRPr>
+            </a:lvl7pPr>
+            <a:lvl8pPr marL="3429000" indent="-228600" algn="l" defTabSz="914400" rtl="0" eaLnBrk="1" latinLnBrk="0" hangingPunct="1">
+              <a:lnSpc>
+                <a:spcPct val="90000"/>
+              </a:lnSpc>
+              <a:spcBef>
+                <a:spcPct val="30000"/>
+              </a:spcBef>
+              <a:buFont typeface="Arial" panose="020B0604020202020204" pitchFamily="34" charset="0"/>
+              <a:buChar char="•"/>
+              <a:defRPr sz="1800" kern="1200">
+                <a:solidFill>
+                  <a:schemeClr val="tx1"/>
+                </a:solidFill>
+                <a:latin typeface="+mn-lt"/>
+                <a:ea typeface="+mn-ea"/>
+                <a:cs typeface="+mn-cs"/>
+              </a:defRPr>
+            </a:lvl8pPr>
+            <a:lvl9pPr marL="3886200" indent="-228600" algn="l" defTabSz="914400" rtl="0" eaLnBrk="1" latinLnBrk="0" hangingPunct="1">
+              <a:lnSpc>
+                <a:spcPct val="90000"/>
+              </a:lnSpc>
+              <a:spcBef>
+                <a:spcPct val="30000"/>
+              </a:spcBef>
+              <a:buFont typeface="Arial" panose="020B0604020202020204" pitchFamily="34" charset="0"/>
+              <a:buChar char="•"/>
+              <a:defRPr sz="1800" kern="1200">
+                <a:solidFill>
+                  <a:schemeClr val="tx1"/>
+                </a:solidFill>
+                <a:latin typeface="+mn-lt"/>
+                <a:ea typeface="+mn-ea"/>
+                <a:cs typeface="+mn-cs"/>
+              </a:defRPr>
+            </a:lvl9pPr>
+          </a:lstStyle>
+          <a:p>
+            <a:pPr marL="0" indent="0">
+              <a:spcAft>
+                <a:spcPts val="2000"/>
+              </a:spcAft>
+              <a:buNone/>
+            </a:pPr>
+            <a:r>
+              <a:rPr lang="el-GR" dirty="0">
+                <a:solidFill>
+                  <a:prstClr val="black">
+                    <a:lumMod val="75000"/>
+                    <a:lumOff val="25000"/>
+                  </a:prstClr>
+                </a:solidFill>
+                <a:latin typeface="Segoe UI" panose="020B0502040204020203" pitchFamily="34" charset="0"/>
+                <a:cs typeface="Segoe UI" panose="020B0502040204020203" pitchFamily="34" charset="0"/>
+              </a:rPr>
+              <a:t>Κάντε δεξί κλικ στη λέξη </a:t>
+            </a:r>
+            <a:r>
+              <a:rPr lang="en-US" i="1" dirty="0">
+                <a:solidFill>
+                  <a:srgbClr val="D24726"/>
+                </a:solidFill>
+                <a:latin typeface="Segoe UI" panose="020B0502040204020203" pitchFamily="34" charset="0"/>
+                <a:cs typeface="Segoe UI" panose="020B0502040204020203" pitchFamily="34" charset="0"/>
+              </a:rPr>
+              <a:t>office</a:t>
+            </a:r>
+            <a:r>
+              <a:rPr lang="el-GR" i="1" dirty="0">
+                <a:solidFill>
+                  <a:srgbClr val="D24726"/>
+                </a:solidFill>
+                <a:latin typeface="Segoe UI" panose="020B0502040204020203" pitchFamily="34" charset="0"/>
+                <a:cs typeface="Segoe UI" panose="020B0502040204020203" pitchFamily="34" charset="0"/>
+              </a:rPr>
+              <a:t> </a:t>
+            </a:r>
+            <a:r>
+              <a:rPr lang="el-GR" dirty="0">
+                <a:solidFill>
+                  <a:prstClr val="black">
+                    <a:lumMod val="75000"/>
+                    <a:lumOff val="25000"/>
+                  </a:prstClr>
+                </a:solidFill>
+                <a:latin typeface="Segoe UI" panose="020B0502040204020203" pitchFamily="34" charset="0"/>
+                <a:cs typeface="Segoe UI" panose="020B0502040204020203" pitchFamily="34" charset="0"/>
+              </a:rPr>
+              <a:t>στην ακόλουθη φράση: </a:t>
+            </a:r>
+            <a:r>
+              <a:rPr lang="en-US" sz="1800" dirty="0">
+                <a:solidFill>
+                  <a:prstClr val="black">
+                    <a:lumMod val="75000"/>
+                    <a:lumOff val="25000"/>
+                  </a:prstClr>
+                </a:solidFill>
+                <a:latin typeface="Segoe UI" panose="020B0502040204020203" pitchFamily="34" charset="0"/>
+                <a:cs typeface="Segoe UI" panose="020B0502040204020203" pitchFamily="34" charset="0"/>
+              </a:rPr>
+              <a:t>office furniture</a:t>
+            </a:r>
+            <a:endParaRPr lang="el-GR" sz="1800" dirty="0">
+              <a:solidFill>
+                <a:prstClr val="black">
+                  <a:lumMod val="75000"/>
+                  <a:lumOff val="25000"/>
+                </a:prstClr>
+              </a:solidFill>
+              <a:latin typeface="Segoe UI" panose="020B0502040204020203" pitchFamily="34" charset="0"/>
+              <a:cs typeface="Segoe UI" panose="020B0502040204020203" pitchFamily="34" charset="0"/>
+            </a:endParaRPr>
+          </a:p>
+        </p:txBody>
+      </p:sp>
+      <p:grpSp>
+        <p:nvGrpSpPr>
+          <p:cNvPr id="36" name="Ομάδα 35" descr="Μικρός κύκλος με τον αριθμό 2 που υποδεικνύει το βήμα 2"/>
+          <p:cNvGrpSpPr/>
+          <p:nvPr/>
+        </p:nvGrpSpPr>
+        <p:grpSpPr bwMode="blackWhite">
+          <a:xfrm>
+            <a:off x="4249102" y="5233381"/>
+            <a:ext cx="558179" cy="409838"/>
+            <a:chOff x="6953426" y="711274"/>
+            <a:chExt cx="558179" cy="409838"/>
+          </a:xfrm>
+        </p:grpSpPr>
+        <p:sp>
+          <p:nvSpPr>
+            <p:cNvPr id="37" name="Έλλειψη 36" descr="Μικρός κύκλος"/>
+            <p:cNvSpPr/>
+            <p:nvPr/>
+          </p:nvSpPr>
+          <p:spPr bwMode="blackWhite">
+            <a:xfrm>
+              <a:off x="7025069" y="711274"/>
+              <a:ext cx="409838" cy="409838"/>
+            </a:xfrm>
+            <a:prstGeom prst="ellipse">
+              <a:avLst/>
+            </a:prstGeom>
+            <a:solidFill>
+              <a:srgbClr val="D24726"/>
+            </a:solidFill>
+            <a:ln>
+              <a:noFill/>
+            </a:ln>
+          </p:spPr>
+          <p:style>
+            <a:lnRef idx="2">
+              <a:schemeClr val="accent1">
+                <a:shade val="50000"/>
+              </a:schemeClr>
+            </a:lnRef>
+            <a:fillRef idx="1">
+              <a:schemeClr val="accent1"/>
+            </a:fillRef>
+            <a:effectRef idx="0">
+              <a:schemeClr val="accent1"/>
+            </a:effectRef>
+            <a:fontRef idx="minor">
+              <a:schemeClr val="lt1"/>
+            </a:fontRef>
+          </p:style>
+          <p:txBody>
+            <a:bodyPr rtlCol="0" anchor="ctr"/>
+            <a:lstStyle/>
+            <a:p>
+              <a:pPr algn="ctr" rtl="0"/>
+              <a:endParaRPr lang="el-GR" dirty="0"/>
+            </a:p>
+          </p:txBody>
+        </p:sp>
+        <p:sp>
+          <p:nvSpPr>
+            <p:cNvPr id="38" name="Πλαίσιο κειμένου 37" descr="Αριθμός 2"/>
+            <p:cNvSpPr txBox="1"/>
+            <p:nvPr/>
+          </p:nvSpPr>
+          <p:spPr bwMode="blackWhite">
+            <a:xfrm>
+              <a:off x="6953426" y="727564"/>
+              <a:ext cx="558179" cy="369332"/>
+            </a:xfrm>
+            <a:prstGeom prst="rect">
+              <a:avLst/>
+            </a:prstGeom>
+            <a:noFill/>
+          </p:spPr>
+          <p:txBody>
+            <a:bodyPr wrap="square" rtlCol="0">
+              <a:spAutoFit/>
+            </a:bodyPr>
+            <a:lstStyle/>
+            <a:p>
+              <a:pPr algn="ctr" rtl="0"/>
+              <a:r>
+                <a:rPr lang="el-GR" dirty="0">
+                  <a:solidFill>
+                    <a:schemeClr val="bg1"/>
+                  </a:solidFill>
+                  <a:latin typeface="Segoe UI Semibold" panose="020B0702040204020203" pitchFamily="34" charset="0"/>
+                  <a:cs typeface="Segoe UI Semibold" panose="020B0702040204020203" pitchFamily="34" charset="0"/>
+                </a:rPr>
+                <a:t>2</a:t>
+              </a:r>
+            </a:p>
+          </p:txBody>
+        </p:sp>
+      </p:grpSp>
+      <p:sp>
+        <p:nvSpPr>
+          <p:cNvPr id="43" name="Θέση περιεχομένου 17"/>
+          <p:cNvSpPr txBox="1">
+            <a:spLocks/>
+          </p:cNvSpPr>
+          <p:nvPr/>
+        </p:nvSpPr>
+        <p:spPr>
+          <a:xfrm>
+            <a:off x="4747855" y="5273573"/>
+            <a:ext cx="3106367" cy="1324053"/>
+          </a:xfrm>
+          <a:prstGeom prst="rect">
+            <a:avLst/>
+          </a:prstGeom>
+        </p:spPr>
+        <p:txBody>
+          <a:bodyPr vert="horz" lIns="91440" tIns="45720" rIns="91440" bIns="45720" rtlCol="0">
+            <a:normAutofit/>
+          </a:bodyPr>
+          <a:lstStyle>
+            <a:lvl1pPr marL="228600" indent="-228600" algn="l" defTabSz="914400" rtl="0" eaLnBrk="1" latinLnBrk="0" hangingPunct="1">
+              <a:lnSpc>
+                <a:spcPts val="1800"/>
+              </a:lnSpc>
+              <a:spcBef>
+                <a:spcPts val="1000"/>
+              </a:spcBef>
+              <a:spcAft>
+                <a:spcPts val="1000"/>
+              </a:spcAft>
+              <a:buFont typeface="Arial" panose="020B0604020202020204" pitchFamily="34" charset="0"/>
+              <a:buChar char="•"/>
+              <a:defRPr lang="en-US" sz="1200" kern="1200" smtClean="0">
+                <a:solidFill>
+                  <a:schemeClr val="tx1">
+                    <a:lumMod val="75000"/>
+                    <a:lumOff val="25000"/>
+                  </a:schemeClr>
+                </a:solidFill>
+                <a:latin typeface="+mn-lt"/>
+                <a:ea typeface="+mn-ea"/>
+                <a:cs typeface="+mn-cs"/>
+              </a:defRPr>
+            </a:lvl1pPr>
+            <a:lvl2pPr marL="685800" indent="-228600" algn="l" defTabSz="914400" rtl="0" eaLnBrk="1" latinLnBrk="0" hangingPunct="1">
+              <a:lnSpc>
+                <a:spcPts val="1800"/>
+              </a:lnSpc>
+              <a:spcBef>
+                <a:spcPts val="1000"/>
+              </a:spcBef>
+              <a:spcAft>
+                <a:spcPts val="1000"/>
+              </a:spcAft>
+              <a:buFont typeface="Arial" panose="020B0604020202020204" pitchFamily="34" charset="0"/>
+              <a:buChar char="•"/>
+              <a:defRPr lang="en-US" sz="1200" kern="1200" smtClean="0">
+                <a:solidFill>
+                  <a:schemeClr val="tx1">
+                    <a:lumMod val="75000"/>
+                    <a:lumOff val="25000"/>
+                  </a:schemeClr>
+                </a:solidFill>
+                <a:latin typeface="+mn-lt"/>
+                <a:ea typeface="+mn-ea"/>
+                <a:cs typeface="+mn-cs"/>
+              </a:defRPr>
+            </a:lvl2pPr>
+            <a:lvl3pPr marL="1143000" indent="-228600" algn="l" defTabSz="914400" rtl="0" eaLnBrk="1" latinLnBrk="0" hangingPunct="1">
+              <a:lnSpc>
+                <a:spcPts val="1800"/>
+              </a:lnSpc>
+              <a:spcBef>
+                <a:spcPts val="1000"/>
+              </a:spcBef>
+              <a:spcAft>
+                <a:spcPts val="1000"/>
+              </a:spcAft>
+              <a:buFont typeface="Arial" panose="020B0604020202020204" pitchFamily="34" charset="0"/>
+              <a:buChar char="•"/>
+              <a:defRPr lang="en-US" sz="1200" kern="1200" smtClean="0">
+                <a:solidFill>
+                  <a:schemeClr val="tx1">
+                    <a:lumMod val="75000"/>
+                    <a:lumOff val="25000"/>
+                  </a:schemeClr>
+                </a:solidFill>
+                <a:latin typeface="+mn-lt"/>
+                <a:ea typeface="+mn-ea"/>
+                <a:cs typeface="+mn-cs"/>
+              </a:defRPr>
+            </a:lvl3pPr>
+            <a:lvl4pPr marL="1600200" indent="-228600" algn="l" defTabSz="914400" rtl="0" eaLnBrk="1" latinLnBrk="0" hangingPunct="1">
+              <a:lnSpc>
+                <a:spcPts val="1800"/>
+              </a:lnSpc>
+              <a:spcBef>
+                <a:spcPts val="1000"/>
+              </a:spcBef>
+              <a:spcAft>
+                <a:spcPts val="1000"/>
+              </a:spcAft>
+              <a:buFont typeface="Arial" panose="020B0604020202020204" pitchFamily="34" charset="0"/>
+              <a:buChar char="•"/>
+              <a:defRPr lang="en-US" sz="1200" kern="1200" smtClean="0">
+                <a:solidFill>
+                  <a:schemeClr val="tx1">
+                    <a:lumMod val="75000"/>
+                    <a:lumOff val="25000"/>
+                  </a:schemeClr>
+                </a:solidFill>
+                <a:latin typeface="+mn-lt"/>
+                <a:ea typeface="+mn-ea"/>
+                <a:cs typeface="+mn-cs"/>
+              </a:defRPr>
+            </a:lvl4pPr>
+            <a:lvl5pPr marL="2057400" indent="-228600" algn="l" defTabSz="914400" rtl="0" eaLnBrk="1" latinLnBrk="0" hangingPunct="1">
+              <a:lnSpc>
+                <a:spcPts val="1800"/>
+              </a:lnSpc>
+              <a:spcBef>
+                <a:spcPts val="1000"/>
+              </a:spcBef>
+              <a:spcAft>
+                <a:spcPts val="1000"/>
+              </a:spcAft>
+              <a:buFont typeface="Arial" panose="020B0604020202020204" pitchFamily="34" charset="0"/>
+              <a:buChar char="•"/>
+              <a:defRPr lang="en-US" sz="1200" kern="1200">
+                <a:solidFill>
+                  <a:schemeClr val="tx1">
+                    <a:lumMod val="75000"/>
+                    <a:lumOff val="25000"/>
+                  </a:schemeClr>
+                </a:solidFill>
+                <a:latin typeface="+mn-lt"/>
+                <a:ea typeface="+mn-ea"/>
+                <a:cs typeface="+mn-cs"/>
+              </a:defRPr>
+            </a:lvl5pPr>
+            <a:lvl6pPr marL="2514600" indent="-228600" algn="l" defTabSz="914400" rtl="0" eaLnBrk="1" latinLnBrk="0" hangingPunct="1">
+              <a:lnSpc>
+                <a:spcPct val="90000"/>
+              </a:lnSpc>
+              <a:spcBef>
+                <a:spcPct val="30000"/>
+              </a:spcBef>
+              <a:buFont typeface="Arial" panose="020B0604020202020204" pitchFamily="34" charset="0"/>
+              <a:buChar char="•"/>
+              <a:defRPr sz="1800" kern="1200">
+                <a:solidFill>
+                  <a:schemeClr val="tx1"/>
+                </a:solidFill>
+                <a:latin typeface="+mn-lt"/>
+                <a:ea typeface="+mn-ea"/>
+                <a:cs typeface="+mn-cs"/>
+              </a:defRPr>
+            </a:lvl6pPr>
+            <a:lvl7pPr marL="2971800" indent="-228600" algn="l" defTabSz="914400" rtl="0" eaLnBrk="1" latinLnBrk="0" hangingPunct="1">
+              <a:lnSpc>
+                <a:spcPct val="90000"/>
+              </a:lnSpc>
+              <a:spcBef>
+                <a:spcPct val="30000"/>
+              </a:spcBef>
+              <a:buFont typeface="Arial" panose="020B0604020202020204" pitchFamily="34" charset="0"/>
+              <a:buChar char="•"/>
+              <a:defRPr sz="1800" kern="1200">
+                <a:solidFill>
+                  <a:schemeClr val="tx1"/>
+                </a:solidFill>
+                <a:latin typeface="+mn-lt"/>
+                <a:ea typeface="+mn-ea"/>
+                <a:cs typeface="+mn-cs"/>
+              </a:defRPr>
+            </a:lvl7pPr>
+            <a:lvl8pPr marL="3429000" indent="-228600" algn="l" defTabSz="914400" rtl="0" eaLnBrk="1" latinLnBrk="0" hangingPunct="1">
+              <a:lnSpc>
+                <a:spcPct val="90000"/>
+              </a:lnSpc>
+              <a:spcBef>
+                <a:spcPct val="30000"/>
+              </a:spcBef>
+              <a:buFont typeface="Arial" panose="020B0604020202020204" pitchFamily="34" charset="0"/>
+              <a:buChar char="•"/>
+              <a:defRPr sz="1800" kern="1200">
+                <a:solidFill>
+                  <a:schemeClr val="tx1"/>
+                </a:solidFill>
+                <a:latin typeface="+mn-lt"/>
+                <a:ea typeface="+mn-ea"/>
+                <a:cs typeface="+mn-cs"/>
+              </a:defRPr>
+            </a:lvl8pPr>
+            <a:lvl9pPr marL="3886200" indent="-228600" algn="l" defTabSz="914400" rtl="0" eaLnBrk="1" latinLnBrk="0" hangingPunct="1">
+              <a:lnSpc>
+                <a:spcPct val="90000"/>
+              </a:lnSpc>
+              <a:spcBef>
+                <a:spcPct val="30000"/>
+              </a:spcBef>
+              <a:buFont typeface="Arial" panose="020B0604020202020204" pitchFamily="34" charset="0"/>
+              <a:buChar char="•"/>
+              <a:defRPr sz="1800" kern="1200">
+                <a:solidFill>
+                  <a:schemeClr val="tx1"/>
+                </a:solidFill>
+                <a:latin typeface="+mn-lt"/>
+                <a:ea typeface="+mn-ea"/>
+                <a:cs typeface="+mn-cs"/>
+              </a:defRPr>
+            </a:lvl9pPr>
+          </a:lstStyle>
+          <a:p>
+            <a:pPr marL="0" indent="0" rtl="0">
+              <a:spcAft>
+                <a:spcPts val="2000"/>
+              </a:spcAft>
+              <a:buNone/>
+            </a:pPr>
+            <a:r>
+              <a:rPr lang="el-GR" dirty="0">
+                <a:solidFill>
+                  <a:prstClr val="black">
+                    <a:lumMod val="75000"/>
+                    <a:lumOff val="25000"/>
+                  </a:prstClr>
+                </a:solidFill>
+                <a:latin typeface="Segoe UI" panose="020B0502040204020203" pitchFamily="34" charset="0"/>
+                <a:cs typeface="Segoe UI" panose="020B0502040204020203" pitchFamily="34" charset="0"/>
+              </a:rPr>
+              <a:t>Επιλέξτε </a:t>
+            </a:r>
+            <a:r>
+              <a:rPr lang="el-GR" dirty="0">
+                <a:solidFill>
+                  <a:srgbClr val="D24726"/>
+                </a:solidFill>
+                <a:latin typeface="Segoe UI Semibold" panose="020B0702040204020203" pitchFamily="34" charset="0"/>
+                <a:cs typeface="Segoe UI Semibold" panose="020B0702040204020203" pitchFamily="34" charset="0"/>
+              </a:rPr>
+              <a:t>Έξυπνη</a:t>
+            </a:r>
+            <a:r>
+              <a:rPr lang="el-GR" dirty="0">
+                <a:solidFill>
+                  <a:prstClr val="black">
+                    <a:lumMod val="75000"/>
+                    <a:lumOff val="25000"/>
+                  </a:prstClr>
+                </a:solidFill>
+                <a:cs typeface="Segoe UI"/>
+              </a:rPr>
+              <a:t> </a:t>
+            </a:r>
+            <a:r>
+              <a:rPr lang="el-GR" dirty="0">
+                <a:solidFill>
+                  <a:srgbClr val="D24726"/>
+                </a:solidFill>
+                <a:latin typeface="Segoe UI Semibold" panose="020B0702040204020203" pitchFamily="34" charset="0"/>
+                <a:cs typeface="Segoe UI Semibold" panose="020B0702040204020203" pitchFamily="34" charset="0"/>
+              </a:rPr>
+              <a:t>αναζήτηση</a:t>
+            </a:r>
+            <a:r>
+              <a:rPr lang="el-GR" dirty="0">
+                <a:latin typeface="Segoe UI" panose="020B0502040204020203" pitchFamily="34" charset="0"/>
+                <a:cs typeface="Segoe UI" panose="020B0502040204020203" pitchFamily="34" charset="0"/>
+              </a:rPr>
+              <a:t> και παρατηρήστε ότι τα αποτελέσματα είναι συναφή με αυτή τη φράση, όχι με τις </a:t>
+            </a:r>
+            <a:r>
+              <a:rPr lang="el-GR" sz="1800" dirty="0">
+                <a:latin typeface="Segoe UI" panose="020B0502040204020203" pitchFamily="34" charset="0"/>
+                <a:cs typeface="Segoe UI" panose="020B0502040204020203" pitchFamily="34" charset="0"/>
+              </a:rPr>
+              <a:t>Εφαρμογές του Microsoft Office</a:t>
+            </a:r>
+            <a:r>
+              <a:rPr lang="el-GR" dirty="0">
+                <a:latin typeface="Segoe UI" panose="020B0502040204020203" pitchFamily="34" charset="0"/>
+                <a:cs typeface="Segoe UI" panose="020B0502040204020203" pitchFamily="34" charset="0"/>
+              </a:rPr>
+              <a:t>.</a:t>
+            </a:r>
+            <a:endParaRPr lang="el-GR" dirty="0">
+              <a:solidFill>
+                <a:srgbClr val="D24726"/>
+              </a:solidFill>
+              <a:latin typeface="Segoe UI" panose="020B0502040204020203" pitchFamily="34" charset="0"/>
+              <a:cs typeface="Segoe UI" panose="020B0502040204020203" pitchFamily="34" charset="0"/>
+            </a:endParaRPr>
+          </a:p>
+        </p:txBody>
+      </p:sp>
+      <p:grpSp>
+        <p:nvGrpSpPr>
+          <p:cNvPr id="39" name="Ομάδα 38" descr="Μικρός κύκλος με τον αριθμό 3 που υποδεικνύει το βήμα 3"/>
+          <p:cNvGrpSpPr/>
+          <p:nvPr/>
+        </p:nvGrpSpPr>
+        <p:grpSpPr bwMode="blackWhite">
+          <a:xfrm>
+            <a:off x="7930921" y="5233381"/>
+            <a:ext cx="558179" cy="409838"/>
+            <a:chOff x="6953426" y="711274"/>
+            <a:chExt cx="558179" cy="409838"/>
+          </a:xfrm>
+        </p:grpSpPr>
+        <p:sp>
+          <p:nvSpPr>
+            <p:cNvPr id="40" name="Έλλειψη 39" descr="Μικρός κύκλος"/>
+            <p:cNvSpPr/>
+            <p:nvPr/>
+          </p:nvSpPr>
+          <p:spPr bwMode="blackWhite">
+            <a:xfrm>
+              <a:off x="7025069" y="711274"/>
+              <a:ext cx="409838" cy="409838"/>
+            </a:xfrm>
+            <a:prstGeom prst="ellipse">
+              <a:avLst/>
+            </a:prstGeom>
+            <a:solidFill>
+              <a:srgbClr val="D24726"/>
+            </a:solidFill>
+            <a:ln>
+              <a:noFill/>
+            </a:ln>
+          </p:spPr>
+          <p:style>
+            <a:lnRef idx="2">
+              <a:schemeClr val="accent1">
+                <a:shade val="50000"/>
+              </a:schemeClr>
+            </a:lnRef>
+            <a:fillRef idx="1">
+              <a:schemeClr val="accent1"/>
+            </a:fillRef>
+            <a:effectRef idx="0">
+              <a:schemeClr val="accent1"/>
+            </a:effectRef>
+            <a:fontRef idx="minor">
+              <a:schemeClr val="lt1"/>
+            </a:fontRef>
+          </p:style>
+          <p:txBody>
+            <a:bodyPr rtlCol="0" anchor="ctr"/>
+            <a:lstStyle/>
+            <a:p>
+              <a:pPr algn="ctr" rtl="0"/>
+              <a:endParaRPr lang="el-GR" dirty="0"/>
+            </a:p>
+          </p:txBody>
+        </p:sp>
+        <p:sp>
+          <p:nvSpPr>
+            <p:cNvPr id="41" name="Πλαίσιο κειμένου 40" descr="Αριθμός 3"/>
+            <p:cNvSpPr txBox="1"/>
+            <p:nvPr/>
+          </p:nvSpPr>
+          <p:spPr bwMode="blackWhite">
+            <a:xfrm>
+              <a:off x="6953426" y="727564"/>
+              <a:ext cx="558179" cy="369332"/>
+            </a:xfrm>
+            <a:prstGeom prst="rect">
+              <a:avLst/>
+            </a:prstGeom>
+            <a:noFill/>
+          </p:spPr>
+          <p:txBody>
+            <a:bodyPr wrap="square" rtlCol="0">
+              <a:spAutoFit/>
+            </a:bodyPr>
+            <a:lstStyle/>
+            <a:p>
+              <a:pPr algn="ctr" rtl="0"/>
+              <a:r>
+                <a:rPr lang="el-GR" dirty="0">
+                  <a:solidFill>
+                    <a:schemeClr val="bg1"/>
+                  </a:solidFill>
+                  <a:latin typeface="Segoe UI Semibold" panose="020B0702040204020203" pitchFamily="34" charset="0"/>
+                  <a:cs typeface="Segoe UI Semibold" panose="020B0702040204020203" pitchFamily="34" charset="0"/>
+                </a:rPr>
+                <a:t>3</a:t>
+              </a:r>
+            </a:p>
+          </p:txBody>
+        </p:sp>
+      </p:grpSp>
+      <p:sp>
+        <p:nvSpPr>
+          <p:cNvPr id="44" name="Θέση περιεχομένου 17"/>
+          <p:cNvSpPr txBox="1">
+            <a:spLocks/>
+          </p:cNvSpPr>
+          <p:nvPr/>
+        </p:nvSpPr>
+        <p:spPr>
+          <a:xfrm>
+            <a:off x="8429668" y="5273573"/>
+            <a:ext cx="3107336" cy="1341886"/>
+          </a:xfrm>
+          <a:prstGeom prst="rect">
+            <a:avLst/>
+          </a:prstGeom>
+        </p:spPr>
+        <p:txBody>
+          <a:bodyPr vert="horz" lIns="91440" tIns="45720" rIns="91440" bIns="45720" rtlCol="0">
+            <a:normAutofit/>
+          </a:bodyPr>
+          <a:lstStyle>
+            <a:lvl1pPr marL="228600" indent="-228600" algn="l" defTabSz="914400" rtl="0" eaLnBrk="1" latinLnBrk="0" hangingPunct="1">
+              <a:lnSpc>
+                <a:spcPts val="1800"/>
+              </a:lnSpc>
+              <a:spcBef>
+                <a:spcPts val="1000"/>
+              </a:spcBef>
+              <a:spcAft>
+                <a:spcPts val="1000"/>
+              </a:spcAft>
+              <a:buFont typeface="Arial" panose="020B0604020202020204" pitchFamily="34" charset="0"/>
+              <a:buChar char="•"/>
+              <a:defRPr lang="en-US" sz="1200" kern="1200" smtClean="0">
+                <a:solidFill>
+                  <a:schemeClr val="tx1">
+                    <a:lumMod val="75000"/>
+                    <a:lumOff val="25000"/>
+                  </a:schemeClr>
+                </a:solidFill>
+                <a:latin typeface="+mn-lt"/>
+                <a:ea typeface="+mn-ea"/>
+                <a:cs typeface="+mn-cs"/>
+              </a:defRPr>
+            </a:lvl1pPr>
+            <a:lvl2pPr marL="685800" indent="-228600" algn="l" defTabSz="914400" rtl="0" eaLnBrk="1" latinLnBrk="0" hangingPunct="1">
+              <a:lnSpc>
+                <a:spcPts val="1800"/>
+              </a:lnSpc>
+              <a:spcBef>
+                <a:spcPts val="1000"/>
+              </a:spcBef>
+              <a:spcAft>
+                <a:spcPts val="1000"/>
+              </a:spcAft>
+              <a:buFont typeface="Arial" panose="020B0604020202020204" pitchFamily="34" charset="0"/>
+              <a:buChar char="•"/>
+              <a:defRPr lang="en-US" sz="1200" kern="1200" smtClean="0">
+                <a:solidFill>
+                  <a:schemeClr val="tx1">
+                    <a:lumMod val="75000"/>
+                    <a:lumOff val="25000"/>
+                  </a:schemeClr>
+                </a:solidFill>
+                <a:latin typeface="+mn-lt"/>
+                <a:ea typeface="+mn-ea"/>
+                <a:cs typeface="+mn-cs"/>
+              </a:defRPr>
+            </a:lvl2pPr>
+            <a:lvl3pPr marL="1143000" indent="-228600" algn="l" defTabSz="914400" rtl="0" eaLnBrk="1" latinLnBrk="0" hangingPunct="1">
+              <a:lnSpc>
+                <a:spcPts val="1800"/>
+              </a:lnSpc>
+              <a:spcBef>
+                <a:spcPts val="1000"/>
+              </a:spcBef>
+              <a:spcAft>
+                <a:spcPts val="1000"/>
+              </a:spcAft>
+              <a:buFont typeface="Arial" panose="020B0604020202020204" pitchFamily="34" charset="0"/>
+              <a:buChar char="•"/>
+              <a:defRPr lang="en-US" sz="1200" kern="1200" smtClean="0">
+                <a:solidFill>
+                  <a:schemeClr val="tx1">
+                    <a:lumMod val="75000"/>
+                    <a:lumOff val="25000"/>
+                  </a:schemeClr>
+                </a:solidFill>
+                <a:latin typeface="+mn-lt"/>
+                <a:ea typeface="+mn-ea"/>
+                <a:cs typeface="+mn-cs"/>
+              </a:defRPr>
+            </a:lvl3pPr>
+            <a:lvl4pPr marL="1600200" indent="-228600" algn="l" defTabSz="914400" rtl="0" eaLnBrk="1" latinLnBrk="0" hangingPunct="1">
+              <a:lnSpc>
+                <a:spcPts val="1800"/>
+              </a:lnSpc>
+              <a:spcBef>
+                <a:spcPts val="1000"/>
+              </a:spcBef>
+              <a:spcAft>
+                <a:spcPts val="1000"/>
+              </a:spcAft>
+              <a:buFont typeface="Arial" panose="020B0604020202020204" pitchFamily="34" charset="0"/>
+              <a:buChar char="•"/>
+              <a:defRPr lang="en-US" sz="1200" kern="1200" smtClean="0">
+                <a:solidFill>
+                  <a:schemeClr val="tx1">
+                    <a:lumMod val="75000"/>
+                    <a:lumOff val="25000"/>
+                  </a:schemeClr>
+                </a:solidFill>
+                <a:latin typeface="+mn-lt"/>
+                <a:ea typeface="+mn-ea"/>
+                <a:cs typeface="+mn-cs"/>
+              </a:defRPr>
+            </a:lvl4pPr>
+            <a:lvl5pPr marL="2057400" indent="-228600" algn="l" defTabSz="914400" rtl="0" eaLnBrk="1" latinLnBrk="0" hangingPunct="1">
+              <a:lnSpc>
+                <a:spcPts val="1800"/>
+              </a:lnSpc>
+              <a:spcBef>
+                <a:spcPts val="1000"/>
+              </a:spcBef>
+              <a:spcAft>
+                <a:spcPts val="1000"/>
+              </a:spcAft>
+              <a:buFont typeface="Arial" panose="020B0604020202020204" pitchFamily="34" charset="0"/>
+              <a:buChar char="•"/>
+              <a:defRPr lang="en-US" sz="1200" kern="1200">
+                <a:solidFill>
+                  <a:schemeClr val="tx1">
+                    <a:lumMod val="75000"/>
+                    <a:lumOff val="25000"/>
+                  </a:schemeClr>
+                </a:solidFill>
+                <a:latin typeface="+mn-lt"/>
+                <a:ea typeface="+mn-ea"/>
+                <a:cs typeface="+mn-cs"/>
+              </a:defRPr>
+            </a:lvl5pPr>
+            <a:lvl6pPr marL="2514600" indent="-228600" algn="l" defTabSz="914400" rtl="0" eaLnBrk="1" latinLnBrk="0" hangingPunct="1">
+              <a:lnSpc>
+                <a:spcPct val="90000"/>
+              </a:lnSpc>
+              <a:spcBef>
+                <a:spcPct val="30000"/>
+              </a:spcBef>
+              <a:buFont typeface="Arial" panose="020B0604020202020204" pitchFamily="34" charset="0"/>
+              <a:buChar char="•"/>
+              <a:defRPr sz="1800" kern="1200">
+                <a:solidFill>
+                  <a:schemeClr val="tx1"/>
+                </a:solidFill>
+                <a:latin typeface="+mn-lt"/>
+                <a:ea typeface="+mn-ea"/>
+                <a:cs typeface="+mn-cs"/>
+              </a:defRPr>
+            </a:lvl6pPr>
+            <a:lvl7pPr marL="2971800" indent="-228600" algn="l" defTabSz="914400" rtl="0" eaLnBrk="1" latinLnBrk="0" hangingPunct="1">
+              <a:lnSpc>
+                <a:spcPct val="90000"/>
+              </a:lnSpc>
+              <a:spcBef>
+                <a:spcPct val="30000"/>
+              </a:spcBef>
+              <a:buFont typeface="Arial" panose="020B0604020202020204" pitchFamily="34" charset="0"/>
+              <a:buChar char="•"/>
+              <a:defRPr sz="1800" kern="1200">
+                <a:solidFill>
+                  <a:schemeClr val="tx1"/>
+                </a:solidFill>
+                <a:latin typeface="+mn-lt"/>
+                <a:ea typeface="+mn-ea"/>
+                <a:cs typeface="+mn-cs"/>
+              </a:defRPr>
+            </a:lvl7pPr>
+            <a:lvl8pPr marL="3429000" indent="-228600" algn="l" defTabSz="914400" rtl="0" eaLnBrk="1" latinLnBrk="0" hangingPunct="1">
+              <a:lnSpc>
+                <a:spcPct val="90000"/>
+              </a:lnSpc>
+              <a:spcBef>
+                <a:spcPct val="30000"/>
+              </a:spcBef>
+              <a:buFont typeface="Arial" panose="020B0604020202020204" pitchFamily="34" charset="0"/>
+              <a:buChar char="•"/>
+              <a:defRPr sz="1800" kern="1200">
+                <a:solidFill>
+                  <a:schemeClr val="tx1"/>
+                </a:solidFill>
+                <a:latin typeface="+mn-lt"/>
+                <a:ea typeface="+mn-ea"/>
+                <a:cs typeface="+mn-cs"/>
+              </a:defRPr>
+            </a:lvl8pPr>
+            <a:lvl9pPr marL="3886200" indent="-228600" algn="l" defTabSz="914400" rtl="0" eaLnBrk="1" latinLnBrk="0" hangingPunct="1">
+              <a:lnSpc>
+                <a:spcPct val="90000"/>
+              </a:lnSpc>
+              <a:spcBef>
+                <a:spcPct val="30000"/>
+              </a:spcBef>
+              <a:buFont typeface="Arial" panose="020B0604020202020204" pitchFamily="34" charset="0"/>
+              <a:buChar char="•"/>
+              <a:defRPr sz="1800" kern="1200">
+                <a:solidFill>
+                  <a:schemeClr val="tx1"/>
+                </a:solidFill>
+                <a:latin typeface="+mn-lt"/>
+                <a:ea typeface="+mn-ea"/>
+                <a:cs typeface="+mn-cs"/>
+              </a:defRPr>
+            </a:lvl9pPr>
+          </a:lstStyle>
+          <a:p>
+            <a:pPr marL="0" lvl="0" indent="0" rtl="0">
+              <a:spcAft>
+                <a:spcPts val="2000"/>
+              </a:spcAft>
+              <a:buNone/>
+            </a:pPr>
+            <a:r>
+              <a:rPr lang="el-GR" dirty="0">
+                <a:latin typeface="Segoe UI" panose="020B0502040204020203" pitchFamily="34" charset="0"/>
+                <a:cs typeface="Segoe UI" panose="020B0502040204020203" pitchFamily="34" charset="0"/>
+              </a:rPr>
+              <a:t>Απλώς για διασκέδαση, δοκιμάστε ξανά την Έξυπνη αναζήτηση κάνοντας δεξί κλικ στη λέξη </a:t>
+            </a:r>
+            <a:r>
+              <a:rPr lang="el-GR" i="1" dirty="0">
+                <a:solidFill>
+                  <a:srgbClr val="D24726"/>
+                </a:solidFill>
+                <a:latin typeface="Segoe UI" panose="020B0502040204020203" pitchFamily="34" charset="0"/>
+                <a:cs typeface="Segoe UI" panose="020B0502040204020203" pitchFamily="34" charset="0"/>
+              </a:rPr>
+              <a:t>Office</a:t>
+            </a:r>
+            <a:r>
+              <a:rPr lang="el-GR" dirty="0"/>
+              <a:t> </a:t>
+            </a:r>
+            <a:r>
+              <a:rPr lang="el-GR" dirty="0">
+                <a:latin typeface="Segoe UI" panose="020B0502040204020203" pitchFamily="34" charset="0"/>
+                <a:cs typeface="Segoe UI" panose="020B0502040204020203" pitchFamily="34" charset="0"/>
+              </a:rPr>
+              <a:t>στο βήμα 2.</a:t>
+            </a:r>
+          </a:p>
+          <a:p>
+            <a:pPr marL="0" indent="0" rtl="0">
+              <a:spcAft>
+                <a:spcPts val="2000"/>
+              </a:spcAft>
+              <a:buNone/>
+            </a:pPr>
+            <a:endParaRPr lang="el-GR" dirty="0">
+              <a:solidFill>
+                <a:prstClr val="black">
+                  <a:lumMod val="75000"/>
+                  <a:lumOff val="25000"/>
+                </a:prstClr>
+              </a:solidFill>
+            </a:endParaRPr>
+          </a:p>
+        </p:txBody>
+      </p:sp>
+    </p:spTree>
+    <p:extLst>
+      <p:ext uri="{BB962C8B-B14F-4D97-AF65-F5344CB8AC3E}">
+        <p14:creationId xmlns:p14="http://schemas.microsoft.com/office/powerpoint/2010/main" val="1769326051"/>
+      </p:ext>
+    </p:extLst>
+  </p:cSld>
+  <p:clrMapOvr>
+    <a:masterClrMapping/>
+  </p:clrMapOvr>
+  <mc:AlternateContent xmlns:mc="http://schemas.openxmlformats.org/markup-compatibility/2006" xmlns:p14="http://schemas.microsoft.com/office/powerpoint/2010/main">
+    <mc:Choice Requires="p14">
+      <p:transition p14:dur="10"/>
+    </mc:Choice>
+    <mc:Fallback xmlns="">
+      <p:transition/>
+    </mc:Fallback>
+  </mc:AlternateContent>
+</p:sld>
+</file>
+
+<file path=ppt/slides/slide11.xml><?xml version="1.0" encoding="utf-8"?>
+<p:sld xmlns:a="http://schemas.openxmlformats.org/drawingml/2006/main" xmlns:r="http://schemas.openxmlformats.org/officeDocument/2006/relationships" xmlns:p="http://schemas.openxmlformats.org/presentationml/2006/main">
+  <p:cSld>
+    <p:spTree>
+      <p:nvGrpSpPr>
+        <p:cNvPr id="1" name=""/>
+        <p:cNvGrpSpPr/>
+        <p:nvPr/>
+      </p:nvGrpSpPr>
+      <p:grpSpPr>
+        <a:xfrm>
+          <a:off x="0" y="0"/>
+          <a:ext cx="0" cy="0"/>
+          <a:chOff x="0" y="0"/>
+          <a:chExt cx="0" cy="0"/>
+        </a:xfrm>
+      </p:grpSpPr>
+      <p:sp>
+        <p:nvSpPr>
+          <p:cNvPr id="10" name="Τίτλος 9"/>
+          <p:cNvSpPr>
+            <a:spLocks noGrp="1"/>
+          </p:cNvSpPr>
+          <p:nvPr>
+            <p:ph type="title"/>
+          </p:nvPr>
+        </p:nvSpPr>
+        <p:spPr>
+          <a:xfrm>
+            <a:off x="521208" y="968473"/>
+            <a:ext cx="6876288" cy="1207799"/>
+          </a:xfrm>
+        </p:spPr>
+        <p:txBody>
+          <a:bodyPr rtlCol="0">
+            <a:normAutofit/>
+          </a:bodyPr>
+          <a:lstStyle/>
+          <a:p>
+            <a:pPr rtl="0"/>
+            <a:r>
+              <a:rPr lang="el-GR" dirty="0">
+                <a:latin typeface="Segoe UI Light" panose="020B0502040204020203" pitchFamily="34" charset="0"/>
+                <a:cs typeface="Segoe UI Light" panose="020B0502040204020203" pitchFamily="34" charset="0"/>
+              </a:rPr>
+              <a:t>Έχετε περισσότερες ερωτήσεις σχετικά με το PowerPoint;</a:t>
+            </a:r>
+          </a:p>
+        </p:txBody>
+      </p:sp>
+      <p:sp>
+        <p:nvSpPr>
+          <p:cNvPr id="5" name="Θέση περιεχομένου 4"/>
+          <p:cNvSpPr>
+            <a:spLocks noGrp="1"/>
+          </p:cNvSpPr>
+          <p:nvPr>
+            <p:ph sz="half" idx="4294967295"/>
+          </p:nvPr>
+        </p:nvSpPr>
+        <p:spPr>
+          <a:xfrm>
+            <a:off x="541611" y="2614427"/>
+            <a:ext cx="11168608" cy="3978275"/>
+          </a:xfrm>
+        </p:spPr>
+        <p:txBody>
+          <a:bodyPr rtlCol="0">
+            <a:normAutofit/>
+          </a:bodyPr>
+          <a:lstStyle/>
+          <a:p>
+            <a:pPr marL="0" indent="0" rtl="0">
+              <a:lnSpc>
+                <a:spcPts val="3600"/>
+              </a:lnSpc>
+              <a:spcAft>
+                <a:spcPts val="0"/>
+              </a:spcAft>
+              <a:buNone/>
+            </a:pPr>
+            <a:r>
+              <a:rPr lang="el-GR" sz="2000" dirty="0">
+                <a:latin typeface="Segoe UI Light" panose="020B0502040204020203" pitchFamily="34" charset="0"/>
+                <a:cs typeface="Segoe UI Light" panose="020B0502040204020203" pitchFamily="34" charset="0"/>
+              </a:rPr>
+              <a:t>Επιλέξτε το κουμπί </a:t>
+            </a:r>
+            <a:r>
+              <a:rPr lang="el-GR" sz="2000" dirty="0">
+                <a:solidFill>
+                  <a:srgbClr val="D24726"/>
+                </a:solidFill>
+                <a:latin typeface="Segoe UI Semibold" panose="020B0702040204020203" pitchFamily="34" charset="0"/>
+                <a:cs typeface="Segoe UI Semibold" panose="020B0702040204020203" pitchFamily="34" charset="0"/>
+              </a:rPr>
+              <a:t>Πείτε μου                   </a:t>
+            </a:r>
+            <a:r>
+              <a:rPr lang="el-GR" sz="2000" dirty="0">
+                <a:latin typeface="Segoe UI Light" panose="020B0502040204020203" pitchFamily="34" charset="0"/>
+                <a:cs typeface="Segoe UI Light" panose="020B0502040204020203" pitchFamily="34" charset="0"/>
+              </a:rPr>
+              <a:t>και πληκτρολογήστε αυτό που θέλετε να μάθετε.</a:t>
+            </a:r>
+            <a:br>
+              <a:rPr lang="el-GR" sz="2000" dirty="0">
+                <a:latin typeface="Segoe UI Light" panose="020B0502040204020203" pitchFamily="34" charset="0"/>
+                <a:cs typeface="Segoe UI Light" panose="020B0502040204020203" pitchFamily="34" charset="0"/>
+              </a:rPr>
+            </a:br>
+            <a:endParaRPr lang="el-GR" sz="2000" dirty="0">
+              <a:latin typeface="Segoe UI Light" panose="020B0502040204020203" pitchFamily="34" charset="0"/>
+              <a:cs typeface="Segoe UI Light" panose="020B0502040204020203" pitchFamily="34" charset="0"/>
+            </a:endParaRPr>
+          </a:p>
+          <a:p>
+            <a:pPr>
+              <a:lnSpc>
+                <a:spcPts val="3600"/>
+              </a:lnSpc>
+              <a:spcAft>
+                <a:spcPts val="0"/>
+              </a:spcAft>
+            </a:pPr>
+            <a:r>
+              <a:rPr lang="el-GR" sz="1800" dirty="0">
+                <a:latin typeface="Segoe UI Light" panose="020B0502040204020203" pitchFamily="34" charset="0"/>
+                <a:cs typeface="Segoe UI Light" panose="020B0502040204020203" pitchFamily="34" charset="0"/>
+                <a:hlinkClick r:id="rId3" tooltip="Επισκεφθείτε το ιστολόγιο της ομάδας του PowerPoint (μόνο στα Αγγλικά)"/>
+              </a:rPr>
+              <a:t>Επισκεφθείτε το </a:t>
+            </a:r>
+            <a:r>
+              <a:rPr lang="el-GR" sz="1800" dirty="0" err="1">
+                <a:latin typeface="Segoe UI Light" panose="020B0502040204020203" pitchFamily="34" charset="0"/>
+                <a:cs typeface="Segoe UI Light" panose="020B0502040204020203" pitchFamily="34" charset="0"/>
+                <a:hlinkClick r:id="rId3" tooltip="Επισκεφθείτε το ιστολόγιο της ομάδας του PowerPoint (μόνο στα Αγγλικά)"/>
+              </a:rPr>
+              <a:t>ιστολόγιο</a:t>
+            </a:r>
+            <a:r>
+              <a:rPr lang="el-GR" sz="1800" dirty="0">
+                <a:latin typeface="Segoe UI Light" panose="020B0502040204020203" pitchFamily="34" charset="0"/>
+                <a:cs typeface="Segoe UI Light" panose="020B0502040204020203" pitchFamily="34" charset="0"/>
+                <a:hlinkClick r:id="rId3" tooltip="Επισκεφθείτε το ιστολόγιο της ομάδας του PowerPoint (μόνο στα Αγγλικά)"/>
+              </a:rPr>
+              <a:t> της ομάδας του PowerPoint (μόνο στα Αγγλικά)</a:t>
+            </a:r>
+            <a:endParaRPr lang="el-GR" sz="1800" dirty="0">
+              <a:latin typeface="Segoe UI Light" panose="020B0502040204020203" pitchFamily="34" charset="0"/>
+              <a:cs typeface="Segoe UI Light" panose="020B0502040204020203" pitchFamily="34" charset="0"/>
+            </a:endParaRPr>
+          </a:p>
+          <a:p>
+            <a:pPr marL="0" indent="0" rtl="0">
+              <a:lnSpc>
+                <a:spcPts val="3600"/>
+              </a:lnSpc>
+              <a:spcAft>
+                <a:spcPts val="0"/>
+              </a:spcAft>
+              <a:buNone/>
+            </a:pPr>
+            <a:r>
+              <a:rPr lang="el-GR" sz="1800" dirty="0">
+                <a:latin typeface="Segoe UI Light" panose="020B0502040204020203" pitchFamily="34" charset="0"/>
+                <a:cs typeface="Segoe UI Light" panose="020B0502040204020203" pitchFamily="34" charset="0"/>
+                <a:hlinkClick r:id="rId4" tooltip="Μεταβείτε στη δωρεάν εκπαίδευση για το PowerPoint"/>
+              </a:rPr>
+              <a:t>Μεταβείτε στη δωρεάν εκπαίδευση για το PowerPoint</a:t>
+            </a:r>
+            <a:endParaRPr lang="el-GR" sz="1800" dirty="0">
+              <a:latin typeface="Segoe UI Light" panose="020B0502040204020203" pitchFamily="34" charset="0"/>
+              <a:cs typeface="Segoe UI Light" panose="020B0502040204020203" pitchFamily="34" charset="0"/>
+            </a:endParaRPr>
+          </a:p>
+          <a:p>
+            <a:pPr marL="0" indent="0" rtl="0">
+              <a:lnSpc>
+                <a:spcPts val="3600"/>
+              </a:lnSpc>
+              <a:spcAft>
+                <a:spcPts val="0"/>
+              </a:spcAft>
+              <a:buNone/>
+            </a:pPr>
+            <a:endParaRPr lang="el-GR" sz="2000" dirty="0">
+              <a:latin typeface="Segoe UI Light" panose="020B0502040204020203" pitchFamily="34" charset="0"/>
+              <a:cs typeface="Segoe UI Light" panose="020B0502040204020203" pitchFamily="34" charset="0"/>
+            </a:endParaRPr>
+          </a:p>
+          <a:p>
+            <a:pPr marL="0" indent="0" rtl="0">
+              <a:lnSpc>
+                <a:spcPts val="3600"/>
+              </a:lnSpc>
+              <a:spcAft>
+                <a:spcPts val="0"/>
+              </a:spcAft>
+              <a:buNone/>
+            </a:pPr>
+            <a:endParaRPr lang="el-GR" sz="2000" dirty="0">
+              <a:latin typeface="Segoe UI Light" panose="020B0502040204020203" pitchFamily="34" charset="0"/>
+              <a:cs typeface="Segoe UI Light" panose="020B0502040204020203" pitchFamily="34" charset="0"/>
+            </a:endParaRPr>
+          </a:p>
+        </p:txBody>
+      </p:sp>
+      <p:pic>
+        <p:nvPicPr>
+          <p:cNvPr id="2" name="Εικόνα 1" descr="Κουμπί &quot;Πείτε μου&quot;"/>
+          <p:cNvPicPr>
+            <a:picLocks noChangeAspect="1"/>
+          </p:cNvPicPr>
+          <p:nvPr/>
+        </p:nvPicPr>
+        <p:blipFill>
+          <a:blip r:embed="rId5" cstate="print">
+            <a:extLst>
+              <a:ext uri="{28A0092B-C50C-407E-A947-70E740481C1C}">
+                <a14:useLocalDpi xmlns:a14="http://schemas.microsoft.com/office/drawing/2010/main" val="0"/>
+              </a:ext>
+            </a:extLst>
+          </a:blip>
+          <a:stretch>
+            <a:fillRect/>
+          </a:stretch>
+        </p:blipFill>
+        <p:spPr>
+          <a:xfrm>
+            <a:off x="4010162" y="2350333"/>
+            <a:ext cx="1269672" cy="1189747"/>
+          </a:xfrm>
+          <a:prstGeom prst="rect">
+            <a:avLst/>
+          </a:prstGeom>
+        </p:spPr>
+      </p:pic>
+      <p:pic>
+        <p:nvPicPr>
+          <p:cNvPr id="11" name="Εικόνα 10"/>
+          <p:cNvPicPr>
+            <a:picLocks noChangeAspect="1"/>
+          </p:cNvPicPr>
+          <p:nvPr/>
+        </p:nvPicPr>
+        <p:blipFill>
+          <a:blip r:embed="rId6">
+            <a:extLst>
+              <a:ext uri="{28A0092B-C50C-407E-A947-70E740481C1C}">
+                <a14:useLocalDpi xmlns:a14="http://schemas.microsoft.com/office/drawing/2010/main" val="0"/>
+              </a:ext>
+            </a:extLst>
+          </a:blip>
+          <a:stretch>
+            <a:fillRect/>
+          </a:stretch>
+        </p:blipFill>
+        <p:spPr>
+          <a:xfrm>
+            <a:off x="9074146" y="3070697"/>
+            <a:ext cx="2476156" cy="1707303"/>
+          </a:xfrm>
+          <a:prstGeom prst="rect">
+            <a:avLst/>
+          </a:prstGeom>
+        </p:spPr>
+      </p:pic>
+      <p:sp>
+        <p:nvSpPr>
+          <p:cNvPr id="9" name="Πλαίσιο κειμένου 8"/>
+          <p:cNvSpPr txBox="1"/>
+          <p:nvPr/>
+        </p:nvSpPr>
+        <p:spPr>
+          <a:xfrm>
+            <a:off x="541611" y="5210842"/>
+            <a:ext cx="6855885" cy="307777"/>
+          </a:xfrm>
+          <a:prstGeom prst="rect">
+            <a:avLst/>
+          </a:prstGeom>
+          <a:noFill/>
+        </p:spPr>
+        <p:txBody>
+          <a:bodyPr wrap="square" rtlCol="0">
+            <a:spAutoFit/>
+          </a:bodyPr>
+          <a:lstStyle/>
+          <a:p>
+            <a:pPr algn="l" rtl="0"/>
+            <a:r>
+              <a:rPr lang="el-GR" sz="1400" dirty="0">
+                <a:latin typeface="Segoe UI Light" panose="020B0502040204020203" pitchFamily="34" charset="0"/>
+                <a:cs typeface="Segoe UI Light" panose="020B0502040204020203" pitchFamily="34" charset="0"/>
+              </a:rPr>
+              <a:t>ΕΠΙΛΕΞΤΕ ΤΟ ΒΕΛΟΣ ΟΤΑΝ ΒΡΙΣΚΕΣΤΕ ΣΕ ΛΕΙΤΟΥΡΓΙΑ ΠΡΟΒΟΛΗΣ ΠΑΡΟΥΣΙΑΣΗΣ</a:t>
+            </a:r>
+          </a:p>
+        </p:txBody>
+      </p:sp>
+      <p:pic>
+        <p:nvPicPr>
+          <p:cNvPr id="7" name="Εικόνα 6" descr="Βέλος που δείχνει προς τα δεξιά και περιέχει μια υπερ-σύνδεση η οποία οδηγεί στη δωρεάν εκπαίδευση για το PowerPoint. Επιλέξτε την εικόνα, για να αποκτήσετε πρόσβαση στη δωρεάν εκπαίδευση για το PowerPoint">
+            <a:hlinkClick r:id="rId4" tooltip="Επιλέξτε την εικόνα, για να αποκτήσετε πρόσβαση στη δωρεάν εκπαίδευση για το PowerPoint"/>
+          </p:cNvPr>
+          <p:cNvPicPr>
+            <a:picLocks noChangeAspect="1"/>
+          </p:cNvPicPr>
+          <p:nvPr/>
+        </p:nvPicPr>
+        <p:blipFill>
+          <a:blip r:embed="rId7" cstate="print">
+            <a:extLst>
+              <a:ext uri="{28A0092B-C50C-407E-A947-70E740481C1C}">
+                <a14:useLocalDpi xmlns:a14="http://schemas.microsoft.com/office/drawing/2010/main" val="0"/>
+              </a:ext>
+            </a:extLst>
+          </a:blip>
+          <a:stretch>
+            <a:fillRect/>
+          </a:stretch>
+        </p:blipFill>
+        <p:spPr>
+          <a:xfrm>
+            <a:off x="6098648" y="4272594"/>
+            <a:ext cx="661940" cy="661940"/>
+          </a:xfrm>
+          <a:prstGeom prst="rect">
+            <a:avLst/>
+          </a:prstGeom>
+        </p:spPr>
+      </p:pic>
+      <p:pic>
+        <p:nvPicPr>
+          <p:cNvPr id="12" name="Εικόνα 11" descr="Βέλος που δείχνει προς τα δεξιά με μια υπερ-σύνδεση για την παροχή σχολίων σχετικά με αυτήν την περιήγηση. Επιλέξτε την εικόνα, για να στείλετε σχόλια σχετικά με αυτήν την περιήγηση">
+            <a:hlinkClick r:id="rId3" tooltip="Επιλέξτε εδώ, για να επισκεφθείτε το ιστολόγιο ομάδας του PowerPoint."/>
+            <a:extLst>
+              <a:ext uri="{FF2B5EF4-FFF2-40B4-BE49-F238E27FC236}">
+                <a16:creationId xmlns:a16="http://schemas.microsoft.com/office/drawing/2014/main" id="{BA92070A-4E3D-4794-84A9-83B8DDF3A125}"/>
+              </a:ext>
+            </a:extLst>
+          </p:cNvPr>
+          <p:cNvPicPr>
+            <a:picLocks noChangeAspect="1"/>
+          </p:cNvPicPr>
+          <p:nvPr/>
+        </p:nvPicPr>
+        <p:blipFill>
+          <a:blip r:embed="rId7" cstate="print">
+            <a:extLst>
+              <a:ext uri="{28A0092B-C50C-407E-A947-70E740481C1C}">
+                <a14:useLocalDpi xmlns:a14="http://schemas.microsoft.com/office/drawing/2010/main" val="0"/>
+              </a:ext>
+            </a:extLst>
+          </a:blip>
+          <a:stretch>
+            <a:fillRect/>
+          </a:stretch>
+        </p:blipFill>
+        <p:spPr>
+          <a:xfrm>
+            <a:off x="8145496" y="3642100"/>
+            <a:ext cx="661940" cy="661940"/>
+          </a:xfrm>
+          <a:prstGeom prst="rect">
+            <a:avLst/>
+          </a:prstGeom>
+        </p:spPr>
+      </p:pic>
+    </p:spTree>
+    <p:extLst>
+      <p:ext uri="{BB962C8B-B14F-4D97-AF65-F5344CB8AC3E}">
+        <p14:creationId xmlns:p14="http://schemas.microsoft.com/office/powerpoint/2010/main" val="893025881"/>
+      </p:ext>
+    </p:extLst>
+  </p:cSld>
+  <p:clrMapOvr>
+    <a:masterClrMapping/>
+  </p:clrMapOvr>
+  <mc:AlternateContent xmlns:mc="http://schemas.openxmlformats.org/markup-compatibility/2006" xmlns:p15="http://schemas.microsoft.com/office/powerpoint/2012/main">
+    <mc:Choice Requires="p15">
+      <p:transition xmlns:p14="http://schemas.microsoft.com/office/powerpoint/2010/main" spd="slow" p14:dur="2000">
+        <p15:prstTrans prst="drape"/>
+      </p:transition>
+    </mc:Choice>
+    <mc:Fallback xmlns="">
+      <p:transition xmlns:p14="http://schemas.microsoft.com/office/powerpoint/2010/main" spd="slow">
+        <p:fade/>
+      </p:transition>
+    </mc:Fallback>
+  </mc:AlternateContent>
+</p:sld>
+</file>
+
 <file path=ppt/slides/slide2.xml><?xml version="1.0" encoding="utf-8"?>
 <p:sld xmlns:a="http://schemas.openxmlformats.org/drawingml/2006/main" xmlns:r="http://schemas.openxmlformats.org/officeDocument/2006/relationships" xmlns:p="http://schemas.openxmlformats.org/presentationml/2006/main">
   <p:cSld>
@@ -3832,7 +5754,7 @@
         <p:spPr>
           <a:xfrm>
             <a:off x="844563" y="2058984"/>
-            <a:ext cx="5251437" cy="596551"/>
+            <a:ext cx="5878966" cy="4129664"/>
           </a:xfrm>
           <a:prstGeom prst="rect">
             <a:avLst/>
@@ -4096,237 +6018,11 @@
               </a:rPr>
               <a:t>επιταχυνσιόμετρο - γυροσκόπιο.</a:t>
             </a:r>
-            <a:endParaRPr lang="el-GR" sz="1400" dirty="0">
-              <a:solidFill>
-                <a:prstClr val="black">
-                  <a:lumMod val="75000"/>
-                  <a:lumOff val="25000"/>
-                </a:prstClr>
-              </a:solidFill>
-              <a:cs typeface="Segoe UI"/>
-            </a:endParaRPr>
           </a:p>
-        </p:txBody>
-      </p:sp>
-      <p:sp>
-        <p:nvSpPr>
-          <p:cNvPr id="36" name="Θέση περιεχομένου 17"/>
-          <p:cNvSpPr txBox="1">
-            <a:spLocks/>
-          </p:cNvSpPr>
-          <p:nvPr/>
-        </p:nvSpPr>
-        <p:spPr>
-          <a:xfrm>
-            <a:off x="852788" y="2707233"/>
-            <a:ext cx="5158129" cy="843392"/>
-          </a:xfrm>
-          <a:prstGeom prst="rect">
-            <a:avLst/>
-          </a:prstGeom>
-        </p:spPr>
-        <p:txBody>
-          <a:bodyPr vert="horz" lIns="91440" tIns="45720" rIns="91440" bIns="45720" rtlCol="0">
-            <a:noAutofit/>
-          </a:bodyPr>
-          <a:lstStyle>
-            <a:lvl1pPr marL="228600" indent="-228600" algn="l" defTabSz="914400" rtl="0" eaLnBrk="1" latinLnBrk="0" hangingPunct="1">
-              <a:lnSpc>
-                <a:spcPts val="1800"/>
-              </a:lnSpc>
-              <a:spcBef>
-                <a:spcPts val="1000"/>
-              </a:spcBef>
-              <a:spcAft>
-                <a:spcPts val="1000"/>
-              </a:spcAft>
-              <a:buFont typeface="Arial" panose="020B0604020202020204" pitchFamily="34" charset="0"/>
-              <a:buChar char="•"/>
-              <a:defRPr lang="en-US" sz="1200" kern="1200" smtClean="0">
-                <a:solidFill>
-                  <a:schemeClr val="tx1">
-                    <a:lumMod val="75000"/>
-                    <a:lumOff val="25000"/>
-                  </a:schemeClr>
-                </a:solidFill>
-                <a:latin typeface="+mn-lt"/>
-                <a:ea typeface="+mn-ea"/>
-                <a:cs typeface="+mn-cs"/>
-              </a:defRPr>
-            </a:lvl1pPr>
-            <a:lvl2pPr marL="685800" indent="-228600" algn="l" defTabSz="914400" rtl="0" eaLnBrk="1" latinLnBrk="0" hangingPunct="1">
-              <a:lnSpc>
-                <a:spcPts val="1800"/>
-              </a:lnSpc>
-              <a:spcBef>
-                <a:spcPts val="1000"/>
-              </a:spcBef>
-              <a:spcAft>
-                <a:spcPts val="1000"/>
-              </a:spcAft>
-              <a:buFont typeface="Arial" panose="020B0604020202020204" pitchFamily="34" charset="0"/>
-              <a:buChar char="•"/>
-              <a:defRPr lang="en-US" sz="1200" kern="1200" smtClean="0">
-                <a:solidFill>
-                  <a:schemeClr val="tx1">
-                    <a:lumMod val="75000"/>
-                    <a:lumOff val="25000"/>
-                  </a:schemeClr>
-                </a:solidFill>
-                <a:latin typeface="+mn-lt"/>
-                <a:ea typeface="+mn-ea"/>
-                <a:cs typeface="+mn-cs"/>
-              </a:defRPr>
-            </a:lvl2pPr>
-            <a:lvl3pPr marL="1143000" indent="-228600" algn="l" defTabSz="914400" rtl="0" eaLnBrk="1" latinLnBrk="0" hangingPunct="1">
-              <a:lnSpc>
-                <a:spcPts val="1800"/>
-              </a:lnSpc>
-              <a:spcBef>
-                <a:spcPts val="1000"/>
-              </a:spcBef>
-              <a:spcAft>
-                <a:spcPts val="1000"/>
-              </a:spcAft>
-              <a:buFont typeface="Arial" panose="020B0604020202020204" pitchFamily="34" charset="0"/>
-              <a:buChar char="•"/>
-              <a:defRPr lang="en-US" sz="1200" kern="1200" smtClean="0">
-                <a:solidFill>
-                  <a:schemeClr val="tx1">
-                    <a:lumMod val="75000"/>
-                    <a:lumOff val="25000"/>
-                  </a:schemeClr>
-                </a:solidFill>
-                <a:latin typeface="+mn-lt"/>
-                <a:ea typeface="+mn-ea"/>
-                <a:cs typeface="+mn-cs"/>
-              </a:defRPr>
-            </a:lvl3pPr>
-            <a:lvl4pPr marL="1600200" indent="-228600" algn="l" defTabSz="914400" rtl="0" eaLnBrk="1" latinLnBrk="0" hangingPunct="1">
-              <a:lnSpc>
-                <a:spcPts val="1800"/>
-              </a:lnSpc>
-              <a:spcBef>
-                <a:spcPts val="1000"/>
-              </a:spcBef>
-              <a:spcAft>
-                <a:spcPts val="1000"/>
-              </a:spcAft>
-              <a:buFont typeface="Arial" panose="020B0604020202020204" pitchFamily="34" charset="0"/>
-              <a:buChar char="•"/>
-              <a:defRPr lang="en-US" sz="1200" kern="1200" smtClean="0">
-                <a:solidFill>
-                  <a:schemeClr val="tx1">
-                    <a:lumMod val="75000"/>
-                    <a:lumOff val="25000"/>
-                  </a:schemeClr>
-                </a:solidFill>
-                <a:latin typeface="+mn-lt"/>
-                <a:ea typeface="+mn-ea"/>
-                <a:cs typeface="+mn-cs"/>
-              </a:defRPr>
-            </a:lvl4pPr>
-            <a:lvl5pPr marL="2057400" indent="-228600" algn="l" defTabSz="914400" rtl="0" eaLnBrk="1" latinLnBrk="0" hangingPunct="1">
-              <a:lnSpc>
-                <a:spcPts val="1800"/>
-              </a:lnSpc>
-              <a:spcBef>
-                <a:spcPts val="1000"/>
-              </a:spcBef>
-              <a:spcAft>
-                <a:spcPts val="1000"/>
-              </a:spcAft>
-              <a:buFont typeface="Arial" panose="020B0604020202020204" pitchFamily="34" charset="0"/>
-              <a:buChar char="•"/>
-              <a:defRPr lang="en-US" sz="1200" kern="1200">
-                <a:solidFill>
-                  <a:schemeClr val="tx1">
-                    <a:lumMod val="75000"/>
-                    <a:lumOff val="25000"/>
-                  </a:schemeClr>
-                </a:solidFill>
-                <a:latin typeface="+mn-lt"/>
-                <a:ea typeface="+mn-ea"/>
-                <a:cs typeface="+mn-cs"/>
-              </a:defRPr>
-            </a:lvl5pPr>
-            <a:lvl6pPr marL="2514600" indent="-228600" algn="l" defTabSz="914400" rtl="0" eaLnBrk="1" latinLnBrk="0" hangingPunct="1">
-              <a:lnSpc>
-                <a:spcPct val="90000"/>
-              </a:lnSpc>
-              <a:spcBef>
-                <a:spcPct val="30000"/>
-              </a:spcBef>
-              <a:buFont typeface="Arial" panose="020B0604020202020204" pitchFamily="34" charset="0"/>
-              <a:buChar char="•"/>
-              <a:defRPr sz="1800" kern="1200">
-                <a:solidFill>
-                  <a:schemeClr val="tx1"/>
-                </a:solidFill>
-                <a:latin typeface="+mn-lt"/>
-                <a:ea typeface="+mn-ea"/>
-                <a:cs typeface="+mn-cs"/>
-              </a:defRPr>
-            </a:lvl6pPr>
-            <a:lvl7pPr marL="2971800" indent="-228600" algn="l" defTabSz="914400" rtl="0" eaLnBrk="1" latinLnBrk="0" hangingPunct="1">
-              <a:lnSpc>
-                <a:spcPct val="90000"/>
-              </a:lnSpc>
-              <a:spcBef>
-                <a:spcPct val="30000"/>
-              </a:spcBef>
-              <a:buFont typeface="Arial" panose="020B0604020202020204" pitchFamily="34" charset="0"/>
-              <a:buChar char="•"/>
-              <a:defRPr sz="1800" kern="1200">
-                <a:solidFill>
-                  <a:schemeClr val="tx1"/>
-                </a:solidFill>
-                <a:latin typeface="+mn-lt"/>
-                <a:ea typeface="+mn-ea"/>
-                <a:cs typeface="+mn-cs"/>
-              </a:defRPr>
-            </a:lvl7pPr>
-            <a:lvl8pPr marL="3429000" indent="-228600" algn="l" defTabSz="914400" rtl="0" eaLnBrk="1" latinLnBrk="0" hangingPunct="1">
-              <a:lnSpc>
-                <a:spcPct val="90000"/>
-              </a:lnSpc>
-              <a:spcBef>
-                <a:spcPct val="30000"/>
-              </a:spcBef>
-              <a:buFont typeface="Arial" panose="020B0604020202020204" pitchFamily="34" charset="0"/>
-              <a:buChar char="•"/>
-              <a:defRPr sz="1800" kern="1200">
-                <a:solidFill>
-                  <a:schemeClr val="tx1"/>
-                </a:solidFill>
-                <a:latin typeface="+mn-lt"/>
-                <a:ea typeface="+mn-ea"/>
-                <a:cs typeface="+mn-cs"/>
-              </a:defRPr>
-            </a:lvl8pPr>
-            <a:lvl9pPr marL="3886200" indent="-228600" algn="l" defTabSz="914400" rtl="0" eaLnBrk="1" latinLnBrk="0" hangingPunct="1">
-              <a:lnSpc>
-                <a:spcPct val="90000"/>
-              </a:lnSpc>
-              <a:spcBef>
-                <a:spcPct val="30000"/>
-              </a:spcBef>
-              <a:buFont typeface="Arial" panose="020B0604020202020204" pitchFamily="34" charset="0"/>
-              <a:buChar char="•"/>
-              <a:defRPr sz="1800" kern="1200">
-                <a:solidFill>
-                  <a:schemeClr val="tx1"/>
-                </a:solidFill>
-                <a:latin typeface="+mn-lt"/>
-                <a:ea typeface="+mn-ea"/>
-                <a:cs typeface="+mn-cs"/>
-              </a:defRPr>
-            </a:lvl9pPr>
-          </a:lstStyle>
           <a:p>
             <a:pPr>
               <a:spcAft>
-                <a:spcPts val="2000"/>
+                <a:spcPts val="600"/>
               </a:spcAft>
               <a:buFont typeface="Wingdings" panose="05000000000000000000" pitchFamily="2" charset="2"/>
               <a:buChar char="Ø"/>
@@ -4371,8 +6067,18 @@
               </a:rPr>
               <a:t>και καταγραφή κίνησης.</a:t>
             </a:r>
-            <a:br>
-              <a:rPr lang="en-US" sz="1400" dirty="0">
+          </a:p>
+          <a:p>
+            <a:pPr>
+              <a:spcAft>
+                <a:spcPts val="600"/>
+              </a:spcAft>
+              <a:buFont typeface="Wingdings" panose="05000000000000000000" pitchFamily="2" charset="2"/>
+              <a:buChar char="Ø"/>
+              <a:defRPr/>
+            </a:pPr>
+            <a:r>
+              <a:rPr lang="el-GR" sz="1400" dirty="0">
                 <a:solidFill>
                   <a:prstClr val="black">
                     <a:lumMod val="75000"/>
@@ -4382,8 +6088,22 @@
                 <a:latin typeface="Segoe UI" panose="020B0502040204020203" pitchFamily="34" charset="0"/>
                 <a:cs typeface="Segoe UI" panose="020B0502040204020203" pitchFamily="34" charset="0"/>
               </a:rPr>
-            </a:br>
-            <a:br>
+              <a:t>Αποστολή δεδομένων μέσω </a:t>
+            </a:r>
+            <a:r>
+              <a:rPr lang="en-US" sz="1400" dirty="0">
+                <a:solidFill>
+                  <a:prstClr val="black">
+                    <a:lumMod val="75000"/>
+                    <a:lumOff val="25000"/>
+                  </a:prstClr>
+                </a:solidFill>
+                <a:latin typeface="Segoe UI" panose="020B0502040204020203" pitchFamily="34" charset="0"/>
+                <a:cs typeface="Segoe UI" panose="020B0502040204020203" pitchFamily="34" charset="0"/>
+              </a:rPr>
+              <a:t>cloud</a:t>
+            </a:r>
+            <a:r>
               <a:rPr lang="el-GR" sz="1400" dirty="0">
                 <a:solidFill>
                   <a:prstClr val="black">
@@ -4391,9 +6111,76 @@
                     <a:lumOff val="25000"/>
                   </a:prstClr>
                 </a:solidFill>
-                <a:cs typeface="Segoe UI"/>
-              </a:rPr>
-            </a:br>
+                <a:latin typeface="Segoe UI" panose="020B0502040204020203" pitchFamily="34" charset="0"/>
+                <a:cs typeface="Segoe UI" panose="020B0502040204020203" pitchFamily="34" charset="0"/>
+              </a:rPr>
+              <a:t> ή επιλογή </a:t>
+            </a:r>
+            <a:r>
+              <a:rPr lang="en-US" sz="1400" dirty="0">
+                <a:solidFill>
+                  <a:prstClr val="black">
+                    <a:lumMod val="75000"/>
+                    <a:lumOff val="25000"/>
+                  </a:prstClr>
+                </a:solidFill>
+                <a:latin typeface="Segoe UI" panose="020B0502040204020203" pitchFamily="34" charset="0"/>
+                <a:cs typeface="Segoe UI" panose="020B0502040204020203" pitchFamily="34" charset="0"/>
+              </a:rPr>
+              <a:t>download</a:t>
+            </a:r>
+            <a:r>
+              <a:rPr lang="el-GR" sz="1400" dirty="0">
+                <a:solidFill>
+                  <a:prstClr val="black">
+                    <a:lumMod val="75000"/>
+                    <a:lumOff val="25000"/>
+                  </a:prstClr>
+                </a:solidFill>
+                <a:latin typeface="Segoe UI" panose="020B0502040204020203" pitchFamily="34" charset="0"/>
+                <a:cs typeface="Segoe UI" panose="020B0502040204020203" pitchFamily="34" charset="0"/>
+              </a:rPr>
+              <a:t> σε μορφή </a:t>
+            </a:r>
+            <a:r>
+              <a:rPr lang="en-US" sz="1400" dirty="0">
+                <a:solidFill>
+                  <a:prstClr val="black">
+                    <a:lumMod val="75000"/>
+                    <a:lumOff val="25000"/>
+                  </a:prstClr>
+                </a:solidFill>
+                <a:latin typeface="Segoe UI" panose="020B0502040204020203" pitchFamily="34" charset="0"/>
+                <a:cs typeface="Segoe UI" panose="020B0502040204020203" pitchFamily="34" charset="0"/>
+              </a:rPr>
+              <a:t>.csv </a:t>
+            </a:r>
+            <a:r>
+              <a:rPr lang="el-GR" sz="1400" dirty="0">
+                <a:solidFill>
+                  <a:prstClr val="black">
+                    <a:lumMod val="75000"/>
+                    <a:lumOff val="25000"/>
+                  </a:prstClr>
+                </a:solidFill>
+                <a:latin typeface="Segoe UI" panose="020B0502040204020203" pitchFamily="34" charset="0"/>
+                <a:cs typeface="Segoe UI" panose="020B0502040204020203" pitchFamily="34" charset="0"/>
+              </a:rPr>
+              <a:t>αρχείου</a:t>
+            </a:r>
+            <a:r>
+              <a:rPr lang="en-US" sz="1400" dirty="0">
+                <a:solidFill>
+                  <a:prstClr val="black">
+                    <a:lumMod val="75000"/>
+                    <a:lumOff val="25000"/>
+                  </a:prstClr>
+                </a:solidFill>
+                <a:latin typeface="Segoe UI" panose="020B0502040204020203" pitchFamily="34" charset="0"/>
+                <a:cs typeface="Segoe UI" panose="020B0502040204020203" pitchFamily="34" charset="0"/>
+              </a:rPr>
+              <a:t>.</a:t>
+            </a:r>
             <a:endParaRPr lang="el-GR" sz="1400" dirty="0">
               <a:solidFill>
                 <a:prstClr val="black">
@@ -4405,223 +6192,6 @@
               <a:cs typeface="Segoe UI" panose="020B0502040204020203" pitchFamily="34" charset="0"/>
             </a:endParaRPr>
           </a:p>
-        </p:txBody>
-      </p:sp>
-      <p:sp>
-        <p:nvSpPr>
-          <p:cNvPr id="32" name="Θέση περιεχομένου 17"/>
-          <p:cNvSpPr txBox="1">
-            <a:spLocks/>
-          </p:cNvSpPr>
-          <p:nvPr/>
-        </p:nvSpPr>
-        <p:spPr>
-          <a:xfrm>
-            <a:off x="835424" y="3395303"/>
-            <a:ext cx="5158129" cy="761144"/>
-          </a:xfrm>
-          <a:prstGeom prst="rect">
-            <a:avLst/>
-          </a:prstGeom>
-        </p:spPr>
-        <p:txBody>
-          <a:bodyPr vert="horz" lIns="91440" tIns="45720" rIns="91440" bIns="45720" rtlCol="0">
-            <a:normAutofit/>
-          </a:bodyPr>
-          <a:lstStyle>
-            <a:lvl1pPr marL="228600" indent="-228600" algn="l" defTabSz="914400" rtl="0" eaLnBrk="1" latinLnBrk="0" hangingPunct="1">
-              <a:lnSpc>
-                <a:spcPts val="1800"/>
-              </a:lnSpc>
-              <a:spcBef>
-                <a:spcPts val="1000"/>
-              </a:spcBef>
-              <a:spcAft>
-                <a:spcPts val="1000"/>
-              </a:spcAft>
-              <a:buFont typeface="Arial" panose="020B0604020202020204" pitchFamily="34" charset="0"/>
-              <a:buChar char="•"/>
-              <a:defRPr lang="en-US" sz="1200" kern="1200" smtClean="0">
-                <a:solidFill>
-                  <a:schemeClr val="tx1">
-                    <a:lumMod val="75000"/>
-                    <a:lumOff val="25000"/>
-                  </a:schemeClr>
-                </a:solidFill>
-                <a:latin typeface="+mn-lt"/>
-                <a:ea typeface="+mn-ea"/>
-                <a:cs typeface="+mn-cs"/>
-              </a:defRPr>
-            </a:lvl1pPr>
-            <a:lvl2pPr marL="685800" indent="-228600" algn="l" defTabSz="914400" rtl="0" eaLnBrk="1" latinLnBrk="0" hangingPunct="1">
-              <a:lnSpc>
-                <a:spcPts val="1800"/>
-              </a:lnSpc>
-              <a:spcBef>
-                <a:spcPts val="1000"/>
-              </a:spcBef>
-              <a:spcAft>
-                <a:spcPts val="1000"/>
-              </a:spcAft>
-              <a:buFont typeface="Arial" panose="020B0604020202020204" pitchFamily="34" charset="0"/>
-              <a:buChar char="•"/>
-              <a:defRPr lang="en-US" sz="1200" kern="1200" smtClean="0">
-                <a:solidFill>
-                  <a:schemeClr val="tx1">
-                    <a:lumMod val="75000"/>
-                    <a:lumOff val="25000"/>
-                  </a:schemeClr>
-                </a:solidFill>
-                <a:latin typeface="+mn-lt"/>
-                <a:ea typeface="+mn-ea"/>
-                <a:cs typeface="+mn-cs"/>
-              </a:defRPr>
-            </a:lvl2pPr>
-            <a:lvl3pPr marL="1143000" indent="-228600" algn="l" defTabSz="914400" rtl="0" eaLnBrk="1" latinLnBrk="0" hangingPunct="1">
-              <a:lnSpc>
-                <a:spcPts val="1800"/>
-              </a:lnSpc>
-              <a:spcBef>
-                <a:spcPts val="1000"/>
-              </a:spcBef>
-              <a:spcAft>
-                <a:spcPts val="1000"/>
-              </a:spcAft>
-              <a:buFont typeface="Arial" panose="020B0604020202020204" pitchFamily="34" charset="0"/>
-              <a:buChar char="•"/>
-              <a:defRPr lang="en-US" sz="1200" kern="1200" smtClean="0">
-                <a:solidFill>
-                  <a:schemeClr val="tx1">
-                    <a:lumMod val="75000"/>
-                    <a:lumOff val="25000"/>
-                  </a:schemeClr>
-                </a:solidFill>
-                <a:latin typeface="+mn-lt"/>
-                <a:ea typeface="+mn-ea"/>
-                <a:cs typeface="+mn-cs"/>
-              </a:defRPr>
-            </a:lvl3pPr>
-            <a:lvl4pPr marL="1600200" indent="-228600" algn="l" defTabSz="914400" rtl="0" eaLnBrk="1" latinLnBrk="0" hangingPunct="1">
-              <a:lnSpc>
-                <a:spcPts val="1800"/>
-              </a:lnSpc>
-              <a:spcBef>
-                <a:spcPts val="1000"/>
-              </a:spcBef>
-              <a:spcAft>
-                <a:spcPts val="1000"/>
-              </a:spcAft>
-              <a:buFont typeface="Arial" panose="020B0604020202020204" pitchFamily="34" charset="0"/>
-              <a:buChar char="•"/>
-              <a:defRPr lang="en-US" sz="1200" kern="1200" smtClean="0">
-                <a:solidFill>
-                  <a:schemeClr val="tx1">
-                    <a:lumMod val="75000"/>
-                    <a:lumOff val="25000"/>
-                  </a:schemeClr>
-                </a:solidFill>
-                <a:latin typeface="+mn-lt"/>
-                <a:ea typeface="+mn-ea"/>
-                <a:cs typeface="+mn-cs"/>
-              </a:defRPr>
-            </a:lvl4pPr>
-            <a:lvl5pPr marL="2057400" indent="-228600" algn="l" defTabSz="914400" rtl="0" eaLnBrk="1" latinLnBrk="0" hangingPunct="1">
-              <a:lnSpc>
-                <a:spcPts val="1800"/>
-              </a:lnSpc>
-              <a:spcBef>
-                <a:spcPts val="1000"/>
-              </a:spcBef>
-              <a:spcAft>
-                <a:spcPts val="1000"/>
-              </a:spcAft>
-              <a:buFont typeface="Arial" panose="020B0604020202020204" pitchFamily="34" charset="0"/>
-              <a:buChar char="•"/>
-              <a:defRPr lang="en-US" sz="1200" kern="1200">
-                <a:solidFill>
-                  <a:schemeClr val="tx1">
-                    <a:lumMod val="75000"/>
-                    <a:lumOff val="25000"/>
-                  </a:schemeClr>
-                </a:solidFill>
-                <a:latin typeface="+mn-lt"/>
-                <a:ea typeface="+mn-ea"/>
-                <a:cs typeface="+mn-cs"/>
-              </a:defRPr>
-            </a:lvl5pPr>
-            <a:lvl6pPr marL="2514600" indent="-228600" algn="l" defTabSz="914400" rtl="0" eaLnBrk="1" latinLnBrk="0" hangingPunct="1">
-              <a:lnSpc>
-                <a:spcPct val="90000"/>
-              </a:lnSpc>
-              <a:spcBef>
-                <a:spcPct val="30000"/>
-              </a:spcBef>
-              <a:buFont typeface="Arial" panose="020B0604020202020204" pitchFamily="34" charset="0"/>
-              <a:buChar char="•"/>
-              <a:defRPr sz="1800" kern="1200">
-                <a:solidFill>
-                  <a:schemeClr val="tx1"/>
-                </a:solidFill>
-                <a:latin typeface="+mn-lt"/>
-                <a:ea typeface="+mn-ea"/>
-                <a:cs typeface="+mn-cs"/>
-              </a:defRPr>
-            </a:lvl6pPr>
-            <a:lvl7pPr marL="2971800" indent="-228600" algn="l" defTabSz="914400" rtl="0" eaLnBrk="1" latinLnBrk="0" hangingPunct="1">
-              <a:lnSpc>
-                <a:spcPct val="90000"/>
-              </a:lnSpc>
-              <a:spcBef>
-                <a:spcPct val="30000"/>
-              </a:spcBef>
-              <a:buFont typeface="Arial" panose="020B0604020202020204" pitchFamily="34" charset="0"/>
-              <a:buChar char="•"/>
-              <a:defRPr sz="1800" kern="1200">
-                <a:solidFill>
-                  <a:schemeClr val="tx1"/>
-                </a:solidFill>
-                <a:latin typeface="+mn-lt"/>
-                <a:ea typeface="+mn-ea"/>
-                <a:cs typeface="+mn-cs"/>
-              </a:defRPr>
-            </a:lvl7pPr>
-            <a:lvl8pPr marL="3429000" indent="-228600" algn="l" defTabSz="914400" rtl="0" eaLnBrk="1" latinLnBrk="0" hangingPunct="1">
-              <a:lnSpc>
-                <a:spcPct val="90000"/>
-              </a:lnSpc>
-              <a:spcBef>
-                <a:spcPct val="30000"/>
-              </a:spcBef>
-              <a:buFont typeface="Arial" panose="020B0604020202020204" pitchFamily="34" charset="0"/>
-              <a:buChar char="•"/>
-              <a:defRPr sz="1800" kern="1200">
-                <a:solidFill>
-                  <a:schemeClr val="tx1"/>
-                </a:solidFill>
-                <a:latin typeface="+mn-lt"/>
-                <a:ea typeface="+mn-ea"/>
-                <a:cs typeface="+mn-cs"/>
-              </a:defRPr>
-            </a:lvl8pPr>
-            <a:lvl9pPr marL="3886200" indent="-228600" algn="l" defTabSz="914400" rtl="0" eaLnBrk="1" latinLnBrk="0" hangingPunct="1">
-              <a:lnSpc>
-                <a:spcPct val="90000"/>
-              </a:lnSpc>
-              <a:spcBef>
-                <a:spcPct val="30000"/>
-              </a:spcBef>
-              <a:buFont typeface="Arial" panose="020B0604020202020204" pitchFamily="34" charset="0"/>
-              <a:buChar char="•"/>
-              <a:defRPr sz="1800" kern="1200">
-                <a:solidFill>
-                  <a:schemeClr val="tx1"/>
-                </a:solidFill>
-                <a:latin typeface="+mn-lt"/>
-                <a:ea typeface="+mn-ea"/>
-                <a:cs typeface="+mn-cs"/>
-              </a:defRPr>
-            </a:lvl9pPr>
-          </a:lstStyle>
           <a:p>
             <a:pPr>
               <a:spcAft>
@@ -4642,10 +6212,20 @@
                 <a:latin typeface="Segoe UI" panose="020B0502040204020203" pitchFamily="34" charset="0"/>
                 <a:cs typeface="Segoe UI" panose="020B0502040204020203" pitchFamily="34" charset="0"/>
               </a:rPr>
-              <a:t>Αποστολή δεδομένων μέσω </a:t>
-            </a:r>
-            <a:r>
-              <a:rPr lang="en-US" sz="1400" dirty="0">
+              <a:t>Οπτικοποίηση δεδομένων και καθαρισμός αυτών.</a:t>
+            </a:r>
+          </a:p>
+          <a:p>
+            <a:pPr>
+              <a:spcAft>
+                <a:spcPts val="600"/>
+              </a:spcAft>
+              <a:buFont typeface="Wingdings" panose="05000000000000000000" pitchFamily="2" charset="2"/>
+              <a:buChar char="Ø"/>
+              <a:defRPr/>
+            </a:pPr>
+            <a:r>
+              <a:rPr lang="el-GR" sz="1400" dirty="0">
                 <a:solidFill>
                   <a:prstClr val="black">
                     <a:lumMod val="75000"/>
@@ -4655,10 +6235,10 @@
                 <a:latin typeface="Segoe UI" panose="020B0502040204020203" pitchFamily="34" charset="0"/>
                 <a:cs typeface="Segoe UI" panose="020B0502040204020203" pitchFamily="34" charset="0"/>
               </a:rPr>
-              <a:t>cloud</a:t>
-            </a:r>
-            <a:r>
-              <a:rPr lang="el-GR" sz="1400" dirty="0">
+              <a:t>Επιλογή αλγορίθμου (</a:t>
+            </a:r>
+            <a:r>
+              <a:rPr lang="en-US" sz="1400" dirty="0">
                 <a:solidFill>
                   <a:prstClr val="black">
                     <a:lumMod val="75000"/>
@@ -4668,10 +6248,10 @@
                 <a:latin typeface="Segoe UI" panose="020B0502040204020203" pitchFamily="34" charset="0"/>
                 <a:cs typeface="Segoe UI" panose="020B0502040204020203" pitchFamily="34" charset="0"/>
               </a:rPr>
-              <a:t> ή επιλογή </a:t>
-            </a:r>
-            <a:r>
-              <a:rPr lang="en-US" sz="1400" dirty="0">
+              <a:t>k-Nearest-Neighbor Classifier</a:t>
+            </a:r>
+            <a:r>
+              <a:rPr lang="el-GR" sz="1400" dirty="0">
                 <a:solidFill>
                   <a:prstClr val="black">
                     <a:lumMod val="75000"/>
@@ -4681,8 +6261,18 @@
                 <a:latin typeface="Segoe UI" panose="020B0502040204020203" pitchFamily="34" charset="0"/>
                 <a:cs typeface="Segoe UI" panose="020B0502040204020203" pitchFamily="34" charset="0"/>
               </a:rPr>
-              <a:t>download</a:t>
-            </a:r>
+              <a:t>) για την ανάλυση των δεδομένων και εξαγωγή προβλέψεων.</a:t>
+            </a:r>
+          </a:p>
+          <a:p>
+            <a:pPr>
+              <a:spcAft>
+                <a:spcPts val="600"/>
+              </a:spcAft>
+              <a:buFont typeface="Wingdings" panose="05000000000000000000" pitchFamily="2" charset="2"/>
+              <a:buChar char="Ø"/>
+              <a:defRPr/>
+            </a:pPr>
             <a:r>
               <a:rPr lang="el-GR" sz="1400" dirty="0">
                 <a:solidFill>
@@ -4694,7 +6284,7 @@
                 <a:latin typeface="Segoe UI" panose="020B0502040204020203" pitchFamily="34" charset="0"/>
                 <a:cs typeface="Segoe UI" panose="020B0502040204020203" pitchFamily="34" charset="0"/>
               </a:rPr>
-              <a:t> σε μορφή </a:t>
+              <a:t>Διαχωρισμός δεδομένων σε </a:t>
             </a:r>
             <a:r>
               <a:rPr lang="en-US" sz="1400" dirty="0">
@@ -4707,7 +6297,7 @@
                 <a:latin typeface="Segoe UI" panose="020B0502040204020203" pitchFamily="34" charset="0"/>
                 <a:cs typeface="Segoe UI" panose="020B0502040204020203" pitchFamily="34" charset="0"/>
               </a:rPr>
-              <a:t>.csv </a:t>
+              <a:t>training set </a:t>
             </a:r>
             <a:r>
               <a:rPr lang="el-GR" sz="1400" dirty="0">
@@ -4720,7 +6310,7 @@
                 <a:latin typeface="Segoe UI" panose="020B0502040204020203" pitchFamily="34" charset="0"/>
                 <a:cs typeface="Segoe UI" panose="020B0502040204020203" pitchFamily="34" charset="0"/>
               </a:rPr>
-              <a:t>αρχείου</a:t>
+              <a:t>και </a:t>
             </a:r>
             <a:r>
               <a:rPr lang="en-US" sz="1400" dirty="0">
@@ -4733,8 +6323,134 @@
                 <a:latin typeface="Segoe UI" panose="020B0502040204020203" pitchFamily="34" charset="0"/>
                 <a:cs typeface="Segoe UI" panose="020B0502040204020203" pitchFamily="34" charset="0"/>
               </a:rPr>
-              <a:t>.</a:t>
-            </a:r>
+              <a:t>test set.</a:t>
+            </a:r>
+            <a:r>
+              <a:rPr lang="el-GR" sz="1400" dirty="0">
+                <a:solidFill>
+                  <a:prstClr val="black">
+                    <a:lumMod val="75000"/>
+                    <a:lumOff val="25000"/>
+                  </a:prstClr>
+                </a:solidFill>
+                <a:latin typeface="Segoe UI" panose="020B0502040204020203" pitchFamily="34" charset="0"/>
+                <a:cs typeface="Segoe UI" panose="020B0502040204020203" pitchFamily="34" charset="0"/>
+              </a:rPr>
+              <a:t> </a:t>
+            </a:r>
+          </a:p>
+          <a:p>
+            <a:pPr>
+              <a:spcAft>
+                <a:spcPts val="600"/>
+              </a:spcAft>
+              <a:buFont typeface="Wingdings" panose="05000000000000000000" pitchFamily="2" charset="2"/>
+              <a:buChar char="Ø"/>
+              <a:defRPr/>
+            </a:pPr>
+            <a:r>
+              <a:rPr lang="el-GR" sz="1400" dirty="0">
+                <a:solidFill>
+                  <a:prstClr val="black">
+                    <a:lumMod val="75000"/>
+                    <a:lumOff val="25000"/>
+                  </a:prstClr>
+                </a:solidFill>
+                <a:latin typeface="Segoe UI" panose="020B0502040204020203" pitchFamily="34" charset="0"/>
+                <a:cs typeface="Segoe UI" panose="020B0502040204020203" pitchFamily="34" charset="0"/>
+              </a:rPr>
+              <a:t>Πρόβλεψη για το αν υπάρχει επαφή με την μπάλα ή όχι. </a:t>
+            </a:r>
+          </a:p>
+          <a:p>
+            <a:pPr>
+              <a:spcAft>
+                <a:spcPts val="600"/>
+              </a:spcAft>
+              <a:buFont typeface="Wingdings" panose="05000000000000000000" pitchFamily="2" charset="2"/>
+              <a:buChar char="Ø"/>
+              <a:defRPr/>
+            </a:pPr>
+            <a:endParaRPr lang="el-GR" sz="1400" dirty="0">
+              <a:solidFill>
+                <a:prstClr val="black">
+                  <a:lumMod val="75000"/>
+                  <a:lumOff val="25000"/>
+                </a:prstClr>
+              </a:solidFill>
+              <a:latin typeface="Segoe UI" panose="020B0502040204020203" pitchFamily="34" charset="0"/>
+              <a:cs typeface="Segoe UI" panose="020B0502040204020203" pitchFamily="34" charset="0"/>
+            </a:endParaRPr>
+          </a:p>
+          <a:p>
+            <a:pPr>
+              <a:spcAft>
+                <a:spcPts val="600"/>
+              </a:spcAft>
+              <a:buFont typeface="Wingdings" panose="05000000000000000000" pitchFamily="2" charset="2"/>
+              <a:buChar char="Ø"/>
+              <a:defRPr/>
+            </a:pPr>
+            <a:endParaRPr lang="el-GR" sz="1400" dirty="0">
+              <a:solidFill>
+                <a:prstClr val="black">
+                  <a:lumMod val="75000"/>
+                  <a:lumOff val="25000"/>
+                </a:prstClr>
+              </a:solidFill>
+              <a:latin typeface="Segoe UI" panose="020B0502040204020203" pitchFamily="34" charset="0"/>
+              <a:cs typeface="Segoe UI" panose="020B0502040204020203" pitchFamily="34" charset="0"/>
+            </a:endParaRPr>
+          </a:p>
+          <a:p>
+            <a:pPr>
+              <a:spcAft>
+                <a:spcPts val="600"/>
+              </a:spcAft>
+              <a:buFont typeface="Wingdings" panose="05000000000000000000" pitchFamily="2" charset="2"/>
+              <a:buChar char="Ø"/>
+              <a:defRPr/>
+            </a:pPr>
+            <a:endParaRPr lang="el-GR" sz="1400" dirty="0">
+              <a:solidFill>
+                <a:prstClr val="black">
+                  <a:lumMod val="75000"/>
+                  <a:lumOff val="25000"/>
+                </a:prstClr>
+              </a:solidFill>
+              <a:latin typeface="Segoe UI" panose="020B0502040204020203" pitchFamily="34" charset="0"/>
+              <a:cs typeface="Segoe UI" panose="020B0502040204020203" pitchFamily="34" charset="0"/>
+            </a:endParaRPr>
+          </a:p>
+          <a:p>
+            <a:pPr>
+              <a:spcAft>
+                <a:spcPts val="600"/>
+              </a:spcAft>
+              <a:buFont typeface="Wingdings" panose="05000000000000000000" pitchFamily="2" charset="2"/>
+              <a:buChar char="Ø"/>
+              <a:defRPr/>
+            </a:pPr>
+            <a:endParaRPr lang="el-GR" sz="1400" dirty="0">
+              <a:solidFill>
+                <a:prstClr val="black">
+                  <a:lumMod val="75000"/>
+                  <a:lumOff val="25000"/>
+                </a:prstClr>
+              </a:solidFill>
+              <a:latin typeface="Segoe UI" panose="020B0502040204020203" pitchFamily="34" charset="0"/>
+              <a:cs typeface="Segoe UI" panose="020B0502040204020203" pitchFamily="34" charset="0"/>
+            </a:endParaRPr>
+          </a:p>
+          <a:p>
+            <a:pPr>
+              <a:spcAft>
+                <a:spcPts val="600"/>
+              </a:spcAft>
+              <a:buFont typeface="Wingdings" panose="05000000000000000000" pitchFamily="2" charset="2"/>
+              <a:buChar char="Ø"/>
+              <a:defRPr/>
+            </a:pPr>
             <a:endParaRPr lang="el-GR" sz="1400" dirty="0">
               <a:solidFill>
                 <a:prstClr val="black">
@@ -4745,271 +6461,44 @@
               <a:cs typeface="Segoe UI"/>
             </a:endParaRPr>
           </a:p>
-        </p:txBody>
-      </p:sp>
-      <p:sp>
-        <p:nvSpPr>
-          <p:cNvPr id="40" name="Θέση περιεχομένου 17"/>
-          <p:cNvSpPr txBox="1">
-            <a:spLocks/>
-          </p:cNvSpPr>
-          <p:nvPr/>
-        </p:nvSpPr>
-        <p:spPr>
-          <a:xfrm>
-            <a:off x="858836" y="4439225"/>
-            <a:ext cx="5158129" cy="563538"/>
-          </a:xfrm>
-          <a:prstGeom prst="rect">
-            <a:avLst/>
-          </a:prstGeom>
-        </p:spPr>
-        <p:txBody>
-          <a:bodyPr vert="horz" lIns="91440" tIns="45720" rIns="91440" bIns="45720" rtlCol="0">
-            <a:noAutofit/>
-          </a:bodyPr>
-          <a:lstStyle>
-            <a:lvl1pPr marL="228600" indent="-228600" algn="l" defTabSz="914400" rtl="0" eaLnBrk="1" latinLnBrk="0" hangingPunct="1">
-              <a:lnSpc>
-                <a:spcPts val="1800"/>
-              </a:lnSpc>
-              <a:spcBef>
-                <a:spcPts val="1000"/>
-              </a:spcBef>
-              <a:spcAft>
-                <a:spcPts val="1000"/>
-              </a:spcAft>
-              <a:buFont typeface="Arial" panose="020B0604020202020204" pitchFamily="34" charset="0"/>
-              <a:buChar char="•"/>
-              <a:defRPr lang="en-US" sz="1200" kern="1200" smtClean="0">
-                <a:solidFill>
-                  <a:schemeClr val="tx1">
-                    <a:lumMod val="75000"/>
-                    <a:lumOff val="25000"/>
-                  </a:schemeClr>
-                </a:solidFill>
-                <a:latin typeface="+mn-lt"/>
-                <a:ea typeface="+mn-ea"/>
-                <a:cs typeface="+mn-cs"/>
-              </a:defRPr>
-            </a:lvl1pPr>
-            <a:lvl2pPr marL="685800" indent="-228600" algn="l" defTabSz="914400" rtl="0" eaLnBrk="1" latinLnBrk="0" hangingPunct="1">
-              <a:lnSpc>
-                <a:spcPts val="1800"/>
-              </a:lnSpc>
-              <a:spcBef>
-                <a:spcPts val="1000"/>
-              </a:spcBef>
-              <a:spcAft>
-                <a:spcPts val="1000"/>
-              </a:spcAft>
-              <a:buFont typeface="Arial" panose="020B0604020202020204" pitchFamily="34" charset="0"/>
-              <a:buChar char="•"/>
-              <a:defRPr lang="en-US" sz="1200" kern="1200" smtClean="0">
-                <a:solidFill>
-                  <a:schemeClr val="tx1">
-                    <a:lumMod val="75000"/>
-                    <a:lumOff val="25000"/>
-                  </a:schemeClr>
-                </a:solidFill>
-                <a:latin typeface="+mn-lt"/>
-                <a:ea typeface="+mn-ea"/>
-                <a:cs typeface="+mn-cs"/>
-              </a:defRPr>
-            </a:lvl2pPr>
-            <a:lvl3pPr marL="1143000" indent="-228600" algn="l" defTabSz="914400" rtl="0" eaLnBrk="1" latinLnBrk="0" hangingPunct="1">
-              <a:lnSpc>
-                <a:spcPts val="1800"/>
-              </a:lnSpc>
-              <a:spcBef>
-                <a:spcPts val="1000"/>
-              </a:spcBef>
-              <a:spcAft>
-                <a:spcPts val="1000"/>
-              </a:spcAft>
-              <a:buFont typeface="Arial" panose="020B0604020202020204" pitchFamily="34" charset="0"/>
-              <a:buChar char="•"/>
-              <a:defRPr lang="en-US" sz="1200" kern="1200" smtClean="0">
-                <a:solidFill>
-                  <a:schemeClr val="tx1">
-                    <a:lumMod val="75000"/>
-                    <a:lumOff val="25000"/>
-                  </a:schemeClr>
-                </a:solidFill>
-                <a:latin typeface="+mn-lt"/>
-                <a:ea typeface="+mn-ea"/>
-                <a:cs typeface="+mn-cs"/>
-              </a:defRPr>
-            </a:lvl3pPr>
-            <a:lvl4pPr marL="1600200" indent="-228600" algn="l" defTabSz="914400" rtl="0" eaLnBrk="1" latinLnBrk="0" hangingPunct="1">
-              <a:lnSpc>
-                <a:spcPts val="1800"/>
-              </a:lnSpc>
-              <a:spcBef>
-                <a:spcPts val="1000"/>
-              </a:spcBef>
-              <a:spcAft>
-                <a:spcPts val="1000"/>
-              </a:spcAft>
-              <a:buFont typeface="Arial" panose="020B0604020202020204" pitchFamily="34" charset="0"/>
-              <a:buChar char="•"/>
-              <a:defRPr lang="en-US" sz="1200" kern="1200" smtClean="0">
-                <a:solidFill>
-                  <a:schemeClr val="tx1">
-                    <a:lumMod val="75000"/>
-                    <a:lumOff val="25000"/>
-                  </a:schemeClr>
-                </a:solidFill>
-                <a:latin typeface="+mn-lt"/>
-                <a:ea typeface="+mn-ea"/>
-                <a:cs typeface="+mn-cs"/>
-              </a:defRPr>
-            </a:lvl4pPr>
-            <a:lvl5pPr marL="2057400" indent="-228600" algn="l" defTabSz="914400" rtl="0" eaLnBrk="1" latinLnBrk="0" hangingPunct="1">
-              <a:lnSpc>
-                <a:spcPts val="1800"/>
-              </a:lnSpc>
-              <a:spcBef>
-                <a:spcPts val="1000"/>
-              </a:spcBef>
-              <a:spcAft>
-                <a:spcPts val="1000"/>
-              </a:spcAft>
-              <a:buFont typeface="Arial" panose="020B0604020202020204" pitchFamily="34" charset="0"/>
-              <a:buChar char="•"/>
-              <a:defRPr lang="en-US" sz="1200" kern="1200">
-                <a:solidFill>
-                  <a:schemeClr val="tx1">
-                    <a:lumMod val="75000"/>
-                    <a:lumOff val="25000"/>
-                  </a:schemeClr>
-                </a:solidFill>
-                <a:latin typeface="+mn-lt"/>
-                <a:ea typeface="+mn-ea"/>
-                <a:cs typeface="+mn-cs"/>
-              </a:defRPr>
-            </a:lvl5pPr>
-            <a:lvl6pPr marL="2514600" indent="-228600" algn="l" defTabSz="914400" rtl="0" eaLnBrk="1" latinLnBrk="0" hangingPunct="1">
-              <a:lnSpc>
-                <a:spcPct val="90000"/>
-              </a:lnSpc>
-              <a:spcBef>
-                <a:spcPct val="30000"/>
-              </a:spcBef>
-              <a:buFont typeface="Arial" panose="020B0604020202020204" pitchFamily="34" charset="0"/>
-              <a:buChar char="•"/>
-              <a:defRPr sz="1800" kern="1200">
-                <a:solidFill>
-                  <a:schemeClr val="tx1"/>
-                </a:solidFill>
-                <a:latin typeface="+mn-lt"/>
-                <a:ea typeface="+mn-ea"/>
-                <a:cs typeface="+mn-cs"/>
-              </a:defRPr>
-            </a:lvl6pPr>
-            <a:lvl7pPr marL="2971800" indent="-228600" algn="l" defTabSz="914400" rtl="0" eaLnBrk="1" latinLnBrk="0" hangingPunct="1">
-              <a:lnSpc>
-                <a:spcPct val="90000"/>
-              </a:lnSpc>
-              <a:spcBef>
-                <a:spcPct val="30000"/>
-              </a:spcBef>
-              <a:buFont typeface="Arial" panose="020B0604020202020204" pitchFamily="34" charset="0"/>
-              <a:buChar char="•"/>
-              <a:defRPr sz="1800" kern="1200">
-                <a:solidFill>
-                  <a:schemeClr val="tx1"/>
-                </a:solidFill>
-                <a:latin typeface="+mn-lt"/>
-                <a:ea typeface="+mn-ea"/>
-                <a:cs typeface="+mn-cs"/>
-              </a:defRPr>
-            </a:lvl7pPr>
-            <a:lvl8pPr marL="3429000" indent="-228600" algn="l" defTabSz="914400" rtl="0" eaLnBrk="1" latinLnBrk="0" hangingPunct="1">
-              <a:lnSpc>
-                <a:spcPct val="90000"/>
-              </a:lnSpc>
-              <a:spcBef>
-                <a:spcPct val="30000"/>
-              </a:spcBef>
-              <a:buFont typeface="Arial" panose="020B0604020202020204" pitchFamily="34" charset="0"/>
-              <a:buChar char="•"/>
-              <a:defRPr sz="1800" kern="1200">
-                <a:solidFill>
-                  <a:schemeClr val="tx1"/>
-                </a:solidFill>
-                <a:latin typeface="+mn-lt"/>
-                <a:ea typeface="+mn-ea"/>
-                <a:cs typeface="+mn-cs"/>
-              </a:defRPr>
-            </a:lvl8pPr>
-            <a:lvl9pPr marL="3886200" indent="-228600" algn="l" defTabSz="914400" rtl="0" eaLnBrk="1" latinLnBrk="0" hangingPunct="1">
-              <a:lnSpc>
-                <a:spcPct val="90000"/>
-              </a:lnSpc>
-              <a:spcBef>
-                <a:spcPct val="30000"/>
-              </a:spcBef>
-              <a:buFont typeface="Arial" panose="020B0604020202020204" pitchFamily="34" charset="0"/>
-              <a:buChar char="•"/>
-              <a:defRPr sz="1800" kern="1200">
-                <a:solidFill>
-                  <a:schemeClr val="tx1"/>
-                </a:solidFill>
-                <a:latin typeface="+mn-lt"/>
-                <a:ea typeface="+mn-ea"/>
-                <a:cs typeface="+mn-cs"/>
-              </a:defRPr>
-            </a:lvl9pPr>
-          </a:lstStyle>
           <a:p>
             <a:pPr>
               <a:spcAft>
-                <a:spcPts val="2000"/>
+                <a:spcPts val="600"/>
               </a:spcAft>
               <a:buFont typeface="Wingdings" panose="05000000000000000000" pitchFamily="2" charset="2"/>
               <a:buChar char="Ø"/>
               <a:defRPr/>
             </a:pPr>
-            <a:r>
-              <a:rPr lang="el-GR" sz="1400" dirty="0">
-                <a:solidFill>
-                  <a:prstClr val="black">
-                    <a:lumMod val="75000"/>
-                    <a:lumOff val="25000"/>
-                  </a:prstClr>
-                </a:solidFill>
-                <a:latin typeface="Segoe UI" panose="020B0502040204020203" pitchFamily="34" charset="0"/>
-                <a:cs typeface="Segoe UI" panose="020B0502040204020203" pitchFamily="34" charset="0"/>
-              </a:rPr>
-              <a:t>Επιλογή αλγορίθμου (</a:t>
-            </a:r>
-            <a:r>
-              <a:rPr lang="en-US" sz="1400" dirty="0">
-                <a:solidFill>
-                  <a:prstClr val="black">
-                    <a:lumMod val="75000"/>
-                    <a:lumOff val="25000"/>
-                  </a:prstClr>
-                </a:solidFill>
-                <a:latin typeface="Segoe UI" panose="020B0502040204020203" pitchFamily="34" charset="0"/>
-                <a:cs typeface="Segoe UI" panose="020B0502040204020203" pitchFamily="34" charset="0"/>
-              </a:rPr>
-              <a:t>k-Nearest-Neighbor Classifier</a:t>
-            </a:r>
-            <a:r>
-              <a:rPr lang="el-GR" sz="1400" dirty="0">
-                <a:solidFill>
-                  <a:prstClr val="black">
-                    <a:lumMod val="75000"/>
-                    <a:lumOff val="25000"/>
-                  </a:prstClr>
-                </a:solidFill>
-                <a:latin typeface="Segoe UI" panose="020B0502040204020203" pitchFamily="34" charset="0"/>
-                <a:cs typeface="Segoe UI" panose="020B0502040204020203" pitchFamily="34" charset="0"/>
-              </a:rPr>
-              <a:t>) για την ανάλυση των δεδομένων και εξαγωγή προβλέψεων.</a:t>
-            </a:r>
+            <a:endParaRPr lang="el-GR" sz="1400" dirty="0">
+              <a:solidFill>
+                <a:prstClr val="black">
+                  <a:lumMod val="75000"/>
+                  <a:lumOff val="25000"/>
+                </a:prstClr>
+              </a:solidFill>
+              <a:latin typeface="Segoe UI" panose="020B0502040204020203" pitchFamily="34" charset="0"/>
+              <a:cs typeface="Segoe UI" panose="020B0502040204020203" pitchFamily="34" charset="0"/>
+            </a:endParaRPr>
+          </a:p>
+          <a:p>
+            <a:pPr>
+              <a:spcAft>
+                <a:spcPts val="600"/>
+              </a:spcAft>
+              <a:buFont typeface="Wingdings" panose="05000000000000000000" pitchFamily="2" charset="2"/>
+              <a:buChar char="Ø"/>
+              <a:defRPr/>
+            </a:pPr>
+            <a:endParaRPr lang="el-GR" sz="1400" dirty="0">
+              <a:solidFill>
+                <a:prstClr val="black">
+                  <a:lumMod val="75000"/>
+                  <a:lumOff val="25000"/>
+                </a:prstClr>
+              </a:solidFill>
+              <a:cs typeface="Segoe UI"/>
+            </a:endParaRPr>
           </a:p>
         </p:txBody>
       </p:sp>
@@ -5243,563 +6732,16 @@
               <a:buChar char="Ø"/>
               <a:defRPr/>
             </a:pPr>
-            <a:r>
-              <a:rPr lang="el-GR" sz="1400" dirty="0">
-                <a:solidFill>
-                  <a:prstClr val="black">
-                    <a:lumMod val="75000"/>
-                    <a:lumOff val="25000"/>
-                  </a:prstClr>
-                </a:solidFill>
-                <a:latin typeface="Segoe UI" panose="020B0502040204020203" pitchFamily="34" charset="0"/>
-                <a:cs typeface="Segoe UI" panose="020B0502040204020203" pitchFamily="34" charset="0"/>
-              </a:rPr>
-              <a:t>Οπτικοποίηση δεδομένων και καθαρισμός αυτών.</a:t>
-            </a:r>
-          </a:p>
-        </p:txBody>
-      </p:sp>
-      <p:sp>
-        <p:nvSpPr>
-          <p:cNvPr id="53" name="Θέση περιεχομένου 17">
-            <a:extLst>
-              <a:ext uri="{FF2B5EF4-FFF2-40B4-BE49-F238E27FC236}">
-                <a16:creationId xmlns:a16="http://schemas.microsoft.com/office/drawing/2014/main" id="{0E6F1AA5-272C-4B14-AFA1-8ED97936F403}"/>
-              </a:ext>
-            </a:extLst>
-          </p:cNvPr>
-          <p:cNvSpPr txBox="1">
-            <a:spLocks/>
-          </p:cNvSpPr>
-          <p:nvPr/>
-        </p:nvSpPr>
-        <p:spPr>
-          <a:xfrm>
-            <a:off x="858836" y="5173052"/>
-            <a:ext cx="5158129" cy="563538"/>
-          </a:xfrm>
-          <a:prstGeom prst="rect">
-            <a:avLst/>
-          </a:prstGeom>
-        </p:spPr>
-        <p:txBody>
-          <a:bodyPr vert="horz" lIns="91440" tIns="45720" rIns="91440" bIns="45720" rtlCol="0">
-            <a:normAutofit/>
-          </a:bodyPr>
-          <a:lstStyle>
-            <a:lvl1pPr marL="228600" indent="-228600" algn="l" defTabSz="914400" rtl="0" eaLnBrk="1" latinLnBrk="0" hangingPunct="1">
-              <a:lnSpc>
-                <a:spcPts val="1800"/>
-              </a:lnSpc>
-              <a:spcBef>
-                <a:spcPts val="1000"/>
-              </a:spcBef>
-              <a:spcAft>
-                <a:spcPts val="1000"/>
-              </a:spcAft>
-              <a:buFont typeface="Arial" panose="020B0604020202020204" pitchFamily="34" charset="0"/>
-              <a:buChar char="•"/>
-              <a:defRPr lang="en-US" sz="1200" kern="1200" smtClean="0">
-                <a:solidFill>
-                  <a:schemeClr val="tx1">
-                    <a:lumMod val="75000"/>
-                    <a:lumOff val="25000"/>
-                  </a:schemeClr>
-                </a:solidFill>
-                <a:latin typeface="+mn-lt"/>
-                <a:ea typeface="+mn-ea"/>
-                <a:cs typeface="+mn-cs"/>
-              </a:defRPr>
-            </a:lvl1pPr>
-            <a:lvl2pPr marL="685800" indent="-228600" algn="l" defTabSz="914400" rtl="0" eaLnBrk="1" latinLnBrk="0" hangingPunct="1">
-              <a:lnSpc>
-                <a:spcPts val="1800"/>
-              </a:lnSpc>
-              <a:spcBef>
-                <a:spcPts val="1000"/>
-              </a:spcBef>
-              <a:spcAft>
-                <a:spcPts val="1000"/>
-              </a:spcAft>
-              <a:buFont typeface="Arial" panose="020B0604020202020204" pitchFamily="34" charset="0"/>
-              <a:buChar char="•"/>
-              <a:defRPr lang="en-US" sz="1200" kern="1200" smtClean="0">
-                <a:solidFill>
-                  <a:schemeClr val="tx1">
-                    <a:lumMod val="75000"/>
-                    <a:lumOff val="25000"/>
-                  </a:schemeClr>
-                </a:solidFill>
-                <a:latin typeface="+mn-lt"/>
-                <a:ea typeface="+mn-ea"/>
-                <a:cs typeface="+mn-cs"/>
-              </a:defRPr>
-            </a:lvl2pPr>
-            <a:lvl3pPr marL="1143000" indent="-228600" algn="l" defTabSz="914400" rtl="0" eaLnBrk="1" latinLnBrk="0" hangingPunct="1">
-              <a:lnSpc>
-                <a:spcPts val="1800"/>
-              </a:lnSpc>
-              <a:spcBef>
-                <a:spcPts val="1000"/>
-              </a:spcBef>
-              <a:spcAft>
-                <a:spcPts val="1000"/>
-              </a:spcAft>
-              <a:buFont typeface="Arial" panose="020B0604020202020204" pitchFamily="34" charset="0"/>
-              <a:buChar char="•"/>
-              <a:defRPr lang="en-US" sz="1200" kern="1200" smtClean="0">
-                <a:solidFill>
-                  <a:schemeClr val="tx1">
-                    <a:lumMod val="75000"/>
-                    <a:lumOff val="25000"/>
-                  </a:schemeClr>
-                </a:solidFill>
-                <a:latin typeface="+mn-lt"/>
-                <a:ea typeface="+mn-ea"/>
-                <a:cs typeface="+mn-cs"/>
-              </a:defRPr>
-            </a:lvl3pPr>
-            <a:lvl4pPr marL="1600200" indent="-228600" algn="l" defTabSz="914400" rtl="0" eaLnBrk="1" latinLnBrk="0" hangingPunct="1">
-              <a:lnSpc>
-                <a:spcPts val="1800"/>
-              </a:lnSpc>
-              <a:spcBef>
-                <a:spcPts val="1000"/>
-              </a:spcBef>
-              <a:spcAft>
-                <a:spcPts val="1000"/>
-              </a:spcAft>
-              <a:buFont typeface="Arial" panose="020B0604020202020204" pitchFamily="34" charset="0"/>
-              <a:buChar char="•"/>
-              <a:defRPr lang="en-US" sz="1200" kern="1200" smtClean="0">
-                <a:solidFill>
-                  <a:schemeClr val="tx1">
-                    <a:lumMod val="75000"/>
-                    <a:lumOff val="25000"/>
-                  </a:schemeClr>
-                </a:solidFill>
-                <a:latin typeface="+mn-lt"/>
-                <a:ea typeface="+mn-ea"/>
-                <a:cs typeface="+mn-cs"/>
-              </a:defRPr>
-            </a:lvl4pPr>
-            <a:lvl5pPr marL="2057400" indent="-228600" algn="l" defTabSz="914400" rtl="0" eaLnBrk="1" latinLnBrk="0" hangingPunct="1">
-              <a:lnSpc>
-                <a:spcPts val="1800"/>
-              </a:lnSpc>
-              <a:spcBef>
-                <a:spcPts val="1000"/>
-              </a:spcBef>
-              <a:spcAft>
-                <a:spcPts val="1000"/>
-              </a:spcAft>
-              <a:buFont typeface="Arial" panose="020B0604020202020204" pitchFamily="34" charset="0"/>
-              <a:buChar char="•"/>
-              <a:defRPr lang="en-US" sz="1200" kern="1200">
-                <a:solidFill>
-                  <a:schemeClr val="tx1">
-                    <a:lumMod val="75000"/>
-                    <a:lumOff val="25000"/>
-                  </a:schemeClr>
-                </a:solidFill>
-                <a:latin typeface="+mn-lt"/>
-                <a:ea typeface="+mn-ea"/>
-                <a:cs typeface="+mn-cs"/>
-              </a:defRPr>
-            </a:lvl5pPr>
-            <a:lvl6pPr marL="2514600" indent="-228600" algn="l" defTabSz="914400" rtl="0" eaLnBrk="1" latinLnBrk="0" hangingPunct="1">
-              <a:lnSpc>
-                <a:spcPct val="90000"/>
-              </a:lnSpc>
-              <a:spcBef>
-                <a:spcPct val="30000"/>
-              </a:spcBef>
-              <a:buFont typeface="Arial" panose="020B0604020202020204" pitchFamily="34" charset="0"/>
-              <a:buChar char="•"/>
-              <a:defRPr sz="1800" kern="1200">
-                <a:solidFill>
-                  <a:schemeClr val="tx1"/>
-                </a:solidFill>
-                <a:latin typeface="+mn-lt"/>
-                <a:ea typeface="+mn-ea"/>
-                <a:cs typeface="+mn-cs"/>
-              </a:defRPr>
-            </a:lvl6pPr>
-            <a:lvl7pPr marL="2971800" indent="-228600" algn="l" defTabSz="914400" rtl="0" eaLnBrk="1" latinLnBrk="0" hangingPunct="1">
-              <a:lnSpc>
-                <a:spcPct val="90000"/>
-              </a:lnSpc>
-              <a:spcBef>
-                <a:spcPct val="30000"/>
-              </a:spcBef>
-              <a:buFont typeface="Arial" panose="020B0604020202020204" pitchFamily="34" charset="0"/>
-              <a:buChar char="•"/>
-              <a:defRPr sz="1800" kern="1200">
-                <a:solidFill>
-                  <a:schemeClr val="tx1"/>
-                </a:solidFill>
-                <a:latin typeface="+mn-lt"/>
-                <a:ea typeface="+mn-ea"/>
-                <a:cs typeface="+mn-cs"/>
-              </a:defRPr>
-            </a:lvl7pPr>
-            <a:lvl8pPr marL="3429000" indent="-228600" algn="l" defTabSz="914400" rtl="0" eaLnBrk="1" latinLnBrk="0" hangingPunct="1">
-              <a:lnSpc>
-                <a:spcPct val="90000"/>
-              </a:lnSpc>
-              <a:spcBef>
-                <a:spcPct val="30000"/>
-              </a:spcBef>
-              <a:buFont typeface="Arial" panose="020B0604020202020204" pitchFamily="34" charset="0"/>
-              <a:buChar char="•"/>
-              <a:defRPr sz="1800" kern="1200">
-                <a:solidFill>
-                  <a:schemeClr val="tx1"/>
-                </a:solidFill>
-                <a:latin typeface="+mn-lt"/>
-                <a:ea typeface="+mn-ea"/>
-                <a:cs typeface="+mn-cs"/>
-              </a:defRPr>
-            </a:lvl8pPr>
-            <a:lvl9pPr marL="3886200" indent="-228600" algn="l" defTabSz="914400" rtl="0" eaLnBrk="1" latinLnBrk="0" hangingPunct="1">
-              <a:lnSpc>
-                <a:spcPct val="90000"/>
-              </a:lnSpc>
-              <a:spcBef>
-                <a:spcPct val="30000"/>
-              </a:spcBef>
-              <a:buFont typeface="Arial" panose="020B0604020202020204" pitchFamily="34" charset="0"/>
-              <a:buChar char="•"/>
-              <a:defRPr sz="1800" kern="1200">
-                <a:solidFill>
-                  <a:schemeClr val="tx1"/>
-                </a:solidFill>
-                <a:latin typeface="+mn-lt"/>
-                <a:ea typeface="+mn-ea"/>
-                <a:cs typeface="+mn-cs"/>
-              </a:defRPr>
-            </a:lvl9pPr>
-          </a:lstStyle>
-          <a:p>
-            <a:pPr>
-              <a:spcAft>
-                <a:spcPts val="2000"/>
-              </a:spcAft>
-              <a:buFont typeface="Wingdings" panose="05000000000000000000" pitchFamily="2" charset="2"/>
-              <a:buChar char="Ø"/>
-              <a:defRPr/>
-            </a:pPr>
-            <a:r>
-              <a:rPr lang="el-GR" sz="1400" dirty="0">
-                <a:solidFill>
-                  <a:prstClr val="black">
-                    <a:lumMod val="75000"/>
-                    <a:lumOff val="25000"/>
-                  </a:prstClr>
-                </a:solidFill>
-                <a:latin typeface="Segoe UI" panose="020B0502040204020203" pitchFamily="34" charset="0"/>
-                <a:cs typeface="Segoe UI" panose="020B0502040204020203" pitchFamily="34" charset="0"/>
-              </a:rPr>
-              <a:t>Διαχωρισμός δεδομένων σε </a:t>
-            </a:r>
-            <a:r>
-              <a:rPr lang="en-US" sz="1400" dirty="0">
-                <a:solidFill>
-                  <a:prstClr val="black">
-                    <a:lumMod val="75000"/>
-                    <a:lumOff val="25000"/>
-                  </a:prstClr>
-                </a:solidFill>
-                <a:latin typeface="Segoe UI" panose="020B0502040204020203" pitchFamily="34" charset="0"/>
-                <a:cs typeface="Segoe UI" panose="020B0502040204020203" pitchFamily="34" charset="0"/>
-              </a:rPr>
-              <a:t>training set </a:t>
-            </a:r>
-            <a:r>
-              <a:rPr lang="el-GR" sz="1400" dirty="0">
-                <a:solidFill>
-                  <a:prstClr val="black">
-                    <a:lumMod val="75000"/>
-                    <a:lumOff val="25000"/>
-                  </a:prstClr>
-                </a:solidFill>
-                <a:latin typeface="Segoe UI" panose="020B0502040204020203" pitchFamily="34" charset="0"/>
-                <a:cs typeface="Segoe UI" panose="020B0502040204020203" pitchFamily="34" charset="0"/>
-              </a:rPr>
-              <a:t>και </a:t>
-            </a:r>
-            <a:r>
-              <a:rPr lang="en-US" sz="1400" dirty="0">
-                <a:solidFill>
-                  <a:prstClr val="black">
-                    <a:lumMod val="75000"/>
-                    <a:lumOff val="25000"/>
-                  </a:prstClr>
-                </a:solidFill>
-                <a:latin typeface="Segoe UI" panose="020B0502040204020203" pitchFamily="34" charset="0"/>
-                <a:cs typeface="Segoe UI" panose="020B0502040204020203" pitchFamily="34" charset="0"/>
-              </a:rPr>
-              <a:t> test set.</a:t>
-            </a:r>
-            <a:r>
-              <a:rPr lang="el-GR" sz="1400" dirty="0">
-                <a:solidFill>
-                  <a:prstClr val="black">
-                    <a:lumMod val="75000"/>
-                    <a:lumOff val="25000"/>
-                  </a:prstClr>
-                </a:solidFill>
-                <a:latin typeface="Segoe UI" panose="020B0502040204020203" pitchFamily="34" charset="0"/>
-                <a:cs typeface="Segoe UI" panose="020B0502040204020203" pitchFamily="34" charset="0"/>
-              </a:rPr>
-              <a:t> </a:t>
-            </a:r>
-          </a:p>
-        </p:txBody>
-      </p:sp>
-      <p:sp>
-        <p:nvSpPr>
-          <p:cNvPr id="54" name="Θέση περιεχομένου 17">
-            <a:extLst>
-              <a:ext uri="{FF2B5EF4-FFF2-40B4-BE49-F238E27FC236}">
-                <a16:creationId xmlns:a16="http://schemas.microsoft.com/office/drawing/2014/main" id="{03D776C9-C777-4EDB-8F88-BA8E68F11901}"/>
-              </a:ext>
-            </a:extLst>
-          </p:cNvPr>
-          <p:cNvSpPr txBox="1">
-            <a:spLocks/>
-          </p:cNvSpPr>
-          <p:nvPr/>
-        </p:nvSpPr>
-        <p:spPr>
-          <a:xfrm>
-            <a:off x="844563" y="5625110"/>
-            <a:ext cx="5158129" cy="563538"/>
-          </a:xfrm>
-          <a:prstGeom prst="rect">
-            <a:avLst/>
-          </a:prstGeom>
-        </p:spPr>
-        <p:txBody>
-          <a:bodyPr vert="horz" lIns="91440" tIns="45720" rIns="91440" bIns="45720" rtlCol="0">
-            <a:normAutofit/>
-          </a:bodyPr>
-          <a:lstStyle>
-            <a:lvl1pPr marL="228600" indent="-228600" algn="l" defTabSz="914400" rtl="0" eaLnBrk="1" latinLnBrk="0" hangingPunct="1">
-              <a:lnSpc>
-                <a:spcPts val="1800"/>
-              </a:lnSpc>
-              <a:spcBef>
-                <a:spcPts val="1000"/>
-              </a:spcBef>
-              <a:spcAft>
-                <a:spcPts val="1000"/>
-              </a:spcAft>
-              <a:buFont typeface="Arial" panose="020B0604020202020204" pitchFamily="34" charset="0"/>
-              <a:buChar char="•"/>
-              <a:defRPr lang="en-US" sz="1200" kern="1200" smtClean="0">
-                <a:solidFill>
-                  <a:schemeClr val="tx1">
-                    <a:lumMod val="75000"/>
-                    <a:lumOff val="25000"/>
-                  </a:schemeClr>
-                </a:solidFill>
-                <a:latin typeface="+mn-lt"/>
-                <a:ea typeface="+mn-ea"/>
-                <a:cs typeface="+mn-cs"/>
-              </a:defRPr>
-            </a:lvl1pPr>
-            <a:lvl2pPr marL="685800" indent="-228600" algn="l" defTabSz="914400" rtl="0" eaLnBrk="1" latinLnBrk="0" hangingPunct="1">
-              <a:lnSpc>
-                <a:spcPts val="1800"/>
-              </a:lnSpc>
-              <a:spcBef>
-                <a:spcPts val="1000"/>
-              </a:spcBef>
-              <a:spcAft>
-                <a:spcPts val="1000"/>
-              </a:spcAft>
-              <a:buFont typeface="Arial" panose="020B0604020202020204" pitchFamily="34" charset="0"/>
-              <a:buChar char="•"/>
-              <a:defRPr lang="en-US" sz="1200" kern="1200" smtClean="0">
-                <a:solidFill>
-                  <a:schemeClr val="tx1">
-                    <a:lumMod val="75000"/>
-                    <a:lumOff val="25000"/>
-                  </a:schemeClr>
-                </a:solidFill>
-                <a:latin typeface="+mn-lt"/>
-                <a:ea typeface="+mn-ea"/>
-                <a:cs typeface="+mn-cs"/>
-              </a:defRPr>
-            </a:lvl2pPr>
-            <a:lvl3pPr marL="1143000" indent="-228600" algn="l" defTabSz="914400" rtl="0" eaLnBrk="1" latinLnBrk="0" hangingPunct="1">
-              <a:lnSpc>
-                <a:spcPts val="1800"/>
-              </a:lnSpc>
-              <a:spcBef>
-                <a:spcPts val="1000"/>
-              </a:spcBef>
-              <a:spcAft>
-                <a:spcPts val="1000"/>
-              </a:spcAft>
-              <a:buFont typeface="Arial" panose="020B0604020202020204" pitchFamily="34" charset="0"/>
-              <a:buChar char="•"/>
-              <a:defRPr lang="en-US" sz="1200" kern="1200" smtClean="0">
-                <a:solidFill>
-                  <a:schemeClr val="tx1">
-                    <a:lumMod val="75000"/>
-                    <a:lumOff val="25000"/>
-                  </a:schemeClr>
-                </a:solidFill>
-                <a:latin typeface="+mn-lt"/>
-                <a:ea typeface="+mn-ea"/>
-                <a:cs typeface="+mn-cs"/>
-              </a:defRPr>
-            </a:lvl3pPr>
-            <a:lvl4pPr marL="1600200" indent="-228600" algn="l" defTabSz="914400" rtl="0" eaLnBrk="1" latinLnBrk="0" hangingPunct="1">
-              <a:lnSpc>
-                <a:spcPts val="1800"/>
-              </a:lnSpc>
-              <a:spcBef>
-                <a:spcPts val="1000"/>
-              </a:spcBef>
-              <a:spcAft>
-                <a:spcPts val="1000"/>
-              </a:spcAft>
-              <a:buFont typeface="Arial" panose="020B0604020202020204" pitchFamily="34" charset="0"/>
-              <a:buChar char="•"/>
-              <a:defRPr lang="en-US" sz="1200" kern="1200" smtClean="0">
-                <a:solidFill>
-                  <a:schemeClr val="tx1">
-                    <a:lumMod val="75000"/>
-                    <a:lumOff val="25000"/>
-                  </a:schemeClr>
-                </a:solidFill>
-                <a:latin typeface="+mn-lt"/>
-                <a:ea typeface="+mn-ea"/>
-                <a:cs typeface="+mn-cs"/>
-              </a:defRPr>
-            </a:lvl4pPr>
-            <a:lvl5pPr marL="2057400" indent="-228600" algn="l" defTabSz="914400" rtl="0" eaLnBrk="1" latinLnBrk="0" hangingPunct="1">
-              <a:lnSpc>
-                <a:spcPts val="1800"/>
-              </a:lnSpc>
-              <a:spcBef>
-                <a:spcPts val="1000"/>
-              </a:spcBef>
-              <a:spcAft>
-                <a:spcPts val="1000"/>
-              </a:spcAft>
-              <a:buFont typeface="Arial" panose="020B0604020202020204" pitchFamily="34" charset="0"/>
-              <a:buChar char="•"/>
-              <a:defRPr lang="en-US" sz="1200" kern="1200">
-                <a:solidFill>
-                  <a:schemeClr val="tx1">
-                    <a:lumMod val="75000"/>
-                    <a:lumOff val="25000"/>
-                  </a:schemeClr>
-                </a:solidFill>
-                <a:latin typeface="+mn-lt"/>
-                <a:ea typeface="+mn-ea"/>
-                <a:cs typeface="+mn-cs"/>
-              </a:defRPr>
-            </a:lvl5pPr>
-            <a:lvl6pPr marL="2514600" indent="-228600" algn="l" defTabSz="914400" rtl="0" eaLnBrk="1" latinLnBrk="0" hangingPunct="1">
-              <a:lnSpc>
-                <a:spcPct val="90000"/>
-              </a:lnSpc>
-              <a:spcBef>
-                <a:spcPct val="30000"/>
-              </a:spcBef>
-              <a:buFont typeface="Arial" panose="020B0604020202020204" pitchFamily="34" charset="0"/>
-              <a:buChar char="•"/>
-              <a:defRPr sz="1800" kern="1200">
-                <a:solidFill>
-                  <a:schemeClr val="tx1"/>
-                </a:solidFill>
-                <a:latin typeface="+mn-lt"/>
-                <a:ea typeface="+mn-ea"/>
-                <a:cs typeface="+mn-cs"/>
-              </a:defRPr>
-            </a:lvl6pPr>
-            <a:lvl7pPr marL="2971800" indent="-228600" algn="l" defTabSz="914400" rtl="0" eaLnBrk="1" latinLnBrk="0" hangingPunct="1">
-              <a:lnSpc>
-                <a:spcPct val="90000"/>
-              </a:lnSpc>
-              <a:spcBef>
-                <a:spcPct val="30000"/>
-              </a:spcBef>
-              <a:buFont typeface="Arial" panose="020B0604020202020204" pitchFamily="34" charset="0"/>
-              <a:buChar char="•"/>
-              <a:defRPr sz="1800" kern="1200">
-                <a:solidFill>
-                  <a:schemeClr val="tx1"/>
-                </a:solidFill>
-                <a:latin typeface="+mn-lt"/>
-                <a:ea typeface="+mn-ea"/>
-                <a:cs typeface="+mn-cs"/>
-              </a:defRPr>
-            </a:lvl7pPr>
-            <a:lvl8pPr marL="3429000" indent="-228600" algn="l" defTabSz="914400" rtl="0" eaLnBrk="1" latinLnBrk="0" hangingPunct="1">
-              <a:lnSpc>
-                <a:spcPct val="90000"/>
-              </a:lnSpc>
-              <a:spcBef>
-                <a:spcPct val="30000"/>
-              </a:spcBef>
-              <a:buFont typeface="Arial" panose="020B0604020202020204" pitchFamily="34" charset="0"/>
-              <a:buChar char="•"/>
-              <a:defRPr sz="1800" kern="1200">
-                <a:solidFill>
-                  <a:schemeClr val="tx1"/>
-                </a:solidFill>
-                <a:latin typeface="+mn-lt"/>
-                <a:ea typeface="+mn-ea"/>
-                <a:cs typeface="+mn-cs"/>
-              </a:defRPr>
-            </a:lvl8pPr>
-            <a:lvl9pPr marL="3886200" indent="-228600" algn="l" defTabSz="914400" rtl="0" eaLnBrk="1" latinLnBrk="0" hangingPunct="1">
-              <a:lnSpc>
-                <a:spcPct val="90000"/>
-              </a:lnSpc>
-              <a:spcBef>
-                <a:spcPct val="30000"/>
-              </a:spcBef>
-              <a:buFont typeface="Arial" panose="020B0604020202020204" pitchFamily="34" charset="0"/>
-              <a:buChar char="•"/>
-              <a:defRPr sz="1800" kern="1200">
-                <a:solidFill>
-                  <a:schemeClr val="tx1"/>
-                </a:solidFill>
-                <a:latin typeface="+mn-lt"/>
-                <a:ea typeface="+mn-ea"/>
-                <a:cs typeface="+mn-cs"/>
-              </a:defRPr>
-            </a:lvl9pPr>
-          </a:lstStyle>
-          <a:p>
-            <a:pPr>
-              <a:spcAft>
-                <a:spcPts val="2000"/>
-              </a:spcAft>
-              <a:buFont typeface="Wingdings" panose="05000000000000000000" pitchFamily="2" charset="2"/>
-              <a:buChar char="Ø"/>
-              <a:defRPr/>
-            </a:pPr>
-            <a:r>
-              <a:rPr lang="el-GR" sz="1400" dirty="0">
-                <a:solidFill>
-                  <a:prstClr val="black">
-                    <a:lumMod val="75000"/>
-                    <a:lumOff val="25000"/>
-                  </a:prstClr>
-                </a:solidFill>
-                <a:latin typeface="Segoe UI" panose="020B0502040204020203" pitchFamily="34" charset="0"/>
-                <a:cs typeface="Segoe UI" panose="020B0502040204020203" pitchFamily="34" charset="0"/>
-              </a:rPr>
-              <a:t>Πρόβλεψη για το αν υπάρχει επαφή με την μπάλα ή όχι. </a:t>
-            </a:r>
+            <a:endParaRPr lang="el-GR" sz="1400" dirty="0">
+              <a:solidFill>
+                <a:prstClr val="black">
+                  <a:lumMod val="75000"/>
+                  <a:lumOff val="25000"/>
+                </a:prstClr>
+              </a:solidFill>
+              <a:latin typeface="Segoe UI" panose="020B0502040204020203" pitchFamily="34" charset="0"/>
+              <a:cs typeface="Segoe UI" panose="020B0502040204020203" pitchFamily="34" charset="0"/>
+            </a:endParaRPr>
           </a:p>
         </p:txBody>
       </p:sp>
@@ -6479,6 +7421,177 @@
       </p:grpSpPr>
       <p:sp>
         <p:nvSpPr>
+          <p:cNvPr id="2" name="Title 1">
+            <a:extLst>
+              <a:ext uri="{FF2B5EF4-FFF2-40B4-BE49-F238E27FC236}">
+                <a16:creationId xmlns:a16="http://schemas.microsoft.com/office/drawing/2014/main" id="{6BCE46F4-5A92-4E8E-BE0C-9212B75BC272}"/>
+              </a:ext>
+            </a:extLst>
+          </p:cNvPr>
+          <p:cNvSpPr>
+            <a:spLocks noGrp="1"/>
+          </p:cNvSpPr>
+          <p:nvPr>
+            <p:ph type="title"/>
+          </p:nvPr>
+        </p:nvSpPr>
+        <p:spPr/>
+        <p:txBody>
+          <a:bodyPr/>
+          <a:lstStyle/>
+          <a:p>
+            <a:endParaRPr lang="en-US"/>
+          </a:p>
+        </p:txBody>
+      </p:sp>
+      <p:sp>
+        <p:nvSpPr>
+          <p:cNvPr id="3" name="Content Placeholder 2">
+            <a:extLst>
+              <a:ext uri="{FF2B5EF4-FFF2-40B4-BE49-F238E27FC236}">
+                <a16:creationId xmlns:a16="http://schemas.microsoft.com/office/drawing/2014/main" id="{7D73B733-501C-43C8-AEA7-6F79D8ABBF44}"/>
+              </a:ext>
+            </a:extLst>
+          </p:cNvPr>
+          <p:cNvSpPr>
+            <a:spLocks noGrp="1"/>
+          </p:cNvSpPr>
+          <p:nvPr>
+            <p:ph sz="quarter" idx="10"/>
+          </p:nvPr>
+        </p:nvSpPr>
+        <p:spPr/>
+        <p:txBody>
+          <a:bodyPr/>
+          <a:lstStyle/>
+          <a:p>
+            <a:endParaRPr lang="en-US"/>
+          </a:p>
+        </p:txBody>
+      </p:sp>
+    </p:spTree>
+    <p:extLst>
+      <p:ext uri="{BB962C8B-B14F-4D97-AF65-F5344CB8AC3E}">
+        <p14:creationId xmlns:p14="http://schemas.microsoft.com/office/powerpoint/2010/main" val="3998430374"/>
+      </p:ext>
+    </p:extLst>
+  </p:cSld>
+  <p:clrMapOvr>
+    <a:masterClrMapping/>
+  </p:clrMapOvr>
+</p:sld>
+</file>
+
+<file path=ppt/slides/slide5.xml><?xml version="1.0" encoding="utf-8"?>
+<p:sld xmlns:a="http://schemas.openxmlformats.org/drawingml/2006/main" xmlns:r="http://schemas.openxmlformats.org/officeDocument/2006/relationships" xmlns:p="http://schemas.openxmlformats.org/presentationml/2006/main">
+  <p:cSld>
+    <p:spTree>
+      <p:nvGrpSpPr>
+        <p:cNvPr id="1" name=""/>
+        <p:cNvGrpSpPr/>
+        <p:nvPr/>
+      </p:nvGrpSpPr>
+      <p:grpSpPr>
+        <a:xfrm>
+          <a:off x="0" y="0"/>
+          <a:ext cx="0" cy="0"/>
+          <a:chOff x="0" y="0"/>
+          <a:chExt cx="0" cy="0"/>
+        </a:xfrm>
+      </p:grpSpPr>
+      <p:sp>
+        <p:nvSpPr>
+          <p:cNvPr id="2" name="Title 1">
+            <a:extLst>
+              <a:ext uri="{FF2B5EF4-FFF2-40B4-BE49-F238E27FC236}">
+                <a16:creationId xmlns:a16="http://schemas.microsoft.com/office/drawing/2014/main" id="{40A8ABF0-B494-4E27-AA0D-1485C663B422}"/>
+              </a:ext>
+            </a:extLst>
+          </p:cNvPr>
+          <p:cNvSpPr>
+            <a:spLocks noGrp="1"/>
+          </p:cNvSpPr>
+          <p:nvPr>
+            <p:ph type="title"/>
+          </p:nvPr>
+        </p:nvSpPr>
+        <p:spPr>
+          <a:xfrm>
+            <a:off x="521207" y="448055"/>
+            <a:ext cx="10068135" cy="727601"/>
+          </a:xfrm>
+        </p:spPr>
+        <p:txBody>
+          <a:bodyPr>
+            <a:normAutofit fontScale="90000"/>
+          </a:bodyPr>
+          <a:lstStyle/>
+          <a:p>
+            <a:r>
+              <a:rPr lang="el-GR" dirty="0"/>
+              <a:t>Πρόβλεψη ποδοσφαιρικού αποτελέσματος με τη χρήση Μηχανικής Μάθησης</a:t>
+            </a:r>
+            <a:endParaRPr lang="en-US" dirty="0"/>
+          </a:p>
+        </p:txBody>
+      </p:sp>
+      <p:sp>
+        <p:nvSpPr>
+          <p:cNvPr id="3" name="Content Placeholder 2">
+            <a:extLst>
+              <a:ext uri="{FF2B5EF4-FFF2-40B4-BE49-F238E27FC236}">
+                <a16:creationId xmlns:a16="http://schemas.microsoft.com/office/drawing/2014/main" id="{98ED7B23-BF41-4692-B7CB-BFB7EFAD9283}"/>
+              </a:ext>
+            </a:extLst>
+          </p:cNvPr>
+          <p:cNvSpPr>
+            <a:spLocks noGrp="1"/>
+          </p:cNvSpPr>
+          <p:nvPr>
+            <p:ph sz="quarter" idx="10"/>
+          </p:nvPr>
+        </p:nvSpPr>
+        <p:spPr/>
+        <p:txBody>
+          <a:bodyPr/>
+          <a:lstStyle/>
+          <a:p>
+            <a:endParaRPr lang="en-US" dirty="0"/>
+          </a:p>
+        </p:txBody>
+      </p:sp>
+    </p:spTree>
+    <p:extLst>
+      <p:ext uri="{BB962C8B-B14F-4D97-AF65-F5344CB8AC3E}">
+        <p14:creationId xmlns:p14="http://schemas.microsoft.com/office/powerpoint/2010/main" val="3148591513"/>
+      </p:ext>
+    </p:extLst>
+  </p:cSld>
+  <p:clrMapOvr>
+    <a:masterClrMapping/>
+  </p:clrMapOvr>
+</p:sld>
+</file>
+
+<file path=ppt/slides/slide6.xml><?xml version="1.0" encoding="utf-8"?>
+<p:sld xmlns:a="http://schemas.openxmlformats.org/drawingml/2006/main" xmlns:r="http://schemas.openxmlformats.org/officeDocument/2006/relationships" xmlns:p="http://schemas.openxmlformats.org/presentationml/2006/main">
+  <p:cSld>
+    <p:spTree>
+      <p:nvGrpSpPr>
+        <p:cNvPr id="1" name=""/>
+        <p:cNvGrpSpPr/>
+        <p:nvPr/>
+      </p:nvGrpSpPr>
+      <p:grpSpPr>
+        <a:xfrm>
+          <a:off x="0" y="0"/>
+          <a:ext cx="0" cy="0"/>
+          <a:chOff x="0" y="0"/>
+          <a:chExt cx="0" cy="0"/>
+        </a:xfrm>
+      </p:grpSpPr>
+      <p:sp>
+        <p:nvSpPr>
           <p:cNvPr id="3" name="Τίτλος 2"/>
           <p:cNvSpPr>
             <a:spLocks noGrp="1"/>
@@ -6799,7 +7912,7 @@
 </p:sld>
 </file>
 
-<file path=ppt/slides/slide5.xml><?xml version="1.0" encoding="utf-8"?>
+<file path=ppt/slides/slide7.xml><?xml version="1.0" encoding="utf-8"?>
 <p:sld xmlns:a="http://schemas.openxmlformats.org/drawingml/2006/main" xmlns:r="http://schemas.openxmlformats.org/officeDocument/2006/relationships" xmlns:p="http://schemas.openxmlformats.org/presentationml/2006/main">
   <p:cSld>
     <p:spTree>
@@ -8816,7 +9929,7 @@
 </p:sld>
 </file>
 
-<file path=ppt/slides/slide6.xml><?xml version="1.0" encoding="utf-8"?>
+<file path=ppt/slides/slide8.xml><?xml version="1.0" encoding="utf-8"?>
 <p:sld xmlns:a="http://schemas.openxmlformats.org/drawingml/2006/main" xmlns:r="http://schemas.openxmlformats.org/officeDocument/2006/relationships" xmlns:p="http://schemas.openxmlformats.org/presentationml/2006/main">
   <p:cSld>
     <p:spTree>
@@ -10156,7 +11269,7 @@
 </p:sld>
 </file>
 
-<file path=ppt/slides/slide7.xml><?xml version="1.0" encoding="utf-8"?>
+<file path=ppt/slides/slide9.xml><?xml version="1.0" encoding="utf-8"?>
 <p:sld xmlns:a="http://schemas.openxmlformats.org/drawingml/2006/main" xmlns:r="http://schemas.openxmlformats.org/officeDocument/2006/relationships" xmlns:p="http://schemas.openxmlformats.org/presentationml/2006/main">
   <p:cSld>
     <p:spTree>
@@ -10875,7 +11988,7 @@
           <a:effectLst/>
           <a:extLst>
             <a:ext uri="{C572A759-6A51-4108-AA02-DFA0A04FC94B}">
-              <ma14:wrappingTextBoxFlag xmlns="" xmlns:ma14="http://schemas.microsoft.com/office/mac/drawingml/2011/main"/>
+              <ma14:wrappingTextBoxFlag xmlns:ma14="http://schemas.microsoft.com/office/mac/drawingml/2011/main" xmlns=""/>
             </a:ext>
           </a:extLst>
         </p:spPr>
@@ -11857,1924 +12970,6 @@
     </mc:Choice>
     <mc:Fallback xmlns="">
       <p:transition/>
-    </mc:Fallback>
-  </mc:AlternateContent>
-</p:sld>
-</file>
-
-<file path=ppt/slides/slide8.xml><?xml version="1.0" encoding="utf-8"?>
-<p:sld xmlns:a="http://schemas.openxmlformats.org/drawingml/2006/main" xmlns:r="http://schemas.openxmlformats.org/officeDocument/2006/relationships" xmlns:p="http://schemas.openxmlformats.org/presentationml/2006/main">
-  <p:cSld>
-    <p:spTree>
-      <p:nvGrpSpPr>
-        <p:cNvPr id="1" name=""/>
-        <p:cNvGrpSpPr/>
-        <p:nvPr/>
-      </p:nvGrpSpPr>
-      <p:grpSpPr>
-        <a:xfrm>
-          <a:off x="0" y="0"/>
-          <a:ext cx="0" cy="0"/>
-          <a:chOff x="0" y="0"/>
-          <a:chExt cx="0" cy="0"/>
-        </a:xfrm>
-      </p:grpSpPr>
-      <p:sp>
-        <p:nvSpPr>
-          <p:cNvPr id="8" name="Τίτλος 7"/>
-          <p:cNvSpPr>
-            <a:spLocks noGrp="1"/>
-          </p:cNvSpPr>
-          <p:nvPr>
-            <p:ph type="title"/>
-          </p:nvPr>
-        </p:nvSpPr>
-        <p:spPr>
-          <a:xfrm>
-            <a:off x="521207" y="448056"/>
-            <a:ext cx="8150845" cy="640080"/>
-          </a:xfrm>
-        </p:spPr>
-        <p:txBody>
-          <a:bodyPr rtlCol="0">
-            <a:normAutofit/>
-          </a:bodyPr>
-          <a:lstStyle/>
-          <a:p>
-            <a:pPr rtl="0"/>
-            <a:r>
-              <a:rPr lang="el-GR" dirty="0">
-                <a:latin typeface="Segoe UI Light" panose="020B0502040204020203" pitchFamily="34" charset="0"/>
-                <a:cs typeface="Segoe UI Light" panose="020B0502040204020203" pitchFamily="34" charset="0"/>
-              </a:rPr>
-              <a:t>Εξερεύνηση χωρίς κλείσιμο των διαφανειών</a:t>
-            </a:r>
-          </a:p>
-        </p:txBody>
-      </p:sp>
-      <p:sp>
-        <p:nvSpPr>
-          <p:cNvPr id="16" name="Θέση περιεχομένου 17"/>
-          <p:cNvSpPr txBox="1">
-            <a:spLocks/>
-          </p:cNvSpPr>
-          <p:nvPr/>
-        </p:nvSpPr>
-        <p:spPr>
-          <a:xfrm>
-            <a:off x="541609" y="1296100"/>
-            <a:ext cx="6093106" cy="1236475"/>
-          </a:xfrm>
-          <a:prstGeom prst="rect">
-            <a:avLst/>
-          </a:prstGeom>
-        </p:spPr>
-        <p:txBody>
-          <a:bodyPr vert="horz" lIns="91440" tIns="45720" rIns="91440" bIns="45720" rtlCol="0">
-            <a:normAutofit/>
-          </a:bodyPr>
-          <a:lstStyle>
-            <a:lvl1pPr marL="228600" indent="-228600" algn="l" defTabSz="914400" rtl="0" eaLnBrk="1" latinLnBrk="0" hangingPunct="1">
-              <a:lnSpc>
-                <a:spcPts val="1800"/>
-              </a:lnSpc>
-              <a:spcBef>
-                <a:spcPts val="1000"/>
-              </a:spcBef>
-              <a:spcAft>
-                <a:spcPts val="1000"/>
-              </a:spcAft>
-              <a:buFont typeface="Arial" panose="020B0604020202020204" pitchFamily="34" charset="0"/>
-              <a:buChar char="•"/>
-              <a:defRPr lang="en-US" sz="1200" kern="1200" smtClean="0">
-                <a:solidFill>
-                  <a:schemeClr val="tx1">
-                    <a:lumMod val="75000"/>
-                    <a:lumOff val="25000"/>
-                  </a:schemeClr>
-                </a:solidFill>
-                <a:latin typeface="+mn-lt"/>
-                <a:ea typeface="+mn-ea"/>
-                <a:cs typeface="+mn-cs"/>
-              </a:defRPr>
-            </a:lvl1pPr>
-            <a:lvl2pPr marL="685800" indent="-228600" algn="l" defTabSz="914400" rtl="0" eaLnBrk="1" latinLnBrk="0" hangingPunct="1">
-              <a:lnSpc>
-                <a:spcPts val="1800"/>
-              </a:lnSpc>
-              <a:spcBef>
-                <a:spcPts val="1000"/>
-              </a:spcBef>
-              <a:spcAft>
-                <a:spcPts val="1000"/>
-              </a:spcAft>
-              <a:buFont typeface="Arial" panose="020B0604020202020204" pitchFamily="34" charset="0"/>
-              <a:buChar char="•"/>
-              <a:defRPr lang="en-US" sz="1200" kern="1200" smtClean="0">
-                <a:solidFill>
-                  <a:schemeClr val="tx1">
-                    <a:lumMod val="75000"/>
-                    <a:lumOff val="25000"/>
-                  </a:schemeClr>
-                </a:solidFill>
-                <a:latin typeface="+mn-lt"/>
-                <a:ea typeface="+mn-ea"/>
-                <a:cs typeface="+mn-cs"/>
-              </a:defRPr>
-            </a:lvl2pPr>
-            <a:lvl3pPr marL="1143000" indent="-228600" algn="l" defTabSz="914400" rtl="0" eaLnBrk="1" latinLnBrk="0" hangingPunct="1">
-              <a:lnSpc>
-                <a:spcPts val="1800"/>
-              </a:lnSpc>
-              <a:spcBef>
-                <a:spcPts val="1000"/>
-              </a:spcBef>
-              <a:spcAft>
-                <a:spcPts val="1000"/>
-              </a:spcAft>
-              <a:buFont typeface="Arial" panose="020B0604020202020204" pitchFamily="34" charset="0"/>
-              <a:buChar char="•"/>
-              <a:defRPr lang="en-US" sz="1200" kern="1200" smtClean="0">
-                <a:solidFill>
-                  <a:schemeClr val="tx1">
-                    <a:lumMod val="75000"/>
-                    <a:lumOff val="25000"/>
-                  </a:schemeClr>
-                </a:solidFill>
-                <a:latin typeface="+mn-lt"/>
-                <a:ea typeface="+mn-ea"/>
-                <a:cs typeface="+mn-cs"/>
-              </a:defRPr>
-            </a:lvl3pPr>
-            <a:lvl4pPr marL="1600200" indent="-228600" algn="l" defTabSz="914400" rtl="0" eaLnBrk="1" latinLnBrk="0" hangingPunct="1">
-              <a:lnSpc>
-                <a:spcPts val="1800"/>
-              </a:lnSpc>
-              <a:spcBef>
-                <a:spcPts val="1000"/>
-              </a:spcBef>
-              <a:spcAft>
-                <a:spcPts val="1000"/>
-              </a:spcAft>
-              <a:buFont typeface="Arial" panose="020B0604020202020204" pitchFamily="34" charset="0"/>
-              <a:buChar char="•"/>
-              <a:defRPr lang="en-US" sz="1200" kern="1200" smtClean="0">
-                <a:solidFill>
-                  <a:schemeClr val="tx1">
-                    <a:lumMod val="75000"/>
-                    <a:lumOff val="25000"/>
-                  </a:schemeClr>
-                </a:solidFill>
-                <a:latin typeface="+mn-lt"/>
-                <a:ea typeface="+mn-ea"/>
-                <a:cs typeface="+mn-cs"/>
-              </a:defRPr>
-            </a:lvl4pPr>
-            <a:lvl5pPr marL="2057400" indent="-228600" algn="l" defTabSz="914400" rtl="0" eaLnBrk="1" latinLnBrk="0" hangingPunct="1">
-              <a:lnSpc>
-                <a:spcPts val="1800"/>
-              </a:lnSpc>
-              <a:spcBef>
-                <a:spcPts val="1000"/>
-              </a:spcBef>
-              <a:spcAft>
-                <a:spcPts val="1000"/>
-              </a:spcAft>
-              <a:buFont typeface="Arial" panose="020B0604020202020204" pitchFamily="34" charset="0"/>
-              <a:buChar char="•"/>
-              <a:defRPr lang="en-US" sz="1200" kern="1200">
-                <a:solidFill>
-                  <a:schemeClr val="tx1">
-                    <a:lumMod val="75000"/>
-                    <a:lumOff val="25000"/>
-                  </a:schemeClr>
-                </a:solidFill>
-                <a:latin typeface="+mn-lt"/>
-                <a:ea typeface="+mn-ea"/>
-                <a:cs typeface="+mn-cs"/>
-              </a:defRPr>
-            </a:lvl5pPr>
-            <a:lvl6pPr marL="2514600" indent="-228600" algn="l" defTabSz="914400" rtl="0" eaLnBrk="1" latinLnBrk="0" hangingPunct="1">
-              <a:lnSpc>
-                <a:spcPct val="90000"/>
-              </a:lnSpc>
-              <a:spcBef>
-                <a:spcPct val="30000"/>
-              </a:spcBef>
-              <a:buFont typeface="Arial" panose="020B0604020202020204" pitchFamily="34" charset="0"/>
-              <a:buChar char="•"/>
-              <a:defRPr sz="1800" kern="1200">
-                <a:solidFill>
-                  <a:schemeClr val="tx1"/>
-                </a:solidFill>
-                <a:latin typeface="+mn-lt"/>
-                <a:ea typeface="+mn-ea"/>
-                <a:cs typeface="+mn-cs"/>
-              </a:defRPr>
-            </a:lvl6pPr>
-            <a:lvl7pPr marL="2971800" indent="-228600" algn="l" defTabSz="914400" rtl="0" eaLnBrk="1" latinLnBrk="0" hangingPunct="1">
-              <a:lnSpc>
-                <a:spcPct val="90000"/>
-              </a:lnSpc>
-              <a:spcBef>
-                <a:spcPct val="30000"/>
-              </a:spcBef>
-              <a:buFont typeface="Arial" panose="020B0604020202020204" pitchFamily="34" charset="0"/>
-              <a:buChar char="•"/>
-              <a:defRPr sz="1800" kern="1200">
-                <a:solidFill>
-                  <a:schemeClr val="tx1"/>
-                </a:solidFill>
-                <a:latin typeface="+mn-lt"/>
-                <a:ea typeface="+mn-ea"/>
-                <a:cs typeface="+mn-cs"/>
-              </a:defRPr>
-            </a:lvl7pPr>
-            <a:lvl8pPr marL="3429000" indent="-228600" algn="l" defTabSz="914400" rtl="0" eaLnBrk="1" latinLnBrk="0" hangingPunct="1">
-              <a:lnSpc>
-                <a:spcPct val="90000"/>
-              </a:lnSpc>
-              <a:spcBef>
-                <a:spcPct val="30000"/>
-              </a:spcBef>
-              <a:buFont typeface="Arial" panose="020B0604020202020204" pitchFamily="34" charset="0"/>
-              <a:buChar char="•"/>
-              <a:defRPr sz="1800" kern="1200">
-                <a:solidFill>
-                  <a:schemeClr val="tx1"/>
-                </a:solidFill>
-                <a:latin typeface="+mn-lt"/>
-                <a:ea typeface="+mn-ea"/>
-                <a:cs typeface="+mn-cs"/>
-              </a:defRPr>
-            </a:lvl8pPr>
-            <a:lvl9pPr marL="3886200" indent="-228600" algn="l" defTabSz="914400" rtl="0" eaLnBrk="1" latinLnBrk="0" hangingPunct="1">
-              <a:lnSpc>
-                <a:spcPct val="90000"/>
-              </a:lnSpc>
-              <a:spcBef>
-                <a:spcPct val="30000"/>
-              </a:spcBef>
-              <a:buFont typeface="Arial" panose="020B0604020202020204" pitchFamily="34" charset="0"/>
-              <a:buChar char="•"/>
-              <a:defRPr sz="1800" kern="1200">
-                <a:solidFill>
-                  <a:schemeClr val="tx1"/>
-                </a:solidFill>
-                <a:latin typeface="+mn-lt"/>
-                <a:ea typeface="+mn-ea"/>
-                <a:cs typeface="+mn-cs"/>
-              </a:defRPr>
-            </a:lvl9pPr>
-          </a:lstStyle>
-          <a:p>
-            <a:pPr marL="0" indent="0">
-              <a:spcAft>
-                <a:spcPts val="2000"/>
-              </a:spcAft>
-              <a:buNone/>
-            </a:pPr>
-            <a:r>
-              <a:rPr lang="el-GR" dirty="0">
-                <a:latin typeface="Segoe UI" panose="020B0502040204020203" pitchFamily="34" charset="0"/>
-                <a:cs typeface="Segoe UI" panose="020B0502040204020203" pitchFamily="34" charset="0"/>
-              </a:rPr>
-              <a:t>Η Έξυπνη αναζήτηση φέρνει την έρευνα απευθείας στο PowerPoint.</a:t>
-            </a:r>
-            <a:br>
-              <a:rPr lang="el-GR" dirty="0">
-                <a:latin typeface="Segoe UI" panose="020B0502040204020203" pitchFamily="34" charset="0"/>
-                <a:cs typeface="Segoe UI" panose="020B0502040204020203" pitchFamily="34" charset="0"/>
-              </a:rPr>
-            </a:br>
-            <a:br>
-              <a:rPr lang="el-GR" dirty="0">
-                <a:latin typeface="Segoe UI" panose="020B0502040204020203" pitchFamily="34" charset="0"/>
-                <a:cs typeface="Segoe UI" panose="020B0502040204020203" pitchFamily="34" charset="0"/>
-              </a:rPr>
-            </a:br>
-            <a:r>
-              <a:rPr lang="el-GR" dirty="0">
-                <a:latin typeface="Segoe UI" panose="020B0502040204020203" pitchFamily="34" charset="0"/>
-                <a:cs typeface="Segoe UI" panose="020B0502040204020203" pitchFamily="34" charset="0"/>
-              </a:rPr>
-              <a:t>Δοκιμάστε το</a:t>
-            </a:r>
-            <a:r>
-              <a:rPr lang="en-US" dirty="0">
-                <a:latin typeface="Segoe UI" panose="020B0502040204020203" pitchFamily="34" charset="0"/>
-                <a:cs typeface="Segoe UI" panose="020B0502040204020203" pitchFamily="34" charset="0"/>
-              </a:rPr>
-              <a:t> </a:t>
-            </a:r>
-            <a:r>
-              <a:rPr lang="el-GR" dirty="0"/>
-              <a:t>(παράδειγμα στα Αγγλικά)</a:t>
-            </a:r>
-            <a:r>
-              <a:rPr lang="el-GR" dirty="0">
-                <a:latin typeface="Segoe UI" panose="020B0502040204020203" pitchFamily="34" charset="0"/>
-                <a:cs typeface="Segoe UI" panose="020B0502040204020203" pitchFamily="34" charset="0"/>
-              </a:rPr>
-              <a:t>:</a:t>
-            </a:r>
-          </a:p>
-        </p:txBody>
-      </p:sp>
-      <p:pic>
-        <p:nvPicPr>
-          <p:cNvPr id="18" name="Εικόνα 17"/>
-          <p:cNvPicPr>
-            <a:picLocks noChangeAspect="1"/>
-          </p:cNvPicPr>
-          <p:nvPr/>
-        </p:nvPicPr>
-        <p:blipFill>
-          <a:blip r:embed="rId3">
-            <a:extLst>
-              <a:ext uri="{28A0092B-C50C-407E-A947-70E740481C1C}">
-                <a14:useLocalDpi xmlns:a14="http://schemas.microsoft.com/office/drawing/2010/main" val="0"/>
-              </a:ext>
-            </a:extLst>
-          </a:blip>
-          <a:stretch>
-            <a:fillRect/>
-          </a:stretch>
-        </p:blipFill>
-        <p:spPr>
-          <a:xfrm>
-            <a:off x="494408" y="2146704"/>
-            <a:ext cx="11129521" cy="3193794"/>
-          </a:xfrm>
-          <a:prstGeom prst="rect">
-            <a:avLst/>
-          </a:prstGeom>
-        </p:spPr>
-      </p:pic>
-      <p:grpSp>
-        <p:nvGrpSpPr>
-          <p:cNvPr id="33" name="Ομάδα 32" descr="Μικρός κύκλος με τον αριθμό 1 που υποδεικνύει το βήμα 1"/>
-          <p:cNvGrpSpPr/>
-          <p:nvPr/>
-        </p:nvGrpSpPr>
-        <p:grpSpPr bwMode="blackWhite">
-          <a:xfrm>
-            <a:off x="558723" y="5233381"/>
-            <a:ext cx="558179" cy="409838"/>
-            <a:chOff x="6953426" y="711274"/>
-            <a:chExt cx="558179" cy="409838"/>
-          </a:xfrm>
-        </p:grpSpPr>
-        <p:sp>
-          <p:nvSpPr>
-            <p:cNvPr id="34" name="Έλλειψη 33" descr="Μικρός κύκλος"/>
-            <p:cNvSpPr/>
-            <p:nvPr/>
-          </p:nvSpPr>
-          <p:spPr bwMode="blackWhite">
-            <a:xfrm>
-              <a:off x="7025069" y="711274"/>
-              <a:ext cx="409838" cy="409838"/>
-            </a:xfrm>
-            <a:prstGeom prst="ellipse">
-              <a:avLst/>
-            </a:prstGeom>
-            <a:solidFill>
-              <a:srgbClr val="D24726"/>
-            </a:solidFill>
-            <a:ln>
-              <a:noFill/>
-            </a:ln>
-          </p:spPr>
-          <p:style>
-            <a:lnRef idx="2">
-              <a:schemeClr val="accent1">
-                <a:shade val="50000"/>
-              </a:schemeClr>
-            </a:lnRef>
-            <a:fillRef idx="1">
-              <a:schemeClr val="accent1"/>
-            </a:fillRef>
-            <a:effectRef idx="0">
-              <a:schemeClr val="accent1"/>
-            </a:effectRef>
-            <a:fontRef idx="minor">
-              <a:schemeClr val="lt1"/>
-            </a:fontRef>
-          </p:style>
-          <p:txBody>
-            <a:bodyPr rtlCol="0" anchor="ctr"/>
-            <a:lstStyle/>
-            <a:p>
-              <a:pPr algn="ctr" rtl="0"/>
-              <a:endParaRPr lang="el-GR" dirty="0"/>
-            </a:p>
-          </p:txBody>
-        </p:sp>
-        <p:sp>
-          <p:nvSpPr>
-            <p:cNvPr id="35" name="Πλαίσιο κειμένου 34" descr="Αριθμός 1"/>
-            <p:cNvSpPr txBox="1"/>
-            <p:nvPr/>
-          </p:nvSpPr>
-          <p:spPr bwMode="blackWhite">
-            <a:xfrm>
-              <a:off x="6953426" y="727564"/>
-              <a:ext cx="558179" cy="369332"/>
-            </a:xfrm>
-            <a:prstGeom prst="rect">
-              <a:avLst/>
-            </a:prstGeom>
-            <a:noFill/>
-          </p:spPr>
-          <p:txBody>
-            <a:bodyPr wrap="square" rtlCol="0">
-              <a:spAutoFit/>
-            </a:bodyPr>
-            <a:lstStyle/>
-            <a:p>
-              <a:pPr algn="ctr" rtl="0"/>
-              <a:r>
-                <a:rPr lang="el-GR" dirty="0">
-                  <a:solidFill>
-                    <a:schemeClr val="bg1"/>
-                  </a:solidFill>
-                  <a:latin typeface="Segoe UI Semibold" panose="020B0702040204020203" pitchFamily="34" charset="0"/>
-                  <a:cs typeface="Segoe UI Semibold" panose="020B0702040204020203" pitchFamily="34" charset="0"/>
-                </a:rPr>
-                <a:t>1</a:t>
-              </a:r>
-            </a:p>
-          </p:txBody>
-        </p:sp>
-      </p:grpSp>
-      <p:sp>
-        <p:nvSpPr>
-          <p:cNvPr id="42" name="Θέση περιεχομένου 17"/>
-          <p:cNvSpPr txBox="1">
-            <a:spLocks/>
-          </p:cNvSpPr>
-          <p:nvPr/>
-        </p:nvSpPr>
-        <p:spPr>
-          <a:xfrm>
-            <a:off x="1066038" y="5273573"/>
-            <a:ext cx="2919669" cy="1298398"/>
-          </a:xfrm>
-          <a:prstGeom prst="rect">
-            <a:avLst/>
-          </a:prstGeom>
-        </p:spPr>
-        <p:txBody>
-          <a:bodyPr vert="horz" lIns="91440" tIns="45720" rIns="91440" bIns="45720" rtlCol="0">
-            <a:normAutofit/>
-          </a:bodyPr>
-          <a:lstStyle>
-            <a:lvl1pPr marL="228600" indent="-228600" algn="l" defTabSz="914400" rtl="0" eaLnBrk="1" latinLnBrk="0" hangingPunct="1">
-              <a:lnSpc>
-                <a:spcPts val="1800"/>
-              </a:lnSpc>
-              <a:spcBef>
-                <a:spcPts val="1000"/>
-              </a:spcBef>
-              <a:spcAft>
-                <a:spcPts val="1000"/>
-              </a:spcAft>
-              <a:buFont typeface="Arial" panose="020B0604020202020204" pitchFamily="34" charset="0"/>
-              <a:buChar char="•"/>
-              <a:defRPr lang="en-US" sz="1200" kern="1200" smtClean="0">
-                <a:solidFill>
-                  <a:schemeClr val="tx1">
-                    <a:lumMod val="75000"/>
-                    <a:lumOff val="25000"/>
-                  </a:schemeClr>
-                </a:solidFill>
-                <a:latin typeface="+mn-lt"/>
-                <a:ea typeface="+mn-ea"/>
-                <a:cs typeface="+mn-cs"/>
-              </a:defRPr>
-            </a:lvl1pPr>
-            <a:lvl2pPr marL="685800" indent="-228600" algn="l" defTabSz="914400" rtl="0" eaLnBrk="1" latinLnBrk="0" hangingPunct="1">
-              <a:lnSpc>
-                <a:spcPts val="1800"/>
-              </a:lnSpc>
-              <a:spcBef>
-                <a:spcPts val="1000"/>
-              </a:spcBef>
-              <a:spcAft>
-                <a:spcPts val="1000"/>
-              </a:spcAft>
-              <a:buFont typeface="Arial" panose="020B0604020202020204" pitchFamily="34" charset="0"/>
-              <a:buChar char="•"/>
-              <a:defRPr lang="en-US" sz="1200" kern="1200" smtClean="0">
-                <a:solidFill>
-                  <a:schemeClr val="tx1">
-                    <a:lumMod val="75000"/>
-                    <a:lumOff val="25000"/>
-                  </a:schemeClr>
-                </a:solidFill>
-                <a:latin typeface="+mn-lt"/>
-                <a:ea typeface="+mn-ea"/>
-                <a:cs typeface="+mn-cs"/>
-              </a:defRPr>
-            </a:lvl2pPr>
-            <a:lvl3pPr marL="1143000" indent="-228600" algn="l" defTabSz="914400" rtl="0" eaLnBrk="1" latinLnBrk="0" hangingPunct="1">
-              <a:lnSpc>
-                <a:spcPts val="1800"/>
-              </a:lnSpc>
-              <a:spcBef>
-                <a:spcPts val="1000"/>
-              </a:spcBef>
-              <a:spcAft>
-                <a:spcPts val="1000"/>
-              </a:spcAft>
-              <a:buFont typeface="Arial" panose="020B0604020202020204" pitchFamily="34" charset="0"/>
-              <a:buChar char="•"/>
-              <a:defRPr lang="en-US" sz="1200" kern="1200" smtClean="0">
-                <a:solidFill>
-                  <a:schemeClr val="tx1">
-                    <a:lumMod val="75000"/>
-                    <a:lumOff val="25000"/>
-                  </a:schemeClr>
-                </a:solidFill>
-                <a:latin typeface="+mn-lt"/>
-                <a:ea typeface="+mn-ea"/>
-                <a:cs typeface="+mn-cs"/>
-              </a:defRPr>
-            </a:lvl3pPr>
-            <a:lvl4pPr marL="1600200" indent="-228600" algn="l" defTabSz="914400" rtl="0" eaLnBrk="1" latinLnBrk="0" hangingPunct="1">
-              <a:lnSpc>
-                <a:spcPts val="1800"/>
-              </a:lnSpc>
-              <a:spcBef>
-                <a:spcPts val="1000"/>
-              </a:spcBef>
-              <a:spcAft>
-                <a:spcPts val="1000"/>
-              </a:spcAft>
-              <a:buFont typeface="Arial" panose="020B0604020202020204" pitchFamily="34" charset="0"/>
-              <a:buChar char="•"/>
-              <a:defRPr lang="en-US" sz="1200" kern="1200" smtClean="0">
-                <a:solidFill>
-                  <a:schemeClr val="tx1">
-                    <a:lumMod val="75000"/>
-                    <a:lumOff val="25000"/>
-                  </a:schemeClr>
-                </a:solidFill>
-                <a:latin typeface="+mn-lt"/>
-                <a:ea typeface="+mn-ea"/>
-                <a:cs typeface="+mn-cs"/>
-              </a:defRPr>
-            </a:lvl4pPr>
-            <a:lvl5pPr marL="2057400" indent="-228600" algn="l" defTabSz="914400" rtl="0" eaLnBrk="1" latinLnBrk="0" hangingPunct="1">
-              <a:lnSpc>
-                <a:spcPts val="1800"/>
-              </a:lnSpc>
-              <a:spcBef>
-                <a:spcPts val="1000"/>
-              </a:spcBef>
-              <a:spcAft>
-                <a:spcPts val="1000"/>
-              </a:spcAft>
-              <a:buFont typeface="Arial" panose="020B0604020202020204" pitchFamily="34" charset="0"/>
-              <a:buChar char="•"/>
-              <a:defRPr lang="en-US" sz="1200" kern="1200">
-                <a:solidFill>
-                  <a:schemeClr val="tx1">
-                    <a:lumMod val="75000"/>
-                    <a:lumOff val="25000"/>
-                  </a:schemeClr>
-                </a:solidFill>
-                <a:latin typeface="+mn-lt"/>
-                <a:ea typeface="+mn-ea"/>
-                <a:cs typeface="+mn-cs"/>
-              </a:defRPr>
-            </a:lvl5pPr>
-            <a:lvl6pPr marL="2514600" indent="-228600" algn="l" defTabSz="914400" rtl="0" eaLnBrk="1" latinLnBrk="0" hangingPunct="1">
-              <a:lnSpc>
-                <a:spcPct val="90000"/>
-              </a:lnSpc>
-              <a:spcBef>
-                <a:spcPct val="30000"/>
-              </a:spcBef>
-              <a:buFont typeface="Arial" panose="020B0604020202020204" pitchFamily="34" charset="0"/>
-              <a:buChar char="•"/>
-              <a:defRPr sz="1800" kern="1200">
-                <a:solidFill>
-                  <a:schemeClr val="tx1"/>
-                </a:solidFill>
-                <a:latin typeface="+mn-lt"/>
-                <a:ea typeface="+mn-ea"/>
-                <a:cs typeface="+mn-cs"/>
-              </a:defRPr>
-            </a:lvl6pPr>
-            <a:lvl7pPr marL="2971800" indent="-228600" algn="l" defTabSz="914400" rtl="0" eaLnBrk="1" latinLnBrk="0" hangingPunct="1">
-              <a:lnSpc>
-                <a:spcPct val="90000"/>
-              </a:lnSpc>
-              <a:spcBef>
-                <a:spcPct val="30000"/>
-              </a:spcBef>
-              <a:buFont typeface="Arial" panose="020B0604020202020204" pitchFamily="34" charset="0"/>
-              <a:buChar char="•"/>
-              <a:defRPr sz="1800" kern="1200">
-                <a:solidFill>
-                  <a:schemeClr val="tx1"/>
-                </a:solidFill>
-                <a:latin typeface="+mn-lt"/>
-                <a:ea typeface="+mn-ea"/>
-                <a:cs typeface="+mn-cs"/>
-              </a:defRPr>
-            </a:lvl7pPr>
-            <a:lvl8pPr marL="3429000" indent="-228600" algn="l" defTabSz="914400" rtl="0" eaLnBrk="1" latinLnBrk="0" hangingPunct="1">
-              <a:lnSpc>
-                <a:spcPct val="90000"/>
-              </a:lnSpc>
-              <a:spcBef>
-                <a:spcPct val="30000"/>
-              </a:spcBef>
-              <a:buFont typeface="Arial" panose="020B0604020202020204" pitchFamily="34" charset="0"/>
-              <a:buChar char="•"/>
-              <a:defRPr sz="1800" kern="1200">
-                <a:solidFill>
-                  <a:schemeClr val="tx1"/>
-                </a:solidFill>
-                <a:latin typeface="+mn-lt"/>
-                <a:ea typeface="+mn-ea"/>
-                <a:cs typeface="+mn-cs"/>
-              </a:defRPr>
-            </a:lvl8pPr>
-            <a:lvl9pPr marL="3886200" indent="-228600" algn="l" defTabSz="914400" rtl="0" eaLnBrk="1" latinLnBrk="0" hangingPunct="1">
-              <a:lnSpc>
-                <a:spcPct val="90000"/>
-              </a:lnSpc>
-              <a:spcBef>
-                <a:spcPct val="30000"/>
-              </a:spcBef>
-              <a:buFont typeface="Arial" panose="020B0604020202020204" pitchFamily="34" charset="0"/>
-              <a:buChar char="•"/>
-              <a:defRPr sz="1800" kern="1200">
-                <a:solidFill>
-                  <a:schemeClr val="tx1"/>
-                </a:solidFill>
-                <a:latin typeface="+mn-lt"/>
-                <a:ea typeface="+mn-ea"/>
-                <a:cs typeface="+mn-cs"/>
-              </a:defRPr>
-            </a:lvl9pPr>
-          </a:lstStyle>
-          <a:p>
-            <a:pPr marL="0" indent="0">
-              <a:spcAft>
-                <a:spcPts val="2000"/>
-              </a:spcAft>
-              <a:buNone/>
-            </a:pPr>
-            <a:r>
-              <a:rPr lang="el-GR" dirty="0">
-                <a:solidFill>
-                  <a:prstClr val="black">
-                    <a:lumMod val="75000"/>
-                    <a:lumOff val="25000"/>
-                  </a:prstClr>
-                </a:solidFill>
-                <a:latin typeface="Segoe UI" panose="020B0502040204020203" pitchFamily="34" charset="0"/>
-                <a:cs typeface="Segoe UI" panose="020B0502040204020203" pitchFamily="34" charset="0"/>
-              </a:rPr>
-              <a:t>Κάντε δεξί κλικ στη λέξη </a:t>
-            </a:r>
-            <a:r>
-              <a:rPr lang="en-US" i="1" dirty="0">
-                <a:solidFill>
-                  <a:srgbClr val="D24726"/>
-                </a:solidFill>
-                <a:latin typeface="Segoe UI" panose="020B0502040204020203" pitchFamily="34" charset="0"/>
-                <a:cs typeface="Segoe UI" panose="020B0502040204020203" pitchFamily="34" charset="0"/>
-              </a:rPr>
-              <a:t>office</a:t>
-            </a:r>
-            <a:r>
-              <a:rPr lang="el-GR" i="1" dirty="0">
-                <a:solidFill>
-                  <a:srgbClr val="D24726"/>
-                </a:solidFill>
-                <a:latin typeface="Segoe UI" panose="020B0502040204020203" pitchFamily="34" charset="0"/>
-                <a:cs typeface="Segoe UI" panose="020B0502040204020203" pitchFamily="34" charset="0"/>
-              </a:rPr>
-              <a:t> </a:t>
-            </a:r>
-            <a:r>
-              <a:rPr lang="el-GR" dirty="0">
-                <a:solidFill>
-                  <a:prstClr val="black">
-                    <a:lumMod val="75000"/>
-                    <a:lumOff val="25000"/>
-                  </a:prstClr>
-                </a:solidFill>
-                <a:latin typeface="Segoe UI" panose="020B0502040204020203" pitchFamily="34" charset="0"/>
-                <a:cs typeface="Segoe UI" panose="020B0502040204020203" pitchFamily="34" charset="0"/>
-              </a:rPr>
-              <a:t>στην ακόλουθη φράση: </a:t>
-            </a:r>
-            <a:r>
-              <a:rPr lang="en-US" sz="1800" dirty="0">
-                <a:solidFill>
-                  <a:prstClr val="black">
-                    <a:lumMod val="75000"/>
-                    <a:lumOff val="25000"/>
-                  </a:prstClr>
-                </a:solidFill>
-                <a:latin typeface="Segoe UI" panose="020B0502040204020203" pitchFamily="34" charset="0"/>
-                <a:cs typeface="Segoe UI" panose="020B0502040204020203" pitchFamily="34" charset="0"/>
-              </a:rPr>
-              <a:t>office furniture</a:t>
-            </a:r>
-            <a:endParaRPr lang="el-GR" sz="1800" dirty="0">
-              <a:solidFill>
-                <a:prstClr val="black">
-                  <a:lumMod val="75000"/>
-                  <a:lumOff val="25000"/>
-                </a:prstClr>
-              </a:solidFill>
-              <a:latin typeface="Segoe UI" panose="020B0502040204020203" pitchFamily="34" charset="0"/>
-              <a:cs typeface="Segoe UI" panose="020B0502040204020203" pitchFamily="34" charset="0"/>
-            </a:endParaRPr>
-          </a:p>
-        </p:txBody>
-      </p:sp>
-      <p:grpSp>
-        <p:nvGrpSpPr>
-          <p:cNvPr id="36" name="Ομάδα 35" descr="Μικρός κύκλος με τον αριθμό 2 που υποδεικνύει το βήμα 2"/>
-          <p:cNvGrpSpPr/>
-          <p:nvPr/>
-        </p:nvGrpSpPr>
-        <p:grpSpPr bwMode="blackWhite">
-          <a:xfrm>
-            <a:off x="4249102" y="5233381"/>
-            <a:ext cx="558179" cy="409838"/>
-            <a:chOff x="6953426" y="711274"/>
-            <a:chExt cx="558179" cy="409838"/>
-          </a:xfrm>
-        </p:grpSpPr>
-        <p:sp>
-          <p:nvSpPr>
-            <p:cNvPr id="37" name="Έλλειψη 36" descr="Μικρός κύκλος"/>
-            <p:cNvSpPr/>
-            <p:nvPr/>
-          </p:nvSpPr>
-          <p:spPr bwMode="blackWhite">
-            <a:xfrm>
-              <a:off x="7025069" y="711274"/>
-              <a:ext cx="409838" cy="409838"/>
-            </a:xfrm>
-            <a:prstGeom prst="ellipse">
-              <a:avLst/>
-            </a:prstGeom>
-            <a:solidFill>
-              <a:srgbClr val="D24726"/>
-            </a:solidFill>
-            <a:ln>
-              <a:noFill/>
-            </a:ln>
-          </p:spPr>
-          <p:style>
-            <a:lnRef idx="2">
-              <a:schemeClr val="accent1">
-                <a:shade val="50000"/>
-              </a:schemeClr>
-            </a:lnRef>
-            <a:fillRef idx="1">
-              <a:schemeClr val="accent1"/>
-            </a:fillRef>
-            <a:effectRef idx="0">
-              <a:schemeClr val="accent1"/>
-            </a:effectRef>
-            <a:fontRef idx="minor">
-              <a:schemeClr val="lt1"/>
-            </a:fontRef>
-          </p:style>
-          <p:txBody>
-            <a:bodyPr rtlCol="0" anchor="ctr"/>
-            <a:lstStyle/>
-            <a:p>
-              <a:pPr algn="ctr" rtl="0"/>
-              <a:endParaRPr lang="el-GR" dirty="0"/>
-            </a:p>
-          </p:txBody>
-        </p:sp>
-        <p:sp>
-          <p:nvSpPr>
-            <p:cNvPr id="38" name="Πλαίσιο κειμένου 37" descr="Αριθμός 2"/>
-            <p:cNvSpPr txBox="1"/>
-            <p:nvPr/>
-          </p:nvSpPr>
-          <p:spPr bwMode="blackWhite">
-            <a:xfrm>
-              <a:off x="6953426" y="727564"/>
-              <a:ext cx="558179" cy="369332"/>
-            </a:xfrm>
-            <a:prstGeom prst="rect">
-              <a:avLst/>
-            </a:prstGeom>
-            <a:noFill/>
-          </p:spPr>
-          <p:txBody>
-            <a:bodyPr wrap="square" rtlCol="0">
-              <a:spAutoFit/>
-            </a:bodyPr>
-            <a:lstStyle/>
-            <a:p>
-              <a:pPr algn="ctr" rtl="0"/>
-              <a:r>
-                <a:rPr lang="el-GR" dirty="0">
-                  <a:solidFill>
-                    <a:schemeClr val="bg1"/>
-                  </a:solidFill>
-                  <a:latin typeface="Segoe UI Semibold" panose="020B0702040204020203" pitchFamily="34" charset="0"/>
-                  <a:cs typeface="Segoe UI Semibold" panose="020B0702040204020203" pitchFamily="34" charset="0"/>
-                </a:rPr>
-                <a:t>2</a:t>
-              </a:r>
-            </a:p>
-          </p:txBody>
-        </p:sp>
-      </p:grpSp>
-      <p:sp>
-        <p:nvSpPr>
-          <p:cNvPr id="43" name="Θέση περιεχομένου 17"/>
-          <p:cNvSpPr txBox="1">
-            <a:spLocks/>
-          </p:cNvSpPr>
-          <p:nvPr/>
-        </p:nvSpPr>
-        <p:spPr>
-          <a:xfrm>
-            <a:off x="4747855" y="5273573"/>
-            <a:ext cx="3106367" cy="1324053"/>
-          </a:xfrm>
-          <a:prstGeom prst="rect">
-            <a:avLst/>
-          </a:prstGeom>
-        </p:spPr>
-        <p:txBody>
-          <a:bodyPr vert="horz" lIns="91440" tIns="45720" rIns="91440" bIns="45720" rtlCol="0">
-            <a:normAutofit/>
-          </a:bodyPr>
-          <a:lstStyle>
-            <a:lvl1pPr marL="228600" indent="-228600" algn="l" defTabSz="914400" rtl="0" eaLnBrk="1" latinLnBrk="0" hangingPunct="1">
-              <a:lnSpc>
-                <a:spcPts val="1800"/>
-              </a:lnSpc>
-              <a:spcBef>
-                <a:spcPts val="1000"/>
-              </a:spcBef>
-              <a:spcAft>
-                <a:spcPts val="1000"/>
-              </a:spcAft>
-              <a:buFont typeface="Arial" panose="020B0604020202020204" pitchFamily="34" charset="0"/>
-              <a:buChar char="•"/>
-              <a:defRPr lang="en-US" sz="1200" kern="1200" smtClean="0">
-                <a:solidFill>
-                  <a:schemeClr val="tx1">
-                    <a:lumMod val="75000"/>
-                    <a:lumOff val="25000"/>
-                  </a:schemeClr>
-                </a:solidFill>
-                <a:latin typeface="+mn-lt"/>
-                <a:ea typeface="+mn-ea"/>
-                <a:cs typeface="+mn-cs"/>
-              </a:defRPr>
-            </a:lvl1pPr>
-            <a:lvl2pPr marL="685800" indent="-228600" algn="l" defTabSz="914400" rtl="0" eaLnBrk="1" latinLnBrk="0" hangingPunct="1">
-              <a:lnSpc>
-                <a:spcPts val="1800"/>
-              </a:lnSpc>
-              <a:spcBef>
-                <a:spcPts val="1000"/>
-              </a:spcBef>
-              <a:spcAft>
-                <a:spcPts val="1000"/>
-              </a:spcAft>
-              <a:buFont typeface="Arial" panose="020B0604020202020204" pitchFamily="34" charset="0"/>
-              <a:buChar char="•"/>
-              <a:defRPr lang="en-US" sz="1200" kern="1200" smtClean="0">
-                <a:solidFill>
-                  <a:schemeClr val="tx1">
-                    <a:lumMod val="75000"/>
-                    <a:lumOff val="25000"/>
-                  </a:schemeClr>
-                </a:solidFill>
-                <a:latin typeface="+mn-lt"/>
-                <a:ea typeface="+mn-ea"/>
-                <a:cs typeface="+mn-cs"/>
-              </a:defRPr>
-            </a:lvl2pPr>
-            <a:lvl3pPr marL="1143000" indent="-228600" algn="l" defTabSz="914400" rtl="0" eaLnBrk="1" latinLnBrk="0" hangingPunct="1">
-              <a:lnSpc>
-                <a:spcPts val="1800"/>
-              </a:lnSpc>
-              <a:spcBef>
-                <a:spcPts val="1000"/>
-              </a:spcBef>
-              <a:spcAft>
-                <a:spcPts val="1000"/>
-              </a:spcAft>
-              <a:buFont typeface="Arial" panose="020B0604020202020204" pitchFamily="34" charset="0"/>
-              <a:buChar char="•"/>
-              <a:defRPr lang="en-US" sz="1200" kern="1200" smtClean="0">
-                <a:solidFill>
-                  <a:schemeClr val="tx1">
-                    <a:lumMod val="75000"/>
-                    <a:lumOff val="25000"/>
-                  </a:schemeClr>
-                </a:solidFill>
-                <a:latin typeface="+mn-lt"/>
-                <a:ea typeface="+mn-ea"/>
-                <a:cs typeface="+mn-cs"/>
-              </a:defRPr>
-            </a:lvl3pPr>
-            <a:lvl4pPr marL="1600200" indent="-228600" algn="l" defTabSz="914400" rtl="0" eaLnBrk="1" latinLnBrk="0" hangingPunct="1">
-              <a:lnSpc>
-                <a:spcPts val="1800"/>
-              </a:lnSpc>
-              <a:spcBef>
-                <a:spcPts val="1000"/>
-              </a:spcBef>
-              <a:spcAft>
-                <a:spcPts val="1000"/>
-              </a:spcAft>
-              <a:buFont typeface="Arial" panose="020B0604020202020204" pitchFamily="34" charset="0"/>
-              <a:buChar char="•"/>
-              <a:defRPr lang="en-US" sz="1200" kern="1200" smtClean="0">
-                <a:solidFill>
-                  <a:schemeClr val="tx1">
-                    <a:lumMod val="75000"/>
-                    <a:lumOff val="25000"/>
-                  </a:schemeClr>
-                </a:solidFill>
-                <a:latin typeface="+mn-lt"/>
-                <a:ea typeface="+mn-ea"/>
-                <a:cs typeface="+mn-cs"/>
-              </a:defRPr>
-            </a:lvl4pPr>
-            <a:lvl5pPr marL="2057400" indent="-228600" algn="l" defTabSz="914400" rtl="0" eaLnBrk="1" latinLnBrk="0" hangingPunct="1">
-              <a:lnSpc>
-                <a:spcPts val="1800"/>
-              </a:lnSpc>
-              <a:spcBef>
-                <a:spcPts val="1000"/>
-              </a:spcBef>
-              <a:spcAft>
-                <a:spcPts val="1000"/>
-              </a:spcAft>
-              <a:buFont typeface="Arial" panose="020B0604020202020204" pitchFamily="34" charset="0"/>
-              <a:buChar char="•"/>
-              <a:defRPr lang="en-US" sz="1200" kern="1200">
-                <a:solidFill>
-                  <a:schemeClr val="tx1">
-                    <a:lumMod val="75000"/>
-                    <a:lumOff val="25000"/>
-                  </a:schemeClr>
-                </a:solidFill>
-                <a:latin typeface="+mn-lt"/>
-                <a:ea typeface="+mn-ea"/>
-                <a:cs typeface="+mn-cs"/>
-              </a:defRPr>
-            </a:lvl5pPr>
-            <a:lvl6pPr marL="2514600" indent="-228600" algn="l" defTabSz="914400" rtl="0" eaLnBrk="1" latinLnBrk="0" hangingPunct="1">
-              <a:lnSpc>
-                <a:spcPct val="90000"/>
-              </a:lnSpc>
-              <a:spcBef>
-                <a:spcPct val="30000"/>
-              </a:spcBef>
-              <a:buFont typeface="Arial" panose="020B0604020202020204" pitchFamily="34" charset="0"/>
-              <a:buChar char="•"/>
-              <a:defRPr sz="1800" kern="1200">
-                <a:solidFill>
-                  <a:schemeClr val="tx1"/>
-                </a:solidFill>
-                <a:latin typeface="+mn-lt"/>
-                <a:ea typeface="+mn-ea"/>
-                <a:cs typeface="+mn-cs"/>
-              </a:defRPr>
-            </a:lvl6pPr>
-            <a:lvl7pPr marL="2971800" indent="-228600" algn="l" defTabSz="914400" rtl="0" eaLnBrk="1" latinLnBrk="0" hangingPunct="1">
-              <a:lnSpc>
-                <a:spcPct val="90000"/>
-              </a:lnSpc>
-              <a:spcBef>
-                <a:spcPct val="30000"/>
-              </a:spcBef>
-              <a:buFont typeface="Arial" panose="020B0604020202020204" pitchFamily="34" charset="0"/>
-              <a:buChar char="•"/>
-              <a:defRPr sz="1800" kern="1200">
-                <a:solidFill>
-                  <a:schemeClr val="tx1"/>
-                </a:solidFill>
-                <a:latin typeface="+mn-lt"/>
-                <a:ea typeface="+mn-ea"/>
-                <a:cs typeface="+mn-cs"/>
-              </a:defRPr>
-            </a:lvl7pPr>
-            <a:lvl8pPr marL="3429000" indent="-228600" algn="l" defTabSz="914400" rtl="0" eaLnBrk="1" latinLnBrk="0" hangingPunct="1">
-              <a:lnSpc>
-                <a:spcPct val="90000"/>
-              </a:lnSpc>
-              <a:spcBef>
-                <a:spcPct val="30000"/>
-              </a:spcBef>
-              <a:buFont typeface="Arial" panose="020B0604020202020204" pitchFamily="34" charset="0"/>
-              <a:buChar char="•"/>
-              <a:defRPr sz="1800" kern="1200">
-                <a:solidFill>
-                  <a:schemeClr val="tx1"/>
-                </a:solidFill>
-                <a:latin typeface="+mn-lt"/>
-                <a:ea typeface="+mn-ea"/>
-                <a:cs typeface="+mn-cs"/>
-              </a:defRPr>
-            </a:lvl8pPr>
-            <a:lvl9pPr marL="3886200" indent="-228600" algn="l" defTabSz="914400" rtl="0" eaLnBrk="1" latinLnBrk="0" hangingPunct="1">
-              <a:lnSpc>
-                <a:spcPct val="90000"/>
-              </a:lnSpc>
-              <a:spcBef>
-                <a:spcPct val="30000"/>
-              </a:spcBef>
-              <a:buFont typeface="Arial" panose="020B0604020202020204" pitchFamily="34" charset="0"/>
-              <a:buChar char="•"/>
-              <a:defRPr sz="1800" kern="1200">
-                <a:solidFill>
-                  <a:schemeClr val="tx1"/>
-                </a:solidFill>
-                <a:latin typeface="+mn-lt"/>
-                <a:ea typeface="+mn-ea"/>
-                <a:cs typeface="+mn-cs"/>
-              </a:defRPr>
-            </a:lvl9pPr>
-          </a:lstStyle>
-          <a:p>
-            <a:pPr marL="0" indent="0" rtl="0">
-              <a:spcAft>
-                <a:spcPts val="2000"/>
-              </a:spcAft>
-              <a:buNone/>
-            </a:pPr>
-            <a:r>
-              <a:rPr lang="el-GR" dirty="0">
-                <a:solidFill>
-                  <a:prstClr val="black">
-                    <a:lumMod val="75000"/>
-                    <a:lumOff val="25000"/>
-                  </a:prstClr>
-                </a:solidFill>
-                <a:latin typeface="Segoe UI" panose="020B0502040204020203" pitchFamily="34" charset="0"/>
-                <a:cs typeface="Segoe UI" panose="020B0502040204020203" pitchFamily="34" charset="0"/>
-              </a:rPr>
-              <a:t>Επιλέξτε </a:t>
-            </a:r>
-            <a:r>
-              <a:rPr lang="el-GR" dirty="0">
-                <a:solidFill>
-                  <a:srgbClr val="D24726"/>
-                </a:solidFill>
-                <a:latin typeface="Segoe UI Semibold" panose="020B0702040204020203" pitchFamily="34" charset="0"/>
-                <a:cs typeface="Segoe UI Semibold" panose="020B0702040204020203" pitchFamily="34" charset="0"/>
-              </a:rPr>
-              <a:t>Έξυπνη</a:t>
-            </a:r>
-            <a:r>
-              <a:rPr lang="el-GR" dirty="0">
-                <a:solidFill>
-                  <a:prstClr val="black">
-                    <a:lumMod val="75000"/>
-                    <a:lumOff val="25000"/>
-                  </a:prstClr>
-                </a:solidFill>
-                <a:cs typeface="Segoe UI"/>
-              </a:rPr>
-              <a:t> </a:t>
-            </a:r>
-            <a:r>
-              <a:rPr lang="el-GR" dirty="0">
-                <a:solidFill>
-                  <a:srgbClr val="D24726"/>
-                </a:solidFill>
-                <a:latin typeface="Segoe UI Semibold" panose="020B0702040204020203" pitchFamily="34" charset="0"/>
-                <a:cs typeface="Segoe UI Semibold" panose="020B0702040204020203" pitchFamily="34" charset="0"/>
-              </a:rPr>
-              <a:t>αναζήτηση</a:t>
-            </a:r>
-            <a:r>
-              <a:rPr lang="el-GR" dirty="0">
-                <a:latin typeface="Segoe UI" panose="020B0502040204020203" pitchFamily="34" charset="0"/>
-                <a:cs typeface="Segoe UI" panose="020B0502040204020203" pitchFamily="34" charset="0"/>
-              </a:rPr>
-              <a:t> και παρατηρήστε ότι τα αποτελέσματα είναι συναφή με αυτή τη φράση, όχι με τις </a:t>
-            </a:r>
-            <a:r>
-              <a:rPr lang="el-GR" sz="1800" dirty="0">
-                <a:latin typeface="Segoe UI" panose="020B0502040204020203" pitchFamily="34" charset="0"/>
-                <a:cs typeface="Segoe UI" panose="020B0502040204020203" pitchFamily="34" charset="0"/>
-              </a:rPr>
-              <a:t>Εφαρμογές του Microsoft Office</a:t>
-            </a:r>
-            <a:r>
-              <a:rPr lang="el-GR" dirty="0">
-                <a:latin typeface="Segoe UI" panose="020B0502040204020203" pitchFamily="34" charset="0"/>
-                <a:cs typeface="Segoe UI" panose="020B0502040204020203" pitchFamily="34" charset="0"/>
-              </a:rPr>
-              <a:t>.</a:t>
-            </a:r>
-            <a:endParaRPr lang="el-GR" dirty="0">
-              <a:solidFill>
-                <a:srgbClr val="D24726"/>
-              </a:solidFill>
-              <a:latin typeface="Segoe UI" panose="020B0502040204020203" pitchFamily="34" charset="0"/>
-              <a:cs typeface="Segoe UI" panose="020B0502040204020203" pitchFamily="34" charset="0"/>
-            </a:endParaRPr>
-          </a:p>
-        </p:txBody>
-      </p:sp>
-      <p:grpSp>
-        <p:nvGrpSpPr>
-          <p:cNvPr id="39" name="Ομάδα 38" descr="Μικρός κύκλος με τον αριθμό 3 που υποδεικνύει το βήμα 3"/>
-          <p:cNvGrpSpPr/>
-          <p:nvPr/>
-        </p:nvGrpSpPr>
-        <p:grpSpPr bwMode="blackWhite">
-          <a:xfrm>
-            <a:off x="7930921" y="5233381"/>
-            <a:ext cx="558179" cy="409838"/>
-            <a:chOff x="6953426" y="711274"/>
-            <a:chExt cx="558179" cy="409838"/>
-          </a:xfrm>
-        </p:grpSpPr>
-        <p:sp>
-          <p:nvSpPr>
-            <p:cNvPr id="40" name="Έλλειψη 39" descr="Μικρός κύκλος"/>
-            <p:cNvSpPr/>
-            <p:nvPr/>
-          </p:nvSpPr>
-          <p:spPr bwMode="blackWhite">
-            <a:xfrm>
-              <a:off x="7025069" y="711274"/>
-              <a:ext cx="409838" cy="409838"/>
-            </a:xfrm>
-            <a:prstGeom prst="ellipse">
-              <a:avLst/>
-            </a:prstGeom>
-            <a:solidFill>
-              <a:srgbClr val="D24726"/>
-            </a:solidFill>
-            <a:ln>
-              <a:noFill/>
-            </a:ln>
-          </p:spPr>
-          <p:style>
-            <a:lnRef idx="2">
-              <a:schemeClr val="accent1">
-                <a:shade val="50000"/>
-              </a:schemeClr>
-            </a:lnRef>
-            <a:fillRef idx="1">
-              <a:schemeClr val="accent1"/>
-            </a:fillRef>
-            <a:effectRef idx="0">
-              <a:schemeClr val="accent1"/>
-            </a:effectRef>
-            <a:fontRef idx="minor">
-              <a:schemeClr val="lt1"/>
-            </a:fontRef>
-          </p:style>
-          <p:txBody>
-            <a:bodyPr rtlCol="0" anchor="ctr"/>
-            <a:lstStyle/>
-            <a:p>
-              <a:pPr algn="ctr" rtl="0"/>
-              <a:endParaRPr lang="el-GR" dirty="0"/>
-            </a:p>
-          </p:txBody>
-        </p:sp>
-        <p:sp>
-          <p:nvSpPr>
-            <p:cNvPr id="41" name="Πλαίσιο κειμένου 40" descr="Αριθμός 3"/>
-            <p:cNvSpPr txBox="1"/>
-            <p:nvPr/>
-          </p:nvSpPr>
-          <p:spPr bwMode="blackWhite">
-            <a:xfrm>
-              <a:off x="6953426" y="727564"/>
-              <a:ext cx="558179" cy="369332"/>
-            </a:xfrm>
-            <a:prstGeom prst="rect">
-              <a:avLst/>
-            </a:prstGeom>
-            <a:noFill/>
-          </p:spPr>
-          <p:txBody>
-            <a:bodyPr wrap="square" rtlCol="0">
-              <a:spAutoFit/>
-            </a:bodyPr>
-            <a:lstStyle/>
-            <a:p>
-              <a:pPr algn="ctr" rtl="0"/>
-              <a:r>
-                <a:rPr lang="el-GR" dirty="0">
-                  <a:solidFill>
-                    <a:schemeClr val="bg1"/>
-                  </a:solidFill>
-                  <a:latin typeface="Segoe UI Semibold" panose="020B0702040204020203" pitchFamily="34" charset="0"/>
-                  <a:cs typeface="Segoe UI Semibold" panose="020B0702040204020203" pitchFamily="34" charset="0"/>
-                </a:rPr>
-                <a:t>3</a:t>
-              </a:r>
-            </a:p>
-          </p:txBody>
-        </p:sp>
-      </p:grpSp>
-      <p:sp>
-        <p:nvSpPr>
-          <p:cNvPr id="44" name="Θέση περιεχομένου 17"/>
-          <p:cNvSpPr txBox="1">
-            <a:spLocks/>
-          </p:cNvSpPr>
-          <p:nvPr/>
-        </p:nvSpPr>
-        <p:spPr>
-          <a:xfrm>
-            <a:off x="8429668" y="5273573"/>
-            <a:ext cx="3107336" cy="1341886"/>
-          </a:xfrm>
-          <a:prstGeom prst="rect">
-            <a:avLst/>
-          </a:prstGeom>
-        </p:spPr>
-        <p:txBody>
-          <a:bodyPr vert="horz" lIns="91440" tIns="45720" rIns="91440" bIns="45720" rtlCol="0">
-            <a:normAutofit/>
-          </a:bodyPr>
-          <a:lstStyle>
-            <a:lvl1pPr marL="228600" indent="-228600" algn="l" defTabSz="914400" rtl="0" eaLnBrk="1" latinLnBrk="0" hangingPunct="1">
-              <a:lnSpc>
-                <a:spcPts val="1800"/>
-              </a:lnSpc>
-              <a:spcBef>
-                <a:spcPts val="1000"/>
-              </a:spcBef>
-              <a:spcAft>
-                <a:spcPts val="1000"/>
-              </a:spcAft>
-              <a:buFont typeface="Arial" panose="020B0604020202020204" pitchFamily="34" charset="0"/>
-              <a:buChar char="•"/>
-              <a:defRPr lang="en-US" sz="1200" kern="1200" smtClean="0">
-                <a:solidFill>
-                  <a:schemeClr val="tx1">
-                    <a:lumMod val="75000"/>
-                    <a:lumOff val="25000"/>
-                  </a:schemeClr>
-                </a:solidFill>
-                <a:latin typeface="+mn-lt"/>
-                <a:ea typeface="+mn-ea"/>
-                <a:cs typeface="+mn-cs"/>
-              </a:defRPr>
-            </a:lvl1pPr>
-            <a:lvl2pPr marL="685800" indent="-228600" algn="l" defTabSz="914400" rtl="0" eaLnBrk="1" latinLnBrk="0" hangingPunct="1">
-              <a:lnSpc>
-                <a:spcPts val="1800"/>
-              </a:lnSpc>
-              <a:spcBef>
-                <a:spcPts val="1000"/>
-              </a:spcBef>
-              <a:spcAft>
-                <a:spcPts val="1000"/>
-              </a:spcAft>
-              <a:buFont typeface="Arial" panose="020B0604020202020204" pitchFamily="34" charset="0"/>
-              <a:buChar char="•"/>
-              <a:defRPr lang="en-US" sz="1200" kern="1200" smtClean="0">
-                <a:solidFill>
-                  <a:schemeClr val="tx1">
-                    <a:lumMod val="75000"/>
-                    <a:lumOff val="25000"/>
-                  </a:schemeClr>
-                </a:solidFill>
-                <a:latin typeface="+mn-lt"/>
-                <a:ea typeface="+mn-ea"/>
-                <a:cs typeface="+mn-cs"/>
-              </a:defRPr>
-            </a:lvl2pPr>
-            <a:lvl3pPr marL="1143000" indent="-228600" algn="l" defTabSz="914400" rtl="0" eaLnBrk="1" latinLnBrk="0" hangingPunct="1">
-              <a:lnSpc>
-                <a:spcPts val="1800"/>
-              </a:lnSpc>
-              <a:spcBef>
-                <a:spcPts val="1000"/>
-              </a:spcBef>
-              <a:spcAft>
-                <a:spcPts val="1000"/>
-              </a:spcAft>
-              <a:buFont typeface="Arial" panose="020B0604020202020204" pitchFamily="34" charset="0"/>
-              <a:buChar char="•"/>
-              <a:defRPr lang="en-US" sz="1200" kern="1200" smtClean="0">
-                <a:solidFill>
-                  <a:schemeClr val="tx1">
-                    <a:lumMod val="75000"/>
-                    <a:lumOff val="25000"/>
-                  </a:schemeClr>
-                </a:solidFill>
-                <a:latin typeface="+mn-lt"/>
-                <a:ea typeface="+mn-ea"/>
-                <a:cs typeface="+mn-cs"/>
-              </a:defRPr>
-            </a:lvl3pPr>
-            <a:lvl4pPr marL="1600200" indent="-228600" algn="l" defTabSz="914400" rtl="0" eaLnBrk="1" latinLnBrk="0" hangingPunct="1">
-              <a:lnSpc>
-                <a:spcPts val="1800"/>
-              </a:lnSpc>
-              <a:spcBef>
-                <a:spcPts val="1000"/>
-              </a:spcBef>
-              <a:spcAft>
-                <a:spcPts val="1000"/>
-              </a:spcAft>
-              <a:buFont typeface="Arial" panose="020B0604020202020204" pitchFamily="34" charset="0"/>
-              <a:buChar char="•"/>
-              <a:defRPr lang="en-US" sz="1200" kern="1200" smtClean="0">
-                <a:solidFill>
-                  <a:schemeClr val="tx1">
-                    <a:lumMod val="75000"/>
-                    <a:lumOff val="25000"/>
-                  </a:schemeClr>
-                </a:solidFill>
-                <a:latin typeface="+mn-lt"/>
-                <a:ea typeface="+mn-ea"/>
-                <a:cs typeface="+mn-cs"/>
-              </a:defRPr>
-            </a:lvl4pPr>
-            <a:lvl5pPr marL="2057400" indent="-228600" algn="l" defTabSz="914400" rtl="0" eaLnBrk="1" latinLnBrk="0" hangingPunct="1">
-              <a:lnSpc>
-                <a:spcPts val="1800"/>
-              </a:lnSpc>
-              <a:spcBef>
-                <a:spcPts val="1000"/>
-              </a:spcBef>
-              <a:spcAft>
-                <a:spcPts val="1000"/>
-              </a:spcAft>
-              <a:buFont typeface="Arial" panose="020B0604020202020204" pitchFamily="34" charset="0"/>
-              <a:buChar char="•"/>
-              <a:defRPr lang="en-US" sz="1200" kern="1200">
-                <a:solidFill>
-                  <a:schemeClr val="tx1">
-                    <a:lumMod val="75000"/>
-                    <a:lumOff val="25000"/>
-                  </a:schemeClr>
-                </a:solidFill>
-                <a:latin typeface="+mn-lt"/>
-                <a:ea typeface="+mn-ea"/>
-                <a:cs typeface="+mn-cs"/>
-              </a:defRPr>
-            </a:lvl5pPr>
-            <a:lvl6pPr marL="2514600" indent="-228600" algn="l" defTabSz="914400" rtl="0" eaLnBrk="1" latinLnBrk="0" hangingPunct="1">
-              <a:lnSpc>
-                <a:spcPct val="90000"/>
-              </a:lnSpc>
-              <a:spcBef>
-                <a:spcPct val="30000"/>
-              </a:spcBef>
-              <a:buFont typeface="Arial" panose="020B0604020202020204" pitchFamily="34" charset="0"/>
-              <a:buChar char="•"/>
-              <a:defRPr sz="1800" kern="1200">
-                <a:solidFill>
-                  <a:schemeClr val="tx1"/>
-                </a:solidFill>
-                <a:latin typeface="+mn-lt"/>
-                <a:ea typeface="+mn-ea"/>
-                <a:cs typeface="+mn-cs"/>
-              </a:defRPr>
-            </a:lvl6pPr>
-            <a:lvl7pPr marL="2971800" indent="-228600" algn="l" defTabSz="914400" rtl="0" eaLnBrk="1" latinLnBrk="0" hangingPunct="1">
-              <a:lnSpc>
-                <a:spcPct val="90000"/>
-              </a:lnSpc>
-              <a:spcBef>
-                <a:spcPct val="30000"/>
-              </a:spcBef>
-              <a:buFont typeface="Arial" panose="020B0604020202020204" pitchFamily="34" charset="0"/>
-              <a:buChar char="•"/>
-              <a:defRPr sz="1800" kern="1200">
-                <a:solidFill>
-                  <a:schemeClr val="tx1"/>
-                </a:solidFill>
-                <a:latin typeface="+mn-lt"/>
-                <a:ea typeface="+mn-ea"/>
-                <a:cs typeface="+mn-cs"/>
-              </a:defRPr>
-            </a:lvl7pPr>
-            <a:lvl8pPr marL="3429000" indent="-228600" algn="l" defTabSz="914400" rtl="0" eaLnBrk="1" latinLnBrk="0" hangingPunct="1">
-              <a:lnSpc>
-                <a:spcPct val="90000"/>
-              </a:lnSpc>
-              <a:spcBef>
-                <a:spcPct val="30000"/>
-              </a:spcBef>
-              <a:buFont typeface="Arial" panose="020B0604020202020204" pitchFamily="34" charset="0"/>
-              <a:buChar char="•"/>
-              <a:defRPr sz="1800" kern="1200">
-                <a:solidFill>
-                  <a:schemeClr val="tx1"/>
-                </a:solidFill>
-                <a:latin typeface="+mn-lt"/>
-                <a:ea typeface="+mn-ea"/>
-                <a:cs typeface="+mn-cs"/>
-              </a:defRPr>
-            </a:lvl8pPr>
-            <a:lvl9pPr marL="3886200" indent="-228600" algn="l" defTabSz="914400" rtl="0" eaLnBrk="1" latinLnBrk="0" hangingPunct="1">
-              <a:lnSpc>
-                <a:spcPct val="90000"/>
-              </a:lnSpc>
-              <a:spcBef>
-                <a:spcPct val="30000"/>
-              </a:spcBef>
-              <a:buFont typeface="Arial" panose="020B0604020202020204" pitchFamily="34" charset="0"/>
-              <a:buChar char="•"/>
-              <a:defRPr sz="1800" kern="1200">
-                <a:solidFill>
-                  <a:schemeClr val="tx1"/>
-                </a:solidFill>
-                <a:latin typeface="+mn-lt"/>
-                <a:ea typeface="+mn-ea"/>
-                <a:cs typeface="+mn-cs"/>
-              </a:defRPr>
-            </a:lvl9pPr>
-          </a:lstStyle>
-          <a:p>
-            <a:pPr marL="0" lvl="0" indent="0" rtl="0">
-              <a:spcAft>
-                <a:spcPts val="2000"/>
-              </a:spcAft>
-              <a:buNone/>
-            </a:pPr>
-            <a:r>
-              <a:rPr lang="el-GR" dirty="0">
-                <a:latin typeface="Segoe UI" panose="020B0502040204020203" pitchFamily="34" charset="0"/>
-                <a:cs typeface="Segoe UI" panose="020B0502040204020203" pitchFamily="34" charset="0"/>
-              </a:rPr>
-              <a:t>Απλώς για διασκέδαση, δοκιμάστε ξανά την Έξυπνη αναζήτηση κάνοντας δεξί κλικ στη λέξη </a:t>
-            </a:r>
-            <a:r>
-              <a:rPr lang="el-GR" i="1" dirty="0">
-                <a:solidFill>
-                  <a:srgbClr val="D24726"/>
-                </a:solidFill>
-                <a:latin typeface="Segoe UI" panose="020B0502040204020203" pitchFamily="34" charset="0"/>
-                <a:cs typeface="Segoe UI" panose="020B0502040204020203" pitchFamily="34" charset="0"/>
-              </a:rPr>
-              <a:t>Office</a:t>
-            </a:r>
-            <a:r>
-              <a:rPr lang="el-GR" dirty="0"/>
-              <a:t> </a:t>
-            </a:r>
-            <a:r>
-              <a:rPr lang="el-GR" dirty="0">
-                <a:latin typeface="Segoe UI" panose="020B0502040204020203" pitchFamily="34" charset="0"/>
-                <a:cs typeface="Segoe UI" panose="020B0502040204020203" pitchFamily="34" charset="0"/>
-              </a:rPr>
-              <a:t>στο βήμα 2.</a:t>
-            </a:r>
-          </a:p>
-          <a:p>
-            <a:pPr marL="0" indent="0" rtl="0">
-              <a:spcAft>
-                <a:spcPts val="2000"/>
-              </a:spcAft>
-              <a:buNone/>
-            </a:pPr>
-            <a:endParaRPr lang="el-GR" dirty="0">
-              <a:solidFill>
-                <a:prstClr val="black">
-                  <a:lumMod val="75000"/>
-                  <a:lumOff val="25000"/>
-                </a:prstClr>
-              </a:solidFill>
-            </a:endParaRPr>
-          </a:p>
-        </p:txBody>
-      </p:sp>
-    </p:spTree>
-    <p:extLst>
-      <p:ext uri="{BB962C8B-B14F-4D97-AF65-F5344CB8AC3E}">
-        <p14:creationId xmlns:p14="http://schemas.microsoft.com/office/powerpoint/2010/main" val="1769326051"/>
-      </p:ext>
-    </p:extLst>
-  </p:cSld>
-  <p:clrMapOvr>
-    <a:masterClrMapping/>
-  </p:clrMapOvr>
-  <mc:AlternateContent xmlns:mc="http://schemas.openxmlformats.org/markup-compatibility/2006" xmlns:p14="http://schemas.microsoft.com/office/powerpoint/2010/main">
-    <mc:Choice Requires="p14">
-      <p:transition p14:dur="10"/>
-    </mc:Choice>
-    <mc:Fallback xmlns="">
-      <p:transition/>
-    </mc:Fallback>
-  </mc:AlternateContent>
-</p:sld>
-</file>
-
-<file path=ppt/slides/slide9.xml><?xml version="1.0" encoding="utf-8"?>
-<p:sld xmlns:a="http://schemas.openxmlformats.org/drawingml/2006/main" xmlns:r="http://schemas.openxmlformats.org/officeDocument/2006/relationships" xmlns:p="http://schemas.openxmlformats.org/presentationml/2006/main">
-  <p:cSld>
-    <p:spTree>
-      <p:nvGrpSpPr>
-        <p:cNvPr id="1" name=""/>
-        <p:cNvGrpSpPr/>
-        <p:nvPr/>
-      </p:nvGrpSpPr>
-      <p:grpSpPr>
-        <a:xfrm>
-          <a:off x="0" y="0"/>
-          <a:ext cx="0" cy="0"/>
-          <a:chOff x="0" y="0"/>
-          <a:chExt cx="0" cy="0"/>
-        </a:xfrm>
-      </p:grpSpPr>
-      <p:sp>
-        <p:nvSpPr>
-          <p:cNvPr id="10" name="Τίτλος 9"/>
-          <p:cNvSpPr>
-            <a:spLocks noGrp="1"/>
-          </p:cNvSpPr>
-          <p:nvPr>
-            <p:ph type="title"/>
-          </p:nvPr>
-        </p:nvSpPr>
-        <p:spPr>
-          <a:xfrm>
-            <a:off x="521208" y="968473"/>
-            <a:ext cx="6876288" cy="1207799"/>
-          </a:xfrm>
-        </p:spPr>
-        <p:txBody>
-          <a:bodyPr rtlCol="0">
-            <a:normAutofit/>
-          </a:bodyPr>
-          <a:lstStyle/>
-          <a:p>
-            <a:pPr rtl="0"/>
-            <a:r>
-              <a:rPr lang="el-GR" dirty="0">
-                <a:latin typeface="Segoe UI Light" panose="020B0502040204020203" pitchFamily="34" charset="0"/>
-                <a:cs typeface="Segoe UI Light" panose="020B0502040204020203" pitchFamily="34" charset="0"/>
-              </a:rPr>
-              <a:t>Έχετε περισσότερες ερωτήσεις σχετικά με το PowerPoint;</a:t>
-            </a:r>
-          </a:p>
-        </p:txBody>
-      </p:sp>
-      <p:sp>
-        <p:nvSpPr>
-          <p:cNvPr id="5" name="Θέση περιεχομένου 4"/>
-          <p:cNvSpPr>
-            <a:spLocks noGrp="1"/>
-          </p:cNvSpPr>
-          <p:nvPr>
-            <p:ph sz="half" idx="4294967295"/>
-          </p:nvPr>
-        </p:nvSpPr>
-        <p:spPr>
-          <a:xfrm>
-            <a:off x="541611" y="2614427"/>
-            <a:ext cx="11168608" cy="3978275"/>
-          </a:xfrm>
-        </p:spPr>
-        <p:txBody>
-          <a:bodyPr rtlCol="0">
-            <a:normAutofit/>
-          </a:bodyPr>
-          <a:lstStyle/>
-          <a:p>
-            <a:pPr marL="0" indent="0" rtl="0">
-              <a:lnSpc>
-                <a:spcPts val="3600"/>
-              </a:lnSpc>
-              <a:spcAft>
-                <a:spcPts val="0"/>
-              </a:spcAft>
-              <a:buNone/>
-            </a:pPr>
-            <a:r>
-              <a:rPr lang="el-GR" sz="2000" dirty="0">
-                <a:latin typeface="Segoe UI Light" panose="020B0502040204020203" pitchFamily="34" charset="0"/>
-                <a:cs typeface="Segoe UI Light" panose="020B0502040204020203" pitchFamily="34" charset="0"/>
-              </a:rPr>
-              <a:t>Επιλέξτε το κουμπί </a:t>
-            </a:r>
-            <a:r>
-              <a:rPr lang="el-GR" sz="2000" dirty="0">
-                <a:solidFill>
-                  <a:srgbClr val="D24726"/>
-                </a:solidFill>
-                <a:latin typeface="Segoe UI Semibold" panose="020B0702040204020203" pitchFamily="34" charset="0"/>
-                <a:cs typeface="Segoe UI Semibold" panose="020B0702040204020203" pitchFamily="34" charset="0"/>
-              </a:rPr>
-              <a:t>Πείτε μου                   </a:t>
-            </a:r>
-            <a:r>
-              <a:rPr lang="el-GR" sz="2000" dirty="0">
-                <a:latin typeface="Segoe UI Light" panose="020B0502040204020203" pitchFamily="34" charset="0"/>
-                <a:cs typeface="Segoe UI Light" panose="020B0502040204020203" pitchFamily="34" charset="0"/>
-              </a:rPr>
-              <a:t>και πληκτρολογήστε αυτό που θέλετε να μάθετε.</a:t>
-            </a:r>
-            <a:br>
-              <a:rPr lang="el-GR" sz="2000" dirty="0">
-                <a:latin typeface="Segoe UI Light" panose="020B0502040204020203" pitchFamily="34" charset="0"/>
-                <a:cs typeface="Segoe UI Light" panose="020B0502040204020203" pitchFamily="34" charset="0"/>
-              </a:rPr>
-            </a:br>
-            <a:endParaRPr lang="el-GR" sz="2000" dirty="0">
-              <a:latin typeface="Segoe UI Light" panose="020B0502040204020203" pitchFamily="34" charset="0"/>
-              <a:cs typeface="Segoe UI Light" panose="020B0502040204020203" pitchFamily="34" charset="0"/>
-            </a:endParaRPr>
-          </a:p>
-          <a:p>
-            <a:pPr>
-              <a:lnSpc>
-                <a:spcPts val="3600"/>
-              </a:lnSpc>
-              <a:spcAft>
-                <a:spcPts val="0"/>
-              </a:spcAft>
-            </a:pPr>
-            <a:r>
-              <a:rPr lang="el-GR" sz="1800" dirty="0">
-                <a:latin typeface="Segoe UI Light" panose="020B0502040204020203" pitchFamily="34" charset="0"/>
-                <a:cs typeface="Segoe UI Light" panose="020B0502040204020203" pitchFamily="34" charset="0"/>
-                <a:hlinkClick r:id="rId3" tooltip="Επισκεφθείτε το ιστολόγιο της ομάδας του PowerPoint (μόνο στα Αγγλικά)"/>
-              </a:rPr>
-              <a:t>Επισκεφθείτε το </a:t>
-            </a:r>
-            <a:r>
-              <a:rPr lang="el-GR" sz="1800" dirty="0" err="1">
-                <a:latin typeface="Segoe UI Light" panose="020B0502040204020203" pitchFamily="34" charset="0"/>
-                <a:cs typeface="Segoe UI Light" panose="020B0502040204020203" pitchFamily="34" charset="0"/>
-                <a:hlinkClick r:id="rId3" tooltip="Επισκεφθείτε το ιστολόγιο της ομάδας του PowerPoint (μόνο στα Αγγλικά)"/>
-              </a:rPr>
-              <a:t>ιστολόγιο</a:t>
-            </a:r>
-            <a:r>
-              <a:rPr lang="el-GR" sz="1800" dirty="0">
-                <a:latin typeface="Segoe UI Light" panose="020B0502040204020203" pitchFamily="34" charset="0"/>
-                <a:cs typeface="Segoe UI Light" panose="020B0502040204020203" pitchFamily="34" charset="0"/>
-                <a:hlinkClick r:id="rId3" tooltip="Επισκεφθείτε το ιστολόγιο της ομάδας του PowerPoint (μόνο στα Αγγλικά)"/>
-              </a:rPr>
-              <a:t> της ομάδας του PowerPoint (μόνο στα Αγγλικά)</a:t>
-            </a:r>
-            <a:endParaRPr lang="el-GR" sz="1800" dirty="0">
-              <a:latin typeface="Segoe UI Light" panose="020B0502040204020203" pitchFamily="34" charset="0"/>
-              <a:cs typeface="Segoe UI Light" panose="020B0502040204020203" pitchFamily="34" charset="0"/>
-            </a:endParaRPr>
-          </a:p>
-          <a:p>
-            <a:pPr marL="0" indent="0" rtl="0">
-              <a:lnSpc>
-                <a:spcPts val="3600"/>
-              </a:lnSpc>
-              <a:spcAft>
-                <a:spcPts val="0"/>
-              </a:spcAft>
-              <a:buNone/>
-            </a:pPr>
-            <a:r>
-              <a:rPr lang="el-GR" sz="1800" dirty="0">
-                <a:latin typeface="Segoe UI Light" panose="020B0502040204020203" pitchFamily="34" charset="0"/>
-                <a:cs typeface="Segoe UI Light" panose="020B0502040204020203" pitchFamily="34" charset="0"/>
-                <a:hlinkClick r:id="rId4" tooltip="Μεταβείτε στη δωρεάν εκπαίδευση για το PowerPoint"/>
-              </a:rPr>
-              <a:t>Μεταβείτε στη δωρεάν εκπαίδευση για το PowerPoint</a:t>
-            </a:r>
-            <a:endParaRPr lang="el-GR" sz="1800" dirty="0">
-              <a:latin typeface="Segoe UI Light" panose="020B0502040204020203" pitchFamily="34" charset="0"/>
-              <a:cs typeface="Segoe UI Light" panose="020B0502040204020203" pitchFamily="34" charset="0"/>
-            </a:endParaRPr>
-          </a:p>
-          <a:p>
-            <a:pPr marL="0" indent="0" rtl="0">
-              <a:lnSpc>
-                <a:spcPts val="3600"/>
-              </a:lnSpc>
-              <a:spcAft>
-                <a:spcPts val="0"/>
-              </a:spcAft>
-              <a:buNone/>
-            </a:pPr>
-            <a:endParaRPr lang="el-GR" sz="2000" dirty="0">
-              <a:latin typeface="Segoe UI Light" panose="020B0502040204020203" pitchFamily="34" charset="0"/>
-              <a:cs typeface="Segoe UI Light" panose="020B0502040204020203" pitchFamily="34" charset="0"/>
-            </a:endParaRPr>
-          </a:p>
-          <a:p>
-            <a:pPr marL="0" indent="0" rtl="0">
-              <a:lnSpc>
-                <a:spcPts val="3600"/>
-              </a:lnSpc>
-              <a:spcAft>
-                <a:spcPts val="0"/>
-              </a:spcAft>
-              <a:buNone/>
-            </a:pPr>
-            <a:endParaRPr lang="el-GR" sz="2000" dirty="0">
-              <a:latin typeface="Segoe UI Light" panose="020B0502040204020203" pitchFamily="34" charset="0"/>
-              <a:cs typeface="Segoe UI Light" panose="020B0502040204020203" pitchFamily="34" charset="0"/>
-            </a:endParaRPr>
-          </a:p>
-        </p:txBody>
-      </p:sp>
-      <p:pic>
-        <p:nvPicPr>
-          <p:cNvPr id="2" name="Εικόνα 1" descr="Κουμπί &quot;Πείτε μου&quot;"/>
-          <p:cNvPicPr>
-            <a:picLocks noChangeAspect="1"/>
-          </p:cNvPicPr>
-          <p:nvPr/>
-        </p:nvPicPr>
-        <p:blipFill>
-          <a:blip r:embed="rId5" cstate="print">
-            <a:extLst>
-              <a:ext uri="{28A0092B-C50C-407E-A947-70E740481C1C}">
-                <a14:useLocalDpi xmlns:a14="http://schemas.microsoft.com/office/drawing/2010/main" val="0"/>
-              </a:ext>
-            </a:extLst>
-          </a:blip>
-          <a:stretch>
-            <a:fillRect/>
-          </a:stretch>
-        </p:blipFill>
-        <p:spPr>
-          <a:xfrm>
-            <a:off x="4010162" y="2350333"/>
-            <a:ext cx="1269672" cy="1189747"/>
-          </a:xfrm>
-          <a:prstGeom prst="rect">
-            <a:avLst/>
-          </a:prstGeom>
-        </p:spPr>
-      </p:pic>
-      <p:pic>
-        <p:nvPicPr>
-          <p:cNvPr id="11" name="Εικόνα 10"/>
-          <p:cNvPicPr>
-            <a:picLocks noChangeAspect="1"/>
-          </p:cNvPicPr>
-          <p:nvPr/>
-        </p:nvPicPr>
-        <p:blipFill>
-          <a:blip r:embed="rId6">
-            <a:extLst>
-              <a:ext uri="{28A0092B-C50C-407E-A947-70E740481C1C}">
-                <a14:useLocalDpi xmlns:a14="http://schemas.microsoft.com/office/drawing/2010/main" val="0"/>
-              </a:ext>
-            </a:extLst>
-          </a:blip>
-          <a:stretch>
-            <a:fillRect/>
-          </a:stretch>
-        </p:blipFill>
-        <p:spPr>
-          <a:xfrm>
-            <a:off x="9074146" y="3070697"/>
-            <a:ext cx="2476156" cy="1707303"/>
-          </a:xfrm>
-          <a:prstGeom prst="rect">
-            <a:avLst/>
-          </a:prstGeom>
-        </p:spPr>
-      </p:pic>
-      <p:sp>
-        <p:nvSpPr>
-          <p:cNvPr id="9" name="Πλαίσιο κειμένου 8"/>
-          <p:cNvSpPr txBox="1"/>
-          <p:nvPr/>
-        </p:nvSpPr>
-        <p:spPr>
-          <a:xfrm>
-            <a:off x="541611" y="5210842"/>
-            <a:ext cx="6855885" cy="307777"/>
-          </a:xfrm>
-          <a:prstGeom prst="rect">
-            <a:avLst/>
-          </a:prstGeom>
-          <a:noFill/>
-        </p:spPr>
-        <p:txBody>
-          <a:bodyPr wrap="square" rtlCol="0">
-            <a:spAutoFit/>
-          </a:bodyPr>
-          <a:lstStyle/>
-          <a:p>
-            <a:pPr algn="l" rtl="0"/>
-            <a:r>
-              <a:rPr lang="el-GR" sz="1400" dirty="0">
-                <a:latin typeface="Segoe UI Light" panose="020B0502040204020203" pitchFamily="34" charset="0"/>
-                <a:cs typeface="Segoe UI Light" panose="020B0502040204020203" pitchFamily="34" charset="0"/>
-              </a:rPr>
-              <a:t>ΕΠΙΛΕΞΤΕ ΤΟ ΒΕΛΟΣ ΟΤΑΝ ΒΡΙΣΚΕΣΤΕ ΣΕ ΛΕΙΤΟΥΡΓΙΑ ΠΡΟΒΟΛΗΣ ΠΑΡΟΥΣΙΑΣΗΣ</a:t>
-            </a:r>
-          </a:p>
-        </p:txBody>
-      </p:sp>
-      <p:pic>
-        <p:nvPicPr>
-          <p:cNvPr id="7" name="Εικόνα 6" descr="Βέλος που δείχνει προς τα δεξιά και περιέχει μια υπερ-σύνδεση η οποία οδηγεί στη δωρεάν εκπαίδευση για το PowerPoint. Επιλέξτε την εικόνα, για να αποκτήσετε πρόσβαση στη δωρεάν εκπαίδευση για το PowerPoint">
-            <a:hlinkClick r:id="rId4" tooltip="Επιλέξτε την εικόνα, για να αποκτήσετε πρόσβαση στη δωρεάν εκπαίδευση για το PowerPoint"/>
-          </p:cNvPr>
-          <p:cNvPicPr>
-            <a:picLocks noChangeAspect="1"/>
-          </p:cNvPicPr>
-          <p:nvPr/>
-        </p:nvPicPr>
-        <p:blipFill>
-          <a:blip r:embed="rId7" cstate="print">
-            <a:extLst>
-              <a:ext uri="{28A0092B-C50C-407E-A947-70E740481C1C}">
-                <a14:useLocalDpi xmlns:a14="http://schemas.microsoft.com/office/drawing/2010/main" val="0"/>
-              </a:ext>
-            </a:extLst>
-          </a:blip>
-          <a:stretch>
-            <a:fillRect/>
-          </a:stretch>
-        </p:blipFill>
-        <p:spPr>
-          <a:xfrm>
-            <a:off x="6098648" y="4272594"/>
-            <a:ext cx="661940" cy="661940"/>
-          </a:xfrm>
-          <a:prstGeom prst="rect">
-            <a:avLst/>
-          </a:prstGeom>
-        </p:spPr>
-      </p:pic>
-      <p:pic>
-        <p:nvPicPr>
-          <p:cNvPr id="12" name="Εικόνα 11" descr="Βέλος που δείχνει προς τα δεξιά με μια υπερ-σύνδεση για την παροχή σχολίων σχετικά με αυτήν την περιήγηση. Επιλέξτε την εικόνα, για να στείλετε σχόλια σχετικά με αυτήν την περιήγηση">
-            <a:hlinkClick r:id="rId3" tooltip="Επιλέξτε εδώ, για να επισκεφθείτε το ιστολόγιο ομάδας του PowerPoint."/>
-            <a:extLst>
-              <a:ext uri="{FF2B5EF4-FFF2-40B4-BE49-F238E27FC236}">
-                <a16:creationId xmlns:a16="http://schemas.microsoft.com/office/drawing/2014/main" id="{BA92070A-4E3D-4794-84A9-83B8DDF3A125}"/>
-              </a:ext>
-            </a:extLst>
-          </p:cNvPr>
-          <p:cNvPicPr>
-            <a:picLocks noChangeAspect="1"/>
-          </p:cNvPicPr>
-          <p:nvPr/>
-        </p:nvPicPr>
-        <p:blipFill>
-          <a:blip r:embed="rId7" cstate="print">
-            <a:extLst>
-              <a:ext uri="{28A0092B-C50C-407E-A947-70E740481C1C}">
-                <a14:useLocalDpi xmlns:a14="http://schemas.microsoft.com/office/drawing/2010/main" val="0"/>
-              </a:ext>
-            </a:extLst>
-          </a:blip>
-          <a:stretch>
-            <a:fillRect/>
-          </a:stretch>
-        </p:blipFill>
-        <p:spPr>
-          <a:xfrm>
-            <a:off x="8145496" y="3642100"/>
-            <a:ext cx="661940" cy="661940"/>
-          </a:xfrm>
-          <a:prstGeom prst="rect">
-            <a:avLst/>
-          </a:prstGeom>
-        </p:spPr>
-      </p:pic>
-    </p:spTree>
-    <p:extLst>
-      <p:ext uri="{BB962C8B-B14F-4D97-AF65-F5344CB8AC3E}">
-        <p14:creationId xmlns:p14="http://schemas.microsoft.com/office/powerpoint/2010/main" val="893025881"/>
-      </p:ext>
-    </p:extLst>
-  </p:cSld>
-  <p:clrMapOvr>
-    <a:masterClrMapping/>
-  </p:clrMapOvr>
-  <mc:AlternateContent xmlns:mc="http://schemas.openxmlformats.org/markup-compatibility/2006" xmlns:p15="http://schemas.microsoft.com/office/powerpoint/2012/main">
-    <mc:Choice Requires="p15">
-      <p:transition xmlns:p14="http://schemas.microsoft.com/office/powerpoint/2010/main" spd="slow" p14:dur="2000">
-        <p15:prstTrans prst="drape"/>
-      </p:transition>
-    </mc:Choice>
-    <mc:Fallback xmlns="">
-      <p:transition xmlns:p14="http://schemas.microsoft.com/office/powerpoint/2010/main" spd="slow">
-        <p:fade/>
-      </p:transition>
     </mc:Fallback>
   </mc:AlternateContent>
 </p:sld>

--- a/machine-learning-12-13.pptx
+++ b/machine-learning-12-13.pptx
@@ -3226,7 +3226,7 @@
                 <a:latin typeface="Segoe UI Light" panose="020B0502040204020203" pitchFamily="34" charset="0"/>
                 <a:cs typeface="Segoe UI Light" panose="020B0502040204020203" pitchFamily="34" charset="0"/>
               </a:rPr>
-              <a:t>Η ορολογία </a:t>
+              <a:t>Η ορολογία  «</a:t>
             </a:r>
             <a:r>
               <a:rPr lang="en-US" dirty="0">
@@ -3235,23 +3235,262 @@
               </a:rPr>
               <a:t>Machine Learning</a:t>
             </a:r>
-            <a:endParaRPr lang="el-GR" dirty="0">
-              <a:latin typeface="Segoe UI Light" panose="020B0502040204020203" pitchFamily="34" charset="0"/>
-              <a:cs typeface="Segoe UI Light" panose="020B0502040204020203" pitchFamily="34" charset="0"/>
+            <a:r>
+              <a:rPr lang="el-GR" dirty="0">
+                <a:latin typeface="Segoe UI Light" panose="020B0502040204020203" pitchFamily="34" charset="0"/>
+                <a:cs typeface="Segoe UI Light" panose="020B0502040204020203" pitchFamily="34" charset="0"/>
+              </a:rPr>
+              <a:t>».</a:t>
+            </a:r>
+          </a:p>
+        </p:txBody>
+      </p:sp>
+      <p:sp>
+        <p:nvSpPr>
+          <p:cNvPr id="38" name="Θέση περιεχομένου 17"/>
+          <p:cNvSpPr txBox="1">
+            <a:spLocks/>
+          </p:cNvSpPr>
+          <p:nvPr/>
+        </p:nvSpPr>
+        <p:spPr>
+          <a:xfrm>
+            <a:off x="771441" y="4289173"/>
+            <a:ext cx="4321704" cy="3871518"/>
+          </a:xfrm>
+          <a:prstGeom prst="rect">
+            <a:avLst/>
+          </a:prstGeom>
+        </p:spPr>
+        <p:txBody>
+          <a:bodyPr vert="horz" lIns="91440" tIns="45720" rIns="91440" bIns="45720" rtlCol="0">
+            <a:normAutofit/>
+          </a:bodyPr>
+          <a:lstStyle>
+            <a:lvl1pPr marL="228600" indent="-228600" algn="l" defTabSz="914400" rtl="0" eaLnBrk="1" latinLnBrk="0" hangingPunct="1">
+              <a:lnSpc>
+                <a:spcPts val="1800"/>
+              </a:lnSpc>
+              <a:spcBef>
+                <a:spcPts val="1000"/>
+              </a:spcBef>
+              <a:spcAft>
+                <a:spcPts val="1000"/>
+              </a:spcAft>
+              <a:buFont typeface="Arial" panose="020B0604020202020204" pitchFamily="34" charset="0"/>
+              <a:buChar char="•"/>
+              <a:defRPr lang="en-US" sz="1200" kern="1200" smtClean="0">
+                <a:solidFill>
+                  <a:schemeClr val="tx1">
+                    <a:lumMod val="75000"/>
+                    <a:lumOff val="25000"/>
+                  </a:schemeClr>
+                </a:solidFill>
+                <a:latin typeface="+mn-lt"/>
+                <a:ea typeface="+mn-ea"/>
+                <a:cs typeface="+mn-cs"/>
+              </a:defRPr>
+            </a:lvl1pPr>
+            <a:lvl2pPr marL="685800" indent="-228600" algn="l" defTabSz="914400" rtl="0" eaLnBrk="1" latinLnBrk="0" hangingPunct="1">
+              <a:lnSpc>
+                <a:spcPts val="1800"/>
+              </a:lnSpc>
+              <a:spcBef>
+                <a:spcPts val="1000"/>
+              </a:spcBef>
+              <a:spcAft>
+                <a:spcPts val="1000"/>
+              </a:spcAft>
+              <a:buFont typeface="Arial" panose="020B0604020202020204" pitchFamily="34" charset="0"/>
+              <a:buChar char="•"/>
+              <a:defRPr lang="en-US" sz="1200" kern="1200" smtClean="0">
+                <a:solidFill>
+                  <a:schemeClr val="tx1">
+                    <a:lumMod val="75000"/>
+                    <a:lumOff val="25000"/>
+                  </a:schemeClr>
+                </a:solidFill>
+                <a:latin typeface="+mn-lt"/>
+                <a:ea typeface="+mn-ea"/>
+                <a:cs typeface="+mn-cs"/>
+              </a:defRPr>
+            </a:lvl2pPr>
+            <a:lvl3pPr marL="1143000" indent="-228600" algn="l" defTabSz="914400" rtl="0" eaLnBrk="1" latinLnBrk="0" hangingPunct="1">
+              <a:lnSpc>
+                <a:spcPts val="1800"/>
+              </a:lnSpc>
+              <a:spcBef>
+                <a:spcPts val="1000"/>
+              </a:spcBef>
+              <a:spcAft>
+                <a:spcPts val="1000"/>
+              </a:spcAft>
+              <a:buFont typeface="Arial" panose="020B0604020202020204" pitchFamily="34" charset="0"/>
+              <a:buChar char="•"/>
+              <a:defRPr lang="en-US" sz="1200" kern="1200" smtClean="0">
+                <a:solidFill>
+                  <a:schemeClr val="tx1">
+                    <a:lumMod val="75000"/>
+                    <a:lumOff val="25000"/>
+                  </a:schemeClr>
+                </a:solidFill>
+                <a:latin typeface="+mn-lt"/>
+                <a:ea typeface="+mn-ea"/>
+                <a:cs typeface="+mn-cs"/>
+              </a:defRPr>
+            </a:lvl3pPr>
+            <a:lvl4pPr marL="1600200" indent="-228600" algn="l" defTabSz="914400" rtl="0" eaLnBrk="1" latinLnBrk="0" hangingPunct="1">
+              <a:lnSpc>
+                <a:spcPts val="1800"/>
+              </a:lnSpc>
+              <a:spcBef>
+                <a:spcPts val="1000"/>
+              </a:spcBef>
+              <a:spcAft>
+                <a:spcPts val="1000"/>
+              </a:spcAft>
+              <a:buFont typeface="Arial" panose="020B0604020202020204" pitchFamily="34" charset="0"/>
+              <a:buChar char="•"/>
+              <a:defRPr lang="en-US" sz="1200" kern="1200" smtClean="0">
+                <a:solidFill>
+                  <a:schemeClr val="tx1">
+                    <a:lumMod val="75000"/>
+                    <a:lumOff val="25000"/>
+                  </a:schemeClr>
+                </a:solidFill>
+                <a:latin typeface="+mn-lt"/>
+                <a:ea typeface="+mn-ea"/>
+                <a:cs typeface="+mn-cs"/>
+              </a:defRPr>
+            </a:lvl4pPr>
+            <a:lvl5pPr marL="2057400" indent="-228600" algn="l" defTabSz="914400" rtl="0" eaLnBrk="1" latinLnBrk="0" hangingPunct="1">
+              <a:lnSpc>
+                <a:spcPts val="1800"/>
+              </a:lnSpc>
+              <a:spcBef>
+                <a:spcPts val="1000"/>
+              </a:spcBef>
+              <a:spcAft>
+                <a:spcPts val="1000"/>
+              </a:spcAft>
+              <a:buFont typeface="Arial" panose="020B0604020202020204" pitchFamily="34" charset="0"/>
+              <a:buChar char="•"/>
+              <a:defRPr lang="en-US" sz="1200" kern="1200">
+                <a:solidFill>
+                  <a:schemeClr val="tx1">
+                    <a:lumMod val="75000"/>
+                    <a:lumOff val="25000"/>
+                  </a:schemeClr>
+                </a:solidFill>
+                <a:latin typeface="+mn-lt"/>
+                <a:ea typeface="+mn-ea"/>
+                <a:cs typeface="+mn-cs"/>
+              </a:defRPr>
+            </a:lvl5pPr>
+            <a:lvl6pPr marL="2514600" indent="-228600" algn="l" defTabSz="914400" rtl="0" eaLnBrk="1" latinLnBrk="0" hangingPunct="1">
+              <a:lnSpc>
+                <a:spcPct val="90000"/>
+              </a:lnSpc>
+              <a:spcBef>
+                <a:spcPct val="30000"/>
+              </a:spcBef>
+              <a:buFont typeface="Arial" panose="020B0604020202020204" pitchFamily="34" charset="0"/>
+              <a:buChar char="•"/>
+              <a:defRPr sz="1800" kern="1200">
+                <a:solidFill>
+                  <a:schemeClr val="tx1"/>
+                </a:solidFill>
+                <a:latin typeface="+mn-lt"/>
+                <a:ea typeface="+mn-ea"/>
+                <a:cs typeface="+mn-cs"/>
+              </a:defRPr>
+            </a:lvl6pPr>
+            <a:lvl7pPr marL="2971800" indent="-228600" algn="l" defTabSz="914400" rtl="0" eaLnBrk="1" latinLnBrk="0" hangingPunct="1">
+              <a:lnSpc>
+                <a:spcPct val="90000"/>
+              </a:lnSpc>
+              <a:spcBef>
+                <a:spcPct val="30000"/>
+              </a:spcBef>
+              <a:buFont typeface="Arial" panose="020B0604020202020204" pitchFamily="34" charset="0"/>
+              <a:buChar char="•"/>
+              <a:defRPr sz="1800" kern="1200">
+                <a:solidFill>
+                  <a:schemeClr val="tx1"/>
+                </a:solidFill>
+                <a:latin typeface="+mn-lt"/>
+                <a:ea typeface="+mn-ea"/>
+                <a:cs typeface="+mn-cs"/>
+              </a:defRPr>
+            </a:lvl7pPr>
+            <a:lvl8pPr marL="3429000" indent="-228600" algn="l" defTabSz="914400" rtl="0" eaLnBrk="1" latinLnBrk="0" hangingPunct="1">
+              <a:lnSpc>
+                <a:spcPct val="90000"/>
+              </a:lnSpc>
+              <a:spcBef>
+                <a:spcPct val="30000"/>
+              </a:spcBef>
+              <a:buFont typeface="Arial" panose="020B0604020202020204" pitchFamily="34" charset="0"/>
+              <a:buChar char="•"/>
+              <a:defRPr sz="1800" kern="1200">
+                <a:solidFill>
+                  <a:schemeClr val="tx1"/>
+                </a:solidFill>
+                <a:latin typeface="+mn-lt"/>
+                <a:ea typeface="+mn-ea"/>
+                <a:cs typeface="+mn-cs"/>
+              </a:defRPr>
+            </a:lvl8pPr>
+            <a:lvl9pPr marL="3886200" indent="-228600" algn="l" defTabSz="914400" rtl="0" eaLnBrk="1" latinLnBrk="0" hangingPunct="1">
+              <a:lnSpc>
+                <a:spcPct val="90000"/>
+              </a:lnSpc>
+              <a:spcBef>
+                <a:spcPct val="30000"/>
+              </a:spcBef>
+              <a:buFont typeface="Arial" panose="020B0604020202020204" pitchFamily="34" charset="0"/>
+              <a:buChar char="•"/>
+              <a:defRPr sz="1800" kern="1200">
+                <a:solidFill>
+                  <a:schemeClr val="tx1"/>
+                </a:solidFill>
+                <a:latin typeface="+mn-lt"/>
+                <a:ea typeface="+mn-ea"/>
+                <a:cs typeface="+mn-cs"/>
+              </a:defRPr>
+            </a:lvl9pPr>
+          </a:lstStyle>
+          <a:p>
+            <a:pPr marL="0" lvl="0" indent="0" rtl="0">
+              <a:spcAft>
+                <a:spcPts val="600"/>
+              </a:spcAft>
+              <a:buNone/>
+              <a:defRPr/>
+            </a:pPr>
+            <a:endParaRPr lang="el-GR" sz="1400" dirty="0">
+              <a:latin typeface="Segoe UI" panose="020B0502040204020203" pitchFamily="34" charset="0"/>
+              <a:cs typeface="Segoe UI" panose="020B0502040204020203" pitchFamily="34" charset="0"/>
             </a:endParaRPr>
           </a:p>
         </p:txBody>
       </p:sp>
       <p:pic>
         <p:nvPicPr>
-          <p:cNvPr id="5" name="Εικόνα 4"/>
+          <p:cNvPr id="3" name="Εικόνα 2">
+            <a:extLst>
+              <a:ext uri="{FF2B5EF4-FFF2-40B4-BE49-F238E27FC236}">
+                <a16:creationId xmlns:a16="http://schemas.microsoft.com/office/drawing/2014/main" id="{231F78D0-7332-42D2-83A0-0ACD94662AE1}"/>
+              </a:ext>
+            </a:extLst>
+          </p:cNvPr>
           <p:cNvPicPr>
             <a:picLocks noChangeAspect="1"/>
           </p:cNvPicPr>
           <p:nvPr/>
         </p:nvPicPr>
         <p:blipFill>
-          <a:blip r:embed="rId3" cstate="print">
+          <a:blip r:embed="rId3">
             <a:extLst>
               <a:ext uri="{28A0092B-C50C-407E-A947-70E740481C1C}">
                 <a14:useLocalDpi xmlns:a14="http://schemas.microsoft.com/office/drawing/2010/main" val="0"/>
@@ -3264,8 +3503,8 @@
         </p:blipFill>
         <p:spPr>
           <a:xfrm>
-            <a:off x="2963333" y="1385113"/>
-            <a:ext cx="8525932" cy="4577621"/>
+            <a:off x="5093145" y="3168502"/>
+            <a:ext cx="6557245" cy="2770667"/>
           </a:xfrm>
           <a:prstGeom prst="rect">
             <a:avLst/>
@@ -3274,7 +3513,13 @@
       </p:pic>
       <p:sp>
         <p:nvSpPr>
-          <p:cNvPr id="38" name="Θέση περιεχομένου 17"/>
+          <p:cNvPr id="7" name="Θέση περιεχομένου 17">
+            <a:extLst>
+              <a:ext uri="{FF2B5EF4-FFF2-40B4-BE49-F238E27FC236}">
+                <a16:creationId xmlns:a16="http://schemas.microsoft.com/office/drawing/2014/main" id="{2CE99DB4-389E-46A6-93F0-4D3E0127FC62}"/>
+              </a:ext>
+            </a:extLst>
+          </p:cNvPr>
           <p:cNvSpPr txBox="1">
             <a:spLocks/>
           </p:cNvSpPr>
@@ -3282,7 +3527,7 @@
         </p:nvSpPr>
         <p:spPr>
           <a:xfrm>
-            <a:off x="541610" y="1524708"/>
+            <a:off x="694010" y="1677108"/>
             <a:ext cx="4321704" cy="3871518"/>
           </a:xfrm>
           <a:prstGeom prst="rect">
@@ -3496,12 +3741,256 @@
               <a:defRPr/>
             </a:pPr>
             <a:r>
-              <a:rPr lang="el-GR" dirty="0">
+              <a:rPr lang="el-GR" sz="1400" dirty="0">
                 <a:latin typeface="Segoe UI" panose="020B0502040204020203" pitchFamily="34" charset="0"/>
                 <a:cs typeface="Segoe UI" panose="020B0502040204020203" pitchFamily="34" charset="0"/>
               </a:rPr>
-              <a:t>Η χρήση των δεδομένων στον αθλητισμό, έχει δει μεγάλη ανάπτυξη τα τελευταία χρόνια. Έτσι λοιπόν υπάρχει μεγάλη ανάγκη πλέον στην  διερεύνηση μελέτης και την κατασκευή αλγορίθμων που μπορούν να μαθαίνουν από τα δεδομένα αυτά. Τέτοιο αλγόριθμοι λειτουργούν, δημιουργώντας μοντέλα από δεδομένα τα οποία </a:t>
-            </a:r>
+              <a:t>Η χρήση των δεδομένων στον αθλητισμό, έχει δει μεγάλη ανάπτυξη τα τελευταία χρόνια. Έτσι λοιπόν υπάρχει μεγάλη ανάγκη πλέον στην  διερεύνηση μελέτης και την κατασκευή αλγορίθμων που μπορούν να μαθαίνουν από τα δεδομένα αυτά. Τέτοιο αλγόριθμοι λειτουργούν, δημιουργώντας μοντέλα από δεδομένα, προκειμένου να κάνουν προβλέψεις ή να εξάγουν αποφάσεις που εκφράζονται ως το αποτέλεσμα.</a:t>
+            </a:r>
+          </a:p>
+        </p:txBody>
+      </p:sp>
+      <p:sp>
+        <p:nvSpPr>
+          <p:cNvPr id="10" name="Θέση περιεχομένου 17">
+            <a:extLst>
+              <a:ext uri="{FF2B5EF4-FFF2-40B4-BE49-F238E27FC236}">
+                <a16:creationId xmlns:a16="http://schemas.microsoft.com/office/drawing/2014/main" id="{A90C3857-B88A-40A4-AA33-B7784E0DE36B}"/>
+              </a:ext>
+            </a:extLst>
+          </p:cNvPr>
+          <p:cNvSpPr txBox="1">
+            <a:spLocks/>
+          </p:cNvSpPr>
+          <p:nvPr/>
+        </p:nvSpPr>
+        <p:spPr>
+          <a:xfrm>
+            <a:off x="11006090" y="6007954"/>
+            <a:ext cx="828938" cy="433956"/>
+          </a:xfrm>
+          <a:prstGeom prst="rect">
+            <a:avLst/>
+          </a:prstGeom>
+        </p:spPr>
+        <p:txBody>
+          <a:bodyPr vert="horz" lIns="91440" tIns="45720" rIns="91440" bIns="45720" rtlCol="0">
+            <a:normAutofit/>
+          </a:bodyPr>
+          <a:lstStyle>
+            <a:lvl1pPr marL="228600" indent="-228600" algn="l" defTabSz="914400" rtl="0" eaLnBrk="1" latinLnBrk="0" hangingPunct="1">
+              <a:lnSpc>
+                <a:spcPts val="1800"/>
+              </a:lnSpc>
+              <a:spcBef>
+                <a:spcPts val="1000"/>
+              </a:spcBef>
+              <a:spcAft>
+                <a:spcPts val="1000"/>
+              </a:spcAft>
+              <a:buFont typeface="Arial" panose="020B0604020202020204" pitchFamily="34" charset="0"/>
+              <a:buChar char="•"/>
+              <a:defRPr lang="en-US" sz="1200" kern="1200" smtClean="0">
+                <a:solidFill>
+                  <a:schemeClr val="tx1">
+                    <a:lumMod val="75000"/>
+                    <a:lumOff val="25000"/>
+                  </a:schemeClr>
+                </a:solidFill>
+                <a:latin typeface="+mn-lt"/>
+                <a:ea typeface="+mn-ea"/>
+                <a:cs typeface="+mn-cs"/>
+              </a:defRPr>
+            </a:lvl1pPr>
+            <a:lvl2pPr marL="685800" indent="-228600" algn="l" defTabSz="914400" rtl="0" eaLnBrk="1" latinLnBrk="0" hangingPunct="1">
+              <a:lnSpc>
+                <a:spcPts val="1800"/>
+              </a:lnSpc>
+              <a:spcBef>
+                <a:spcPts val="1000"/>
+              </a:spcBef>
+              <a:spcAft>
+                <a:spcPts val="1000"/>
+              </a:spcAft>
+              <a:buFont typeface="Arial" panose="020B0604020202020204" pitchFamily="34" charset="0"/>
+              <a:buChar char="•"/>
+              <a:defRPr lang="en-US" sz="1200" kern="1200" smtClean="0">
+                <a:solidFill>
+                  <a:schemeClr val="tx1">
+                    <a:lumMod val="75000"/>
+                    <a:lumOff val="25000"/>
+                  </a:schemeClr>
+                </a:solidFill>
+                <a:latin typeface="+mn-lt"/>
+                <a:ea typeface="+mn-ea"/>
+                <a:cs typeface="+mn-cs"/>
+              </a:defRPr>
+            </a:lvl2pPr>
+            <a:lvl3pPr marL="1143000" indent="-228600" algn="l" defTabSz="914400" rtl="0" eaLnBrk="1" latinLnBrk="0" hangingPunct="1">
+              <a:lnSpc>
+                <a:spcPts val="1800"/>
+              </a:lnSpc>
+              <a:spcBef>
+                <a:spcPts val="1000"/>
+              </a:spcBef>
+              <a:spcAft>
+                <a:spcPts val="1000"/>
+              </a:spcAft>
+              <a:buFont typeface="Arial" panose="020B0604020202020204" pitchFamily="34" charset="0"/>
+              <a:buChar char="•"/>
+              <a:defRPr lang="en-US" sz="1200" kern="1200" smtClean="0">
+                <a:solidFill>
+                  <a:schemeClr val="tx1">
+                    <a:lumMod val="75000"/>
+                    <a:lumOff val="25000"/>
+                  </a:schemeClr>
+                </a:solidFill>
+                <a:latin typeface="+mn-lt"/>
+                <a:ea typeface="+mn-ea"/>
+                <a:cs typeface="+mn-cs"/>
+              </a:defRPr>
+            </a:lvl3pPr>
+            <a:lvl4pPr marL="1600200" indent="-228600" algn="l" defTabSz="914400" rtl="0" eaLnBrk="1" latinLnBrk="0" hangingPunct="1">
+              <a:lnSpc>
+                <a:spcPts val="1800"/>
+              </a:lnSpc>
+              <a:spcBef>
+                <a:spcPts val="1000"/>
+              </a:spcBef>
+              <a:spcAft>
+                <a:spcPts val="1000"/>
+              </a:spcAft>
+              <a:buFont typeface="Arial" panose="020B0604020202020204" pitchFamily="34" charset="0"/>
+              <a:buChar char="•"/>
+              <a:defRPr lang="en-US" sz="1200" kern="1200" smtClean="0">
+                <a:solidFill>
+                  <a:schemeClr val="tx1">
+                    <a:lumMod val="75000"/>
+                    <a:lumOff val="25000"/>
+                  </a:schemeClr>
+                </a:solidFill>
+                <a:latin typeface="+mn-lt"/>
+                <a:ea typeface="+mn-ea"/>
+                <a:cs typeface="+mn-cs"/>
+              </a:defRPr>
+            </a:lvl4pPr>
+            <a:lvl5pPr marL="2057400" indent="-228600" algn="l" defTabSz="914400" rtl="0" eaLnBrk="1" latinLnBrk="0" hangingPunct="1">
+              <a:lnSpc>
+                <a:spcPts val="1800"/>
+              </a:lnSpc>
+              <a:spcBef>
+                <a:spcPts val="1000"/>
+              </a:spcBef>
+              <a:spcAft>
+                <a:spcPts val="1000"/>
+              </a:spcAft>
+              <a:buFont typeface="Arial" panose="020B0604020202020204" pitchFamily="34" charset="0"/>
+              <a:buChar char="•"/>
+              <a:defRPr lang="en-US" sz="1200" kern="1200">
+                <a:solidFill>
+                  <a:schemeClr val="tx1">
+                    <a:lumMod val="75000"/>
+                    <a:lumOff val="25000"/>
+                  </a:schemeClr>
+                </a:solidFill>
+                <a:latin typeface="+mn-lt"/>
+                <a:ea typeface="+mn-ea"/>
+                <a:cs typeface="+mn-cs"/>
+              </a:defRPr>
+            </a:lvl5pPr>
+            <a:lvl6pPr marL="2514600" indent="-228600" algn="l" defTabSz="914400" rtl="0" eaLnBrk="1" latinLnBrk="0" hangingPunct="1">
+              <a:lnSpc>
+                <a:spcPct val="90000"/>
+              </a:lnSpc>
+              <a:spcBef>
+                <a:spcPct val="30000"/>
+              </a:spcBef>
+              <a:buFont typeface="Arial" panose="020B0604020202020204" pitchFamily="34" charset="0"/>
+              <a:buChar char="•"/>
+              <a:defRPr sz="1800" kern="1200">
+                <a:solidFill>
+                  <a:schemeClr val="tx1"/>
+                </a:solidFill>
+                <a:latin typeface="+mn-lt"/>
+                <a:ea typeface="+mn-ea"/>
+                <a:cs typeface="+mn-cs"/>
+              </a:defRPr>
+            </a:lvl6pPr>
+            <a:lvl7pPr marL="2971800" indent="-228600" algn="l" defTabSz="914400" rtl="0" eaLnBrk="1" latinLnBrk="0" hangingPunct="1">
+              <a:lnSpc>
+                <a:spcPct val="90000"/>
+              </a:lnSpc>
+              <a:spcBef>
+                <a:spcPct val="30000"/>
+              </a:spcBef>
+              <a:buFont typeface="Arial" panose="020B0604020202020204" pitchFamily="34" charset="0"/>
+              <a:buChar char="•"/>
+              <a:defRPr sz="1800" kern="1200">
+                <a:solidFill>
+                  <a:schemeClr val="tx1"/>
+                </a:solidFill>
+                <a:latin typeface="+mn-lt"/>
+                <a:ea typeface="+mn-ea"/>
+                <a:cs typeface="+mn-cs"/>
+              </a:defRPr>
+            </a:lvl7pPr>
+            <a:lvl8pPr marL="3429000" indent="-228600" algn="l" defTabSz="914400" rtl="0" eaLnBrk="1" latinLnBrk="0" hangingPunct="1">
+              <a:lnSpc>
+                <a:spcPct val="90000"/>
+              </a:lnSpc>
+              <a:spcBef>
+                <a:spcPct val="30000"/>
+              </a:spcBef>
+              <a:buFont typeface="Arial" panose="020B0604020202020204" pitchFamily="34" charset="0"/>
+              <a:buChar char="•"/>
+              <a:defRPr sz="1800" kern="1200">
+                <a:solidFill>
+                  <a:schemeClr val="tx1"/>
+                </a:solidFill>
+                <a:latin typeface="+mn-lt"/>
+                <a:ea typeface="+mn-ea"/>
+                <a:cs typeface="+mn-cs"/>
+              </a:defRPr>
+            </a:lvl8pPr>
+            <a:lvl9pPr marL="3886200" indent="-228600" algn="l" defTabSz="914400" rtl="0" eaLnBrk="1" latinLnBrk="0" hangingPunct="1">
+              <a:lnSpc>
+                <a:spcPct val="90000"/>
+              </a:lnSpc>
+              <a:spcBef>
+                <a:spcPct val="30000"/>
+              </a:spcBef>
+              <a:buFont typeface="Arial" panose="020B0604020202020204" pitchFamily="34" charset="0"/>
+              <a:buChar char="•"/>
+              <a:defRPr sz="1800" kern="1200">
+                <a:solidFill>
+                  <a:schemeClr val="tx1"/>
+                </a:solidFill>
+                <a:latin typeface="+mn-lt"/>
+                <a:ea typeface="+mn-ea"/>
+                <a:cs typeface="+mn-cs"/>
+              </a:defRPr>
+            </a:lvl9pPr>
+          </a:lstStyle>
+          <a:p>
+            <a:pPr marL="0" lvl="0" indent="0">
+              <a:spcAft>
+                <a:spcPts val="600"/>
+              </a:spcAft>
+              <a:buNone/>
+              <a:defRPr/>
+            </a:pPr>
+            <a:r>
+              <a:rPr lang="en-US" sz="1400" dirty="0">
+                <a:latin typeface="Segoe UI" panose="020B0502040204020203" pitchFamily="34" charset="0"/>
+                <a:cs typeface="Segoe UI" panose="020B0502040204020203" pitchFamily="34" charset="0"/>
+                <a:hlinkClick r:id="rId4"/>
+              </a:rPr>
+              <a:t>source</a:t>
+            </a:r>
+            <a:endParaRPr lang="el-GR" sz="1400" dirty="0">
+              <a:latin typeface="Segoe UI" panose="020B0502040204020203" pitchFamily="34" charset="0"/>
+              <a:cs typeface="Segoe UI" panose="020B0502040204020203" pitchFamily="34" charset="0"/>
+            </a:endParaRPr>
           </a:p>
         </p:txBody>
       </p:sp>

--- a/machine-learning-12-13.pptx
+++ b/machine-learning-12-13.pptx
@@ -7551,12 +7551,47 @@
             <p:ph sz="quarter" idx="10"/>
           </p:nvPr>
         </p:nvSpPr>
-        <p:spPr/>
+        <p:spPr>
+          <a:xfrm>
+            <a:off x="552776" y="1440180"/>
+            <a:ext cx="11086447" cy="3977640"/>
+          </a:xfrm>
+        </p:spPr>
         <p:txBody>
-          <a:bodyPr/>
+          <a:bodyPr>
+            <a:normAutofit/>
+          </a:bodyPr>
           <a:lstStyle/>
           <a:p>
-            <a:endParaRPr lang="en-US" dirty="0"/>
+            <a:pPr marL="171450" indent="-171450">
+              <a:buFont typeface="Wingdings" panose="05000000000000000000" pitchFamily="2" charset="2"/>
+              <a:buChar char="Ø"/>
+            </a:pPr>
+            <a:r>
+              <a:rPr lang="el-GR" sz="1400" dirty="0"/>
+              <a:t>Στη συγκεκριμένη εφαρμογή εκτελέστηκαν διάφορες τεχνικές </a:t>
+            </a:r>
+            <a:r>
+              <a:rPr lang="en-US" sz="1400" dirty="0"/>
+              <a:t>Machine</a:t>
+            </a:r>
+            <a:r>
+              <a:rPr lang="el-GR" sz="1400" dirty="0"/>
+              <a:t> </a:t>
+            </a:r>
+            <a:r>
+              <a:rPr lang="en-US" sz="1400" dirty="0"/>
+              <a:t>Learning </a:t>
+            </a:r>
+            <a:r>
+              <a:rPr lang="el-GR" sz="1400" dirty="0"/>
+              <a:t>για πρόβλεψη αποτελεσμάτων </a:t>
+            </a:r>
+            <a:r>
+              <a:rPr lang="el-GR" sz="1400"/>
+              <a:t>σε ποδοσφαιρικούς</a:t>
+            </a:r>
+            <a:endParaRPr lang="en-US" sz="1400" dirty="0"/>
           </a:p>
         </p:txBody>
       </p:sp>

--- a/machine-learning-12-13.pptx
+++ b/machine-learning-12-13.pptx
@@ -5148,7 +5148,7 @@
                 <a:latin typeface="Segoe UI Light" panose="020B0502040204020203" pitchFamily="34" charset="0"/>
                 <a:cs typeface="Segoe UI Light" panose="020B0502040204020203" pitchFamily="34" charset="0"/>
               </a:rPr>
-              <a:t>Η ορολογία </a:t>
+              <a:t>Η ορολογία «</a:t>
             </a:r>
             <a:r>
               <a:rPr lang="en-US" dirty="0">
@@ -5157,43 +5157,16 @@
               </a:rPr>
               <a:t>Machine Learning</a:t>
             </a:r>
-            <a:endParaRPr lang="el-GR" dirty="0">
-              <a:latin typeface="Segoe UI Light" panose="020B0502040204020203" pitchFamily="34" charset="0"/>
-              <a:cs typeface="Segoe UI Light" panose="020B0502040204020203" pitchFamily="34" charset="0"/>
-            </a:endParaRPr>
+            <a:r>
+              <a:rPr lang="el-GR" dirty="0">
+                <a:latin typeface="Segoe UI Light" panose="020B0502040204020203" pitchFamily="34" charset="0"/>
+                <a:cs typeface="Segoe UI Light" panose="020B0502040204020203" pitchFamily="34" charset="0"/>
+              </a:rPr>
+              <a:t>»</a:t>
+            </a:r>
           </a:p>
         </p:txBody>
       </p:sp>
-      <p:pic>
-        <p:nvPicPr>
-          <p:cNvPr id="5" name="Εικόνα 4"/>
-          <p:cNvPicPr>
-            <a:picLocks noChangeAspect="1"/>
-          </p:cNvPicPr>
-          <p:nvPr/>
-        </p:nvPicPr>
-        <p:blipFill>
-          <a:blip r:embed="rId3" cstate="print">
-            <a:extLst>
-              <a:ext uri="{28A0092B-C50C-407E-A947-70E740481C1C}">
-                <a14:useLocalDpi xmlns:a14="http://schemas.microsoft.com/office/drawing/2010/main" val="0"/>
-              </a:ext>
-            </a:extLst>
-          </a:blip>
-          <a:stretch>
-            <a:fillRect/>
-          </a:stretch>
-        </p:blipFill>
-        <p:spPr>
-          <a:xfrm>
-            <a:off x="2963333" y="1385113"/>
-            <a:ext cx="8525932" cy="4577621"/>
-          </a:xfrm>
-          <a:prstGeom prst="rect">
-            <a:avLst/>
-          </a:prstGeom>
-        </p:spPr>
-      </p:pic>
       <p:sp>
         <p:nvSpPr>
           <p:cNvPr id="38" name="Θέση περιεχομένου 17"/>
@@ -5410,7 +5383,7 @@
             </a:lvl9pPr>
           </a:lstStyle>
           <a:p>
-            <a:pPr marL="0" lvl="0" indent="0" rtl="0">
+            <a:pPr marL="0" lvl="0" indent="0">
               <a:spcAft>
                 <a:spcPts val="600"/>
               </a:spcAft>
@@ -5418,12 +5391,292 @@
               <a:defRPr/>
             </a:pPr>
             <a:r>
-              <a:rPr lang="el-GR" dirty="0">
+              <a:rPr lang="el-GR" sz="1400" dirty="0">
                 <a:latin typeface="Segoe UI" panose="020B0502040204020203" pitchFamily="34" charset="0"/>
                 <a:cs typeface="Segoe UI" panose="020B0502040204020203" pitchFamily="34" charset="0"/>
               </a:rPr>
-              <a:t>Η χρήση των δεδομένων στον αθλητισμό, έχει δει μεγάλη ανάπτυξη τα τελευταία χρόνια. Έτσι λοιπόν υπάρχει μεγάλη ανάγκη πλέον στην  διερεύνηση μελέτης και την κατασκευή αλγορίθμων που μπορούν να μαθαίνουν από τα δεδομένα αυτά. Τέτοιο αλγόριθμοι λειτουργούν, δημιουργώντας μοντέλα από δεδομένα τα οποία </a:t>
-            </a:r>
+              <a:t>Η χρήση των δεδομένων στον αθλητισμό, έχει δει μεγάλη ανάπτυξη τα τελευταία χρόνια. Έτσι λοιπόν υπάρχει μεγάλη ανάγκη πλέον στην  διερεύνηση μελέτης και την κατασκευή αλγορίθμων που μπορούν να μαθαίνουν από τα δεδομένα αυτά. Τέτοιο αλγόριθμοι λειτουργούν, δημιουργώντας μοντέλα από δεδομένα, προκειμένου να κάνουν προβλέψεις ή να εξάγουν αποφάσεις που εκφράζονται ως το αποτέλεσμα.</a:t>
+            </a:r>
+          </a:p>
+        </p:txBody>
+      </p:sp>
+      <p:pic>
+        <p:nvPicPr>
+          <p:cNvPr id="3" name="Εικόνα 2">
+            <a:extLst>
+              <a:ext uri="{FF2B5EF4-FFF2-40B4-BE49-F238E27FC236}">
+                <a16:creationId xmlns:a16="http://schemas.microsoft.com/office/drawing/2014/main" id="{8FCAADA0-4330-41C5-A1F4-5AAC37BA0E3B}"/>
+              </a:ext>
+            </a:extLst>
+          </p:cNvPr>
+          <p:cNvPicPr>
+            <a:picLocks noChangeAspect="1"/>
+          </p:cNvPicPr>
+          <p:nvPr/>
+        </p:nvPicPr>
+        <p:blipFill>
+          <a:blip r:embed="rId3">
+            <a:extLst>
+              <a:ext uri="{28A0092B-C50C-407E-A947-70E740481C1C}">
+                <a14:useLocalDpi xmlns:a14="http://schemas.microsoft.com/office/drawing/2010/main" val="0"/>
+              </a:ext>
+            </a:extLst>
+          </a:blip>
+          <a:stretch>
+            <a:fillRect/>
+          </a:stretch>
+        </p:blipFill>
+        <p:spPr>
+          <a:xfrm>
+            <a:off x="5170714" y="3209773"/>
+            <a:ext cx="6479676" cy="2737891"/>
+          </a:xfrm>
+          <a:prstGeom prst="rect">
+            <a:avLst/>
+          </a:prstGeom>
+        </p:spPr>
+      </p:pic>
+      <p:sp>
+        <p:nvSpPr>
+          <p:cNvPr id="7" name="Θέση περιεχομένου 17">
+            <a:extLst>
+              <a:ext uri="{FF2B5EF4-FFF2-40B4-BE49-F238E27FC236}">
+                <a16:creationId xmlns:a16="http://schemas.microsoft.com/office/drawing/2014/main" id="{12156FDE-401E-4EAE-80DB-835E893FF230}"/>
+              </a:ext>
+            </a:extLst>
+          </p:cNvPr>
+          <p:cNvSpPr txBox="1">
+            <a:spLocks/>
+          </p:cNvSpPr>
+          <p:nvPr/>
+        </p:nvSpPr>
+        <p:spPr>
+          <a:xfrm>
+            <a:off x="10920972" y="5947664"/>
+            <a:ext cx="729418" cy="337458"/>
+          </a:xfrm>
+          <a:prstGeom prst="rect">
+            <a:avLst/>
+          </a:prstGeom>
+        </p:spPr>
+        <p:txBody>
+          <a:bodyPr vert="horz" lIns="91440" tIns="45720" rIns="91440" bIns="45720" rtlCol="0">
+            <a:normAutofit/>
+          </a:bodyPr>
+          <a:lstStyle>
+            <a:lvl1pPr marL="228600" indent="-228600" algn="l" defTabSz="914400" rtl="0" eaLnBrk="1" latinLnBrk="0" hangingPunct="1">
+              <a:lnSpc>
+                <a:spcPts val="1800"/>
+              </a:lnSpc>
+              <a:spcBef>
+                <a:spcPts val="1000"/>
+              </a:spcBef>
+              <a:spcAft>
+                <a:spcPts val="1000"/>
+              </a:spcAft>
+              <a:buFont typeface="Arial" panose="020B0604020202020204" pitchFamily="34" charset="0"/>
+              <a:buChar char="•"/>
+              <a:defRPr lang="en-US" sz="1200" kern="1200" smtClean="0">
+                <a:solidFill>
+                  <a:schemeClr val="tx1">
+                    <a:lumMod val="75000"/>
+                    <a:lumOff val="25000"/>
+                  </a:schemeClr>
+                </a:solidFill>
+                <a:latin typeface="+mn-lt"/>
+                <a:ea typeface="+mn-ea"/>
+                <a:cs typeface="+mn-cs"/>
+              </a:defRPr>
+            </a:lvl1pPr>
+            <a:lvl2pPr marL="685800" indent="-228600" algn="l" defTabSz="914400" rtl="0" eaLnBrk="1" latinLnBrk="0" hangingPunct="1">
+              <a:lnSpc>
+                <a:spcPts val="1800"/>
+              </a:lnSpc>
+              <a:spcBef>
+                <a:spcPts val="1000"/>
+              </a:spcBef>
+              <a:spcAft>
+                <a:spcPts val="1000"/>
+              </a:spcAft>
+              <a:buFont typeface="Arial" panose="020B0604020202020204" pitchFamily="34" charset="0"/>
+              <a:buChar char="•"/>
+              <a:defRPr lang="en-US" sz="1200" kern="1200" smtClean="0">
+                <a:solidFill>
+                  <a:schemeClr val="tx1">
+                    <a:lumMod val="75000"/>
+                    <a:lumOff val="25000"/>
+                  </a:schemeClr>
+                </a:solidFill>
+                <a:latin typeface="+mn-lt"/>
+                <a:ea typeface="+mn-ea"/>
+                <a:cs typeface="+mn-cs"/>
+              </a:defRPr>
+            </a:lvl2pPr>
+            <a:lvl3pPr marL="1143000" indent="-228600" algn="l" defTabSz="914400" rtl="0" eaLnBrk="1" latinLnBrk="0" hangingPunct="1">
+              <a:lnSpc>
+                <a:spcPts val="1800"/>
+              </a:lnSpc>
+              <a:spcBef>
+                <a:spcPts val="1000"/>
+              </a:spcBef>
+              <a:spcAft>
+                <a:spcPts val="1000"/>
+              </a:spcAft>
+              <a:buFont typeface="Arial" panose="020B0604020202020204" pitchFamily="34" charset="0"/>
+              <a:buChar char="•"/>
+              <a:defRPr lang="en-US" sz="1200" kern="1200" smtClean="0">
+                <a:solidFill>
+                  <a:schemeClr val="tx1">
+                    <a:lumMod val="75000"/>
+                    <a:lumOff val="25000"/>
+                  </a:schemeClr>
+                </a:solidFill>
+                <a:latin typeface="+mn-lt"/>
+                <a:ea typeface="+mn-ea"/>
+                <a:cs typeface="+mn-cs"/>
+              </a:defRPr>
+            </a:lvl3pPr>
+            <a:lvl4pPr marL="1600200" indent="-228600" algn="l" defTabSz="914400" rtl="0" eaLnBrk="1" latinLnBrk="0" hangingPunct="1">
+              <a:lnSpc>
+                <a:spcPts val="1800"/>
+              </a:lnSpc>
+              <a:spcBef>
+                <a:spcPts val="1000"/>
+              </a:spcBef>
+              <a:spcAft>
+                <a:spcPts val="1000"/>
+              </a:spcAft>
+              <a:buFont typeface="Arial" panose="020B0604020202020204" pitchFamily="34" charset="0"/>
+              <a:buChar char="•"/>
+              <a:defRPr lang="en-US" sz="1200" kern="1200" smtClean="0">
+                <a:solidFill>
+                  <a:schemeClr val="tx1">
+                    <a:lumMod val="75000"/>
+                    <a:lumOff val="25000"/>
+                  </a:schemeClr>
+                </a:solidFill>
+                <a:latin typeface="+mn-lt"/>
+                <a:ea typeface="+mn-ea"/>
+                <a:cs typeface="+mn-cs"/>
+              </a:defRPr>
+            </a:lvl4pPr>
+            <a:lvl5pPr marL="2057400" indent="-228600" algn="l" defTabSz="914400" rtl="0" eaLnBrk="1" latinLnBrk="0" hangingPunct="1">
+              <a:lnSpc>
+                <a:spcPts val="1800"/>
+              </a:lnSpc>
+              <a:spcBef>
+                <a:spcPts val="1000"/>
+              </a:spcBef>
+              <a:spcAft>
+                <a:spcPts val="1000"/>
+              </a:spcAft>
+              <a:buFont typeface="Arial" panose="020B0604020202020204" pitchFamily="34" charset="0"/>
+              <a:buChar char="•"/>
+              <a:defRPr lang="en-US" sz="1200" kern="1200">
+                <a:solidFill>
+                  <a:schemeClr val="tx1">
+                    <a:lumMod val="75000"/>
+                    <a:lumOff val="25000"/>
+                  </a:schemeClr>
+                </a:solidFill>
+                <a:latin typeface="+mn-lt"/>
+                <a:ea typeface="+mn-ea"/>
+                <a:cs typeface="+mn-cs"/>
+              </a:defRPr>
+            </a:lvl5pPr>
+            <a:lvl6pPr marL="2514600" indent="-228600" algn="l" defTabSz="914400" rtl="0" eaLnBrk="1" latinLnBrk="0" hangingPunct="1">
+              <a:lnSpc>
+                <a:spcPct val="90000"/>
+              </a:lnSpc>
+              <a:spcBef>
+                <a:spcPct val="30000"/>
+              </a:spcBef>
+              <a:buFont typeface="Arial" panose="020B0604020202020204" pitchFamily="34" charset="0"/>
+              <a:buChar char="•"/>
+              <a:defRPr sz="1800" kern="1200">
+                <a:solidFill>
+                  <a:schemeClr val="tx1"/>
+                </a:solidFill>
+                <a:latin typeface="+mn-lt"/>
+                <a:ea typeface="+mn-ea"/>
+                <a:cs typeface="+mn-cs"/>
+              </a:defRPr>
+            </a:lvl6pPr>
+            <a:lvl7pPr marL="2971800" indent="-228600" algn="l" defTabSz="914400" rtl="0" eaLnBrk="1" latinLnBrk="0" hangingPunct="1">
+              <a:lnSpc>
+                <a:spcPct val="90000"/>
+              </a:lnSpc>
+              <a:spcBef>
+                <a:spcPct val="30000"/>
+              </a:spcBef>
+              <a:buFont typeface="Arial" panose="020B0604020202020204" pitchFamily="34" charset="0"/>
+              <a:buChar char="•"/>
+              <a:defRPr sz="1800" kern="1200">
+                <a:solidFill>
+                  <a:schemeClr val="tx1"/>
+                </a:solidFill>
+                <a:latin typeface="+mn-lt"/>
+                <a:ea typeface="+mn-ea"/>
+                <a:cs typeface="+mn-cs"/>
+              </a:defRPr>
+            </a:lvl7pPr>
+            <a:lvl8pPr marL="3429000" indent="-228600" algn="l" defTabSz="914400" rtl="0" eaLnBrk="1" latinLnBrk="0" hangingPunct="1">
+              <a:lnSpc>
+                <a:spcPct val="90000"/>
+              </a:lnSpc>
+              <a:spcBef>
+                <a:spcPct val="30000"/>
+              </a:spcBef>
+              <a:buFont typeface="Arial" panose="020B0604020202020204" pitchFamily="34" charset="0"/>
+              <a:buChar char="•"/>
+              <a:defRPr sz="1800" kern="1200">
+                <a:solidFill>
+                  <a:schemeClr val="tx1"/>
+                </a:solidFill>
+                <a:latin typeface="+mn-lt"/>
+                <a:ea typeface="+mn-ea"/>
+                <a:cs typeface="+mn-cs"/>
+              </a:defRPr>
+            </a:lvl8pPr>
+            <a:lvl9pPr marL="3886200" indent="-228600" algn="l" defTabSz="914400" rtl="0" eaLnBrk="1" latinLnBrk="0" hangingPunct="1">
+              <a:lnSpc>
+                <a:spcPct val="90000"/>
+              </a:lnSpc>
+              <a:spcBef>
+                <a:spcPct val="30000"/>
+              </a:spcBef>
+              <a:buFont typeface="Arial" panose="020B0604020202020204" pitchFamily="34" charset="0"/>
+              <a:buChar char="•"/>
+              <a:defRPr sz="1800" kern="1200">
+                <a:solidFill>
+                  <a:schemeClr val="tx1"/>
+                </a:solidFill>
+                <a:latin typeface="+mn-lt"/>
+                <a:ea typeface="+mn-ea"/>
+                <a:cs typeface="+mn-cs"/>
+              </a:defRPr>
+            </a:lvl9pPr>
+          </a:lstStyle>
+          <a:p>
+            <a:pPr marL="0" lvl="0" indent="0">
+              <a:spcAft>
+                <a:spcPts val="600"/>
+              </a:spcAft>
+              <a:buNone/>
+              <a:defRPr/>
+            </a:pPr>
+            <a:r>
+              <a:rPr lang="en-US" sz="1400" dirty="0">
+                <a:latin typeface="Segoe UI" panose="020B0502040204020203" pitchFamily="34" charset="0"/>
+                <a:cs typeface="Segoe UI" panose="020B0502040204020203" pitchFamily="34" charset="0"/>
+                <a:hlinkClick r:id="rId4"/>
+              </a:rPr>
+              <a:t>source</a:t>
+            </a:r>
+            <a:endParaRPr lang="el-GR" sz="1400" dirty="0">
+              <a:latin typeface="Segoe UI" panose="020B0502040204020203" pitchFamily="34" charset="0"/>
+              <a:cs typeface="Segoe UI" panose="020B0502040204020203" pitchFamily="34" charset="0"/>
+            </a:endParaRPr>
           </a:p>
         </p:txBody>
       </p:sp>
@@ -12023,7 +12276,7 @@
           <a:effectLst/>
           <a:extLst>
             <a:ext uri="{C572A759-6A51-4108-AA02-DFA0A04FC94B}">
-              <ma14:wrappingTextBoxFlag xmlns:ma14="http://schemas.microsoft.com/office/mac/drawingml/2011/main" xmlns=""/>
+              <ma14:wrappingTextBoxFlag xmlns="" xmlns:ma14="http://schemas.microsoft.com/office/mac/drawingml/2011/main"/>
             </a:ext>
           </a:extLst>
         </p:spPr>

--- a/machine-learning-12-13.pptx
+++ b/machine-learning-12-13.pptx
@@ -7693,7 +7693,11 @@
           <a:bodyPr/>
           <a:lstStyle/>
           <a:p>
-            <a:endParaRPr lang="en-US"/>
+            <a:r>
+              <a:rPr lang="el-GR" dirty="0"/>
+              <a:t>Αποτελέσματα</a:t>
+            </a:r>
+            <a:endParaRPr lang="en-US" dirty="0"/>
           </a:p>
         </p:txBody>
       </p:sp>
@@ -7713,12 +7717,344 @@
             <p:ph sz="quarter" idx="10"/>
           </p:nvPr>
         </p:nvSpPr>
-        <p:spPr/>
+        <p:spPr>
+          <a:xfrm>
+            <a:off x="539495" y="1435608"/>
+            <a:ext cx="11151761" cy="2548563"/>
+          </a:xfrm>
+        </p:spPr>
         <p:txBody>
-          <a:bodyPr/>
+          <a:bodyPr>
+            <a:noAutofit/>
+          </a:bodyPr>
           <a:lstStyle/>
           <a:p>
-            <a:endParaRPr lang="en-US"/>
+            <a:r>
+              <a:rPr lang="el-GR" sz="1400" dirty="0"/>
+              <a:t>Ως </a:t>
+            </a:r>
+            <a:r>
+              <a:rPr lang="en-US" sz="1400" dirty="0"/>
+              <a:t>training set </a:t>
+            </a:r>
+            <a:r>
+              <a:rPr lang="el-GR" sz="1400" dirty="0"/>
+              <a:t>για την συγκεκριμένη υλοποίηση, χρησιμοποιήθηκαν τα εξής δείγματα</a:t>
+            </a:r>
+            <a:r>
+              <a:rPr lang="en-US" sz="1400" dirty="0"/>
+              <a:t>:</a:t>
+            </a:r>
+            <a:endParaRPr lang="el-GR" sz="1400" dirty="0"/>
+          </a:p>
+          <a:p>
+            <a:pPr marL="171450" indent="-171450">
+              <a:buFont typeface="Wingdings" panose="05000000000000000000" pitchFamily="2" charset="2"/>
+              <a:buChar char="Ø"/>
+            </a:pPr>
+            <a:r>
+              <a:rPr lang="el-GR" sz="1400" dirty="0"/>
+              <a:t>τρέξιμο χωρίς καμία επαφή με την μπάλα</a:t>
+            </a:r>
+          </a:p>
+          <a:p>
+            <a:pPr marL="171450" indent="-171450">
+              <a:buFont typeface="Wingdings" panose="05000000000000000000" pitchFamily="2" charset="2"/>
+              <a:buChar char="Ø"/>
+            </a:pPr>
+            <a:r>
+              <a:rPr lang="el-GR" sz="1400" dirty="0"/>
+              <a:t>Τρέξιμο με απλή επαφή μπάλας</a:t>
+            </a:r>
+          </a:p>
+          <a:p>
+            <a:pPr marL="171450" indent="-171450">
+              <a:buFont typeface="Wingdings" panose="05000000000000000000" pitchFamily="2" charset="2"/>
+              <a:buChar char="Ø"/>
+            </a:pPr>
+            <a:r>
+              <a:rPr lang="el-GR" sz="1400" dirty="0"/>
+              <a:t>Τρέξιμο με πάσες</a:t>
+            </a:r>
+          </a:p>
+          <a:p>
+            <a:pPr marL="171450" indent="-171450">
+              <a:buFont typeface="Wingdings" panose="05000000000000000000" pitchFamily="2" charset="2"/>
+              <a:buChar char="Ø"/>
+            </a:pPr>
+            <a:r>
+              <a:rPr lang="el-GR" sz="1400" dirty="0"/>
+              <a:t>Τρέξιμο με εκτέλεση </a:t>
+            </a:r>
+            <a:r>
+              <a:rPr lang="en-US" sz="1400" dirty="0"/>
+              <a:t>shoot</a:t>
+            </a:r>
+            <a:r>
+              <a:rPr lang="el-GR" sz="1400" dirty="0"/>
+              <a:t>.</a:t>
+            </a:r>
+            <a:endParaRPr lang="en-US" sz="1400" dirty="0"/>
+          </a:p>
+        </p:txBody>
+      </p:sp>
+      <p:sp>
+        <p:nvSpPr>
+          <p:cNvPr id="4" name="Content Placeholder 2">
+            <a:extLst>
+              <a:ext uri="{FF2B5EF4-FFF2-40B4-BE49-F238E27FC236}">
+                <a16:creationId xmlns:a16="http://schemas.microsoft.com/office/drawing/2014/main" id="{0226E4E3-4CC9-4DB0-8972-93DF81B3BCE8}"/>
+              </a:ext>
+            </a:extLst>
+          </p:cNvPr>
+          <p:cNvSpPr txBox="1">
+            <a:spLocks/>
+          </p:cNvSpPr>
+          <p:nvPr/>
+        </p:nvSpPr>
+        <p:spPr>
+          <a:xfrm>
+            <a:off x="539495" y="4331643"/>
+            <a:ext cx="11151761" cy="1416014"/>
+          </a:xfrm>
+          <a:prstGeom prst="rect">
+            <a:avLst/>
+          </a:prstGeom>
+        </p:spPr>
+        <p:txBody>
+          <a:bodyPr vert="horz" lIns="91440" tIns="45720" rIns="91440" bIns="45720" rtlCol="0">
+            <a:normAutofit fontScale="92500" lnSpcReduction="20000"/>
+          </a:bodyPr>
+          <a:lstStyle>
+            <a:lvl1pPr marL="0" indent="0" algn="l" defTabSz="914400" rtl="0" eaLnBrk="1" latinLnBrk="0" hangingPunct="1">
+              <a:lnSpc>
+                <a:spcPct val="150000"/>
+              </a:lnSpc>
+              <a:spcBef>
+                <a:spcPts val="1000"/>
+              </a:spcBef>
+              <a:spcAft>
+                <a:spcPts val="1200"/>
+              </a:spcAft>
+              <a:buFontTx/>
+              <a:buNone/>
+              <a:defRPr lang="en-US" sz="1200" kern="1200" smtClean="0">
+                <a:solidFill>
+                  <a:schemeClr val="tx1">
+                    <a:lumMod val="75000"/>
+                    <a:lumOff val="25000"/>
+                  </a:schemeClr>
+                </a:solidFill>
+                <a:latin typeface="+mn-lt"/>
+                <a:ea typeface="+mn-ea"/>
+                <a:cs typeface="+mn-cs"/>
+              </a:defRPr>
+            </a:lvl1pPr>
+            <a:lvl2pPr marL="228600" indent="-228600" algn="l" defTabSz="914400" rtl="0" eaLnBrk="1" latinLnBrk="0" hangingPunct="1">
+              <a:lnSpc>
+                <a:spcPct val="150000"/>
+              </a:lnSpc>
+              <a:spcBef>
+                <a:spcPts val="1000"/>
+              </a:spcBef>
+              <a:spcAft>
+                <a:spcPts val="1200"/>
+              </a:spcAft>
+              <a:buFont typeface="Arial" panose="020B0604020202020204" pitchFamily="34" charset="0"/>
+              <a:buChar char="•"/>
+              <a:defRPr lang="en-US" sz="1200" kern="1200" smtClean="0">
+                <a:solidFill>
+                  <a:schemeClr val="tx1">
+                    <a:lumMod val="75000"/>
+                    <a:lumOff val="25000"/>
+                  </a:schemeClr>
+                </a:solidFill>
+                <a:latin typeface="+mn-lt"/>
+                <a:ea typeface="+mn-ea"/>
+                <a:cs typeface="+mn-cs"/>
+              </a:defRPr>
+            </a:lvl2pPr>
+            <a:lvl3pPr marL="685800" indent="-228600" algn="l" defTabSz="914400" rtl="0" eaLnBrk="1" latinLnBrk="0" hangingPunct="1">
+              <a:lnSpc>
+                <a:spcPct val="150000"/>
+              </a:lnSpc>
+              <a:spcBef>
+                <a:spcPts val="1000"/>
+              </a:spcBef>
+              <a:spcAft>
+                <a:spcPts val="1200"/>
+              </a:spcAft>
+              <a:buFont typeface="Arial" panose="020B0604020202020204" pitchFamily="34" charset="0"/>
+              <a:buChar char="•"/>
+              <a:defRPr lang="en-US" sz="1200" kern="1200" smtClean="0">
+                <a:solidFill>
+                  <a:schemeClr val="tx1">
+                    <a:lumMod val="75000"/>
+                    <a:lumOff val="25000"/>
+                  </a:schemeClr>
+                </a:solidFill>
+                <a:latin typeface="+mn-lt"/>
+                <a:ea typeface="+mn-ea"/>
+                <a:cs typeface="+mn-cs"/>
+              </a:defRPr>
+            </a:lvl3pPr>
+            <a:lvl4pPr marL="1143000" indent="-228600" algn="l" defTabSz="914400" rtl="0" eaLnBrk="1" latinLnBrk="0" hangingPunct="1">
+              <a:lnSpc>
+                <a:spcPct val="150000"/>
+              </a:lnSpc>
+              <a:spcBef>
+                <a:spcPts val="1000"/>
+              </a:spcBef>
+              <a:spcAft>
+                <a:spcPts val="1200"/>
+              </a:spcAft>
+              <a:buFont typeface="Arial" panose="020B0604020202020204" pitchFamily="34" charset="0"/>
+              <a:buChar char="•"/>
+              <a:defRPr lang="en-US" sz="1200" kern="1200" smtClean="0">
+                <a:solidFill>
+                  <a:schemeClr val="tx1">
+                    <a:lumMod val="75000"/>
+                    <a:lumOff val="25000"/>
+                  </a:schemeClr>
+                </a:solidFill>
+                <a:latin typeface="+mn-lt"/>
+                <a:ea typeface="+mn-ea"/>
+                <a:cs typeface="+mn-cs"/>
+              </a:defRPr>
+            </a:lvl4pPr>
+            <a:lvl5pPr marL="1600200" indent="-228600" algn="l" defTabSz="914400" rtl="0" eaLnBrk="1" latinLnBrk="0" hangingPunct="1">
+              <a:lnSpc>
+                <a:spcPct val="150000"/>
+              </a:lnSpc>
+              <a:spcBef>
+                <a:spcPts val="1000"/>
+              </a:spcBef>
+              <a:spcAft>
+                <a:spcPts val="1200"/>
+              </a:spcAft>
+              <a:buFont typeface="Arial" panose="020B0604020202020204" pitchFamily="34" charset="0"/>
+              <a:buChar char="•"/>
+              <a:defRPr lang="en-US" sz="1200" kern="1200">
+                <a:solidFill>
+                  <a:schemeClr val="tx1">
+                    <a:lumMod val="75000"/>
+                    <a:lumOff val="25000"/>
+                  </a:schemeClr>
+                </a:solidFill>
+                <a:latin typeface="+mn-lt"/>
+                <a:ea typeface="+mn-ea"/>
+                <a:cs typeface="+mn-cs"/>
+              </a:defRPr>
+            </a:lvl5pPr>
+            <a:lvl6pPr marL="2057400" indent="-228600" algn="l" defTabSz="914400" rtl="0" eaLnBrk="1" latinLnBrk="0" hangingPunct="1">
+              <a:lnSpc>
+                <a:spcPct val="150000"/>
+              </a:lnSpc>
+              <a:spcBef>
+                <a:spcPts val="1000"/>
+              </a:spcBef>
+              <a:spcAft>
+                <a:spcPts val="1200"/>
+              </a:spcAft>
+              <a:buFont typeface="Arial" panose="020B0604020202020204" pitchFamily="34" charset="0"/>
+              <a:buChar char="•"/>
+              <a:defRPr lang="en-US" sz="1200" kern="1200" dirty="0" smtClean="0">
+                <a:solidFill>
+                  <a:schemeClr val="tx1"/>
+                </a:solidFill>
+                <a:latin typeface="+mn-lt"/>
+                <a:ea typeface="+mn-ea"/>
+                <a:cs typeface="+mn-cs"/>
+              </a:defRPr>
+            </a:lvl6pPr>
+            <a:lvl7pPr marL="2514600" indent="-228600" algn="l" defTabSz="914400" rtl="0" eaLnBrk="1" latinLnBrk="0" hangingPunct="1">
+              <a:lnSpc>
+                <a:spcPct val="150000"/>
+              </a:lnSpc>
+              <a:spcBef>
+                <a:spcPts val="1000"/>
+              </a:spcBef>
+              <a:spcAft>
+                <a:spcPts val="1200"/>
+              </a:spcAft>
+              <a:buFont typeface="Arial" panose="020B0604020202020204" pitchFamily="34" charset="0"/>
+              <a:buChar char="•"/>
+              <a:defRPr lang="en-US" sz="1200" kern="1200" dirty="0" smtClean="0">
+                <a:solidFill>
+                  <a:schemeClr val="tx1"/>
+                </a:solidFill>
+                <a:latin typeface="+mn-lt"/>
+                <a:ea typeface="+mn-ea"/>
+                <a:cs typeface="+mn-cs"/>
+              </a:defRPr>
+            </a:lvl7pPr>
+            <a:lvl8pPr marL="2971800" indent="-228600" algn="l" defTabSz="914400" rtl="0" eaLnBrk="1" latinLnBrk="0" hangingPunct="1">
+              <a:lnSpc>
+                <a:spcPct val="150000"/>
+              </a:lnSpc>
+              <a:spcBef>
+                <a:spcPts val="1000"/>
+              </a:spcBef>
+              <a:spcAft>
+                <a:spcPts val="1200"/>
+              </a:spcAft>
+              <a:buFont typeface="Arial" panose="020B0604020202020204" pitchFamily="34" charset="0"/>
+              <a:buChar char="•"/>
+              <a:defRPr lang="en-US" sz="1200" kern="1200" dirty="0" smtClean="0">
+                <a:solidFill>
+                  <a:schemeClr val="tx1"/>
+                </a:solidFill>
+                <a:latin typeface="+mn-lt"/>
+                <a:ea typeface="+mn-ea"/>
+                <a:cs typeface="+mn-cs"/>
+              </a:defRPr>
+            </a:lvl8pPr>
+            <a:lvl9pPr marL="3429000" indent="-228600" algn="l" defTabSz="914400" rtl="0" eaLnBrk="1" latinLnBrk="0" hangingPunct="1">
+              <a:lnSpc>
+                <a:spcPct val="90000"/>
+              </a:lnSpc>
+              <a:spcBef>
+                <a:spcPct val="30000"/>
+              </a:spcBef>
+              <a:buFont typeface="Arial" panose="020B0604020202020204" pitchFamily="34" charset="0"/>
+              <a:buNone/>
+              <a:defRPr sz="1200" kern="1200">
+                <a:solidFill>
+                  <a:schemeClr val="tx1"/>
+                </a:solidFill>
+                <a:latin typeface="+mn-lt"/>
+                <a:ea typeface="+mn-ea"/>
+                <a:cs typeface="+mn-cs"/>
+              </a:defRPr>
+            </a:lvl9pPr>
+          </a:lstStyle>
+          <a:p>
+            <a:r>
+              <a:rPr lang="el-GR" sz="1400" dirty="0"/>
+              <a:t>Μετά από τον καθορισμό κατωφλιού, για τον καθαρισμό τον δεδομένων υπήρξε η δυνατότητα στο να εντοπισθούν ετικέτες για κάθε ένα «σημείο» που υπήρχε στα δεδομένα. </a:t>
+            </a:r>
+          </a:p>
+          <a:p>
+            <a:r>
+              <a:rPr lang="el-GR" sz="1400" dirty="0"/>
+              <a:t>Ως </a:t>
+            </a:r>
+            <a:r>
+              <a:rPr lang="en-US" sz="1400" dirty="0"/>
+              <a:t>testing set</a:t>
+            </a:r>
+            <a:r>
+              <a:rPr lang="el-GR" sz="1400" dirty="0"/>
+              <a:t> για την συγκεκριμένη υλοποίηση, χρησιμοποιήθηκε ένα αρχείο, κατά το οποίο ο παίκτης είχε 10 ακριβώς επαφές με την μπάλα. Τα αποτελέσματα του αλγορίθμου, εντόπισαν τις 9!</a:t>
+            </a:r>
+            <a:r>
+              <a:rPr lang="en-US" sz="1400" dirty="0"/>
+              <a:t> </a:t>
+            </a:r>
+            <a:r>
+              <a:rPr lang="el-GR" sz="1400" dirty="0"/>
+              <a:t>Με 90% επιτυχία λοιπόν, ολοκληρώθηκε αυτή η εφαρμογή.</a:t>
+            </a:r>
           </a:p>
         </p:txBody>
       </p:sp>
@@ -12276,7 +12612,7 @@
           <a:effectLst/>
           <a:extLst>
             <a:ext uri="{C572A759-6A51-4108-AA02-DFA0A04FC94B}">
-              <ma14:wrappingTextBoxFlag xmlns="" xmlns:ma14="http://schemas.microsoft.com/office/mac/drawingml/2011/main"/>
+              <ma14:wrappingTextBoxFlag xmlns:ma14="http://schemas.microsoft.com/office/mac/drawingml/2011/main" xmlns=""/>
             </a:ext>
           </a:extLst>
         </p:spPr>

--- a/machine-learning-12-13.pptx
+++ b/machine-learning-12-13.pptx
@@ -7806,8 +7806,8 @@
         </p:nvSpPr>
         <p:spPr>
           <a:xfrm>
-            <a:off x="552776" y="1440180"/>
-            <a:ext cx="11086447" cy="3977640"/>
+            <a:off x="552776" y="1440179"/>
+            <a:ext cx="11086447" cy="4969765"/>
           </a:xfrm>
         </p:spPr>
         <p:txBody>
@@ -7817,6 +7817,9 @@
           <a:lstStyle/>
           <a:p>
             <a:pPr marL="171450" indent="-171450">
+              <a:lnSpc>
+                <a:spcPct val="100000"/>
+              </a:lnSpc>
               <a:buFont typeface="Wingdings" panose="05000000000000000000" pitchFamily="2" charset="2"/>
               <a:buChar char="Ø"/>
             </a:pPr>
@@ -7838,11 +7841,96 @@
             </a:r>
             <a:r>
               <a:rPr lang="el-GR" sz="1400" dirty="0"/>
-              <a:t>για πρόβλεψη αποτελεσμάτων </a:t>
-            </a:r>
-            <a:r>
-              <a:rPr lang="el-GR" sz="1400"/>
-              <a:t>σε ποδοσφαιρικούς</a:t>
+              <a:t>για πρόβλεψη αποτελεσμάτων σε ποδοσφαιρικούς</a:t>
+            </a:r>
+            <a:r>
+              <a:rPr lang="en-US" sz="1400" dirty="0"/>
+              <a:t> </a:t>
+            </a:r>
+            <a:r>
+              <a:rPr lang="el-GR" sz="1400" dirty="0"/>
+              <a:t>αγώνες τη αγγλικής ομάδας Τοτεναμ, χρησιμοποιώντας δεδομένα για την περίοδο 1995-1997.</a:t>
+            </a:r>
+          </a:p>
+          <a:p>
+            <a:pPr marL="171450" indent="-171450">
+              <a:lnSpc>
+                <a:spcPct val="100000"/>
+              </a:lnSpc>
+              <a:buFont typeface="Wingdings" panose="05000000000000000000" pitchFamily="2" charset="2"/>
+              <a:buChar char="Ø"/>
+            </a:pPr>
+            <a:r>
+              <a:rPr lang="el-GR" sz="1400" dirty="0"/>
+              <a:t>Οι τεχνικές που χρησιμοποιήθηκαν είναι οι εξής:</a:t>
+            </a:r>
+          </a:p>
+          <a:p>
+            <a:pPr marL="514350" lvl="1" indent="-285750">
+              <a:lnSpc>
+                <a:spcPct val="100000"/>
+              </a:lnSpc>
+            </a:pPr>
+            <a:r>
+              <a:rPr lang="en-US" sz="1400" dirty="0"/>
+              <a:t>Expert Bayes Network</a:t>
+            </a:r>
+          </a:p>
+          <a:p>
+            <a:pPr marL="514350" lvl="1" indent="-285750">
+              <a:lnSpc>
+                <a:spcPct val="100000"/>
+              </a:lnSpc>
+            </a:pPr>
+            <a:r>
+              <a:rPr lang="en-US" sz="1400" dirty="0"/>
+              <a:t>MC4 Decision Tree</a:t>
+            </a:r>
+          </a:p>
+          <a:p>
+            <a:pPr marL="514350" lvl="1" indent="-285750">
+              <a:lnSpc>
+                <a:spcPct val="100000"/>
+              </a:lnSpc>
+            </a:pPr>
+            <a:r>
+              <a:rPr lang="en-US" sz="1400" dirty="0"/>
+              <a:t>Naive Bayes</a:t>
+            </a:r>
+          </a:p>
+          <a:p>
+            <a:pPr marL="514350" lvl="1" indent="-285750">
+              <a:lnSpc>
+                <a:spcPct val="100000"/>
+              </a:lnSpc>
+            </a:pPr>
+            <a:r>
+              <a:rPr lang="en-US" sz="1400" dirty="0"/>
+              <a:t>Data Driven Bayes</a:t>
+            </a:r>
+          </a:p>
+          <a:p>
+            <a:pPr marL="514350" lvl="1" indent="-285750">
+              <a:lnSpc>
+                <a:spcPct val="100000"/>
+              </a:lnSpc>
+            </a:pPr>
+            <a:r>
+              <a:rPr lang="en-US" sz="1400" dirty="0"/>
+              <a:t>K-nearest Neighbors</a:t>
+            </a:r>
+          </a:p>
+          <a:p>
+            <a:pPr marL="171450" indent="-171450">
+              <a:lnSpc>
+                <a:spcPct val="100000"/>
+              </a:lnSpc>
+              <a:buFont typeface="Wingdings" panose="05000000000000000000" pitchFamily="2" charset="2"/>
+              <a:buChar char="Ø"/>
+            </a:pPr>
+            <a:r>
+              <a:rPr lang="el-GR" sz="1400" dirty="0"/>
+              <a:t>Τα αποτελέσματα που εξήχθησαν από τον κάθε αλγόριθμο τέθηκαν σε σύγκριση, ώστε να εντοπιστούν οι διαφοροποιήσεις όσον αφορά </a:t>
             </a:r>
             <a:endParaRPr lang="en-US" sz="1400" dirty="0"/>
           </a:p>
@@ -12276,7 +12364,7 @@
           <a:effectLst/>
           <a:extLst>
             <a:ext uri="{C572A759-6A51-4108-AA02-DFA0A04FC94B}">
-              <ma14:wrappingTextBoxFlag xmlns="" xmlns:ma14="http://schemas.microsoft.com/office/mac/drawingml/2011/main"/>
+              <ma14:wrappingTextBoxFlag xmlns:ma14="http://schemas.microsoft.com/office/mac/drawingml/2011/main" xmlns=""/>
             </a:ext>
           </a:extLst>
         </p:spPr>

--- a/machine-learning-12-13.pptx
+++ b/machine-learning-12-13.pptx
@@ -266,7 +266,7 @@
             <a:pPr rtl="0"/>
             <a:fld id="{60A3599D-F7E3-4649-B859-D4940257D38C}" type="datetime1">
               <a:rPr lang="el-GR" smtClean="0"/>
-              <a:t>2/12/2018</a:t>
+              <a:t>4/12/2018</a:t>
             </a:fld>
             <a:endParaRPr lang="el-GR" dirty="0"/>
           </a:p>
@@ -436,7 +436,7 @@
             <a:pPr rtl="0"/>
             <a:fld id="{B3D094AE-4861-4AAD-8067-7B835847F302}" type="datetime1">
               <a:rPr lang="el-GR" noProof="0" smtClean="0"/>
-              <a:t>2/12/2018</a:t>
+              <a:t>4/12/2018</a:t>
             </a:fld>
             <a:endParaRPr lang="el-GR" noProof="0" dirty="0"/>
           </a:p>
@@ -1928,7 +1928,7 @@
             <a:pPr rtl="0"/>
             <a:fld id="{368E473F-9E20-4236-857A-0F18234A7730}" type="datetime1">
               <a:rPr lang="el-GR" noProof="0" smtClean="0"/>
-              <a:t>2/12/2018</a:t>
+              <a:t>4/12/2018</a:t>
             </a:fld>
             <a:endParaRPr lang="el-GR" noProof="0" dirty="0"/>
           </a:p>
@@ -2592,7 +2592,7 @@
             <a:pPr rtl="0"/>
             <a:fld id="{577B7329-A8D8-42EA-B94C-D5FD42F8F744}" type="datetime1">
               <a:rPr lang="el-GR" smtClean="0"/>
-              <a:t>2/12/2018</a:t>
+              <a:t>4/12/2018</a:t>
             </a:fld>
             <a:endParaRPr lang="el-GR" dirty="0"/>
           </a:p>
@@ -3245,8 +3245,8 @@
         </p:nvSpPr>
         <p:spPr>
           <a:xfrm>
-            <a:off x="541609" y="1296100"/>
-            <a:ext cx="6093106" cy="1236475"/>
+            <a:off x="623380" y="1976107"/>
+            <a:ext cx="6093106" cy="2905786"/>
           </a:xfrm>
           <a:prstGeom prst="rect">
             <a:avLst/>
@@ -3458,179 +3458,16 @@
               <a:buNone/>
             </a:pPr>
             <a:r>
-              <a:rPr lang="el-GR" dirty="0">
-                <a:latin typeface="Segoe UI" panose="020B0502040204020203" pitchFamily="34" charset="0"/>
-                <a:cs typeface="Segoe UI" panose="020B0502040204020203" pitchFamily="34" charset="0"/>
-              </a:rPr>
-              <a:t>Η Έξυπνη αναζήτηση φέρνει την έρευνα απευθείας στο PowerPoint.</a:t>
-            </a:r>
-            <a:br>
-              <a:rPr lang="el-GR" dirty="0">
-                <a:latin typeface="Segoe UI" panose="020B0502040204020203" pitchFamily="34" charset="0"/>
-                <a:cs typeface="Segoe UI" panose="020B0502040204020203" pitchFamily="34" charset="0"/>
-              </a:rPr>
-            </a:br>
-            <a:br>
-              <a:rPr lang="el-GR" dirty="0">
-                <a:latin typeface="Segoe UI" panose="020B0502040204020203" pitchFamily="34" charset="0"/>
-                <a:cs typeface="Segoe UI" panose="020B0502040204020203" pitchFamily="34" charset="0"/>
-              </a:rPr>
-            </a:br>
-            <a:r>
-              <a:rPr lang="el-GR" dirty="0">
-                <a:latin typeface="Segoe UI" panose="020B0502040204020203" pitchFamily="34" charset="0"/>
-                <a:cs typeface="Segoe UI" panose="020B0502040204020203" pitchFamily="34" charset="0"/>
-              </a:rPr>
-              <a:t>Δοκιμάστε το</a:t>
-            </a:r>
-            <a:r>
-              <a:rPr lang="en-US" dirty="0">
-                <a:latin typeface="Segoe UI" panose="020B0502040204020203" pitchFamily="34" charset="0"/>
-                <a:cs typeface="Segoe UI" panose="020B0502040204020203" pitchFamily="34" charset="0"/>
-              </a:rPr>
-              <a:t> </a:t>
-            </a:r>
-            <a:r>
               <a:rPr lang="el-GR" dirty="0"/>
-              <a:t>(παράδειγμα στα Αγγλικά)</a:t>
-            </a:r>
-            <a:r>
-              <a:rPr lang="el-GR" dirty="0">
-                <a:latin typeface="Segoe UI" panose="020B0502040204020203" pitchFamily="34" charset="0"/>
-                <a:cs typeface="Segoe UI" panose="020B0502040204020203" pitchFamily="34" charset="0"/>
-              </a:rPr>
-              <a:t>:</a:t>
-            </a:r>
+              <a:t>Χρησιμοποιώντας την μηχανική μάθηση, ταξινομήθηκαν οι παίκτες του NBA με τα στατιστικά χαρακτηριστικά τους σε φυσικά clusters που ταιριάζουν καλύτερα με τα σύνολα δεξιοτήτων τους. Από τα clusters που έχουν κατασκευασθεί, οι αλγόριθμοι εντοπίζουν ποια χαρακτηριστικά είναι πιο σημαντικά για έναν παίκτη και τα ομαδοποιούν με τέτοιο τρόπο ώστε να είναι εύκολα ερμηνεύσιμα και εγγενώς κατανοητά από τους παίκτες, τους προπονητές και τους οπαδούς.</a:t>
+            </a:r>
+            <a:endParaRPr lang="el-GR" dirty="0">
+              <a:latin typeface="Segoe UI" panose="020B0502040204020203" pitchFamily="34" charset="0"/>
+              <a:cs typeface="Segoe UI" panose="020B0502040204020203" pitchFamily="34" charset="0"/>
+            </a:endParaRPr>
           </a:p>
         </p:txBody>
       </p:sp>
-      <p:pic>
-        <p:nvPicPr>
-          <p:cNvPr id="18" name="Εικόνα 17"/>
-          <p:cNvPicPr>
-            <a:picLocks noChangeAspect="1"/>
-          </p:cNvPicPr>
-          <p:nvPr/>
-        </p:nvPicPr>
-        <p:blipFill>
-          <a:blip r:embed="rId3">
-            <a:extLst>
-              <a:ext uri="{28A0092B-C50C-407E-A947-70E740481C1C}">
-                <a14:useLocalDpi xmlns:a14="http://schemas.microsoft.com/office/drawing/2010/main" val="0"/>
-              </a:ext>
-            </a:extLst>
-          </a:blip>
-          <a:stretch>
-            <a:fillRect/>
-          </a:stretch>
-        </p:blipFill>
-        <p:spPr>
-          <a:xfrm>
-            <a:off x="494408" y="2146704"/>
-            <a:ext cx="11129521" cy="3193794"/>
-          </a:xfrm>
-          <a:prstGeom prst="rect">
-            <a:avLst/>
-          </a:prstGeom>
-        </p:spPr>
-      </p:pic>
-      <p:grpSp>
-        <p:nvGrpSpPr>
-          <p:cNvPr id="33" name="Ομάδα 32" descr="Μικρός κύκλος με τον αριθμό 1 που υποδεικνύει το βήμα 1"/>
-          <p:cNvGrpSpPr/>
-          <p:nvPr/>
-        </p:nvGrpSpPr>
-        <p:grpSpPr bwMode="blackWhite">
-          <a:xfrm>
-            <a:off x="558723" y="5233381"/>
-            <a:ext cx="558179" cy="409838"/>
-            <a:chOff x="6953426" y="711274"/>
-            <a:chExt cx="558179" cy="409838"/>
-          </a:xfrm>
-        </p:grpSpPr>
-        <p:sp>
-          <p:nvSpPr>
-            <p:cNvPr id="34" name="Έλλειψη 33" descr="Μικρός κύκλος"/>
-            <p:cNvSpPr/>
-            <p:nvPr/>
-          </p:nvSpPr>
-          <p:spPr bwMode="blackWhite">
-            <a:xfrm>
-              <a:off x="7025069" y="711274"/>
-              <a:ext cx="409838" cy="409838"/>
-            </a:xfrm>
-            <a:prstGeom prst="ellipse">
-              <a:avLst/>
-            </a:prstGeom>
-            <a:solidFill>
-              <a:srgbClr val="D24726"/>
-            </a:solidFill>
-            <a:ln>
-              <a:noFill/>
-            </a:ln>
-          </p:spPr>
-          <p:style>
-            <a:lnRef idx="2">
-              <a:schemeClr val="accent1">
-                <a:shade val="50000"/>
-              </a:schemeClr>
-            </a:lnRef>
-            <a:fillRef idx="1">
-              <a:schemeClr val="accent1"/>
-            </a:fillRef>
-            <a:effectRef idx="0">
-              <a:schemeClr val="accent1"/>
-            </a:effectRef>
-            <a:fontRef idx="minor">
-              <a:schemeClr val="lt1"/>
-            </a:fontRef>
-          </p:style>
-          <p:txBody>
-            <a:bodyPr rtlCol="0" anchor="ctr"/>
-            <a:lstStyle/>
-            <a:p>
-              <a:pPr algn="ctr" rtl="0"/>
-              <a:endParaRPr lang="el-GR" dirty="0"/>
-            </a:p>
-          </p:txBody>
-        </p:sp>
-        <p:sp>
-          <p:nvSpPr>
-            <p:cNvPr id="35" name="Πλαίσιο κειμένου 34" descr="Αριθμός 1"/>
-            <p:cNvSpPr txBox="1"/>
-            <p:nvPr/>
-          </p:nvSpPr>
-          <p:spPr bwMode="blackWhite">
-            <a:xfrm>
-              <a:off x="6953426" y="727564"/>
-              <a:ext cx="558179" cy="369332"/>
-            </a:xfrm>
-            <a:prstGeom prst="rect">
-              <a:avLst/>
-            </a:prstGeom>
-            <a:noFill/>
-          </p:spPr>
-          <p:txBody>
-            <a:bodyPr wrap="square" rtlCol="0">
-              <a:spAutoFit/>
-            </a:bodyPr>
-            <a:lstStyle/>
-            <a:p>
-              <a:pPr algn="ctr" rtl="0"/>
-              <a:r>
-                <a:rPr lang="el-GR" dirty="0">
-                  <a:solidFill>
-                    <a:schemeClr val="bg1"/>
-                  </a:solidFill>
-                  <a:latin typeface="Segoe UI Semibold" panose="020B0702040204020203" pitchFamily="34" charset="0"/>
-                  <a:cs typeface="Segoe UI Semibold" panose="020B0702040204020203" pitchFamily="34" charset="0"/>
-                </a:rPr>
-                <a:t>1</a:t>
-              </a:r>
-            </a:p>
-          </p:txBody>
-        </p:sp>
-      </p:grpSp>
       <p:sp>
         <p:nvSpPr>
           <p:cNvPr id="42" name="Θέση περιεχομένου 17"/>
@@ -3853,65 +3690,6 @@
               </a:spcAft>
               <a:buNone/>
             </a:pPr>
-            <a:r>
-              <a:rPr lang="el-GR" dirty="0">
-                <a:solidFill>
-                  <a:prstClr val="black">
-                    <a:lumMod val="75000"/>
-                    <a:lumOff val="25000"/>
-                  </a:prstClr>
-                </a:solidFill>
-                <a:latin typeface="Segoe UI" panose="020B0502040204020203" pitchFamily="34" charset="0"/>
-                <a:cs typeface="Segoe UI" panose="020B0502040204020203" pitchFamily="34" charset="0"/>
-              </a:rPr>
-              <a:t>Κάντε δεξί κλικ στη λέξη </a:t>
-            </a:r>
-            <a:r>
-              <a:rPr lang="en-US" i="1" dirty="0">
-                <a:solidFill>
-                  <a:srgbClr val="D24726"/>
-                </a:solidFill>
-                <a:latin typeface="Segoe UI" panose="020B0502040204020203" pitchFamily="34" charset="0"/>
-                <a:cs typeface="Segoe UI" panose="020B0502040204020203" pitchFamily="34" charset="0"/>
-              </a:rPr>
-              <a:t>office</a:t>
-            </a:r>
-            <a:r>
-              <a:rPr lang="el-GR" i="1" dirty="0">
-                <a:solidFill>
-                  <a:srgbClr val="D24726"/>
-                </a:solidFill>
-                <a:latin typeface="Segoe UI" panose="020B0502040204020203" pitchFamily="34" charset="0"/>
-                <a:cs typeface="Segoe UI" panose="020B0502040204020203" pitchFamily="34" charset="0"/>
-              </a:rPr>
-              <a:t> </a:t>
-            </a:r>
-            <a:r>
-              <a:rPr lang="el-GR" dirty="0">
-                <a:solidFill>
-                  <a:prstClr val="black">
-                    <a:lumMod val="75000"/>
-                    <a:lumOff val="25000"/>
-                  </a:prstClr>
-                </a:solidFill>
-                <a:latin typeface="Segoe UI" panose="020B0502040204020203" pitchFamily="34" charset="0"/>
-                <a:cs typeface="Segoe UI" panose="020B0502040204020203" pitchFamily="34" charset="0"/>
-              </a:rPr>
-              <a:t>στην ακόλουθη φράση: </a:t>
-            </a:r>
-            <a:r>
-              <a:rPr lang="en-US" sz="1800" dirty="0">
-                <a:solidFill>
-                  <a:prstClr val="black">
-                    <a:lumMod val="75000"/>
-                    <a:lumOff val="25000"/>
-                  </a:prstClr>
-                </a:solidFill>
-                <a:latin typeface="Segoe UI" panose="020B0502040204020203" pitchFamily="34" charset="0"/>
-                <a:cs typeface="Segoe UI" panose="020B0502040204020203" pitchFamily="34" charset="0"/>
-              </a:rPr>
-              <a:t>office furniture</a:t>
-            </a:r>
             <a:endParaRPr lang="el-GR" sz="1800" dirty="0">
               <a:solidFill>
                 <a:prstClr val="black">
@@ -3925,103 +3703,6 @@
           </a:p>
         </p:txBody>
       </p:sp>
-      <p:grpSp>
-        <p:nvGrpSpPr>
-          <p:cNvPr id="36" name="Ομάδα 35" descr="Μικρός κύκλος με τον αριθμό 2 που υποδεικνύει το βήμα 2"/>
-          <p:cNvGrpSpPr/>
-          <p:nvPr/>
-        </p:nvGrpSpPr>
-        <p:grpSpPr bwMode="blackWhite">
-          <a:xfrm>
-            <a:off x="4249102" y="5233381"/>
-            <a:ext cx="558179" cy="409838"/>
-            <a:chOff x="6953426" y="711274"/>
-            <a:chExt cx="558179" cy="409838"/>
-          </a:xfrm>
-        </p:grpSpPr>
-        <p:sp>
-          <p:nvSpPr>
-            <p:cNvPr id="37" name="Έλλειψη 36" descr="Μικρός κύκλος"/>
-            <p:cNvSpPr/>
-            <p:nvPr/>
-          </p:nvSpPr>
-          <p:spPr bwMode="blackWhite">
-            <a:xfrm>
-              <a:off x="7025069" y="711274"/>
-              <a:ext cx="409838" cy="409838"/>
-            </a:xfrm>
-            <a:prstGeom prst="ellipse">
-              <a:avLst/>
-            </a:prstGeom>
-            <a:solidFill>
-              <a:srgbClr val="D24726"/>
-            </a:solidFill>
-            <a:ln>
-              <a:noFill/>
-            </a:ln>
-          </p:spPr>
-          <p:style>
-            <a:lnRef idx="2">
-              <a:schemeClr val="accent1">
-                <a:shade val="50000"/>
-              </a:schemeClr>
-            </a:lnRef>
-            <a:fillRef idx="1">
-              <a:schemeClr val="accent1"/>
-            </a:fillRef>
-            <a:effectRef idx="0">
-              <a:schemeClr val="accent1"/>
-            </a:effectRef>
-            <a:fontRef idx="minor">
-              <a:schemeClr val="lt1"/>
-            </a:fontRef>
-          </p:style>
-          <p:txBody>
-            <a:bodyPr rtlCol="0" anchor="ctr"/>
-            <a:lstStyle/>
-            <a:p>
-              <a:pPr algn="ctr" rtl="0"/>
-              <a:endParaRPr lang="el-GR" dirty="0"/>
-            </a:p>
-          </p:txBody>
-        </p:sp>
-        <p:sp>
-          <p:nvSpPr>
-            <p:cNvPr id="38" name="Πλαίσιο κειμένου 37" descr="Αριθμός 2"/>
-            <p:cNvSpPr txBox="1"/>
-            <p:nvPr/>
-          </p:nvSpPr>
-          <p:spPr bwMode="blackWhite">
-            <a:xfrm>
-              <a:off x="6953426" y="727564"/>
-              <a:ext cx="558179" cy="369332"/>
-            </a:xfrm>
-            <a:prstGeom prst="rect">
-              <a:avLst/>
-            </a:prstGeom>
-            <a:noFill/>
-          </p:spPr>
-          <p:txBody>
-            <a:bodyPr wrap="square" rtlCol="0">
-              <a:spAutoFit/>
-            </a:bodyPr>
-            <a:lstStyle/>
-            <a:p>
-              <a:pPr algn="ctr" rtl="0"/>
-              <a:r>
-                <a:rPr lang="el-GR" dirty="0">
-                  <a:solidFill>
-                    <a:schemeClr val="bg1"/>
-                  </a:solidFill>
-                  <a:latin typeface="Segoe UI Semibold" panose="020B0702040204020203" pitchFamily="34" charset="0"/>
-                  <a:cs typeface="Segoe UI Semibold" panose="020B0702040204020203" pitchFamily="34" charset="0"/>
-                </a:rPr>
-                <a:t>2</a:t>
-              </a:r>
-            </a:p>
-          </p:txBody>
-        </p:sp>
-      </p:grpSp>
       <p:sp>
         <p:nvSpPr>
           <p:cNvPr id="43" name="Θέση περιεχομένου 17"/>
@@ -4032,7 +3713,7 @@
         </p:nvSpPr>
         <p:spPr>
           <a:xfrm>
-            <a:off x="4747855" y="5273573"/>
+            <a:off x="4654504" y="5260745"/>
             <a:ext cx="3106367" cy="1324053"/>
           </a:xfrm>
           <a:prstGeom prst="rect">
@@ -4244,72 +3925,6 @@
               </a:spcAft>
               <a:buNone/>
             </a:pPr>
-            <a:r>
-              <a:rPr lang="el-GR" dirty="0">
-                <a:solidFill>
-                  <a:prstClr val="black">
-                    <a:lumMod val="75000"/>
-                    <a:lumOff val="25000"/>
-                  </a:prstClr>
-                </a:solidFill>
-                <a:latin typeface="Segoe UI" panose="020B0502040204020203" pitchFamily="34" charset="0"/>
-                <a:cs typeface="Segoe UI" panose="020B0502040204020203" pitchFamily="34" charset="0"/>
-              </a:rPr>
-              <a:t>Επιλέξτε </a:t>
-            </a:r>
-            <a:r>
-              <a:rPr lang="el-GR" dirty="0">
-                <a:solidFill>
-                  <a:srgbClr val="D24726"/>
-                </a:solidFill>
-                <a:latin typeface="Segoe UI Semibold" panose="020B0702040204020203" pitchFamily="34" charset="0"/>
-                <a:cs typeface="Segoe UI Semibold" panose="020B0702040204020203" pitchFamily="34" charset="0"/>
-              </a:rPr>
-              <a:t>Έξυπνη</a:t>
-            </a:r>
-            <a:r>
-              <a:rPr lang="el-GR" dirty="0">
-                <a:solidFill>
-                  <a:prstClr val="black">
-                    <a:lumMod val="75000"/>
-                    <a:lumOff val="25000"/>
-                  </a:prstClr>
-                </a:solidFill>
-                <a:cs typeface="Segoe UI"/>
-              </a:rPr>
-              <a:t> </a:t>
-            </a:r>
-            <a:r>
-              <a:rPr lang="el-GR" dirty="0">
-                <a:solidFill>
-                  <a:srgbClr val="D24726"/>
-                </a:solidFill>
-                <a:latin typeface="Segoe UI Semibold" panose="020B0702040204020203" pitchFamily="34" charset="0"/>
-                <a:cs typeface="Segoe UI Semibold" panose="020B0702040204020203" pitchFamily="34" charset="0"/>
-              </a:rPr>
-              <a:t>αναζήτηση</a:t>
-            </a:r>
-            <a:r>
-              <a:rPr lang="el-GR" dirty="0">
-                <a:latin typeface="Segoe UI" panose="020B0502040204020203" pitchFamily="34" charset="0"/>
-                <a:cs typeface="Segoe UI" panose="020B0502040204020203" pitchFamily="34" charset="0"/>
-              </a:rPr>
-              <a:t> και παρατηρήστε ότι τα αποτελέσματα είναι συναφή με αυτή τη φράση, όχι με τις </a:t>
-            </a:r>
-            <a:r>
-              <a:rPr lang="el-GR" sz="1800" dirty="0">
-                <a:latin typeface="Segoe UI" panose="020B0502040204020203" pitchFamily="34" charset="0"/>
-                <a:cs typeface="Segoe UI" panose="020B0502040204020203" pitchFamily="34" charset="0"/>
-              </a:rPr>
-              <a:t>Εφαρμογές του Microsoft Office</a:t>
-            </a:r>
-            <a:r>
-              <a:rPr lang="el-GR" dirty="0">
-                <a:latin typeface="Segoe UI" panose="020B0502040204020203" pitchFamily="34" charset="0"/>
-                <a:cs typeface="Segoe UI" panose="020B0502040204020203" pitchFamily="34" charset="0"/>
-              </a:rPr>
-              <a:t>.</a:t>
-            </a:r>
             <a:endParaRPr lang="el-GR" dirty="0">
               <a:solidFill>
                 <a:srgbClr val="D24726"/>
@@ -4320,103 +3935,6 @@
           </a:p>
         </p:txBody>
       </p:sp>
-      <p:grpSp>
-        <p:nvGrpSpPr>
-          <p:cNvPr id="39" name="Ομάδα 38" descr="Μικρός κύκλος με τον αριθμό 3 που υποδεικνύει το βήμα 3"/>
-          <p:cNvGrpSpPr/>
-          <p:nvPr/>
-        </p:nvGrpSpPr>
-        <p:grpSpPr bwMode="blackWhite">
-          <a:xfrm>
-            <a:off x="7930921" y="5233381"/>
-            <a:ext cx="558179" cy="409838"/>
-            <a:chOff x="6953426" y="711274"/>
-            <a:chExt cx="558179" cy="409838"/>
-          </a:xfrm>
-        </p:grpSpPr>
-        <p:sp>
-          <p:nvSpPr>
-            <p:cNvPr id="40" name="Έλλειψη 39" descr="Μικρός κύκλος"/>
-            <p:cNvSpPr/>
-            <p:nvPr/>
-          </p:nvSpPr>
-          <p:spPr bwMode="blackWhite">
-            <a:xfrm>
-              <a:off x="7025069" y="711274"/>
-              <a:ext cx="409838" cy="409838"/>
-            </a:xfrm>
-            <a:prstGeom prst="ellipse">
-              <a:avLst/>
-            </a:prstGeom>
-            <a:solidFill>
-              <a:srgbClr val="D24726"/>
-            </a:solidFill>
-            <a:ln>
-              <a:noFill/>
-            </a:ln>
-          </p:spPr>
-          <p:style>
-            <a:lnRef idx="2">
-              <a:schemeClr val="accent1">
-                <a:shade val="50000"/>
-              </a:schemeClr>
-            </a:lnRef>
-            <a:fillRef idx="1">
-              <a:schemeClr val="accent1"/>
-            </a:fillRef>
-            <a:effectRef idx="0">
-              <a:schemeClr val="accent1"/>
-            </a:effectRef>
-            <a:fontRef idx="minor">
-              <a:schemeClr val="lt1"/>
-            </a:fontRef>
-          </p:style>
-          <p:txBody>
-            <a:bodyPr rtlCol="0" anchor="ctr"/>
-            <a:lstStyle/>
-            <a:p>
-              <a:pPr algn="ctr" rtl="0"/>
-              <a:endParaRPr lang="el-GR" dirty="0"/>
-            </a:p>
-          </p:txBody>
-        </p:sp>
-        <p:sp>
-          <p:nvSpPr>
-            <p:cNvPr id="41" name="Πλαίσιο κειμένου 40" descr="Αριθμός 3"/>
-            <p:cNvSpPr txBox="1"/>
-            <p:nvPr/>
-          </p:nvSpPr>
-          <p:spPr bwMode="blackWhite">
-            <a:xfrm>
-              <a:off x="6953426" y="727564"/>
-              <a:ext cx="558179" cy="369332"/>
-            </a:xfrm>
-            <a:prstGeom prst="rect">
-              <a:avLst/>
-            </a:prstGeom>
-            <a:noFill/>
-          </p:spPr>
-          <p:txBody>
-            <a:bodyPr wrap="square" rtlCol="0">
-              <a:spAutoFit/>
-            </a:bodyPr>
-            <a:lstStyle/>
-            <a:p>
-              <a:pPr algn="ctr" rtl="0"/>
-              <a:r>
-                <a:rPr lang="el-GR" dirty="0">
-                  <a:solidFill>
-                    <a:schemeClr val="bg1"/>
-                  </a:solidFill>
-                  <a:latin typeface="Segoe UI Semibold" panose="020B0702040204020203" pitchFamily="34" charset="0"/>
-                  <a:cs typeface="Segoe UI Semibold" panose="020B0702040204020203" pitchFamily="34" charset="0"/>
-                </a:rPr>
-                <a:t>3</a:t>
-              </a:r>
-            </a:p>
-          </p:txBody>
-        </p:sp>
-      </p:grpSp>
       <p:sp>
         <p:nvSpPr>
           <p:cNvPr id="44" name="Θέση περιεχομένου 17"/>
@@ -4633,42 +4151,6 @@
             </a:lvl9pPr>
           </a:lstStyle>
           <a:p>
-            <a:pPr marL="0" lvl="0" indent="0" rtl="0">
-              <a:spcAft>
-                <a:spcPts val="2000"/>
-              </a:spcAft>
-              <a:buNone/>
-            </a:pPr>
-            <a:r>
-              <a:rPr lang="el-GR" dirty="0">
-                <a:latin typeface="Segoe UI" panose="020B0502040204020203" pitchFamily="34" charset="0"/>
-                <a:cs typeface="Segoe UI" panose="020B0502040204020203" pitchFamily="34" charset="0"/>
-              </a:rPr>
-              <a:t>Απλώς για διασκέδαση, δοκιμάστε ξανά την Έξυπνη αναζήτηση κάνοντας δεξί κλικ στη λέξη </a:t>
-            </a:r>
-            <a:r>
-              <a:rPr lang="el-GR" i="1" dirty="0">
-                <a:solidFill>
-                  <a:srgbClr val="D24726"/>
-                </a:solidFill>
-                <a:latin typeface="Segoe UI" panose="020B0502040204020203" pitchFamily="34" charset="0"/>
-                <a:cs typeface="Segoe UI" panose="020B0502040204020203" pitchFamily="34" charset="0"/>
-              </a:rPr>
-              <a:t>Office</a:t>
-            </a:r>
-            <a:r>
-              <a:rPr lang="el-GR" dirty="0"/>
-              <a:t> </a:t>
-            </a:r>
-            <a:r>
-              <a:rPr lang="el-GR" dirty="0">
-                <a:latin typeface="Segoe UI" panose="020B0502040204020203" pitchFamily="34" charset="0"/>
-                <a:cs typeface="Segoe UI" panose="020B0502040204020203" pitchFamily="34" charset="0"/>
-              </a:rPr>
-              <a:t>στο βήμα 2.</a:t>
-            </a:r>
-          </a:p>
-          <a:p>
             <a:pPr marL="0" indent="0" rtl="0">
               <a:spcAft>
                 <a:spcPts val="2000"/>
@@ -4686,6 +4168,42 @@
           </a:p>
         </p:txBody>
       </p:sp>
+      <p:pic>
+        <p:nvPicPr>
+          <p:cNvPr id="3" name="Εικόνα 2">
+            <a:extLst>
+              <a:ext uri="{FF2B5EF4-FFF2-40B4-BE49-F238E27FC236}">
+                <a16:creationId xmlns:a16="http://schemas.microsoft.com/office/drawing/2014/main" id="{9A736163-6258-431A-9341-4E0FFE174C94}"/>
+              </a:ext>
+            </a:extLst>
+          </p:cNvPr>
+          <p:cNvPicPr>
+            <a:picLocks noChangeAspect="1"/>
+          </p:cNvPicPr>
+          <p:nvPr/>
+        </p:nvPicPr>
+        <p:blipFill>
+          <a:blip r:embed="rId3">
+            <a:extLst>
+              <a:ext uri="{28A0092B-C50C-407E-A947-70E740481C1C}">
+                <a14:useLocalDpi xmlns:a14="http://schemas.microsoft.com/office/drawing/2010/main" val="0"/>
+              </a:ext>
+            </a:extLst>
+          </a:blip>
+          <a:stretch>
+            <a:fillRect/>
+          </a:stretch>
+        </p:blipFill>
+        <p:spPr>
+          <a:xfrm>
+            <a:off x="6716486" y="1383148"/>
+            <a:ext cx="5236029" cy="5190069"/>
+          </a:xfrm>
+          <a:prstGeom prst="rect">
+            <a:avLst/>
+          </a:prstGeom>
+        </p:spPr>
+      </p:pic>
     </p:spTree>
     <p:extLst>
       <p:ext uri="{BB962C8B-B14F-4D97-AF65-F5344CB8AC3E}">
@@ -4737,7 +4255,7 @@
         <p:spPr>
           <a:xfrm>
             <a:off x="521208" y="968473"/>
-            <a:ext cx="6876288" cy="1207799"/>
+            <a:ext cx="7624288" cy="1207799"/>
           </a:xfrm>
         </p:spPr>
         <p:txBody>
@@ -4752,7 +4270,7 @@
                 <a:latin typeface="Segoe UI Light" panose="020B0502040204020203" pitchFamily="34" charset="0"/>
                 <a:cs typeface="Segoe UI Light" panose="020B0502040204020203" pitchFamily="34" charset="0"/>
               </a:rPr>
-              <a:t>Έχετε περισσότερες ερωτήσεις σχετικά με το PowerPoint;</a:t>
+              <a:t>Ευχαριστούμε για την προσοχή σας.</a:t>
             </a:r>
           </a:p>
         </p:txBody>
@@ -4788,112 +4306,6 @@
               </a:spcAft>
               <a:buNone/>
             </a:pPr>
-            <a:r>
-              <a:rPr lang="el-GR" sz="2000" dirty="0">
-                <a:latin typeface="Segoe UI Light" panose="020B0502040204020203" pitchFamily="34" charset="0"/>
-                <a:cs typeface="Segoe UI Light" panose="020B0502040204020203" pitchFamily="34" charset="0"/>
-              </a:rPr>
-              <a:t>Επιλέξτε το κουμπί </a:t>
-            </a:r>
-            <a:r>
-              <a:rPr lang="el-GR" sz="2000" dirty="0">
-                <a:solidFill>
-                  <a:srgbClr val="D24726"/>
-                </a:solidFill>
-                <a:latin typeface="Segoe UI Semibold" panose="020B0702040204020203" pitchFamily="34" charset="0"/>
-                <a:cs typeface="Segoe UI Semibold" panose="020B0702040204020203" pitchFamily="34" charset="0"/>
-              </a:rPr>
-              <a:t>Πείτε μου                   </a:t>
-            </a:r>
-            <a:r>
-              <a:rPr lang="el-GR" sz="2000" dirty="0">
-                <a:latin typeface="Segoe UI Light" panose="020B0502040204020203" pitchFamily="34" charset="0"/>
-                <a:cs typeface="Segoe UI Light" panose="020B0502040204020203" pitchFamily="34" charset="0"/>
-              </a:rPr>
-              <a:t>και πληκτρολογήστε αυτό που θέλετε να μάθετε.</a:t>
-            </a:r>
-            <a:br>
-              <a:rPr lang="el-GR" sz="2000" dirty="0">
-                <a:latin typeface="Segoe UI Light" panose="020B0502040204020203" pitchFamily="34" charset="0"/>
-                <a:cs typeface="Segoe UI Light" panose="020B0502040204020203" pitchFamily="34" charset="0"/>
-              </a:rPr>
-            </a:br>
-            <a:endParaRPr lang="el-GR" sz="2000" dirty="0">
-              <a:latin typeface="Segoe UI Light" panose="020B0502040204020203" pitchFamily="34" charset="0"/>
-              <a:cs typeface="Segoe UI Light" panose="020B0502040204020203" pitchFamily="34" charset="0"/>
-            </a:endParaRPr>
-          </a:p>
-          <a:p>
-            <a:pPr>
-              <a:lnSpc>
-                <a:spcPts val="3600"/>
-              </a:lnSpc>
-              <a:spcAft>
-                <a:spcPts val="0"/>
-              </a:spcAft>
-            </a:pPr>
-            <a:r>
-              <a:rPr lang="el-GR" sz="1800" dirty="0">
-                <a:latin typeface="Segoe UI Light" panose="020B0502040204020203" pitchFamily="34" charset="0"/>
-                <a:cs typeface="Segoe UI Light" panose="020B0502040204020203" pitchFamily="34" charset="0"/>
-                <a:hlinkClick r:id="rId3" tooltip="Επισκεφθείτε το ιστολόγιο της ομάδας του PowerPoint (μόνο στα Αγγλικά)"/>
-              </a:rPr>
-              <a:t>Επισκεφθείτε το </a:t>
-            </a:r>
-            <a:r>
-              <a:rPr lang="el-GR" sz="1800" dirty="0" err="1">
-                <a:latin typeface="Segoe UI Light" panose="020B0502040204020203" pitchFamily="34" charset="0"/>
-                <a:cs typeface="Segoe UI Light" panose="020B0502040204020203" pitchFamily="34" charset="0"/>
-                <a:hlinkClick r:id="rId3" tooltip="Επισκεφθείτε το ιστολόγιο της ομάδας του PowerPoint (μόνο στα Αγγλικά)"/>
-              </a:rPr>
-              <a:t>ιστολόγιο</a:t>
-            </a:r>
-            <a:r>
-              <a:rPr lang="el-GR" sz="1800" dirty="0">
-                <a:latin typeface="Segoe UI Light" panose="020B0502040204020203" pitchFamily="34" charset="0"/>
-                <a:cs typeface="Segoe UI Light" panose="020B0502040204020203" pitchFamily="34" charset="0"/>
-                <a:hlinkClick r:id="rId3" tooltip="Επισκεφθείτε το ιστολόγιο της ομάδας του PowerPoint (μόνο στα Αγγλικά)"/>
-              </a:rPr>
-              <a:t> της ομάδας του PowerPoint (μόνο στα Αγγλικά)</a:t>
-            </a:r>
-            <a:endParaRPr lang="el-GR" sz="1800" dirty="0">
-              <a:latin typeface="Segoe UI Light" panose="020B0502040204020203" pitchFamily="34" charset="0"/>
-              <a:cs typeface="Segoe UI Light" panose="020B0502040204020203" pitchFamily="34" charset="0"/>
-            </a:endParaRPr>
-          </a:p>
-          <a:p>
-            <a:pPr marL="0" indent="0" rtl="0">
-              <a:lnSpc>
-                <a:spcPts val="3600"/>
-              </a:lnSpc>
-              <a:spcAft>
-                <a:spcPts val="0"/>
-              </a:spcAft>
-              <a:buNone/>
-            </a:pPr>
-            <a:r>
-              <a:rPr lang="el-GR" sz="1800" dirty="0">
-                <a:latin typeface="Segoe UI Light" panose="020B0502040204020203" pitchFamily="34" charset="0"/>
-                <a:cs typeface="Segoe UI Light" panose="020B0502040204020203" pitchFamily="34" charset="0"/>
-                <a:hlinkClick r:id="rId4" tooltip="Μεταβείτε στη δωρεάν εκπαίδευση για το PowerPoint"/>
-              </a:rPr>
-              <a:t>Μεταβείτε στη δωρεάν εκπαίδευση για το PowerPoint</a:t>
-            </a:r>
-            <a:endParaRPr lang="el-GR" sz="1800" dirty="0">
-              <a:latin typeface="Segoe UI Light" panose="020B0502040204020203" pitchFamily="34" charset="0"/>
-              <a:cs typeface="Segoe UI Light" panose="020B0502040204020203" pitchFamily="34" charset="0"/>
-            </a:endParaRPr>
-          </a:p>
-          <a:p>
-            <a:pPr marL="0" indent="0" rtl="0">
-              <a:lnSpc>
-                <a:spcPts val="3600"/>
-              </a:lnSpc>
-              <a:spcAft>
-                <a:spcPts val="0"/>
-              </a:spcAft>
-              <a:buNone/>
-            </a:pPr>
             <a:endParaRPr lang="el-GR" sz="2000" dirty="0">
               <a:latin typeface="Segoe UI Light" panose="020B0502040204020203" pitchFamily="34" charset="0"/>
               <a:cs typeface="Segoe UI Light" panose="020B0502040204020203" pitchFamily="34" charset="0"/>
@@ -4916,66 +4328,6 @@
           </a:p>
         </p:txBody>
       </p:sp>
-      <p:pic>
-        <p:nvPicPr>
-          <p:cNvPr id="2" name="Εικόνα 1" descr="Κουμπί &quot;Πείτε μου&quot;"/>
-          <p:cNvPicPr>
-            <a:picLocks noChangeAspect="1"/>
-          </p:cNvPicPr>
-          <p:nvPr/>
-        </p:nvPicPr>
-        <p:blipFill>
-          <a:blip r:embed="rId5" cstate="print">
-            <a:extLst>
-              <a:ext uri="{28A0092B-C50C-407E-A947-70E740481C1C}">
-                <a14:useLocalDpi xmlns:a14="http://schemas.microsoft.com/office/drawing/2010/main" val="0"/>
-              </a:ext>
-            </a:extLst>
-          </a:blip>
-          <a:stretch>
-            <a:fillRect/>
-          </a:stretch>
-        </p:blipFill>
-        <p:spPr>
-          <a:xfrm>
-            <a:off x="4010162" y="2350333"/>
-            <a:ext cx="1269672" cy="1189747"/>
-          </a:xfrm>
-          <a:prstGeom prst="rect">
-            <a:avLst/>
-          </a:prstGeom>
-        </p:spPr>
-      </p:pic>
-      <p:pic>
-        <p:nvPicPr>
-          <p:cNvPr id="11" name="Εικόνα 10"/>
-          <p:cNvPicPr>
-            <a:picLocks noChangeAspect="1"/>
-          </p:cNvPicPr>
-          <p:nvPr/>
-        </p:nvPicPr>
-        <p:blipFill>
-          <a:blip r:embed="rId6">
-            <a:extLst>
-              <a:ext uri="{28A0092B-C50C-407E-A947-70E740481C1C}">
-                <a14:useLocalDpi xmlns:a14="http://schemas.microsoft.com/office/drawing/2010/main" val="0"/>
-              </a:ext>
-            </a:extLst>
-          </a:blip>
-          <a:stretch>
-            <a:fillRect/>
-          </a:stretch>
-        </p:blipFill>
-        <p:spPr>
-          <a:xfrm>
-            <a:off x="9074146" y="3070697"/>
-            <a:ext cx="2476156" cy="1707303"/>
-          </a:xfrm>
-          <a:prstGeom prst="rect">
-            <a:avLst/>
-          </a:prstGeom>
-        </p:spPr>
-      </p:pic>
       <p:sp>
         <p:nvSpPr>
           <p:cNvPr id="9" name="Πλαίσιο κειμένου 8"/>
@@ -4984,8 +4336,8 @@
         </p:nvSpPr>
         <p:spPr>
           <a:xfrm>
-            <a:off x="541611" y="5210842"/>
-            <a:ext cx="6855885" cy="307777"/>
+            <a:off x="541611" y="4187585"/>
+            <a:ext cx="6855885" cy="400110"/>
           </a:xfrm>
           <a:prstGeom prst="rect">
             <a:avLst/>
@@ -5000,84 +4352,15 @@
           <a:p>
             <a:pPr algn="l" rtl="0"/>
             <a:r>
-              <a:rPr lang="el-GR" sz="1400" dirty="0">
+              <a:rPr lang="el-GR" sz="2000" dirty="0">
                 <a:latin typeface="Segoe UI Light" panose="020B0502040204020203" pitchFamily="34" charset="0"/>
                 <a:cs typeface="Segoe UI Light" panose="020B0502040204020203" pitchFamily="34" charset="0"/>
               </a:rPr>
-              <a:t>ΕΠΙΛΕΞΤΕ ΤΟ ΒΕΛΟΣ ΟΤΑΝ ΒΡΙΣΚΕΣΤΕ ΣΕ ΛΕΙΤΟΥΡΓΙΑ ΠΡΟΒΟΛΗΣ ΠΑΡΟΥΣΙΑΣΗΣ</a:t>
+              <a:t>Είμαστε διαθέσιμοι για οποιαδήποτε απορία σας. </a:t>
             </a:r>
           </a:p>
         </p:txBody>
       </p:sp>
-      <p:pic>
-        <p:nvPicPr>
-          <p:cNvPr id="7" name="Εικόνα 6" descr="Βέλος που δείχνει προς τα δεξιά και περιέχει μια υπερ-σύνδεση η οποία οδηγεί στη δωρεάν εκπαίδευση για το PowerPoint. Επιλέξτε την εικόνα, για να αποκτήσετε πρόσβαση στη δωρεάν εκπαίδευση για το PowerPoint">
-            <a:hlinkClick r:id="rId4" tooltip="Επιλέξτε την εικόνα, για να αποκτήσετε πρόσβαση στη δωρεάν εκπαίδευση για το PowerPoint"/>
-          </p:cNvPr>
-          <p:cNvPicPr>
-            <a:picLocks noChangeAspect="1"/>
-          </p:cNvPicPr>
-          <p:nvPr/>
-        </p:nvPicPr>
-        <p:blipFill>
-          <a:blip r:embed="rId7" cstate="print">
-            <a:extLst>
-              <a:ext uri="{28A0092B-C50C-407E-A947-70E740481C1C}">
-                <a14:useLocalDpi xmlns:a14="http://schemas.microsoft.com/office/drawing/2010/main" val="0"/>
-              </a:ext>
-            </a:extLst>
-          </a:blip>
-          <a:stretch>
-            <a:fillRect/>
-          </a:stretch>
-        </p:blipFill>
-        <p:spPr>
-          <a:xfrm>
-            <a:off x="6098648" y="4272594"/>
-            <a:ext cx="661940" cy="661940"/>
-          </a:xfrm>
-          <a:prstGeom prst="rect">
-            <a:avLst/>
-          </a:prstGeom>
-        </p:spPr>
-      </p:pic>
-      <p:pic>
-        <p:nvPicPr>
-          <p:cNvPr id="12" name="Εικόνα 11" descr="Βέλος που δείχνει προς τα δεξιά με μια υπερ-σύνδεση για την παροχή σχολίων σχετικά με αυτήν την περιήγηση. Επιλέξτε την εικόνα, για να στείλετε σχόλια σχετικά με αυτήν την περιήγηση">
-            <a:hlinkClick r:id="rId3" tooltip="Επιλέξτε εδώ, για να επισκεφθείτε το ιστολόγιο ομάδας του PowerPoint."/>
-            <a:extLst>
-              <a:ext uri="{FF2B5EF4-FFF2-40B4-BE49-F238E27FC236}">
-                <a16:creationId xmlns:a16="http://schemas.microsoft.com/office/drawing/2014/main" id="{BA92070A-4E3D-4794-84A9-83B8DDF3A125}"/>
-              </a:ext>
-            </a:extLst>
-          </p:cNvPr>
-          <p:cNvPicPr>
-            <a:picLocks noChangeAspect="1"/>
-          </p:cNvPicPr>
-          <p:nvPr/>
-        </p:nvPicPr>
-        <p:blipFill>
-          <a:blip r:embed="rId7" cstate="print">
-            <a:extLst>
-              <a:ext uri="{28A0092B-C50C-407E-A947-70E740481C1C}">
-                <a14:useLocalDpi xmlns:a14="http://schemas.microsoft.com/office/drawing/2010/main" val="0"/>
-              </a:ext>
-            </a:extLst>
-          </a:blip>
-          <a:stretch>
-            <a:fillRect/>
-          </a:stretch>
-        </p:blipFill>
-        <p:spPr>
-          <a:xfrm>
-            <a:off x="8145496" y="3642100"/>
-            <a:ext cx="661940" cy="661940"/>
-          </a:xfrm>
-          <a:prstGeom prst="rect">
-            <a:avLst/>
-          </a:prstGeom>
-        </p:spPr>
-      </p:pic>
     </p:spTree>
     <p:extLst>
       <p:ext uri="{BB962C8B-B14F-4D97-AF65-F5344CB8AC3E}">
@@ -5745,7 +5028,7 @@
                 <a:latin typeface="Segoe UI Light" panose="020B0502040204020203" pitchFamily="34" charset="0"/>
                 <a:cs typeface="Segoe UI Light" panose="020B0502040204020203" pitchFamily="34" charset="0"/>
               </a:rPr>
-              <a:t>Εφαρμογή Αισθητήρα </a:t>
+              <a:t>-Εφαρμογή Αισθητήρα </a:t>
             </a:r>
             <a:r>
               <a:rPr lang="en-US" dirty="0">
@@ -8118,7 +7401,7 @@
           <a:p>
             <a:r>
               <a:rPr lang="el-GR" dirty="0"/>
-              <a:t>Πρόβλεψη ποδοσφαιρικού αποτελέσματος με τη χρήση Μηχανικής Μάθησης</a:t>
+              <a:t>-Πρόβλεψη ποδοσφαιρικού αποτελέσματος με τη χρήση Μηχανικής Μάθησης</a:t>
             </a:r>
             <a:endParaRPr lang="en-US" dirty="0"/>
           </a:p>
@@ -8185,7 +7468,19 @@
             </a:r>
             <a:r>
               <a:rPr lang="el-GR" sz="1400" dirty="0"/>
-              <a:t>αγώνες τη αγγλικής ομάδας Τοτεναμ, χρησιμοποιώντας δεδομένα για την περίοδο 1995-1997.</a:t>
+              <a:t>αγώνες τη αγγλικής ομάδας</a:t>
+            </a:r>
+            <a:r>
+              <a:rPr lang="en-US" sz="1400" dirty="0"/>
+              <a:t> </a:t>
+            </a:r>
+            <a:r>
+              <a:rPr lang="en-US" sz="1400" dirty="0" err="1"/>
+              <a:t>Totenam</a:t>
+            </a:r>
+            <a:r>
+              <a:rPr lang="el-GR" sz="1400" dirty="0"/>
+              <a:t>, χρησιμοποιώντας δεδομένα για την περίοδο 1995-1997.</a:t>
             </a:r>
           </a:p>
           <a:p>
@@ -10681,8 +9976,19 @@
                 <a:latin typeface="Segoe UI Light" panose="020B0502040204020203" pitchFamily="34" charset="0"/>
                 <a:cs typeface="Segoe UI Light" panose="020B0502040204020203" pitchFamily="34" charset="0"/>
               </a:rPr>
-              <a:t>Συνεργασία σε πραγματικό χρόνο</a:t>
-            </a:r>
+              <a:t>-Μηχανική Μάθηση στο </a:t>
+            </a:r>
+            <a:r>
+              <a:rPr lang="en-US" dirty="0">
+                <a:latin typeface="Segoe UI Light" panose="020B0502040204020203" pitchFamily="34" charset="0"/>
+                <a:cs typeface="Segoe UI Light" panose="020B0502040204020203" pitchFamily="34" charset="0"/>
+              </a:rPr>
+              <a:t>NBA</a:t>
+            </a:r>
+            <a:endParaRPr lang="el-GR" dirty="0">
+              <a:latin typeface="Segoe UI Light" panose="020B0502040204020203" pitchFamily="34" charset="0"/>
+              <a:cs typeface="Segoe UI Light" panose="020B0502040204020203" pitchFamily="34" charset="0"/>
+            </a:endParaRPr>
           </a:p>
         </p:txBody>
       </p:sp>
@@ -10721,7 +10027,7 @@
               <a:buNone/>
             </a:pPr>
             <a:r>
-              <a:rPr lang="el-GR" sz="1200" dirty="0">
+              <a:rPr lang="en-US" sz="1400" dirty="0">
                 <a:solidFill>
                   <a:prstClr val="black">
                     <a:lumMod val="75000"/>
@@ -10731,10 +10037,36 @@
                 <a:latin typeface="Segoe UI" panose="020B0502040204020203" pitchFamily="34" charset="0"/>
                 <a:cs typeface="Segoe UI" panose="020B0502040204020203" pitchFamily="34" charset="0"/>
               </a:rPr>
-              <a:t>Όταν κάνετε κοινή χρήση της παρουσίασής σας με άλλους χρήστες, θα τους βλέπετε να εργάζονται μαζί σας την ίδια στιγμή. </a:t>
+              <a:t>M</a:t>
+            </a:r>
+            <a:r>
+              <a:rPr lang="el-GR" sz="1400" dirty="0">
+                <a:solidFill>
+                  <a:prstClr val="black">
+                    <a:lumMod val="75000"/>
+                    <a:lumOff val="25000"/>
+                  </a:prstClr>
+                </a:solidFill>
+                <a:latin typeface="Segoe UI" panose="020B0502040204020203" pitchFamily="34" charset="0"/>
+                <a:cs typeface="Segoe UI" panose="020B0502040204020203" pitchFamily="34" charset="0"/>
+              </a:rPr>
+              <a:t>έσω της μηχανικής μάθησης υπήρξε η δυνατότητα εντοπισμού των 8 τύπων παικτών του </a:t>
+            </a:r>
+            <a:r>
+              <a:rPr lang="en-US" sz="1400" dirty="0">
+                <a:solidFill>
+                  <a:prstClr val="black">
+                    <a:lumMod val="75000"/>
+                    <a:lumOff val="25000"/>
+                  </a:prstClr>
+                </a:solidFill>
+                <a:latin typeface="Segoe UI" panose="020B0502040204020203" pitchFamily="34" charset="0"/>
+                <a:cs typeface="Segoe UI" panose="020B0502040204020203" pitchFamily="34" charset="0"/>
+              </a:rPr>
+              <a:t>NBA.</a:t>
             </a:r>
             <a:br>
-              <a:rPr lang="el-GR" sz="1200" dirty="0">
+              <a:rPr lang="el-GR" sz="1400" dirty="0">
                 <a:solidFill>
                   <a:prstClr val="black">
                     <a:lumMod val="75000"/>
@@ -10746,7 +10078,7 @@
               </a:rPr>
             </a:br>
             <a:br>
-              <a:rPr lang="el-GR" sz="1200" dirty="0">
+              <a:rPr lang="el-GR" sz="1400" dirty="0">
                 <a:solidFill>
                   <a:prstClr val="black">
                     <a:lumMod val="75000"/>
@@ -10758,7 +10090,7 @@
               </a:rPr>
             </a:br>
             <a:r>
-              <a:rPr lang="el-GR" sz="1200" dirty="0">
+              <a:rPr lang="el-GR" sz="1400" dirty="0">
                 <a:solidFill>
                   <a:prstClr val="black">
                     <a:lumMod val="75000"/>
@@ -10773,36 +10105,6 @@
           </a:p>
         </p:txBody>
       </p:sp>
-      <p:pic>
-        <p:nvPicPr>
-          <p:cNvPr id="11" name="Εικόνα 10"/>
-          <p:cNvPicPr>
-            <a:picLocks noChangeAspect="1"/>
-          </p:cNvPicPr>
-          <p:nvPr/>
-        </p:nvPicPr>
-        <p:blipFill>
-          <a:blip r:embed="rId3">
-            <a:extLst>
-              <a:ext uri="{28A0092B-C50C-407E-A947-70E740481C1C}">
-                <a14:useLocalDpi xmlns:a14="http://schemas.microsoft.com/office/drawing/2010/main" val="0"/>
-              </a:ext>
-            </a:extLst>
-          </a:blip>
-          <a:stretch>
-            <a:fillRect/>
-          </a:stretch>
-        </p:blipFill>
-        <p:spPr>
-          <a:xfrm>
-            <a:off x="561984" y="2425111"/>
-            <a:ext cx="3262550" cy="1475659"/>
-          </a:xfrm>
-          <a:prstGeom prst="rect">
-            <a:avLst/>
-          </a:prstGeom>
-        </p:spPr>
-      </p:pic>
       <p:grpSp>
         <p:nvGrpSpPr>
           <p:cNvPr id="33" name="Ομάδα 32" descr="Μικρός κύκλος με τον αριθμό 1 που υποδεικνύει το βήμα 1"/>
@@ -10811,7 +10113,7 @@
         </p:nvGrpSpPr>
         <p:grpSpPr bwMode="blackWhite">
           <a:xfrm>
-            <a:off x="558723" y="4531632"/>
+            <a:off x="490084" y="2570939"/>
             <a:ext cx="558179" cy="409838"/>
             <a:chOff x="6953426" y="711274"/>
             <a:chExt cx="558179" cy="409838"/>
@@ -10910,8 +10212,8 @@
         </p:nvSpPr>
         <p:spPr>
           <a:xfrm>
-            <a:off x="1066039" y="4571824"/>
-            <a:ext cx="2696774" cy="1831562"/>
+            <a:off x="1040204" y="2544923"/>
+            <a:ext cx="2696774" cy="2059734"/>
           </a:xfrm>
           <a:prstGeom prst="rect">
             <a:avLst/>
@@ -11123,7 +10425,7 @@
               <a:buNone/>
             </a:pPr>
             <a:r>
-              <a:rPr lang="el-GR" dirty="0">
+              <a:rPr lang="el-GR" sz="1400" dirty="0">
                 <a:solidFill>
                   <a:prstClr val="black">
                     <a:lumMod val="75000"/>
@@ -11133,20 +10435,23 @@
                 <a:latin typeface="Segoe UI" panose="020B0502040204020203" pitchFamily="34" charset="0"/>
                 <a:cs typeface="Segoe UI" panose="020B0502040204020203" pitchFamily="34" charset="0"/>
               </a:rPr>
-              <a:t>Επιλέξτε </a:t>
-            </a:r>
-            <a:r>
-              <a:rPr lang="el-GR" dirty="0">
-                <a:solidFill>
-                  <a:srgbClr val="D24726"/>
+              <a:t>Η απόκτηση των δεδομένων έγινε μέσω του </a:t>
+            </a:r>
+            <a:r>
+              <a:rPr lang="en-US" sz="1400" dirty="0">
+                <a:solidFill>
+                  <a:prstClr val="black">
+                    <a:lumMod val="75000"/>
+                    <a:lumOff val="25000"/>
+                  </a:prstClr>
                 </a:solidFill>
                 <a:latin typeface="Segoe UI" panose="020B0502040204020203" pitchFamily="34" charset="0"/>
                 <a:cs typeface="Segoe UI" panose="020B0502040204020203" pitchFamily="34" charset="0"/>
               </a:rPr>
-              <a:t>Κοινή χρήση</a:t>
-            </a:r>
-            <a:r>
-              <a:rPr lang="el-GR" dirty="0">
+              <a:t>Selenium with Python</a:t>
+            </a:r>
+            <a:r>
+              <a:rPr lang="el-GR" sz="1400" dirty="0">
                 <a:solidFill>
                   <a:prstClr val="black">
                     <a:lumMod val="75000"/>
@@ -11156,110 +10461,11 @@
                 <a:latin typeface="Segoe UI" panose="020B0502040204020203" pitchFamily="34" charset="0"/>
                 <a:cs typeface="Segoe UI" panose="020B0502040204020203" pitchFamily="34" charset="0"/>
               </a:rPr>
-              <a:t> από την κορδέλα ή χρησιμοποιώντας τον συνδυασμό πλήκτρων </a:t>
-            </a:r>
-            <a:r>
-              <a:rPr lang="el-GR" dirty="0" err="1">
-                <a:solidFill>
-                  <a:srgbClr val="D24726"/>
-                </a:solidFill>
-                <a:latin typeface="Segoe UI" panose="020B0502040204020203" pitchFamily="34" charset="0"/>
-                <a:cs typeface="Segoe UI" panose="020B0502040204020203" pitchFamily="34" charset="0"/>
-              </a:rPr>
-              <a:t>Alt</a:t>
-            </a:r>
-            <a:r>
-              <a:rPr lang="el-GR" dirty="0">
-                <a:solidFill>
-                  <a:srgbClr val="D24726"/>
-                </a:solidFill>
-                <a:latin typeface="Segoe UI" panose="020B0502040204020203" pitchFamily="34" charset="0"/>
-                <a:cs typeface="Segoe UI" panose="020B0502040204020203" pitchFamily="34" charset="0"/>
-              </a:rPr>
-              <a:t>-Υ</a:t>
-            </a:r>
-            <a:r>
-              <a:rPr lang="en-US" dirty="0">
-                <a:solidFill>
-                  <a:srgbClr val="D24726"/>
-                </a:solidFill>
-                <a:latin typeface="Segoe UI" panose="020B0502040204020203" pitchFamily="34" charset="0"/>
-                <a:cs typeface="Segoe UI" panose="020B0502040204020203" pitchFamily="34" charset="0"/>
-              </a:rPr>
-              <a:t>U</a:t>
-            </a:r>
-            <a:r>
-              <a:rPr lang="el-GR" dirty="0">
-                <a:solidFill>
-                  <a:prstClr val="black">
-                    <a:lumMod val="75000"/>
-                    <a:lumOff val="25000"/>
-                  </a:prstClr>
-                </a:solidFill>
-                <a:latin typeface="Segoe UI" panose="020B0502040204020203" pitchFamily="34" charset="0"/>
-                <a:cs typeface="Segoe UI" panose="020B0502040204020203" pitchFamily="34" charset="0"/>
-              </a:rPr>
-              <a:t>, για να προσκαλέσετε άτομα για να εργαστούν μαζί σας. (Μπορείτε να αποθηκεύσετε στο </a:t>
-            </a:r>
-            <a:r>
-              <a:rPr lang="el-GR" dirty="0" err="1">
-                <a:solidFill>
-                  <a:prstClr val="black">
-                    <a:lumMod val="75000"/>
-                    <a:lumOff val="25000"/>
-                  </a:prstClr>
-                </a:solidFill>
-                <a:latin typeface="Segoe UI" panose="020B0502040204020203" pitchFamily="34" charset="0"/>
-                <a:cs typeface="Segoe UI" panose="020B0502040204020203" pitchFamily="34" charset="0"/>
-              </a:rPr>
-              <a:t>cloud</a:t>
-            </a:r>
-            <a:r>
-              <a:rPr lang="el-GR" dirty="0">
-                <a:solidFill>
-                  <a:prstClr val="black">
-                    <a:lumMod val="75000"/>
-                    <a:lumOff val="25000"/>
-                  </a:prstClr>
-                </a:solidFill>
-                <a:latin typeface="Segoe UI" panose="020B0502040204020203" pitchFamily="34" charset="0"/>
-                <a:cs typeface="Segoe UI" panose="020B0502040204020203" pitchFamily="34" charset="0"/>
-              </a:rPr>
-              <a:t> σε αυτό το σημείο.)</a:t>
+              <a:t> και το κατώφλι είναι 40 αγωνιστικά παιχνίδια. Στο σύνολο αυτό υπάρχουν 547 παίκτες και56 χαρακτηριστικά από το 2014  έως και το 2017. </a:t>
             </a:r>
           </a:p>
         </p:txBody>
       </p:sp>
-      <p:pic>
-        <p:nvPicPr>
-          <p:cNvPr id="9" name="Εικόνα 8"/>
-          <p:cNvPicPr>
-            <a:picLocks noChangeAspect="1"/>
-          </p:cNvPicPr>
-          <p:nvPr/>
-        </p:nvPicPr>
-        <p:blipFill>
-          <a:blip r:embed="rId4" cstate="print">
-            <a:extLst>
-              <a:ext uri="{28A0092B-C50C-407E-A947-70E740481C1C}">
-                <a14:useLocalDpi xmlns:a14="http://schemas.microsoft.com/office/drawing/2010/main" val="0"/>
-              </a:ext>
-            </a:extLst>
-          </a:blip>
-          <a:stretch>
-            <a:fillRect/>
-          </a:stretch>
-        </p:blipFill>
-        <p:spPr>
-          <a:xfrm>
-            <a:off x="3865261" y="2434307"/>
-            <a:ext cx="3833874" cy="2512927"/>
-          </a:xfrm>
-          <a:prstGeom prst="rect">
-            <a:avLst/>
-          </a:prstGeom>
-        </p:spPr>
-      </p:pic>
       <p:grpSp>
         <p:nvGrpSpPr>
           <p:cNvPr id="36" name="Ομάδα 35" descr="Μικρός κύκλος με τον αριθμό 2 που υποδεικνύει το βήμα 2"/>
@@ -11268,7 +10474,7 @@
         </p:nvGrpSpPr>
         <p:grpSpPr bwMode="blackWhite">
           <a:xfrm>
-            <a:off x="4249102" y="4531632"/>
+            <a:off x="3995520" y="2561850"/>
             <a:ext cx="558179" cy="409838"/>
             <a:chOff x="6953426" y="711274"/>
             <a:chExt cx="558179" cy="409838"/>
@@ -11367,8 +10573,8 @@
         </p:nvSpPr>
         <p:spPr>
           <a:xfrm>
-            <a:off x="4747855" y="4571824"/>
-            <a:ext cx="3106367" cy="1324053"/>
+            <a:off x="4553699" y="2544923"/>
+            <a:ext cx="3520508" cy="3120020"/>
           </a:xfrm>
           <a:prstGeom prst="rect">
             <a:avLst/>
@@ -11376,7 +10582,7 @@
         </p:spPr>
         <p:txBody>
           <a:bodyPr vert="horz" lIns="91440" tIns="45720" rIns="91440" bIns="45720" rtlCol="0">
-            <a:normAutofit/>
+            <a:noAutofit/>
           </a:bodyPr>
           <a:lstStyle>
             <a:lvl1pPr marL="228600" indent="-228600" algn="l" defTabSz="914400" rtl="0" eaLnBrk="1" latinLnBrk="0" hangingPunct="1">
@@ -11573,58 +10779,55 @@
             </a:lvl9pPr>
           </a:lstStyle>
           <a:p>
-            <a:pPr marL="0" indent="0" rtl="0">
+            <a:pPr marL="0" indent="0">
               <a:spcAft>
                 <a:spcPts val="2000"/>
               </a:spcAft>
               <a:buNone/>
             </a:pPr>
             <a:r>
-              <a:rPr lang="el-GR" dirty="0">
-                <a:solidFill>
-                  <a:prstClr val="black">
-                    <a:lumMod val="75000"/>
-                    <a:lumOff val="25000"/>
-                  </a:prstClr>
-                </a:solidFill>
-                <a:latin typeface="Segoe UI" panose="020B0502040204020203" pitchFamily="34" charset="0"/>
-                <a:cs typeface="Segoe UI" panose="020B0502040204020203" pitchFamily="34" charset="0"/>
+              <a:rPr lang="el-GR" sz="1400" dirty="0"/>
+              <a:t>Στα δεδομένα μεγάλης διαστάσεως, ο όγκος του χώρου αυξάνει με αποτέλεσμα τα διαθέσιμα δεδομένα να καταστούν αραιά. Αυτό είναι γνωστό ως " </a:t>
+            </a:r>
+            <a:r>
+              <a:rPr lang="el-GR" sz="1400" dirty="0">
+                <a:hlinkClick r:id="rId3"/>
               </a:rPr>
-              <a:t>Όταν άλλα άτομα βρίσκονται στην παρουσίαση, ένας δείκτης δείχνει ποιος βρίσκεται σε ποια διαφάνεια...</a:t>
-            </a:r>
+              <a:t>Κατάρα της </a:t>
+            </a:r>
+            <a:r>
+              <a:rPr lang="el-GR" sz="1400" dirty="0" err="1">
+                <a:hlinkClick r:id="rId3"/>
+              </a:rPr>
+              <a:t>Διατομείας</a:t>
+            </a:r>
+            <a:r>
+              <a:rPr lang="el-GR" sz="1400" dirty="0"/>
+              <a:t> "  Σε αυτή τη μελέτη, κάθε διάσταση αντιπροσωπεύεται από τις στατιστικές χαρακτηριστικών ενός παίκτη και για να επιτευχθεί ένα στατιστικώς σωστό αποτέλεσμα, η ποσότητα των δεδομένων πρέπει να μειωθεί με την απόκτηση ενός συνόλου βασικών στοιχείων, </a:t>
+            </a:r>
+            <a:r>
+              <a:rPr lang="el-GR" sz="1400" dirty="0">
+                <a:hlinkClick r:id="rId4"/>
+              </a:rPr>
+              <a:t>την ανάλυση γραμμικής διακρίσεως (LDA)</a:t>
+            </a:r>
+            <a:r>
+              <a:rPr lang="el-GR" sz="1400" dirty="0"/>
+              <a:t> .</a:t>
+            </a:r>
+            <a:endParaRPr lang="el-GR" sz="1400" dirty="0">
+              <a:solidFill>
+                <a:prstClr val="black">
+                  <a:lumMod val="75000"/>
+                  <a:lumOff val="25000"/>
+                </a:prstClr>
+              </a:solidFill>
+              <a:latin typeface="Segoe UI" panose="020B0502040204020203" pitchFamily="34" charset="0"/>
+              <a:cs typeface="Segoe UI" panose="020B0502040204020203" pitchFamily="34" charset="0"/>
+            </a:endParaRPr>
           </a:p>
         </p:txBody>
       </p:sp>
-      <p:pic>
-        <p:nvPicPr>
-          <p:cNvPr id="12" name="Εικόνα 11"/>
-          <p:cNvPicPr>
-            <a:picLocks noChangeAspect="1"/>
-          </p:cNvPicPr>
-          <p:nvPr/>
-        </p:nvPicPr>
-        <p:blipFill>
-          <a:blip r:embed="rId5" cstate="print">
-            <a:extLst>
-              <a:ext uri="{28A0092B-C50C-407E-A947-70E740481C1C}">
-                <a14:useLocalDpi xmlns:a14="http://schemas.microsoft.com/office/drawing/2010/main" val="0"/>
-              </a:ext>
-            </a:extLst>
-          </a:blip>
-          <a:stretch>
-            <a:fillRect/>
-          </a:stretch>
-        </p:blipFill>
-        <p:spPr>
-          <a:xfrm>
-            <a:off x="7899419" y="2350394"/>
-            <a:ext cx="3563782" cy="2305343"/>
-          </a:xfrm>
-          <a:prstGeom prst="rect">
-            <a:avLst/>
-          </a:prstGeom>
-        </p:spPr>
-      </p:pic>
       <p:grpSp>
         <p:nvGrpSpPr>
           <p:cNvPr id="39" name="Ομάδα 38" descr="Μικρός κύκλος με τον αριθμό 3 που υποδεικνύει το βήμα 3"/>
@@ -11633,7 +10836,7 @@
         </p:nvGrpSpPr>
         <p:grpSpPr bwMode="blackWhite">
           <a:xfrm>
-            <a:off x="7930921" y="4531632"/>
+            <a:off x="8002564" y="2587229"/>
             <a:ext cx="558179" cy="409838"/>
             <a:chOff x="6953426" y="711274"/>
             <a:chExt cx="558179" cy="409838"/>
@@ -11732,8 +10935,8 @@
         </p:nvSpPr>
         <p:spPr>
           <a:xfrm>
-            <a:off x="8429668" y="4571824"/>
-            <a:ext cx="2658635" cy="697760"/>
+            <a:off x="8560743" y="2544923"/>
+            <a:ext cx="3069530" cy="4697646"/>
           </a:xfrm>
           <a:prstGeom prst="rect">
             <a:avLst/>
@@ -11741,7 +10944,7 @@
         </p:spPr>
         <p:txBody>
           <a:bodyPr vert="horz" lIns="91440" tIns="45720" rIns="91440" bIns="45720" rtlCol="0">
-            <a:normAutofit/>
+            <a:noAutofit/>
           </a:bodyPr>
           <a:lstStyle>
             <a:lvl1pPr marL="228600" indent="-228600" algn="l" defTabSz="914400" rtl="0" eaLnBrk="1" latinLnBrk="0" hangingPunct="1">
@@ -11938,14 +11141,14 @@
             </a:lvl9pPr>
           </a:lstStyle>
           <a:p>
-            <a:pPr marL="0" indent="0" rtl="0">
+            <a:pPr marL="0" indent="0">
               <a:spcAft>
                 <a:spcPts val="2000"/>
               </a:spcAft>
               <a:buNone/>
             </a:pPr>
             <a:r>
-              <a:rPr lang="el-GR" dirty="0">
+              <a:rPr lang="el-GR" sz="1400" dirty="0">
                 <a:solidFill>
                   <a:prstClr val="black">
                     <a:lumMod val="75000"/>
@@ -11955,11 +11158,136 @@
                 <a:latin typeface="Segoe UI" panose="020B0502040204020203" pitchFamily="34" charset="0"/>
                 <a:cs typeface="Segoe UI" panose="020B0502040204020203" pitchFamily="34" charset="0"/>
               </a:rPr>
-              <a:t>…και το τμήμα της διαφάνειας που επεξεργάζεται.</a:t>
-            </a:r>
+              <a:t>Ο αλγόριθμος για το </a:t>
+            </a:r>
+            <a:r>
+              <a:rPr lang="en-US" sz="1400" dirty="0">
+                <a:solidFill>
+                  <a:prstClr val="black">
+                    <a:lumMod val="75000"/>
+                    <a:lumOff val="25000"/>
+                  </a:prstClr>
+                </a:solidFill>
+                <a:latin typeface="Segoe UI" panose="020B0502040204020203" pitchFamily="34" charset="0"/>
+                <a:cs typeface="Segoe UI" panose="020B0502040204020203" pitchFamily="34" charset="0"/>
+              </a:rPr>
+              <a:t>clustering </a:t>
+            </a:r>
+            <a:r>
+              <a:rPr lang="el-GR" sz="1400" dirty="0">
+                <a:solidFill>
+                  <a:prstClr val="black">
+                    <a:lumMod val="75000"/>
+                    <a:lumOff val="25000"/>
+                  </a:prstClr>
+                </a:solidFill>
+                <a:latin typeface="Segoe UI" panose="020B0502040204020203" pitchFamily="34" charset="0"/>
+                <a:cs typeface="Segoe UI" panose="020B0502040204020203" pitchFamily="34" charset="0"/>
+              </a:rPr>
+              <a:t>που χρησιμοποιήθηκε είναι ο </a:t>
+            </a:r>
+            <a:r>
+              <a:rPr lang="en-US" sz="1400" u="sng" dirty="0">
+                <a:solidFill>
+                  <a:prstClr val="black">
+                    <a:lumMod val="75000"/>
+                    <a:lumOff val="25000"/>
+                  </a:prstClr>
+                </a:solidFill>
+                <a:latin typeface="Segoe UI" panose="020B0502040204020203" pitchFamily="34" charset="0"/>
+                <a:cs typeface="Segoe UI" panose="020B0502040204020203" pitchFamily="34" charset="0"/>
+              </a:rPr>
+              <a:t>K-means</a:t>
+            </a:r>
+            <a:r>
+              <a:rPr lang="en-US" sz="1400" dirty="0">
+                <a:solidFill>
+                  <a:prstClr val="black">
+                    <a:lumMod val="75000"/>
+                    <a:lumOff val="25000"/>
+                  </a:prstClr>
+                </a:solidFill>
+                <a:latin typeface="Segoe UI" panose="020B0502040204020203" pitchFamily="34" charset="0"/>
+                <a:cs typeface="Segoe UI" panose="020B0502040204020203" pitchFamily="34" charset="0"/>
+              </a:rPr>
+              <a:t>. </a:t>
+            </a:r>
+            <a:r>
+              <a:rPr lang="el-GR" sz="1400" dirty="0">
+                <a:solidFill>
+                  <a:prstClr val="black">
+                    <a:lumMod val="75000"/>
+                    <a:lumOff val="25000"/>
+                  </a:prstClr>
+                </a:solidFill>
+                <a:latin typeface="Segoe UI" panose="020B0502040204020203" pitchFamily="34" charset="0"/>
+                <a:cs typeface="Segoe UI" panose="020B0502040204020203" pitchFamily="34" charset="0"/>
+              </a:rPr>
+              <a:t>Αυτή η εργασία βασίστηκε, </a:t>
+            </a:r>
+            <a:r>
+              <a:rPr lang="el-GR" sz="1400" dirty="0"/>
+              <a:t>στην καλύτερη </a:t>
+            </a:r>
+            <a:r>
+              <a:rPr lang="el-GR" sz="1400" dirty="0">
+                <a:hlinkClick r:id="rId5"/>
+              </a:rPr>
+              <a:t>βαθμολογία σιλουέτας</a:t>
+            </a:r>
+            <a:r>
+              <a:rPr lang="el-GR" sz="1400" dirty="0"/>
+              <a:t>  για να βγουν οι 8 τύποι παικτών, η οποία είναι ένα μέτρο του πόσο παρόμοιο είναι ένα αντικείμενο με το δικό του σύμπλεγμα σε σύγκριση με άλλα σμήνη. Η βαθμολογία σιλουέτας κυμαίνεται από -1 έως 1. Εάν τα clusters έχουν υψηλή τιμή, τότε η διάταξη συμπλέγματος είναι κατάλληλη.</a:t>
+            </a:r>
+            <a:endParaRPr lang="el-GR" sz="1400" dirty="0">
+              <a:solidFill>
+                <a:prstClr val="black">
+                  <a:lumMod val="75000"/>
+                  <a:lumOff val="25000"/>
+                </a:prstClr>
+              </a:solidFill>
+              <a:latin typeface="Segoe UI" panose="020B0502040204020203" pitchFamily="34" charset="0"/>
+              <a:cs typeface="Segoe UI" panose="020B0502040204020203" pitchFamily="34" charset="0"/>
+            </a:endParaRPr>
           </a:p>
         </p:txBody>
       </p:sp>
+      <p:pic>
+        <p:nvPicPr>
+          <p:cNvPr id="4" name="Εικόνα 3">
+            <a:extLst>
+              <a:ext uri="{FF2B5EF4-FFF2-40B4-BE49-F238E27FC236}">
+                <a16:creationId xmlns:a16="http://schemas.microsoft.com/office/drawing/2014/main" id="{9F3A1C38-FAD7-4D39-AC4F-5824688139F8}"/>
+              </a:ext>
+            </a:extLst>
+          </p:cNvPr>
+          <p:cNvPicPr>
+            <a:picLocks noChangeAspect="1"/>
+          </p:cNvPicPr>
+          <p:nvPr/>
+        </p:nvPicPr>
+        <p:blipFill>
+          <a:blip r:embed="rId6">
+            <a:extLst>
+              <a:ext uri="{28A0092B-C50C-407E-A947-70E740481C1C}">
+                <a14:useLocalDpi xmlns:a14="http://schemas.microsoft.com/office/drawing/2010/main" val="0"/>
+              </a:ext>
+            </a:extLst>
+          </a:blip>
+          <a:stretch>
+            <a:fillRect/>
+          </a:stretch>
+        </p:blipFill>
+        <p:spPr>
+          <a:xfrm>
+            <a:off x="0" y="4276077"/>
+            <a:ext cx="3205518" cy="2581923"/>
+          </a:xfrm>
+          <a:prstGeom prst="rect">
+            <a:avLst/>
+          </a:prstGeom>
+        </p:spPr>
+      </p:pic>
     </p:spTree>
     <p:extLst>
       <p:ext uri="{BB962C8B-B14F-4D97-AF65-F5344CB8AC3E}">
@@ -12253,63 +11581,10 @@
               </a:spcAft>
               <a:buNone/>
             </a:pPr>
-            <a:r>
-              <a:rPr lang="el-GR" dirty="0">
-                <a:solidFill>
-                  <a:prstClr val="black">
-                    <a:lumMod val="75000"/>
-                    <a:lumOff val="25000"/>
-                  </a:prstClr>
-                </a:solidFill>
-                <a:latin typeface="Segoe UI" panose="020B0502040204020203" pitchFamily="34" charset="0"/>
-                <a:cs typeface="Segoe UI" panose="020B0502040204020203" pitchFamily="34" charset="0"/>
-              </a:rPr>
-              <a:t>Το πλαίσιο "Πείτε μου" βρίσκει τη σωστή εντολή όταν τη χρειάζεστε, </a:t>
-            </a:r>
-            <a:br>
-              <a:rPr lang="el-GR" dirty="0">
-                <a:solidFill>
-                  <a:prstClr val="black">
-                    <a:lumMod val="75000"/>
-                    <a:lumOff val="25000"/>
-                  </a:prstClr>
-                </a:solidFill>
-                <a:latin typeface="Segoe UI" panose="020B0502040204020203" pitchFamily="34" charset="0"/>
-                <a:cs typeface="Segoe UI" panose="020B0502040204020203" pitchFamily="34" charset="0"/>
-              </a:rPr>
-            </a:br>
-            <a:r>
-              <a:rPr lang="el-GR" dirty="0">
-                <a:solidFill>
-                  <a:prstClr val="black">
-                    <a:lumMod val="75000"/>
-                    <a:lumOff val="25000"/>
-                  </a:prstClr>
-                </a:solidFill>
-                <a:latin typeface="Segoe UI" panose="020B0502040204020203" pitchFamily="34" charset="0"/>
-                <a:cs typeface="Segoe UI" panose="020B0502040204020203" pitchFamily="34" charset="0"/>
-              </a:rPr>
-              <a:t>για να εξοικονομείτε χρόνο και να επικεντρώνεστε στην εργασία σας.</a:t>
-            </a:r>
-            <a:br>
-              <a:rPr lang="el-GR" dirty="0">
-                <a:latin typeface="Segoe UI" panose="020B0502040204020203" pitchFamily="34" charset="0"/>
-                <a:cs typeface="Segoe UI" panose="020B0502040204020203" pitchFamily="34" charset="0"/>
-              </a:rPr>
-            </a:br>
-            <a:br>
-              <a:rPr lang="el-GR" dirty="0">
-                <a:latin typeface="Segoe UI" panose="020B0502040204020203" pitchFamily="34" charset="0"/>
-                <a:cs typeface="Segoe UI" panose="020B0502040204020203" pitchFamily="34" charset="0"/>
-              </a:rPr>
-            </a:br>
-            <a:r>
-              <a:rPr lang="el-GR" dirty="0">
-                <a:latin typeface="Segoe UI" panose="020B0502040204020203" pitchFamily="34" charset="0"/>
-                <a:cs typeface="Segoe UI" panose="020B0502040204020203" pitchFamily="34" charset="0"/>
-              </a:rPr>
-              <a:t>Δοκιμάστε το:</a:t>
-            </a:r>
+            <a:endParaRPr lang="el-GR" dirty="0">
+              <a:latin typeface="Segoe UI" panose="020B0502040204020203" pitchFamily="34" charset="0"/>
+              <a:cs typeface="Segoe UI" panose="020B0502040204020203" pitchFamily="34" charset="0"/>
+            </a:endParaRPr>
           </a:p>
         </p:txBody>
       </p:sp>
@@ -12321,7 +11596,7 @@
         </p:nvGrpSpPr>
         <p:grpSpPr bwMode="blackWhite">
           <a:xfrm>
-            <a:off x="558723" y="2638502"/>
+            <a:off x="359519" y="2557455"/>
             <a:ext cx="558179" cy="409838"/>
             <a:chOff x="6953426" y="711274"/>
             <a:chExt cx="558179" cy="409838"/>
@@ -12406,7 +11681,7 @@
                   <a:latin typeface="Segoe UI Semibold" panose="020B0702040204020203" pitchFamily="34" charset="0"/>
                   <a:cs typeface="Segoe UI Semibold" panose="020B0702040204020203" pitchFamily="34" charset="0"/>
                 </a:rPr>
-                <a:t>1</a:t>
+                <a:t>4</a:t>
               </a:r>
             </a:p>
           </p:txBody>
@@ -12422,8 +11697,8 @@
         </p:nvSpPr>
         <p:spPr>
           <a:xfrm>
-            <a:off x="1066039" y="2678694"/>
-            <a:ext cx="3121671" cy="467647"/>
+            <a:off x="881909" y="2581671"/>
+            <a:ext cx="4217878" cy="3212440"/>
           </a:xfrm>
           <a:prstGeom prst="rect">
             <a:avLst/>
@@ -12628,7 +11903,7 @@
             </a:lvl9pPr>
           </a:lstStyle>
           <a:p>
-            <a:pPr marL="0" lvl="0" indent="0" defTabSz="512763" rtl="0">
+            <a:pPr marL="0" lvl="0" indent="0" defTabSz="512763">
               <a:lnSpc>
                 <a:spcPct val="100000"/>
               </a:lnSpc>
@@ -12641,7 +11916,7 @@
               <a:buNone/>
             </a:pPr>
             <a:r>
-              <a:rPr lang="el-GR" dirty="0">
+              <a:rPr lang="el-GR" sz="1400" dirty="0">
                 <a:solidFill>
                   <a:prstClr val="black">
                     <a:lumMod val="75000"/>
@@ -12651,151 +11926,31 @@
                 <a:latin typeface="Segoe UI" panose="020B0502040204020203" pitchFamily="34" charset="0"/>
                 <a:cs typeface="Segoe UI" panose="020B0502040204020203" pitchFamily="34" charset="0"/>
               </a:rPr>
-              <a:t>Επιλέξτε την </a:t>
-            </a:r>
-            <a:r>
-              <a:rPr lang="el-GR" dirty="0">
-                <a:solidFill>
-                  <a:srgbClr val="404040"/>
-                </a:solidFill>
-                <a:latin typeface="Segoe UI" panose="020B0502040204020203" pitchFamily="34" charset="0"/>
-                <a:cs typeface="Segoe UI" panose="020B0502040204020203" pitchFamily="34" charset="0"/>
+              <a:t>Για να μειώσουμε τα χαρακτηριστικά χρησιμοποιήθηκε η</a:t>
+            </a:r>
+            <a:r>
+              <a:rPr lang="el-GR" sz="1400" dirty="0">
+                <a:hlinkClick r:id="rId3"/>
               </a:rPr>
-              <a:t>εικόνα του ρομπότ </a:t>
-            </a:r>
-            <a:r>
-              <a:rPr lang="el-GR" dirty="0">
-                <a:solidFill>
-                  <a:prstClr val="black">
-                    <a:lumMod val="75000"/>
-                    <a:lumOff val="25000"/>
-                  </a:prstClr>
-                </a:solidFill>
-                <a:latin typeface="Segoe UI" panose="020B0502040204020203" pitchFamily="34" charset="0"/>
-                <a:cs typeface="Segoe UI" panose="020B0502040204020203" pitchFamily="34" charset="0"/>
-              </a:rPr>
-              <a:t>στα δεξιά.</a:t>
-            </a:r>
-          </a:p>
-        </p:txBody>
-      </p:sp>
-      <p:sp>
-        <p:nvSpPr>
-          <p:cNvPr id="25" name="Πλαίσιο κειμένου 16" descr="Επιλέξτε &quot;εγώ&quot;"/>
-          <p:cNvSpPr txBox="1"/>
-          <p:nvPr/>
-        </p:nvSpPr>
-        <p:spPr>
-          <a:xfrm rot="21077122">
-            <a:off x="6043297" y="1772253"/>
-            <a:ext cx="1334770" cy="435610"/>
-          </a:xfrm>
-          <a:prstGeom prst="rect">
-            <a:avLst/>
-          </a:prstGeom>
-          <a:noFill/>
-          <a:ln>
-            <a:noFill/>
-          </a:ln>
-          <a:effectLst/>
-          <a:extLst>
-            <a:ext uri="{C572A759-6A51-4108-AA02-DFA0A04FC94B}">
-              <ma14:wrappingTextBoxFlag xmlns="" xmlns:ma14="http://schemas.microsoft.com/office/mac/drawingml/2011/main"/>
-            </a:ext>
-          </a:extLst>
-        </p:spPr>
-        <p:txBody>
-          <a:bodyPr rot="0" spcFirstLastPara="0" vert="horz" wrap="none" lIns="91440" tIns="45720" rIns="91440" bIns="45720" numCol="1" spcCol="0" rtlCol="0" fromWordArt="0" anchor="t" anchorCtr="0" forceAA="0" compatLnSpc="1">
-            <a:prstTxWarp prst="textNoShape">
-              <a:avLst/>
-            </a:prstTxWarp>
-            <a:noAutofit/>
-          </a:bodyPr>
-          <a:lstStyle/>
-          <a:p>
-            <a:pPr algn="ctr">
-              <a:spcAft>
-                <a:spcPts val="200"/>
-              </a:spcAft>
-              <a:tabLst>
-                <a:tab pos="4931410" algn="l"/>
-              </a:tabLst>
-            </a:pPr>
-            <a:r>
-              <a:rPr lang="el-GR" sz="1200" b="1" kern="1000" spc="100" dirty="0">
-                <a:solidFill>
-                  <a:srgbClr val="D24726"/>
-                </a:solidFill>
-                <a:latin typeface="Segoe UI Semibold" panose="020B0702040204020203" pitchFamily="34" charset="0"/>
-                <a:ea typeface="SimHei" panose="02010609060101010101" pitchFamily="49" charset="-122"/>
-                <a:cs typeface="Times New Roman" panose="02020603050405020304" pitchFamily="18" charset="0"/>
-              </a:rPr>
-              <a:t>ΕΠΙΛΕΞΤΕ ΜΕ</a:t>
-            </a:r>
-            <a:endParaRPr lang="el-GR" sz="1200" b="1" kern="1400" dirty="0">
+              <a:t> βασική ανάλυση στοιχείων (PCA)</a:t>
+            </a:r>
+            <a:r>
+              <a:rPr lang="el-GR" sz="1400" dirty="0"/>
+              <a:t>. Ο αλγόριθμος βρίσκει τα ιδιοδιανύσματα ενός πλέγματος με τις υψηλότερες ιδιοτιμές και στη συνέχεια χρησιμοποιεί αυτές τις τιμές για να προβάλει τα δεδομένα σε μια νέα υποπεριοχή ίσων ή μικρότερων διαστάσεων.</a:t>
+            </a:r>
+            <a:endParaRPr lang="el-GR" sz="1400" dirty="0">
               <a:solidFill>
-                <a:srgbClr val="D24726"/>
+                <a:prstClr val="black">
+                  <a:lumMod val="75000"/>
+                  <a:lumOff val="25000"/>
+                </a:prstClr>
               </a:solidFill>
-              <a:effectLst/>
-              <a:latin typeface="Segoe UI Light" panose="020B0502040204020203" pitchFamily="34" charset="0"/>
-              <a:ea typeface="SimHei" panose="02010609060101010101" pitchFamily="49" charset="-122"/>
-              <a:cs typeface="Times New Roman" panose="02020603050405020304" pitchFamily="18" charset="0"/>
+              <a:latin typeface="Segoe UI" panose="020B0502040204020203" pitchFamily="34" charset="0"/>
+              <a:cs typeface="Segoe UI" panose="020B0502040204020203" pitchFamily="34" charset="0"/>
             </a:endParaRPr>
           </a:p>
         </p:txBody>
       </p:sp>
-      <p:pic>
-        <p:nvPicPr>
-          <p:cNvPr id="24" name="Εικόνα 23" descr="Καμπύλο βέλος"/>
-          <p:cNvPicPr/>
-          <p:nvPr/>
-        </p:nvPicPr>
-        <p:blipFill>
-          <a:blip r:embed="rId3" cstate="print">
-            <a:extLst>
-              <a:ext uri="{28A0092B-C50C-407E-A947-70E740481C1C}">
-                <a14:useLocalDpi xmlns:a14="http://schemas.microsoft.com/office/drawing/2010/main" val="0"/>
-              </a:ext>
-            </a:extLst>
-          </a:blip>
-          <a:stretch>
-            <a:fillRect/>
-          </a:stretch>
-        </p:blipFill>
-        <p:spPr>
-          <a:xfrm rot="3861835" flipH="1">
-            <a:off x="6740574" y="1787378"/>
-            <a:ext cx="851862" cy="939987"/>
-          </a:xfrm>
-          <a:prstGeom prst="rect">
-            <a:avLst/>
-          </a:prstGeom>
-        </p:spPr>
-      </p:pic>
-      <p:pic>
-        <p:nvPicPr>
-          <p:cNvPr id="23" name="Εικόνα 22" descr="Ρομπότ"/>
-          <p:cNvPicPr>
-            <a:picLocks noChangeAspect="1"/>
-          </p:cNvPicPr>
-          <p:nvPr/>
-        </p:nvPicPr>
-        <p:blipFill>
-          <a:blip r:embed="rId4"/>
-          <a:stretch>
-            <a:fillRect/>
-          </a:stretch>
-        </p:blipFill>
-        <p:spPr>
-          <a:xfrm>
-            <a:off x="7912741" y="1646170"/>
-            <a:ext cx="2775459" cy="4531804"/>
-          </a:xfrm>
-          <a:prstGeom prst="rect">
-            <a:avLst/>
-          </a:prstGeom>
-        </p:spPr>
-      </p:pic>
       <p:grpSp>
         <p:nvGrpSpPr>
           <p:cNvPr id="19" name="Ομάδα 18" descr="Μικρός κύκλος με τον αριθμό 2 που υποδεικνύει το βήμα 2"/>
@@ -12804,7 +11959,7 @@
         </p:nvGrpSpPr>
         <p:grpSpPr bwMode="blackWhite">
           <a:xfrm>
-            <a:off x="558723" y="3224505"/>
+            <a:off x="4806046" y="2535620"/>
             <a:ext cx="558179" cy="409838"/>
             <a:chOff x="6953426" y="711274"/>
             <a:chExt cx="558179" cy="409838"/>
@@ -12889,7 +12044,7 @@
                   <a:latin typeface="Segoe UI Semibold" panose="020B0702040204020203" pitchFamily="34" charset="0"/>
                   <a:cs typeface="Segoe UI Semibold" panose="020B0702040204020203" pitchFamily="34" charset="0"/>
                 </a:rPr>
-                <a:t>2</a:t>
+                <a:t>5</a:t>
               </a:r>
             </a:p>
           </p:txBody>
@@ -12905,8 +12060,8 @@
         </p:nvSpPr>
         <p:spPr>
           <a:xfrm>
-            <a:off x="1066039" y="3264697"/>
-            <a:ext cx="3504072" cy="913994"/>
+            <a:off x="5325157" y="2551910"/>
+            <a:ext cx="3504072" cy="2240834"/>
           </a:xfrm>
           <a:prstGeom prst="rect">
             <a:avLst/>
@@ -13115,7 +12270,7 @@
               <a:buNone/>
             </a:pPr>
             <a:r>
-              <a:rPr lang="el-GR" dirty="0">
+              <a:rPr lang="el-GR" sz="1400" dirty="0">
                 <a:solidFill>
                   <a:prstClr val="black">
                     <a:lumMod val="75000"/>
@@ -13125,42 +12280,23 @@
                 <a:latin typeface="Segoe UI" panose="020B0502040204020203" pitchFamily="34" charset="0"/>
                 <a:cs typeface="Segoe UI" panose="020B0502040204020203" pitchFamily="34" charset="0"/>
               </a:rPr>
-              <a:t>Πληκτρολογήστε</a:t>
-            </a:r>
-            <a:r>
-              <a:rPr lang="el-GR" dirty="0">
+              <a:t>Για την οπτικοποίηση των δεδομένων, χρησιμοποιήθηκε μια ισχυρή εφαρμογή (</a:t>
+            </a:r>
+            <a:r>
+              <a:rPr lang="en-US" sz="1400" dirty="0">
                 <a:solidFill>
                   <a:prstClr val="black">
                     <a:lumMod val="75000"/>
                     <a:lumOff val="25000"/>
                   </a:prstClr>
-                </a:solidFill>
-              </a:rPr>
-              <a:t> </a:t>
-            </a:r>
-            <a:r>
-              <a:rPr lang="el-GR" i="1" dirty="0">
-                <a:solidFill>
-                  <a:srgbClr val="D24726"/>
                 </a:solidFill>
                 <a:latin typeface="Segoe UI" panose="020B0502040204020203" pitchFamily="34" charset="0"/>
                 <a:cs typeface="Segoe UI" panose="020B0502040204020203" pitchFamily="34" charset="0"/>
               </a:rPr>
-              <a:t>κίνηση</a:t>
-            </a:r>
-            <a:r>
-              <a:rPr lang="el-GR" dirty="0">
-                <a:solidFill>
-                  <a:prstClr val="black">
-                    <a:lumMod val="75000"/>
-                    <a:lumOff val="25000"/>
-                  </a:prstClr>
-                </a:solidFill>
-              </a:rPr>
-              <a:t> </a:t>
-            </a:r>
-            <a:r>
-              <a:rPr lang="el-GR" dirty="0">
+              <a:t>Tableau</a:t>
+            </a:r>
+            <a:r>
+              <a:rPr lang="el-GR" sz="1400" dirty="0">
                 <a:solidFill>
                   <a:prstClr val="black">
                     <a:lumMod val="75000"/>
@@ -13170,20 +12306,10 @@
                 <a:latin typeface="Segoe UI" panose="020B0502040204020203" pitchFamily="34" charset="0"/>
                 <a:cs typeface="Segoe UI" panose="020B0502040204020203" pitchFamily="34" charset="0"/>
               </a:rPr>
-              <a:t>στο πλαίσιο </a:t>
-            </a:r>
-            <a:r>
-              <a:rPr lang="el-GR" dirty="0">
-                <a:solidFill>
-                  <a:srgbClr val="D24726"/>
-                </a:solidFill>
-                <a:latin typeface="Segoe UI Semibold" panose="020B0702040204020203" pitchFamily="34" charset="0"/>
-                <a:cs typeface="Segoe UI Semibold" panose="020B0702040204020203" pitchFamily="34" charset="0"/>
-              </a:rPr>
-              <a:t>Πείτε μου </a:t>
-            </a:r>
-            <a:r>
-              <a:rPr lang="el-GR" dirty="0">
+              <a:t>)</a:t>
+            </a:r>
+            <a:r>
+              <a:rPr lang="en-US" sz="1400" dirty="0">
                 <a:solidFill>
                   <a:prstClr val="black">
                     <a:lumMod val="75000"/>
@@ -13193,20 +12319,10 @@
                 <a:latin typeface="Segoe UI" panose="020B0502040204020203" pitchFamily="34" charset="0"/>
                 <a:cs typeface="Segoe UI" panose="020B0502040204020203" pitchFamily="34" charset="0"/>
               </a:rPr>
-              <a:t>και, στη συνέχεια, επιλέξτε </a:t>
-            </a:r>
-            <a:r>
-              <a:rPr lang="el-GR" dirty="0">
-                <a:solidFill>
-                  <a:srgbClr val="D24726"/>
-                </a:solidFill>
-                <a:latin typeface="Segoe UI Semibold" panose="020B0702040204020203" pitchFamily="34" charset="0"/>
-                <a:cs typeface="Segoe UI Semibold" panose="020B0702040204020203" pitchFamily="34" charset="0"/>
-              </a:rPr>
-              <a:t>Προσθήκη κίνησης</a:t>
-            </a:r>
-            <a:r>
-              <a:rPr lang="el-GR" dirty="0">
+              <a:t>, </a:t>
+            </a:r>
+            <a:r>
+              <a:rPr lang="el-GR" sz="1400" dirty="0">
                 <a:solidFill>
                   <a:prstClr val="black">
                     <a:lumMod val="75000"/>
@@ -13216,41 +12332,37 @@
                 <a:latin typeface="Segoe UI" panose="020B0502040204020203" pitchFamily="34" charset="0"/>
                 <a:cs typeface="Segoe UI" panose="020B0502040204020203" pitchFamily="34" charset="0"/>
               </a:rPr>
-              <a:t>.</a:t>
+              <a:t>η οποία καθιστά τα αποτελέσματα της</a:t>
+            </a:r>
+            <a:r>
+              <a:rPr lang="en-US" sz="1400" dirty="0">
+                <a:solidFill>
+                  <a:prstClr val="black">
+                    <a:lumMod val="75000"/>
+                    <a:lumOff val="25000"/>
+                  </a:prstClr>
+                </a:solidFill>
+                <a:latin typeface="Segoe UI" panose="020B0502040204020203" pitchFamily="34" charset="0"/>
+                <a:cs typeface="Segoe UI" panose="020B0502040204020203" pitchFamily="34" charset="0"/>
+              </a:rPr>
+              <a:t>,</a:t>
+            </a:r>
+            <a:r>
+              <a:rPr lang="el-GR" sz="1400" dirty="0">
+                <a:solidFill>
+                  <a:prstClr val="black">
+                    <a:lumMod val="75000"/>
+                    <a:lumOff val="25000"/>
+                  </a:prstClr>
+                </a:solidFill>
+                <a:latin typeface="Segoe UI" panose="020B0502040204020203" pitchFamily="34" charset="0"/>
+                <a:cs typeface="Segoe UI" panose="020B0502040204020203" pitchFamily="34" charset="0"/>
+              </a:rPr>
+              <a:t> καθαρά και συνοπτικά.</a:t>
             </a:r>
           </a:p>
         </p:txBody>
       </p:sp>
-      <p:pic>
-        <p:nvPicPr>
-          <p:cNvPr id="5" name="Εικόνα 4"/>
-          <p:cNvPicPr>
-            <a:picLocks noChangeAspect="1"/>
-          </p:cNvPicPr>
-          <p:nvPr/>
-        </p:nvPicPr>
-        <p:blipFill>
-          <a:blip r:embed="rId5" cstate="print">
-            <a:extLst>
-              <a:ext uri="{28A0092B-C50C-407E-A947-70E740481C1C}">
-                <a14:useLocalDpi xmlns:a14="http://schemas.microsoft.com/office/drawing/2010/main" val="0"/>
-              </a:ext>
-            </a:extLst>
-          </a:blip>
-          <a:stretch>
-            <a:fillRect/>
-          </a:stretch>
-        </p:blipFill>
-        <p:spPr>
-          <a:xfrm>
-            <a:off x="4545526" y="3361785"/>
-            <a:ext cx="2106152" cy="220832"/>
-          </a:xfrm>
-          <a:prstGeom prst="rect">
-            <a:avLst/>
-          </a:prstGeom>
-        </p:spPr>
-      </p:pic>
       <p:grpSp>
         <p:nvGrpSpPr>
           <p:cNvPr id="31" name="Ομάδα 30" descr="Μικρός κύκλος με τον αριθμό 3 που υποδεικνύει το βήμα 3"/>
@@ -13259,7 +12371,7 @@
         </p:nvGrpSpPr>
         <p:grpSpPr bwMode="blackWhite">
           <a:xfrm>
-            <a:off x="557319" y="4263506"/>
+            <a:off x="8725128" y="2531657"/>
             <a:ext cx="558179" cy="409838"/>
             <a:chOff x="6953426" y="711274"/>
             <a:chExt cx="558179" cy="409838"/>
@@ -13337,15 +12449,22 @@
             <a:p>
               <a:pPr algn="ctr" rtl="0"/>
               <a:r>
-                <a:rPr lang="el-GR" dirty="0">
+                <a:rPr lang="en-US" dirty="0">
                   <a:solidFill>
                     <a:schemeClr val="bg1"/>
                   </a:solidFill>
                   <a:latin typeface="Segoe UI Semibold" panose="020B0702040204020203" pitchFamily="34" charset="0"/>
                   <a:cs typeface="Segoe UI Semibold" panose="020B0702040204020203" pitchFamily="34" charset="0"/>
                 </a:rPr>
-                <a:t>3</a:t>
+                <a:t>6</a:t>
               </a:r>
+              <a:endParaRPr lang="el-GR" dirty="0">
+                <a:solidFill>
+                  <a:schemeClr val="bg1"/>
+                </a:solidFill>
+                <a:latin typeface="Segoe UI Semibold" panose="020B0702040204020203" pitchFamily="34" charset="0"/>
+                <a:cs typeface="Segoe UI Semibold" panose="020B0702040204020203" pitchFamily="34" charset="0"/>
+              </a:endParaRPr>
             </a:p>
           </p:txBody>
         </p:sp>
@@ -13360,8 +12479,8 @@
         </p:nvSpPr>
         <p:spPr>
           <a:xfrm>
-            <a:off x="1064636" y="4303697"/>
-            <a:ext cx="2075302" cy="1446087"/>
+            <a:off x="9324216" y="2597270"/>
+            <a:ext cx="2484648" cy="2124211"/>
           </a:xfrm>
           <a:prstGeom prst="rect">
             <a:avLst/>
@@ -13369,7 +12488,7 @@
         </p:spPr>
         <p:txBody>
           <a:bodyPr vert="horz" lIns="91440" tIns="45720" rIns="91440" bIns="45720" rtlCol="0">
-            <a:normAutofit/>
+            <a:noAutofit/>
           </a:bodyPr>
           <a:lstStyle>
             <a:lvl1pPr marL="228600" indent="-228600" algn="l" defTabSz="914400" rtl="0" eaLnBrk="1" latinLnBrk="0" hangingPunct="1">
@@ -13573,7 +12692,7 @@
               <a:buNone/>
             </a:pPr>
             <a:r>
-              <a:rPr lang="el-GR" dirty="0">
+              <a:rPr lang="el-GR" sz="1400" dirty="0">
                 <a:solidFill>
                   <a:prstClr val="black">
                     <a:lumMod val="75000"/>
@@ -13583,20 +12702,10 @@
                 <a:latin typeface="Segoe UI" panose="020B0502040204020203" pitchFamily="34" charset="0"/>
                 <a:cs typeface="Segoe UI" panose="020B0502040204020203" pitchFamily="34" charset="0"/>
               </a:rPr>
-              <a:t>Επιλέξτε ένα εφέ κίνησης, όπως </a:t>
-            </a:r>
-            <a:r>
-              <a:rPr lang="el-GR" dirty="0">
-                <a:solidFill>
-                  <a:srgbClr val="D24726"/>
-                </a:solidFill>
-                <a:latin typeface="Segoe UI Semibold" panose="020B0702040204020203" pitchFamily="34" charset="0"/>
-                <a:cs typeface="Segoe UI Semibold" panose="020B0702040204020203" pitchFamily="34" charset="0"/>
-              </a:rPr>
-              <a:t>Ζουμ</a:t>
-            </a:r>
-            <a:r>
-              <a:rPr lang="el-GR" dirty="0">
+              <a:t>Οι 8 τύποι παικτών σαν αποτέλεσμα αυτής της εργασίας ορίσθηκαν</a:t>
+            </a:r>
+            <a:r>
+              <a:rPr lang="en-US" sz="1400" dirty="0">
                 <a:solidFill>
                   <a:prstClr val="black">
                     <a:lumMod val="75000"/>
@@ -13606,66 +12715,21 @@
                 <a:latin typeface="Segoe UI" panose="020B0502040204020203" pitchFamily="34" charset="0"/>
                 <a:cs typeface="Segoe UI" panose="020B0502040204020203" pitchFamily="34" charset="0"/>
               </a:rPr>
-              <a:t> και παρακολουθήστε </a:t>
-            </a:r>
-            <a:br>
-              <a:rPr lang="el-GR" dirty="0">
-                <a:solidFill>
-                  <a:prstClr val="black">
-                    <a:lumMod val="75000"/>
-                    <a:lumOff val="25000"/>
-                  </a:prstClr>
-                </a:solidFill>
-                <a:latin typeface="Segoe UI" panose="020B0502040204020203" pitchFamily="34" charset="0"/>
-                <a:cs typeface="Segoe UI" panose="020B0502040204020203" pitchFamily="34" charset="0"/>
-              </a:rPr>
-            </a:br>
-            <a:r>
-              <a:rPr lang="el-GR" dirty="0">
-                <a:solidFill>
-                  <a:prstClr val="black">
-                    <a:lumMod val="75000"/>
-                    <a:lumOff val="25000"/>
-                  </a:prstClr>
-                </a:solidFill>
-                <a:latin typeface="Segoe UI" panose="020B0502040204020203" pitchFamily="34" charset="0"/>
-                <a:cs typeface="Segoe UI" panose="020B0502040204020203" pitchFamily="34" charset="0"/>
-              </a:rPr>
-              <a:t>τι θα συμβεί.</a:t>
-            </a:r>
+              <a:t>: Defensive Centers, 3-and-D Wings, Scoring Wings, Versatile Forwards, Floor Generals, Shooting Wings, Combo Guards, Offensive Centers.</a:t>
+            </a:r>
+            <a:endParaRPr lang="el-GR" sz="1400" dirty="0">
+              <a:solidFill>
+                <a:prstClr val="black">
+                  <a:lumMod val="75000"/>
+                  <a:lumOff val="25000"/>
+                </a:prstClr>
+              </a:solidFill>
+              <a:latin typeface="Segoe UI" panose="020B0502040204020203" pitchFamily="34" charset="0"/>
+              <a:cs typeface="Segoe UI" panose="020B0502040204020203" pitchFamily="34" charset="0"/>
+            </a:endParaRPr>
           </a:p>
         </p:txBody>
       </p:sp>
-      <p:pic>
-        <p:nvPicPr>
-          <p:cNvPr id="7" name="Εικόνα 6"/>
-          <p:cNvPicPr>
-            <a:picLocks noChangeAspect="1"/>
-          </p:cNvPicPr>
-          <p:nvPr/>
-        </p:nvPicPr>
-        <p:blipFill>
-          <a:blip r:embed="rId6">
-            <a:extLst>
-              <a:ext uri="{28A0092B-C50C-407E-A947-70E740481C1C}">
-                <a14:useLocalDpi xmlns:a14="http://schemas.microsoft.com/office/drawing/2010/main" val="0"/>
-              </a:ext>
-            </a:extLst>
-          </a:blip>
-          <a:stretch>
-            <a:fillRect/>
-          </a:stretch>
-        </p:blipFill>
-        <p:spPr>
-          <a:xfrm>
-            <a:off x="3105483" y="4069080"/>
-            <a:ext cx="3803903" cy="2438400"/>
-          </a:xfrm>
-          <a:prstGeom prst="rect">
-            <a:avLst/>
-          </a:prstGeom>
-        </p:spPr>
-      </p:pic>
     </p:spTree>
     <p:extLst>
       <p:ext uri="{BB962C8B-B14F-4D97-AF65-F5344CB8AC3E}">

--- a/machine-learning-12-13.pptx
+++ b/machine-learning-12-13.pptx
@@ -5,10 +5,10 @@
     <p:sldMasterId id="2147483660" r:id="rId1"/>
   </p:sldMasterIdLst>
   <p:notesMasterIdLst>
-    <p:notesMasterId r:id="rId14"/>
+    <p:notesMasterId r:id="rId13"/>
   </p:notesMasterIdLst>
   <p:handoutMasterIdLst>
-    <p:handoutMasterId r:id="rId15"/>
+    <p:handoutMasterId r:id="rId14"/>
   </p:handoutMasterIdLst>
   <p:sldIdLst>
     <p:sldId id="256" r:id="rId2"/>
@@ -16,13 +16,12 @@
     <p:sldId id="279" r:id="rId4"/>
     <p:sldId id="284" r:id="rId5"/>
     <p:sldId id="283" r:id="rId6"/>
-    <p:sldId id="285" r:id="rId7"/>
-    <p:sldId id="281" r:id="rId8"/>
-    <p:sldId id="280" r:id="rId9"/>
-    <p:sldId id="257" r:id="rId10"/>
-    <p:sldId id="275" r:id="rId11"/>
-    <p:sldId id="276" r:id="rId12"/>
-    <p:sldId id="282" r:id="rId13"/>
+    <p:sldId id="281" r:id="rId7"/>
+    <p:sldId id="280" r:id="rId8"/>
+    <p:sldId id="257" r:id="rId9"/>
+    <p:sldId id="275" r:id="rId10"/>
+    <p:sldId id="276" r:id="rId11"/>
+    <p:sldId id="282" r:id="rId12"/>
   </p:sldIdLst>
   <p:sldSz cx="12192000" cy="6858000"/>
   <p:notesSz cx="6858000" cy="9144000"/>
@@ -135,7 +134,6 @@
             <p14:sldId id="279"/>
             <p14:sldId id="284"/>
             <p14:sldId id="283"/>
-            <p14:sldId id="285"/>
             <p14:sldId id="281"/>
             <p14:sldId id="280"/>
             <p14:sldId id="257"/>
@@ -268,7 +266,7 @@
             <a:pPr rtl="0"/>
             <a:fld id="{60A3599D-F7E3-4649-B859-D4940257D38C}" type="datetime1">
               <a:rPr lang="el-GR" smtClean="0"/>
-              <a:t>5/12/2018</a:t>
+              <a:t>6/12/2018</a:t>
             </a:fld>
             <a:endParaRPr lang="el-GR" dirty="0"/>
           </a:p>
@@ -438,7 +436,7 @@
             <a:pPr rtl="0"/>
             <a:fld id="{B3D094AE-4861-4AAD-8067-7B835847F302}" type="datetime1">
               <a:rPr lang="el-GR" noProof="0" smtClean="0"/>
-              <a:t>5/12/2018</a:t>
+              <a:t>6/12/2018</a:t>
             </a:fld>
             <a:endParaRPr lang="el-GR" noProof="0" dirty="0"/>
           </a:p>
@@ -1036,7 +1034,7 @@
             <a:pPr rtl="0"/>
             <a:fld id="{DF61EA0F-A667-4B49-8422-0062BC55E249}" type="slidenum">
               <a:rPr lang="el-GR" smtClean="0"/>
-              <a:t>7</a:t>
+              <a:t>6</a:t>
             </a:fld>
             <a:endParaRPr lang="el-GR" dirty="0"/>
           </a:p>
@@ -1121,7 +1119,7 @@
             <a:pPr rtl="0"/>
             <a:fld id="{DF61EA0F-A667-4B49-8422-0062BC55E249}" type="slidenum">
               <a:rPr lang="el-GR" smtClean="0"/>
-              <a:t>8</a:t>
+              <a:t>7</a:t>
             </a:fld>
             <a:endParaRPr lang="el-GR" dirty="0"/>
           </a:p>
@@ -1206,7 +1204,7 @@
             <a:pPr rtl="0"/>
             <a:fld id="{DF61EA0F-A667-4B49-8422-0062BC55E249}" type="slidenum">
               <a:rPr lang="el-GR" smtClean="0"/>
-              <a:t>9</a:t>
+              <a:t>8</a:t>
             </a:fld>
             <a:endParaRPr lang="el-GR" dirty="0"/>
           </a:p>
@@ -1291,7 +1289,7 @@
             <a:pPr rtl="0"/>
             <a:fld id="{DF61EA0F-A667-4B49-8422-0062BC55E249}" type="slidenum">
               <a:rPr lang="el-GR" smtClean="0"/>
-              <a:t>10</a:t>
+              <a:t>9</a:t>
             </a:fld>
             <a:endParaRPr lang="el-GR" dirty="0"/>
           </a:p>
@@ -1376,7 +1374,7 @@
             <a:pPr rtl="0"/>
             <a:fld id="{DF61EA0F-A667-4B49-8422-0062BC55E249}" type="slidenum">
               <a:rPr lang="el-GR" smtClean="0"/>
-              <a:t>11</a:t>
+              <a:t>10</a:t>
             </a:fld>
             <a:endParaRPr lang="el-GR" dirty="0"/>
           </a:p>
@@ -1470,7 +1468,7 @@
             <a:pPr rtl="0"/>
             <a:fld id="{DF61EA0F-A667-4B49-8422-0062BC55E249}" type="slidenum">
               <a:rPr lang="el-GR" smtClean="0"/>
-              <a:t>12</a:t>
+              <a:t>11</a:t>
             </a:fld>
             <a:endParaRPr lang="el-GR" dirty="0"/>
           </a:p>
@@ -1930,7 +1928,7 @@
             <a:pPr rtl="0"/>
             <a:fld id="{368E473F-9E20-4236-857A-0F18234A7730}" type="datetime1">
               <a:rPr lang="el-GR" noProof="0" smtClean="0"/>
-              <a:t>5/12/2018</a:t>
+              <a:t>6/12/2018</a:t>
             </a:fld>
             <a:endParaRPr lang="el-GR" noProof="0" dirty="0"/>
           </a:p>
@@ -2594,7 +2592,7 @@
             <a:pPr rtl="0"/>
             <a:fld id="{577B7329-A8D8-42EA-B94C-D5FD42F8F744}" type="datetime1">
               <a:rPr lang="el-GR" smtClean="0"/>
-              <a:t>5/12/2018</a:t>
+              <a:t>6/12/2018</a:t>
             </a:fld>
             <a:endParaRPr lang="el-GR" dirty="0"/>
           </a:p>
@@ -3206,7 +3204,7 @@
       </p:grpSpPr>
       <p:sp>
         <p:nvSpPr>
-          <p:cNvPr id="6" name="Τίτλος 5"/>
+          <p:cNvPr id="8" name="Τίτλος 7"/>
           <p:cNvSpPr>
             <a:spLocks noGrp="1"/>
           </p:cNvSpPr>
@@ -3217,7 +3215,7 @@
         <p:spPr>
           <a:xfrm>
             <a:off x="521207" y="448056"/>
-            <a:ext cx="10667903" cy="640080"/>
+            <a:ext cx="8150845" cy="640080"/>
           </a:xfrm>
         </p:spPr>
         <p:txBody>
@@ -3232,14 +3230,14 @@
                 <a:latin typeface="Segoe UI Light" panose="020B0502040204020203" pitchFamily="34" charset="0"/>
                 <a:cs typeface="Segoe UI Light" panose="020B0502040204020203" pitchFamily="34" charset="0"/>
               </a:rPr>
-              <a:t>Αποκτήστε την εμπειρία των ειδικών με το πλαίσιο "Πείτε μου"</a:t>
+              <a:t>Εξερεύνηση χωρίς κλείσιμο των διαφανειών</a:t>
             </a:r>
           </a:p>
         </p:txBody>
       </p:sp>
       <p:sp>
         <p:nvSpPr>
-          <p:cNvPr id="38" name="Θέση περιεχομένου 17"/>
+          <p:cNvPr id="16" name="Θέση περιεχομένου 17"/>
           <p:cNvSpPr txBox="1">
             <a:spLocks/>
           </p:cNvSpPr>
@@ -3247,8 +3245,8 @@
         </p:nvSpPr>
         <p:spPr>
           <a:xfrm>
-            <a:off x="541609" y="1296100"/>
-            <a:ext cx="5110161" cy="1236475"/>
+            <a:off x="623380" y="1976107"/>
+            <a:ext cx="6093106" cy="2905786"/>
           </a:xfrm>
           <a:prstGeom prst="rect">
             <a:avLst/>
@@ -3453,174 +3451,26 @@
             </a:lvl9pPr>
           </a:lstStyle>
           <a:p>
-            <a:pPr marL="0" indent="0" rtl="0">
+            <a:pPr marL="0" indent="0">
               <a:spcAft>
                 <a:spcPts val="2000"/>
               </a:spcAft>
               <a:buNone/>
             </a:pPr>
             <a:r>
-              <a:rPr lang="el-GR" dirty="0">
-                <a:solidFill>
-                  <a:prstClr val="black">
-                    <a:lumMod val="75000"/>
-                    <a:lumOff val="25000"/>
-                  </a:prstClr>
-                </a:solidFill>
-                <a:latin typeface="Segoe UI" panose="020B0502040204020203" pitchFamily="34" charset="0"/>
-                <a:cs typeface="Segoe UI" panose="020B0502040204020203" pitchFamily="34" charset="0"/>
-              </a:rPr>
-              <a:t>Το πλαίσιο "Πείτε μου" βρίσκει τη σωστή εντολή όταν τη χρειάζεστε, </a:t>
-            </a:r>
-            <a:br>
-              <a:rPr lang="el-GR" dirty="0">
-                <a:solidFill>
-                  <a:prstClr val="black">
-                    <a:lumMod val="75000"/>
-                    <a:lumOff val="25000"/>
-                  </a:prstClr>
-                </a:solidFill>
-                <a:latin typeface="Segoe UI" panose="020B0502040204020203" pitchFamily="34" charset="0"/>
-                <a:cs typeface="Segoe UI" panose="020B0502040204020203" pitchFamily="34" charset="0"/>
-              </a:rPr>
-            </a:br>
-            <a:r>
-              <a:rPr lang="el-GR" dirty="0">
-                <a:solidFill>
-                  <a:prstClr val="black">
-                    <a:lumMod val="75000"/>
-                    <a:lumOff val="25000"/>
-                  </a:prstClr>
-                </a:solidFill>
-                <a:latin typeface="Segoe UI" panose="020B0502040204020203" pitchFamily="34" charset="0"/>
-                <a:cs typeface="Segoe UI" panose="020B0502040204020203" pitchFamily="34" charset="0"/>
-              </a:rPr>
-              <a:t>για να εξοικονομείτε χρόνο και να επικεντρώνεστε στην εργασία σας.</a:t>
-            </a:r>
-            <a:br>
-              <a:rPr lang="el-GR" dirty="0">
-                <a:latin typeface="Segoe UI" panose="020B0502040204020203" pitchFamily="34" charset="0"/>
-                <a:cs typeface="Segoe UI" panose="020B0502040204020203" pitchFamily="34" charset="0"/>
-              </a:rPr>
-            </a:br>
-            <a:br>
-              <a:rPr lang="el-GR" dirty="0">
-                <a:latin typeface="Segoe UI" panose="020B0502040204020203" pitchFamily="34" charset="0"/>
-                <a:cs typeface="Segoe UI" panose="020B0502040204020203" pitchFamily="34" charset="0"/>
-              </a:rPr>
-            </a:br>
-            <a:r>
-              <a:rPr lang="el-GR" dirty="0">
-                <a:latin typeface="Segoe UI" panose="020B0502040204020203" pitchFamily="34" charset="0"/>
-                <a:cs typeface="Segoe UI" panose="020B0502040204020203" pitchFamily="34" charset="0"/>
-              </a:rPr>
-              <a:t>Δοκιμάστε το:</a:t>
-            </a:r>
+              <a:rPr lang="el-GR" dirty="0"/>
+              <a:t>Χρησιμοποιώντας την μηχανική μάθηση, ταξινομήθηκαν οι παίκτες του NBA με τα στατιστικά χαρακτηριστικά τους σε φυσικά clusters που ταιριάζουν καλύτερα με τα σύνολα δεξιοτήτων τους. Από τα clusters που έχουν κατασκευασθεί, οι αλγόριθμοι εντοπίζουν ποια χαρακτηριστικά είναι πιο σημαντικά για έναν παίκτη και τα ομαδοποιούν με τέτοιο τρόπο ώστε να είναι εύκολα ερμηνεύσιμα και εγγενώς κατανοητά από τους παίκτες, τους προπονητές και τους οπαδούς.</a:t>
+            </a:r>
+            <a:endParaRPr lang="el-GR" dirty="0">
+              <a:latin typeface="Segoe UI" panose="020B0502040204020203" pitchFamily="34" charset="0"/>
+              <a:cs typeface="Segoe UI" panose="020B0502040204020203" pitchFamily="34" charset="0"/>
+            </a:endParaRPr>
           </a:p>
         </p:txBody>
       </p:sp>
-      <p:grpSp>
-        <p:nvGrpSpPr>
-          <p:cNvPr id="4" name="Ομάδα 3" descr="Μικρός κύκλος με τον αριθμό 1 που υποδεικνύει το βήμα 1"/>
-          <p:cNvGrpSpPr/>
-          <p:nvPr/>
-        </p:nvGrpSpPr>
-        <p:grpSpPr bwMode="blackWhite">
-          <a:xfrm>
-            <a:off x="558723" y="2638502"/>
-            <a:ext cx="558179" cy="409838"/>
-            <a:chOff x="6953426" y="711274"/>
-            <a:chExt cx="558179" cy="409838"/>
-          </a:xfrm>
-        </p:grpSpPr>
-        <p:sp>
-          <p:nvSpPr>
-            <p:cNvPr id="2" name="Έλλειψη 1" descr="Μικρός κύκλος"/>
-            <p:cNvSpPr/>
-            <p:nvPr/>
-          </p:nvSpPr>
-          <p:spPr bwMode="blackWhite">
-            <a:xfrm>
-              <a:off x="7025069" y="711274"/>
-              <a:ext cx="409838" cy="409838"/>
-            </a:xfrm>
-            <a:prstGeom prst="ellipse">
-              <a:avLst/>
-            </a:prstGeom>
-            <a:solidFill>
-              <a:srgbClr val="D24726"/>
-            </a:solidFill>
-            <a:ln>
-              <a:noFill/>
-            </a:ln>
-          </p:spPr>
-          <p:style>
-            <a:lnRef idx="2">
-              <a:schemeClr val="accent1">
-                <a:shade val="50000"/>
-              </a:schemeClr>
-            </a:lnRef>
-            <a:fillRef idx="1">
-              <a:schemeClr val="accent1"/>
-            </a:fillRef>
-            <a:effectRef idx="0">
-              <a:schemeClr val="accent1"/>
-            </a:effectRef>
-            <a:fontRef idx="minor">
-              <a:schemeClr val="lt1"/>
-            </a:fontRef>
-          </p:style>
-          <p:txBody>
-            <a:bodyPr rtlCol="0" anchor="ctr"/>
-            <a:lstStyle/>
-            <a:p>
-              <a:pPr algn="ctr" rtl="0"/>
-              <a:endParaRPr lang="el-GR" dirty="0"/>
-            </a:p>
-          </p:txBody>
-        </p:sp>
-        <p:sp>
-          <p:nvSpPr>
-            <p:cNvPr id="3" name="Πλαίσιο κειμένου 2" descr="Αριθμός 1"/>
-            <p:cNvSpPr txBox="1">
-              <a:spLocks noChangeAspect="1"/>
-            </p:cNvSpPr>
-            <p:nvPr/>
-          </p:nvSpPr>
-          <p:spPr bwMode="blackWhite">
-            <a:xfrm>
-              <a:off x="6953426" y="727564"/>
-              <a:ext cx="558179" cy="369332"/>
-            </a:xfrm>
-            <a:prstGeom prst="rect">
-              <a:avLst/>
-            </a:prstGeom>
-            <a:noFill/>
-          </p:spPr>
-          <p:txBody>
-            <a:bodyPr wrap="square" rtlCol="0">
-              <a:spAutoFit/>
-            </a:bodyPr>
-            <a:lstStyle/>
-            <a:p>
-              <a:pPr algn="ctr" rtl="0"/>
-              <a:r>
-                <a:rPr lang="el-GR" dirty="0">
-                  <a:solidFill>
-                    <a:schemeClr val="bg1"/>
-                  </a:solidFill>
-                  <a:latin typeface="Segoe UI Semibold" panose="020B0702040204020203" pitchFamily="34" charset="0"/>
-                  <a:cs typeface="Segoe UI Semibold" panose="020B0702040204020203" pitchFamily="34" charset="0"/>
-                </a:rPr>
-                <a:t>1</a:t>
-              </a:r>
-            </a:p>
-          </p:txBody>
-        </p:sp>
-      </p:grpSp>
       <p:sp>
         <p:nvSpPr>
-          <p:cNvPr id="29" name="Θέση περιεχομένου 17"/>
+          <p:cNvPr id="42" name="Θέση περιεχομένου 17"/>
           <p:cNvSpPr txBox="1">
             <a:spLocks/>
           </p:cNvSpPr>
@@ -3628,8 +3478,8 @@
         </p:nvSpPr>
         <p:spPr>
           <a:xfrm>
-            <a:off x="1066039" y="2678694"/>
-            <a:ext cx="3121671" cy="467647"/>
+            <a:off x="1066038" y="5273573"/>
+            <a:ext cx="2919669" cy="1298398"/>
           </a:xfrm>
           <a:prstGeom prst="rect">
             <a:avLst/>
@@ -3834,276 +3684,28 @@
             </a:lvl9pPr>
           </a:lstStyle>
           <a:p>
-            <a:pPr marL="0" lvl="0" indent="0" defTabSz="512763" rtl="0">
-              <a:lnSpc>
-                <a:spcPct val="100000"/>
-              </a:lnSpc>
-              <a:spcBef>
-                <a:spcPts val="0"/>
-              </a:spcBef>
+            <a:pPr marL="0" indent="0">
               <a:spcAft>
                 <a:spcPts val="2000"/>
               </a:spcAft>
               <a:buNone/>
             </a:pPr>
-            <a:r>
-              <a:rPr lang="el-GR" dirty="0">
-                <a:solidFill>
-                  <a:prstClr val="black">
-                    <a:lumMod val="75000"/>
-                    <a:lumOff val="25000"/>
-                  </a:prstClr>
-                </a:solidFill>
-                <a:latin typeface="Segoe UI" panose="020B0502040204020203" pitchFamily="34" charset="0"/>
-                <a:cs typeface="Segoe UI" panose="020B0502040204020203" pitchFamily="34" charset="0"/>
-              </a:rPr>
-              <a:t>Επιλέξτε την </a:t>
-            </a:r>
-            <a:r>
-              <a:rPr lang="el-GR" dirty="0">
-                <a:solidFill>
-                  <a:srgbClr val="404040"/>
-                </a:solidFill>
-                <a:latin typeface="Segoe UI" panose="020B0502040204020203" pitchFamily="34" charset="0"/>
-                <a:cs typeface="Segoe UI" panose="020B0502040204020203" pitchFamily="34" charset="0"/>
-              </a:rPr>
-              <a:t>εικόνα του ρομπότ </a:t>
-            </a:r>
-            <a:r>
-              <a:rPr lang="el-GR" dirty="0">
-                <a:solidFill>
-                  <a:prstClr val="black">
-                    <a:lumMod val="75000"/>
-                    <a:lumOff val="25000"/>
-                  </a:prstClr>
-                </a:solidFill>
-                <a:latin typeface="Segoe UI" panose="020B0502040204020203" pitchFamily="34" charset="0"/>
-                <a:cs typeface="Segoe UI" panose="020B0502040204020203" pitchFamily="34" charset="0"/>
-              </a:rPr>
-              <a:t>στα δεξιά.</a:t>
-            </a:r>
+            <a:endParaRPr lang="el-GR" sz="1800" dirty="0">
+              <a:solidFill>
+                <a:prstClr val="black">
+                  <a:lumMod val="75000"/>
+                  <a:lumOff val="25000"/>
+                </a:prstClr>
+              </a:solidFill>
+              <a:latin typeface="Segoe UI" panose="020B0502040204020203" pitchFamily="34" charset="0"/>
+              <a:cs typeface="Segoe UI" panose="020B0502040204020203" pitchFamily="34" charset="0"/>
+            </a:endParaRPr>
           </a:p>
         </p:txBody>
       </p:sp>
       <p:sp>
         <p:nvSpPr>
-          <p:cNvPr id="25" name="Πλαίσιο κειμένου 16" descr="Επιλέξτε &quot;εγώ&quot;"/>
-          <p:cNvSpPr txBox="1"/>
-          <p:nvPr/>
-        </p:nvSpPr>
-        <p:spPr>
-          <a:xfrm rot="21077122">
-            <a:off x="6043297" y="1772253"/>
-            <a:ext cx="1334770" cy="435610"/>
-          </a:xfrm>
-          <a:prstGeom prst="rect">
-            <a:avLst/>
-          </a:prstGeom>
-          <a:noFill/>
-          <a:ln>
-            <a:noFill/>
-          </a:ln>
-          <a:effectLst/>
-          <a:extLst>
-            <a:ext uri="{C572A759-6A51-4108-AA02-DFA0A04FC94B}">
-              <ma14:wrappingTextBoxFlag xmlns:ma14="http://schemas.microsoft.com/office/mac/drawingml/2011/main" xmlns=""/>
-            </a:ext>
-          </a:extLst>
-        </p:spPr>
-        <p:txBody>
-          <a:bodyPr rot="0" spcFirstLastPara="0" vert="horz" wrap="none" lIns="91440" tIns="45720" rIns="91440" bIns="45720" numCol="1" spcCol="0" rtlCol="0" fromWordArt="0" anchor="t" anchorCtr="0" forceAA="0" compatLnSpc="1">
-            <a:prstTxWarp prst="textNoShape">
-              <a:avLst/>
-            </a:prstTxWarp>
-            <a:noAutofit/>
-          </a:bodyPr>
-          <a:lstStyle/>
-          <a:p>
-            <a:pPr algn="ctr">
-              <a:spcAft>
-                <a:spcPts val="200"/>
-              </a:spcAft>
-              <a:tabLst>
-                <a:tab pos="4931410" algn="l"/>
-              </a:tabLst>
-            </a:pPr>
-            <a:r>
-              <a:rPr lang="el-GR" sz="1200" b="1" kern="1000" spc="100" dirty="0">
-                <a:solidFill>
-                  <a:srgbClr val="D24726"/>
-                </a:solidFill>
-                <a:latin typeface="Segoe UI Semibold" panose="020B0702040204020203" pitchFamily="34" charset="0"/>
-                <a:ea typeface="SimHei" panose="02010609060101010101" pitchFamily="49" charset="-122"/>
-                <a:cs typeface="Times New Roman" panose="02020603050405020304" pitchFamily="18" charset="0"/>
-              </a:rPr>
-              <a:t>ΕΠΙΛΕΞΤΕ ΜΕ</a:t>
-            </a:r>
-            <a:endParaRPr lang="el-GR" sz="1200" b="1" kern="1400" dirty="0">
-              <a:solidFill>
-                <a:srgbClr val="D24726"/>
-              </a:solidFill>
-              <a:effectLst/>
-              <a:latin typeface="Segoe UI Light" panose="020B0502040204020203" pitchFamily="34" charset="0"/>
-              <a:ea typeface="SimHei" panose="02010609060101010101" pitchFamily="49" charset="-122"/>
-              <a:cs typeface="Times New Roman" panose="02020603050405020304" pitchFamily="18" charset="0"/>
-            </a:endParaRPr>
-          </a:p>
-        </p:txBody>
-      </p:sp>
-      <p:pic>
-        <p:nvPicPr>
-          <p:cNvPr id="24" name="Εικόνα 23" descr="Καμπύλο βέλος"/>
-          <p:cNvPicPr/>
-          <p:nvPr/>
-        </p:nvPicPr>
-        <p:blipFill>
-          <a:blip r:embed="rId3" cstate="print">
-            <a:extLst>
-              <a:ext uri="{28A0092B-C50C-407E-A947-70E740481C1C}">
-                <a14:useLocalDpi xmlns:a14="http://schemas.microsoft.com/office/drawing/2010/main" val="0"/>
-              </a:ext>
-            </a:extLst>
-          </a:blip>
-          <a:stretch>
-            <a:fillRect/>
-          </a:stretch>
-        </p:blipFill>
-        <p:spPr>
-          <a:xfrm rot="3861835" flipH="1">
-            <a:off x="6740574" y="1787378"/>
-            <a:ext cx="851862" cy="939987"/>
-          </a:xfrm>
-          <a:prstGeom prst="rect">
-            <a:avLst/>
-          </a:prstGeom>
-        </p:spPr>
-      </p:pic>
-      <p:pic>
-        <p:nvPicPr>
-          <p:cNvPr id="23" name="Εικόνα 22" descr="Ρομπότ"/>
-          <p:cNvPicPr>
-            <a:picLocks noChangeAspect="1"/>
-          </p:cNvPicPr>
-          <p:nvPr/>
-        </p:nvPicPr>
-        <p:blipFill>
-          <a:blip r:embed="rId4"/>
-          <a:stretch>
-            <a:fillRect/>
-          </a:stretch>
-        </p:blipFill>
-        <p:spPr>
-          <a:xfrm>
-            <a:off x="7912741" y="1646170"/>
-            <a:ext cx="2775459" cy="4531804"/>
-          </a:xfrm>
-          <a:prstGeom prst="rect">
-            <a:avLst/>
-          </a:prstGeom>
-        </p:spPr>
-      </p:pic>
-      <p:grpSp>
-        <p:nvGrpSpPr>
-          <p:cNvPr id="19" name="Ομάδα 18" descr="Μικρός κύκλος με τον αριθμό 2 που υποδεικνύει το βήμα 2"/>
-          <p:cNvGrpSpPr/>
-          <p:nvPr/>
-        </p:nvGrpSpPr>
-        <p:grpSpPr bwMode="blackWhite">
-          <a:xfrm>
-            <a:off x="558723" y="3224505"/>
-            <a:ext cx="558179" cy="409838"/>
-            <a:chOff x="6953426" y="711274"/>
-            <a:chExt cx="558179" cy="409838"/>
-          </a:xfrm>
-        </p:grpSpPr>
-        <p:sp>
-          <p:nvSpPr>
-            <p:cNvPr id="20" name="Έλλειψη 19" descr="Μικρός κύκλος"/>
-            <p:cNvSpPr/>
-            <p:nvPr/>
-          </p:nvSpPr>
-          <p:spPr bwMode="blackWhite">
-            <a:xfrm>
-              <a:off x="7025069" y="711274"/>
-              <a:ext cx="409838" cy="409838"/>
-            </a:xfrm>
-            <a:prstGeom prst="ellipse">
-              <a:avLst/>
-            </a:prstGeom>
-            <a:solidFill>
-              <a:srgbClr val="D24726"/>
-            </a:solidFill>
-            <a:ln>
-              <a:noFill/>
-            </a:ln>
-          </p:spPr>
-          <p:style>
-            <a:lnRef idx="2">
-              <a:schemeClr val="accent1">
-                <a:shade val="50000"/>
-              </a:schemeClr>
-            </a:lnRef>
-            <a:fillRef idx="1">
-              <a:schemeClr val="accent1"/>
-            </a:fillRef>
-            <a:effectRef idx="0">
-              <a:schemeClr val="accent1"/>
-            </a:effectRef>
-            <a:fontRef idx="minor">
-              <a:schemeClr val="lt1"/>
-            </a:fontRef>
-          </p:style>
-          <p:txBody>
-            <a:bodyPr rtlCol="0" anchor="ctr"/>
-            <a:lstStyle/>
-            <a:p>
-              <a:pPr algn="ctr" rtl="0"/>
-              <a:endParaRPr lang="el-GR" dirty="0"/>
-            </a:p>
-          </p:txBody>
-        </p:sp>
-        <p:sp>
-          <p:nvSpPr>
-            <p:cNvPr id="21" name="Πλαίσιο κειμένου 20" descr="Αριθμός 2"/>
-            <p:cNvSpPr txBox="1">
-              <a:spLocks noChangeAspect="1"/>
-            </p:cNvSpPr>
-            <p:nvPr/>
-          </p:nvSpPr>
-          <p:spPr bwMode="blackWhite">
-            <a:xfrm>
-              <a:off x="6953426" y="727564"/>
-              <a:ext cx="558179" cy="369332"/>
-            </a:xfrm>
-            <a:prstGeom prst="rect">
-              <a:avLst/>
-            </a:prstGeom>
-            <a:noFill/>
-          </p:spPr>
-          <p:txBody>
-            <a:bodyPr wrap="square" rtlCol="0">
-              <a:spAutoFit/>
-            </a:bodyPr>
-            <a:lstStyle/>
-            <a:p>
-              <a:pPr algn="ctr" rtl="0"/>
-              <a:r>
-                <a:rPr lang="el-GR" dirty="0">
-                  <a:solidFill>
-                    <a:schemeClr val="bg1"/>
-                  </a:solidFill>
-                  <a:latin typeface="Segoe UI Semibold" panose="020B0702040204020203" pitchFamily="34" charset="0"/>
-                  <a:cs typeface="Segoe UI Semibold" panose="020B0702040204020203" pitchFamily="34" charset="0"/>
-                </a:rPr>
-                <a:t>2</a:t>
-              </a:r>
-            </a:p>
-          </p:txBody>
-        </p:sp>
-      </p:grpSp>
-      <p:sp>
-        <p:nvSpPr>
-          <p:cNvPr id="22" name="Θέση περιεχομένου 17"/>
+          <p:cNvPr id="43" name="Θέση περιεχομένου 17"/>
           <p:cNvSpPr txBox="1">
             <a:spLocks/>
           </p:cNvSpPr>
@@ -4111,8 +3713,8 @@
         </p:nvSpPr>
         <p:spPr>
           <a:xfrm>
-            <a:off x="1066039" y="3264697"/>
-            <a:ext cx="3504072" cy="913994"/>
+            <a:off x="4654504" y="5260745"/>
+            <a:ext cx="3106367" cy="1324053"/>
           </a:xfrm>
           <a:prstGeom prst="rect">
             <a:avLst/>
@@ -4318,125 +3920,270 @@
           </a:lstStyle>
           <a:p>
             <a:pPr marL="0" indent="0" rtl="0">
+              <a:spcAft>
+                <a:spcPts val="2000"/>
+              </a:spcAft>
               <a:buNone/>
             </a:pPr>
-            <a:r>
-              <a:rPr lang="el-GR" dirty="0">
-                <a:solidFill>
-                  <a:prstClr val="black">
-                    <a:lumMod val="75000"/>
-                    <a:lumOff val="25000"/>
-                  </a:prstClr>
-                </a:solidFill>
-                <a:latin typeface="Segoe UI" panose="020B0502040204020203" pitchFamily="34" charset="0"/>
-                <a:cs typeface="Segoe UI" panose="020B0502040204020203" pitchFamily="34" charset="0"/>
-              </a:rPr>
-              <a:t>Πληκτρολογήστε</a:t>
-            </a:r>
-            <a:r>
-              <a:rPr lang="el-GR" dirty="0">
-                <a:solidFill>
-                  <a:prstClr val="black">
-                    <a:lumMod val="75000"/>
-                    <a:lumOff val="25000"/>
-                  </a:prstClr>
-                </a:solidFill>
-              </a:rPr>
-              <a:t> </a:t>
-            </a:r>
-            <a:r>
-              <a:rPr lang="el-GR" i="1" dirty="0">
-                <a:solidFill>
-                  <a:srgbClr val="D24726"/>
-                </a:solidFill>
-                <a:latin typeface="Segoe UI" panose="020B0502040204020203" pitchFamily="34" charset="0"/>
-                <a:cs typeface="Segoe UI" panose="020B0502040204020203" pitchFamily="34" charset="0"/>
-              </a:rPr>
-              <a:t>κίνηση</a:t>
-            </a:r>
-            <a:r>
-              <a:rPr lang="el-GR" dirty="0">
-                <a:solidFill>
-                  <a:prstClr val="black">
-                    <a:lumMod val="75000"/>
-                    <a:lumOff val="25000"/>
-                  </a:prstClr>
-                </a:solidFill>
-              </a:rPr>
-              <a:t> </a:t>
-            </a:r>
-            <a:r>
-              <a:rPr lang="el-GR" dirty="0">
-                <a:solidFill>
-                  <a:prstClr val="black">
-                    <a:lumMod val="75000"/>
-                    <a:lumOff val="25000"/>
-                  </a:prstClr>
-                </a:solidFill>
-                <a:latin typeface="Segoe UI" panose="020B0502040204020203" pitchFamily="34" charset="0"/>
-                <a:cs typeface="Segoe UI" panose="020B0502040204020203" pitchFamily="34" charset="0"/>
-              </a:rPr>
-              <a:t>στο πλαίσιο </a:t>
-            </a:r>
-            <a:r>
-              <a:rPr lang="el-GR" dirty="0">
-                <a:solidFill>
-                  <a:srgbClr val="D24726"/>
-                </a:solidFill>
-                <a:latin typeface="Segoe UI Semibold" panose="020B0702040204020203" pitchFamily="34" charset="0"/>
-                <a:cs typeface="Segoe UI Semibold" panose="020B0702040204020203" pitchFamily="34" charset="0"/>
-              </a:rPr>
-              <a:t>Πείτε μου </a:t>
-            </a:r>
-            <a:r>
-              <a:rPr lang="el-GR" dirty="0">
-                <a:solidFill>
-                  <a:prstClr val="black">
-                    <a:lumMod val="75000"/>
-                    <a:lumOff val="25000"/>
-                  </a:prstClr>
-                </a:solidFill>
-                <a:latin typeface="Segoe UI" panose="020B0502040204020203" pitchFamily="34" charset="0"/>
-                <a:cs typeface="Segoe UI" panose="020B0502040204020203" pitchFamily="34" charset="0"/>
-              </a:rPr>
-              <a:t>και, στη συνέχεια, επιλέξτε </a:t>
-            </a:r>
-            <a:r>
-              <a:rPr lang="el-GR" dirty="0">
-                <a:solidFill>
-                  <a:srgbClr val="D24726"/>
-                </a:solidFill>
-                <a:latin typeface="Segoe UI Semibold" panose="020B0702040204020203" pitchFamily="34" charset="0"/>
-                <a:cs typeface="Segoe UI Semibold" panose="020B0702040204020203" pitchFamily="34" charset="0"/>
-              </a:rPr>
-              <a:t>Προσθήκη κίνησης</a:t>
-            </a:r>
-            <a:r>
-              <a:rPr lang="el-GR" dirty="0">
-                <a:solidFill>
-                  <a:prstClr val="black">
-                    <a:lumMod val="75000"/>
-                    <a:lumOff val="25000"/>
-                  </a:prstClr>
-                </a:solidFill>
-                <a:latin typeface="Segoe UI" panose="020B0502040204020203" pitchFamily="34" charset="0"/>
-                <a:cs typeface="Segoe UI" panose="020B0502040204020203" pitchFamily="34" charset="0"/>
-              </a:rPr>
-              <a:t>.</a:t>
-            </a:r>
+            <a:endParaRPr lang="el-GR" dirty="0">
+              <a:solidFill>
+                <a:srgbClr val="D24726"/>
+              </a:solidFill>
+              <a:latin typeface="Segoe UI" panose="020B0502040204020203" pitchFamily="34" charset="0"/>
+              <a:cs typeface="Segoe UI" panose="020B0502040204020203" pitchFamily="34" charset="0"/>
+            </a:endParaRPr>
+          </a:p>
+        </p:txBody>
+      </p:sp>
+      <p:sp>
+        <p:nvSpPr>
+          <p:cNvPr id="44" name="Θέση περιεχομένου 17"/>
+          <p:cNvSpPr txBox="1">
+            <a:spLocks/>
+          </p:cNvSpPr>
+          <p:nvPr/>
+        </p:nvSpPr>
+        <p:spPr>
+          <a:xfrm>
+            <a:off x="8429668" y="5273573"/>
+            <a:ext cx="3107336" cy="1341886"/>
+          </a:xfrm>
+          <a:prstGeom prst="rect">
+            <a:avLst/>
+          </a:prstGeom>
+        </p:spPr>
+        <p:txBody>
+          <a:bodyPr vert="horz" lIns="91440" tIns="45720" rIns="91440" bIns="45720" rtlCol="0">
+            <a:normAutofit/>
+          </a:bodyPr>
+          <a:lstStyle>
+            <a:lvl1pPr marL="228600" indent="-228600" algn="l" defTabSz="914400" rtl="0" eaLnBrk="1" latinLnBrk="0" hangingPunct="1">
+              <a:lnSpc>
+                <a:spcPts val="1800"/>
+              </a:lnSpc>
+              <a:spcBef>
+                <a:spcPts val="1000"/>
+              </a:spcBef>
+              <a:spcAft>
+                <a:spcPts val="1000"/>
+              </a:spcAft>
+              <a:buFont typeface="Arial" panose="020B0604020202020204" pitchFamily="34" charset="0"/>
+              <a:buChar char="•"/>
+              <a:defRPr lang="en-US" sz="1200" kern="1200" smtClean="0">
+                <a:solidFill>
+                  <a:schemeClr val="tx1">
+                    <a:lumMod val="75000"/>
+                    <a:lumOff val="25000"/>
+                  </a:schemeClr>
+                </a:solidFill>
+                <a:latin typeface="+mn-lt"/>
+                <a:ea typeface="+mn-ea"/>
+                <a:cs typeface="+mn-cs"/>
+              </a:defRPr>
+            </a:lvl1pPr>
+            <a:lvl2pPr marL="685800" indent="-228600" algn="l" defTabSz="914400" rtl="0" eaLnBrk="1" latinLnBrk="0" hangingPunct="1">
+              <a:lnSpc>
+                <a:spcPts val="1800"/>
+              </a:lnSpc>
+              <a:spcBef>
+                <a:spcPts val="1000"/>
+              </a:spcBef>
+              <a:spcAft>
+                <a:spcPts val="1000"/>
+              </a:spcAft>
+              <a:buFont typeface="Arial" panose="020B0604020202020204" pitchFamily="34" charset="0"/>
+              <a:buChar char="•"/>
+              <a:defRPr lang="en-US" sz="1200" kern="1200" smtClean="0">
+                <a:solidFill>
+                  <a:schemeClr val="tx1">
+                    <a:lumMod val="75000"/>
+                    <a:lumOff val="25000"/>
+                  </a:schemeClr>
+                </a:solidFill>
+                <a:latin typeface="+mn-lt"/>
+                <a:ea typeface="+mn-ea"/>
+                <a:cs typeface="+mn-cs"/>
+              </a:defRPr>
+            </a:lvl2pPr>
+            <a:lvl3pPr marL="1143000" indent="-228600" algn="l" defTabSz="914400" rtl="0" eaLnBrk="1" latinLnBrk="0" hangingPunct="1">
+              <a:lnSpc>
+                <a:spcPts val="1800"/>
+              </a:lnSpc>
+              <a:spcBef>
+                <a:spcPts val="1000"/>
+              </a:spcBef>
+              <a:spcAft>
+                <a:spcPts val="1000"/>
+              </a:spcAft>
+              <a:buFont typeface="Arial" panose="020B0604020202020204" pitchFamily="34" charset="0"/>
+              <a:buChar char="•"/>
+              <a:defRPr lang="en-US" sz="1200" kern="1200" smtClean="0">
+                <a:solidFill>
+                  <a:schemeClr val="tx1">
+                    <a:lumMod val="75000"/>
+                    <a:lumOff val="25000"/>
+                  </a:schemeClr>
+                </a:solidFill>
+                <a:latin typeface="+mn-lt"/>
+                <a:ea typeface="+mn-ea"/>
+                <a:cs typeface="+mn-cs"/>
+              </a:defRPr>
+            </a:lvl3pPr>
+            <a:lvl4pPr marL="1600200" indent="-228600" algn="l" defTabSz="914400" rtl="0" eaLnBrk="1" latinLnBrk="0" hangingPunct="1">
+              <a:lnSpc>
+                <a:spcPts val="1800"/>
+              </a:lnSpc>
+              <a:spcBef>
+                <a:spcPts val="1000"/>
+              </a:spcBef>
+              <a:spcAft>
+                <a:spcPts val="1000"/>
+              </a:spcAft>
+              <a:buFont typeface="Arial" panose="020B0604020202020204" pitchFamily="34" charset="0"/>
+              <a:buChar char="•"/>
+              <a:defRPr lang="en-US" sz="1200" kern="1200" smtClean="0">
+                <a:solidFill>
+                  <a:schemeClr val="tx1">
+                    <a:lumMod val="75000"/>
+                    <a:lumOff val="25000"/>
+                  </a:schemeClr>
+                </a:solidFill>
+                <a:latin typeface="+mn-lt"/>
+                <a:ea typeface="+mn-ea"/>
+                <a:cs typeface="+mn-cs"/>
+              </a:defRPr>
+            </a:lvl4pPr>
+            <a:lvl5pPr marL="2057400" indent="-228600" algn="l" defTabSz="914400" rtl="0" eaLnBrk="1" latinLnBrk="0" hangingPunct="1">
+              <a:lnSpc>
+                <a:spcPts val="1800"/>
+              </a:lnSpc>
+              <a:spcBef>
+                <a:spcPts val="1000"/>
+              </a:spcBef>
+              <a:spcAft>
+                <a:spcPts val="1000"/>
+              </a:spcAft>
+              <a:buFont typeface="Arial" panose="020B0604020202020204" pitchFamily="34" charset="0"/>
+              <a:buChar char="•"/>
+              <a:defRPr lang="en-US" sz="1200" kern="1200">
+                <a:solidFill>
+                  <a:schemeClr val="tx1">
+                    <a:lumMod val="75000"/>
+                    <a:lumOff val="25000"/>
+                  </a:schemeClr>
+                </a:solidFill>
+                <a:latin typeface="+mn-lt"/>
+                <a:ea typeface="+mn-ea"/>
+                <a:cs typeface="+mn-cs"/>
+              </a:defRPr>
+            </a:lvl5pPr>
+            <a:lvl6pPr marL="2514600" indent="-228600" algn="l" defTabSz="914400" rtl="0" eaLnBrk="1" latinLnBrk="0" hangingPunct="1">
+              <a:lnSpc>
+                <a:spcPct val="90000"/>
+              </a:lnSpc>
+              <a:spcBef>
+                <a:spcPct val="30000"/>
+              </a:spcBef>
+              <a:buFont typeface="Arial" panose="020B0604020202020204" pitchFamily="34" charset="0"/>
+              <a:buChar char="•"/>
+              <a:defRPr sz="1800" kern="1200">
+                <a:solidFill>
+                  <a:schemeClr val="tx1"/>
+                </a:solidFill>
+                <a:latin typeface="+mn-lt"/>
+                <a:ea typeface="+mn-ea"/>
+                <a:cs typeface="+mn-cs"/>
+              </a:defRPr>
+            </a:lvl6pPr>
+            <a:lvl7pPr marL="2971800" indent="-228600" algn="l" defTabSz="914400" rtl="0" eaLnBrk="1" latinLnBrk="0" hangingPunct="1">
+              <a:lnSpc>
+                <a:spcPct val="90000"/>
+              </a:lnSpc>
+              <a:spcBef>
+                <a:spcPct val="30000"/>
+              </a:spcBef>
+              <a:buFont typeface="Arial" panose="020B0604020202020204" pitchFamily="34" charset="0"/>
+              <a:buChar char="•"/>
+              <a:defRPr sz="1800" kern="1200">
+                <a:solidFill>
+                  <a:schemeClr val="tx1"/>
+                </a:solidFill>
+                <a:latin typeface="+mn-lt"/>
+                <a:ea typeface="+mn-ea"/>
+                <a:cs typeface="+mn-cs"/>
+              </a:defRPr>
+            </a:lvl7pPr>
+            <a:lvl8pPr marL="3429000" indent="-228600" algn="l" defTabSz="914400" rtl="0" eaLnBrk="1" latinLnBrk="0" hangingPunct="1">
+              <a:lnSpc>
+                <a:spcPct val="90000"/>
+              </a:lnSpc>
+              <a:spcBef>
+                <a:spcPct val="30000"/>
+              </a:spcBef>
+              <a:buFont typeface="Arial" panose="020B0604020202020204" pitchFamily="34" charset="0"/>
+              <a:buChar char="•"/>
+              <a:defRPr sz="1800" kern="1200">
+                <a:solidFill>
+                  <a:schemeClr val="tx1"/>
+                </a:solidFill>
+                <a:latin typeface="+mn-lt"/>
+                <a:ea typeface="+mn-ea"/>
+                <a:cs typeface="+mn-cs"/>
+              </a:defRPr>
+            </a:lvl8pPr>
+            <a:lvl9pPr marL="3886200" indent="-228600" algn="l" defTabSz="914400" rtl="0" eaLnBrk="1" latinLnBrk="0" hangingPunct="1">
+              <a:lnSpc>
+                <a:spcPct val="90000"/>
+              </a:lnSpc>
+              <a:spcBef>
+                <a:spcPct val="30000"/>
+              </a:spcBef>
+              <a:buFont typeface="Arial" panose="020B0604020202020204" pitchFamily="34" charset="0"/>
+              <a:buChar char="•"/>
+              <a:defRPr sz="1800" kern="1200">
+                <a:solidFill>
+                  <a:schemeClr val="tx1"/>
+                </a:solidFill>
+                <a:latin typeface="+mn-lt"/>
+                <a:ea typeface="+mn-ea"/>
+                <a:cs typeface="+mn-cs"/>
+              </a:defRPr>
+            </a:lvl9pPr>
+          </a:lstStyle>
+          <a:p>
+            <a:pPr marL="0" indent="0" rtl="0">
+              <a:spcAft>
+                <a:spcPts val="2000"/>
+              </a:spcAft>
+              <a:buNone/>
+            </a:pPr>
+            <a:endParaRPr lang="el-GR" dirty="0">
+              <a:solidFill>
+                <a:prstClr val="black">
+                  <a:lumMod val="75000"/>
+                  <a:lumOff val="25000"/>
+                </a:prstClr>
+              </a:solidFill>
+            </a:endParaRPr>
           </a:p>
         </p:txBody>
       </p:sp>
       <p:pic>
         <p:nvPicPr>
-          <p:cNvPr id="5" name="Εικόνα 4"/>
+          <p:cNvPr id="3" name="Εικόνα 2">
+            <a:extLst>
+              <a:ext uri="{FF2B5EF4-FFF2-40B4-BE49-F238E27FC236}">
+                <a16:creationId xmlns:a16="http://schemas.microsoft.com/office/drawing/2014/main" id="{9A736163-6258-431A-9341-4E0FFE174C94}"/>
+              </a:ext>
+            </a:extLst>
+          </p:cNvPr>
           <p:cNvPicPr>
             <a:picLocks noChangeAspect="1"/>
           </p:cNvPicPr>
           <p:nvPr/>
         </p:nvPicPr>
         <p:blipFill>
-          <a:blip r:embed="rId5" cstate="print">
+          <a:blip r:embed="rId3">
             <a:extLst>
               <a:ext uri="{28A0092B-C50C-407E-A947-70E740481C1C}">
                 <a14:useLocalDpi xmlns:a14="http://schemas.microsoft.com/office/drawing/2010/main" val="0"/>
@@ -4449,423 +4196,8 @@
         </p:blipFill>
         <p:spPr>
           <a:xfrm>
-            <a:off x="4545526" y="3361785"/>
-            <a:ext cx="2106152" cy="220832"/>
-          </a:xfrm>
-          <a:prstGeom prst="rect">
-            <a:avLst/>
-          </a:prstGeom>
-        </p:spPr>
-      </p:pic>
-      <p:grpSp>
-        <p:nvGrpSpPr>
-          <p:cNvPr id="31" name="Ομάδα 30" descr="Μικρός κύκλος με τον αριθμό 3 που υποδεικνύει το βήμα 3"/>
-          <p:cNvGrpSpPr/>
-          <p:nvPr/>
-        </p:nvGrpSpPr>
-        <p:grpSpPr bwMode="blackWhite">
-          <a:xfrm>
-            <a:off x="557319" y="4263506"/>
-            <a:ext cx="558179" cy="409838"/>
-            <a:chOff x="6953426" y="711274"/>
-            <a:chExt cx="558179" cy="409838"/>
-          </a:xfrm>
-        </p:grpSpPr>
-        <p:sp>
-          <p:nvSpPr>
-            <p:cNvPr id="32" name="Έλλειψη 31" descr="Μικρός κύκλος"/>
-            <p:cNvSpPr/>
-            <p:nvPr/>
-          </p:nvSpPr>
-          <p:spPr bwMode="blackWhite">
-            <a:xfrm>
-              <a:off x="7025069" y="711274"/>
-              <a:ext cx="409838" cy="409838"/>
-            </a:xfrm>
-            <a:prstGeom prst="ellipse">
-              <a:avLst/>
-            </a:prstGeom>
-            <a:solidFill>
-              <a:srgbClr val="D24726"/>
-            </a:solidFill>
-            <a:ln>
-              <a:noFill/>
-            </a:ln>
-          </p:spPr>
-          <p:style>
-            <a:lnRef idx="2">
-              <a:schemeClr val="accent1">
-                <a:shade val="50000"/>
-              </a:schemeClr>
-            </a:lnRef>
-            <a:fillRef idx="1">
-              <a:schemeClr val="accent1"/>
-            </a:fillRef>
-            <a:effectRef idx="0">
-              <a:schemeClr val="accent1"/>
-            </a:effectRef>
-            <a:fontRef idx="minor">
-              <a:schemeClr val="lt1"/>
-            </a:fontRef>
-          </p:style>
-          <p:txBody>
-            <a:bodyPr rtlCol="0" anchor="ctr"/>
-            <a:lstStyle/>
-            <a:p>
-              <a:pPr algn="ctr" rtl="0"/>
-              <a:endParaRPr lang="el-GR" dirty="0"/>
-            </a:p>
-          </p:txBody>
-        </p:sp>
-        <p:sp>
-          <p:nvSpPr>
-            <p:cNvPr id="33" name="Πλαίσιο κειμένου 32" descr="Αριθμός 3"/>
-            <p:cNvSpPr txBox="1">
-              <a:spLocks noChangeAspect="1"/>
-            </p:cNvSpPr>
-            <p:nvPr/>
-          </p:nvSpPr>
-          <p:spPr bwMode="blackWhite">
-            <a:xfrm>
-              <a:off x="6953426" y="727564"/>
-              <a:ext cx="558179" cy="369332"/>
-            </a:xfrm>
-            <a:prstGeom prst="rect">
-              <a:avLst/>
-            </a:prstGeom>
-            <a:noFill/>
-          </p:spPr>
-          <p:txBody>
-            <a:bodyPr wrap="square" rtlCol="0">
-              <a:spAutoFit/>
-            </a:bodyPr>
-            <a:lstStyle/>
-            <a:p>
-              <a:pPr algn="ctr" rtl="0"/>
-              <a:r>
-                <a:rPr lang="el-GR" dirty="0">
-                  <a:solidFill>
-                    <a:schemeClr val="bg1"/>
-                  </a:solidFill>
-                  <a:latin typeface="Segoe UI Semibold" panose="020B0702040204020203" pitchFamily="34" charset="0"/>
-                  <a:cs typeface="Segoe UI Semibold" panose="020B0702040204020203" pitchFamily="34" charset="0"/>
-                </a:rPr>
-                <a:t>3</a:t>
-              </a:r>
-            </a:p>
-          </p:txBody>
-        </p:sp>
-      </p:grpSp>
-      <p:sp>
-        <p:nvSpPr>
-          <p:cNvPr id="34" name="Θέση περιεχομένου 17"/>
-          <p:cNvSpPr txBox="1">
-            <a:spLocks/>
-          </p:cNvSpPr>
-          <p:nvPr/>
-        </p:nvSpPr>
-        <p:spPr>
-          <a:xfrm>
-            <a:off x="1064636" y="4303697"/>
-            <a:ext cx="2075302" cy="1446087"/>
-          </a:xfrm>
-          <a:prstGeom prst="rect">
-            <a:avLst/>
-          </a:prstGeom>
-        </p:spPr>
-        <p:txBody>
-          <a:bodyPr vert="horz" lIns="91440" tIns="45720" rIns="91440" bIns="45720" rtlCol="0">
-            <a:normAutofit/>
-          </a:bodyPr>
-          <a:lstStyle>
-            <a:lvl1pPr marL="228600" indent="-228600" algn="l" defTabSz="914400" rtl="0" eaLnBrk="1" latinLnBrk="0" hangingPunct="1">
-              <a:lnSpc>
-                <a:spcPts val="1800"/>
-              </a:lnSpc>
-              <a:spcBef>
-                <a:spcPts val="1000"/>
-              </a:spcBef>
-              <a:spcAft>
-                <a:spcPts val="1000"/>
-              </a:spcAft>
-              <a:buFont typeface="Arial" panose="020B0604020202020204" pitchFamily="34" charset="0"/>
-              <a:buChar char="•"/>
-              <a:defRPr lang="en-US" sz="1200" kern="1200" smtClean="0">
-                <a:solidFill>
-                  <a:schemeClr val="tx1">
-                    <a:lumMod val="75000"/>
-                    <a:lumOff val="25000"/>
-                  </a:schemeClr>
-                </a:solidFill>
-                <a:latin typeface="+mn-lt"/>
-                <a:ea typeface="+mn-ea"/>
-                <a:cs typeface="+mn-cs"/>
-              </a:defRPr>
-            </a:lvl1pPr>
-            <a:lvl2pPr marL="685800" indent="-228600" algn="l" defTabSz="914400" rtl="0" eaLnBrk="1" latinLnBrk="0" hangingPunct="1">
-              <a:lnSpc>
-                <a:spcPts val="1800"/>
-              </a:lnSpc>
-              <a:spcBef>
-                <a:spcPts val="1000"/>
-              </a:spcBef>
-              <a:spcAft>
-                <a:spcPts val="1000"/>
-              </a:spcAft>
-              <a:buFont typeface="Arial" panose="020B0604020202020204" pitchFamily="34" charset="0"/>
-              <a:buChar char="•"/>
-              <a:defRPr lang="en-US" sz="1200" kern="1200" smtClean="0">
-                <a:solidFill>
-                  <a:schemeClr val="tx1">
-                    <a:lumMod val="75000"/>
-                    <a:lumOff val="25000"/>
-                  </a:schemeClr>
-                </a:solidFill>
-                <a:latin typeface="+mn-lt"/>
-                <a:ea typeface="+mn-ea"/>
-                <a:cs typeface="+mn-cs"/>
-              </a:defRPr>
-            </a:lvl2pPr>
-            <a:lvl3pPr marL="1143000" indent="-228600" algn="l" defTabSz="914400" rtl="0" eaLnBrk="1" latinLnBrk="0" hangingPunct="1">
-              <a:lnSpc>
-                <a:spcPts val="1800"/>
-              </a:lnSpc>
-              <a:spcBef>
-                <a:spcPts val="1000"/>
-              </a:spcBef>
-              <a:spcAft>
-                <a:spcPts val="1000"/>
-              </a:spcAft>
-              <a:buFont typeface="Arial" panose="020B0604020202020204" pitchFamily="34" charset="0"/>
-              <a:buChar char="•"/>
-              <a:defRPr lang="en-US" sz="1200" kern="1200" smtClean="0">
-                <a:solidFill>
-                  <a:schemeClr val="tx1">
-                    <a:lumMod val="75000"/>
-                    <a:lumOff val="25000"/>
-                  </a:schemeClr>
-                </a:solidFill>
-                <a:latin typeface="+mn-lt"/>
-                <a:ea typeface="+mn-ea"/>
-                <a:cs typeface="+mn-cs"/>
-              </a:defRPr>
-            </a:lvl3pPr>
-            <a:lvl4pPr marL="1600200" indent="-228600" algn="l" defTabSz="914400" rtl="0" eaLnBrk="1" latinLnBrk="0" hangingPunct="1">
-              <a:lnSpc>
-                <a:spcPts val="1800"/>
-              </a:lnSpc>
-              <a:spcBef>
-                <a:spcPts val="1000"/>
-              </a:spcBef>
-              <a:spcAft>
-                <a:spcPts val="1000"/>
-              </a:spcAft>
-              <a:buFont typeface="Arial" panose="020B0604020202020204" pitchFamily="34" charset="0"/>
-              <a:buChar char="•"/>
-              <a:defRPr lang="en-US" sz="1200" kern="1200" smtClean="0">
-                <a:solidFill>
-                  <a:schemeClr val="tx1">
-                    <a:lumMod val="75000"/>
-                    <a:lumOff val="25000"/>
-                  </a:schemeClr>
-                </a:solidFill>
-                <a:latin typeface="+mn-lt"/>
-                <a:ea typeface="+mn-ea"/>
-                <a:cs typeface="+mn-cs"/>
-              </a:defRPr>
-            </a:lvl4pPr>
-            <a:lvl5pPr marL="2057400" indent="-228600" algn="l" defTabSz="914400" rtl="0" eaLnBrk="1" latinLnBrk="0" hangingPunct="1">
-              <a:lnSpc>
-                <a:spcPts val="1800"/>
-              </a:lnSpc>
-              <a:spcBef>
-                <a:spcPts val="1000"/>
-              </a:spcBef>
-              <a:spcAft>
-                <a:spcPts val="1000"/>
-              </a:spcAft>
-              <a:buFont typeface="Arial" panose="020B0604020202020204" pitchFamily="34" charset="0"/>
-              <a:buChar char="•"/>
-              <a:defRPr lang="en-US" sz="1200" kern="1200">
-                <a:solidFill>
-                  <a:schemeClr val="tx1">
-                    <a:lumMod val="75000"/>
-                    <a:lumOff val="25000"/>
-                  </a:schemeClr>
-                </a:solidFill>
-                <a:latin typeface="+mn-lt"/>
-                <a:ea typeface="+mn-ea"/>
-                <a:cs typeface="+mn-cs"/>
-              </a:defRPr>
-            </a:lvl5pPr>
-            <a:lvl6pPr marL="2514600" indent="-228600" algn="l" defTabSz="914400" rtl="0" eaLnBrk="1" latinLnBrk="0" hangingPunct="1">
-              <a:lnSpc>
-                <a:spcPct val="90000"/>
-              </a:lnSpc>
-              <a:spcBef>
-                <a:spcPct val="30000"/>
-              </a:spcBef>
-              <a:buFont typeface="Arial" panose="020B0604020202020204" pitchFamily="34" charset="0"/>
-              <a:buChar char="•"/>
-              <a:defRPr sz="1800" kern="1200">
-                <a:solidFill>
-                  <a:schemeClr val="tx1"/>
-                </a:solidFill>
-                <a:latin typeface="+mn-lt"/>
-                <a:ea typeface="+mn-ea"/>
-                <a:cs typeface="+mn-cs"/>
-              </a:defRPr>
-            </a:lvl6pPr>
-            <a:lvl7pPr marL="2971800" indent="-228600" algn="l" defTabSz="914400" rtl="0" eaLnBrk="1" latinLnBrk="0" hangingPunct="1">
-              <a:lnSpc>
-                <a:spcPct val="90000"/>
-              </a:lnSpc>
-              <a:spcBef>
-                <a:spcPct val="30000"/>
-              </a:spcBef>
-              <a:buFont typeface="Arial" panose="020B0604020202020204" pitchFamily="34" charset="0"/>
-              <a:buChar char="•"/>
-              <a:defRPr sz="1800" kern="1200">
-                <a:solidFill>
-                  <a:schemeClr val="tx1"/>
-                </a:solidFill>
-                <a:latin typeface="+mn-lt"/>
-                <a:ea typeface="+mn-ea"/>
-                <a:cs typeface="+mn-cs"/>
-              </a:defRPr>
-            </a:lvl7pPr>
-            <a:lvl8pPr marL="3429000" indent="-228600" algn="l" defTabSz="914400" rtl="0" eaLnBrk="1" latinLnBrk="0" hangingPunct="1">
-              <a:lnSpc>
-                <a:spcPct val="90000"/>
-              </a:lnSpc>
-              <a:spcBef>
-                <a:spcPct val="30000"/>
-              </a:spcBef>
-              <a:buFont typeface="Arial" panose="020B0604020202020204" pitchFamily="34" charset="0"/>
-              <a:buChar char="•"/>
-              <a:defRPr sz="1800" kern="1200">
-                <a:solidFill>
-                  <a:schemeClr val="tx1"/>
-                </a:solidFill>
-                <a:latin typeface="+mn-lt"/>
-                <a:ea typeface="+mn-ea"/>
-                <a:cs typeface="+mn-cs"/>
-              </a:defRPr>
-            </a:lvl8pPr>
-            <a:lvl9pPr marL="3886200" indent="-228600" algn="l" defTabSz="914400" rtl="0" eaLnBrk="1" latinLnBrk="0" hangingPunct="1">
-              <a:lnSpc>
-                <a:spcPct val="90000"/>
-              </a:lnSpc>
-              <a:spcBef>
-                <a:spcPct val="30000"/>
-              </a:spcBef>
-              <a:buFont typeface="Arial" panose="020B0604020202020204" pitchFamily="34" charset="0"/>
-              <a:buChar char="•"/>
-              <a:defRPr sz="1800" kern="1200">
-                <a:solidFill>
-                  <a:schemeClr val="tx1"/>
-                </a:solidFill>
-                <a:latin typeface="+mn-lt"/>
-                <a:ea typeface="+mn-ea"/>
-                <a:cs typeface="+mn-cs"/>
-              </a:defRPr>
-            </a:lvl9pPr>
-          </a:lstStyle>
-          <a:p>
-            <a:pPr marL="0" indent="0" defTabSz="512763" rtl="0">
-              <a:spcAft>
-                <a:spcPts val="2000"/>
-              </a:spcAft>
-              <a:buNone/>
-            </a:pPr>
-            <a:r>
-              <a:rPr lang="el-GR" dirty="0">
-                <a:solidFill>
-                  <a:prstClr val="black">
-                    <a:lumMod val="75000"/>
-                    <a:lumOff val="25000"/>
-                  </a:prstClr>
-                </a:solidFill>
-                <a:latin typeface="Segoe UI" panose="020B0502040204020203" pitchFamily="34" charset="0"/>
-                <a:cs typeface="Segoe UI" panose="020B0502040204020203" pitchFamily="34" charset="0"/>
-              </a:rPr>
-              <a:t>Επιλέξτε ένα εφέ κίνησης, όπως </a:t>
-            </a:r>
-            <a:r>
-              <a:rPr lang="el-GR" dirty="0">
-                <a:solidFill>
-                  <a:srgbClr val="D24726"/>
-                </a:solidFill>
-                <a:latin typeface="Segoe UI Semibold" panose="020B0702040204020203" pitchFamily="34" charset="0"/>
-                <a:cs typeface="Segoe UI Semibold" panose="020B0702040204020203" pitchFamily="34" charset="0"/>
-              </a:rPr>
-              <a:t>Ζουμ</a:t>
-            </a:r>
-            <a:r>
-              <a:rPr lang="el-GR" dirty="0">
-                <a:solidFill>
-                  <a:prstClr val="black">
-                    <a:lumMod val="75000"/>
-                    <a:lumOff val="25000"/>
-                  </a:prstClr>
-                </a:solidFill>
-                <a:latin typeface="Segoe UI" panose="020B0502040204020203" pitchFamily="34" charset="0"/>
-                <a:cs typeface="Segoe UI" panose="020B0502040204020203" pitchFamily="34" charset="0"/>
-              </a:rPr>
-              <a:t> και παρακολουθήστε </a:t>
-            </a:r>
-            <a:br>
-              <a:rPr lang="el-GR" dirty="0">
-                <a:solidFill>
-                  <a:prstClr val="black">
-                    <a:lumMod val="75000"/>
-                    <a:lumOff val="25000"/>
-                  </a:prstClr>
-                </a:solidFill>
-                <a:latin typeface="Segoe UI" panose="020B0502040204020203" pitchFamily="34" charset="0"/>
-                <a:cs typeface="Segoe UI" panose="020B0502040204020203" pitchFamily="34" charset="0"/>
-              </a:rPr>
-            </a:br>
-            <a:r>
-              <a:rPr lang="el-GR" dirty="0">
-                <a:solidFill>
-                  <a:prstClr val="black">
-                    <a:lumMod val="75000"/>
-                    <a:lumOff val="25000"/>
-                  </a:prstClr>
-                </a:solidFill>
-                <a:latin typeface="Segoe UI" panose="020B0502040204020203" pitchFamily="34" charset="0"/>
-                <a:cs typeface="Segoe UI" panose="020B0502040204020203" pitchFamily="34" charset="0"/>
-              </a:rPr>
-              <a:t>τι θα συμβεί.</a:t>
-            </a:r>
-          </a:p>
-        </p:txBody>
-      </p:sp>
-      <p:pic>
-        <p:nvPicPr>
-          <p:cNvPr id="7" name="Εικόνα 6"/>
-          <p:cNvPicPr>
-            <a:picLocks noChangeAspect="1"/>
-          </p:cNvPicPr>
-          <p:nvPr/>
-        </p:nvPicPr>
-        <p:blipFill>
-          <a:blip r:embed="rId6">
-            <a:extLst>
-              <a:ext uri="{28A0092B-C50C-407E-A947-70E740481C1C}">
-                <a14:useLocalDpi xmlns:a14="http://schemas.microsoft.com/office/drawing/2010/main" val="0"/>
-              </a:ext>
-            </a:extLst>
-          </a:blip>
-          <a:stretch>
-            <a:fillRect/>
-          </a:stretch>
-        </p:blipFill>
-        <p:spPr>
-          <a:xfrm>
-            <a:off x="3105483" y="4069080"/>
-            <a:ext cx="3803903" cy="2438400"/>
+            <a:off x="6716486" y="1383148"/>
+            <a:ext cx="5236029" cy="5190069"/>
           </a:xfrm>
           <a:prstGeom prst="rect">
             <a:avLst/>
@@ -4875,7 +4207,7 @@
     </p:spTree>
     <p:extLst>
       <p:ext uri="{BB962C8B-B14F-4D97-AF65-F5344CB8AC3E}">
-        <p14:creationId xmlns:p14="http://schemas.microsoft.com/office/powerpoint/2010/main" val="727668169"/>
+        <p14:creationId xmlns:p14="http://schemas.microsoft.com/office/powerpoint/2010/main" val="1769326051"/>
       </p:ext>
     </p:extLst>
   </p:cSld>
@@ -4912,1528 +4244,6 @@
       </p:grpSpPr>
       <p:sp>
         <p:nvSpPr>
-          <p:cNvPr id="8" name="Τίτλος 7"/>
-          <p:cNvSpPr>
-            <a:spLocks noGrp="1"/>
-          </p:cNvSpPr>
-          <p:nvPr>
-            <p:ph type="title"/>
-          </p:nvPr>
-        </p:nvSpPr>
-        <p:spPr>
-          <a:xfrm>
-            <a:off x="521207" y="448056"/>
-            <a:ext cx="8150845" cy="640080"/>
-          </a:xfrm>
-        </p:spPr>
-        <p:txBody>
-          <a:bodyPr rtlCol="0">
-            <a:normAutofit/>
-          </a:bodyPr>
-          <a:lstStyle/>
-          <a:p>
-            <a:pPr rtl="0"/>
-            <a:r>
-              <a:rPr lang="el-GR" dirty="0">
-                <a:latin typeface="Segoe UI Light" panose="020B0502040204020203" pitchFamily="34" charset="0"/>
-                <a:cs typeface="Segoe UI Light" panose="020B0502040204020203" pitchFamily="34" charset="0"/>
-              </a:rPr>
-              <a:t>Εξερεύνηση χωρίς κλείσιμο των διαφανειών</a:t>
-            </a:r>
-          </a:p>
-        </p:txBody>
-      </p:sp>
-      <p:sp>
-        <p:nvSpPr>
-          <p:cNvPr id="16" name="Θέση περιεχομένου 17"/>
-          <p:cNvSpPr txBox="1">
-            <a:spLocks/>
-          </p:cNvSpPr>
-          <p:nvPr/>
-        </p:nvSpPr>
-        <p:spPr>
-          <a:xfrm>
-            <a:off x="541609" y="1296100"/>
-            <a:ext cx="6093106" cy="1236475"/>
-          </a:xfrm>
-          <a:prstGeom prst="rect">
-            <a:avLst/>
-          </a:prstGeom>
-        </p:spPr>
-        <p:txBody>
-          <a:bodyPr vert="horz" lIns="91440" tIns="45720" rIns="91440" bIns="45720" rtlCol="0">
-            <a:normAutofit/>
-          </a:bodyPr>
-          <a:lstStyle>
-            <a:lvl1pPr marL="228600" indent="-228600" algn="l" defTabSz="914400" rtl="0" eaLnBrk="1" latinLnBrk="0" hangingPunct="1">
-              <a:lnSpc>
-                <a:spcPts val="1800"/>
-              </a:lnSpc>
-              <a:spcBef>
-                <a:spcPts val="1000"/>
-              </a:spcBef>
-              <a:spcAft>
-                <a:spcPts val="1000"/>
-              </a:spcAft>
-              <a:buFont typeface="Arial" panose="020B0604020202020204" pitchFamily="34" charset="0"/>
-              <a:buChar char="•"/>
-              <a:defRPr lang="en-US" sz="1200" kern="1200" smtClean="0">
-                <a:solidFill>
-                  <a:schemeClr val="tx1">
-                    <a:lumMod val="75000"/>
-                    <a:lumOff val="25000"/>
-                  </a:schemeClr>
-                </a:solidFill>
-                <a:latin typeface="+mn-lt"/>
-                <a:ea typeface="+mn-ea"/>
-                <a:cs typeface="+mn-cs"/>
-              </a:defRPr>
-            </a:lvl1pPr>
-            <a:lvl2pPr marL="685800" indent="-228600" algn="l" defTabSz="914400" rtl="0" eaLnBrk="1" latinLnBrk="0" hangingPunct="1">
-              <a:lnSpc>
-                <a:spcPts val="1800"/>
-              </a:lnSpc>
-              <a:spcBef>
-                <a:spcPts val="1000"/>
-              </a:spcBef>
-              <a:spcAft>
-                <a:spcPts val="1000"/>
-              </a:spcAft>
-              <a:buFont typeface="Arial" panose="020B0604020202020204" pitchFamily="34" charset="0"/>
-              <a:buChar char="•"/>
-              <a:defRPr lang="en-US" sz="1200" kern="1200" smtClean="0">
-                <a:solidFill>
-                  <a:schemeClr val="tx1">
-                    <a:lumMod val="75000"/>
-                    <a:lumOff val="25000"/>
-                  </a:schemeClr>
-                </a:solidFill>
-                <a:latin typeface="+mn-lt"/>
-                <a:ea typeface="+mn-ea"/>
-                <a:cs typeface="+mn-cs"/>
-              </a:defRPr>
-            </a:lvl2pPr>
-            <a:lvl3pPr marL="1143000" indent="-228600" algn="l" defTabSz="914400" rtl="0" eaLnBrk="1" latinLnBrk="0" hangingPunct="1">
-              <a:lnSpc>
-                <a:spcPts val="1800"/>
-              </a:lnSpc>
-              <a:spcBef>
-                <a:spcPts val="1000"/>
-              </a:spcBef>
-              <a:spcAft>
-                <a:spcPts val="1000"/>
-              </a:spcAft>
-              <a:buFont typeface="Arial" panose="020B0604020202020204" pitchFamily="34" charset="0"/>
-              <a:buChar char="•"/>
-              <a:defRPr lang="en-US" sz="1200" kern="1200" smtClean="0">
-                <a:solidFill>
-                  <a:schemeClr val="tx1">
-                    <a:lumMod val="75000"/>
-                    <a:lumOff val="25000"/>
-                  </a:schemeClr>
-                </a:solidFill>
-                <a:latin typeface="+mn-lt"/>
-                <a:ea typeface="+mn-ea"/>
-                <a:cs typeface="+mn-cs"/>
-              </a:defRPr>
-            </a:lvl3pPr>
-            <a:lvl4pPr marL="1600200" indent="-228600" algn="l" defTabSz="914400" rtl="0" eaLnBrk="1" latinLnBrk="0" hangingPunct="1">
-              <a:lnSpc>
-                <a:spcPts val="1800"/>
-              </a:lnSpc>
-              <a:spcBef>
-                <a:spcPts val="1000"/>
-              </a:spcBef>
-              <a:spcAft>
-                <a:spcPts val="1000"/>
-              </a:spcAft>
-              <a:buFont typeface="Arial" panose="020B0604020202020204" pitchFamily="34" charset="0"/>
-              <a:buChar char="•"/>
-              <a:defRPr lang="en-US" sz="1200" kern="1200" smtClean="0">
-                <a:solidFill>
-                  <a:schemeClr val="tx1">
-                    <a:lumMod val="75000"/>
-                    <a:lumOff val="25000"/>
-                  </a:schemeClr>
-                </a:solidFill>
-                <a:latin typeface="+mn-lt"/>
-                <a:ea typeface="+mn-ea"/>
-                <a:cs typeface="+mn-cs"/>
-              </a:defRPr>
-            </a:lvl4pPr>
-            <a:lvl5pPr marL="2057400" indent="-228600" algn="l" defTabSz="914400" rtl="0" eaLnBrk="1" latinLnBrk="0" hangingPunct="1">
-              <a:lnSpc>
-                <a:spcPts val="1800"/>
-              </a:lnSpc>
-              <a:spcBef>
-                <a:spcPts val="1000"/>
-              </a:spcBef>
-              <a:spcAft>
-                <a:spcPts val="1000"/>
-              </a:spcAft>
-              <a:buFont typeface="Arial" panose="020B0604020202020204" pitchFamily="34" charset="0"/>
-              <a:buChar char="•"/>
-              <a:defRPr lang="en-US" sz="1200" kern="1200">
-                <a:solidFill>
-                  <a:schemeClr val="tx1">
-                    <a:lumMod val="75000"/>
-                    <a:lumOff val="25000"/>
-                  </a:schemeClr>
-                </a:solidFill>
-                <a:latin typeface="+mn-lt"/>
-                <a:ea typeface="+mn-ea"/>
-                <a:cs typeface="+mn-cs"/>
-              </a:defRPr>
-            </a:lvl5pPr>
-            <a:lvl6pPr marL="2514600" indent="-228600" algn="l" defTabSz="914400" rtl="0" eaLnBrk="1" latinLnBrk="0" hangingPunct="1">
-              <a:lnSpc>
-                <a:spcPct val="90000"/>
-              </a:lnSpc>
-              <a:spcBef>
-                <a:spcPct val="30000"/>
-              </a:spcBef>
-              <a:buFont typeface="Arial" panose="020B0604020202020204" pitchFamily="34" charset="0"/>
-              <a:buChar char="•"/>
-              <a:defRPr sz="1800" kern="1200">
-                <a:solidFill>
-                  <a:schemeClr val="tx1"/>
-                </a:solidFill>
-                <a:latin typeface="+mn-lt"/>
-                <a:ea typeface="+mn-ea"/>
-                <a:cs typeface="+mn-cs"/>
-              </a:defRPr>
-            </a:lvl6pPr>
-            <a:lvl7pPr marL="2971800" indent="-228600" algn="l" defTabSz="914400" rtl="0" eaLnBrk="1" latinLnBrk="0" hangingPunct="1">
-              <a:lnSpc>
-                <a:spcPct val="90000"/>
-              </a:lnSpc>
-              <a:spcBef>
-                <a:spcPct val="30000"/>
-              </a:spcBef>
-              <a:buFont typeface="Arial" panose="020B0604020202020204" pitchFamily="34" charset="0"/>
-              <a:buChar char="•"/>
-              <a:defRPr sz="1800" kern="1200">
-                <a:solidFill>
-                  <a:schemeClr val="tx1"/>
-                </a:solidFill>
-                <a:latin typeface="+mn-lt"/>
-                <a:ea typeface="+mn-ea"/>
-                <a:cs typeface="+mn-cs"/>
-              </a:defRPr>
-            </a:lvl7pPr>
-            <a:lvl8pPr marL="3429000" indent="-228600" algn="l" defTabSz="914400" rtl="0" eaLnBrk="1" latinLnBrk="0" hangingPunct="1">
-              <a:lnSpc>
-                <a:spcPct val="90000"/>
-              </a:lnSpc>
-              <a:spcBef>
-                <a:spcPct val="30000"/>
-              </a:spcBef>
-              <a:buFont typeface="Arial" panose="020B0604020202020204" pitchFamily="34" charset="0"/>
-              <a:buChar char="•"/>
-              <a:defRPr sz="1800" kern="1200">
-                <a:solidFill>
-                  <a:schemeClr val="tx1"/>
-                </a:solidFill>
-                <a:latin typeface="+mn-lt"/>
-                <a:ea typeface="+mn-ea"/>
-                <a:cs typeface="+mn-cs"/>
-              </a:defRPr>
-            </a:lvl8pPr>
-            <a:lvl9pPr marL="3886200" indent="-228600" algn="l" defTabSz="914400" rtl="0" eaLnBrk="1" latinLnBrk="0" hangingPunct="1">
-              <a:lnSpc>
-                <a:spcPct val="90000"/>
-              </a:lnSpc>
-              <a:spcBef>
-                <a:spcPct val="30000"/>
-              </a:spcBef>
-              <a:buFont typeface="Arial" panose="020B0604020202020204" pitchFamily="34" charset="0"/>
-              <a:buChar char="•"/>
-              <a:defRPr sz="1800" kern="1200">
-                <a:solidFill>
-                  <a:schemeClr val="tx1"/>
-                </a:solidFill>
-                <a:latin typeface="+mn-lt"/>
-                <a:ea typeface="+mn-ea"/>
-                <a:cs typeface="+mn-cs"/>
-              </a:defRPr>
-            </a:lvl9pPr>
-          </a:lstStyle>
-          <a:p>
-            <a:pPr marL="0" indent="0">
-              <a:spcAft>
-                <a:spcPts val="2000"/>
-              </a:spcAft>
-              <a:buNone/>
-            </a:pPr>
-            <a:r>
-              <a:rPr lang="el-GR" dirty="0">
-                <a:latin typeface="Segoe UI" panose="020B0502040204020203" pitchFamily="34" charset="0"/>
-                <a:cs typeface="Segoe UI" panose="020B0502040204020203" pitchFamily="34" charset="0"/>
-              </a:rPr>
-              <a:t>Η Έξυπνη αναζήτηση φέρνει την έρευνα απευθείας στο PowerPoint.</a:t>
-            </a:r>
-            <a:br>
-              <a:rPr lang="el-GR" dirty="0">
-                <a:latin typeface="Segoe UI" panose="020B0502040204020203" pitchFamily="34" charset="0"/>
-                <a:cs typeface="Segoe UI" panose="020B0502040204020203" pitchFamily="34" charset="0"/>
-              </a:rPr>
-            </a:br>
-            <a:br>
-              <a:rPr lang="el-GR" dirty="0">
-                <a:latin typeface="Segoe UI" panose="020B0502040204020203" pitchFamily="34" charset="0"/>
-                <a:cs typeface="Segoe UI" panose="020B0502040204020203" pitchFamily="34" charset="0"/>
-              </a:rPr>
-            </a:br>
-            <a:r>
-              <a:rPr lang="el-GR" dirty="0">
-                <a:latin typeface="Segoe UI" panose="020B0502040204020203" pitchFamily="34" charset="0"/>
-                <a:cs typeface="Segoe UI" panose="020B0502040204020203" pitchFamily="34" charset="0"/>
-              </a:rPr>
-              <a:t>Δοκιμάστε το</a:t>
-            </a:r>
-            <a:r>
-              <a:rPr lang="en-US" dirty="0">
-                <a:latin typeface="Segoe UI" panose="020B0502040204020203" pitchFamily="34" charset="0"/>
-                <a:cs typeface="Segoe UI" panose="020B0502040204020203" pitchFamily="34" charset="0"/>
-              </a:rPr>
-              <a:t> </a:t>
-            </a:r>
-            <a:r>
-              <a:rPr lang="el-GR" dirty="0"/>
-              <a:t>(παράδειγμα στα Αγγλικά)</a:t>
-            </a:r>
-            <a:r>
-              <a:rPr lang="el-GR" dirty="0">
-                <a:latin typeface="Segoe UI" panose="020B0502040204020203" pitchFamily="34" charset="0"/>
-                <a:cs typeface="Segoe UI" panose="020B0502040204020203" pitchFamily="34" charset="0"/>
-              </a:rPr>
-              <a:t>:</a:t>
-            </a:r>
-          </a:p>
-        </p:txBody>
-      </p:sp>
-      <p:pic>
-        <p:nvPicPr>
-          <p:cNvPr id="18" name="Εικόνα 17"/>
-          <p:cNvPicPr>
-            <a:picLocks noChangeAspect="1"/>
-          </p:cNvPicPr>
-          <p:nvPr/>
-        </p:nvPicPr>
-        <p:blipFill>
-          <a:blip r:embed="rId3">
-            <a:extLst>
-              <a:ext uri="{28A0092B-C50C-407E-A947-70E740481C1C}">
-                <a14:useLocalDpi xmlns:a14="http://schemas.microsoft.com/office/drawing/2010/main" val="0"/>
-              </a:ext>
-            </a:extLst>
-          </a:blip>
-          <a:stretch>
-            <a:fillRect/>
-          </a:stretch>
-        </p:blipFill>
-        <p:spPr>
-          <a:xfrm>
-            <a:off x="494408" y="2146704"/>
-            <a:ext cx="11129521" cy="3193794"/>
-          </a:xfrm>
-          <a:prstGeom prst="rect">
-            <a:avLst/>
-          </a:prstGeom>
-        </p:spPr>
-      </p:pic>
-      <p:grpSp>
-        <p:nvGrpSpPr>
-          <p:cNvPr id="33" name="Ομάδα 32" descr="Μικρός κύκλος με τον αριθμό 1 που υποδεικνύει το βήμα 1"/>
-          <p:cNvGrpSpPr/>
-          <p:nvPr/>
-        </p:nvGrpSpPr>
-        <p:grpSpPr bwMode="blackWhite">
-          <a:xfrm>
-            <a:off x="558723" y="5233381"/>
-            <a:ext cx="558179" cy="409838"/>
-            <a:chOff x="6953426" y="711274"/>
-            <a:chExt cx="558179" cy="409838"/>
-          </a:xfrm>
-        </p:grpSpPr>
-        <p:sp>
-          <p:nvSpPr>
-            <p:cNvPr id="34" name="Έλλειψη 33" descr="Μικρός κύκλος"/>
-            <p:cNvSpPr/>
-            <p:nvPr/>
-          </p:nvSpPr>
-          <p:spPr bwMode="blackWhite">
-            <a:xfrm>
-              <a:off x="7025069" y="711274"/>
-              <a:ext cx="409838" cy="409838"/>
-            </a:xfrm>
-            <a:prstGeom prst="ellipse">
-              <a:avLst/>
-            </a:prstGeom>
-            <a:solidFill>
-              <a:srgbClr val="D24726"/>
-            </a:solidFill>
-            <a:ln>
-              <a:noFill/>
-            </a:ln>
-          </p:spPr>
-          <p:style>
-            <a:lnRef idx="2">
-              <a:schemeClr val="accent1">
-                <a:shade val="50000"/>
-              </a:schemeClr>
-            </a:lnRef>
-            <a:fillRef idx="1">
-              <a:schemeClr val="accent1"/>
-            </a:fillRef>
-            <a:effectRef idx="0">
-              <a:schemeClr val="accent1"/>
-            </a:effectRef>
-            <a:fontRef idx="minor">
-              <a:schemeClr val="lt1"/>
-            </a:fontRef>
-          </p:style>
-          <p:txBody>
-            <a:bodyPr rtlCol="0" anchor="ctr"/>
-            <a:lstStyle/>
-            <a:p>
-              <a:pPr algn="ctr" rtl="0"/>
-              <a:endParaRPr lang="el-GR" dirty="0"/>
-            </a:p>
-          </p:txBody>
-        </p:sp>
-        <p:sp>
-          <p:nvSpPr>
-            <p:cNvPr id="35" name="Πλαίσιο κειμένου 34" descr="Αριθμός 1"/>
-            <p:cNvSpPr txBox="1"/>
-            <p:nvPr/>
-          </p:nvSpPr>
-          <p:spPr bwMode="blackWhite">
-            <a:xfrm>
-              <a:off x="6953426" y="727564"/>
-              <a:ext cx="558179" cy="369332"/>
-            </a:xfrm>
-            <a:prstGeom prst="rect">
-              <a:avLst/>
-            </a:prstGeom>
-            <a:noFill/>
-          </p:spPr>
-          <p:txBody>
-            <a:bodyPr wrap="square" rtlCol="0">
-              <a:spAutoFit/>
-            </a:bodyPr>
-            <a:lstStyle/>
-            <a:p>
-              <a:pPr algn="ctr" rtl="0"/>
-              <a:r>
-                <a:rPr lang="el-GR" dirty="0">
-                  <a:solidFill>
-                    <a:schemeClr val="bg1"/>
-                  </a:solidFill>
-                  <a:latin typeface="Segoe UI Semibold" panose="020B0702040204020203" pitchFamily="34" charset="0"/>
-                  <a:cs typeface="Segoe UI Semibold" panose="020B0702040204020203" pitchFamily="34" charset="0"/>
-                </a:rPr>
-                <a:t>1</a:t>
-              </a:r>
-            </a:p>
-          </p:txBody>
-        </p:sp>
-      </p:grpSp>
-      <p:sp>
-        <p:nvSpPr>
-          <p:cNvPr id="42" name="Θέση περιεχομένου 17"/>
-          <p:cNvSpPr txBox="1">
-            <a:spLocks/>
-          </p:cNvSpPr>
-          <p:nvPr/>
-        </p:nvSpPr>
-        <p:spPr>
-          <a:xfrm>
-            <a:off x="1066038" y="5273573"/>
-            <a:ext cx="2919669" cy="1298398"/>
-          </a:xfrm>
-          <a:prstGeom prst="rect">
-            <a:avLst/>
-          </a:prstGeom>
-        </p:spPr>
-        <p:txBody>
-          <a:bodyPr vert="horz" lIns="91440" tIns="45720" rIns="91440" bIns="45720" rtlCol="0">
-            <a:normAutofit/>
-          </a:bodyPr>
-          <a:lstStyle>
-            <a:lvl1pPr marL="228600" indent="-228600" algn="l" defTabSz="914400" rtl="0" eaLnBrk="1" latinLnBrk="0" hangingPunct="1">
-              <a:lnSpc>
-                <a:spcPts val="1800"/>
-              </a:lnSpc>
-              <a:spcBef>
-                <a:spcPts val="1000"/>
-              </a:spcBef>
-              <a:spcAft>
-                <a:spcPts val="1000"/>
-              </a:spcAft>
-              <a:buFont typeface="Arial" panose="020B0604020202020204" pitchFamily="34" charset="0"/>
-              <a:buChar char="•"/>
-              <a:defRPr lang="en-US" sz="1200" kern="1200" smtClean="0">
-                <a:solidFill>
-                  <a:schemeClr val="tx1">
-                    <a:lumMod val="75000"/>
-                    <a:lumOff val="25000"/>
-                  </a:schemeClr>
-                </a:solidFill>
-                <a:latin typeface="+mn-lt"/>
-                <a:ea typeface="+mn-ea"/>
-                <a:cs typeface="+mn-cs"/>
-              </a:defRPr>
-            </a:lvl1pPr>
-            <a:lvl2pPr marL="685800" indent="-228600" algn="l" defTabSz="914400" rtl="0" eaLnBrk="1" latinLnBrk="0" hangingPunct="1">
-              <a:lnSpc>
-                <a:spcPts val="1800"/>
-              </a:lnSpc>
-              <a:spcBef>
-                <a:spcPts val="1000"/>
-              </a:spcBef>
-              <a:spcAft>
-                <a:spcPts val="1000"/>
-              </a:spcAft>
-              <a:buFont typeface="Arial" panose="020B0604020202020204" pitchFamily="34" charset="0"/>
-              <a:buChar char="•"/>
-              <a:defRPr lang="en-US" sz="1200" kern="1200" smtClean="0">
-                <a:solidFill>
-                  <a:schemeClr val="tx1">
-                    <a:lumMod val="75000"/>
-                    <a:lumOff val="25000"/>
-                  </a:schemeClr>
-                </a:solidFill>
-                <a:latin typeface="+mn-lt"/>
-                <a:ea typeface="+mn-ea"/>
-                <a:cs typeface="+mn-cs"/>
-              </a:defRPr>
-            </a:lvl2pPr>
-            <a:lvl3pPr marL="1143000" indent="-228600" algn="l" defTabSz="914400" rtl="0" eaLnBrk="1" latinLnBrk="0" hangingPunct="1">
-              <a:lnSpc>
-                <a:spcPts val="1800"/>
-              </a:lnSpc>
-              <a:spcBef>
-                <a:spcPts val="1000"/>
-              </a:spcBef>
-              <a:spcAft>
-                <a:spcPts val="1000"/>
-              </a:spcAft>
-              <a:buFont typeface="Arial" panose="020B0604020202020204" pitchFamily="34" charset="0"/>
-              <a:buChar char="•"/>
-              <a:defRPr lang="en-US" sz="1200" kern="1200" smtClean="0">
-                <a:solidFill>
-                  <a:schemeClr val="tx1">
-                    <a:lumMod val="75000"/>
-                    <a:lumOff val="25000"/>
-                  </a:schemeClr>
-                </a:solidFill>
-                <a:latin typeface="+mn-lt"/>
-                <a:ea typeface="+mn-ea"/>
-                <a:cs typeface="+mn-cs"/>
-              </a:defRPr>
-            </a:lvl3pPr>
-            <a:lvl4pPr marL="1600200" indent="-228600" algn="l" defTabSz="914400" rtl="0" eaLnBrk="1" latinLnBrk="0" hangingPunct="1">
-              <a:lnSpc>
-                <a:spcPts val="1800"/>
-              </a:lnSpc>
-              <a:spcBef>
-                <a:spcPts val="1000"/>
-              </a:spcBef>
-              <a:spcAft>
-                <a:spcPts val="1000"/>
-              </a:spcAft>
-              <a:buFont typeface="Arial" panose="020B0604020202020204" pitchFamily="34" charset="0"/>
-              <a:buChar char="•"/>
-              <a:defRPr lang="en-US" sz="1200" kern="1200" smtClean="0">
-                <a:solidFill>
-                  <a:schemeClr val="tx1">
-                    <a:lumMod val="75000"/>
-                    <a:lumOff val="25000"/>
-                  </a:schemeClr>
-                </a:solidFill>
-                <a:latin typeface="+mn-lt"/>
-                <a:ea typeface="+mn-ea"/>
-                <a:cs typeface="+mn-cs"/>
-              </a:defRPr>
-            </a:lvl4pPr>
-            <a:lvl5pPr marL="2057400" indent="-228600" algn="l" defTabSz="914400" rtl="0" eaLnBrk="1" latinLnBrk="0" hangingPunct="1">
-              <a:lnSpc>
-                <a:spcPts val="1800"/>
-              </a:lnSpc>
-              <a:spcBef>
-                <a:spcPts val="1000"/>
-              </a:spcBef>
-              <a:spcAft>
-                <a:spcPts val="1000"/>
-              </a:spcAft>
-              <a:buFont typeface="Arial" panose="020B0604020202020204" pitchFamily="34" charset="0"/>
-              <a:buChar char="•"/>
-              <a:defRPr lang="en-US" sz="1200" kern="1200">
-                <a:solidFill>
-                  <a:schemeClr val="tx1">
-                    <a:lumMod val="75000"/>
-                    <a:lumOff val="25000"/>
-                  </a:schemeClr>
-                </a:solidFill>
-                <a:latin typeface="+mn-lt"/>
-                <a:ea typeface="+mn-ea"/>
-                <a:cs typeface="+mn-cs"/>
-              </a:defRPr>
-            </a:lvl5pPr>
-            <a:lvl6pPr marL="2514600" indent="-228600" algn="l" defTabSz="914400" rtl="0" eaLnBrk="1" latinLnBrk="0" hangingPunct="1">
-              <a:lnSpc>
-                <a:spcPct val="90000"/>
-              </a:lnSpc>
-              <a:spcBef>
-                <a:spcPct val="30000"/>
-              </a:spcBef>
-              <a:buFont typeface="Arial" panose="020B0604020202020204" pitchFamily="34" charset="0"/>
-              <a:buChar char="•"/>
-              <a:defRPr sz="1800" kern="1200">
-                <a:solidFill>
-                  <a:schemeClr val="tx1"/>
-                </a:solidFill>
-                <a:latin typeface="+mn-lt"/>
-                <a:ea typeface="+mn-ea"/>
-                <a:cs typeface="+mn-cs"/>
-              </a:defRPr>
-            </a:lvl6pPr>
-            <a:lvl7pPr marL="2971800" indent="-228600" algn="l" defTabSz="914400" rtl="0" eaLnBrk="1" latinLnBrk="0" hangingPunct="1">
-              <a:lnSpc>
-                <a:spcPct val="90000"/>
-              </a:lnSpc>
-              <a:spcBef>
-                <a:spcPct val="30000"/>
-              </a:spcBef>
-              <a:buFont typeface="Arial" panose="020B0604020202020204" pitchFamily="34" charset="0"/>
-              <a:buChar char="•"/>
-              <a:defRPr sz="1800" kern="1200">
-                <a:solidFill>
-                  <a:schemeClr val="tx1"/>
-                </a:solidFill>
-                <a:latin typeface="+mn-lt"/>
-                <a:ea typeface="+mn-ea"/>
-                <a:cs typeface="+mn-cs"/>
-              </a:defRPr>
-            </a:lvl7pPr>
-            <a:lvl8pPr marL="3429000" indent="-228600" algn="l" defTabSz="914400" rtl="0" eaLnBrk="1" latinLnBrk="0" hangingPunct="1">
-              <a:lnSpc>
-                <a:spcPct val="90000"/>
-              </a:lnSpc>
-              <a:spcBef>
-                <a:spcPct val="30000"/>
-              </a:spcBef>
-              <a:buFont typeface="Arial" panose="020B0604020202020204" pitchFamily="34" charset="0"/>
-              <a:buChar char="•"/>
-              <a:defRPr sz="1800" kern="1200">
-                <a:solidFill>
-                  <a:schemeClr val="tx1"/>
-                </a:solidFill>
-                <a:latin typeface="+mn-lt"/>
-                <a:ea typeface="+mn-ea"/>
-                <a:cs typeface="+mn-cs"/>
-              </a:defRPr>
-            </a:lvl8pPr>
-            <a:lvl9pPr marL="3886200" indent="-228600" algn="l" defTabSz="914400" rtl="0" eaLnBrk="1" latinLnBrk="0" hangingPunct="1">
-              <a:lnSpc>
-                <a:spcPct val="90000"/>
-              </a:lnSpc>
-              <a:spcBef>
-                <a:spcPct val="30000"/>
-              </a:spcBef>
-              <a:buFont typeface="Arial" panose="020B0604020202020204" pitchFamily="34" charset="0"/>
-              <a:buChar char="•"/>
-              <a:defRPr sz="1800" kern="1200">
-                <a:solidFill>
-                  <a:schemeClr val="tx1"/>
-                </a:solidFill>
-                <a:latin typeface="+mn-lt"/>
-                <a:ea typeface="+mn-ea"/>
-                <a:cs typeface="+mn-cs"/>
-              </a:defRPr>
-            </a:lvl9pPr>
-          </a:lstStyle>
-          <a:p>
-            <a:pPr marL="0" indent="0">
-              <a:spcAft>
-                <a:spcPts val="2000"/>
-              </a:spcAft>
-              <a:buNone/>
-            </a:pPr>
-            <a:r>
-              <a:rPr lang="el-GR" dirty="0">
-                <a:solidFill>
-                  <a:prstClr val="black">
-                    <a:lumMod val="75000"/>
-                    <a:lumOff val="25000"/>
-                  </a:prstClr>
-                </a:solidFill>
-                <a:latin typeface="Segoe UI" panose="020B0502040204020203" pitchFamily="34" charset="0"/>
-                <a:cs typeface="Segoe UI" panose="020B0502040204020203" pitchFamily="34" charset="0"/>
-              </a:rPr>
-              <a:t>Κάντε δεξί κλικ στη λέξη </a:t>
-            </a:r>
-            <a:r>
-              <a:rPr lang="en-US" i="1" dirty="0">
-                <a:solidFill>
-                  <a:srgbClr val="D24726"/>
-                </a:solidFill>
-                <a:latin typeface="Segoe UI" panose="020B0502040204020203" pitchFamily="34" charset="0"/>
-                <a:cs typeface="Segoe UI" panose="020B0502040204020203" pitchFamily="34" charset="0"/>
-              </a:rPr>
-              <a:t>office</a:t>
-            </a:r>
-            <a:r>
-              <a:rPr lang="el-GR" i="1" dirty="0">
-                <a:solidFill>
-                  <a:srgbClr val="D24726"/>
-                </a:solidFill>
-                <a:latin typeface="Segoe UI" panose="020B0502040204020203" pitchFamily="34" charset="0"/>
-                <a:cs typeface="Segoe UI" panose="020B0502040204020203" pitchFamily="34" charset="0"/>
-              </a:rPr>
-              <a:t> </a:t>
-            </a:r>
-            <a:r>
-              <a:rPr lang="el-GR" dirty="0">
-                <a:solidFill>
-                  <a:prstClr val="black">
-                    <a:lumMod val="75000"/>
-                    <a:lumOff val="25000"/>
-                  </a:prstClr>
-                </a:solidFill>
-                <a:latin typeface="Segoe UI" panose="020B0502040204020203" pitchFamily="34" charset="0"/>
-                <a:cs typeface="Segoe UI" panose="020B0502040204020203" pitchFamily="34" charset="0"/>
-              </a:rPr>
-              <a:t>στην ακόλουθη φράση: </a:t>
-            </a:r>
-            <a:r>
-              <a:rPr lang="en-US" sz="1800" dirty="0">
-                <a:solidFill>
-                  <a:prstClr val="black">
-                    <a:lumMod val="75000"/>
-                    <a:lumOff val="25000"/>
-                  </a:prstClr>
-                </a:solidFill>
-                <a:latin typeface="Segoe UI" panose="020B0502040204020203" pitchFamily="34" charset="0"/>
-                <a:cs typeface="Segoe UI" panose="020B0502040204020203" pitchFamily="34" charset="0"/>
-              </a:rPr>
-              <a:t>office furniture</a:t>
-            </a:r>
-            <a:endParaRPr lang="el-GR" sz="1800" dirty="0">
-              <a:solidFill>
-                <a:prstClr val="black">
-                  <a:lumMod val="75000"/>
-                  <a:lumOff val="25000"/>
-                </a:prstClr>
-              </a:solidFill>
-              <a:latin typeface="Segoe UI" panose="020B0502040204020203" pitchFamily="34" charset="0"/>
-              <a:cs typeface="Segoe UI" panose="020B0502040204020203" pitchFamily="34" charset="0"/>
-            </a:endParaRPr>
-          </a:p>
-        </p:txBody>
-      </p:sp>
-      <p:grpSp>
-        <p:nvGrpSpPr>
-          <p:cNvPr id="36" name="Ομάδα 35" descr="Μικρός κύκλος με τον αριθμό 2 που υποδεικνύει το βήμα 2"/>
-          <p:cNvGrpSpPr/>
-          <p:nvPr/>
-        </p:nvGrpSpPr>
-        <p:grpSpPr bwMode="blackWhite">
-          <a:xfrm>
-            <a:off x="4249102" y="5233381"/>
-            <a:ext cx="558179" cy="409838"/>
-            <a:chOff x="6953426" y="711274"/>
-            <a:chExt cx="558179" cy="409838"/>
-          </a:xfrm>
-        </p:grpSpPr>
-        <p:sp>
-          <p:nvSpPr>
-            <p:cNvPr id="37" name="Έλλειψη 36" descr="Μικρός κύκλος"/>
-            <p:cNvSpPr/>
-            <p:nvPr/>
-          </p:nvSpPr>
-          <p:spPr bwMode="blackWhite">
-            <a:xfrm>
-              <a:off x="7025069" y="711274"/>
-              <a:ext cx="409838" cy="409838"/>
-            </a:xfrm>
-            <a:prstGeom prst="ellipse">
-              <a:avLst/>
-            </a:prstGeom>
-            <a:solidFill>
-              <a:srgbClr val="D24726"/>
-            </a:solidFill>
-            <a:ln>
-              <a:noFill/>
-            </a:ln>
-          </p:spPr>
-          <p:style>
-            <a:lnRef idx="2">
-              <a:schemeClr val="accent1">
-                <a:shade val="50000"/>
-              </a:schemeClr>
-            </a:lnRef>
-            <a:fillRef idx="1">
-              <a:schemeClr val="accent1"/>
-            </a:fillRef>
-            <a:effectRef idx="0">
-              <a:schemeClr val="accent1"/>
-            </a:effectRef>
-            <a:fontRef idx="minor">
-              <a:schemeClr val="lt1"/>
-            </a:fontRef>
-          </p:style>
-          <p:txBody>
-            <a:bodyPr rtlCol="0" anchor="ctr"/>
-            <a:lstStyle/>
-            <a:p>
-              <a:pPr algn="ctr" rtl="0"/>
-              <a:endParaRPr lang="el-GR" dirty="0"/>
-            </a:p>
-          </p:txBody>
-        </p:sp>
-        <p:sp>
-          <p:nvSpPr>
-            <p:cNvPr id="38" name="Πλαίσιο κειμένου 37" descr="Αριθμός 2"/>
-            <p:cNvSpPr txBox="1"/>
-            <p:nvPr/>
-          </p:nvSpPr>
-          <p:spPr bwMode="blackWhite">
-            <a:xfrm>
-              <a:off x="6953426" y="727564"/>
-              <a:ext cx="558179" cy="369332"/>
-            </a:xfrm>
-            <a:prstGeom prst="rect">
-              <a:avLst/>
-            </a:prstGeom>
-            <a:noFill/>
-          </p:spPr>
-          <p:txBody>
-            <a:bodyPr wrap="square" rtlCol="0">
-              <a:spAutoFit/>
-            </a:bodyPr>
-            <a:lstStyle/>
-            <a:p>
-              <a:pPr algn="ctr" rtl="0"/>
-              <a:r>
-                <a:rPr lang="el-GR" dirty="0">
-                  <a:solidFill>
-                    <a:schemeClr val="bg1"/>
-                  </a:solidFill>
-                  <a:latin typeface="Segoe UI Semibold" panose="020B0702040204020203" pitchFamily="34" charset="0"/>
-                  <a:cs typeface="Segoe UI Semibold" panose="020B0702040204020203" pitchFamily="34" charset="0"/>
-                </a:rPr>
-                <a:t>2</a:t>
-              </a:r>
-            </a:p>
-          </p:txBody>
-        </p:sp>
-      </p:grpSp>
-      <p:sp>
-        <p:nvSpPr>
-          <p:cNvPr id="43" name="Θέση περιεχομένου 17"/>
-          <p:cNvSpPr txBox="1">
-            <a:spLocks/>
-          </p:cNvSpPr>
-          <p:nvPr/>
-        </p:nvSpPr>
-        <p:spPr>
-          <a:xfrm>
-            <a:off x="4747855" y="5273573"/>
-            <a:ext cx="3106367" cy="1324053"/>
-          </a:xfrm>
-          <a:prstGeom prst="rect">
-            <a:avLst/>
-          </a:prstGeom>
-        </p:spPr>
-        <p:txBody>
-          <a:bodyPr vert="horz" lIns="91440" tIns="45720" rIns="91440" bIns="45720" rtlCol="0">
-            <a:normAutofit/>
-          </a:bodyPr>
-          <a:lstStyle>
-            <a:lvl1pPr marL="228600" indent="-228600" algn="l" defTabSz="914400" rtl="0" eaLnBrk="1" latinLnBrk="0" hangingPunct="1">
-              <a:lnSpc>
-                <a:spcPts val="1800"/>
-              </a:lnSpc>
-              <a:spcBef>
-                <a:spcPts val="1000"/>
-              </a:spcBef>
-              <a:spcAft>
-                <a:spcPts val="1000"/>
-              </a:spcAft>
-              <a:buFont typeface="Arial" panose="020B0604020202020204" pitchFamily="34" charset="0"/>
-              <a:buChar char="•"/>
-              <a:defRPr lang="en-US" sz="1200" kern="1200" smtClean="0">
-                <a:solidFill>
-                  <a:schemeClr val="tx1">
-                    <a:lumMod val="75000"/>
-                    <a:lumOff val="25000"/>
-                  </a:schemeClr>
-                </a:solidFill>
-                <a:latin typeface="+mn-lt"/>
-                <a:ea typeface="+mn-ea"/>
-                <a:cs typeface="+mn-cs"/>
-              </a:defRPr>
-            </a:lvl1pPr>
-            <a:lvl2pPr marL="685800" indent="-228600" algn="l" defTabSz="914400" rtl="0" eaLnBrk="1" latinLnBrk="0" hangingPunct="1">
-              <a:lnSpc>
-                <a:spcPts val="1800"/>
-              </a:lnSpc>
-              <a:spcBef>
-                <a:spcPts val="1000"/>
-              </a:spcBef>
-              <a:spcAft>
-                <a:spcPts val="1000"/>
-              </a:spcAft>
-              <a:buFont typeface="Arial" panose="020B0604020202020204" pitchFamily="34" charset="0"/>
-              <a:buChar char="•"/>
-              <a:defRPr lang="en-US" sz="1200" kern="1200" smtClean="0">
-                <a:solidFill>
-                  <a:schemeClr val="tx1">
-                    <a:lumMod val="75000"/>
-                    <a:lumOff val="25000"/>
-                  </a:schemeClr>
-                </a:solidFill>
-                <a:latin typeface="+mn-lt"/>
-                <a:ea typeface="+mn-ea"/>
-                <a:cs typeface="+mn-cs"/>
-              </a:defRPr>
-            </a:lvl2pPr>
-            <a:lvl3pPr marL="1143000" indent="-228600" algn="l" defTabSz="914400" rtl="0" eaLnBrk="1" latinLnBrk="0" hangingPunct="1">
-              <a:lnSpc>
-                <a:spcPts val="1800"/>
-              </a:lnSpc>
-              <a:spcBef>
-                <a:spcPts val="1000"/>
-              </a:spcBef>
-              <a:spcAft>
-                <a:spcPts val="1000"/>
-              </a:spcAft>
-              <a:buFont typeface="Arial" panose="020B0604020202020204" pitchFamily="34" charset="0"/>
-              <a:buChar char="•"/>
-              <a:defRPr lang="en-US" sz="1200" kern="1200" smtClean="0">
-                <a:solidFill>
-                  <a:schemeClr val="tx1">
-                    <a:lumMod val="75000"/>
-                    <a:lumOff val="25000"/>
-                  </a:schemeClr>
-                </a:solidFill>
-                <a:latin typeface="+mn-lt"/>
-                <a:ea typeface="+mn-ea"/>
-                <a:cs typeface="+mn-cs"/>
-              </a:defRPr>
-            </a:lvl3pPr>
-            <a:lvl4pPr marL="1600200" indent="-228600" algn="l" defTabSz="914400" rtl="0" eaLnBrk="1" latinLnBrk="0" hangingPunct="1">
-              <a:lnSpc>
-                <a:spcPts val="1800"/>
-              </a:lnSpc>
-              <a:spcBef>
-                <a:spcPts val="1000"/>
-              </a:spcBef>
-              <a:spcAft>
-                <a:spcPts val="1000"/>
-              </a:spcAft>
-              <a:buFont typeface="Arial" panose="020B0604020202020204" pitchFamily="34" charset="0"/>
-              <a:buChar char="•"/>
-              <a:defRPr lang="en-US" sz="1200" kern="1200" smtClean="0">
-                <a:solidFill>
-                  <a:schemeClr val="tx1">
-                    <a:lumMod val="75000"/>
-                    <a:lumOff val="25000"/>
-                  </a:schemeClr>
-                </a:solidFill>
-                <a:latin typeface="+mn-lt"/>
-                <a:ea typeface="+mn-ea"/>
-                <a:cs typeface="+mn-cs"/>
-              </a:defRPr>
-            </a:lvl4pPr>
-            <a:lvl5pPr marL="2057400" indent="-228600" algn="l" defTabSz="914400" rtl="0" eaLnBrk="1" latinLnBrk="0" hangingPunct="1">
-              <a:lnSpc>
-                <a:spcPts val="1800"/>
-              </a:lnSpc>
-              <a:spcBef>
-                <a:spcPts val="1000"/>
-              </a:spcBef>
-              <a:spcAft>
-                <a:spcPts val="1000"/>
-              </a:spcAft>
-              <a:buFont typeface="Arial" panose="020B0604020202020204" pitchFamily="34" charset="0"/>
-              <a:buChar char="•"/>
-              <a:defRPr lang="en-US" sz="1200" kern="1200">
-                <a:solidFill>
-                  <a:schemeClr val="tx1">
-                    <a:lumMod val="75000"/>
-                    <a:lumOff val="25000"/>
-                  </a:schemeClr>
-                </a:solidFill>
-                <a:latin typeface="+mn-lt"/>
-                <a:ea typeface="+mn-ea"/>
-                <a:cs typeface="+mn-cs"/>
-              </a:defRPr>
-            </a:lvl5pPr>
-            <a:lvl6pPr marL="2514600" indent="-228600" algn="l" defTabSz="914400" rtl="0" eaLnBrk="1" latinLnBrk="0" hangingPunct="1">
-              <a:lnSpc>
-                <a:spcPct val="90000"/>
-              </a:lnSpc>
-              <a:spcBef>
-                <a:spcPct val="30000"/>
-              </a:spcBef>
-              <a:buFont typeface="Arial" panose="020B0604020202020204" pitchFamily="34" charset="0"/>
-              <a:buChar char="•"/>
-              <a:defRPr sz="1800" kern="1200">
-                <a:solidFill>
-                  <a:schemeClr val="tx1"/>
-                </a:solidFill>
-                <a:latin typeface="+mn-lt"/>
-                <a:ea typeface="+mn-ea"/>
-                <a:cs typeface="+mn-cs"/>
-              </a:defRPr>
-            </a:lvl6pPr>
-            <a:lvl7pPr marL="2971800" indent="-228600" algn="l" defTabSz="914400" rtl="0" eaLnBrk="1" latinLnBrk="0" hangingPunct="1">
-              <a:lnSpc>
-                <a:spcPct val="90000"/>
-              </a:lnSpc>
-              <a:spcBef>
-                <a:spcPct val="30000"/>
-              </a:spcBef>
-              <a:buFont typeface="Arial" panose="020B0604020202020204" pitchFamily="34" charset="0"/>
-              <a:buChar char="•"/>
-              <a:defRPr sz="1800" kern="1200">
-                <a:solidFill>
-                  <a:schemeClr val="tx1"/>
-                </a:solidFill>
-                <a:latin typeface="+mn-lt"/>
-                <a:ea typeface="+mn-ea"/>
-                <a:cs typeface="+mn-cs"/>
-              </a:defRPr>
-            </a:lvl7pPr>
-            <a:lvl8pPr marL="3429000" indent="-228600" algn="l" defTabSz="914400" rtl="0" eaLnBrk="1" latinLnBrk="0" hangingPunct="1">
-              <a:lnSpc>
-                <a:spcPct val="90000"/>
-              </a:lnSpc>
-              <a:spcBef>
-                <a:spcPct val="30000"/>
-              </a:spcBef>
-              <a:buFont typeface="Arial" panose="020B0604020202020204" pitchFamily="34" charset="0"/>
-              <a:buChar char="•"/>
-              <a:defRPr sz="1800" kern="1200">
-                <a:solidFill>
-                  <a:schemeClr val="tx1"/>
-                </a:solidFill>
-                <a:latin typeface="+mn-lt"/>
-                <a:ea typeface="+mn-ea"/>
-                <a:cs typeface="+mn-cs"/>
-              </a:defRPr>
-            </a:lvl8pPr>
-            <a:lvl9pPr marL="3886200" indent="-228600" algn="l" defTabSz="914400" rtl="0" eaLnBrk="1" latinLnBrk="0" hangingPunct="1">
-              <a:lnSpc>
-                <a:spcPct val="90000"/>
-              </a:lnSpc>
-              <a:spcBef>
-                <a:spcPct val="30000"/>
-              </a:spcBef>
-              <a:buFont typeface="Arial" panose="020B0604020202020204" pitchFamily="34" charset="0"/>
-              <a:buChar char="•"/>
-              <a:defRPr sz="1800" kern="1200">
-                <a:solidFill>
-                  <a:schemeClr val="tx1"/>
-                </a:solidFill>
-                <a:latin typeface="+mn-lt"/>
-                <a:ea typeface="+mn-ea"/>
-                <a:cs typeface="+mn-cs"/>
-              </a:defRPr>
-            </a:lvl9pPr>
-          </a:lstStyle>
-          <a:p>
-            <a:pPr marL="0" indent="0" rtl="0">
-              <a:spcAft>
-                <a:spcPts val="2000"/>
-              </a:spcAft>
-              <a:buNone/>
-            </a:pPr>
-            <a:r>
-              <a:rPr lang="el-GR" dirty="0">
-                <a:solidFill>
-                  <a:prstClr val="black">
-                    <a:lumMod val="75000"/>
-                    <a:lumOff val="25000"/>
-                  </a:prstClr>
-                </a:solidFill>
-                <a:latin typeface="Segoe UI" panose="020B0502040204020203" pitchFamily="34" charset="0"/>
-                <a:cs typeface="Segoe UI" panose="020B0502040204020203" pitchFamily="34" charset="0"/>
-              </a:rPr>
-              <a:t>Επιλέξτε </a:t>
-            </a:r>
-            <a:r>
-              <a:rPr lang="el-GR" dirty="0">
-                <a:solidFill>
-                  <a:srgbClr val="D24726"/>
-                </a:solidFill>
-                <a:latin typeface="Segoe UI Semibold" panose="020B0702040204020203" pitchFamily="34" charset="0"/>
-                <a:cs typeface="Segoe UI Semibold" panose="020B0702040204020203" pitchFamily="34" charset="0"/>
-              </a:rPr>
-              <a:t>Έξυπνη</a:t>
-            </a:r>
-            <a:r>
-              <a:rPr lang="el-GR" dirty="0">
-                <a:solidFill>
-                  <a:prstClr val="black">
-                    <a:lumMod val="75000"/>
-                    <a:lumOff val="25000"/>
-                  </a:prstClr>
-                </a:solidFill>
-                <a:cs typeface="Segoe UI"/>
-              </a:rPr>
-              <a:t> </a:t>
-            </a:r>
-            <a:r>
-              <a:rPr lang="el-GR" dirty="0">
-                <a:solidFill>
-                  <a:srgbClr val="D24726"/>
-                </a:solidFill>
-                <a:latin typeface="Segoe UI Semibold" panose="020B0702040204020203" pitchFamily="34" charset="0"/>
-                <a:cs typeface="Segoe UI Semibold" panose="020B0702040204020203" pitchFamily="34" charset="0"/>
-              </a:rPr>
-              <a:t>αναζήτηση</a:t>
-            </a:r>
-            <a:r>
-              <a:rPr lang="el-GR" dirty="0">
-                <a:latin typeface="Segoe UI" panose="020B0502040204020203" pitchFamily="34" charset="0"/>
-                <a:cs typeface="Segoe UI" panose="020B0502040204020203" pitchFamily="34" charset="0"/>
-              </a:rPr>
-              <a:t> και παρατηρήστε ότι τα αποτελέσματα είναι συναφή με αυτή τη φράση, όχι με τις </a:t>
-            </a:r>
-            <a:r>
-              <a:rPr lang="el-GR" sz="1800" dirty="0">
-                <a:latin typeface="Segoe UI" panose="020B0502040204020203" pitchFamily="34" charset="0"/>
-                <a:cs typeface="Segoe UI" panose="020B0502040204020203" pitchFamily="34" charset="0"/>
-              </a:rPr>
-              <a:t>Εφαρμογές του Microsoft Office</a:t>
-            </a:r>
-            <a:r>
-              <a:rPr lang="el-GR" dirty="0">
-                <a:latin typeface="Segoe UI" panose="020B0502040204020203" pitchFamily="34" charset="0"/>
-                <a:cs typeface="Segoe UI" panose="020B0502040204020203" pitchFamily="34" charset="0"/>
-              </a:rPr>
-              <a:t>.</a:t>
-            </a:r>
-            <a:endParaRPr lang="el-GR" dirty="0">
-              <a:solidFill>
-                <a:srgbClr val="D24726"/>
-              </a:solidFill>
-              <a:latin typeface="Segoe UI" panose="020B0502040204020203" pitchFamily="34" charset="0"/>
-              <a:cs typeface="Segoe UI" panose="020B0502040204020203" pitchFamily="34" charset="0"/>
-            </a:endParaRPr>
-          </a:p>
-        </p:txBody>
-      </p:sp>
-      <p:grpSp>
-        <p:nvGrpSpPr>
-          <p:cNvPr id="39" name="Ομάδα 38" descr="Μικρός κύκλος με τον αριθμό 3 που υποδεικνύει το βήμα 3"/>
-          <p:cNvGrpSpPr/>
-          <p:nvPr/>
-        </p:nvGrpSpPr>
-        <p:grpSpPr bwMode="blackWhite">
-          <a:xfrm>
-            <a:off x="7930921" y="5233381"/>
-            <a:ext cx="558179" cy="409838"/>
-            <a:chOff x="6953426" y="711274"/>
-            <a:chExt cx="558179" cy="409838"/>
-          </a:xfrm>
-        </p:grpSpPr>
-        <p:sp>
-          <p:nvSpPr>
-            <p:cNvPr id="40" name="Έλλειψη 39" descr="Μικρός κύκλος"/>
-            <p:cNvSpPr/>
-            <p:nvPr/>
-          </p:nvSpPr>
-          <p:spPr bwMode="blackWhite">
-            <a:xfrm>
-              <a:off x="7025069" y="711274"/>
-              <a:ext cx="409838" cy="409838"/>
-            </a:xfrm>
-            <a:prstGeom prst="ellipse">
-              <a:avLst/>
-            </a:prstGeom>
-            <a:solidFill>
-              <a:srgbClr val="D24726"/>
-            </a:solidFill>
-            <a:ln>
-              <a:noFill/>
-            </a:ln>
-          </p:spPr>
-          <p:style>
-            <a:lnRef idx="2">
-              <a:schemeClr val="accent1">
-                <a:shade val="50000"/>
-              </a:schemeClr>
-            </a:lnRef>
-            <a:fillRef idx="1">
-              <a:schemeClr val="accent1"/>
-            </a:fillRef>
-            <a:effectRef idx="0">
-              <a:schemeClr val="accent1"/>
-            </a:effectRef>
-            <a:fontRef idx="minor">
-              <a:schemeClr val="lt1"/>
-            </a:fontRef>
-          </p:style>
-          <p:txBody>
-            <a:bodyPr rtlCol="0" anchor="ctr"/>
-            <a:lstStyle/>
-            <a:p>
-              <a:pPr algn="ctr" rtl="0"/>
-              <a:endParaRPr lang="el-GR" dirty="0"/>
-            </a:p>
-          </p:txBody>
-        </p:sp>
-        <p:sp>
-          <p:nvSpPr>
-            <p:cNvPr id="41" name="Πλαίσιο κειμένου 40" descr="Αριθμός 3"/>
-            <p:cNvSpPr txBox="1"/>
-            <p:nvPr/>
-          </p:nvSpPr>
-          <p:spPr bwMode="blackWhite">
-            <a:xfrm>
-              <a:off x="6953426" y="727564"/>
-              <a:ext cx="558179" cy="369332"/>
-            </a:xfrm>
-            <a:prstGeom prst="rect">
-              <a:avLst/>
-            </a:prstGeom>
-            <a:noFill/>
-          </p:spPr>
-          <p:txBody>
-            <a:bodyPr wrap="square" rtlCol="0">
-              <a:spAutoFit/>
-            </a:bodyPr>
-            <a:lstStyle/>
-            <a:p>
-              <a:pPr algn="ctr" rtl="0"/>
-              <a:r>
-                <a:rPr lang="el-GR" dirty="0">
-                  <a:solidFill>
-                    <a:schemeClr val="bg1"/>
-                  </a:solidFill>
-                  <a:latin typeface="Segoe UI Semibold" panose="020B0702040204020203" pitchFamily="34" charset="0"/>
-                  <a:cs typeface="Segoe UI Semibold" panose="020B0702040204020203" pitchFamily="34" charset="0"/>
-                </a:rPr>
-                <a:t>3</a:t>
-              </a:r>
-            </a:p>
-          </p:txBody>
-        </p:sp>
-      </p:grpSp>
-      <p:sp>
-        <p:nvSpPr>
-          <p:cNvPr id="44" name="Θέση περιεχομένου 17"/>
-          <p:cNvSpPr txBox="1">
-            <a:spLocks/>
-          </p:cNvSpPr>
-          <p:nvPr/>
-        </p:nvSpPr>
-        <p:spPr>
-          <a:xfrm>
-            <a:off x="8429668" y="5273573"/>
-            <a:ext cx="3107336" cy="1341886"/>
-          </a:xfrm>
-          <a:prstGeom prst="rect">
-            <a:avLst/>
-          </a:prstGeom>
-        </p:spPr>
-        <p:txBody>
-          <a:bodyPr vert="horz" lIns="91440" tIns="45720" rIns="91440" bIns="45720" rtlCol="0">
-            <a:normAutofit/>
-          </a:bodyPr>
-          <a:lstStyle>
-            <a:lvl1pPr marL="228600" indent="-228600" algn="l" defTabSz="914400" rtl="0" eaLnBrk="1" latinLnBrk="0" hangingPunct="1">
-              <a:lnSpc>
-                <a:spcPts val="1800"/>
-              </a:lnSpc>
-              <a:spcBef>
-                <a:spcPts val="1000"/>
-              </a:spcBef>
-              <a:spcAft>
-                <a:spcPts val="1000"/>
-              </a:spcAft>
-              <a:buFont typeface="Arial" panose="020B0604020202020204" pitchFamily="34" charset="0"/>
-              <a:buChar char="•"/>
-              <a:defRPr lang="en-US" sz="1200" kern="1200" smtClean="0">
-                <a:solidFill>
-                  <a:schemeClr val="tx1">
-                    <a:lumMod val="75000"/>
-                    <a:lumOff val="25000"/>
-                  </a:schemeClr>
-                </a:solidFill>
-                <a:latin typeface="+mn-lt"/>
-                <a:ea typeface="+mn-ea"/>
-                <a:cs typeface="+mn-cs"/>
-              </a:defRPr>
-            </a:lvl1pPr>
-            <a:lvl2pPr marL="685800" indent="-228600" algn="l" defTabSz="914400" rtl="0" eaLnBrk="1" latinLnBrk="0" hangingPunct="1">
-              <a:lnSpc>
-                <a:spcPts val="1800"/>
-              </a:lnSpc>
-              <a:spcBef>
-                <a:spcPts val="1000"/>
-              </a:spcBef>
-              <a:spcAft>
-                <a:spcPts val="1000"/>
-              </a:spcAft>
-              <a:buFont typeface="Arial" panose="020B0604020202020204" pitchFamily="34" charset="0"/>
-              <a:buChar char="•"/>
-              <a:defRPr lang="en-US" sz="1200" kern="1200" smtClean="0">
-                <a:solidFill>
-                  <a:schemeClr val="tx1">
-                    <a:lumMod val="75000"/>
-                    <a:lumOff val="25000"/>
-                  </a:schemeClr>
-                </a:solidFill>
-                <a:latin typeface="+mn-lt"/>
-                <a:ea typeface="+mn-ea"/>
-                <a:cs typeface="+mn-cs"/>
-              </a:defRPr>
-            </a:lvl2pPr>
-            <a:lvl3pPr marL="1143000" indent="-228600" algn="l" defTabSz="914400" rtl="0" eaLnBrk="1" latinLnBrk="0" hangingPunct="1">
-              <a:lnSpc>
-                <a:spcPts val="1800"/>
-              </a:lnSpc>
-              <a:spcBef>
-                <a:spcPts val="1000"/>
-              </a:spcBef>
-              <a:spcAft>
-                <a:spcPts val="1000"/>
-              </a:spcAft>
-              <a:buFont typeface="Arial" panose="020B0604020202020204" pitchFamily="34" charset="0"/>
-              <a:buChar char="•"/>
-              <a:defRPr lang="en-US" sz="1200" kern="1200" smtClean="0">
-                <a:solidFill>
-                  <a:schemeClr val="tx1">
-                    <a:lumMod val="75000"/>
-                    <a:lumOff val="25000"/>
-                  </a:schemeClr>
-                </a:solidFill>
-                <a:latin typeface="+mn-lt"/>
-                <a:ea typeface="+mn-ea"/>
-                <a:cs typeface="+mn-cs"/>
-              </a:defRPr>
-            </a:lvl3pPr>
-            <a:lvl4pPr marL="1600200" indent="-228600" algn="l" defTabSz="914400" rtl="0" eaLnBrk="1" latinLnBrk="0" hangingPunct="1">
-              <a:lnSpc>
-                <a:spcPts val="1800"/>
-              </a:lnSpc>
-              <a:spcBef>
-                <a:spcPts val="1000"/>
-              </a:spcBef>
-              <a:spcAft>
-                <a:spcPts val="1000"/>
-              </a:spcAft>
-              <a:buFont typeface="Arial" panose="020B0604020202020204" pitchFamily="34" charset="0"/>
-              <a:buChar char="•"/>
-              <a:defRPr lang="en-US" sz="1200" kern="1200" smtClean="0">
-                <a:solidFill>
-                  <a:schemeClr val="tx1">
-                    <a:lumMod val="75000"/>
-                    <a:lumOff val="25000"/>
-                  </a:schemeClr>
-                </a:solidFill>
-                <a:latin typeface="+mn-lt"/>
-                <a:ea typeface="+mn-ea"/>
-                <a:cs typeface="+mn-cs"/>
-              </a:defRPr>
-            </a:lvl4pPr>
-            <a:lvl5pPr marL="2057400" indent="-228600" algn="l" defTabSz="914400" rtl="0" eaLnBrk="1" latinLnBrk="0" hangingPunct="1">
-              <a:lnSpc>
-                <a:spcPts val="1800"/>
-              </a:lnSpc>
-              <a:spcBef>
-                <a:spcPts val="1000"/>
-              </a:spcBef>
-              <a:spcAft>
-                <a:spcPts val="1000"/>
-              </a:spcAft>
-              <a:buFont typeface="Arial" panose="020B0604020202020204" pitchFamily="34" charset="0"/>
-              <a:buChar char="•"/>
-              <a:defRPr lang="en-US" sz="1200" kern="1200">
-                <a:solidFill>
-                  <a:schemeClr val="tx1">
-                    <a:lumMod val="75000"/>
-                    <a:lumOff val="25000"/>
-                  </a:schemeClr>
-                </a:solidFill>
-                <a:latin typeface="+mn-lt"/>
-                <a:ea typeface="+mn-ea"/>
-                <a:cs typeface="+mn-cs"/>
-              </a:defRPr>
-            </a:lvl5pPr>
-            <a:lvl6pPr marL="2514600" indent="-228600" algn="l" defTabSz="914400" rtl="0" eaLnBrk="1" latinLnBrk="0" hangingPunct="1">
-              <a:lnSpc>
-                <a:spcPct val="90000"/>
-              </a:lnSpc>
-              <a:spcBef>
-                <a:spcPct val="30000"/>
-              </a:spcBef>
-              <a:buFont typeface="Arial" panose="020B0604020202020204" pitchFamily="34" charset="0"/>
-              <a:buChar char="•"/>
-              <a:defRPr sz="1800" kern="1200">
-                <a:solidFill>
-                  <a:schemeClr val="tx1"/>
-                </a:solidFill>
-                <a:latin typeface="+mn-lt"/>
-                <a:ea typeface="+mn-ea"/>
-                <a:cs typeface="+mn-cs"/>
-              </a:defRPr>
-            </a:lvl6pPr>
-            <a:lvl7pPr marL="2971800" indent="-228600" algn="l" defTabSz="914400" rtl="0" eaLnBrk="1" latinLnBrk="0" hangingPunct="1">
-              <a:lnSpc>
-                <a:spcPct val="90000"/>
-              </a:lnSpc>
-              <a:spcBef>
-                <a:spcPct val="30000"/>
-              </a:spcBef>
-              <a:buFont typeface="Arial" panose="020B0604020202020204" pitchFamily="34" charset="0"/>
-              <a:buChar char="•"/>
-              <a:defRPr sz="1800" kern="1200">
-                <a:solidFill>
-                  <a:schemeClr val="tx1"/>
-                </a:solidFill>
-                <a:latin typeface="+mn-lt"/>
-                <a:ea typeface="+mn-ea"/>
-                <a:cs typeface="+mn-cs"/>
-              </a:defRPr>
-            </a:lvl7pPr>
-            <a:lvl8pPr marL="3429000" indent="-228600" algn="l" defTabSz="914400" rtl="0" eaLnBrk="1" latinLnBrk="0" hangingPunct="1">
-              <a:lnSpc>
-                <a:spcPct val="90000"/>
-              </a:lnSpc>
-              <a:spcBef>
-                <a:spcPct val="30000"/>
-              </a:spcBef>
-              <a:buFont typeface="Arial" panose="020B0604020202020204" pitchFamily="34" charset="0"/>
-              <a:buChar char="•"/>
-              <a:defRPr sz="1800" kern="1200">
-                <a:solidFill>
-                  <a:schemeClr val="tx1"/>
-                </a:solidFill>
-                <a:latin typeface="+mn-lt"/>
-                <a:ea typeface="+mn-ea"/>
-                <a:cs typeface="+mn-cs"/>
-              </a:defRPr>
-            </a:lvl8pPr>
-            <a:lvl9pPr marL="3886200" indent="-228600" algn="l" defTabSz="914400" rtl="0" eaLnBrk="1" latinLnBrk="0" hangingPunct="1">
-              <a:lnSpc>
-                <a:spcPct val="90000"/>
-              </a:lnSpc>
-              <a:spcBef>
-                <a:spcPct val="30000"/>
-              </a:spcBef>
-              <a:buFont typeface="Arial" panose="020B0604020202020204" pitchFamily="34" charset="0"/>
-              <a:buChar char="•"/>
-              <a:defRPr sz="1800" kern="1200">
-                <a:solidFill>
-                  <a:schemeClr val="tx1"/>
-                </a:solidFill>
-                <a:latin typeface="+mn-lt"/>
-                <a:ea typeface="+mn-ea"/>
-                <a:cs typeface="+mn-cs"/>
-              </a:defRPr>
-            </a:lvl9pPr>
-          </a:lstStyle>
-          <a:p>
-            <a:pPr marL="0" lvl="0" indent="0" rtl="0">
-              <a:spcAft>
-                <a:spcPts val="2000"/>
-              </a:spcAft>
-              <a:buNone/>
-            </a:pPr>
-            <a:r>
-              <a:rPr lang="el-GR" dirty="0">
-                <a:latin typeface="Segoe UI" panose="020B0502040204020203" pitchFamily="34" charset="0"/>
-                <a:cs typeface="Segoe UI" panose="020B0502040204020203" pitchFamily="34" charset="0"/>
-              </a:rPr>
-              <a:t>Απλώς για διασκέδαση, δοκιμάστε ξανά την Έξυπνη αναζήτηση κάνοντας δεξί κλικ στη λέξη </a:t>
-            </a:r>
-            <a:r>
-              <a:rPr lang="el-GR" i="1" dirty="0">
-                <a:solidFill>
-                  <a:srgbClr val="D24726"/>
-                </a:solidFill>
-                <a:latin typeface="Segoe UI" panose="020B0502040204020203" pitchFamily="34" charset="0"/>
-                <a:cs typeface="Segoe UI" panose="020B0502040204020203" pitchFamily="34" charset="0"/>
-              </a:rPr>
-              <a:t>Office</a:t>
-            </a:r>
-            <a:r>
-              <a:rPr lang="el-GR" dirty="0"/>
-              <a:t> </a:t>
-            </a:r>
-            <a:r>
-              <a:rPr lang="el-GR" dirty="0">
-                <a:latin typeface="Segoe UI" panose="020B0502040204020203" pitchFamily="34" charset="0"/>
-                <a:cs typeface="Segoe UI" panose="020B0502040204020203" pitchFamily="34" charset="0"/>
-              </a:rPr>
-              <a:t>στο βήμα 2.</a:t>
-            </a:r>
-          </a:p>
-          <a:p>
-            <a:pPr marL="0" indent="0" rtl="0">
-              <a:spcAft>
-                <a:spcPts val="2000"/>
-              </a:spcAft>
-              <a:buNone/>
-            </a:pPr>
-            <a:endParaRPr lang="el-GR" dirty="0">
-              <a:solidFill>
-                <a:prstClr val="black">
-                  <a:lumMod val="75000"/>
-                  <a:lumOff val="25000"/>
-                </a:prstClr>
-              </a:solidFill>
-            </a:endParaRPr>
-          </a:p>
-        </p:txBody>
-      </p:sp>
-    </p:spTree>
-    <p:extLst>
-      <p:ext uri="{BB962C8B-B14F-4D97-AF65-F5344CB8AC3E}">
-        <p14:creationId xmlns:p14="http://schemas.microsoft.com/office/powerpoint/2010/main" val="1769326051"/>
-      </p:ext>
-    </p:extLst>
-  </p:cSld>
-  <p:clrMapOvr>
-    <a:masterClrMapping/>
-  </p:clrMapOvr>
-  <mc:AlternateContent xmlns:mc="http://schemas.openxmlformats.org/markup-compatibility/2006" xmlns:p14="http://schemas.microsoft.com/office/powerpoint/2010/main">
-    <mc:Choice Requires="p14">
-      <p:transition p14:dur="10"/>
-    </mc:Choice>
-    <mc:Fallback xmlns="">
-      <p:transition/>
-    </mc:Fallback>
-  </mc:AlternateContent>
-</p:sld>
-</file>
-
-<file path=ppt/slides/slide12.xml><?xml version="1.0" encoding="utf-8"?>
-<p:sld xmlns:a="http://schemas.openxmlformats.org/drawingml/2006/main" xmlns:r="http://schemas.openxmlformats.org/officeDocument/2006/relationships" xmlns:p="http://schemas.openxmlformats.org/presentationml/2006/main">
-  <p:cSld>
-    <p:spTree>
-      <p:nvGrpSpPr>
-        <p:cNvPr id="1" name=""/>
-        <p:cNvGrpSpPr/>
-        <p:nvPr/>
-      </p:nvGrpSpPr>
-      <p:grpSpPr>
-        <a:xfrm>
-          <a:off x="0" y="0"/>
-          <a:ext cx="0" cy="0"/>
-          <a:chOff x="0" y="0"/>
-          <a:chExt cx="0" cy="0"/>
-        </a:xfrm>
-      </p:grpSpPr>
-      <p:sp>
-        <p:nvSpPr>
           <p:cNvPr id="10" name="Τίτλος 9"/>
           <p:cNvSpPr>
             <a:spLocks noGrp="1"/>
@@ -6445,7 +4255,7 @@
         <p:spPr>
           <a:xfrm>
             <a:off x="521208" y="968473"/>
-            <a:ext cx="6876288" cy="1207799"/>
+            <a:ext cx="7624288" cy="1207799"/>
           </a:xfrm>
         </p:spPr>
         <p:txBody>
@@ -6460,7 +4270,7 @@
                 <a:latin typeface="Segoe UI Light" panose="020B0502040204020203" pitchFamily="34" charset="0"/>
                 <a:cs typeface="Segoe UI Light" panose="020B0502040204020203" pitchFamily="34" charset="0"/>
               </a:rPr>
-              <a:t>Έχετε περισσότερες ερωτήσεις σχετικά με το PowerPoint;</a:t>
+              <a:t>Ευχαριστούμε για την προσοχή σας.</a:t>
             </a:r>
           </a:p>
         </p:txBody>
@@ -6496,98 +4306,7 @@
               </a:spcAft>
               <a:buNone/>
             </a:pPr>
-            <a:r>
-              <a:rPr lang="el-GR" sz="2000" dirty="0">
-                <a:latin typeface="Segoe UI Light" panose="020B0502040204020203" pitchFamily="34" charset="0"/>
-                <a:cs typeface="Segoe UI Light" panose="020B0502040204020203" pitchFamily="34" charset="0"/>
-              </a:rPr>
-              <a:t>Επιλέξτε το κουμπί </a:t>
-            </a:r>
-            <a:r>
-              <a:rPr lang="el-GR" sz="2000" dirty="0">
-                <a:solidFill>
-                  <a:srgbClr val="D24726"/>
-                </a:solidFill>
-                <a:latin typeface="Segoe UI Semibold" panose="020B0702040204020203" pitchFamily="34" charset="0"/>
-                <a:cs typeface="Segoe UI Semibold" panose="020B0702040204020203" pitchFamily="34" charset="0"/>
-              </a:rPr>
-              <a:t>Πείτε μου                   </a:t>
-            </a:r>
-            <a:r>
-              <a:rPr lang="el-GR" sz="2000" dirty="0">
-                <a:latin typeface="Segoe UI Light" panose="020B0502040204020203" pitchFamily="34" charset="0"/>
-                <a:cs typeface="Segoe UI Light" panose="020B0502040204020203" pitchFamily="34" charset="0"/>
-              </a:rPr>
-              <a:t>και πληκτρολογήστε αυτό που θέλετε να μάθετε.</a:t>
-            </a:r>
-            <a:br>
-              <a:rPr lang="el-GR" sz="2000" dirty="0">
-                <a:latin typeface="Segoe UI Light" panose="020B0502040204020203" pitchFamily="34" charset="0"/>
-                <a:cs typeface="Segoe UI Light" panose="020B0502040204020203" pitchFamily="34" charset="0"/>
-              </a:rPr>
-            </a:br>
             <a:endParaRPr lang="el-GR" sz="2000" dirty="0">
-              <a:latin typeface="Segoe UI Light" panose="020B0502040204020203" pitchFamily="34" charset="0"/>
-              <a:cs typeface="Segoe UI Light" panose="020B0502040204020203" pitchFamily="34" charset="0"/>
-            </a:endParaRPr>
-          </a:p>
-          <a:p>
-            <a:pPr>
-              <a:lnSpc>
-                <a:spcPts val="3600"/>
-              </a:lnSpc>
-              <a:spcAft>
-                <a:spcPts val="0"/>
-              </a:spcAft>
-            </a:pPr>
-            <a:r>
-              <a:rPr lang="el-GR" sz="1800" dirty="0">
-                <a:latin typeface="Segoe UI Light" panose="020B0502040204020203" pitchFamily="34" charset="0"/>
-                <a:cs typeface="Segoe UI Light" panose="020B0502040204020203" pitchFamily="34" charset="0"/>
-                <a:hlinkClick r:id="rId3" tooltip="Επισκεφθείτε το ιστολόγιο της ομάδας του PowerPoint (μόνο στα Αγγλικά)"/>
-              </a:rPr>
-              <a:t>Επισκεφθείτε το </a:t>
-            </a:r>
-            <a:r>
-              <a:rPr lang="el-GR" sz="1800" dirty="0" err="1">
-                <a:latin typeface="Segoe UI Light" panose="020B0502040204020203" pitchFamily="34" charset="0"/>
-                <a:cs typeface="Segoe UI Light" panose="020B0502040204020203" pitchFamily="34" charset="0"/>
-                <a:hlinkClick r:id="rId3" tooltip="Επισκεφθείτε το ιστολόγιο της ομάδας του PowerPoint (μόνο στα Αγγλικά)"/>
-              </a:rPr>
-              <a:t>ιστολόγιο</a:t>
-            </a:r>
-            <a:r>
-              <a:rPr lang="el-GR" sz="1800" dirty="0">
-                <a:latin typeface="Segoe UI Light" panose="020B0502040204020203" pitchFamily="34" charset="0"/>
-                <a:cs typeface="Segoe UI Light" panose="020B0502040204020203" pitchFamily="34" charset="0"/>
-                <a:hlinkClick r:id="rId3" tooltip="Επισκεφθείτε το ιστολόγιο της ομάδας του PowerPoint (μόνο στα Αγγλικά)"/>
-              </a:rPr>
-              <a:t> της ομάδας του PowerPoint (μόνο στα Αγγλικά)</a:t>
-            </a:r>
-            <a:endParaRPr lang="el-GR" sz="1800" dirty="0">
-              <a:latin typeface="Segoe UI Light" panose="020B0502040204020203" pitchFamily="34" charset="0"/>
-              <a:cs typeface="Segoe UI Light" panose="020B0502040204020203" pitchFamily="34" charset="0"/>
-            </a:endParaRPr>
-          </a:p>
-          <a:p>
-            <a:pPr marL="0" indent="0" rtl="0">
-              <a:lnSpc>
-                <a:spcPts val="3600"/>
-              </a:lnSpc>
-              <a:spcAft>
-                <a:spcPts val="0"/>
-              </a:spcAft>
-              <a:buNone/>
-            </a:pPr>
-            <a:r>
-              <a:rPr lang="el-GR" sz="1800" dirty="0">
-                <a:latin typeface="Segoe UI Light" panose="020B0502040204020203" pitchFamily="34" charset="0"/>
-                <a:cs typeface="Segoe UI Light" panose="020B0502040204020203" pitchFamily="34" charset="0"/>
-                <a:hlinkClick r:id="rId4" tooltip="Μεταβείτε στη δωρεάν εκπαίδευση για το PowerPoint"/>
-              </a:rPr>
-              <a:t>Μεταβείτε στη δωρεάν εκπαίδευση για το PowerPoint</a:t>
-            </a:r>
-            <a:endParaRPr lang="el-GR" sz="1800" dirty="0">
               <a:latin typeface="Segoe UI Light" panose="020B0502040204020203" pitchFamily="34" charset="0"/>
               <a:cs typeface="Segoe UI Light" panose="020B0502040204020203" pitchFamily="34" charset="0"/>
             </a:endParaRPr>
@@ -6607,83 +4326,8 @@
               <a:cs typeface="Segoe UI Light" panose="020B0502040204020203" pitchFamily="34" charset="0"/>
             </a:endParaRPr>
           </a:p>
-          <a:p>
-            <a:pPr marL="0" indent="0" rtl="0">
-              <a:lnSpc>
-                <a:spcPts val="3600"/>
-              </a:lnSpc>
-              <a:spcAft>
-                <a:spcPts val="0"/>
-              </a:spcAft>
-              <a:buNone/>
-            </a:pPr>
-            <a:endParaRPr lang="el-GR" sz="2000" dirty="0">
-              <a:latin typeface="Segoe UI Light" panose="020B0502040204020203" pitchFamily="34" charset="0"/>
-              <a:cs typeface="Segoe UI Light" panose="020B0502040204020203" pitchFamily="34" charset="0"/>
-            </a:endParaRPr>
-          </a:p>
         </p:txBody>
       </p:sp>
-      <p:pic>
-        <p:nvPicPr>
-          <p:cNvPr id="2" name="Εικόνα 1" descr="Κουμπί &quot;Πείτε μου&quot;"/>
-          <p:cNvPicPr>
-            <a:picLocks noChangeAspect="1"/>
-          </p:cNvPicPr>
-          <p:nvPr/>
-        </p:nvPicPr>
-        <p:blipFill>
-          <a:blip r:embed="rId5" cstate="print">
-            <a:extLst>
-              <a:ext uri="{28A0092B-C50C-407E-A947-70E740481C1C}">
-                <a14:useLocalDpi xmlns:a14="http://schemas.microsoft.com/office/drawing/2010/main" val="0"/>
-              </a:ext>
-            </a:extLst>
-          </a:blip>
-          <a:stretch>
-            <a:fillRect/>
-          </a:stretch>
-        </p:blipFill>
-        <p:spPr>
-          <a:xfrm>
-            <a:off x="4010162" y="2350333"/>
-            <a:ext cx="1269672" cy="1189747"/>
-          </a:xfrm>
-          <a:prstGeom prst="rect">
-            <a:avLst/>
-          </a:prstGeom>
-        </p:spPr>
-      </p:pic>
-      <p:pic>
-        <p:nvPicPr>
-          <p:cNvPr id="11" name="Εικόνα 10"/>
-          <p:cNvPicPr>
-            <a:picLocks noChangeAspect="1"/>
-          </p:cNvPicPr>
-          <p:nvPr/>
-        </p:nvPicPr>
-        <p:blipFill>
-          <a:blip r:embed="rId6">
-            <a:extLst>
-              <a:ext uri="{28A0092B-C50C-407E-A947-70E740481C1C}">
-                <a14:useLocalDpi xmlns:a14="http://schemas.microsoft.com/office/drawing/2010/main" val="0"/>
-              </a:ext>
-            </a:extLst>
-          </a:blip>
-          <a:stretch>
-            <a:fillRect/>
-          </a:stretch>
-        </p:blipFill>
-        <p:spPr>
-          <a:xfrm>
-            <a:off x="9074146" y="3070697"/>
-            <a:ext cx="2476156" cy="1707303"/>
-          </a:xfrm>
-          <a:prstGeom prst="rect">
-            <a:avLst/>
-          </a:prstGeom>
-        </p:spPr>
-      </p:pic>
       <p:sp>
         <p:nvSpPr>
           <p:cNvPr id="9" name="Πλαίσιο κειμένου 8"/>
@@ -6692,8 +4336,8 @@
         </p:nvSpPr>
         <p:spPr>
           <a:xfrm>
-            <a:off x="541611" y="5210842"/>
-            <a:ext cx="6855885" cy="307777"/>
+            <a:off x="541611" y="4187585"/>
+            <a:ext cx="6855885" cy="400110"/>
           </a:xfrm>
           <a:prstGeom prst="rect">
             <a:avLst/>
@@ -6708,84 +4352,15 @@
           <a:p>
             <a:pPr algn="l" rtl="0"/>
             <a:r>
-              <a:rPr lang="el-GR" sz="1400" dirty="0">
+              <a:rPr lang="el-GR" sz="2000" dirty="0">
                 <a:latin typeface="Segoe UI Light" panose="020B0502040204020203" pitchFamily="34" charset="0"/>
                 <a:cs typeface="Segoe UI Light" panose="020B0502040204020203" pitchFamily="34" charset="0"/>
               </a:rPr>
-              <a:t>ΕΠΙΛΕΞΤΕ ΤΟ ΒΕΛΟΣ ΟΤΑΝ ΒΡΙΣΚΕΣΤΕ ΣΕ ΛΕΙΤΟΥΡΓΙΑ ΠΡΟΒΟΛΗΣ ΠΑΡΟΥΣΙΑΣΗΣ</a:t>
+              <a:t>Είμαστε διαθέσιμοι για οποιαδήποτε απορία σας. </a:t>
             </a:r>
           </a:p>
         </p:txBody>
       </p:sp>
-      <p:pic>
-        <p:nvPicPr>
-          <p:cNvPr id="7" name="Εικόνα 6" descr="Βέλος που δείχνει προς τα δεξιά και περιέχει μια υπερ-σύνδεση η οποία οδηγεί στη δωρεάν εκπαίδευση για το PowerPoint. Επιλέξτε την εικόνα, για να αποκτήσετε πρόσβαση στη δωρεάν εκπαίδευση για το PowerPoint">
-            <a:hlinkClick r:id="rId4" tooltip="Επιλέξτε την εικόνα, για να αποκτήσετε πρόσβαση στη δωρεάν εκπαίδευση για το PowerPoint"/>
-          </p:cNvPr>
-          <p:cNvPicPr>
-            <a:picLocks noChangeAspect="1"/>
-          </p:cNvPicPr>
-          <p:nvPr/>
-        </p:nvPicPr>
-        <p:blipFill>
-          <a:blip r:embed="rId7" cstate="print">
-            <a:extLst>
-              <a:ext uri="{28A0092B-C50C-407E-A947-70E740481C1C}">
-                <a14:useLocalDpi xmlns:a14="http://schemas.microsoft.com/office/drawing/2010/main" val="0"/>
-              </a:ext>
-            </a:extLst>
-          </a:blip>
-          <a:stretch>
-            <a:fillRect/>
-          </a:stretch>
-        </p:blipFill>
-        <p:spPr>
-          <a:xfrm>
-            <a:off x="6098648" y="4272594"/>
-            <a:ext cx="661940" cy="661940"/>
-          </a:xfrm>
-          <a:prstGeom prst="rect">
-            <a:avLst/>
-          </a:prstGeom>
-        </p:spPr>
-      </p:pic>
-      <p:pic>
-        <p:nvPicPr>
-          <p:cNvPr id="12" name="Εικόνα 11" descr="Βέλος που δείχνει προς τα δεξιά με μια υπερ-σύνδεση για την παροχή σχολίων σχετικά με αυτήν την περιήγηση. Επιλέξτε την εικόνα, για να στείλετε σχόλια σχετικά με αυτήν την περιήγηση">
-            <a:hlinkClick r:id="rId3" tooltip="Επιλέξτε εδώ, για να επισκεφθείτε το ιστολόγιο ομάδας του PowerPoint."/>
-            <a:extLst>
-              <a:ext uri="{FF2B5EF4-FFF2-40B4-BE49-F238E27FC236}">
-                <a16:creationId xmlns:a16="http://schemas.microsoft.com/office/drawing/2014/main" id="{BA92070A-4E3D-4794-84A9-83B8DDF3A125}"/>
-              </a:ext>
-            </a:extLst>
-          </p:cNvPr>
-          <p:cNvPicPr>
-            <a:picLocks noChangeAspect="1"/>
-          </p:cNvPicPr>
-          <p:nvPr/>
-        </p:nvPicPr>
-        <p:blipFill>
-          <a:blip r:embed="rId7" cstate="print">
-            <a:extLst>
-              <a:ext uri="{28A0092B-C50C-407E-A947-70E740481C1C}">
-                <a14:useLocalDpi xmlns:a14="http://schemas.microsoft.com/office/drawing/2010/main" val="0"/>
-              </a:ext>
-            </a:extLst>
-          </a:blip>
-          <a:stretch>
-            <a:fillRect/>
-          </a:stretch>
-        </p:blipFill>
-        <p:spPr>
-          <a:xfrm>
-            <a:off x="8145496" y="3642100"/>
-            <a:ext cx="661940" cy="661940"/>
-          </a:xfrm>
-          <a:prstGeom prst="rect">
-            <a:avLst/>
-          </a:prstGeom>
-        </p:spPr>
-      </p:pic>
     </p:spTree>
     <p:extLst>
       <p:ext uri="{BB962C8B-B14F-4D97-AF65-F5344CB8AC3E}">
@@ -7453,7 +5028,7 @@
                 <a:latin typeface="Segoe UI Light" panose="020B0502040204020203" pitchFamily="34" charset="0"/>
                 <a:cs typeface="Segoe UI Light" panose="020B0502040204020203" pitchFamily="34" charset="0"/>
               </a:rPr>
-              <a:t>Εφαρμογή Αισθητήρα </a:t>
+              <a:t>-Εφαρμογή Αισθητήρα </a:t>
             </a:r>
             <a:r>
               <a:rPr lang="en-US" dirty="0">
@@ -9798,31 +7373,49 @@
       </p:grpSpPr>
       <p:sp>
         <p:nvSpPr>
-          <p:cNvPr id="2" name="Title 1">
+          <p:cNvPr id="4" name="Title 1">
             <a:extLst>
               <a:ext uri="{FF2B5EF4-FFF2-40B4-BE49-F238E27FC236}">
-                <a16:creationId xmlns:a16="http://schemas.microsoft.com/office/drawing/2014/main" id="{40A8ABF0-B494-4E27-AA0D-1485C663B422}"/>
+                <a16:creationId xmlns:a16="http://schemas.microsoft.com/office/drawing/2014/main" id="{7DE529BB-E959-481D-A69B-B17EE44D6E24}"/>
               </a:ext>
             </a:extLst>
           </p:cNvPr>
-          <p:cNvSpPr>
-            <a:spLocks noGrp="1"/>
+          <p:cNvSpPr txBox="1">
+            <a:spLocks/>
           </p:cNvSpPr>
-          <p:nvPr>
-            <p:ph type="title"/>
-          </p:nvPr>
+          <p:nvPr/>
         </p:nvSpPr>
         <p:spPr>
           <a:xfrm>
-            <a:off x="521207" y="448055"/>
+            <a:off x="571437" y="415305"/>
             <a:ext cx="10068135" cy="727601"/>
           </a:xfrm>
+          <a:prstGeom prst="rect">
+            <a:avLst/>
+          </a:prstGeom>
         </p:spPr>
         <p:txBody>
-          <a:bodyPr>
-            <a:normAutofit fontScale="90000"/>
+          <a:bodyPr vert="horz" lIns="91440" tIns="45720" rIns="91440" bIns="45720" rtlCol="0" anchor="b" anchorCtr="0">
+            <a:normAutofit fontScale="90000" lnSpcReduction="20000"/>
           </a:bodyPr>
-          <a:lstStyle/>
+          <a:lstStyle>
+            <a:lvl1pPr algn="l" defTabSz="914400" rtl="0" eaLnBrk="1" latinLnBrk="0" hangingPunct="1">
+              <a:spcBef>
+                <a:spcPct val="0"/>
+              </a:spcBef>
+              <a:buNone/>
+              <a:defRPr sz="2800" kern="1200">
+                <a:solidFill>
+                  <a:schemeClr val="bg2">
+                    <a:lumMod val="25000"/>
+                  </a:schemeClr>
+                </a:solidFill>
+                <a:latin typeface="+mj-lt"/>
+                <a:ea typeface="+mj-ea"/>
+                <a:cs typeface="+mj-cs"/>
+              </a:defRPr>
+            </a:lvl1pPr>
+          </a:lstStyle>
           <a:p>
             <a:r>
               <a:rPr lang="el-GR" dirty="0"/>
@@ -9837,31 +7430,234 @@
       </p:sp>
       <p:sp>
         <p:nvSpPr>
-          <p:cNvPr id="3" name="Content Placeholder 2">
+          <p:cNvPr id="5" name="Content Placeholder 2">
             <a:extLst>
               <a:ext uri="{FF2B5EF4-FFF2-40B4-BE49-F238E27FC236}">
-                <a16:creationId xmlns:a16="http://schemas.microsoft.com/office/drawing/2014/main" id="{98ED7B23-BF41-4692-B7CB-BFB7EFAD9283}"/>
+                <a16:creationId xmlns:a16="http://schemas.microsoft.com/office/drawing/2014/main" id="{67D8DA50-1A10-4B7A-8B06-468C5CC3B10B}"/>
               </a:ext>
             </a:extLst>
           </p:cNvPr>
-          <p:cNvSpPr>
-            <a:spLocks noGrp="1"/>
+          <p:cNvSpPr txBox="1">
+            <a:spLocks/>
           </p:cNvSpPr>
-          <p:nvPr>
-            <p:ph sz="quarter" idx="10"/>
-          </p:nvPr>
+          <p:nvPr/>
         </p:nvSpPr>
         <p:spPr>
           <a:xfrm>
-            <a:off x="552776" y="1440180"/>
+            <a:off x="603006" y="1407430"/>
             <a:ext cx="11086447" cy="3977640"/>
           </a:xfrm>
+          <a:prstGeom prst="rect">
+            <a:avLst/>
+          </a:prstGeom>
         </p:spPr>
         <p:txBody>
-          <a:bodyPr>
+          <a:bodyPr vert="horz" lIns="91440" tIns="45720" rIns="91440" bIns="45720" rtlCol="0">
             <a:normAutofit fontScale="92500" lnSpcReduction="20000"/>
           </a:bodyPr>
-          <a:lstStyle/>
+          <a:lstStyle>
+            <a:lvl1pPr marL="0" indent="0" algn="l" defTabSz="914400" rtl="0" eaLnBrk="1" latinLnBrk="0" hangingPunct="1">
+              <a:lnSpc>
+                <a:spcPct val="150000"/>
+              </a:lnSpc>
+              <a:spcBef>
+                <a:spcPts val="1000"/>
+              </a:spcBef>
+              <a:spcAft>
+                <a:spcPts val="1200"/>
+              </a:spcAft>
+              <a:buFontTx/>
+              <a:buNone/>
+              <a:defRPr lang="en-US" sz="1200" kern="1200" smtClean="0">
+                <a:solidFill>
+                  <a:schemeClr val="tx1">
+                    <a:lumMod val="75000"/>
+                    <a:lumOff val="25000"/>
+                  </a:schemeClr>
+                </a:solidFill>
+                <a:latin typeface="+mn-lt"/>
+                <a:ea typeface="+mn-ea"/>
+                <a:cs typeface="+mn-cs"/>
+              </a:defRPr>
+            </a:lvl1pPr>
+            <a:lvl2pPr marL="228600" indent="-228600" algn="l" defTabSz="914400" rtl="0" eaLnBrk="1" latinLnBrk="0" hangingPunct="1">
+              <a:lnSpc>
+                <a:spcPct val="150000"/>
+              </a:lnSpc>
+              <a:spcBef>
+                <a:spcPts val="1000"/>
+              </a:spcBef>
+              <a:spcAft>
+                <a:spcPts val="1200"/>
+              </a:spcAft>
+              <a:buFont typeface="Arial" panose="020B0604020202020204" pitchFamily="34" charset="0"/>
+              <a:buChar char="•"/>
+              <a:defRPr lang="en-US" sz="1200" kern="1200" smtClean="0">
+                <a:solidFill>
+                  <a:schemeClr val="tx1">
+                    <a:lumMod val="75000"/>
+                    <a:lumOff val="25000"/>
+                  </a:schemeClr>
+                </a:solidFill>
+                <a:latin typeface="+mn-lt"/>
+                <a:ea typeface="+mn-ea"/>
+                <a:cs typeface="+mn-cs"/>
+              </a:defRPr>
+            </a:lvl2pPr>
+            <a:lvl3pPr marL="685800" indent="-228600" algn="l" defTabSz="914400" rtl="0" eaLnBrk="1" latinLnBrk="0" hangingPunct="1">
+              <a:lnSpc>
+                <a:spcPct val="150000"/>
+              </a:lnSpc>
+              <a:spcBef>
+                <a:spcPts val="1000"/>
+              </a:spcBef>
+              <a:spcAft>
+                <a:spcPts val="1200"/>
+              </a:spcAft>
+              <a:buFont typeface="Arial" panose="020B0604020202020204" pitchFamily="34" charset="0"/>
+              <a:buChar char="•"/>
+              <a:defRPr lang="en-US" sz="1200" kern="1200" smtClean="0">
+                <a:solidFill>
+                  <a:schemeClr val="tx1">
+                    <a:lumMod val="75000"/>
+                    <a:lumOff val="25000"/>
+                  </a:schemeClr>
+                </a:solidFill>
+                <a:latin typeface="+mn-lt"/>
+                <a:ea typeface="+mn-ea"/>
+                <a:cs typeface="+mn-cs"/>
+              </a:defRPr>
+            </a:lvl3pPr>
+            <a:lvl4pPr marL="1143000" indent="-228600" algn="l" defTabSz="914400" rtl="0" eaLnBrk="1" latinLnBrk="0" hangingPunct="1">
+              <a:lnSpc>
+                <a:spcPct val="150000"/>
+              </a:lnSpc>
+              <a:spcBef>
+                <a:spcPts val="1000"/>
+              </a:spcBef>
+              <a:spcAft>
+                <a:spcPts val="1200"/>
+              </a:spcAft>
+              <a:buFont typeface="Arial" panose="020B0604020202020204" pitchFamily="34" charset="0"/>
+              <a:buChar char="•"/>
+              <a:defRPr lang="en-US" sz="1200" kern="1200" smtClean="0">
+                <a:solidFill>
+                  <a:schemeClr val="tx1">
+                    <a:lumMod val="75000"/>
+                    <a:lumOff val="25000"/>
+                  </a:schemeClr>
+                </a:solidFill>
+                <a:latin typeface="+mn-lt"/>
+                <a:ea typeface="+mn-ea"/>
+                <a:cs typeface="+mn-cs"/>
+              </a:defRPr>
+            </a:lvl4pPr>
+            <a:lvl5pPr marL="1600200" indent="-228600" algn="l" defTabSz="914400" rtl="0" eaLnBrk="1" latinLnBrk="0" hangingPunct="1">
+              <a:lnSpc>
+                <a:spcPct val="150000"/>
+              </a:lnSpc>
+              <a:spcBef>
+                <a:spcPts val="1000"/>
+              </a:spcBef>
+              <a:spcAft>
+                <a:spcPts val="1200"/>
+              </a:spcAft>
+              <a:buFont typeface="Arial" panose="020B0604020202020204" pitchFamily="34" charset="0"/>
+              <a:buChar char="•"/>
+              <a:defRPr lang="en-US" sz="1200" kern="1200">
+                <a:solidFill>
+                  <a:schemeClr val="tx1">
+                    <a:lumMod val="75000"/>
+                    <a:lumOff val="25000"/>
+                  </a:schemeClr>
+                </a:solidFill>
+                <a:latin typeface="+mn-lt"/>
+                <a:ea typeface="+mn-ea"/>
+                <a:cs typeface="+mn-cs"/>
+              </a:defRPr>
+            </a:lvl5pPr>
+            <a:lvl6pPr marL="2057400" indent="-228600" algn="l" defTabSz="914400" rtl="0" eaLnBrk="1" latinLnBrk="0" hangingPunct="1">
+              <a:lnSpc>
+                <a:spcPct val="150000"/>
+              </a:lnSpc>
+              <a:spcBef>
+                <a:spcPts val="1000"/>
+              </a:spcBef>
+              <a:spcAft>
+                <a:spcPts val="1200"/>
+              </a:spcAft>
+              <a:buFont typeface="Arial" panose="020B0604020202020204" pitchFamily="34" charset="0"/>
+              <a:buChar char="•"/>
+              <a:defRPr lang="en-US" sz="1200" kern="1200" dirty="0" smtClean="0">
+                <a:solidFill>
+                  <a:schemeClr val="tx1"/>
+                </a:solidFill>
+                <a:latin typeface="+mn-lt"/>
+                <a:ea typeface="+mn-ea"/>
+                <a:cs typeface="+mn-cs"/>
+              </a:defRPr>
+            </a:lvl6pPr>
+            <a:lvl7pPr marL="2514600" indent="-228600" algn="l" defTabSz="914400" rtl="0" eaLnBrk="1" latinLnBrk="0" hangingPunct="1">
+              <a:lnSpc>
+                <a:spcPct val="150000"/>
+              </a:lnSpc>
+              <a:spcBef>
+                <a:spcPts val="1000"/>
+              </a:spcBef>
+              <a:spcAft>
+                <a:spcPts val="1200"/>
+              </a:spcAft>
+              <a:buFont typeface="Arial" panose="020B0604020202020204" pitchFamily="34" charset="0"/>
+              <a:buChar char="•"/>
+              <a:defRPr lang="en-US" sz="1200" kern="1200" dirty="0" smtClean="0">
+                <a:solidFill>
+                  <a:schemeClr val="tx1"/>
+                </a:solidFill>
+                <a:latin typeface="+mn-lt"/>
+                <a:ea typeface="+mn-ea"/>
+                <a:cs typeface="+mn-cs"/>
+              </a:defRPr>
+            </a:lvl7pPr>
+            <a:lvl8pPr marL="2971800" indent="-228600" algn="l" defTabSz="914400" rtl="0" eaLnBrk="1" latinLnBrk="0" hangingPunct="1">
+              <a:lnSpc>
+                <a:spcPct val="150000"/>
+              </a:lnSpc>
+              <a:spcBef>
+                <a:spcPts val="1000"/>
+              </a:spcBef>
+              <a:spcAft>
+                <a:spcPts val="1200"/>
+              </a:spcAft>
+              <a:buFont typeface="Arial" panose="020B0604020202020204" pitchFamily="34" charset="0"/>
+              <a:buChar char="•"/>
+              <a:defRPr lang="en-US" sz="1200" kern="1200" dirty="0" smtClean="0">
+                <a:solidFill>
+                  <a:schemeClr val="tx1"/>
+                </a:solidFill>
+                <a:latin typeface="+mn-lt"/>
+                <a:ea typeface="+mn-ea"/>
+                <a:cs typeface="+mn-cs"/>
+              </a:defRPr>
+            </a:lvl8pPr>
+            <a:lvl9pPr marL="3429000" indent="-228600" algn="l" defTabSz="914400" rtl="0" eaLnBrk="1" latinLnBrk="0" hangingPunct="1">
+              <a:lnSpc>
+                <a:spcPct val="90000"/>
+              </a:lnSpc>
+              <a:spcBef>
+                <a:spcPct val="30000"/>
+              </a:spcBef>
+              <a:buFont typeface="Arial" panose="020B0604020202020204" pitchFamily="34" charset="0"/>
+              <a:buNone/>
+              <a:defRPr sz="1200" kern="1200">
+                <a:solidFill>
+                  <a:schemeClr val="tx1"/>
+                </a:solidFill>
+                <a:latin typeface="+mn-lt"/>
+                <a:ea typeface="+mn-ea"/>
+                <a:cs typeface="+mn-cs"/>
+              </a:defRPr>
+            </a:lvl9pPr>
+          </a:lstStyle>
           <a:p>
             <a:pPr marL="171450" indent="-171450">
               <a:lnSpc>
@@ -9875,7 +7671,7 @@
               <a:t>Στη συγκεκριμένη εφαρμογή εκτελέστηκαν διάφορες τεχνικές </a:t>
             </a:r>
             <a:r>
-              <a:rPr lang="en-US" sz="1400" dirty="0"/>
+              <a:rPr lang="el-GR" sz="1400" dirty="0" err="1"/>
               <a:t>Machine</a:t>
             </a:r>
             <a:r>
@@ -9883,28 +7679,12 @@
               <a:t> </a:t>
             </a:r>
             <a:r>
-              <a:rPr lang="en-US" sz="1400" dirty="0"/>
-              <a:t>Learning </a:t>
+              <a:rPr lang="el-GR" sz="1400" dirty="0" err="1"/>
+              <a:t>Learning</a:t>
             </a:r>
             <a:r>
               <a:rPr lang="el-GR" sz="1400" dirty="0"/>
-              <a:t>για</a:t>
-            </a:r>
-            <a:r>
-              <a:rPr lang="en-US" sz="1400" dirty="0"/>
-              <a:t> </a:t>
-            </a:r>
-            <a:r>
-              <a:rPr lang="el-GR" sz="1400" dirty="0"/>
-              <a:t>την πρόβλεψη αποτελεσμάτων σε ποδοσφαιρικούς</a:t>
-            </a:r>
-            <a:r>
-              <a:rPr lang="en-US" sz="1400" dirty="0"/>
-              <a:t> </a:t>
-            </a:r>
-            <a:r>
-              <a:rPr lang="el-GR" sz="1400" dirty="0"/>
-              <a:t>αγώνες τη αγγλικής ομάδας Τότεναμ, χρησιμοποιώντας δεδομένα για την περίοδο 1995-1997.</a:t>
+              <a:t> για την πρόβλεψη αποτελεσμάτων σε ποδοσφαιρικούς αγώνες τη αγγλικής ομάδας Τότεναμ, χρησιμοποιώντας δεδομένα για την περίοδο 1995-1997.</a:t>
             </a:r>
           </a:p>
           <a:p>
@@ -9927,34 +7707,53 @@
               </a:lnSpc>
             </a:pPr>
             <a:r>
-              <a:rPr lang="en-US" sz="1400" dirty="0"/>
-              <a:t>Expert Bayes Network</a:t>
+              <a:rPr lang="el-GR" sz="1400" dirty="0" err="1"/>
+              <a:t>Expert</a:t>
             </a:r>
             <a:r>
               <a:rPr lang="el-GR" sz="1400" dirty="0"/>
-              <a:t> (</a:t>
-            </a:r>
-            <a:r>
-              <a:rPr lang="en-US" sz="1400" dirty="0"/>
-              <a:t>BN)</a:t>
+              <a:t> </a:t>
+            </a:r>
+            <a:r>
+              <a:rPr lang="el-GR" sz="1400" dirty="0" err="1"/>
+              <a:t>Bayes</a:t>
             </a:r>
             <a:r>
               <a:rPr lang="el-GR" sz="1400" dirty="0"/>
-              <a:t> (κατασκευή ΒΝ από κοινού από το ΒΝ </a:t>
-            </a:r>
-            <a:r>
-              <a:rPr lang="en-US" sz="1400" dirty="0"/>
-              <a:t>expert </a:t>
+              <a:t> </a:t>
+            </a:r>
+            <a:r>
+              <a:rPr lang="el-GR" sz="1400" dirty="0" err="1"/>
+              <a:t>Network</a:t>
             </a:r>
             <a:r>
               <a:rPr lang="el-GR" sz="1400" dirty="0"/>
-              <a:t>και από το </a:t>
-            </a:r>
-            <a:r>
-              <a:rPr lang="en-US" sz="1400" dirty="0"/>
-              <a:t>expert domain)</a:t>
-            </a:r>
-            <a:endParaRPr lang="el-GR" sz="1400" dirty="0"/>
+              <a:t> (BN) (κατασκευή ΒΝ από κοινού από το ΒΝ </a:t>
+            </a:r>
+            <a:r>
+              <a:rPr lang="el-GR" sz="1400" dirty="0" err="1"/>
+              <a:t>expert</a:t>
+            </a:r>
+            <a:r>
+              <a:rPr lang="el-GR" sz="1400" dirty="0"/>
+              <a:t> και από το </a:t>
+            </a:r>
+            <a:r>
+              <a:rPr lang="el-GR" sz="1400" dirty="0" err="1"/>
+              <a:t>expert</a:t>
+            </a:r>
+            <a:r>
+              <a:rPr lang="el-GR" sz="1400" dirty="0"/>
+              <a:t> </a:t>
+            </a:r>
+            <a:r>
+              <a:rPr lang="el-GR" sz="1400" dirty="0" err="1"/>
+              <a:t>domain</a:t>
+            </a:r>
+            <a:r>
+              <a:rPr lang="el-GR" sz="1400" dirty="0"/>
+              <a:t>)</a:t>
+            </a:r>
           </a:p>
           <a:p>
             <a:pPr marL="514350" lvl="1" indent="-285750">
@@ -9963,14 +7762,25 @@
               </a:lnSpc>
             </a:pPr>
             <a:r>
-              <a:rPr lang="en-US" sz="1400" dirty="0"/>
-              <a:t>MC4 Decision Tree</a:t>
+              <a:rPr lang="el-GR" sz="1400" dirty="0"/>
+              <a:t>MC4 </a:t>
+            </a:r>
+            <a:r>
+              <a:rPr lang="el-GR" sz="1400" dirty="0" err="1"/>
+              <a:t>Decision</a:t>
+            </a:r>
+            <a:r>
+              <a:rPr lang="el-GR" sz="1400" dirty="0"/>
+              <a:t> </a:t>
+            </a:r>
+            <a:r>
+              <a:rPr lang="el-GR" sz="1400" dirty="0" err="1"/>
+              <a:t>Tree</a:t>
             </a:r>
             <a:r>
               <a:rPr lang="el-GR" sz="1400" dirty="0"/>
               <a:t> (οπτική απεικόνιση των αλληλεπιδράσεων που επηρεάζουν το μοντέλο)</a:t>
             </a:r>
-            <a:endParaRPr lang="en-US" sz="1400" dirty="0"/>
           </a:p>
           <a:p>
             <a:pPr marL="514350" lvl="1" indent="-285750">
@@ -9979,22 +7789,29 @@
               </a:lnSpc>
             </a:pPr>
             <a:r>
-              <a:rPr lang="en-US" sz="1400" dirty="0"/>
-              <a:t>Naive Bayes</a:t>
+              <a:rPr lang="el-GR" sz="1400" dirty="0" err="1"/>
+              <a:t>Naive</a:t>
+            </a:r>
+            <a:r>
+              <a:rPr lang="el-GR" sz="1400" dirty="0"/>
+              <a:t> </a:t>
+            </a:r>
+            <a:r>
+              <a:rPr lang="el-GR" sz="1400" dirty="0" err="1"/>
+              <a:t>Bayes</a:t>
             </a:r>
             <a:r>
               <a:rPr lang="el-GR" sz="1400" dirty="0"/>
               <a:t> (θεωρεί πως όλα τα </a:t>
             </a:r>
             <a:r>
-              <a:rPr lang="en-US" sz="1400" dirty="0"/>
-              <a:t>attributes </a:t>
+              <a:rPr lang="el-GR" sz="1400" dirty="0" err="1"/>
+              <a:t>attributes</a:t>
             </a:r>
             <a:r>
               <a:rPr lang="el-GR" sz="1400" dirty="0"/>
-              <a:t>είναι ανεξάρτητα μεταξύ τους)</a:t>
-            </a:r>
-            <a:endParaRPr lang="en-US" sz="1400" dirty="0"/>
+              <a:t> είναι ανεξάρτητα μεταξύ τους)</a:t>
+            </a:r>
           </a:p>
           <a:p>
             <a:pPr marL="514350" lvl="1" indent="-285750">
@@ -10003,16 +7820,36 @@
               </a:lnSpc>
             </a:pPr>
             <a:r>
-              <a:rPr lang="en-US" sz="1400" dirty="0"/>
-              <a:t>Data Driven Bayes</a:t>
+              <a:rPr lang="el-GR" sz="1400" dirty="0" err="1"/>
+              <a:t>Data</a:t>
+            </a:r>
+            <a:r>
+              <a:rPr lang="el-GR" sz="1400" dirty="0"/>
+              <a:t> </a:t>
+            </a:r>
+            <a:r>
+              <a:rPr lang="el-GR" sz="1400" dirty="0" err="1"/>
+              <a:t>Driven</a:t>
+            </a:r>
+            <a:r>
+              <a:rPr lang="el-GR" sz="1400" dirty="0"/>
+              <a:t> </a:t>
+            </a:r>
+            <a:r>
+              <a:rPr lang="el-GR" sz="1400" dirty="0" err="1"/>
+              <a:t>Bayes</a:t>
             </a:r>
             <a:r>
               <a:rPr lang="el-GR" sz="1400" dirty="0"/>
               <a:t>  (προβλέπει βάσει των αλληλοσυσχετίσεων μεταξύ των </a:t>
             </a:r>
             <a:r>
-              <a:rPr lang="en-US" sz="1400" dirty="0"/>
-              <a:t>attributes)</a:t>
+              <a:rPr lang="el-GR" sz="1400" dirty="0" err="1"/>
+              <a:t>attributes</a:t>
+            </a:r>
+            <a:r>
+              <a:rPr lang="el-GR" sz="1400" dirty="0"/>
+              <a:t>)</a:t>
             </a:r>
           </a:p>
           <a:p>
@@ -10022,14 +7859,25 @@
               </a:lnSpc>
             </a:pPr>
             <a:r>
-              <a:rPr lang="en-US" sz="1400" dirty="0"/>
-              <a:t>K-nearest Neighbors (</a:t>
-            </a:r>
-            <a:r>
               <a:rPr lang="el-GR" sz="1400" dirty="0"/>
-              <a:t>χρησιμοποιεί προσέγγιση ομοιότητας για πρόβλεψη)</a:t>
-            </a:r>
-            <a:endParaRPr lang="en-US" sz="1400" dirty="0"/>
+              <a:t>K-</a:t>
+            </a:r>
+            <a:r>
+              <a:rPr lang="el-GR" sz="1400" dirty="0" err="1"/>
+              <a:t>nearest</a:t>
+            </a:r>
+            <a:r>
+              <a:rPr lang="el-GR" sz="1400" dirty="0"/>
+              <a:t> </a:t>
+            </a:r>
+            <a:r>
+              <a:rPr lang="el-GR" sz="1400" dirty="0" err="1"/>
+              <a:t>Neighbors</a:t>
+            </a:r>
+            <a:r>
+              <a:rPr lang="el-GR" sz="1400" dirty="0"/>
+              <a:t> (χρησιμοποιεί προσέγγιση ομοιότητας για πρόβλεψη)</a:t>
+            </a:r>
           </a:p>
           <a:p>
             <a:pPr marL="171450" indent="-171450">
@@ -10044,14 +7892,13 @@
               <a:t>Τα αποτελέσματα που εξήχθησαν από τον κάθε αλγόριθμο τέθηκαν σε σύγκριση, ώστε να εντοπιστούν οι διαφοροποιήσεις όσον αφορά την απόδοση μεταξύ του </a:t>
             </a:r>
             <a:r>
-              <a:rPr lang="en-US" sz="1400" dirty="0"/>
-              <a:t>expert </a:t>
+              <a:rPr lang="el-GR" sz="1400" dirty="0" err="1"/>
+              <a:t>expert</a:t>
             </a:r>
             <a:r>
               <a:rPr lang="el-GR" sz="1400" dirty="0"/>
-              <a:t>ΒΝ και των υπολοίπων 4 αλγορίθμων </a:t>
-            </a:r>
-            <a:endParaRPr lang="en-US" sz="1400" dirty="0"/>
+              <a:t> ΒΝ και των υπολοίπων 4 αλγορίθμων </a:t>
+            </a:r>
           </a:p>
         </p:txBody>
       </p:sp>
@@ -10087,13 +7934,7 @@
       </p:grpSpPr>
       <p:sp>
         <p:nvSpPr>
-          <p:cNvPr id="2" name="Title 1">
-            <a:extLst>
-              <a:ext uri="{FF2B5EF4-FFF2-40B4-BE49-F238E27FC236}">
-                <a16:creationId xmlns:a16="http://schemas.microsoft.com/office/drawing/2014/main" id="{74A1A553-73C4-4D65-B84E-FE63882FA177}"/>
-              </a:ext>
-            </a:extLst>
-          </p:cNvPr>
+          <p:cNvPr id="3" name="Τίτλος 2"/>
           <p:cNvSpPr>
             <a:spLocks noGrp="1"/>
           </p:cNvSpPr>
@@ -10103,7 +7944,7 @@
         </p:nvSpPr>
         <p:spPr/>
         <p:txBody>
-          <a:bodyPr>
+          <a:bodyPr rtlCol="0">
             <a:normAutofit fontScale="90000"/>
           </a:bodyPr>
           <a:lstStyle/>
@@ -10112,35 +7953,32 @@
               <a:rPr lang="el-GR" dirty="0"/>
               <a:t>Πρόβλεψη ποδοσφαιρικού αποτελέσματος με τη χρήση Μηχανικής Μάθησης –Γενικά χαρακτηριστικά της εφαρμογής</a:t>
             </a:r>
-            <a:endParaRPr lang="en-US" dirty="0"/>
+            <a:endParaRPr lang="el-GR" dirty="0">
+              <a:latin typeface="Segoe UI Light" panose="020B0502040204020203" pitchFamily="34" charset="0"/>
+              <a:cs typeface="Segoe UI Light" panose="020B0502040204020203" pitchFamily="34" charset="0"/>
+            </a:endParaRPr>
           </a:p>
         </p:txBody>
       </p:sp>
       <p:sp>
         <p:nvSpPr>
-          <p:cNvPr id="4" name="Content Placeholder 2">
-            <a:extLst>
-              <a:ext uri="{FF2B5EF4-FFF2-40B4-BE49-F238E27FC236}">
-                <a16:creationId xmlns:a16="http://schemas.microsoft.com/office/drawing/2014/main" id="{143F49F9-3111-49C5-8305-75A3DBCCC44C}"/>
-              </a:ext>
-            </a:extLst>
-          </p:cNvPr>
+          <p:cNvPr id="5" name="Θέση περιεχομένου 4"/>
           <p:cNvSpPr>
             <a:spLocks noGrp="1"/>
           </p:cNvSpPr>
           <p:nvPr>
-            <p:ph sz="quarter" idx="10"/>
+            <p:ph sz="half" idx="4294967295"/>
           </p:nvPr>
         </p:nvSpPr>
         <p:spPr>
           <a:xfrm>
-            <a:off x="552776" y="1440180"/>
-            <a:ext cx="11086447" cy="3977640"/>
+            <a:off x="541610" y="1431010"/>
+            <a:ext cx="11102994" cy="4790886"/>
           </a:xfrm>
         </p:spPr>
         <p:txBody>
-          <a:bodyPr>
-            <a:normAutofit lnSpcReduction="10000"/>
+          <a:bodyPr vert="horz" lIns="91440" tIns="45720" rIns="91440" bIns="45720" rtlCol="0">
+            <a:normAutofit/>
           </a:bodyPr>
           <a:lstStyle/>
           <a:p>
@@ -10152,7 +7990,7 @@
               <a:buChar char="Ø"/>
             </a:pPr>
             <a:r>
-              <a:rPr lang="el-GR" sz="1400" dirty="0"/>
+              <a:rPr lang="el-GR" dirty="0"/>
               <a:t>Χρησιμοποιήθηκαν 2 είδη μοντέλων: α) Το γενικό και β) το εξειδικευμένο μοντέλο</a:t>
             </a:r>
           </a:p>
@@ -10165,23 +8003,23 @@
               <a:buChar char="Ø"/>
             </a:pPr>
             <a:r>
-              <a:rPr lang="el-GR" sz="1400" dirty="0"/>
+              <a:rPr lang="el-GR" dirty="0"/>
               <a:t>Τα </a:t>
             </a:r>
             <a:r>
-              <a:rPr lang="en-US" sz="1400" dirty="0"/>
+              <a:rPr lang="en-US" dirty="0"/>
               <a:t>attributes </a:t>
             </a:r>
             <a:r>
-              <a:rPr lang="el-GR" sz="1400" dirty="0"/>
+              <a:rPr lang="el-GR" dirty="0"/>
               <a:t>που χρησιμοποιήθηκαν</a:t>
             </a:r>
             <a:r>
-              <a:rPr lang="en-US" sz="1400" dirty="0"/>
+              <a:rPr lang="en-US" dirty="0"/>
               <a:t> </a:t>
             </a:r>
             <a:r>
-              <a:rPr lang="el-GR" sz="1400" dirty="0"/>
+              <a:rPr lang="el-GR" dirty="0"/>
               <a:t>για την υλοποίηση του εξειδικευμένου μοντέλου είναι τα εξής; α) η παρουσία ή μη 3 συγκεκριμένων ποδοσφαιριστών στο αρχικό σχήμα, β) η θέση που είχε ένας συγκεκριμένος ποδοσφαιριστής στον αγωνιστικό χώρο, γ) η ποιότητα της αντίπαλης ομάδας και δ) αν η Τότεναμ αγωνιζόταν εντός ή εκτός έδρας</a:t>
             </a:r>
           </a:p>
@@ -10194,15 +8032,15 @@
               <a:buChar char="Ø"/>
             </a:pPr>
             <a:r>
-              <a:rPr lang="el-GR" sz="1400" dirty="0"/>
+              <a:rPr lang="el-GR" dirty="0"/>
               <a:t>Για το γενικό μοντέλο χρησιμοποιήθηκαν τα </a:t>
             </a:r>
             <a:r>
-              <a:rPr lang="en-US" sz="1400" dirty="0"/>
+              <a:rPr lang="en-US" dirty="0"/>
               <a:t>features </a:t>
             </a:r>
             <a:r>
-              <a:rPr lang="el-GR" sz="1400" dirty="0"/>
+              <a:rPr lang="el-GR" dirty="0"/>
               <a:t>του εξειδικευμένου μοντέλου συν μια ποικιλία από τα διάφορα άλλα χαρακτηριστικά</a:t>
             </a:r>
           </a:p>
@@ -10215,10 +8053,10 @@
               <a:buChar char="Ø"/>
             </a:pPr>
             <a:r>
-              <a:rPr lang="el-GR" sz="1400" dirty="0"/>
+              <a:rPr lang="el-GR" dirty="0"/>
               <a:t>Οι αλγόριθμοι που χρησιμοποιήθηκαν δεν παρέχουν το ίδιο είδος πρόβλεψης</a:t>
             </a:r>
-            <a:endParaRPr lang="en-US" sz="1400" dirty="0"/>
+            <a:endParaRPr lang="en-US" dirty="0"/>
           </a:p>
           <a:p>
             <a:pPr marL="171450" indent="-171450">
@@ -10229,31 +8067,31 @@
               <a:buChar char="Ø"/>
             </a:pPr>
             <a:r>
-              <a:rPr lang="el-GR" sz="1400" dirty="0"/>
+              <a:rPr lang="el-GR" dirty="0"/>
               <a:t>Τα </a:t>
             </a:r>
             <a:r>
-              <a:rPr lang="en-US" sz="1400" dirty="0"/>
+              <a:rPr lang="en-US" dirty="0"/>
               <a:t>data </a:t>
             </a:r>
             <a:r>
-              <a:rPr lang="el-GR" sz="1400" dirty="0"/>
+              <a:rPr lang="el-GR" dirty="0"/>
               <a:t>χωρίστηκαν σε υποσύνολα, ώστε κάποια από αυτά να χρησιμοποιηθούν για </a:t>
             </a:r>
             <a:r>
-              <a:rPr lang="en-US" sz="1400" dirty="0"/>
+              <a:rPr lang="en-US" dirty="0"/>
               <a:t>training </a:t>
             </a:r>
             <a:r>
-              <a:rPr lang="el-GR" sz="1400" dirty="0"/>
+              <a:rPr lang="el-GR" dirty="0"/>
               <a:t>του μοντέλου και κάποια για να </a:t>
             </a:r>
             <a:r>
-              <a:rPr lang="en-US" sz="1400" dirty="0"/>
+              <a:rPr lang="en-US" dirty="0"/>
               <a:t>test </a:t>
             </a:r>
             <a:r>
-              <a:rPr lang="el-GR" sz="1400" dirty="0"/>
+              <a:rPr lang="el-GR" dirty="0"/>
               <a:t>της απόδοσής του</a:t>
             </a:r>
           </a:p>
@@ -10266,10 +8104,10 @@
               <a:buChar char="Ø"/>
             </a:pPr>
             <a:r>
-              <a:rPr lang="el-GR" sz="1400" dirty="0"/>
+              <a:rPr lang="el-GR" dirty="0"/>
               <a:t>Παρακάτω θα γίνει αναφορά για τα αποτελέσματα που προέκυψαν από τον κάθε αλγόριθμο και για τις διαφορές της απόδοσης των αλγορίθμων</a:t>
             </a:r>
-            <a:endParaRPr lang="en-US" sz="1400" dirty="0"/>
+            <a:endParaRPr lang="en-US" dirty="0"/>
           </a:p>
           <a:p>
             <a:pPr marL="171450" indent="-171450">
@@ -10279,7 +8117,7 @@
               <a:buFont typeface="Wingdings" panose="05000000000000000000" pitchFamily="2" charset="2"/>
               <a:buChar char="Ø"/>
             </a:pPr>
-            <a:endParaRPr lang="el-GR" sz="1400" dirty="0"/>
+            <a:endParaRPr lang="el-GR" dirty="0"/>
           </a:p>
           <a:p>
             <a:pPr marL="171450" indent="-171450">
@@ -10289,7 +8127,7 @@
               <a:buFont typeface="Wingdings" panose="05000000000000000000" pitchFamily="2" charset="2"/>
               <a:buChar char="Ø"/>
             </a:pPr>
-            <a:endParaRPr lang="el-GR" sz="1400" dirty="0"/>
+            <a:endParaRPr lang="el-GR" dirty="0"/>
           </a:p>
           <a:p>
             <a:pPr marL="171450" indent="-171450">
@@ -10299,20 +8137,52 @@
               <a:buFont typeface="Wingdings" panose="05000000000000000000" pitchFamily="2" charset="2"/>
               <a:buChar char="Ø"/>
             </a:pPr>
-            <a:endParaRPr lang="en-US" sz="1400" dirty="0"/>
+            <a:endParaRPr lang="en-US" dirty="0"/>
+          </a:p>
+          <a:p>
+            <a:pPr marL="0" indent="0" rtl="0">
+              <a:lnSpc>
+                <a:spcPts val="1800"/>
+              </a:lnSpc>
+              <a:spcBef>
+                <a:spcPts val="1000"/>
+              </a:spcBef>
+              <a:spcAft>
+                <a:spcPts val="600"/>
+              </a:spcAft>
+              <a:buNone/>
+            </a:pPr>
+            <a:endParaRPr lang="el-GR" sz="1200" dirty="0">
+              <a:solidFill>
+                <a:prstClr val="black">
+                  <a:lumMod val="75000"/>
+                  <a:lumOff val="25000"/>
+                </a:prstClr>
+              </a:solidFill>
+              <a:latin typeface="Segoe UI" panose="020B0502040204020203" pitchFamily="34" charset="0"/>
+              <a:cs typeface="Segoe UI" panose="020B0502040204020203" pitchFamily="34" charset="0"/>
+            </a:endParaRPr>
           </a:p>
         </p:txBody>
       </p:sp>
     </p:spTree>
     <p:extLst>
       <p:ext uri="{BB962C8B-B14F-4D97-AF65-F5344CB8AC3E}">
-        <p14:creationId xmlns:p14="http://schemas.microsoft.com/office/powerpoint/2010/main" val="1309501334"/>
+        <p14:creationId xmlns:p14="http://schemas.microsoft.com/office/powerpoint/2010/main" val="958036878"/>
       </p:ext>
     </p:extLst>
   </p:cSld>
   <p:clrMapOvr>
     <a:masterClrMapping/>
   </p:clrMapOvr>
+  <mc:AlternateContent xmlns:mc="http://schemas.openxmlformats.org/markup-compatibility/2006" xmlns:p14="http://schemas.microsoft.com/office/powerpoint/2010/main">
+    <mc:Choice Requires="p14">
+      <p:transition p14:dur="10"/>
+    </mc:Choice>
+    <mc:Fallback xmlns="">
+      <p:transition/>
+    </mc:Fallback>
+  </mc:AlternateContent>
 </p:sld>
 </file>
 
@@ -10371,57 +8241,515 @@
       </p:sp>
       <p:sp>
         <p:nvSpPr>
-          <p:cNvPr id="6" name="Content Placeholder 2">
+          <p:cNvPr id="16" name="Θέση περιεχομένου 17"/>
+          <p:cNvSpPr txBox="1">
+            <a:spLocks/>
+          </p:cNvSpPr>
+          <p:nvPr/>
+        </p:nvSpPr>
+        <p:spPr>
+          <a:xfrm>
+            <a:off x="1066037" y="1958189"/>
+            <a:ext cx="3296574" cy="838453"/>
+          </a:xfrm>
+          <a:prstGeom prst="rect">
+            <a:avLst/>
+          </a:prstGeom>
+        </p:spPr>
+        <p:txBody>
+          <a:bodyPr vert="horz" lIns="91440" tIns="45720" rIns="91440" bIns="45720" rtlCol="0">
+            <a:normAutofit/>
+          </a:bodyPr>
+          <a:lstStyle>
+            <a:lvl1pPr marL="228600" indent="-228600" algn="l" defTabSz="914400" rtl="0" eaLnBrk="1" latinLnBrk="0" hangingPunct="1">
+              <a:lnSpc>
+                <a:spcPts val="1800"/>
+              </a:lnSpc>
+              <a:spcBef>
+                <a:spcPts val="1000"/>
+              </a:spcBef>
+              <a:spcAft>
+                <a:spcPts val="1000"/>
+              </a:spcAft>
+              <a:buFont typeface="Arial" panose="020B0604020202020204" pitchFamily="34" charset="0"/>
+              <a:buChar char="•"/>
+              <a:defRPr lang="en-US" sz="1200" kern="1200" smtClean="0">
+                <a:solidFill>
+                  <a:schemeClr val="tx1">
+                    <a:lumMod val="75000"/>
+                    <a:lumOff val="25000"/>
+                  </a:schemeClr>
+                </a:solidFill>
+                <a:latin typeface="+mn-lt"/>
+                <a:ea typeface="+mn-ea"/>
+                <a:cs typeface="+mn-cs"/>
+              </a:defRPr>
+            </a:lvl1pPr>
+            <a:lvl2pPr marL="685800" indent="-228600" algn="l" defTabSz="914400" rtl="0" eaLnBrk="1" latinLnBrk="0" hangingPunct="1">
+              <a:lnSpc>
+                <a:spcPts val="1800"/>
+              </a:lnSpc>
+              <a:spcBef>
+                <a:spcPts val="1000"/>
+              </a:spcBef>
+              <a:spcAft>
+                <a:spcPts val="1000"/>
+              </a:spcAft>
+              <a:buFont typeface="Arial" panose="020B0604020202020204" pitchFamily="34" charset="0"/>
+              <a:buChar char="•"/>
+              <a:defRPr lang="en-US" sz="1200" kern="1200" smtClean="0">
+                <a:solidFill>
+                  <a:schemeClr val="tx1">
+                    <a:lumMod val="75000"/>
+                    <a:lumOff val="25000"/>
+                  </a:schemeClr>
+                </a:solidFill>
+                <a:latin typeface="+mn-lt"/>
+                <a:ea typeface="+mn-ea"/>
+                <a:cs typeface="+mn-cs"/>
+              </a:defRPr>
+            </a:lvl2pPr>
+            <a:lvl3pPr marL="1143000" indent="-228600" algn="l" defTabSz="914400" rtl="0" eaLnBrk="1" latinLnBrk="0" hangingPunct="1">
+              <a:lnSpc>
+                <a:spcPts val="1800"/>
+              </a:lnSpc>
+              <a:spcBef>
+                <a:spcPts val="1000"/>
+              </a:spcBef>
+              <a:spcAft>
+                <a:spcPts val="1000"/>
+              </a:spcAft>
+              <a:buFont typeface="Arial" panose="020B0604020202020204" pitchFamily="34" charset="0"/>
+              <a:buChar char="•"/>
+              <a:defRPr lang="en-US" sz="1200" kern="1200" smtClean="0">
+                <a:solidFill>
+                  <a:schemeClr val="tx1">
+                    <a:lumMod val="75000"/>
+                    <a:lumOff val="25000"/>
+                  </a:schemeClr>
+                </a:solidFill>
+                <a:latin typeface="+mn-lt"/>
+                <a:ea typeface="+mn-ea"/>
+                <a:cs typeface="+mn-cs"/>
+              </a:defRPr>
+            </a:lvl3pPr>
+            <a:lvl4pPr marL="1600200" indent="-228600" algn="l" defTabSz="914400" rtl="0" eaLnBrk="1" latinLnBrk="0" hangingPunct="1">
+              <a:lnSpc>
+                <a:spcPts val="1800"/>
+              </a:lnSpc>
+              <a:spcBef>
+                <a:spcPts val="1000"/>
+              </a:spcBef>
+              <a:spcAft>
+                <a:spcPts val="1000"/>
+              </a:spcAft>
+              <a:buFont typeface="Arial" panose="020B0604020202020204" pitchFamily="34" charset="0"/>
+              <a:buChar char="•"/>
+              <a:defRPr lang="en-US" sz="1200" kern="1200" smtClean="0">
+                <a:solidFill>
+                  <a:schemeClr val="tx1">
+                    <a:lumMod val="75000"/>
+                    <a:lumOff val="25000"/>
+                  </a:schemeClr>
+                </a:solidFill>
+                <a:latin typeface="+mn-lt"/>
+                <a:ea typeface="+mn-ea"/>
+                <a:cs typeface="+mn-cs"/>
+              </a:defRPr>
+            </a:lvl4pPr>
+            <a:lvl5pPr marL="2057400" indent="-228600" algn="l" defTabSz="914400" rtl="0" eaLnBrk="1" latinLnBrk="0" hangingPunct="1">
+              <a:lnSpc>
+                <a:spcPts val="1800"/>
+              </a:lnSpc>
+              <a:spcBef>
+                <a:spcPts val="1000"/>
+              </a:spcBef>
+              <a:spcAft>
+                <a:spcPts val="1000"/>
+              </a:spcAft>
+              <a:buFont typeface="Arial" panose="020B0604020202020204" pitchFamily="34" charset="0"/>
+              <a:buChar char="•"/>
+              <a:defRPr lang="en-US" sz="1200" kern="1200">
+                <a:solidFill>
+                  <a:schemeClr val="tx1">
+                    <a:lumMod val="75000"/>
+                    <a:lumOff val="25000"/>
+                  </a:schemeClr>
+                </a:solidFill>
+                <a:latin typeface="+mn-lt"/>
+                <a:ea typeface="+mn-ea"/>
+                <a:cs typeface="+mn-cs"/>
+              </a:defRPr>
+            </a:lvl5pPr>
+            <a:lvl6pPr marL="2514600" indent="-228600" algn="l" defTabSz="914400" rtl="0" eaLnBrk="1" latinLnBrk="0" hangingPunct="1">
+              <a:lnSpc>
+                <a:spcPct val="90000"/>
+              </a:lnSpc>
+              <a:spcBef>
+                <a:spcPct val="30000"/>
+              </a:spcBef>
+              <a:buFont typeface="Arial" panose="020B0604020202020204" pitchFamily="34" charset="0"/>
+              <a:buChar char="•"/>
+              <a:defRPr sz="1800" kern="1200">
+                <a:solidFill>
+                  <a:schemeClr val="tx1"/>
+                </a:solidFill>
+                <a:latin typeface="+mn-lt"/>
+                <a:ea typeface="+mn-ea"/>
+                <a:cs typeface="+mn-cs"/>
+              </a:defRPr>
+            </a:lvl6pPr>
+            <a:lvl7pPr marL="2971800" indent="-228600" algn="l" defTabSz="914400" rtl="0" eaLnBrk="1" latinLnBrk="0" hangingPunct="1">
+              <a:lnSpc>
+                <a:spcPct val="90000"/>
+              </a:lnSpc>
+              <a:spcBef>
+                <a:spcPct val="30000"/>
+              </a:spcBef>
+              <a:buFont typeface="Arial" panose="020B0604020202020204" pitchFamily="34" charset="0"/>
+              <a:buChar char="•"/>
+              <a:defRPr sz="1800" kern="1200">
+                <a:solidFill>
+                  <a:schemeClr val="tx1"/>
+                </a:solidFill>
+                <a:latin typeface="+mn-lt"/>
+                <a:ea typeface="+mn-ea"/>
+                <a:cs typeface="+mn-cs"/>
+              </a:defRPr>
+            </a:lvl7pPr>
+            <a:lvl8pPr marL="3429000" indent="-228600" algn="l" defTabSz="914400" rtl="0" eaLnBrk="1" latinLnBrk="0" hangingPunct="1">
+              <a:lnSpc>
+                <a:spcPct val="90000"/>
+              </a:lnSpc>
+              <a:spcBef>
+                <a:spcPct val="30000"/>
+              </a:spcBef>
+              <a:buFont typeface="Arial" panose="020B0604020202020204" pitchFamily="34" charset="0"/>
+              <a:buChar char="•"/>
+              <a:defRPr sz="1800" kern="1200">
+                <a:solidFill>
+                  <a:schemeClr val="tx1"/>
+                </a:solidFill>
+                <a:latin typeface="+mn-lt"/>
+                <a:ea typeface="+mn-ea"/>
+                <a:cs typeface="+mn-cs"/>
+              </a:defRPr>
+            </a:lvl8pPr>
+            <a:lvl9pPr marL="3886200" indent="-228600" algn="l" defTabSz="914400" rtl="0" eaLnBrk="1" latinLnBrk="0" hangingPunct="1">
+              <a:lnSpc>
+                <a:spcPct val="90000"/>
+              </a:lnSpc>
+              <a:spcBef>
+                <a:spcPct val="30000"/>
+              </a:spcBef>
+              <a:buFont typeface="Arial" panose="020B0604020202020204" pitchFamily="34" charset="0"/>
+              <a:buChar char="•"/>
+              <a:defRPr sz="1800" kern="1200">
+                <a:solidFill>
+                  <a:schemeClr val="tx1"/>
+                </a:solidFill>
+                <a:latin typeface="+mn-lt"/>
+                <a:ea typeface="+mn-ea"/>
+                <a:cs typeface="+mn-cs"/>
+              </a:defRPr>
+            </a:lvl9pPr>
+          </a:lstStyle>
+          <a:p>
+            <a:pPr marL="0" indent="0" rtl="0">
+              <a:spcAft>
+                <a:spcPts val="2000"/>
+              </a:spcAft>
+              <a:buNone/>
+            </a:pPr>
+            <a:endParaRPr lang="el-GR" dirty="0">
+              <a:solidFill>
+                <a:prstClr val="black">
+                  <a:lumMod val="75000"/>
+                  <a:lumOff val="25000"/>
+                </a:prstClr>
+              </a:solidFill>
+              <a:latin typeface="Segoe UI" panose="020B0502040204020203" pitchFamily="34" charset="0"/>
+              <a:cs typeface="Segoe UI" panose="020B0502040204020203" pitchFamily="34" charset="0"/>
+            </a:endParaRPr>
+          </a:p>
+        </p:txBody>
+      </p:sp>
+      <p:sp>
+        <p:nvSpPr>
+          <p:cNvPr id="25" name="Θέση περιεχομένου 17"/>
+          <p:cNvSpPr txBox="1">
+            <a:spLocks/>
+          </p:cNvSpPr>
+          <p:nvPr/>
+        </p:nvSpPr>
+        <p:spPr>
+          <a:xfrm>
+            <a:off x="1066038" y="2818942"/>
+            <a:ext cx="2651153" cy="1517087"/>
+          </a:xfrm>
+          <a:prstGeom prst="rect">
+            <a:avLst/>
+          </a:prstGeom>
+        </p:spPr>
+        <p:txBody>
+          <a:bodyPr vert="horz" lIns="91440" tIns="45720" rIns="91440" bIns="45720" rtlCol="0">
+            <a:normAutofit/>
+          </a:bodyPr>
+          <a:lstStyle>
+            <a:lvl1pPr marL="228600" indent="-228600" algn="l" defTabSz="914400" rtl="0" eaLnBrk="1" latinLnBrk="0" hangingPunct="1">
+              <a:lnSpc>
+                <a:spcPts val="1800"/>
+              </a:lnSpc>
+              <a:spcBef>
+                <a:spcPts val="1000"/>
+              </a:spcBef>
+              <a:spcAft>
+                <a:spcPts val="1000"/>
+              </a:spcAft>
+              <a:buFont typeface="Arial" panose="020B0604020202020204" pitchFamily="34" charset="0"/>
+              <a:buChar char="•"/>
+              <a:defRPr lang="en-US" sz="1200" kern="1200" smtClean="0">
+                <a:solidFill>
+                  <a:schemeClr val="tx1">
+                    <a:lumMod val="75000"/>
+                    <a:lumOff val="25000"/>
+                  </a:schemeClr>
+                </a:solidFill>
+                <a:latin typeface="+mn-lt"/>
+                <a:ea typeface="+mn-ea"/>
+                <a:cs typeface="+mn-cs"/>
+              </a:defRPr>
+            </a:lvl1pPr>
+            <a:lvl2pPr marL="685800" indent="-228600" algn="l" defTabSz="914400" rtl="0" eaLnBrk="1" latinLnBrk="0" hangingPunct="1">
+              <a:lnSpc>
+                <a:spcPts val="1800"/>
+              </a:lnSpc>
+              <a:spcBef>
+                <a:spcPts val="1000"/>
+              </a:spcBef>
+              <a:spcAft>
+                <a:spcPts val="1000"/>
+              </a:spcAft>
+              <a:buFont typeface="Arial" panose="020B0604020202020204" pitchFamily="34" charset="0"/>
+              <a:buChar char="•"/>
+              <a:defRPr lang="en-US" sz="1200" kern="1200" smtClean="0">
+                <a:solidFill>
+                  <a:schemeClr val="tx1">
+                    <a:lumMod val="75000"/>
+                    <a:lumOff val="25000"/>
+                  </a:schemeClr>
+                </a:solidFill>
+                <a:latin typeface="+mn-lt"/>
+                <a:ea typeface="+mn-ea"/>
+                <a:cs typeface="+mn-cs"/>
+              </a:defRPr>
+            </a:lvl2pPr>
+            <a:lvl3pPr marL="1143000" indent="-228600" algn="l" defTabSz="914400" rtl="0" eaLnBrk="1" latinLnBrk="0" hangingPunct="1">
+              <a:lnSpc>
+                <a:spcPts val="1800"/>
+              </a:lnSpc>
+              <a:spcBef>
+                <a:spcPts val="1000"/>
+              </a:spcBef>
+              <a:spcAft>
+                <a:spcPts val="1000"/>
+              </a:spcAft>
+              <a:buFont typeface="Arial" panose="020B0604020202020204" pitchFamily="34" charset="0"/>
+              <a:buChar char="•"/>
+              <a:defRPr lang="en-US" sz="1200" kern="1200" smtClean="0">
+                <a:solidFill>
+                  <a:schemeClr val="tx1">
+                    <a:lumMod val="75000"/>
+                    <a:lumOff val="25000"/>
+                  </a:schemeClr>
+                </a:solidFill>
+                <a:latin typeface="+mn-lt"/>
+                <a:ea typeface="+mn-ea"/>
+                <a:cs typeface="+mn-cs"/>
+              </a:defRPr>
+            </a:lvl3pPr>
+            <a:lvl4pPr marL="1600200" indent="-228600" algn="l" defTabSz="914400" rtl="0" eaLnBrk="1" latinLnBrk="0" hangingPunct="1">
+              <a:lnSpc>
+                <a:spcPts val="1800"/>
+              </a:lnSpc>
+              <a:spcBef>
+                <a:spcPts val="1000"/>
+              </a:spcBef>
+              <a:spcAft>
+                <a:spcPts val="1000"/>
+              </a:spcAft>
+              <a:buFont typeface="Arial" panose="020B0604020202020204" pitchFamily="34" charset="0"/>
+              <a:buChar char="•"/>
+              <a:defRPr lang="en-US" sz="1200" kern="1200" smtClean="0">
+                <a:solidFill>
+                  <a:schemeClr val="tx1">
+                    <a:lumMod val="75000"/>
+                    <a:lumOff val="25000"/>
+                  </a:schemeClr>
+                </a:solidFill>
+                <a:latin typeface="+mn-lt"/>
+                <a:ea typeface="+mn-ea"/>
+                <a:cs typeface="+mn-cs"/>
+              </a:defRPr>
+            </a:lvl4pPr>
+            <a:lvl5pPr marL="2057400" indent="-228600" algn="l" defTabSz="914400" rtl="0" eaLnBrk="1" latinLnBrk="0" hangingPunct="1">
+              <a:lnSpc>
+                <a:spcPts val="1800"/>
+              </a:lnSpc>
+              <a:spcBef>
+                <a:spcPts val="1000"/>
+              </a:spcBef>
+              <a:spcAft>
+                <a:spcPts val="1000"/>
+              </a:spcAft>
+              <a:buFont typeface="Arial" panose="020B0604020202020204" pitchFamily="34" charset="0"/>
+              <a:buChar char="•"/>
+              <a:defRPr lang="en-US" sz="1200" kern="1200">
+                <a:solidFill>
+                  <a:schemeClr val="tx1">
+                    <a:lumMod val="75000"/>
+                    <a:lumOff val="25000"/>
+                  </a:schemeClr>
+                </a:solidFill>
+                <a:latin typeface="+mn-lt"/>
+                <a:ea typeface="+mn-ea"/>
+                <a:cs typeface="+mn-cs"/>
+              </a:defRPr>
+            </a:lvl5pPr>
+            <a:lvl6pPr marL="2514600" indent="-228600" algn="l" defTabSz="914400" rtl="0" eaLnBrk="1" latinLnBrk="0" hangingPunct="1">
+              <a:lnSpc>
+                <a:spcPct val="90000"/>
+              </a:lnSpc>
+              <a:spcBef>
+                <a:spcPct val="30000"/>
+              </a:spcBef>
+              <a:buFont typeface="Arial" panose="020B0604020202020204" pitchFamily="34" charset="0"/>
+              <a:buChar char="•"/>
+              <a:defRPr sz="1800" kern="1200">
+                <a:solidFill>
+                  <a:schemeClr val="tx1"/>
+                </a:solidFill>
+                <a:latin typeface="+mn-lt"/>
+                <a:ea typeface="+mn-ea"/>
+                <a:cs typeface="+mn-cs"/>
+              </a:defRPr>
+            </a:lvl6pPr>
+            <a:lvl7pPr marL="2971800" indent="-228600" algn="l" defTabSz="914400" rtl="0" eaLnBrk="1" latinLnBrk="0" hangingPunct="1">
+              <a:lnSpc>
+                <a:spcPct val="90000"/>
+              </a:lnSpc>
+              <a:spcBef>
+                <a:spcPct val="30000"/>
+              </a:spcBef>
+              <a:buFont typeface="Arial" panose="020B0604020202020204" pitchFamily="34" charset="0"/>
+              <a:buChar char="•"/>
+              <a:defRPr sz="1800" kern="1200">
+                <a:solidFill>
+                  <a:schemeClr val="tx1"/>
+                </a:solidFill>
+                <a:latin typeface="+mn-lt"/>
+                <a:ea typeface="+mn-ea"/>
+                <a:cs typeface="+mn-cs"/>
+              </a:defRPr>
+            </a:lvl7pPr>
+            <a:lvl8pPr marL="3429000" indent="-228600" algn="l" defTabSz="914400" rtl="0" eaLnBrk="1" latinLnBrk="0" hangingPunct="1">
+              <a:lnSpc>
+                <a:spcPct val="90000"/>
+              </a:lnSpc>
+              <a:spcBef>
+                <a:spcPct val="30000"/>
+              </a:spcBef>
+              <a:buFont typeface="Arial" panose="020B0604020202020204" pitchFamily="34" charset="0"/>
+              <a:buChar char="•"/>
+              <a:defRPr sz="1800" kern="1200">
+                <a:solidFill>
+                  <a:schemeClr val="tx1"/>
+                </a:solidFill>
+                <a:latin typeface="+mn-lt"/>
+                <a:ea typeface="+mn-ea"/>
+                <a:cs typeface="+mn-cs"/>
+              </a:defRPr>
+            </a:lvl8pPr>
+            <a:lvl9pPr marL="3886200" indent="-228600" algn="l" defTabSz="914400" rtl="0" eaLnBrk="1" latinLnBrk="0" hangingPunct="1">
+              <a:lnSpc>
+                <a:spcPct val="90000"/>
+              </a:lnSpc>
+              <a:spcBef>
+                <a:spcPct val="30000"/>
+              </a:spcBef>
+              <a:buFont typeface="Arial" panose="020B0604020202020204" pitchFamily="34" charset="0"/>
+              <a:buChar char="•"/>
+              <a:defRPr sz="1800" kern="1200">
+                <a:solidFill>
+                  <a:schemeClr val="tx1"/>
+                </a:solidFill>
+                <a:latin typeface="+mn-lt"/>
+                <a:ea typeface="+mn-ea"/>
+                <a:cs typeface="+mn-cs"/>
+              </a:defRPr>
+            </a:lvl9pPr>
+          </a:lstStyle>
+          <a:p>
+            <a:pPr marL="0" indent="0" rtl="0">
+              <a:spcAft>
+                <a:spcPts val="2000"/>
+              </a:spcAft>
+              <a:buNone/>
+            </a:pPr>
+            <a:endParaRPr lang="el-GR" dirty="0">
+              <a:solidFill>
+                <a:prstClr val="black">
+                  <a:lumMod val="75000"/>
+                  <a:lumOff val="25000"/>
+                </a:prstClr>
+              </a:solidFill>
+              <a:latin typeface="Segoe UI" panose="020B0502040204020203" pitchFamily="34" charset="0"/>
+              <a:cs typeface="Segoe UI" panose="020B0502040204020203" pitchFamily="34" charset="0"/>
+            </a:endParaRPr>
+          </a:p>
+        </p:txBody>
+      </p:sp>
+      <p:sp>
+        <p:nvSpPr>
+          <p:cNvPr id="31" name="TextBox 30">
             <a:extLst>
               <a:ext uri="{FF2B5EF4-FFF2-40B4-BE49-F238E27FC236}">
-                <a16:creationId xmlns:a16="http://schemas.microsoft.com/office/drawing/2014/main" id="{5D9FE0D8-1D37-4BA1-A02D-E03E72F58AAD}"/>
+                <a16:creationId xmlns:a16="http://schemas.microsoft.com/office/drawing/2014/main" id="{3547E4BD-A735-4017-B20C-1814A072D925}"/>
               </a:ext>
             </a:extLst>
           </p:cNvPr>
-          <p:cNvSpPr>
-            <a:spLocks noGrp="1"/>
-          </p:cNvSpPr>
-          <p:nvPr>
-            <p:ph sz="quarter" idx="10"/>
-          </p:nvPr>
+          <p:cNvSpPr txBox="1"/>
+          <p:nvPr/>
         </p:nvSpPr>
         <p:spPr>
           <a:xfrm>
             <a:off x="552776" y="1440180"/>
-            <a:ext cx="11086447" cy="3977640"/>
+            <a:ext cx="8689698" cy="369332"/>
           </a:xfrm>
+          <a:prstGeom prst="rect">
+            <a:avLst/>
+          </a:prstGeom>
+          <a:noFill/>
         </p:spPr>
         <p:txBody>
-          <a:bodyPr>
-            <a:normAutofit/>
+          <a:bodyPr wrap="square" rtlCol="0">
+            <a:spAutoFit/>
           </a:bodyPr>
           <a:lstStyle/>
           <a:p>
-            <a:pPr>
-              <a:lnSpc>
-                <a:spcPct val="100000"/>
-              </a:lnSpc>
-            </a:pPr>
-            <a:endParaRPr lang="el-GR" sz="1400" dirty="0"/>
-          </a:p>
-          <a:p>
-            <a:pPr marL="171450" indent="-171450">
-              <a:lnSpc>
-                <a:spcPct val="100000"/>
-              </a:lnSpc>
-              <a:buFont typeface="Wingdings" panose="05000000000000000000" pitchFamily="2" charset="2"/>
-              <a:buChar char="Ø"/>
-            </a:pPr>
-            <a:endParaRPr lang="en-US" sz="1400" dirty="0"/>
+            <a:r>
+              <a:rPr lang="en-US" b="1" dirty="0"/>
+              <a:t>Classification Error</a:t>
+            </a:r>
           </a:p>
         </p:txBody>
       </p:sp>
       <p:graphicFrame>
         <p:nvGraphicFramePr>
-          <p:cNvPr id="2" name="Table 1">
+          <p:cNvPr id="33" name="Table 32">
             <a:extLst>
               <a:ext uri="{FF2B5EF4-FFF2-40B4-BE49-F238E27FC236}">
-                <a16:creationId xmlns:a16="http://schemas.microsoft.com/office/drawing/2014/main" id="{10913B1B-93EA-42EC-B93A-FA9FB7D3E977}"/>
+                <a16:creationId xmlns:a16="http://schemas.microsoft.com/office/drawing/2014/main" id="{333501A9-5990-4916-ABC6-25AC6F8ED989}"/>
               </a:ext>
             </a:extLst>
           </p:cNvPr>
@@ -10431,13 +8759,13 @@
           <p:nvPr>
             <p:extLst>
               <p:ext uri="{D42A27DB-BD31-4B8C-83A1-F6EECF244321}">
-                <p14:modId xmlns:p14="http://schemas.microsoft.com/office/powerpoint/2010/main" val="2525604552"/>
+                <p14:modId xmlns:p14="http://schemas.microsoft.com/office/powerpoint/2010/main" val="532331443"/>
               </p:ext>
             </p:extLst>
           </p:nvPr>
         </p:nvGraphicFramePr>
         <p:xfrm>
-          <a:off x="552776" y="1935675"/>
+          <a:off x="552776" y="1919627"/>
           <a:ext cx="8127999" cy="2219960"/>
         </p:xfrm>
         <a:graphic>
@@ -10807,10 +9135,10 @@
       </p:graphicFrame>
       <p:sp>
         <p:nvSpPr>
-          <p:cNvPr id="4" name="TextBox 3">
+          <p:cNvPr id="34" name="TextBox 33">
             <a:extLst>
               <a:ext uri="{FF2B5EF4-FFF2-40B4-BE49-F238E27FC236}">
-                <a16:creationId xmlns:a16="http://schemas.microsoft.com/office/drawing/2014/main" id="{AC01CF47-D5F5-4292-8185-DF7EDF2AAAA8}"/>
+                <a16:creationId xmlns:a16="http://schemas.microsoft.com/office/drawing/2014/main" id="{20FDEACA-915D-4455-A3B1-7E5E89FC8C13}"/>
               </a:ext>
             </a:extLst>
           </p:cNvPr>
@@ -10903,2066 +9231,6 @@
           </a:p>
         </p:txBody>
       </p:sp>
-      <p:sp>
-        <p:nvSpPr>
-          <p:cNvPr id="5" name="TextBox 4">
-            <a:extLst>
-              <a:ext uri="{FF2B5EF4-FFF2-40B4-BE49-F238E27FC236}">
-                <a16:creationId xmlns:a16="http://schemas.microsoft.com/office/drawing/2014/main" id="{5B5E9DB6-CC84-41A1-97E8-0F07F8315D51}"/>
-              </a:ext>
-            </a:extLst>
-          </p:cNvPr>
-          <p:cNvSpPr txBox="1"/>
-          <p:nvPr/>
-        </p:nvSpPr>
-        <p:spPr>
-          <a:xfrm>
-            <a:off x="552776" y="1440180"/>
-            <a:ext cx="8689698" cy="369332"/>
-          </a:xfrm>
-          <a:prstGeom prst="rect">
-            <a:avLst/>
-          </a:prstGeom>
-          <a:noFill/>
-        </p:spPr>
-        <p:txBody>
-          <a:bodyPr wrap="square" rtlCol="0">
-            <a:spAutoFit/>
-          </a:bodyPr>
-          <a:lstStyle/>
-          <a:p>
-            <a:r>
-              <a:rPr lang="en-US" b="1" dirty="0"/>
-              <a:t>Classification Error</a:t>
-            </a:r>
-          </a:p>
-        </p:txBody>
-      </p:sp>
-    </p:spTree>
-    <p:extLst>
-      <p:ext uri="{BB962C8B-B14F-4D97-AF65-F5344CB8AC3E}">
-        <p14:creationId xmlns:p14="http://schemas.microsoft.com/office/powerpoint/2010/main" val="958036878"/>
-      </p:ext>
-    </p:extLst>
-  </p:cSld>
-  <p:clrMapOvr>
-    <a:masterClrMapping/>
-  </p:clrMapOvr>
-  <mc:AlternateContent xmlns:mc="http://schemas.openxmlformats.org/markup-compatibility/2006" xmlns:p14="http://schemas.microsoft.com/office/powerpoint/2010/main">
-    <mc:Choice Requires="p14">
-      <p:transition p14:dur="10"/>
-    </mc:Choice>
-    <mc:Fallback xmlns="">
-      <p:transition/>
-    </mc:Fallback>
-  </mc:AlternateContent>
-</p:sld>
-</file>
-
-<file path=ppt/slides/slide8.xml><?xml version="1.0" encoding="utf-8"?>
-<p:sld xmlns:a="http://schemas.openxmlformats.org/drawingml/2006/main" xmlns:r="http://schemas.openxmlformats.org/officeDocument/2006/relationships" xmlns:p="http://schemas.openxmlformats.org/presentationml/2006/main">
-  <p:cSld>
-    <p:spTree>
-      <p:nvGrpSpPr>
-        <p:cNvPr id="1" name=""/>
-        <p:cNvGrpSpPr/>
-        <p:nvPr/>
-      </p:nvGrpSpPr>
-      <p:grpSpPr>
-        <a:xfrm>
-          <a:off x="0" y="0"/>
-          <a:ext cx="0" cy="0"/>
-          <a:chOff x="0" y="0"/>
-          <a:chExt cx="0" cy="0"/>
-        </a:xfrm>
-      </p:grpSpPr>
-      <p:sp>
-        <p:nvSpPr>
-          <p:cNvPr id="3" name="Τίτλος 2"/>
-          <p:cNvSpPr>
-            <a:spLocks noGrp="1"/>
-          </p:cNvSpPr>
-          <p:nvPr>
-            <p:ph type="title"/>
-          </p:nvPr>
-        </p:nvSpPr>
-        <p:spPr/>
-        <p:txBody>
-          <a:bodyPr rtlCol="0"/>
-          <a:lstStyle/>
-          <a:p>
-            <a:pPr rtl="0"/>
-            <a:r>
-              <a:rPr lang="el-GR" dirty="0"/>
-              <a:t>Ρύθμιση της </a:t>
-            </a:r>
-            <a:r>
-              <a:rPr lang="el-GR" dirty="0">
-                <a:latin typeface="Segoe UI Light" panose="020B0502040204020203" pitchFamily="34" charset="0"/>
-                <a:cs typeface="Segoe UI Light" panose="020B0502040204020203" pitchFamily="34" charset="0"/>
-              </a:rPr>
-              <a:t>Μεταμόρφωσης</a:t>
-            </a:r>
-          </a:p>
-        </p:txBody>
-      </p:sp>
-      <p:sp>
-        <p:nvSpPr>
-          <p:cNvPr id="30" name="Θέση περιεχομένου 17"/>
-          <p:cNvSpPr txBox="1">
-            <a:spLocks/>
-          </p:cNvSpPr>
-          <p:nvPr/>
-        </p:nvSpPr>
-        <p:spPr>
-          <a:xfrm>
-            <a:off x="541609" y="1455491"/>
-            <a:ext cx="5110161" cy="471149"/>
-          </a:xfrm>
-          <a:prstGeom prst="rect">
-            <a:avLst/>
-          </a:prstGeom>
-        </p:spPr>
-        <p:txBody>
-          <a:bodyPr vert="horz" lIns="91440" tIns="45720" rIns="91440" bIns="45720" rtlCol="0">
-            <a:normAutofit/>
-          </a:bodyPr>
-          <a:lstStyle>
-            <a:lvl1pPr marL="228600" indent="-228600" algn="l" defTabSz="914400" rtl="0" eaLnBrk="1" latinLnBrk="0" hangingPunct="1">
-              <a:lnSpc>
-                <a:spcPts val="1800"/>
-              </a:lnSpc>
-              <a:spcBef>
-                <a:spcPts val="1000"/>
-              </a:spcBef>
-              <a:spcAft>
-                <a:spcPts val="1000"/>
-              </a:spcAft>
-              <a:buFont typeface="Arial" panose="020B0604020202020204" pitchFamily="34" charset="0"/>
-              <a:buChar char="•"/>
-              <a:defRPr lang="en-US" sz="1200" kern="1200" smtClean="0">
-                <a:solidFill>
-                  <a:schemeClr val="tx1">
-                    <a:lumMod val="75000"/>
-                    <a:lumOff val="25000"/>
-                  </a:schemeClr>
-                </a:solidFill>
-                <a:latin typeface="+mn-lt"/>
-                <a:ea typeface="+mn-ea"/>
-                <a:cs typeface="+mn-cs"/>
-              </a:defRPr>
-            </a:lvl1pPr>
-            <a:lvl2pPr marL="685800" indent="-228600" algn="l" defTabSz="914400" rtl="0" eaLnBrk="1" latinLnBrk="0" hangingPunct="1">
-              <a:lnSpc>
-                <a:spcPts val="1800"/>
-              </a:lnSpc>
-              <a:spcBef>
-                <a:spcPts val="1000"/>
-              </a:spcBef>
-              <a:spcAft>
-                <a:spcPts val="1000"/>
-              </a:spcAft>
-              <a:buFont typeface="Arial" panose="020B0604020202020204" pitchFamily="34" charset="0"/>
-              <a:buChar char="•"/>
-              <a:defRPr lang="en-US" sz="1200" kern="1200" smtClean="0">
-                <a:solidFill>
-                  <a:schemeClr val="tx1">
-                    <a:lumMod val="75000"/>
-                    <a:lumOff val="25000"/>
-                  </a:schemeClr>
-                </a:solidFill>
-                <a:latin typeface="+mn-lt"/>
-                <a:ea typeface="+mn-ea"/>
-                <a:cs typeface="+mn-cs"/>
-              </a:defRPr>
-            </a:lvl2pPr>
-            <a:lvl3pPr marL="1143000" indent="-228600" algn="l" defTabSz="914400" rtl="0" eaLnBrk="1" latinLnBrk="0" hangingPunct="1">
-              <a:lnSpc>
-                <a:spcPts val="1800"/>
-              </a:lnSpc>
-              <a:spcBef>
-                <a:spcPts val="1000"/>
-              </a:spcBef>
-              <a:spcAft>
-                <a:spcPts val="1000"/>
-              </a:spcAft>
-              <a:buFont typeface="Arial" panose="020B0604020202020204" pitchFamily="34" charset="0"/>
-              <a:buChar char="•"/>
-              <a:defRPr lang="en-US" sz="1200" kern="1200" smtClean="0">
-                <a:solidFill>
-                  <a:schemeClr val="tx1">
-                    <a:lumMod val="75000"/>
-                    <a:lumOff val="25000"/>
-                  </a:schemeClr>
-                </a:solidFill>
-                <a:latin typeface="+mn-lt"/>
-                <a:ea typeface="+mn-ea"/>
-                <a:cs typeface="+mn-cs"/>
-              </a:defRPr>
-            </a:lvl3pPr>
-            <a:lvl4pPr marL="1600200" indent="-228600" algn="l" defTabSz="914400" rtl="0" eaLnBrk="1" latinLnBrk="0" hangingPunct="1">
-              <a:lnSpc>
-                <a:spcPts val="1800"/>
-              </a:lnSpc>
-              <a:spcBef>
-                <a:spcPts val="1000"/>
-              </a:spcBef>
-              <a:spcAft>
-                <a:spcPts val="1000"/>
-              </a:spcAft>
-              <a:buFont typeface="Arial" panose="020B0604020202020204" pitchFamily="34" charset="0"/>
-              <a:buChar char="•"/>
-              <a:defRPr lang="en-US" sz="1200" kern="1200" smtClean="0">
-                <a:solidFill>
-                  <a:schemeClr val="tx1">
-                    <a:lumMod val="75000"/>
-                    <a:lumOff val="25000"/>
-                  </a:schemeClr>
-                </a:solidFill>
-                <a:latin typeface="+mn-lt"/>
-                <a:ea typeface="+mn-ea"/>
-                <a:cs typeface="+mn-cs"/>
-              </a:defRPr>
-            </a:lvl4pPr>
-            <a:lvl5pPr marL="2057400" indent="-228600" algn="l" defTabSz="914400" rtl="0" eaLnBrk="1" latinLnBrk="0" hangingPunct="1">
-              <a:lnSpc>
-                <a:spcPts val="1800"/>
-              </a:lnSpc>
-              <a:spcBef>
-                <a:spcPts val="1000"/>
-              </a:spcBef>
-              <a:spcAft>
-                <a:spcPts val="1000"/>
-              </a:spcAft>
-              <a:buFont typeface="Arial" panose="020B0604020202020204" pitchFamily="34" charset="0"/>
-              <a:buChar char="•"/>
-              <a:defRPr lang="en-US" sz="1200" kern="1200">
-                <a:solidFill>
-                  <a:schemeClr val="tx1">
-                    <a:lumMod val="75000"/>
-                    <a:lumOff val="25000"/>
-                  </a:schemeClr>
-                </a:solidFill>
-                <a:latin typeface="+mn-lt"/>
-                <a:ea typeface="+mn-ea"/>
-                <a:cs typeface="+mn-cs"/>
-              </a:defRPr>
-            </a:lvl5pPr>
-            <a:lvl6pPr marL="2514600" indent="-228600" algn="l" defTabSz="914400" rtl="0" eaLnBrk="1" latinLnBrk="0" hangingPunct="1">
-              <a:lnSpc>
-                <a:spcPct val="90000"/>
-              </a:lnSpc>
-              <a:spcBef>
-                <a:spcPct val="30000"/>
-              </a:spcBef>
-              <a:buFont typeface="Arial" panose="020B0604020202020204" pitchFamily="34" charset="0"/>
-              <a:buChar char="•"/>
-              <a:defRPr sz="1800" kern="1200">
-                <a:solidFill>
-                  <a:schemeClr val="tx1"/>
-                </a:solidFill>
-                <a:latin typeface="+mn-lt"/>
-                <a:ea typeface="+mn-ea"/>
-                <a:cs typeface="+mn-cs"/>
-              </a:defRPr>
-            </a:lvl6pPr>
-            <a:lvl7pPr marL="2971800" indent="-228600" algn="l" defTabSz="914400" rtl="0" eaLnBrk="1" latinLnBrk="0" hangingPunct="1">
-              <a:lnSpc>
-                <a:spcPct val="90000"/>
-              </a:lnSpc>
-              <a:spcBef>
-                <a:spcPct val="30000"/>
-              </a:spcBef>
-              <a:buFont typeface="Arial" panose="020B0604020202020204" pitchFamily="34" charset="0"/>
-              <a:buChar char="•"/>
-              <a:defRPr sz="1800" kern="1200">
-                <a:solidFill>
-                  <a:schemeClr val="tx1"/>
-                </a:solidFill>
-                <a:latin typeface="+mn-lt"/>
-                <a:ea typeface="+mn-ea"/>
-                <a:cs typeface="+mn-cs"/>
-              </a:defRPr>
-            </a:lvl7pPr>
-            <a:lvl8pPr marL="3429000" indent="-228600" algn="l" defTabSz="914400" rtl="0" eaLnBrk="1" latinLnBrk="0" hangingPunct="1">
-              <a:lnSpc>
-                <a:spcPct val="90000"/>
-              </a:lnSpc>
-              <a:spcBef>
-                <a:spcPct val="30000"/>
-              </a:spcBef>
-              <a:buFont typeface="Arial" panose="020B0604020202020204" pitchFamily="34" charset="0"/>
-              <a:buChar char="•"/>
-              <a:defRPr sz="1800" kern="1200">
-                <a:solidFill>
-                  <a:schemeClr val="tx1"/>
-                </a:solidFill>
-                <a:latin typeface="+mn-lt"/>
-                <a:ea typeface="+mn-ea"/>
-                <a:cs typeface="+mn-cs"/>
-              </a:defRPr>
-            </a:lvl8pPr>
-            <a:lvl9pPr marL="3886200" indent="-228600" algn="l" defTabSz="914400" rtl="0" eaLnBrk="1" latinLnBrk="0" hangingPunct="1">
-              <a:lnSpc>
-                <a:spcPct val="90000"/>
-              </a:lnSpc>
-              <a:spcBef>
-                <a:spcPct val="30000"/>
-              </a:spcBef>
-              <a:buFont typeface="Arial" panose="020B0604020202020204" pitchFamily="34" charset="0"/>
-              <a:buChar char="•"/>
-              <a:defRPr sz="1800" kern="1200">
-                <a:solidFill>
-                  <a:schemeClr val="tx1"/>
-                </a:solidFill>
-                <a:latin typeface="+mn-lt"/>
-                <a:ea typeface="+mn-ea"/>
-                <a:cs typeface="+mn-cs"/>
-              </a:defRPr>
-            </a:lvl9pPr>
-          </a:lstStyle>
-          <a:p>
-            <a:pPr marL="0" indent="0" rtl="0">
-              <a:spcAft>
-                <a:spcPts val="2000"/>
-              </a:spcAft>
-              <a:buNone/>
-            </a:pPr>
-            <a:r>
-              <a:rPr lang="el-GR" dirty="0"/>
-              <a:t>Δοκιμάστε τη μόνοι σας με αυτούς τους δύο απλούς πλανήτες:</a:t>
-            </a:r>
-          </a:p>
-        </p:txBody>
-      </p:sp>
-      <p:grpSp>
-        <p:nvGrpSpPr>
-          <p:cNvPr id="13" name="Ομάδα 12" descr="Μικρός κύκλος με τον αριθμό 1 που υποδεικνύει το βήμα 1"/>
-          <p:cNvGrpSpPr/>
-          <p:nvPr/>
-        </p:nvGrpSpPr>
-        <p:grpSpPr bwMode="blackWhite">
-          <a:xfrm>
-            <a:off x="558723" y="1917997"/>
-            <a:ext cx="558179" cy="409838"/>
-            <a:chOff x="6953426" y="711274"/>
-            <a:chExt cx="558179" cy="409838"/>
-          </a:xfrm>
-        </p:grpSpPr>
-        <p:sp>
-          <p:nvSpPr>
-            <p:cNvPr id="14" name="Έλλειψη 13" descr="Μικρός κύκλος"/>
-            <p:cNvSpPr/>
-            <p:nvPr/>
-          </p:nvSpPr>
-          <p:spPr bwMode="blackWhite">
-            <a:xfrm>
-              <a:off x="7025069" y="711274"/>
-              <a:ext cx="409838" cy="409838"/>
-            </a:xfrm>
-            <a:prstGeom prst="ellipse">
-              <a:avLst/>
-            </a:prstGeom>
-            <a:solidFill>
-              <a:srgbClr val="D24726"/>
-            </a:solidFill>
-            <a:ln>
-              <a:noFill/>
-            </a:ln>
-          </p:spPr>
-          <p:style>
-            <a:lnRef idx="2">
-              <a:schemeClr val="accent1">
-                <a:shade val="50000"/>
-              </a:schemeClr>
-            </a:lnRef>
-            <a:fillRef idx="1">
-              <a:schemeClr val="accent1"/>
-            </a:fillRef>
-            <a:effectRef idx="0">
-              <a:schemeClr val="accent1"/>
-            </a:effectRef>
-            <a:fontRef idx="minor">
-              <a:schemeClr val="lt1"/>
-            </a:fontRef>
-          </p:style>
-          <p:txBody>
-            <a:bodyPr rtlCol="0" anchor="ctr"/>
-            <a:lstStyle/>
-            <a:p>
-              <a:pPr algn="ctr" rtl="0"/>
-              <a:endParaRPr lang="el-GR" dirty="0"/>
-            </a:p>
-          </p:txBody>
-        </p:sp>
-        <p:sp>
-          <p:nvSpPr>
-            <p:cNvPr id="15" name="Πλαίσιο κειμένου 14" descr="Αριθμός 1"/>
-            <p:cNvSpPr txBox="1">
-              <a:spLocks noChangeAspect="1"/>
-            </p:cNvSpPr>
-            <p:nvPr/>
-          </p:nvSpPr>
-          <p:spPr bwMode="blackWhite">
-            <a:xfrm>
-              <a:off x="6953426" y="727564"/>
-              <a:ext cx="558179" cy="369332"/>
-            </a:xfrm>
-            <a:prstGeom prst="rect">
-              <a:avLst/>
-            </a:prstGeom>
-            <a:noFill/>
-          </p:spPr>
-          <p:txBody>
-            <a:bodyPr wrap="square" rtlCol="0">
-              <a:spAutoFit/>
-            </a:bodyPr>
-            <a:lstStyle/>
-            <a:p>
-              <a:pPr algn="ctr" rtl="0"/>
-              <a:r>
-                <a:rPr lang="el-GR" dirty="0">
-                  <a:solidFill>
-                    <a:schemeClr val="bg1"/>
-                  </a:solidFill>
-                  <a:latin typeface="Segoe UI Semibold" panose="020B0702040204020203" pitchFamily="34" charset="0"/>
-                  <a:cs typeface="Segoe UI Semibold" panose="020B0702040204020203" pitchFamily="34" charset="0"/>
-                </a:rPr>
-                <a:t>1</a:t>
-              </a:r>
-            </a:p>
-          </p:txBody>
-        </p:sp>
-      </p:grpSp>
-      <p:sp>
-        <p:nvSpPr>
-          <p:cNvPr id="16" name="Θέση περιεχομένου 17"/>
-          <p:cNvSpPr txBox="1">
-            <a:spLocks/>
-          </p:cNvSpPr>
-          <p:nvPr/>
-        </p:nvSpPr>
-        <p:spPr>
-          <a:xfrm>
-            <a:off x="1066037" y="1958189"/>
-            <a:ext cx="3296574" cy="838453"/>
-          </a:xfrm>
-          <a:prstGeom prst="rect">
-            <a:avLst/>
-          </a:prstGeom>
-        </p:spPr>
-        <p:txBody>
-          <a:bodyPr vert="horz" lIns="91440" tIns="45720" rIns="91440" bIns="45720" rtlCol="0">
-            <a:normAutofit fontScale="92500"/>
-          </a:bodyPr>
-          <a:lstStyle>
-            <a:lvl1pPr marL="228600" indent="-228600" algn="l" defTabSz="914400" rtl="0" eaLnBrk="1" latinLnBrk="0" hangingPunct="1">
-              <a:lnSpc>
-                <a:spcPts val="1800"/>
-              </a:lnSpc>
-              <a:spcBef>
-                <a:spcPts val="1000"/>
-              </a:spcBef>
-              <a:spcAft>
-                <a:spcPts val="1000"/>
-              </a:spcAft>
-              <a:buFont typeface="Arial" panose="020B0604020202020204" pitchFamily="34" charset="0"/>
-              <a:buChar char="•"/>
-              <a:defRPr lang="en-US" sz="1200" kern="1200" smtClean="0">
-                <a:solidFill>
-                  <a:schemeClr val="tx1">
-                    <a:lumMod val="75000"/>
-                    <a:lumOff val="25000"/>
-                  </a:schemeClr>
-                </a:solidFill>
-                <a:latin typeface="+mn-lt"/>
-                <a:ea typeface="+mn-ea"/>
-                <a:cs typeface="+mn-cs"/>
-              </a:defRPr>
-            </a:lvl1pPr>
-            <a:lvl2pPr marL="685800" indent="-228600" algn="l" defTabSz="914400" rtl="0" eaLnBrk="1" latinLnBrk="0" hangingPunct="1">
-              <a:lnSpc>
-                <a:spcPts val="1800"/>
-              </a:lnSpc>
-              <a:spcBef>
-                <a:spcPts val="1000"/>
-              </a:spcBef>
-              <a:spcAft>
-                <a:spcPts val="1000"/>
-              </a:spcAft>
-              <a:buFont typeface="Arial" panose="020B0604020202020204" pitchFamily="34" charset="0"/>
-              <a:buChar char="•"/>
-              <a:defRPr lang="en-US" sz="1200" kern="1200" smtClean="0">
-                <a:solidFill>
-                  <a:schemeClr val="tx1">
-                    <a:lumMod val="75000"/>
-                    <a:lumOff val="25000"/>
-                  </a:schemeClr>
-                </a:solidFill>
-                <a:latin typeface="+mn-lt"/>
-                <a:ea typeface="+mn-ea"/>
-                <a:cs typeface="+mn-cs"/>
-              </a:defRPr>
-            </a:lvl2pPr>
-            <a:lvl3pPr marL="1143000" indent="-228600" algn="l" defTabSz="914400" rtl="0" eaLnBrk="1" latinLnBrk="0" hangingPunct="1">
-              <a:lnSpc>
-                <a:spcPts val="1800"/>
-              </a:lnSpc>
-              <a:spcBef>
-                <a:spcPts val="1000"/>
-              </a:spcBef>
-              <a:spcAft>
-                <a:spcPts val="1000"/>
-              </a:spcAft>
-              <a:buFont typeface="Arial" panose="020B0604020202020204" pitchFamily="34" charset="0"/>
-              <a:buChar char="•"/>
-              <a:defRPr lang="en-US" sz="1200" kern="1200" smtClean="0">
-                <a:solidFill>
-                  <a:schemeClr val="tx1">
-                    <a:lumMod val="75000"/>
-                    <a:lumOff val="25000"/>
-                  </a:schemeClr>
-                </a:solidFill>
-                <a:latin typeface="+mn-lt"/>
-                <a:ea typeface="+mn-ea"/>
-                <a:cs typeface="+mn-cs"/>
-              </a:defRPr>
-            </a:lvl3pPr>
-            <a:lvl4pPr marL="1600200" indent="-228600" algn="l" defTabSz="914400" rtl="0" eaLnBrk="1" latinLnBrk="0" hangingPunct="1">
-              <a:lnSpc>
-                <a:spcPts val="1800"/>
-              </a:lnSpc>
-              <a:spcBef>
-                <a:spcPts val="1000"/>
-              </a:spcBef>
-              <a:spcAft>
-                <a:spcPts val="1000"/>
-              </a:spcAft>
-              <a:buFont typeface="Arial" panose="020B0604020202020204" pitchFamily="34" charset="0"/>
-              <a:buChar char="•"/>
-              <a:defRPr lang="en-US" sz="1200" kern="1200" smtClean="0">
-                <a:solidFill>
-                  <a:schemeClr val="tx1">
-                    <a:lumMod val="75000"/>
-                    <a:lumOff val="25000"/>
-                  </a:schemeClr>
-                </a:solidFill>
-                <a:latin typeface="+mn-lt"/>
-                <a:ea typeface="+mn-ea"/>
-                <a:cs typeface="+mn-cs"/>
-              </a:defRPr>
-            </a:lvl4pPr>
-            <a:lvl5pPr marL="2057400" indent="-228600" algn="l" defTabSz="914400" rtl="0" eaLnBrk="1" latinLnBrk="0" hangingPunct="1">
-              <a:lnSpc>
-                <a:spcPts val="1800"/>
-              </a:lnSpc>
-              <a:spcBef>
-                <a:spcPts val="1000"/>
-              </a:spcBef>
-              <a:spcAft>
-                <a:spcPts val="1000"/>
-              </a:spcAft>
-              <a:buFont typeface="Arial" panose="020B0604020202020204" pitchFamily="34" charset="0"/>
-              <a:buChar char="•"/>
-              <a:defRPr lang="en-US" sz="1200" kern="1200">
-                <a:solidFill>
-                  <a:schemeClr val="tx1">
-                    <a:lumMod val="75000"/>
-                    <a:lumOff val="25000"/>
-                  </a:schemeClr>
-                </a:solidFill>
-                <a:latin typeface="+mn-lt"/>
-                <a:ea typeface="+mn-ea"/>
-                <a:cs typeface="+mn-cs"/>
-              </a:defRPr>
-            </a:lvl5pPr>
-            <a:lvl6pPr marL="2514600" indent="-228600" algn="l" defTabSz="914400" rtl="0" eaLnBrk="1" latinLnBrk="0" hangingPunct="1">
-              <a:lnSpc>
-                <a:spcPct val="90000"/>
-              </a:lnSpc>
-              <a:spcBef>
-                <a:spcPct val="30000"/>
-              </a:spcBef>
-              <a:buFont typeface="Arial" panose="020B0604020202020204" pitchFamily="34" charset="0"/>
-              <a:buChar char="•"/>
-              <a:defRPr sz="1800" kern="1200">
-                <a:solidFill>
-                  <a:schemeClr val="tx1"/>
-                </a:solidFill>
-                <a:latin typeface="+mn-lt"/>
-                <a:ea typeface="+mn-ea"/>
-                <a:cs typeface="+mn-cs"/>
-              </a:defRPr>
-            </a:lvl6pPr>
-            <a:lvl7pPr marL="2971800" indent="-228600" algn="l" defTabSz="914400" rtl="0" eaLnBrk="1" latinLnBrk="0" hangingPunct="1">
-              <a:lnSpc>
-                <a:spcPct val="90000"/>
-              </a:lnSpc>
-              <a:spcBef>
-                <a:spcPct val="30000"/>
-              </a:spcBef>
-              <a:buFont typeface="Arial" panose="020B0604020202020204" pitchFamily="34" charset="0"/>
-              <a:buChar char="•"/>
-              <a:defRPr sz="1800" kern="1200">
-                <a:solidFill>
-                  <a:schemeClr val="tx1"/>
-                </a:solidFill>
-                <a:latin typeface="+mn-lt"/>
-                <a:ea typeface="+mn-ea"/>
-                <a:cs typeface="+mn-cs"/>
-              </a:defRPr>
-            </a:lvl7pPr>
-            <a:lvl8pPr marL="3429000" indent="-228600" algn="l" defTabSz="914400" rtl="0" eaLnBrk="1" latinLnBrk="0" hangingPunct="1">
-              <a:lnSpc>
-                <a:spcPct val="90000"/>
-              </a:lnSpc>
-              <a:spcBef>
-                <a:spcPct val="30000"/>
-              </a:spcBef>
-              <a:buFont typeface="Arial" panose="020B0604020202020204" pitchFamily="34" charset="0"/>
-              <a:buChar char="•"/>
-              <a:defRPr sz="1800" kern="1200">
-                <a:solidFill>
-                  <a:schemeClr val="tx1"/>
-                </a:solidFill>
-                <a:latin typeface="+mn-lt"/>
-                <a:ea typeface="+mn-ea"/>
-                <a:cs typeface="+mn-cs"/>
-              </a:defRPr>
-            </a:lvl8pPr>
-            <a:lvl9pPr marL="3886200" indent="-228600" algn="l" defTabSz="914400" rtl="0" eaLnBrk="1" latinLnBrk="0" hangingPunct="1">
-              <a:lnSpc>
-                <a:spcPct val="90000"/>
-              </a:lnSpc>
-              <a:spcBef>
-                <a:spcPct val="30000"/>
-              </a:spcBef>
-              <a:buFont typeface="Arial" panose="020B0604020202020204" pitchFamily="34" charset="0"/>
-              <a:buChar char="•"/>
-              <a:defRPr sz="1800" kern="1200">
-                <a:solidFill>
-                  <a:schemeClr val="tx1"/>
-                </a:solidFill>
-                <a:latin typeface="+mn-lt"/>
-                <a:ea typeface="+mn-ea"/>
-                <a:cs typeface="+mn-cs"/>
-              </a:defRPr>
-            </a:lvl9pPr>
-          </a:lstStyle>
-          <a:p>
-            <a:pPr marL="0" indent="0" rtl="0">
-              <a:spcAft>
-                <a:spcPts val="2000"/>
-              </a:spcAft>
-              <a:buNone/>
-            </a:pPr>
-            <a:r>
-              <a:rPr lang="el-GR" dirty="0">
-                <a:solidFill>
-                  <a:prstClr val="black">
-                    <a:lumMod val="75000"/>
-                    <a:lumOff val="25000"/>
-                  </a:prstClr>
-                </a:solidFill>
-                <a:latin typeface="Segoe UI" panose="020B0502040204020203" pitchFamily="34" charset="0"/>
-                <a:cs typeface="Segoe UI" panose="020B0502040204020203" pitchFamily="34" charset="0"/>
-              </a:rPr>
-              <a:t>Κάντε αναπαραγωγή αυτής της διαφάνειας: Κάντε δεξί κλικ στη μικρογραφία της διαφάνειας και επιλέξτε</a:t>
-            </a:r>
-            <a:r>
-              <a:rPr lang="el-GR" dirty="0">
-                <a:solidFill>
-                  <a:prstClr val="black">
-                    <a:lumMod val="75000"/>
-                    <a:lumOff val="25000"/>
-                  </a:prstClr>
-                </a:solidFill>
-                <a:cs typeface="Segoe UI"/>
-              </a:rPr>
-              <a:t> </a:t>
-            </a:r>
-            <a:r>
-              <a:rPr lang="el-GR" dirty="0">
-                <a:solidFill>
-                  <a:srgbClr val="D24726"/>
-                </a:solidFill>
-                <a:latin typeface="Segoe UI Semibold" panose="020B0702040204020203" pitchFamily="34" charset="0"/>
-                <a:cs typeface="Segoe UI Semibold" panose="020B0702040204020203" pitchFamily="34" charset="0"/>
-              </a:rPr>
-              <a:t>Αναπαραγωγή διαφάνειας</a:t>
-            </a:r>
-            <a:r>
-              <a:rPr lang="el-GR" dirty="0">
-                <a:solidFill>
-                  <a:prstClr val="black">
-                    <a:lumMod val="75000"/>
-                    <a:lumOff val="25000"/>
-                  </a:prstClr>
-                </a:solidFill>
-                <a:latin typeface="Segoe UI" panose="020B0502040204020203" pitchFamily="34" charset="0"/>
-                <a:cs typeface="Segoe UI" panose="020B0502040204020203" pitchFamily="34" charset="0"/>
-              </a:rPr>
-              <a:t>.</a:t>
-            </a:r>
-          </a:p>
-        </p:txBody>
-      </p:sp>
-      <p:pic>
-        <p:nvPicPr>
-          <p:cNvPr id="2" name="Εικόνα 1"/>
-          <p:cNvPicPr>
-            <a:picLocks noChangeAspect="1"/>
-          </p:cNvPicPr>
-          <p:nvPr/>
-        </p:nvPicPr>
-        <p:blipFill>
-          <a:blip r:embed="rId3" cstate="print">
-            <a:extLst>
-              <a:ext uri="{28A0092B-C50C-407E-A947-70E740481C1C}">
-                <a14:useLocalDpi xmlns:a14="http://schemas.microsoft.com/office/drawing/2010/main" val="0"/>
-              </a:ext>
-            </a:extLst>
-          </a:blip>
-          <a:stretch>
-            <a:fillRect/>
-          </a:stretch>
-        </p:blipFill>
-        <p:spPr>
-          <a:xfrm>
-            <a:off x="4527434" y="1715748"/>
-            <a:ext cx="1460399" cy="1778890"/>
-          </a:xfrm>
-          <a:prstGeom prst="rect">
-            <a:avLst/>
-          </a:prstGeom>
-        </p:spPr>
-      </p:pic>
-      <p:grpSp>
-        <p:nvGrpSpPr>
-          <p:cNvPr id="18" name="Ομάδα 17" descr="Μικρός κύκλος με τον αριθμό 2 που υποδεικνύει το βήμα 2"/>
-          <p:cNvGrpSpPr/>
-          <p:nvPr/>
-        </p:nvGrpSpPr>
-        <p:grpSpPr bwMode="blackWhite">
-          <a:xfrm>
-            <a:off x="558723" y="2778751"/>
-            <a:ext cx="558179" cy="409838"/>
-            <a:chOff x="6953426" y="711274"/>
-            <a:chExt cx="558179" cy="409838"/>
-          </a:xfrm>
-        </p:grpSpPr>
-        <p:sp>
-          <p:nvSpPr>
-            <p:cNvPr id="23" name="Έλλειψη 22" descr="Μικρός κύκλος"/>
-            <p:cNvSpPr/>
-            <p:nvPr/>
-          </p:nvSpPr>
-          <p:spPr bwMode="blackWhite">
-            <a:xfrm>
-              <a:off x="7025069" y="711274"/>
-              <a:ext cx="409838" cy="409838"/>
-            </a:xfrm>
-            <a:prstGeom prst="ellipse">
-              <a:avLst/>
-            </a:prstGeom>
-            <a:solidFill>
-              <a:srgbClr val="D24726"/>
-            </a:solidFill>
-            <a:ln>
-              <a:noFill/>
-            </a:ln>
-          </p:spPr>
-          <p:style>
-            <a:lnRef idx="2">
-              <a:schemeClr val="accent1">
-                <a:shade val="50000"/>
-              </a:schemeClr>
-            </a:lnRef>
-            <a:fillRef idx="1">
-              <a:schemeClr val="accent1"/>
-            </a:fillRef>
-            <a:effectRef idx="0">
-              <a:schemeClr val="accent1"/>
-            </a:effectRef>
-            <a:fontRef idx="minor">
-              <a:schemeClr val="lt1"/>
-            </a:fontRef>
-          </p:style>
-          <p:txBody>
-            <a:bodyPr rtlCol="0" anchor="ctr"/>
-            <a:lstStyle/>
-            <a:p>
-              <a:pPr algn="ctr" rtl="0"/>
-              <a:endParaRPr lang="el-GR" dirty="0"/>
-            </a:p>
-          </p:txBody>
-        </p:sp>
-        <p:sp>
-          <p:nvSpPr>
-            <p:cNvPr id="24" name="Πλαίσιο κειμένου 23" descr="Αριθμός 2"/>
-            <p:cNvSpPr txBox="1">
-              <a:spLocks noChangeAspect="1"/>
-            </p:cNvSpPr>
-            <p:nvPr/>
-          </p:nvSpPr>
-          <p:spPr bwMode="blackWhite">
-            <a:xfrm>
-              <a:off x="6953426" y="727564"/>
-              <a:ext cx="558179" cy="369332"/>
-            </a:xfrm>
-            <a:prstGeom prst="rect">
-              <a:avLst/>
-            </a:prstGeom>
-            <a:noFill/>
-          </p:spPr>
-          <p:txBody>
-            <a:bodyPr wrap="square" rtlCol="0">
-              <a:spAutoFit/>
-            </a:bodyPr>
-            <a:lstStyle/>
-            <a:p>
-              <a:pPr algn="ctr" rtl="0"/>
-              <a:r>
-                <a:rPr lang="el-GR" dirty="0">
-                  <a:solidFill>
-                    <a:schemeClr val="bg1"/>
-                  </a:solidFill>
-                  <a:latin typeface="Segoe UI Semibold" panose="020B0702040204020203" pitchFamily="34" charset="0"/>
-                  <a:cs typeface="Segoe UI Semibold" panose="020B0702040204020203" pitchFamily="34" charset="0"/>
-                </a:rPr>
-                <a:t>2</a:t>
-              </a:r>
-            </a:p>
-          </p:txBody>
-        </p:sp>
-      </p:grpSp>
-      <p:sp>
-        <p:nvSpPr>
-          <p:cNvPr id="25" name="Θέση περιεχομένου 17"/>
-          <p:cNvSpPr txBox="1">
-            <a:spLocks/>
-          </p:cNvSpPr>
-          <p:nvPr/>
-        </p:nvSpPr>
-        <p:spPr>
-          <a:xfrm>
-            <a:off x="1066038" y="2818942"/>
-            <a:ext cx="2651153" cy="1517087"/>
-          </a:xfrm>
-          <a:prstGeom prst="rect">
-            <a:avLst/>
-          </a:prstGeom>
-        </p:spPr>
-        <p:txBody>
-          <a:bodyPr vert="horz" lIns="91440" tIns="45720" rIns="91440" bIns="45720" rtlCol="0">
-            <a:normAutofit fontScale="92500"/>
-          </a:bodyPr>
-          <a:lstStyle>
-            <a:lvl1pPr marL="228600" indent="-228600" algn="l" defTabSz="914400" rtl="0" eaLnBrk="1" latinLnBrk="0" hangingPunct="1">
-              <a:lnSpc>
-                <a:spcPts val="1800"/>
-              </a:lnSpc>
-              <a:spcBef>
-                <a:spcPts val="1000"/>
-              </a:spcBef>
-              <a:spcAft>
-                <a:spcPts val="1000"/>
-              </a:spcAft>
-              <a:buFont typeface="Arial" panose="020B0604020202020204" pitchFamily="34" charset="0"/>
-              <a:buChar char="•"/>
-              <a:defRPr lang="en-US" sz="1200" kern="1200" smtClean="0">
-                <a:solidFill>
-                  <a:schemeClr val="tx1">
-                    <a:lumMod val="75000"/>
-                    <a:lumOff val="25000"/>
-                  </a:schemeClr>
-                </a:solidFill>
-                <a:latin typeface="+mn-lt"/>
-                <a:ea typeface="+mn-ea"/>
-                <a:cs typeface="+mn-cs"/>
-              </a:defRPr>
-            </a:lvl1pPr>
-            <a:lvl2pPr marL="685800" indent="-228600" algn="l" defTabSz="914400" rtl="0" eaLnBrk="1" latinLnBrk="0" hangingPunct="1">
-              <a:lnSpc>
-                <a:spcPts val="1800"/>
-              </a:lnSpc>
-              <a:spcBef>
-                <a:spcPts val="1000"/>
-              </a:spcBef>
-              <a:spcAft>
-                <a:spcPts val="1000"/>
-              </a:spcAft>
-              <a:buFont typeface="Arial" panose="020B0604020202020204" pitchFamily="34" charset="0"/>
-              <a:buChar char="•"/>
-              <a:defRPr lang="en-US" sz="1200" kern="1200" smtClean="0">
-                <a:solidFill>
-                  <a:schemeClr val="tx1">
-                    <a:lumMod val="75000"/>
-                    <a:lumOff val="25000"/>
-                  </a:schemeClr>
-                </a:solidFill>
-                <a:latin typeface="+mn-lt"/>
-                <a:ea typeface="+mn-ea"/>
-                <a:cs typeface="+mn-cs"/>
-              </a:defRPr>
-            </a:lvl2pPr>
-            <a:lvl3pPr marL="1143000" indent="-228600" algn="l" defTabSz="914400" rtl="0" eaLnBrk="1" latinLnBrk="0" hangingPunct="1">
-              <a:lnSpc>
-                <a:spcPts val="1800"/>
-              </a:lnSpc>
-              <a:spcBef>
-                <a:spcPts val="1000"/>
-              </a:spcBef>
-              <a:spcAft>
-                <a:spcPts val="1000"/>
-              </a:spcAft>
-              <a:buFont typeface="Arial" panose="020B0604020202020204" pitchFamily="34" charset="0"/>
-              <a:buChar char="•"/>
-              <a:defRPr lang="en-US" sz="1200" kern="1200" smtClean="0">
-                <a:solidFill>
-                  <a:schemeClr val="tx1">
-                    <a:lumMod val="75000"/>
-                    <a:lumOff val="25000"/>
-                  </a:schemeClr>
-                </a:solidFill>
-                <a:latin typeface="+mn-lt"/>
-                <a:ea typeface="+mn-ea"/>
-                <a:cs typeface="+mn-cs"/>
-              </a:defRPr>
-            </a:lvl3pPr>
-            <a:lvl4pPr marL="1600200" indent="-228600" algn="l" defTabSz="914400" rtl="0" eaLnBrk="1" latinLnBrk="0" hangingPunct="1">
-              <a:lnSpc>
-                <a:spcPts val="1800"/>
-              </a:lnSpc>
-              <a:spcBef>
-                <a:spcPts val="1000"/>
-              </a:spcBef>
-              <a:spcAft>
-                <a:spcPts val="1000"/>
-              </a:spcAft>
-              <a:buFont typeface="Arial" panose="020B0604020202020204" pitchFamily="34" charset="0"/>
-              <a:buChar char="•"/>
-              <a:defRPr lang="en-US" sz="1200" kern="1200" smtClean="0">
-                <a:solidFill>
-                  <a:schemeClr val="tx1">
-                    <a:lumMod val="75000"/>
-                    <a:lumOff val="25000"/>
-                  </a:schemeClr>
-                </a:solidFill>
-                <a:latin typeface="+mn-lt"/>
-                <a:ea typeface="+mn-ea"/>
-                <a:cs typeface="+mn-cs"/>
-              </a:defRPr>
-            </a:lvl4pPr>
-            <a:lvl5pPr marL="2057400" indent="-228600" algn="l" defTabSz="914400" rtl="0" eaLnBrk="1" latinLnBrk="0" hangingPunct="1">
-              <a:lnSpc>
-                <a:spcPts val="1800"/>
-              </a:lnSpc>
-              <a:spcBef>
-                <a:spcPts val="1000"/>
-              </a:spcBef>
-              <a:spcAft>
-                <a:spcPts val="1000"/>
-              </a:spcAft>
-              <a:buFont typeface="Arial" panose="020B0604020202020204" pitchFamily="34" charset="0"/>
-              <a:buChar char="•"/>
-              <a:defRPr lang="en-US" sz="1200" kern="1200">
-                <a:solidFill>
-                  <a:schemeClr val="tx1">
-                    <a:lumMod val="75000"/>
-                    <a:lumOff val="25000"/>
-                  </a:schemeClr>
-                </a:solidFill>
-                <a:latin typeface="+mn-lt"/>
-                <a:ea typeface="+mn-ea"/>
-                <a:cs typeface="+mn-cs"/>
-              </a:defRPr>
-            </a:lvl5pPr>
-            <a:lvl6pPr marL="2514600" indent="-228600" algn="l" defTabSz="914400" rtl="0" eaLnBrk="1" latinLnBrk="0" hangingPunct="1">
-              <a:lnSpc>
-                <a:spcPct val="90000"/>
-              </a:lnSpc>
-              <a:spcBef>
-                <a:spcPct val="30000"/>
-              </a:spcBef>
-              <a:buFont typeface="Arial" panose="020B0604020202020204" pitchFamily="34" charset="0"/>
-              <a:buChar char="•"/>
-              <a:defRPr sz="1800" kern="1200">
-                <a:solidFill>
-                  <a:schemeClr val="tx1"/>
-                </a:solidFill>
-                <a:latin typeface="+mn-lt"/>
-                <a:ea typeface="+mn-ea"/>
-                <a:cs typeface="+mn-cs"/>
-              </a:defRPr>
-            </a:lvl6pPr>
-            <a:lvl7pPr marL="2971800" indent="-228600" algn="l" defTabSz="914400" rtl="0" eaLnBrk="1" latinLnBrk="0" hangingPunct="1">
-              <a:lnSpc>
-                <a:spcPct val="90000"/>
-              </a:lnSpc>
-              <a:spcBef>
-                <a:spcPct val="30000"/>
-              </a:spcBef>
-              <a:buFont typeface="Arial" panose="020B0604020202020204" pitchFamily="34" charset="0"/>
-              <a:buChar char="•"/>
-              <a:defRPr sz="1800" kern="1200">
-                <a:solidFill>
-                  <a:schemeClr val="tx1"/>
-                </a:solidFill>
-                <a:latin typeface="+mn-lt"/>
-                <a:ea typeface="+mn-ea"/>
-                <a:cs typeface="+mn-cs"/>
-              </a:defRPr>
-            </a:lvl7pPr>
-            <a:lvl8pPr marL="3429000" indent="-228600" algn="l" defTabSz="914400" rtl="0" eaLnBrk="1" latinLnBrk="0" hangingPunct="1">
-              <a:lnSpc>
-                <a:spcPct val="90000"/>
-              </a:lnSpc>
-              <a:spcBef>
-                <a:spcPct val="30000"/>
-              </a:spcBef>
-              <a:buFont typeface="Arial" panose="020B0604020202020204" pitchFamily="34" charset="0"/>
-              <a:buChar char="•"/>
-              <a:defRPr sz="1800" kern="1200">
-                <a:solidFill>
-                  <a:schemeClr val="tx1"/>
-                </a:solidFill>
-                <a:latin typeface="+mn-lt"/>
-                <a:ea typeface="+mn-ea"/>
-                <a:cs typeface="+mn-cs"/>
-              </a:defRPr>
-            </a:lvl8pPr>
-            <a:lvl9pPr marL="3886200" indent="-228600" algn="l" defTabSz="914400" rtl="0" eaLnBrk="1" latinLnBrk="0" hangingPunct="1">
-              <a:lnSpc>
-                <a:spcPct val="90000"/>
-              </a:lnSpc>
-              <a:spcBef>
-                <a:spcPct val="30000"/>
-              </a:spcBef>
-              <a:buFont typeface="Arial" panose="020B0604020202020204" pitchFamily="34" charset="0"/>
-              <a:buChar char="•"/>
-              <a:defRPr sz="1800" kern="1200">
-                <a:solidFill>
-                  <a:schemeClr val="tx1"/>
-                </a:solidFill>
-                <a:latin typeface="+mn-lt"/>
-                <a:ea typeface="+mn-ea"/>
-                <a:cs typeface="+mn-cs"/>
-              </a:defRPr>
-            </a:lvl9pPr>
-          </a:lstStyle>
-          <a:p>
-            <a:pPr marL="0" indent="0" rtl="0">
-              <a:spcAft>
-                <a:spcPts val="2000"/>
-              </a:spcAft>
-              <a:buNone/>
-            </a:pPr>
-            <a:r>
-              <a:rPr lang="el-GR" dirty="0">
-                <a:solidFill>
-                  <a:prstClr val="black">
-                    <a:lumMod val="75000"/>
-                    <a:lumOff val="25000"/>
-                  </a:prstClr>
-                </a:solidFill>
-                <a:latin typeface="Segoe UI" panose="020B0502040204020203" pitchFamily="34" charset="0"/>
-                <a:cs typeface="Segoe UI" panose="020B0502040204020203" pitchFamily="34" charset="0"/>
-              </a:rPr>
-              <a:t>Στη δεύτερη από αυτές τις δύο πανομοιότυπες διαφάνειες, αλλάξτε τα σχήματα στα δεξιά με κάποιον τρόπο (μετακίνηση, αλλαγή μεγέθους, αλλαγή χρώματος) και, στη συνέχεια, επιλέξτε </a:t>
-            </a:r>
-            <a:r>
-              <a:rPr lang="el-GR" dirty="0">
-                <a:solidFill>
-                  <a:srgbClr val="D24726"/>
-                </a:solidFill>
-                <a:latin typeface="Segoe UI Semibold" panose="020B0702040204020203" pitchFamily="34" charset="0"/>
-                <a:cs typeface="Segoe UI Semibold" panose="020B0702040204020203" pitchFamily="34" charset="0"/>
-              </a:rPr>
-              <a:t>Μεταβάσεις</a:t>
-            </a:r>
-            <a:r>
-              <a:rPr lang="el-GR" dirty="0">
-                <a:solidFill>
-                  <a:prstClr val="black">
-                    <a:lumMod val="75000"/>
-                    <a:lumOff val="25000"/>
-                  </a:prstClr>
-                </a:solidFill>
-                <a:cs typeface="Segoe UI"/>
-              </a:rPr>
-              <a:t> &gt; </a:t>
-            </a:r>
-            <a:r>
-              <a:rPr lang="el-GR" dirty="0">
-                <a:solidFill>
-                  <a:srgbClr val="D24726"/>
-                </a:solidFill>
-                <a:latin typeface="Segoe UI Semibold" panose="020B0702040204020203" pitchFamily="34" charset="0"/>
-                <a:cs typeface="Segoe UI Semibold" panose="020B0702040204020203" pitchFamily="34" charset="0"/>
-              </a:rPr>
-              <a:t>Μεταμόρφωση</a:t>
-            </a:r>
-            <a:r>
-              <a:rPr lang="el-GR" dirty="0">
-                <a:solidFill>
-                  <a:prstClr val="black">
-                    <a:lumMod val="75000"/>
-                    <a:lumOff val="25000"/>
-                  </a:prstClr>
-                </a:solidFill>
-                <a:latin typeface="Segoe UI" panose="020B0502040204020203" pitchFamily="34" charset="0"/>
-                <a:cs typeface="Segoe UI" panose="020B0502040204020203" pitchFamily="34" charset="0"/>
-              </a:rPr>
-              <a:t>.</a:t>
-            </a:r>
-          </a:p>
-        </p:txBody>
-      </p:sp>
-      <p:pic>
-        <p:nvPicPr>
-          <p:cNvPr id="6" name="Εικόνα 5"/>
-          <p:cNvPicPr>
-            <a:picLocks noChangeAspect="1"/>
-          </p:cNvPicPr>
-          <p:nvPr/>
-        </p:nvPicPr>
-        <p:blipFill>
-          <a:blip r:embed="rId4" cstate="print">
-            <a:extLst>
-              <a:ext uri="{28A0092B-C50C-407E-A947-70E740481C1C}">
-                <a14:useLocalDpi xmlns:a14="http://schemas.microsoft.com/office/drawing/2010/main" val="0"/>
-              </a:ext>
-            </a:extLst>
-          </a:blip>
-          <a:stretch>
-            <a:fillRect/>
-          </a:stretch>
-        </p:blipFill>
-        <p:spPr>
-          <a:xfrm>
-            <a:off x="3683896" y="3217634"/>
-            <a:ext cx="2468760" cy="1069872"/>
-          </a:xfrm>
-          <a:prstGeom prst="rect">
-            <a:avLst/>
-          </a:prstGeom>
-        </p:spPr>
-      </p:pic>
-      <p:grpSp>
-        <p:nvGrpSpPr>
-          <p:cNvPr id="26" name="Ομάδα 25" descr="Μικρός κύκλος με τον αριθμό 3 που υποδεικνύει το βήμα 3"/>
-          <p:cNvGrpSpPr/>
-          <p:nvPr/>
-        </p:nvGrpSpPr>
-        <p:grpSpPr bwMode="blackWhite">
-          <a:xfrm>
-            <a:off x="557319" y="4344232"/>
-            <a:ext cx="558179" cy="409838"/>
-            <a:chOff x="6953426" y="711274"/>
-            <a:chExt cx="558179" cy="409838"/>
-          </a:xfrm>
-        </p:grpSpPr>
-        <p:sp>
-          <p:nvSpPr>
-            <p:cNvPr id="27" name="Έλλειψη 26" descr="Μικρός κύκλος"/>
-            <p:cNvSpPr/>
-            <p:nvPr/>
-          </p:nvSpPr>
-          <p:spPr bwMode="blackWhite">
-            <a:xfrm>
-              <a:off x="7025069" y="711274"/>
-              <a:ext cx="409838" cy="409838"/>
-            </a:xfrm>
-            <a:prstGeom prst="ellipse">
-              <a:avLst/>
-            </a:prstGeom>
-            <a:solidFill>
-              <a:srgbClr val="D24726"/>
-            </a:solidFill>
-            <a:ln>
-              <a:noFill/>
-            </a:ln>
-          </p:spPr>
-          <p:style>
-            <a:lnRef idx="2">
-              <a:schemeClr val="accent1">
-                <a:shade val="50000"/>
-              </a:schemeClr>
-            </a:lnRef>
-            <a:fillRef idx="1">
-              <a:schemeClr val="accent1"/>
-            </a:fillRef>
-            <a:effectRef idx="0">
-              <a:schemeClr val="accent1"/>
-            </a:effectRef>
-            <a:fontRef idx="minor">
-              <a:schemeClr val="lt1"/>
-            </a:fontRef>
-          </p:style>
-          <p:txBody>
-            <a:bodyPr rtlCol="0" anchor="ctr"/>
-            <a:lstStyle/>
-            <a:p>
-              <a:pPr algn="ctr" rtl="0"/>
-              <a:endParaRPr lang="el-GR" dirty="0"/>
-            </a:p>
-          </p:txBody>
-        </p:sp>
-        <p:sp>
-          <p:nvSpPr>
-            <p:cNvPr id="28" name="Πλαίσιο κειμένου 27" descr="Αριθμός 3"/>
-            <p:cNvSpPr txBox="1">
-              <a:spLocks noChangeAspect="1"/>
-            </p:cNvSpPr>
-            <p:nvPr/>
-          </p:nvSpPr>
-          <p:spPr bwMode="blackWhite">
-            <a:xfrm>
-              <a:off x="6953426" y="727564"/>
-              <a:ext cx="558179" cy="369332"/>
-            </a:xfrm>
-            <a:prstGeom prst="rect">
-              <a:avLst/>
-            </a:prstGeom>
-            <a:noFill/>
-          </p:spPr>
-          <p:txBody>
-            <a:bodyPr wrap="square" rtlCol="0">
-              <a:spAutoFit/>
-            </a:bodyPr>
-            <a:lstStyle/>
-            <a:p>
-              <a:pPr algn="ctr" rtl="0"/>
-              <a:r>
-                <a:rPr lang="el-GR" dirty="0">
-                  <a:solidFill>
-                    <a:schemeClr val="bg1"/>
-                  </a:solidFill>
-                  <a:latin typeface="Segoe UI Semibold" panose="020B0702040204020203" pitchFamily="34" charset="0"/>
-                  <a:cs typeface="Segoe UI Semibold" panose="020B0702040204020203" pitchFamily="34" charset="0"/>
-                </a:rPr>
-                <a:t>3</a:t>
-              </a:r>
-            </a:p>
-          </p:txBody>
-        </p:sp>
-      </p:grpSp>
-      <p:sp>
-        <p:nvSpPr>
-          <p:cNvPr id="29" name="Θέση περιεχομένου 17"/>
-          <p:cNvSpPr txBox="1">
-            <a:spLocks/>
-          </p:cNvSpPr>
-          <p:nvPr/>
-        </p:nvSpPr>
-        <p:spPr>
-          <a:xfrm>
-            <a:off x="1076798" y="4360522"/>
-            <a:ext cx="2838937" cy="1423282"/>
-          </a:xfrm>
-          <a:prstGeom prst="rect">
-            <a:avLst/>
-          </a:prstGeom>
-        </p:spPr>
-        <p:txBody>
-          <a:bodyPr vert="horz" lIns="91440" tIns="45720" rIns="91440" bIns="45720" rtlCol="0">
-            <a:normAutofit fontScale="92500"/>
-          </a:bodyPr>
-          <a:lstStyle>
-            <a:lvl1pPr marL="228600" indent="-228600" algn="l" defTabSz="914400" rtl="0" eaLnBrk="1" latinLnBrk="0" hangingPunct="1">
-              <a:lnSpc>
-                <a:spcPts val="1800"/>
-              </a:lnSpc>
-              <a:spcBef>
-                <a:spcPts val="1000"/>
-              </a:spcBef>
-              <a:spcAft>
-                <a:spcPts val="1000"/>
-              </a:spcAft>
-              <a:buFont typeface="Arial" panose="020B0604020202020204" pitchFamily="34" charset="0"/>
-              <a:buChar char="•"/>
-              <a:defRPr lang="en-US" sz="1200" kern="1200" smtClean="0">
-                <a:solidFill>
-                  <a:schemeClr val="tx1">
-                    <a:lumMod val="75000"/>
-                    <a:lumOff val="25000"/>
-                  </a:schemeClr>
-                </a:solidFill>
-                <a:latin typeface="+mn-lt"/>
-                <a:ea typeface="+mn-ea"/>
-                <a:cs typeface="+mn-cs"/>
-              </a:defRPr>
-            </a:lvl1pPr>
-            <a:lvl2pPr marL="685800" indent="-228600" algn="l" defTabSz="914400" rtl="0" eaLnBrk="1" latinLnBrk="0" hangingPunct="1">
-              <a:lnSpc>
-                <a:spcPts val="1800"/>
-              </a:lnSpc>
-              <a:spcBef>
-                <a:spcPts val="1000"/>
-              </a:spcBef>
-              <a:spcAft>
-                <a:spcPts val="1000"/>
-              </a:spcAft>
-              <a:buFont typeface="Arial" panose="020B0604020202020204" pitchFamily="34" charset="0"/>
-              <a:buChar char="•"/>
-              <a:defRPr lang="en-US" sz="1200" kern="1200" smtClean="0">
-                <a:solidFill>
-                  <a:schemeClr val="tx1">
-                    <a:lumMod val="75000"/>
-                    <a:lumOff val="25000"/>
-                  </a:schemeClr>
-                </a:solidFill>
-                <a:latin typeface="+mn-lt"/>
-                <a:ea typeface="+mn-ea"/>
-                <a:cs typeface="+mn-cs"/>
-              </a:defRPr>
-            </a:lvl2pPr>
-            <a:lvl3pPr marL="1143000" indent="-228600" algn="l" defTabSz="914400" rtl="0" eaLnBrk="1" latinLnBrk="0" hangingPunct="1">
-              <a:lnSpc>
-                <a:spcPts val="1800"/>
-              </a:lnSpc>
-              <a:spcBef>
-                <a:spcPts val="1000"/>
-              </a:spcBef>
-              <a:spcAft>
-                <a:spcPts val="1000"/>
-              </a:spcAft>
-              <a:buFont typeface="Arial" panose="020B0604020202020204" pitchFamily="34" charset="0"/>
-              <a:buChar char="•"/>
-              <a:defRPr lang="en-US" sz="1200" kern="1200" smtClean="0">
-                <a:solidFill>
-                  <a:schemeClr val="tx1">
-                    <a:lumMod val="75000"/>
-                    <a:lumOff val="25000"/>
-                  </a:schemeClr>
-                </a:solidFill>
-                <a:latin typeface="+mn-lt"/>
-                <a:ea typeface="+mn-ea"/>
-                <a:cs typeface="+mn-cs"/>
-              </a:defRPr>
-            </a:lvl3pPr>
-            <a:lvl4pPr marL="1600200" indent="-228600" algn="l" defTabSz="914400" rtl="0" eaLnBrk="1" latinLnBrk="0" hangingPunct="1">
-              <a:lnSpc>
-                <a:spcPts val="1800"/>
-              </a:lnSpc>
-              <a:spcBef>
-                <a:spcPts val="1000"/>
-              </a:spcBef>
-              <a:spcAft>
-                <a:spcPts val="1000"/>
-              </a:spcAft>
-              <a:buFont typeface="Arial" panose="020B0604020202020204" pitchFamily="34" charset="0"/>
-              <a:buChar char="•"/>
-              <a:defRPr lang="en-US" sz="1200" kern="1200" smtClean="0">
-                <a:solidFill>
-                  <a:schemeClr val="tx1">
-                    <a:lumMod val="75000"/>
-                    <a:lumOff val="25000"/>
-                  </a:schemeClr>
-                </a:solidFill>
-                <a:latin typeface="+mn-lt"/>
-                <a:ea typeface="+mn-ea"/>
-                <a:cs typeface="+mn-cs"/>
-              </a:defRPr>
-            </a:lvl4pPr>
-            <a:lvl5pPr marL="2057400" indent="-228600" algn="l" defTabSz="914400" rtl="0" eaLnBrk="1" latinLnBrk="0" hangingPunct="1">
-              <a:lnSpc>
-                <a:spcPts val="1800"/>
-              </a:lnSpc>
-              <a:spcBef>
-                <a:spcPts val="1000"/>
-              </a:spcBef>
-              <a:spcAft>
-                <a:spcPts val="1000"/>
-              </a:spcAft>
-              <a:buFont typeface="Arial" panose="020B0604020202020204" pitchFamily="34" charset="0"/>
-              <a:buChar char="•"/>
-              <a:defRPr lang="en-US" sz="1200" kern="1200">
-                <a:solidFill>
-                  <a:schemeClr val="tx1">
-                    <a:lumMod val="75000"/>
-                    <a:lumOff val="25000"/>
-                  </a:schemeClr>
-                </a:solidFill>
-                <a:latin typeface="+mn-lt"/>
-                <a:ea typeface="+mn-ea"/>
-                <a:cs typeface="+mn-cs"/>
-              </a:defRPr>
-            </a:lvl5pPr>
-            <a:lvl6pPr marL="2514600" indent="-228600" algn="l" defTabSz="914400" rtl="0" eaLnBrk="1" latinLnBrk="0" hangingPunct="1">
-              <a:lnSpc>
-                <a:spcPct val="90000"/>
-              </a:lnSpc>
-              <a:spcBef>
-                <a:spcPct val="30000"/>
-              </a:spcBef>
-              <a:buFont typeface="Arial" panose="020B0604020202020204" pitchFamily="34" charset="0"/>
-              <a:buChar char="•"/>
-              <a:defRPr sz="1800" kern="1200">
-                <a:solidFill>
-                  <a:schemeClr val="tx1"/>
-                </a:solidFill>
-                <a:latin typeface="+mn-lt"/>
-                <a:ea typeface="+mn-ea"/>
-                <a:cs typeface="+mn-cs"/>
-              </a:defRPr>
-            </a:lvl6pPr>
-            <a:lvl7pPr marL="2971800" indent="-228600" algn="l" defTabSz="914400" rtl="0" eaLnBrk="1" latinLnBrk="0" hangingPunct="1">
-              <a:lnSpc>
-                <a:spcPct val="90000"/>
-              </a:lnSpc>
-              <a:spcBef>
-                <a:spcPct val="30000"/>
-              </a:spcBef>
-              <a:buFont typeface="Arial" panose="020B0604020202020204" pitchFamily="34" charset="0"/>
-              <a:buChar char="•"/>
-              <a:defRPr sz="1800" kern="1200">
-                <a:solidFill>
-                  <a:schemeClr val="tx1"/>
-                </a:solidFill>
-                <a:latin typeface="+mn-lt"/>
-                <a:ea typeface="+mn-ea"/>
-                <a:cs typeface="+mn-cs"/>
-              </a:defRPr>
-            </a:lvl7pPr>
-            <a:lvl8pPr marL="3429000" indent="-228600" algn="l" defTabSz="914400" rtl="0" eaLnBrk="1" latinLnBrk="0" hangingPunct="1">
-              <a:lnSpc>
-                <a:spcPct val="90000"/>
-              </a:lnSpc>
-              <a:spcBef>
-                <a:spcPct val="30000"/>
-              </a:spcBef>
-              <a:buFont typeface="Arial" panose="020B0604020202020204" pitchFamily="34" charset="0"/>
-              <a:buChar char="•"/>
-              <a:defRPr sz="1800" kern="1200">
-                <a:solidFill>
-                  <a:schemeClr val="tx1"/>
-                </a:solidFill>
-                <a:latin typeface="+mn-lt"/>
-                <a:ea typeface="+mn-ea"/>
-                <a:cs typeface="+mn-cs"/>
-              </a:defRPr>
-            </a:lvl8pPr>
-            <a:lvl9pPr marL="3886200" indent="-228600" algn="l" defTabSz="914400" rtl="0" eaLnBrk="1" latinLnBrk="0" hangingPunct="1">
-              <a:lnSpc>
-                <a:spcPct val="90000"/>
-              </a:lnSpc>
-              <a:spcBef>
-                <a:spcPct val="30000"/>
-              </a:spcBef>
-              <a:buFont typeface="Arial" panose="020B0604020202020204" pitchFamily="34" charset="0"/>
-              <a:buChar char="•"/>
-              <a:defRPr sz="1800" kern="1200">
-                <a:solidFill>
-                  <a:schemeClr val="tx1"/>
-                </a:solidFill>
-                <a:latin typeface="+mn-lt"/>
-                <a:ea typeface="+mn-ea"/>
-                <a:cs typeface="+mn-cs"/>
-              </a:defRPr>
-            </a:lvl9pPr>
-          </a:lstStyle>
-          <a:p>
-            <a:pPr marL="0" indent="0" rtl="0">
-              <a:spcAft>
-                <a:spcPts val="2000"/>
-              </a:spcAft>
-              <a:buNone/>
-            </a:pPr>
-            <a:r>
-              <a:rPr lang="el-GR" dirty="0">
-                <a:solidFill>
-                  <a:prstClr val="black">
-                    <a:lumMod val="75000"/>
-                    <a:lumOff val="25000"/>
-                  </a:prstClr>
-                </a:solidFill>
-                <a:latin typeface="Segoe UI" panose="020B0502040204020203" pitchFamily="34" charset="0"/>
-                <a:cs typeface="Segoe UI" panose="020B0502040204020203" pitchFamily="34" charset="0"/>
-              </a:rPr>
-              <a:t>Επιστρέψτε στην πρώτη από τις δύο διαφάνειες, πατήστε το κουμπί </a:t>
-            </a:r>
-            <a:r>
-              <a:rPr lang="el-GR" dirty="0">
-                <a:solidFill>
-                  <a:srgbClr val="D24726"/>
-                </a:solidFill>
-                <a:latin typeface="Segoe UI Semibold" panose="020B0702040204020203" pitchFamily="34" charset="0"/>
-                <a:cs typeface="Segoe UI Semibold" panose="020B0702040204020203" pitchFamily="34" charset="0"/>
-              </a:rPr>
-              <a:t>Προβολή παρουσίασης </a:t>
-            </a:r>
-            <a:r>
-              <a:rPr lang="el-GR" dirty="0">
-                <a:solidFill>
-                  <a:prstClr val="black">
-                    <a:lumMod val="75000"/>
-                    <a:lumOff val="25000"/>
-                  </a:prstClr>
-                </a:solidFill>
-                <a:latin typeface="Segoe UI" panose="020B0502040204020203" pitchFamily="34" charset="0"/>
-                <a:cs typeface="Segoe UI" panose="020B0502040204020203" pitchFamily="34" charset="0"/>
-              </a:rPr>
-              <a:t> και, στη συνέχεια, επιλέξτε</a:t>
-            </a:r>
-            <a:r>
-              <a:rPr lang="el-GR" dirty="0">
-                <a:solidFill>
-                  <a:prstClr val="black">
-                    <a:lumMod val="75000"/>
-                    <a:lumOff val="25000"/>
-                  </a:prstClr>
-                </a:solidFill>
-              </a:rPr>
-              <a:t> </a:t>
-            </a:r>
-            <a:r>
-              <a:rPr lang="el-GR" dirty="0">
-                <a:solidFill>
-                  <a:srgbClr val="D24726"/>
-                </a:solidFill>
-                <a:latin typeface="Segoe UI Semibold" panose="020B0702040204020203" pitchFamily="34" charset="0"/>
-                <a:cs typeface="Segoe UI Semibold" panose="020B0702040204020203" pitchFamily="34" charset="0"/>
-              </a:rPr>
-              <a:t>Αναπαραγωγή</a:t>
-            </a:r>
-            <a:r>
-              <a:rPr lang="el-GR" dirty="0">
-                <a:solidFill>
-                  <a:prstClr val="black">
-                    <a:lumMod val="75000"/>
-                    <a:lumOff val="25000"/>
-                  </a:prstClr>
-                </a:solidFill>
-              </a:rPr>
-              <a:t> </a:t>
-            </a:r>
-            <a:r>
-              <a:rPr lang="el-GR" dirty="0">
-                <a:solidFill>
-                  <a:prstClr val="black">
-                    <a:lumMod val="75000"/>
-                    <a:lumOff val="25000"/>
-                  </a:prstClr>
-                </a:solidFill>
-                <a:latin typeface="Segoe UI" panose="020B0502040204020203" pitchFamily="34" charset="0"/>
-                <a:cs typeface="Segoe UI" panose="020B0502040204020203" pitchFamily="34" charset="0"/>
-              </a:rPr>
-              <a:t> για να δείτε τον κύκλο σας να μεταμορφώνεται!</a:t>
-            </a:r>
-          </a:p>
-        </p:txBody>
-      </p:sp>
-      <p:pic>
-        <p:nvPicPr>
-          <p:cNvPr id="5" name="Εικόνα 4"/>
-          <p:cNvPicPr>
-            <a:picLocks noChangeAspect="1"/>
-          </p:cNvPicPr>
-          <p:nvPr/>
-        </p:nvPicPr>
-        <p:blipFill>
-          <a:blip r:embed="rId5" cstate="print">
-            <a:extLst>
-              <a:ext uri="{28A0092B-C50C-407E-A947-70E740481C1C}">
-                <a14:useLocalDpi xmlns:a14="http://schemas.microsoft.com/office/drawing/2010/main" val="0"/>
-              </a:ext>
-            </a:extLst>
-          </a:blip>
-          <a:stretch>
-            <a:fillRect/>
-          </a:stretch>
-        </p:blipFill>
-        <p:spPr>
-          <a:xfrm>
-            <a:off x="3915735" y="4344232"/>
-            <a:ext cx="2134319" cy="887083"/>
-          </a:xfrm>
-          <a:prstGeom prst="rect">
-            <a:avLst/>
-          </a:prstGeom>
-        </p:spPr>
-      </p:pic>
-      <p:sp>
-        <p:nvSpPr>
-          <p:cNvPr id="17" name="Θέση περιεχομένου 17"/>
-          <p:cNvSpPr txBox="1">
-            <a:spLocks/>
-          </p:cNvSpPr>
-          <p:nvPr/>
-        </p:nvSpPr>
-        <p:spPr>
-          <a:xfrm>
-            <a:off x="628962" y="5832234"/>
-            <a:ext cx="4238006" cy="692907"/>
-          </a:xfrm>
-          <a:prstGeom prst="rect">
-            <a:avLst/>
-          </a:prstGeom>
-        </p:spPr>
-        <p:txBody>
-          <a:bodyPr vert="horz" lIns="91440" tIns="45720" rIns="91440" bIns="45720" rtlCol="0">
-            <a:normAutofit/>
-          </a:bodyPr>
-          <a:lstStyle>
-            <a:lvl1pPr marL="228600" indent="-228600" algn="l" defTabSz="914400" rtl="0" eaLnBrk="1" latinLnBrk="0" hangingPunct="1">
-              <a:lnSpc>
-                <a:spcPts val="1800"/>
-              </a:lnSpc>
-              <a:spcBef>
-                <a:spcPts val="1000"/>
-              </a:spcBef>
-              <a:spcAft>
-                <a:spcPts val="1000"/>
-              </a:spcAft>
-              <a:buFont typeface="Arial" panose="020B0604020202020204" pitchFamily="34" charset="0"/>
-              <a:buChar char="•"/>
-              <a:defRPr lang="en-US" sz="1200" kern="1200" smtClean="0">
-                <a:solidFill>
-                  <a:schemeClr val="tx1">
-                    <a:lumMod val="75000"/>
-                    <a:lumOff val="25000"/>
-                  </a:schemeClr>
-                </a:solidFill>
-                <a:latin typeface="+mn-lt"/>
-                <a:ea typeface="+mn-ea"/>
-                <a:cs typeface="+mn-cs"/>
-              </a:defRPr>
-            </a:lvl1pPr>
-            <a:lvl2pPr marL="685800" indent="-228600" algn="l" defTabSz="914400" rtl="0" eaLnBrk="1" latinLnBrk="0" hangingPunct="1">
-              <a:lnSpc>
-                <a:spcPts val="1800"/>
-              </a:lnSpc>
-              <a:spcBef>
-                <a:spcPts val="1000"/>
-              </a:spcBef>
-              <a:spcAft>
-                <a:spcPts val="1000"/>
-              </a:spcAft>
-              <a:buFont typeface="Arial" panose="020B0604020202020204" pitchFamily="34" charset="0"/>
-              <a:buChar char="•"/>
-              <a:defRPr lang="en-US" sz="1200" kern="1200" smtClean="0">
-                <a:solidFill>
-                  <a:schemeClr val="tx1">
-                    <a:lumMod val="75000"/>
-                    <a:lumOff val="25000"/>
-                  </a:schemeClr>
-                </a:solidFill>
-                <a:latin typeface="+mn-lt"/>
-                <a:ea typeface="+mn-ea"/>
-                <a:cs typeface="+mn-cs"/>
-              </a:defRPr>
-            </a:lvl2pPr>
-            <a:lvl3pPr marL="1143000" indent="-228600" algn="l" defTabSz="914400" rtl="0" eaLnBrk="1" latinLnBrk="0" hangingPunct="1">
-              <a:lnSpc>
-                <a:spcPts val="1800"/>
-              </a:lnSpc>
-              <a:spcBef>
-                <a:spcPts val="1000"/>
-              </a:spcBef>
-              <a:spcAft>
-                <a:spcPts val="1000"/>
-              </a:spcAft>
-              <a:buFont typeface="Arial" panose="020B0604020202020204" pitchFamily="34" charset="0"/>
-              <a:buChar char="•"/>
-              <a:defRPr lang="en-US" sz="1200" kern="1200" smtClean="0">
-                <a:solidFill>
-                  <a:schemeClr val="tx1">
-                    <a:lumMod val="75000"/>
-                    <a:lumOff val="25000"/>
-                  </a:schemeClr>
-                </a:solidFill>
-                <a:latin typeface="+mn-lt"/>
-                <a:ea typeface="+mn-ea"/>
-                <a:cs typeface="+mn-cs"/>
-              </a:defRPr>
-            </a:lvl3pPr>
-            <a:lvl4pPr marL="1600200" indent="-228600" algn="l" defTabSz="914400" rtl="0" eaLnBrk="1" latinLnBrk="0" hangingPunct="1">
-              <a:lnSpc>
-                <a:spcPts val="1800"/>
-              </a:lnSpc>
-              <a:spcBef>
-                <a:spcPts val="1000"/>
-              </a:spcBef>
-              <a:spcAft>
-                <a:spcPts val="1000"/>
-              </a:spcAft>
-              <a:buFont typeface="Arial" panose="020B0604020202020204" pitchFamily="34" charset="0"/>
-              <a:buChar char="•"/>
-              <a:defRPr lang="en-US" sz="1200" kern="1200" smtClean="0">
-                <a:solidFill>
-                  <a:schemeClr val="tx1">
-                    <a:lumMod val="75000"/>
-                    <a:lumOff val="25000"/>
-                  </a:schemeClr>
-                </a:solidFill>
-                <a:latin typeface="+mn-lt"/>
-                <a:ea typeface="+mn-ea"/>
-                <a:cs typeface="+mn-cs"/>
-              </a:defRPr>
-            </a:lvl4pPr>
-            <a:lvl5pPr marL="2057400" indent="-228600" algn="l" defTabSz="914400" rtl="0" eaLnBrk="1" latinLnBrk="0" hangingPunct="1">
-              <a:lnSpc>
-                <a:spcPts val="1800"/>
-              </a:lnSpc>
-              <a:spcBef>
-                <a:spcPts val="1000"/>
-              </a:spcBef>
-              <a:spcAft>
-                <a:spcPts val="1000"/>
-              </a:spcAft>
-              <a:buFont typeface="Arial" panose="020B0604020202020204" pitchFamily="34" charset="0"/>
-              <a:buChar char="•"/>
-              <a:defRPr lang="en-US" sz="1200" kern="1200">
-                <a:solidFill>
-                  <a:schemeClr val="tx1">
-                    <a:lumMod val="75000"/>
-                    <a:lumOff val="25000"/>
-                  </a:schemeClr>
-                </a:solidFill>
-                <a:latin typeface="+mn-lt"/>
-                <a:ea typeface="+mn-ea"/>
-                <a:cs typeface="+mn-cs"/>
-              </a:defRPr>
-            </a:lvl5pPr>
-            <a:lvl6pPr marL="2514600" indent="-228600" algn="l" defTabSz="914400" rtl="0" eaLnBrk="1" latinLnBrk="0" hangingPunct="1">
-              <a:lnSpc>
-                <a:spcPct val="90000"/>
-              </a:lnSpc>
-              <a:spcBef>
-                <a:spcPct val="30000"/>
-              </a:spcBef>
-              <a:buFont typeface="Arial" panose="020B0604020202020204" pitchFamily="34" charset="0"/>
-              <a:buChar char="•"/>
-              <a:defRPr sz="1800" kern="1200">
-                <a:solidFill>
-                  <a:schemeClr val="tx1"/>
-                </a:solidFill>
-                <a:latin typeface="+mn-lt"/>
-                <a:ea typeface="+mn-ea"/>
-                <a:cs typeface="+mn-cs"/>
-              </a:defRPr>
-            </a:lvl6pPr>
-            <a:lvl7pPr marL="2971800" indent="-228600" algn="l" defTabSz="914400" rtl="0" eaLnBrk="1" latinLnBrk="0" hangingPunct="1">
-              <a:lnSpc>
-                <a:spcPct val="90000"/>
-              </a:lnSpc>
-              <a:spcBef>
-                <a:spcPct val="30000"/>
-              </a:spcBef>
-              <a:buFont typeface="Arial" panose="020B0604020202020204" pitchFamily="34" charset="0"/>
-              <a:buChar char="•"/>
-              <a:defRPr sz="1800" kern="1200">
-                <a:solidFill>
-                  <a:schemeClr val="tx1"/>
-                </a:solidFill>
-                <a:latin typeface="+mn-lt"/>
-                <a:ea typeface="+mn-ea"/>
-                <a:cs typeface="+mn-cs"/>
-              </a:defRPr>
-            </a:lvl7pPr>
-            <a:lvl8pPr marL="3429000" indent="-228600" algn="l" defTabSz="914400" rtl="0" eaLnBrk="1" latinLnBrk="0" hangingPunct="1">
-              <a:lnSpc>
-                <a:spcPct val="90000"/>
-              </a:lnSpc>
-              <a:spcBef>
-                <a:spcPct val="30000"/>
-              </a:spcBef>
-              <a:buFont typeface="Arial" panose="020B0604020202020204" pitchFamily="34" charset="0"/>
-              <a:buChar char="•"/>
-              <a:defRPr sz="1800" kern="1200">
-                <a:solidFill>
-                  <a:schemeClr val="tx1"/>
-                </a:solidFill>
-                <a:latin typeface="+mn-lt"/>
-                <a:ea typeface="+mn-ea"/>
-                <a:cs typeface="+mn-cs"/>
-              </a:defRPr>
-            </a:lvl8pPr>
-            <a:lvl9pPr marL="3886200" indent="-228600" algn="l" defTabSz="914400" rtl="0" eaLnBrk="1" latinLnBrk="0" hangingPunct="1">
-              <a:lnSpc>
-                <a:spcPct val="90000"/>
-              </a:lnSpc>
-              <a:spcBef>
-                <a:spcPct val="30000"/>
-              </a:spcBef>
-              <a:buFont typeface="Arial" panose="020B0604020202020204" pitchFamily="34" charset="0"/>
-              <a:buChar char="•"/>
-              <a:defRPr sz="1800" kern="1200">
-                <a:solidFill>
-                  <a:schemeClr val="tx1"/>
-                </a:solidFill>
-                <a:latin typeface="+mn-lt"/>
-                <a:ea typeface="+mn-ea"/>
-                <a:cs typeface="+mn-cs"/>
-              </a:defRPr>
-            </a:lvl9pPr>
-          </a:lstStyle>
-          <a:p>
-            <a:pPr marL="0" indent="0" rtl="0">
-              <a:spcAft>
-                <a:spcPts val="2000"/>
-              </a:spcAft>
-              <a:buNone/>
-            </a:pPr>
-            <a:r>
-              <a:rPr lang="el-GR" dirty="0">
-                <a:solidFill>
-                  <a:srgbClr val="D24726"/>
-                </a:solidFill>
-                <a:latin typeface="Segoe UI Semibold" panose="020B0702040204020203" pitchFamily="34" charset="0"/>
-                <a:cs typeface="Segoe UI Semibold" panose="020B0702040204020203" pitchFamily="34" charset="0"/>
-              </a:rPr>
-              <a:t>Συμβουλή: </a:t>
-            </a:r>
-            <a:r>
-              <a:rPr lang="el-GR" dirty="0">
-                <a:solidFill>
-                  <a:prstClr val="black">
-                    <a:lumMod val="75000"/>
-                    <a:lumOff val="25000"/>
-                  </a:prstClr>
-                </a:solidFill>
-              </a:rPr>
-              <a:t>Οι </a:t>
-            </a:r>
-            <a:r>
-              <a:rPr lang="el-GR" dirty="0">
-                <a:solidFill>
-                  <a:srgbClr val="404040"/>
-                </a:solidFill>
-                <a:latin typeface="Segoe UI Semibold" panose="020B0702040204020203" pitchFamily="34" charset="0"/>
-                <a:cs typeface="Segoe UI Semibold" panose="020B0702040204020203" pitchFamily="34" charset="0"/>
-              </a:rPr>
-              <a:t>Επιλογές εφέ </a:t>
-            </a:r>
-            <a:r>
-              <a:rPr lang="el-GR" dirty="0">
-                <a:solidFill>
-                  <a:prstClr val="black">
-                    <a:lumMod val="75000"/>
-                    <a:lumOff val="25000"/>
-                  </a:prstClr>
-                </a:solidFill>
-                <a:latin typeface="Segoe UI" panose="020B0502040204020203" pitchFamily="34" charset="0"/>
-                <a:cs typeface="Segoe UI" panose="020B0502040204020203" pitchFamily="34" charset="0"/>
-              </a:rPr>
-              <a:t>σάς παρέχουν ακόμη περισσότερες επιλογές για τη </a:t>
-            </a:r>
-            <a:r>
-              <a:rPr lang="el-GR" dirty="0">
-                <a:solidFill>
-                  <a:prstClr val="black">
-                    <a:lumMod val="75000"/>
-                    <a:lumOff val="25000"/>
-                  </a:prstClr>
-                </a:solidFill>
-                <a:latin typeface="Segoe UI Semibold" panose="020B0702040204020203" pitchFamily="34" charset="0"/>
-                <a:cs typeface="Segoe UI Semibold" panose="020B0702040204020203" pitchFamily="34" charset="0"/>
-              </a:rPr>
-              <a:t>Μεταμόρφωση</a:t>
-            </a:r>
-            <a:r>
-              <a:rPr lang="el-GR" dirty="0">
-                <a:solidFill>
-                  <a:prstClr val="black">
-                    <a:lumMod val="75000"/>
-                    <a:lumOff val="25000"/>
-                  </a:prstClr>
-                </a:solidFill>
-              </a:rPr>
-              <a:t>.</a:t>
-            </a:r>
-          </a:p>
-        </p:txBody>
-      </p:sp>
-      <p:cxnSp>
-        <p:nvCxnSpPr>
-          <p:cNvPr id="20" name="Ευθεία γραμμή σύνδεσης 19" descr="Ανοιχτή γκρι γραμμή που διαχωρίζει κείμενο και εικόνες για μεταμόρφωση"/>
-          <p:cNvCxnSpPr/>
-          <p:nvPr/>
-        </p:nvCxnSpPr>
-        <p:spPr>
-          <a:xfrm>
-            <a:off x="6296866" y="1472431"/>
-            <a:ext cx="0" cy="4892634"/>
-          </a:xfrm>
-          <a:prstGeom prst="line">
-            <a:avLst/>
-          </a:prstGeom>
-          <a:ln w="9525">
-            <a:solidFill>
-              <a:schemeClr val="bg2">
-                <a:lumMod val="90000"/>
-              </a:schemeClr>
-            </a:solidFill>
-          </a:ln>
-        </p:spPr>
-        <p:style>
-          <a:lnRef idx="1">
-            <a:schemeClr val="accent1"/>
-          </a:lnRef>
-          <a:fillRef idx="0">
-            <a:schemeClr val="accent1"/>
-          </a:fillRef>
-          <a:effectRef idx="0">
-            <a:schemeClr val="accent1"/>
-          </a:effectRef>
-          <a:fontRef idx="minor">
-            <a:schemeClr val="tx1"/>
-          </a:fontRef>
-        </p:style>
-      </p:cxnSp>
-      <p:sp>
-        <p:nvSpPr>
-          <p:cNvPr id="10" name="Έλλειψη 9" descr="Μεγάλος, μπλε κύκλος με ένα μικρό ανοιχτό μπλε κύκλο μέσα του"/>
-          <p:cNvSpPr/>
-          <p:nvPr/>
-        </p:nvSpPr>
-        <p:spPr>
-          <a:xfrm>
-            <a:off x="7236525" y="1944862"/>
-            <a:ext cx="3827244" cy="3743233"/>
-          </a:xfrm>
-          <a:prstGeom prst="ellipse">
-            <a:avLst/>
-          </a:prstGeom>
-          <a:solidFill>
-            <a:schemeClr val="accent1">
-              <a:lumMod val="75000"/>
-            </a:schemeClr>
-          </a:solidFill>
-          <a:ln>
-            <a:noFill/>
-          </a:ln>
-        </p:spPr>
-        <p:style>
-          <a:lnRef idx="2">
-            <a:schemeClr val="accent1">
-              <a:shade val="50000"/>
-            </a:schemeClr>
-          </a:lnRef>
-          <a:fillRef idx="1">
-            <a:schemeClr val="accent1"/>
-          </a:fillRef>
-          <a:effectRef idx="0">
-            <a:schemeClr val="accent1"/>
-          </a:effectRef>
-          <a:fontRef idx="minor">
-            <a:schemeClr val="lt1"/>
-          </a:fontRef>
-        </p:style>
-        <p:txBody>
-          <a:bodyPr rtlCol="0" anchor="ctr"/>
-          <a:lstStyle/>
-          <a:p>
-            <a:pPr marL="0" marR="0" lvl="0" indent="0" algn="ctr" defTabSz="914400" rtl="0" eaLnBrk="1" fontAlgn="auto" latinLnBrk="0" hangingPunct="1">
-              <a:lnSpc>
-                <a:spcPct val="100000"/>
-              </a:lnSpc>
-              <a:spcBef>
-                <a:spcPts val="0"/>
-              </a:spcBef>
-              <a:spcAft>
-                <a:spcPts val="0"/>
-              </a:spcAft>
-              <a:buClrTx/>
-              <a:buSzTx/>
-              <a:buFontTx/>
-              <a:buNone/>
-              <a:tabLst/>
-              <a:defRPr/>
-            </a:pPr>
-            <a:endParaRPr kumimoji="0" lang="el-GR" sz="1800" b="0" i="0" u="none" strike="noStrike" kern="0" cap="none" spc="0" normalizeH="0" baseline="0" dirty="0">
-              <a:ln>
-                <a:noFill/>
-              </a:ln>
-              <a:solidFill>
-                <a:sysClr val="windowText" lastClr="000000"/>
-              </a:solidFill>
-              <a:effectLst/>
-              <a:uLnTx/>
-              <a:uFillTx/>
-            </a:endParaRPr>
-          </a:p>
-        </p:txBody>
-      </p:sp>
-      <p:sp>
-        <p:nvSpPr>
-          <p:cNvPr id="11" name="Έλλειψη 10" descr="Μικρός ανοιχτός μπλε κύκλος μέσα σε μεγάλο σκούρο μπλε κύκλο"/>
-          <p:cNvSpPr/>
-          <p:nvPr/>
-        </p:nvSpPr>
-        <p:spPr bwMode="ltGray">
-          <a:xfrm>
-            <a:off x="8086223" y="2796642"/>
-            <a:ext cx="2148929" cy="2101759"/>
-          </a:xfrm>
-          <a:prstGeom prst="ellipse">
-            <a:avLst/>
-          </a:prstGeom>
-          <a:solidFill>
-            <a:schemeClr val="accent1">
-              <a:lumMod val="40000"/>
-              <a:lumOff val="60000"/>
-            </a:schemeClr>
-          </a:solidFill>
-          <a:ln>
-            <a:noFill/>
-          </a:ln>
-        </p:spPr>
-        <p:style>
-          <a:lnRef idx="2">
-            <a:schemeClr val="accent1">
-              <a:shade val="50000"/>
-            </a:schemeClr>
-          </a:lnRef>
-          <a:fillRef idx="1">
-            <a:schemeClr val="accent1"/>
-          </a:fillRef>
-          <a:effectRef idx="0">
-            <a:schemeClr val="accent1"/>
-          </a:effectRef>
-          <a:fontRef idx="minor">
-            <a:schemeClr val="lt1"/>
-          </a:fontRef>
-        </p:style>
-        <p:txBody>
-          <a:bodyPr rtlCol="0" anchor="ctr"/>
-          <a:lstStyle/>
-          <a:p>
-            <a:pPr marL="0" marR="0" lvl="0" indent="0" algn="ctr" defTabSz="914400" rtl="0" eaLnBrk="1" fontAlgn="auto" latinLnBrk="0" hangingPunct="1">
-              <a:lnSpc>
-                <a:spcPct val="100000"/>
-              </a:lnSpc>
-              <a:spcBef>
-                <a:spcPts val="0"/>
-              </a:spcBef>
-              <a:spcAft>
-                <a:spcPts val="0"/>
-              </a:spcAft>
-              <a:buClrTx/>
-              <a:buSzTx/>
-              <a:buFontTx/>
-              <a:buNone/>
-              <a:tabLst/>
-              <a:defRPr/>
-            </a:pPr>
-            <a:endParaRPr kumimoji="0" lang="el-GR" sz="1800" b="0" i="0" u="none" strike="noStrike" kern="0" cap="none" spc="0" normalizeH="0" baseline="0" dirty="0">
-              <a:ln>
-                <a:noFill/>
-              </a:ln>
-              <a:solidFill>
-                <a:sysClr val="windowText" lastClr="000000"/>
-              </a:solidFill>
-              <a:effectLst/>
-              <a:uLnTx/>
-              <a:uFillTx/>
-            </a:endParaRPr>
-          </a:p>
-        </p:txBody>
-      </p:sp>
     </p:spTree>
     <p:extLst>
       <p:ext uri="{BB962C8B-B14F-4D97-AF65-F5344CB8AC3E}">
@@ -12976,7 +9244,7 @@
 </p:sld>
 </file>
 
-<file path=ppt/slides/slide9.xml><?xml version="1.0" encoding="utf-8"?>
+<file path=ppt/slides/slide8.xml><?xml version="1.0" encoding="utf-8"?>
 <p:sld xmlns:a="http://schemas.openxmlformats.org/drawingml/2006/main" xmlns:r="http://schemas.openxmlformats.org/officeDocument/2006/relationships" xmlns:p="http://schemas.openxmlformats.org/presentationml/2006/main">
   <p:cSld>
     <p:spTree>
@@ -13016,8 +9284,19 @@
                 <a:latin typeface="Segoe UI Light" panose="020B0502040204020203" pitchFamily="34" charset="0"/>
                 <a:cs typeface="Segoe UI Light" panose="020B0502040204020203" pitchFamily="34" charset="0"/>
               </a:rPr>
-              <a:t>Συνεργασία σε πραγματικό χρόνο</a:t>
-            </a:r>
+              <a:t>-Μηχανική Μάθηση στο </a:t>
+            </a:r>
+            <a:r>
+              <a:rPr lang="en-US" dirty="0">
+                <a:latin typeface="Segoe UI Light" panose="020B0502040204020203" pitchFamily="34" charset="0"/>
+                <a:cs typeface="Segoe UI Light" panose="020B0502040204020203" pitchFamily="34" charset="0"/>
+              </a:rPr>
+              <a:t>NBA</a:t>
+            </a:r>
+            <a:endParaRPr lang="el-GR" dirty="0">
+              <a:latin typeface="Segoe UI Light" panose="020B0502040204020203" pitchFamily="34" charset="0"/>
+              <a:cs typeface="Segoe UI Light" panose="020B0502040204020203" pitchFamily="34" charset="0"/>
+            </a:endParaRPr>
           </a:p>
         </p:txBody>
       </p:sp>
@@ -13056,7 +9335,7 @@
               <a:buNone/>
             </a:pPr>
             <a:r>
-              <a:rPr lang="el-GR" sz="1200" dirty="0">
+              <a:rPr lang="en-US" sz="1400" dirty="0">
                 <a:solidFill>
                   <a:prstClr val="black">
                     <a:lumMod val="75000"/>
@@ -13066,10 +9345,36 @@
                 <a:latin typeface="Segoe UI" panose="020B0502040204020203" pitchFamily="34" charset="0"/>
                 <a:cs typeface="Segoe UI" panose="020B0502040204020203" pitchFamily="34" charset="0"/>
               </a:rPr>
-              <a:t>Όταν κάνετε κοινή χρήση της παρουσίασής σας με άλλους χρήστες, θα τους βλέπετε να εργάζονται μαζί σας την ίδια στιγμή. </a:t>
+              <a:t>M</a:t>
+            </a:r>
+            <a:r>
+              <a:rPr lang="el-GR" sz="1400" dirty="0">
+                <a:solidFill>
+                  <a:prstClr val="black">
+                    <a:lumMod val="75000"/>
+                    <a:lumOff val="25000"/>
+                  </a:prstClr>
+                </a:solidFill>
+                <a:latin typeface="Segoe UI" panose="020B0502040204020203" pitchFamily="34" charset="0"/>
+                <a:cs typeface="Segoe UI" panose="020B0502040204020203" pitchFamily="34" charset="0"/>
+              </a:rPr>
+              <a:t>έσω της μηχανικής μάθησης υπήρξε η δυνατότητα εντοπισμού των 8 τύπων παικτών του </a:t>
+            </a:r>
+            <a:r>
+              <a:rPr lang="en-US" sz="1400" dirty="0">
+                <a:solidFill>
+                  <a:prstClr val="black">
+                    <a:lumMod val="75000"/>
+                    <a:lumOff val="25000"/>
+                  </a:prstClr>
+                </a:solidFill>
+                <a:latin typeface="Segoe UI" panose="020B0502040204020203" pitchFamily="34" charset="0"/>
+                <a:cs typeface="Segoe UI" panose="020B0502040204020203" pitchFamily="34" charset="0"/>
+              </a:rPr>
+              <a:t>NBA.</a:t>
             </a:r>
             <a:br>
-              <a:rPr lang="el-GR" sz="1200" dirty="0">
+              <a:rPr lang="el-GR" sz="1400" dirty="0">
                 <a:solidFill>
                   <a:prstClr val="black">
                     <a:lumMod val="75000"/>
@@ -13081,7 +9386,7 @@
               </a:rPr>
             </a:br>
             <a:br>
-              <a:rPr lang="el-GR" sz="1200" dirty="0">
+              <a:rPr lang="el-GR" sz="1400" dirty="0">
                 <a:solidFill>
                   <a:prstClr val="black">
                     <a:lumMod val="75000"/>
@@ -13093,7 +9398,7 @@
               </a:rPr>
             </a:br>
             <a:r>
-              <a:rPr lang="el-GR" sz="1200" dirty="0">
+              <a:rPr lang="el-GR" sz="1400" dirty="0">
                 <a:solidFill>
                   <a:prstClr val="black">
                     <a:lumMod val="75000"/>
@@ -13108,36 +9413,6 @@
           </a:p>
         </p:txBody>
       </p:sp>
-      <p:pic>
-        <p:nvPicPr>
-          <p:cNvPr id="11" name="Εικόνα 10"/>
-          <p:cNvPicPr>
-            <a:picLocks noChangeAspect="1"/>
-          </p:cNvPicPr>
-          <p:nvPr/>
-        </p:nvPicPr>
-        <p:blipFill>
-          <a:blip r:embed="rId3">
-            <a:extLst>
-              <a:ext uri="{28A0092B-C50C-407E-A947-70E740481C1C}">
-                <a14:useLocalDpi xmlns:a14="http://schemas.microsoft.com/office/drawing/2010/main" val="0"/>
-              </a:ext>
-            </a:extLst>
-          </a:blip>
-          <a:stretch>
-            <a:fillRect/>
-          </a:stretch>
-        </p:blipFill>
-        <p:spPr>
-          <a:xfrm>
-            <a:off x="561984" y="2425111"/>
-            <a:ext cx="3262550" cy="1475659"/>
-          </a:xfrm>
-          <a:prstGeom prst="rect">
-            <a:avLst/>
-          </a:prstGeom>
-        </p:spPr>
-      </p:pic>
       <p:grpSp>
         <p:nvGrpSpPr>
           <p:cNvPr id="33" name="Ομάδα 32" descr="Μικρός κύκλος με τον αριθμό 1 που υποδεικνύει το βήμα 1"/>
@@ -13146,7 +9421,7 @@
         </p:nvGrpSpPr>
         <p:grpSpPr bwMode="blackWhite">
           <a:xfrm>
-            <a:off x="558723" y="4531632"/>
+            <a:off x="490084" y="2570939"/>
             <a:ext cx="558179" cy="409838"/>
             <a:chOff x="6953426" y="711274"/>
             <a:chExt cx="558179" cy="409838"/>
@@ -13245,8 +9520,8 @@
         </p:nvSpPr>
         <p:spPr>
           <a:xfrm>
-            <a:off x="1066039" y="4571824"/>
-            <a:ext cx="2696774" cy="1831562"/>
+            <a:off x="1040204" y="2544923"/>
+            <a:ext cx="2696774" cy="2059734"/>
           </a:xfrm>
           <a:prstGeom prst="rect">
             <a:avLst/>
@@ -13458,7 +9733,7 @@
               <a:buNone/>
             </a:pPr>
             <a:r>
-              <a:rPr lang="el-GR" dirty="0">
+              <a:rPr lang="el-GR" sz="1400" dirty="0">
                 <a:solidFill>
                   <a:prstClr val="black">
                     <a:lumMod val="75000"/>
@@ -13468,20 +9743,23 @@
                 <a:latin typeface="Segoe UI" panose="020B0502040204020203" pitchFamily="34" charset="0"/>
                 <a:cs typeface="Segoe UI" panose="020B0502040204020203" pitchFamily="34" charset="0"/>
               </a:rPr>
-              <a:t>Επιλέξτε </a:t>
-            </a:r>
-            <a:r>
-              <a:rPr lang="el-GR" dirty="0">
-                <a:solidFill>
-                  <a:srgbClr val="D24726"/>
+              <a:t>Η απόκτηση των δεδομένων έγινε μέσω του </a:t>
+            </a:r>
+            <a:r>
+              <a:rPr lang="en-US" sz="1400" dirty="0">
+                <a:solidFill>
+                  <a:prstClr val="black">
+                    <a:lumMod val="75000"/>
+                    <a:lumOff val="25000"/>
+                  </a:prstClr>
                 </a:solidFill>
                 <a:latin typeface="Segoe UI" panose="020B0502040204020203" pitchFamily="34" charset="0"/>
                 <a:cs typeface="Segoe UI" panose="020B0502040204020203" pitchFamily="34" charset="0"/>
               </a:rPr>
-              <a:t>Κοινή χρήση</a:t>
-            </a:r>
-            <a:r>
-              <a:rPr lang="el-GR" dirty="0">
+              <a:t>Selenium with Python</a:t>
+            </a:r>
+            <a:r>
+              <a:rPr lang="el-GR" sz="1400" dirty="0">
                 <a:solidFill>
                   <a:prstClr val="black">
                     <a:lumMod val="75000"/>
@@ -13491,110 +9769,11 @@
                 <a:latin typeface="Segoe UI" panose="020B0502040204020203" pitchFamily="34" charset="0"/>
                 <a:cs typeface="Segoe UI" panose="020B0502040204020203" pitchFamily="34" charset="0"/>
               </a:rPr>
-              <a:t> από την κορδέλα ή χρησιμοποιώντας τον συνδυασμό πλήκτρων </a:t>
-            </a:r>
-            <a:r>
-              <a:rPr lang="el-GR" dirty="0" err="1">
-                <a:solidFill>
-                  <a:srgbClr val="D24726"/>
-                </a:solidFill>
-                <a:latin typeface="Segoe UI" panose="020B0502040204020203" pitchFamily="34" charset="0"/>
-                <a:cs typeface="Segoe UI" panose="020B0502040204020203" pitchFamily="34" charset="0"/>
-              </a:rPr>
-              <a:t>Alt</a:t>
-            </a:r>
-            <a:r>
-              <a:rPr lang="el-GR" dirty="0">
-                <a:solidFill>
-                  <a:srgbClr val="D24726"/>
-                </a:solidFill>
-                <a:latin typeface="Segoe UI" panose="020B0502040204020203" pitchFamily="34" charset="0"/>
-                <a:cs typeface="Segoe UI" panose="020B0502040204020203" pitchFamily="34" charset="0"/>
-              </a:rPr>
-              <a:t>-Υ</a:t>
-            </a:r>
-            <a:r>
-              <a:rPr lang="en-US" dirty="0">
-                <a:solidFill>
-                  <a:srgbClr val="D24726"/>
-                </a:solidFill>
-                <a:latin typeface="Segoe UI" panose="020B0502040204020203" pitchFamily="34" charset="0"/>
-                <a:cs typeface="Segoe UI" panose="020B0502040204020203" pitchFamily="34" charset="0"/>
-              </a:rPr>
-              <a:t>U</a:t>
-            </a:r>
-            <a:r>
-              <a:rPr lang="el-GR" dirty="0">
-                <a:solidFill>
-                  <a:prstClr val="black">
-                    <a:lumMod val="75000"/>
-                    <a:lumOff val="25000"/>
-                  </a:prstClr>
-                </a:solidFill>
-                <a:latin typeface="Segoe UI" panose="020B0502040204020203" pitchFamily="34" charset="0"/>
-                <a:cs typeface="Segoe UI" panose="020B0502040204020203" pitchFamily="34" charset="0"/>
-              </a:rPr>
-              <a:t>, για να προσκαλέσετε άτομα για να εργαστούν μαζί σας. (Μπορείτε να αποθηκεύσετε στο </a:t>
-            </a:r>
-            <a:r>
-              <a:rPr lang="el-GR" dirty="0" err="1">
-                <a:solidFill>
-                  <a:prstClr val="black">
-                    <a:lumMod val="75000"/>
-                    <a:lumOff val="25000"/>
-                  </a:prstClr>
-                </a:solidFill>
-                <a:latin typeface="Segoe UI" panose="020B0502040204020203" pitchFamily="34" charset="0"/>
-                <a:cs typeface="Segoe UI" panose="020B0502040204020203" pitchFamily="34" charset="0"/>
-              </a:rPr>
-              <a:t>cloud</a:t>
-            </a:r>
-            <a:r>
-              <a:rPr lang="el-GR" dirty="0">
-                <a:solidFill>
-                  <a:prstClr val="black">
-                    <a:lumMod val="75000"/>
-                    <a:lumOff val="25000"/>
-                  </a:prstClr>
-                </a:solidFill>
-                <a:latin typeface="Segoe UI" panose="020B0502040204020203" pitchFamily="34" charset="0"/>
-                <a:cs typeface="Segoe UI" panose="020B0502040204020203" pitchFamily="34" charset="0"/>
-              </a:rPr>
-              <a:t> σε αυτό το σημείο.)</a:t>
+              <a:t> και το κατώφλι είναι 40 αγωνιστικά παιχνίδια. Στο σύνολο αυτό υπάρχουν 547 παίκτες και56 χαρακτηριστικά από το 2014  έως και το 2017. </a:t>
             </a:r>
           </a:p>
         </p:txBody>
       </p:sp>
-      <p:pic>
-        <p:nvPicPr>
-          <p:cNvPr id="9" name="Εικόνα 8"/>
-          <p:cNvPicPr>
-            <a:picLocks noChangeAspect="1"/>
-          </p:cNvPicPr>
-          <p:nvPr/>
-        </p:nvPicPr>
-        <p:blipFill>
-          <a:blip r:embed="rId4" cstate="print">
-            <a:extLst>
-              <a:ext uri="{28A0092B-C50C-407E-A947-70E740481C1C}">
-                <a14:useLocalDpi xmlns:a14="http://schemas.microsoft.com/office/drawing/2010/main" val="0"/>
-              </a:ext>
-            </a:extLst>
-          </a:blip>
-          <a:stretch>
-            <a:fillRect/>
-          </a:stretch>
-        </p:blipFill>
-        <p:spPr>
-          <a:xfrm>
-            <a:off x="3865261" y="2434307"/>
-            <a:ext cx="3833874" cy="2512927"/>
-          </a:xfrm>
-          <a:prstGeom prst="rect">
-            <a:avLst/>
-          </a:prstGeom>
-        </p:spPr>
-      </p:pic>
       <p:grpSp>
         <p:nvGrpSpPr>
           <p:cNvPr id="36" name="Ομάδα 35" descr="Μικρός κύκλος με τον αριθμό 2 που υποδεικνύει το βήμα 2"/>
@@ -13603,7 +9782,7 @@
         </p:nvGrpSpPr>
         <p:grpSpPr bwMode="blackWhite">
           <a:xfrm>
-            <a:off x="4249102" y="4531632"/>
+            <a:off x="3995520" y="2561850"/>
             <a:ext cx="558179" cy="409838"/>
             <a:chOff x="6953426" y="711274"/>
             <a:chExt cx="558179" cy="409838"/>
@@ -13702,8 +9881,8 @@
         </p:nvSpPr>
         <p:spPr>
           <a:xfrm>
-            <a:off x="4747855" y="4571824"/>
-            <a:ext cx="3106367" cy="1324053"/>
+            <a:off x="4553699" y="2544923"/>
+            <a:ext cx="3520508" cy="3120020"/>
           </a:xfrm>
           <a:prstGeom prst="rect">
             <a:avLst/>
@@ -13711,7 +9890,7 @@
         </p:spPr>
         <p:txBody>
           <a:bodyPr vert="horz" lIns="91440" tIns="45720" rIns="91440" bIns="45720" rtlCol="0">
-            <a:normAutofit/>
+            <a:noAutofit/>
           </a:bodyPr>
           <a:lstStyle>
             <a:lvl1pPr marL="228600" indent="-228600" algn="l" defTabSz="914400" rtl="0" eaLnBrk="1" latinLnBrk="0" hangingPunct="1">
@@ -13908,58 +10087,55 @@
             </a:lvl9pPr>
           </a:lstStyle>
           <a:p>
-            <a:pPr marL="0" indent="0" rtl="0">
+            <a:pPr marL="0" indent="0">
               <a:spcAft>
                 <a:spcPts val="2000"/>
               </a:spcAft>
               <a:buNone/>
             </a:pPr>
             <a:r>
-              <a:rPr lang="el-GR" dirty="0">
-                <a:solidFill>
-                  <a:prstClr val="black">
-                    <a:lumMod val="75000"/>
-                    <a:lumOff val="25000"/>
-                  </a:prstClr>
-                </a:solidFill>
-                <a:latin typeface="Segoe UI" panose="020B0502040204020203" pitchFamily="34" charset="0"/>
-                <a:cs typeface="Segoe UI" panose="020B0502040204020203" pitchFamily="34" charset="0"/>
+              <a:rPr lang="el-GR" sz="1400" dirty="0"/>
+              <a:t>Στα δεδομένα μεγάλης διαστάσεως, ο όγκος του χώρου αυξάνει με αποτέλεσμα τα διαθέσιμα δεδομένα να καταστούν αραιά. Αυτό είναι γνωστό ως " </a:t>
+            </a:r>
+            <a:r>
+              <a:rPr lang="el-GR" sz="1400" dirty="0">
+                <a:hlinkClick r:id="rId3"/>
               </a:rPr>
-              <a:t>Όταν άλλα άτομα βρίσκονται στην παρουσίαση, ένας δείκτης δείχνει ποιος βρίσκεται σε ποια διαφάνεια...</a:t>
-            </a:r>
+              <a:t>Κατάρα της </a:t>
+            </a:r>
+            <a:r>
+              <a:rPr lang="el-GR" sz="1400" dirty="0" err="1">
+                <a:hlinkClick r:id="rId3"/>
+              </a:rPr>
+              <a:t>Διατομείας</a:t>
+            </a:r>
+            <a:r>
+              <a:rPr lang="el-GR" sz="1400" dirty="0"/>
+              <a:t> "  Σε αυτή τη μελέτη, κάθε διάσταση αντιπροσωπεύεται από τις στατιστικές χαρακτηριστικών ενός παίκτη και για να επιτευχθεί ένα στατιστικώς σωστό αποτέλεσμα, η ποσότητα των δεδομένων πρέπει να μειωθεί με την απόκτηση ενός συνόλου βασικών στοιχείων, </a:t>
+            </a:r>
+            <a:r>
+              <a:rPr lang="el-GR" sz="1400" dirty="0">
+                <a:hlinkClick r:id="rId4"/>
+              </a:rPr>
+              <a:t>την ανάλυση γραμμικής διακρίσεως (LDA)</a:t>
+            </a:r>
+            <a:r>
+              <a:rPr lang="el-GR" sz="1400" dirty="0"/>
+              <a:t> .</a:t>
+            </a:r>
+            <a:endParaRPr lang="el-GR" sz="1400" dirty="0">
+              <a:solidFill>
+                <a:prstClr val="black">
+                  <a:lumMod val="75000"/>
+                  <a:lumOff val="25000"/>
+                </a:prstClr>
+              </a:solidFill>
+              <a:latin typeface="Segoe UI" panose="020B0502040204020203" pitchFamily="34" charset="0"/>
+              <a:cs typeface="Segoe UI" panose="020B0502040204020203" pitchFamily="34" charset="0"/>
+            </a:endParaRPr>
           </a:p>
         </p:txBody>
       </p:sp>
-      <p:pic>
-        <p:nvPicPr>
-          <p:cNvPr id="12" name="Εικόνα 11"/>
-          <p:cNvPicPr>
-            <a:picLocks noChangeAspect="1"/>
-          </p:cNvPicPr>
-          <p:nvPr/>
-        </p:nvPicPr>
-        <p:blipFill>
-          <a:blip r:embed="rId5" cstate="print">
-            <a:extLst>
-              <a:ext uri="{28A0092B-C50C-407E-A947-70E740481C1C}">
-                <a14:useLocalDpi xmlns:a14="http://schemas.microsoft.com/office/drawing/2010/main" val="0"/>
-              </a:ext>
-            </a:extLst>
-          </a:blip>
-          <a:stretch>
-            <a:fillRect/>
-          </a:stretch>
-        </p:blipFill>
-        <p:spPr>
-          <a:xfrm>
-            <a:off x="7899419" y="2350394"/>
-            <a:ext cx="3563782" cy="2305343"/>
-          </a:xfrm>
-          <a:prstGeom prst="rect">
-            <a:avLst/>
-          </a:prstGeom>
-        </p:spPr>
-      </p:pic>
       <p:grpSp>
         <p:nvGrpSpPr>
           <p:cNvPr id="39" name="Ομάδα 38" descr="Μικρός κύκλος με τον αριθμό 3 που υποδεικνύει το βήμα 3"/>
@@ -13968,7 +10144,7 @@
         </p:nvGrpSpPr>
         <p:grpSpPr bwMode="blackWhite">
           <a:xfrm>
-            <a:off x="7930921" y="4531632"/>
+            <a:off x="8002564" y="2587229"/>
             <a:ext cx="558179" cy="409838"/>
             <a:chOff x="6953426" y="711274"/>
             <a:chExt cx="558179" cy="409838"/>
@@ -14067,8 +10243,442 @@
         </p:nvSpPr>
         <p:spPr>
           <a:xfrm>
-            <a:off x="8429668" y="4571824"/>
-            <a:ext cx="2658635" cy="697760"/>
+            <a:off x="8560743" y="2544923"/>
+            <a:ext cx="3069530" cy="4697646"/>
+          </a:xfrm>
+          <a:prstGeom prst="rect">
+            <a:avLst/>
+          </a:prstGeom>
+        </p:spPr>
+        <p:txBody>
+          <a:bodyPr vert="horz" lIns="91440" tIns="45720" rIns="91440" bIns="45720" rtlCol="0">
+            <a:noAutofit/>
+          </a:bodyPr>
+          <a:lstStyle>
+            <a:lvl1pPr marL="228600" indent="-228600" algn="l" defTabSz="914400" rtl="0" eaLnBrk="1" latinLnBrk="0" hangingPunct="1">
+              <a:lnSpc>
+                <a:spcPts val="1800"/>
+              </a:lnSpc>
+              <a:spcBef>
+                <a:spcPts val="1000"/>
+              </a:spcBef>
+              <a:spcAft>
+                <a:spcPts val="1000"/>
+              </a:spcAft>
+              <a:buFont typeface="Arial" panose="020B0604020202020204" pitchFamily="34" charset="0"/>
+              <a:buChar char="•"/>
+              <a:defRPr lang="en-US" sz="1200" kern="1200" smtClean="0">
+                <a:solidFill>
+                  <a:schemeClr val="tx1">
+                    <a:lumMod val="75000"/>
+                    <a:lumOff val="25000"/>
+                  </a:schemeClr>
+                </a:solidFill>
+                <a:latin typeface="+mn-lt"/>
+                <a:ea typeface="+mn-ea"/>
+                <a:cs typeface="+mn-cs"/>
+              </a:defRPr>
+            </a:lvl1pPr>
+            <a:lvl2pPr marL="685800" indent="-228600" algn="l" defTabSz="914400" rtl="0" eaLnBrk="1" latinLnBrk="0" hangingPunct="1">
+              <a:lnSpc>
+                <a:spcPts val="1800"/>
+              </a:lnSpc>
+              <a:spcBef>
+                <a:spcPts val="1000"/>
+              </a:spcBef>
+              <a:spcAft>
+                <a:spcPts val="1000"/>
+              </a:spcAft>
+              <a:buFont typeface="Arial" panose="020B0604020202020204" pitchFamily="34" charset="0"/>
+              <a:buChar char="•"/>
+              <a:defRPr lang="en-US" sz="1200" kern="1200" smtClean="0">
+                <a:solidFill>
+                  <a:schemeClr val="tx1">
+                    <a:lumMod val="75000"/>
+                    <a:lumOff val="25000"/>
+                  </a:schemeClr>
+                </a:solidFill>
+                <a:latin typeface="+mn-lt"/>
+                <a:ea typeface="+mn-ea"/>
+                <a:cs typeface="+mn-cs"/>
+              </a:defRPr>
+            </a:lvl2pPr>
+            <a:lvl3pPr marL="1143000" indent="-228600" algn="l" defTabSz="914400" rtl="0" eaLnBrk="1" latinLnBrk="0" hangingPunct="1">
+              <a:lnSpc>
+                <a:spcPts val="1800"/>
+              </a:lnSpc>
+              <a:spcBef>
+                <a:spcPts val="1000"/>
+              </a:spcBef>
+              <a:spcAft>
+                <a:spcPts val="1000"/>
+              </a:spcAft>
+              <a:buFont typeface="Arial" panose="020B0604020202020204" pitchFamily="34" charset="0"/>
+              <a:buChar char="•"/>
+              <a:defRPr lang="en-US" sz="1200" kern="1200" smtClean="0">
+                <a:solidFill>
+                  <a:schemeClr val="tx1">
+                    <a:lumMod val="75000"/>
+                    <a:lumOff val="25000"/>
+                  </a:schemeClr>
+                </a:solidFill>
+                <a:latin typeface="+mn-lt"/>
+                <a:ea typeface="+mn-ea"/>
+                <a:cs typeface="+mn-cs"/>
+              </a:defRPr>
+            </a:lvl3pPr>
+            <a:lvl4pPr marL="1600200" indent="-228600" algn="l" defTabSz="914400" rtl="0" eaLnBrk="1" latinLnBrk="0" hangingPunct="1">
+              <a:lnSpc>
+                <a:spcPts val="1800"/>
+              </a:lnSpc>
+              <a:spcBef>
+                <a:spcPts val="1000"/>
+              </a:spcBef>
+              <a:spcAft>
+                <a:spcPts val="1000"/>
+              </a:spcAft>
+              <a:buFont typeface="Arial" panose="020B0604020202020204" pitchFamily="34" charset="0"/>
+              <a:buChar char="•"/>
+              <a:defRPr lang="en-US" sz="1200" kern="1200" smtClean="0">
+                <a:solidFill>
+                  <a:schemeClr val="tx1">
+                    <a:lumMod val="75000"/>
+                    <a:lumOff val="25000"/>
+                  </a:schemeClr>
+                </a:solidFill>
+                <a:latin typeface="+mn-lt"/>
+                <a:ea typeface="+mn-ea"/>
+                <a:cs typeface="+mn-cs"/>
+              </a:defRPr>
+            </a:lvl4pPr>
+            <a:lvl5pPr marL="2057400" indent="-228600" algn="l" defTabSz="914400" rtl="0" eaLnBrk="1" latinLnBrk="0" hangingPunct="1">
+              <a:lnSpc>
+                <a:spcPts val="1800"/>
+              </a:lnSpc>
+              <a:spcBef>
+                <a:spcPts val="1000"/>
+              </a:spcBef>
+              <a:spcAft>
+                <a:spcPts val="1000"/>
+              </a:spcAft>
+              <a:buFont typeface="Arial" panose="020B0604020202020204" pitchFamily="34" charset="0"/>
+              <a:buChar char="•"/>
+              <a:defRPr lang="en-US" sz="1200" kern="1200">
+                <a:solidFill>
+                  <a:schemeClr val="tx1">
+                    <a:lumMod val="75000"/>
+                    <a:lumOff val="25000"/>
+                  </a:schemeClr>
+                </a:solidFill>
+                <a:latin typeface="+mn-lt"/>
+                <a:ea typeface="+mn-ea"/>
+                <a:cs typeface="+mn-cs"/>
+              </a:defRPr>
+            </a:lvl5pPr>
+            <a:lvl6pPr marL="2514600" indent="-228600" algn="l" defTabSz="914400" rtl="0" eaLnBrk="1" latinLnBrk="0" hangingPunct="1">
+              <a:lnSpc>
+                <a:spcPct val="90000"/>
+              </a:lnSpc>
+              <a:spcBef>
+                <a:spcPct val="30000"/>
+              </a:spcBef>
+              <a:buFont typeface="Arial" panose="020B0604020202020204" pitchFamily="34" charset="0"/>
+              <a:buChar char="•"/>
+              <a:defRPr sz="1800" kern="1200">
+                <a:solidFill>
+                  <a:schemeClr val="tx1"/>
+                </a:solidFill>
+                <a:latin typeface="+mn-lt"/>
+                <a:ea typeface="+mn-ea"/>
+                <a:cs typeface="+mn-cs"/>
+              </a:defRPr>
+            </a:lvl6pPr>
+            <a:lvl7pPr marL="2971800" indent="-228600" algn="l" defTabSz="914400" rtl="0" eaLnBrk="1" latinLnBrk="0" hangingPunct="1">
+              <a:lnSpc>
+                <a:spcPct val="90000"/>
+              </a:lnSpc>
+              <a:spcBef>
+                <a:spcPct val="30000"/>
+              </a:spcBef>
+              <a:buFont typeface="Arial" panose="020B0604020202020204" pitchFamily="34" charset="0"/>
+              <a:buChar char="•"/>
+              <a:defRPr sz="1800" kern="1200">
+                <a:solidFill>
+                  <a:schemeClr val="tx1"/>
+                </a:solidFill>
+                <a:latin typeface="+mn-lt"/>
+                <a:ea typeface="+mn-ea"/>
+                <a:cs typeface="+mn-cs"/>
+              </a:defRPr>
+            </a:lvl7pPr>
+            <a:lvl8pPr marL="3429000" indent="-228600" algn="l" defTabSz="914400" rtl="0" eaLnBrk="1" latinLnBrk="0" hangingPunct="1">
+              <a:lnSpc>
+                <a:spcPct val="90000"/>
+              </a:lnSpc>
+              <a:spcBef>
+                <a:spcPct val="30000"/>
+              </a:spcBef>
+              <a:buFont typeface="Arial" panose="020B0604020202020204" pitchFamily="34" charset="0"/>
+              <a:buChar char="•"/>
+              <a:defRPr sz="1800" kern="1200">
+                <a:solidFill>
+                  <a:schemeClr val="tx1"/>
+                </a:solidFill>
+                <a:latin typeface="+mn-lt"/>
+                <a:ea typeface="+mn-ea"/>
+                <a:cs typeface="+mn-cs"/>
+              </a:defRPr>
+            </a:lvl8pPr>
+            <a:lvl9pPr marL="3886200" indent="-228600" algn="l" defTabSz="914400" rtl="0" eaLnBrk="1" latinLnBrk="0" hangingPunct="1">
+              <a:lnSpc>
+                <a:spcPct val="90000"/>
+              </a:lnSpc>
+              <a:spcBef>
+                <a:spcPct val="30000"/>
+              </a:spcBef>
+              <a:buFont typeface="Arial" panose="020B0604020202020204" pitchFamily="34" charset="0"/>
+              <a:buChar char="•"/>
+              <a:defRPr sz="1800" kern="1200">
+                <a:solidFill>
+                  <a:schemeClr val="tx1"/>
+                </a:solidFill>
+                <a:latin typeface="+mn-lt"/>
+                <a:ea typeface="+mn-ea"/>
+                <a:cs typeface="+mn-cs"/>
+              </a:defRPr>
+            </a:lvl9pPr>
+          </a:lstStyle>
+          <a:p>
+            <a:pPr marL="0" indent="0">
+              <a:spcAft>
+                <a:spcPts val="2000"/>
+              </a:spcAft>
+              <a:buNone/>
+            </a:pPr>
+            <a:r>
+              <a:rPr lang="el-GR" sz="1400" dirty="0">
+                <a:solidFill>
+                  <a:prstClr val="black">
+                    <a:lumMod val="75000"/>
+                    <a:lumOff val="25000"/>
+                  </a:prstClr>
+                </a:solidFill>
+                <a:latin typeface="Segoe UI" panose="020B0502040204020203" pitchFamily="34" charset="0"/>
+                <a:cs typeface="Segoe UI" panose="020B0502040204020203" pitchFamily="34" charset="0"/>
+              </a:rPr>
+              <a:t>Ο αλγόριθμος για το </a:t>
+            </a:r>
+            <a:r>
+              <a:rPr lang="en-US" sz="1400" dirty="0">
+                <a:solidFill>
+                  <a:prstClr val="black">
+                    <a:lumMod val="75000"/>
+                    <a:lumOff val="25000"/>
+                  </a:prstClr>
+                </a:solidFill>
+                <a:latin typeface="Segoe UI" panose="020B0502040204020203" pitchFamily="34" charset="0"/>
+                <a:cs typeface="Segoe UI" panose="020B0502040204020203" pitchFamily="34" charset="0"/>
+              </a:rPr>
+              <a:t>clustering </a:t>
+            </a:r>
+            <a:r>
+              <a:rPr lang="el-GR" sz="1400" dirty="0">
+                <a:solidFill>
+                  <a:prstClr val="black">
+                    <a:lumMod val="75000"/>
+                    <a:lumOff val="25000"/>
+                  </a:prstClr>
+                </a:solidFill>
+                <a:latin typeface="Segoe UI" panose="020B0502040204020203" pitchFamily="34" charset="0"/>
+                <a:cs typeface="Segoe UI" panose="020B0502040204020203" pitchFamily="34" charset="0"/>
+              </a:rPr>
+              <a:t>που χρησιμοποιήθηκε είναι ο </a:t>
+            </a:r>
+            <a:r>
+              <a:rPr lang="en-US" sz="1400" u="sng" dirty="0">
+                <a:solidFill>
+                  <a:prstClr val="black">
+                    <a:lumMod val="75000"/>
+                    <a:lumOff val="25000"/>
+                  </a:prstClr>
+                </a:solidFill>
+                <a:latin typeface="Segoe UI" panose="020B0502040204020203" pitchFamily="34" charset="0"/>
+                <a:cs typeface="Segoe UI" panose="020B0502040204020203" pitchFamily="34" charset="0"/>
+              </a:rPr>
+              <a:t>K-means</a:t>
+            </a:r>
+            <a:r>
+              <a:rPr lang="en-US" sz="1400" dirty="0">
+                <a:solidFill>
+                  <a:prstClr val="black">
+                    <a:lumMod val="75000"/>
+                    <a:lumOff val="25000"/>
+                  </a:prstClr>
+                </a:solidFill>
+                <a:latin typeface="Segoe UI" panose="020B0502040204020203" pitchFamily="34" charset="0"/>
+                <a:cs typeface="Segoe UI" panose="020B0502040204020203" pitchFamily="34" charset="0"/>
+              </a:rPr>
+              <a:t>. </a:t>
+            </a:r>
+            <a:r>
+              <a:rPr lang="el-GR" sz="1400" dirty="0">
+                <a:solidFill>
+                  <a:prstClr val="black">
+                    <a:lumMod val="75000"/>
+                    <a:lumOff val="25000"/>
+                  </a:prstClr>
+                </a:solidFill>
+                <a:latin typeface="Segoe UI" panose="020B0502040204020203" pitchFamily="34" charset="0"/>
+                <a:cs typeface="Segoe UI" panose="020B0502040204020203" pitchFamily="34" charset="0"/>
+              </a:rPr>
+              <a:t>Αυτή η εργασία βασίστηκε, </a:t>
+            </a:r>
+            <a:r>
+              <a:rPr lang="el-GR" sz="1400" dirty="0"/>
+              <a:t>στην καλύτερη </a:t>
+            </a:r>
+            <a:r>
+              <a:rPr lang="el-GR" sz="1400" dirty="0">
+                <a:hlinkClick r:id="rId5"/>
+              </a:rPr>
+              <a:t>βαθμολογία σιλουέτας</a:t>
+            </a:r>
+            <a:r>
+              <a:rPr lang="el-GR" sz="1400" dirty="0"/>
+              <a:t>  για να βγουν οι 8 τύποι παικτών, η οποία είναι ένα μέτρο του πόσο παρόμοιο είναι ένα αντικείμενο με το δικό του σύμπλεγμα σε σύγκριση με άλλα σμήνη. Η βαθμολογία σιλουέτας κυμαίνεται από -1 έως 1. Εάν τα clusters έχουν υψηλή τιμή, τότε η διάταξη συμπλέγματος είναι κατάλληλη.</a:t>
+            </a:r>
+            <a:endParaRPr lang="el-GR" sz="1400" dirty="0">
+              <a:solidFill>
+                <a:prstClr val="black">
+                  <a:lumMod val="75000"/>
+                  <a:lumOff val="25000"/>
+                </a:prstClr>
+              </a:solidFill>
+              <a:latin typeface="Segoe UI" panose="020B0502040204020203" pitchFamily="34" charset="0"/>
+              <a:cs typeface="Segoe UI" panose="020B0502040204020203" pitchFamily="34" charset="0"/>
+            </a:endParaRPr>
+          </a:p>
+        </p:txBody>
+      </p:sp>
+      <p:pic>
+        <p:nvPicPr>
+          <p:cNvPr id="4" name="Εικόνα 3">
+            <a:extLst>
+              <a:ext uri="{FF2B5EF4-FFF2-40B4-BE49-F238E27FC236}">
+                <a16:creationId xmlns:a16="http://schemas.microsoft.com/office/drawing/2014/main" id="{9F3A1C38-FAD7-4D39-AC4F-5824688139F8}"/>
+              </a:ext>
+            </a:extLst>
+          </p:cNvPr>
+          <p:cNvPicPr>
+            <a:picLocks noChangeAspect="1"/>
+          </p:cNvPicPr>
+          <p:nvPr/>
+        </p:nvPicPr>
+        <p:blipFill>
+          <a:blip r:embed="rId6">
+            <a:extLst>
+              <a:ext uri="{28A0092B-C50C-407E-A947-70E740481C1C}">
+                <a14:useLocalDpi xmlns:a14="http://schemas.microsoft.com/office/drawing/2010/main" val="0"/>
+              </a:ext>
+            </a:extLst>
+          </a:blip>
+          <a:stretch>
+            <a:fillRect/>
+          </a:stretch>
+        </p:blipFill>
+        <p:spPr>
+          <a:xfrm>
+            <a:off x="0" y="4276077"/>
+            <a:ext cx="3205518" cy="2581923"/>
+          </a:xfrm>
+          <a:prstGeom prst="rect">
+            <a:avLst/>
+          </a:prstGeom>
+        </p:spPr>
+      </p:pic>
+    </p:spTree>
+    <p:extLst>
+      <p:ext uri="{BB962C8B-B14F-4D97-AF65-F5344CB8AC3E}">
+        <p14:creationId xmlns:p14="http://schemas.microsoft.com/office/powerpoint/2010/main" val="1328676004"/>
+      </p:ext>
+    </p:extLst>
+  </p:cSld>
+  <p:clrMapOvr>
+    <a:masterClrMapping/>
+  </p:clrMapOvr>
+  <mc:AlternateContent xmlns:mc="http://schemas.openxmlformats.org/markup-compatibility/2006" xmlns:p14="http://schemas.microsoft.com/office/powerpoint/2010/main">
+    <mc:Choice Requires="p14">
+      <p:transition p14:dur="10"/>
+    </mc:Choice>
+    <mc:Fallback xmlns="">
+      <p:transition/>
+    </mc:Fallback>
+  </mc:AlternateContent>
+</p:sld>
+</file>
+
+<file path=ppt/slides/slide9.xml><?xml version="1.0" encoding="utf-8"?>
+<p:sld xmlns:a="http://schemas.openxmlformats.org/drawingml/2006/main" xmlns:r="http://schemas.openxmlformats.org/officeDocument/2006/relationships" xmlns:p="http://schemas.openxmlformats.org/presentationml/2006/main">
+  <p:cSld>
+    <p:spTree>
+      <p:nvGrpSpPr>
+        <p:cNvPr id="1" name=""/>
+        <p:cNvGrpSpPr/>
+        <p:nvPr/>
+      </p:nvGrpSpPr>
+      <p:grpSpPr>
+        <a:xfrm>
+          <a:off x="0" y="0"/>
+          <a:ext cx="0" cy="0"/>
+          <a:chOff x="0" y="0"/>
+          <a:chExt cx="0" cy="0"/>
+        </a:xfrm>
+      </p:grpSpPr>
+      <p:sp>
+        <p:nvSpPr>
+          <p:cNvPr id="6" name="Τίτλος 5"/>
+          <p:cNvSpPr>
+            <a:spLocks noGrp="1"/>
+          </p:cNvSpPr>
+          <p:nvPr>
+            <p:ph type="title"/>
+          </p:nvPr>
+        </p:nvSpPr>
+        <p:spPr>
+          <a:xfrm>
+            <a:off x="521207" y="448056"/>
+            <a:ext cx="10667903" cy="640080"/>
+          </a:xfrm>
+        </p:spPr>
+        <p:txBody>
+          <a:bodyPr rtlCol="0">
+            <a:normAutofit/>
+          </a:bodyPr>
+          <a:lstStyle/>
+          <a:p>
+            <a:pPr rtl="0"/>
+            <a:r>
+              <a:rPr lang="el-GR" dirty="0">
+                <a:latin typeface="Segoe UI Light" panose="020B0502040204020203" pitchFamily="34" charset="0"/>
+                <a:cs typeface="Segoe UI Light" panose="020B0502040204020203" pitchFamily="34" charset="0"/>
+              </a:rPr>
+              <a:t>Αποκτήστε την εμπειρία των ειδικών με το πλαίσιο "Πείτε μου"</a:t>
+            </a:r>
+          </a:p>
+        </p:txBody>
+      </p:sp>
+      <p:sp>
+        <p:nvSpPr>
+          <p:cNvPr id="38" name="Θέση περιεχομένου 17"/>
+          <p:cNvSpPr txBox="1">
+            <a:spLocks/>
+          </p:cNvSpPr>
+          <p:nvPr/>
+        </p:nvSpPr>
+        <p:spPr>
+          <a:xfrm>
+            <a:off x="541609" y="1296100"/>
+            <a:ext cx="5110161" cy="1236475"/>
           </a:xfrm>
           <a:prstGeom prst="rect">
             <a:avLst/>
@@ -14279,8 +10889,342 @@
               </a:spcAft>
               <a:buNone/>
             </a:pPr>
-            <a:r>
-              <a:rPr lang="el-GR" dirty="0">
+            <a:endParaRPr lang="el-GR" dirty="0">
+              <a:latin typeface="Segoe UI" panose="020B0502040204020203" pitchFamily="34" charset="0"/>
+              <a:cs typeface="Segoe UI" panose="020B0502040204020203" pitchFamily="34" charset="0"/>
+            </a:endParaRPr>
+          </a:p>
+        </p:txBody>
+      </p:sp>
+      <p:grpSp>
+        <p:nvGrpSpPr>
+          <p:cNvPr id="4" name="Ομάδα 3" descr="Μικρός κύκλος με τον αριθμό 1 που υποδεικνύει το βήμα 1"/>
+          <p:cNvGrpSpPr/>
+          <p:nvPr/>
+        </p:nvGrpSpPr>
+        <p:grpSpPr bwMode="blackWhite">
+          <a:xfrm>
+            <a:off x="359519" y="2557455"/>
+            <a:ext cx="558179" cy="409838"/>
+            <a:chOff x="6953426" y="711274"/>
+            <a:chExt cx="558179" cy="409838"/>
+          </a:xfrm>
+        </p:grpSpPr>
+        <p:sp>
+          <p:nvSpPr>
+            <p:cNvPr id="2" name="Έλλειψη 1" descr="Μικρός κύκλος"/>
+            <p:cNvSpPr/>
+            <p:nvPr/>
+          </p:nvSpPr>
+          <p:spPr bwMode="blackWhite">
+            <a:xfrm>
+              <a:off x="7025069" y="711274"/>
+              <a:ext cx="409838" cy="409838"/>
+            </a:xfrm>
+            <a:prstGeom prst="ellipse">
+              <a:avLst/>
+            </a:prstGeom>
+            <a:solidFill>
+              <a:srgbClr val="D24726"/>
+            </a:solidFill>
+            <a:ln>
+              <a:noFill/>
+            </a:ln>
+          </p:spPr>
+          <p:style>
+            <a:lnRef idx="2">
+              <a:schemeClr val="accent1">
+                <a:shade val="50000"/>
+              </a:schemeClr>
+            </a:lnRef>
+            <a:fillRef idx="1">
+              <a:schemeClr val="accent1"/>
+            </a:fillRef>
+            <a:effectRef idx="0">
+              <a:schemeClr val="accent1"/>
+            </a:effectRef>
+            <a:fontRef idx="minor">
+              <a:schemeClr val="lt1"/>
+            </a:fontRef>
+          </p:style>
+          <p:txBody>
+            <a:bodyPr rtlCol="0" anchor="ctr"/>
+            <a:lstStyle/>
+            <a:p>
+              <a:pPr algn="ctr" rtl="0"/>
+              <a:endParaRPr lang="el-GR" dirty="0"/>
+            </a:p>
+          </p:txBody>
+        </p:sp>
+        <p:sp>
+          <p:nvSpPr>
+            <p:cNvPr id="3" name="Πλαίσιο κειμένου 2" descr="Αριθμός 1"/>
+            <p:cNvSpPr txBox="1">
+              <a:spLocks noChangeAspect="1"/>
+            </p:cNvSpPr>
+            <p:nvPr/>
+          </p:nvSpPr>
+          <p:spPr bwMode="blackWhite">
+            <a:xfrm>
+              <a:off x="6953426" y="727564"/>
+              <a:ext cx="558179" cy="369332"/>
+            </a:xfrm>
+            <a:prstGeom prst="rect">
+              <a:avLst/>
+            </a:prstGeom>
+            <a:noFill/>
+          </p:spPr>
+          <p:txBody>
+            <a:bodyPr wrap="square" rtlCol="0">
+              <a:spAutoFit/>
+            </a:bodyPr>
+            <a:lstStyle/>
+            <a:p>
+              <a:pPr algn="ctr" rtl="0"/>
+              <a:r>
+                <a:rPr lang="el-GR" dirty="0">
+                  <a:solidFill>
+                    <a:schemeClr val="bg1"/>
+                  </a:solidFill>
+                  <a:latin typeface="Segoe UI Semibold" panose="020B0702040204020203" pitchFamily="34" charset="0"/>
+                  <a:cs typeface="Segoe UI Semibold" panose="020B0702040204020203" pitchFamily="34" charset="0"/>
+                </a:rPr>
+                <a:t>4</a:t>
+              </a:r>
+            </a:p>
+          </p:txBody>
+        </p:sp>
+      </p:grpSp>
+      <p:sp>
+        <p:nvSpPr>
+          <p:cNvPr id="29" name="Θέση περιεχομένου 17"/>
+          <p:cNvSpPr txBox="1">
+            <a:spLocks/>
+          </p:cNvSpPr>
+          <p:nvPr/>
+        </p:nvSpPr>
+        <p:spPr>
+          <a:xfrm>
+            <a:off x="881909" y="2581671"/>
+            <a:ext cx="4217878" cy="3212440"/>
+          </a:xfrm>
+          <a:prstGeom prst="rect">
+            <a:avLst/>
+          </a:prstGeom>
+        </p:spPr>
+        <p:txBody>
+          <a:bodyPr vert="horz" lIns="91440" tIns="45720" rIns="91440" bIns="45720" rtlCol="0">
+            <a:normAutofit/>
+          </a:bodyPr>
+          <a:lstStyle>
+            <a:lvl1pPr marL="228600" indent="-228600" algn="l" defTabSz="914400" rtl="0" eaLnBrk="1" latinLnBrk="0" hangingPunct="1">
+              <a:lnSpc>
+                <a:spcPts val="1800"/>
+              </a:lnSpc>
+              <a:spcBef>
+                <a:spcPts val="1000"/>
+              </a:spcBef>
+              <a:spcAft>
+                <a:spcPts val="1000"/>
+              </a:spcAft>
+              <a:buFont typeface="Arial" panose="020B0604020202020204" pitchFamily="34" charset="0"/>
+              <a:buChar char="•"/>
+              <a:defRPr lang="en-US" sz="1200" kern="1200" smtClean="0">
+                <a:solidFill>
+                  <a:schemeClr val="tx1">
+                    <a:lumMod val="75000"/>
+                    <a:lumOff val="25000"/>
+                  </a:schemeClr>
+                </a:solidFill>
+                <a:latin typeface="+mn-lt"/>
+                <a:ea typeface="+mn-ea"/>
+                <a:cs typeface="+mn-cs"/>
+              </a:defRPr>
+            </a:lvl1pPr>
+            <a:lvl2pPr marL="685800" indent="-228600" algn="l" defTabSz="914400" rtl="0" eaLnBrk="1" latinLnBrk="0" hangingPunct="1">
+              <a:lnSpc>
+                <a:spcPts val="1800"/>
+              </a:lnSpc>
+              <a:spcBef>
+                <a:spcPts val="1000"/>
+              </a:spcBef>
+              <a:spcAft>
+                <a:spcPts val="1000"/>
+              </a:spcAft>
+              <a:buFont typeface="Arial" panose="020B0604020202020204" pitchFamily="34" charset="0"/>
+              <a:buChar char="•"/>
+              <a:defRPr lang="en-US" sz="1200" kern="1200" smtClean="0">
+                <a:solidFill>
+                  <a:schemeClr val="tx1">
+                    <a:lumMod val="75000"/>
+                    <a:lumOff val="25000"/>
+                  </a:schemeClr>
+                </a:solidFill>
+                <a:latin typeface="+mn-lt"/>
+                <a:ea typeface="+mn-ea"/>
+                <a:cs typeface="+mn-cs"/>
+              </a:defRPr>
+            </a:lvl2pPr>
+            <a:lvl3pPr marL="1143000" indent="-228600" algn="l" defTabSz="914400" rtl="0" eaLnBrk="1" latinLnBrk="0" hangingPunct="1">
+              <a:lnSpc>
+                <a:spcPts val="1800"/>
+              </a:lnSpc>
+              <a:spcBef>
+                <a:spcPts val="1000"/>
+              </a:spcBef>
+              <a:spcAft>
+                <a:spcPts val="1000"/>
+              </a:spcAft>
+              <a:buFont typeface="Arial" panose="020B0604020202020204" pitchFamily="34" charset="0"/>
+              <a:buChar char="•"/>
+              <a:defRPr lang="en-US" sz="1200" kern="1200" smtClean="0">
+                <a:solidFill>
+                  <a:schemeClr val="tx1">
+                    <a:lumMod val="75000"/>
+                    <a:lumOff val="25000"/>
+                  </a:schemeClr>
+                </a:solidFill>
+                <a:latin typeface="+mn-lt"/>
+                <a:ea typeface="+mn-ea"/>
+                <a:cs typeface="+mn-cs"/>
+              </a:defRPr>
+            </a:lvl3pPr>
+            <a:lvl4pPr marL="1600200" indent="-228600" algn="l" defTabSz="914400" rtl="0" eaLnBrk="1" latinLnBrk="0" hangingPunct="1">
+              <a:lnSpc>
+                <a:spcPts val="1800"/>
+              </a:lnSpc>
+              <a:spcBef>
+                <a:spcPts val="1000"/>
+              </a:spcBef>
+              <a:spcAft>
+                <a:spcPts val="1000"/>
+              </a:spcAft>
+              <a:buFont typeface="Arial" panose="020B0604020202020204" pitchFamily="34" charset="0"/>
+              <a:buChar char="•"/>
+              <a:defRPr lang="en-US" sz="1200" kern="1200" smtClean="0">
+                <a:solidFill>
+                  <a:schemeClr val="tx1">
+                    <a:lumMod val="75000"/>
+                    <a:lumOff val="25000"/>
+                  </a:schemeClr>
+                </a:solidFill>
+                <a:latin typeface="+mn-lt"/>
+                <a:ea typeface="+mn-ea"/>
+                <a:cs typeface="+mn-cs"/>
+              </a:defRPr>
+            </a:lvl4pPr>
+            <a:lvl5pPr marL="2057400" indent="-228600" algn="l" defTabSz="914400" rtl="0" eaLnBrk="1" latinLnBrk="0" hangingPunct="1">
+              <a:lnSpc>
+                <a:spcPts val="1800"/>
+              </a:lnSpc>
+              <a:spcBef>
+                <a:spcPts val="1000"/>
+              </a:spcBef>
+              <a:spcAft>
+                <a:spcPts val="1000"/>
+              </a:spcAft>
+              <a:buFont typeface="Arial" panose="020B0604020202020204" pitchFamily="34" charset="0"/>
+              <a:buChar char="•"/>
+              <a:defRPr lang="en-US" sz="1200" kern="1200">
+                <a:solidFill>
+                  <a:schemeClr val="tx1">
+                    <a:lumMod val="75000"/>
+                    <a:lumOff val="25000"/>
+                  </a:schemeClr>
+                </a:solidFill>
+                <a:latin typeface="+mn-lt"/>
+                <a:ea typeface="+mn-ea"/>
+                <a:cs typeface="+mn-cs"/>
+              </a:defRPr>
+            </a:lvl5pPr>
+            <a:lvl6pPr marL="2514600" indent="-228600" algn="l" defTabSz="914400" rtl="0" eaLnBrk="1" latinLnBrk="0" hangingPunct="1">
+              <a:lnSpc>
+                <a:spcPct val="90000"/>
+              </a:lnSpc>
+              <a:spcBef>
+                <a:spcPct val="30000"/>
+              </a:spcBef>
+              <a:buFont typeface="Arial" panose="020B0604020202020204" pitchFamily="34" charset="0"/>
+              <a:buChar char="•"/>
+              <a:defRPr sz="1800" kern="1200">
+                <a:solidFill>
+                  <a:schemeClr val="tx1"/>
+                </a:solidFill>
+                <a:latin typeface="+mn-lt"/>
+                <a:ea typeface="+mn-ea"/>
+                <a:cs typeface="+mn-cs"/>
+              </a:defRPr>
+            </a:lvl6pPr>
+            <a:lvl7pPr marL="2971800" indent="-228600" algn="l" defTabSz="914400" rtl="0" eaLnBrk="1" latinLnBrk="0" hangingPunct="1">
+              <a:lnSpc>
+                <a:spcPct val="90000"/>
+              </a:lnSpc>
+              <a:spcBef>
+                <a:spcPct val="30000"/>
+              </a:spcBef>
+              <a:buFont typeface="Arial" panose="020B0604020202020204" pitchFamily="34" charset="0"/>
+              <a:buChar char="•"/>
+              <a:defRPr sz="1800" kern="1200">
+                <a:solidFill>
+                  <a:schemeClr val="tx1"/>
+                </a:solidFill>
+                <a:latin typeface="+mn-lt"/>
+                <a:ea typeface="+mn-ea"/>
+                <a:cs typeface="+mn-cs"/>
+              </a:defRPr>
+            </a:lvl7pPr>
+            <a:lvl8pPr marL="3429000" indent="-228600" algn="l" defTabSz="914400" rtl="0" eaLnBrk="1" latinLnBrk="0" hangingPunct="1">
+              <a:lnSpc>
+                <a:spcPct val="90000"/>
+              </a:lnSpc>
+              <a:spcBef>
+                <a:spcPct val="30000"/>
+              </a:spcBef>
+              <a:buFont typeface="Arial" panose="020B0604020202020204" pitchFamily="34" charset="0"/>
+              <a:buChar char="•"/>
+              <a:defRPr sz="1800" kern="1200">
+                <a:solidFill>
+                  <a:schemeClr val="tx1"/>
+                </a:solidFill>
+                <a:latin typeface="+mn-lt"/>
+                <a:ea typeface="+mn-ea"/>
+                <a:cs typeface="+mn-cs"/>
+              </a:defRPr>
+            </a:lvl8pPr>
+            <a:lvl9pPr marL="3886200" indent="-228600" algn="l" defTabSz="914400" rtl="0" eaLnBrk="1" latinLnBrk="0" hangingPunct="1">
+              <a:lnSpc>
+                <a:spcPct val="90000"/>
+              </a:lnSpc>
+              <a:spcBef>
+                <a:spcPct val="30000"/>
+              </a:spcBef>
+              <a:buFont typeface="Arial" panose="020B0604020202020204" pitchFamily="34" charset="0"/>
+              <a:buChar char="•"/>
+              <a:defRPr sz="1800" kern="1200">
+                <a:solidFill>
+                  <a:schemeClr val="tx1"/>
+                </a:solidFill>
+                <a:latin typeface="+mn-lt"/>
+                <a:ea typeface="+mn-ea"/>
+                <a:cs typeface="+mn-cs"/>
+              </a:defRPr>
+            </a:lvl9pPr>
+          </a:lstStyle>
+          <a:p>
+            <a:pPr marL="0" lvl="0" indent="0" defTabSz="512763">
+              <a:lnSpc>
+                <a:spcPct val="100000"/>
+              </a:lnSpc>
+              <a:spcBef>
+                <a:spcPts val="0"/>
+              </a:spcBef>
+              <a:spcAft>
+                <a:spcPts val="2000"/>
+              </a:spcAft>
+              <a:buNone/>
+            </a:pPr>
+            <a:r>
+              <a:rPr lang="el-GR" sz="1400" dirty="0">
                 <a:solidFill>
                   <a:prstClr val="black">
                     <a:lumMod val="75000"/>
@@ -14290,15 +11234,814 @@
                 <a:latin typeface="Segoe UI" panose="020B0502040204020203" pitchFamily="34" charset="0"/>
                 <a:cs typeface="Segoe UI" panose="020B0502040204020203" pitchFamily="34" charset="0"/>
               </a:rPr>
-              <a:t>…και το τμήμα της διαφάνειας που επεξεργάζεται.</a:t>
-            </a:r>
+              <a:t>Για να μειώσουμε τα χαρακτηριστικά χρησιμοποιήθηκε η</a:t>
+            </a:r>
+            <a:r>
+              <a:rPr lang="el-GR" sz="1400" dirty="0">
+                <a:hlinkClick r:id="rId3"/>
+              </a:rPr>
+              <a:t> βασική ανάλυση στοιχείων (PCA)</a:t>
+            </a:r>
+            <a:r>
+              <a:rPr lang="el-GR" sz="1400" dirty="0"/>
+              <a:t>. Ο αλγόριθμος βρίσκει τα ιδιοδιανύσματα ενός πλέγματος με τις υψηλότερες ιδιοτιμές και στη συνέχεια χρησιμοποιεί αυτές τις τιμές για να προβάλει τα δεδομένα σε μια νέα υποπεριοχή ίσων ή μικρότερων διαστάσεων.</a:t>
+            </a:r>
+            <a:endParaRPr lang="el-GR" sz="1400" dirty="0">
+              <a:solidFill>
+                <a:prstClr val="black">
+                  <a:lumMod val="75000"/>
+                  <a:lumOff val="25000"/>
+                </a:prstClr>
+              </a:solidFill>
+              <a:latin typeface="Segoe UI" panose="020B0502040204020203" pitchFamily="34" charset="0"/>
+              <a:cs typeface="Segoe UI" panose="020B0502040204020203" pitchFamily="34" charset="0"/>
+            </a:endParaRPr>
+          </a:p>
+        </p:txBody>
+      </p:sp>
+      <p:grpSp>
+        <p:nvGrpSpPr>
+          <p:cNvPr id="19" name="Ομάδα 18" descr="Μικρός κύκλος με τον αριθμό 2 που υποδεικνύει το βήμα 2"/>
+          <p:cNvGrpSpPr/>
+          <p:nvPr/>
+        </p:nvGrpSpPr>
+        <p:grpSpPr bwMode="blackWhite">
+          <a:xfrm>
+            <a:off x="4806046" y="2535620"/>
+            <a:ext cx="558179" cy="409838"/>
+            <a:chOff x="6953426" y="711274"/>
+            <a:chExt cx="558179" cy="409838"/>
+          </a:xfrm>
+        </p:grpSpPr>
+        <p:sp>
+          <p:nvSpPr>
+            <p:cNvPr id="20" name="Έλλειψη 19" descr="Μικρός κύκλος"/>
+            <p:cNvSpPr/>
+            <p:nvPr/>
+          </p:nvSpPr>
+          <p:spPr bwMode="blackWhite">
+            <a:xfrm>
+              <a:off x="7025069" y="711274"/>
+              <a:ext cx="409838" cy="409838"/>
+            </a:xfrm>
+            <a:prstGeom prst="ellipse">
+              <a:avLst/>
+            </a:prstGeom>
+            <a:solidFill>
+              <a:srgbClr val="D24726"/>
+            </a:solidFill>
+            <a:ln>
+              <a:noFill/>
+            </a:ln>
+          </p:spPr>
+          <p:style>
+            <a:lnRef idx="2">
+              <a:schemeClr val="accent1">
+                <a:shade val="50000"/>
+              </a:schemeClr>
+            </a:lnRef>
+            <a:fillRef idx="1">
+              <a:schemeClr val="accent1"/>
+            </a:fillRef>
+            <a:effectRef idx="0">
+              <a:schemeClr val="accent1"/>
+            </a:effectRef>
+            <a:fontRef idx="minor">
+              <a:schemeClr val="lt1"/>
+            </a:fontRef>
+          </p:style>
+          <p:txBody>
+            <a:bodyPr rtlCol="0" anchor="ctr"/>
+            <a:lstStyle/>
+            <a:p>
+              <a:pPr algn="ctr" rtl="0"/>
+              <a:endParaRPr lang="el-GR" dirty="0"/>
+            </a:p>
+          </p:txBody>
+        </p:sp>
+        <p:sp>
+          <p:nvSpPr>
+            <p:cNvPr id="21" name="Πλαίσιο κειμένου 20" descr="Αριθμός 2"/>
+            <p:cNvSpPr txBox="1">
+              <a:spLocks noChangeAspect="1"/>
+            </p:cNvSpPr>
+            <p:nvPr/>
+          </p:nvSpPr>
+          <p:spPr bwMode="blackWhite">
+            <a:xfrm>
+              <a:off x="6953426" y="727564"/>
+              <a:ext cx="558179" cy="369332"/>
+            </a:xfrm>
+            <a:prstGeom prst="rect">
+              <a:avLst/>
+            </a:prstGeom>
+            <a:noFill/>
+          </p:spPr>
+          <p:txBody>
+            <a:bodyPr wrap="square" rtlCol="0">
+              <a:spAutoFit/>
+            </a:bodyPr>
+            <a:lstStyle/>
+            <a:p>
+              <a:pPr algn="ctr" rtl="0"/>
+              <a:r>
+                <a:rPr lang="el-GR" dirty="0">
+                  <a:solidFill>
+                    <a:schemeClr val="bg1"/>
+                  </a:solidFill>
+                  <a:latin typeface="Segoe UI Semibold" panose="020B0702040204020203" pitchFamily="34" charset="0"/>
+                  <a:cs typeface="Segoe UI Semibold" panose="020B0702040204020203" pitchFamily="34" charset="0"/>
+                </a:rPr>
+                <a:t>5</a:t>
+              </a:r>
+            </a:p>
+          </p:txBody>
+        </p:sp>
+      </p:grpSp>
+      <p:sp>
+        <p:nvSpPr>
+          <p:cNvPr id="22" name="Θέση περιεχομένου 17"/>
+          <p:cNvSpPr txBox="1">
+            <a:spLocks/>
+          </p:cNvSpPr>
+          <p:nvPr/>
+        </p:nvSpPr>
+        <p:spPr>
+          <a:xfrm>
+            <a:off x="5325157" y="2551910"/>
+            <a:ext cx="3504072" cy="2240834"/>
+          </a:xfrm>
+          <a:prstGeom prst="rect">
+            <a:avLst/>
+          </a:prstGeom>
+        </p:spPr>
+        <p:txBody>
+          <a:bodyPr vert="horz" lIns="91440" tIns="45720" rIns="91440" bIns="45720" rtlCol="0">
+            <a:normAutofit/>
+          </a:bodyPr>
+          <a:lstStyle>
+            <a:lvl1pPr marL="228600" indent="-228600" algn="l" defTabSz="914400" rtl="0" eaLnBrk="1" latinLnBrk="0" hangingPunct="1">
+              <a:lnSpc>
+                <a:spcPts val="1800"/>
+              </a:lnSpc>
+              <a:spcBef>
+                <a:spcPts val="1000"/>
+              </a:spcBef>
+              <a:spcAft>
+                <a:spcPts val="1000"/>
+              </a:spcAft>
+              <a:buFont typeface="Arial" panose="020B0604020202020204" pitchFamily="34" charset="0"/>
+              <a:buChar char="•"/>
+              <a:defRPr lang="en-US" sz="1200" kern="1200" smtClean="0">
+                <a:solidFill>
+                  <a:schemeClr val="tx1">
+                    <a:lumMod val="75000"/>
+                    <a:lumOff val="25000"/>
+                  </a:schemeClr>
+                </a:solidFill>
+                <a:latin typeface="+mn-lt"/>
+                <a:ea typeface="+mn-ea"/>
+                <a:cs typeface="+mn-cs"/>
+              </a:defRPr>
+            </a:lvl1pPr>
+            <a:lvl2pPr marL="685800" indent="-228600" algn="l" defTabSz="914400" rtl="0" eaLnBrk="1" latinLnBrk="0" hangingPunct="1">
+              <a:lnSpc>
+                <a:spcPts val="1800"/>
+              </a:lnSpc>
+              <a:spcBef>
+                <a:spcPts val="1000"/>
+              </a:spcBef>
+              <a:spcAft>
+                <a:spcPts val="1000"/>
+              </a:spcAft>
+              <a:buFont typeface="Arial" panose="020B0604020202020204" pitchFamily="34" charset="0"/>
+              <a:buChar char="•"/>
+              <a:defRPr lang="en-US" sz="1200" kern="1200" smtClean="0">
+                <a:solidFill>
+                  <a:schemeClr val="tx1">
+                    <a:lumMod val="75000"/>
+                    <a:lumOff val="25000"/>
+                  </a:schemeClr>
+                </a:solidFill>
+                <a:latin typeface="+mn-lt"/>
+                <a:ea typeface="+mn-ea"/>
+                <a:cs typeface="+mn-cs"/>
+              </a:defRPr>
+            </a:lvl2pPr>
+            <a:lvl3pPr marL="1143000" indent="-228600" algn="l" defTabSz="914400" rtl="0" eaLnBrk="1" latinLnBrk="0" hangingPunct="1">
+              <a:lnSpc>
+                <a:spcPts val="1800"/>
+              </a:lnSpc>
+              <a:spcBef>
+                <a:spcPts val="1000"/>
+              </a:spcBef>
+              <a:spcAft>
+                <a:spcPts val="1000"/>
+              </a:spcAft>
+              <a:buFont typeface="Arial" panose="020B0604020202020204" pitchFamily="34" charset="0"/>
+              <a:buChar char="•"/>
+              <a:defRPr lang="en-US" sz="1200" kern="1200" smtClean="0">
+                <a:solidFill>
+                  <a:schemeClr val="tx1">
+                    <a:lumMod val="75000"/>
+                    <a:lumOff val="25000"/>
+                  </a:schemeClr>
+                </a:solidFill>
+                <a:latin typeface="+mn-lt"/>
+                <a:ea typeface="+mn-ea"/>
+                <a:cs typeface="+mn-cs"/>
+              </a:defRPr>
+            </a:lvl3pPr>
+            <a:lvl4pPr marL="1600200" indent="-228600" algn="l" defTabSz="914400" rtl="0" eaLnBrk="1" latinLnBrk="0" hangingPunct="1">
+              <a:lnSpc>
+                <a:spcPts val="1800"/>
+              </a:lnSpc>
+              <a:spcBef>
+                <a:spcPts val="1000"/>
+              </a:spcBef>
+              <a:spcAft>
+                <a:spcPts val="1000"/>
+              </a:spcAft>
+              <a:buFont typeface="Arial" panose="020B0604020202020204" pitchFamily="34" charset="0"/>
+              <a:buChar char="•"/>
+              <a:defRPr lang="en-US" sz="1200" kern="1200" smtClean="0">
+                <a:solidFill>
+                  <a:schemeClr val="tx1">
+                    <a:lumMod val="75000"/>
+                    <a:lumOff val="25000"/>
+                  </a:schemeClr>
+                </a:solidFill>
+                <a:latin typeface="+mn-lt"/>
+                <a:ea typeface="+mn-ea"/>
+                <a:cs typeface="+mn-cs"/>
+              </a:defRPr>
+            </a:lvl4pPr>
+            <a:lvl5pPr marL="2057400" indent="-228600" algn="l" defTabSz="914400" rtl="0" eaLnBrk="1" latinLnBrk="0" hangingPunct="1">
+              <a:lnSpc>
+                <a:spcPts val="1800"/>
+              </a:lnSpc>
+              <a:spcBef>
+                <a:spcPts val="1000"/>
+              </a:spcBef>
+              <a:spcAft>
+                <a:spcPts val="1000"/>
+              </a:spcAft>
+              <a:buFont typeface="Arial" panose="020B0604020202020204" pitchFamily="34" charset="0"/>
+              <a:buChar char="•"/>
+              <a:defRPr lang="en-US" sz="1200" kern="1200">
+                <a:solidFill>
+                  <a:schemeClr val="tx1">
+                    <a:lumMod val="75000"/>
+                    <a:lumOff val="25000"/>
+                  </a:schemeClr>
+                </a:solidFill>
+                <a:latin typeface="+mn-lt"/>
+                <a:ea typeface="+mn-ea"/>
+                <a:cs typeface="+mn-cs"/>
+              </a:defRPr>
+            </a:lvl5pPr>
+            <a:lvl6pPr marL="2514600" indent="-228600" algn="l" defTabSz="914400" rtl="0" eaLnBrk="1" latinLnBrk="0" hangingPunct="1">
+              <a:lnSpc>
+                <a:spcPct val="90000"/>
+              </a:lnSpc>
+              <a:spcBef>
+                <a:spcPct val="30000"/>
+              </a:spcBef>
+              <a:buFont typeface="Arial" panose="020B0604020202020204" pitchFamily="34" charset="0"/>
+              <a:buChar char="•"/>
+              <a:defRPr sz="1800" kern="1200">
+                <a:solidFill>
+                  <a:schemeClr val="tx1"/>
+                </a:solidFill>
+                <a:latin typeface="+mn-lt"/>
+                <a:ea typeface="+mn-ea"/>
+                <a:cs typeface="+mn-cs"/>
+              </a:defRPr>
+            </a:lvl6pPr>
+            <a:lvl7pPr marL="2971800" indent="-228600" algn="l" defTabSz="914400" rtl="0" eaLnBrk="1" latinLnBrk="0" hangingPunct="1">
+              <a:lnSpc>
+                <a:spcPct val="90000"/>
+              </a:lnSpc>
+              <a:spcBef>
+                <a:spcPct val="30000"/>
+              </a:spcBef>
+              <a:buFont typeface="Arial" panose="020B0604020202020204" pitchFamily="34" charset="0"/>
+              <a:buChar char="•"/>
+              <a:defRPr sz="1800" kern="1200">
+                <a:solidFill>
+                  <a:schemeClr val="tx1"/>
+                </a:solidFill>
+                <a:latin typeface="+mn-lt"/>
+                <a:ea typeface="+mn-ea"/>
+                <a:cs typeface="+mn-cs"/>
+              </a:defRPr>
+            </a:lvl7pPr>
+            <a:lvl8pPr marL="3429000" indent="-228600" algn="l" defTabSz="914400" rtl="0" eaLnBrk="1" latinLnBrk="0" hangingPunct="1">
+              <a:lnSpc>
+                <a:spcPct val="90000"/>
+              </a:lnSpc>
+              <a:spcBef>
+                <a:spcPct val="30000"/>
+              </a:spcBef>
+              <a:buFont typeface="Arial" panose="020B0604020202020204" pitchFamily="34" charset="0"/>
+              <a:buChar char="•"/>
+              <a:defRPr sz="1800" kern="1200">
+                <a:solidFill>
+                  <a:schemeClr val="tx1"/>
+                </a:solidFill>
+                <a:latin typeface="+mn-lt"/>
+                <a:ea typeface="+mn-ea"/>
+                <a:cs typeface="+mn-cs"/>
+              </a:defRPr>
+            </a:lvl8pPr>
+            <a:lvl9pPr marL="3886200" indent="-228600" algn="l" defTabSz="914400" rtl="0" eaLnBrk="1" latinLnBrk="0" hangingPunct="1">
+              <a:lnSpc>
+                <a:spcPct val="90000"/>
+              </a:lnSpc>
+              <a:spcBef>
+                <a:spcPct val="30000"/>
+              </a:spcBef>
+              <a:buFont typeface="Arial" panose="020B0604020202020204" pitchFamily="34" charset="0"/>
+              <a:buChar char="•"/>
+              <a:defRPr sz="1800" kern="1200">
+                <a:solidFill>
+                  <a:schemeClr val="tx1"/>
+                </a:solidFill>
+                <a:latin typeface="+mn-lt"/>
+                <a:ea typeface="+mn-ea"/>
+                <a:cs typeface="+mn-cs"/>
+              </a:defRPr>
+            </a:lvl9pPr>
+          </a:lstStyle>
+          <a:p>
+            <a:pPr marL="0" indent="0" rtl="0">
+              <a:buNone/>
+            </a:pPr>
+            <a:r>
+              <a:rPr lang="el-GR" sz="1400" dirty="0">
+                <a:solidFill>
+                  <a:prstClr val="black">
+                    <a:lumMod val="75000"/>
+                    <a:lumOff val="25000"/>
+                  </a:prstClr>
+                </a:solidFill>
+                <a:latin typeface="Segoe UI" panose="020B0502040204020203" pitchFamily="34" charset="0"/>
+                <a:cs typeface="Segoe UI" panose="020B0502040204020203" pitchFamily="34" charset="0"/>
+              </a:rPr>
+              <a:t>Για την οπτικοποίηση των δεδομένων, χρησιμοποιήθηκε μια ισχυρή εφαρμογή (</a:t>
+            </a:r>
+            <a:r>
+              <a:rPr lang="en-US" sz="1400" dirty="0">
+                <a:solidFill>
+                  <a:prstClr val="black">
+                    <a:lumMod val="75000"/>
+                    <a:lumOff val="25000"/>
+                  </a:prstClr>
+                </a:solidFill>
+                <a:latin typeface="Segoe UI" panose="020B0502040204020203" pitchFamily="34" charset="0"/>
+                <a:cs typeface="Segoe UI" panose="020B0502040204020203" pitchFamily="34" charset="0"/>
+              </a:rPr>
+              <a:t>Tableau</a:t>
+            </a:r>
+            <a:r>
+              <a:rPr lang="el-GR" sz="1400" dirty="0">
+                <a:solidFill>
+                  <a:prstClr val="black">
+                    <a:lumMod val="75000"/>
+                    <a:lumOff val="25000"/>
+                  </a:prstClr>
+                </a:solidFill>
+                <a:latin typeface="Segoe UI" panose="020B0502040204020203" pitchFamily="34" charset="0"/>
+                <a:cs typeface="Segoe UI" panose="020B0502040204020203" pitchFamily="34" charset="0"/>
+              </a:rPr>
+              <a:t>)</a:t>
+            </a:r>
+            <a:r>
+              <a:rPr lang="en-US" sz="1400" dirty="0">
+                <a:solidFill>
+                  <a:prstClr val="black">
+                    <a:lumMod val="75000"/>
+                    <a:lumOff val="25000"/>
+                  </a:prstClr>
+                </a:solidFill>
+                <a:latin typeface="Segoe UI" panose="020B0502040204020203" pitchFamily="34" charset="0"/>
+                <a:cs typeface="Segoe UI" panose="020B0502040204020203" pitchFamily="34" charset="0"/>
+              </a:rPr>
+              <a:t>, </a:t>
+            </a:r>
+            <a:r>
+              <a:rPr lang="el-GR" sz="1400" dirty="0">
+                <a:solidFill>
+                  <a:prstClr val="black">
+                    <a:lumMod val="75000"/>
+                    <a:lumOff val="25000"/>
+                  </a:prstClr>
+                </a:solidFill>
+                <a:latin typeface="Segoe UI" panose="020B0502040204020203" pitchFamily="34" charset="0"/>
+                <a:cs typeface="Segoe UI" panose="020B0502040204020203" pitchFamily="34" charset="0"/>
+              </a:rPr>
+              <a:t>η οποία καθιστά τα αποτελέσματα της</a:t>
+            </a:r>
+            <a:r>
+              <a:rPr lang="en-US" sz="1400" dirty="0">
+                <a:solidFill>
+                  <a:prstClr val="black">
+                    <a:lumMod val="75000"/>
+                    <a:lumOff val="25000"/>
+                  </a:prstClr>
+                </a:solidFill>
+                <a:latin typeface="Segoe UI" panose="020B0502040204020203" pitchFamily="34" charset="0"/>
+                <a:cs typeface="Segoe UI" panose="020B0502040204020203" pitchFamily="34" charset="0"/>
+              </a:rPr>
+              <a:t>,</a:t>
+            </a:r>
+            <a:r>
+              <a:rPr lang="el-GR" sz="1400" dirty="0">
+                <a:solidFill>
+                  <a:prstClr val="black">
+                    <a:lumMod val="75000"/>
+                    <a:lumOff val="25000"/>
+                  </a:prstClr>
+                </a:solidFill>
+                <a:latin typeface="Segoe UI" panose="020B0502040204020203" pitchFamily="34" charset="0"/>
+                <a:cs typeface="Segoe UI" panose="020B0502040204020203" pitchFamily="34" charset="0"/>
+              </a:rPr>
+              <a:t> καθαρά και συνοπτικά.</a:t>
+            </a:r>
+          </a:p>
+        </p:txBody>
+      </p:sp>
+      <p:grpSp>
+        <p:nvGrpSpPr>
+          <p:cNvPr id="31" name="Ομάδα 30" descr="Μικρός κύκλος με τον αριθμό 3 που υποδεικνύει το βήμα 3"/>
+          <p:cNvGrpSpPr/>
+          <p:nvPr/>
+        </p:nvGrpSpPr>
+        <p:grpSpPr bwMode="blackWhite">
+          <a:xfrm>
+            <a:off x="8725128" y="2531657"/>
+            <a:ext cx="558179" cy="409838"/>
+            <a:chOff x="6953426" y="711274"/>
+            <a:chExt cx="558179" cy="409838"/>
+          </a:xfrm>
+        </p:grpSpPr>
+        <p:sp>
+          <p:nvSpPr>
+            <p:cNvPr id="32" name="Έλλειψη 31" descr="Μικρός κύκλος"/>
+            <p:cNvSpPr/>
+            <p:nvPr/>
+          </p:nvSpPr>
+          <p:spPr bwMode="blackWhite">
+            <a:xfrm>
+              <a:off x="7025069" y="711274"/>
+              <a:ext cx="409838" cy="409838"/>
+            </a:xfrm>
+            <a:prstGeom prst="ellipse">
+              <a:avLst/>
+            </a:prstGeom>
+            <a:solidFill>
+              <a:srgbClr val="D24726"/>
+            </a:solidFill>
+            <a:ln>
+              <a:noFill/>
+            </a:ln>
+          </p:spPr>
+          <p:style>
+            <a:lnRef idx="2">
+              <a:schemeClr val="accent1">
+                <a:shade val="50000"/>
+              </a:schemeClr>
+            </a:lnRef>
+            <a:fillRef idx="1">
+              <a:schemeClr val="accent1"/>
+            </a:fillRef>
+            <a:effectRef idx="0">
+              <a:schemeClr val="accent1"/>
+            </a:effectRef>
+            <a:fontRef idx="minor">
+              <a:schemeClr val="lt1"/>
+            </a:fontRef>
+          </p:style>
+          <p:txBody>
+            <a:bodyPr rtlCol="0" anchor="ctr"/>
+            <a:lstStyle/>
+            <a:p>
+              <a:pPr algn="ctr" rtl="0"/>
+              <a:endParaRPr lang="el-GR" dirty="0"/>
+            </a:p>
+          </p:txBody>
+        </p:sp>
+        <p:sp>
+          <p:nvSpPr>
+            <p:cNvPr id="33" name="Πλαίσιο κειμένου 32" descr="Αριθμός 3"/>
+            <p:cNvSpPr txBox="1">
+              <a:spLocks noChangeAspect="1"/>
+            </p:cNvSpPr>
+            <p:nvPr/>
+          </p:nvSpPr>
+          <p:spPr bwMode="blackWhite">
+            <a:xfrm>
+              <a:off x="6953426" y="727564"/>
+              <a:ext cx="558179" cy="369332"/>
+            </a:xfrm>
+            <a:prstGeom prst="rect">
+              <a:avLst/>
+            </a:prstGeom>
+            <a:noFill/>
+          </p:spPr>
+          <p:txBody>
+            <a:bodyPr wrap="square" rtlCol="0">
+              <a:spAutoFit/>
+            </a:bodyPr>
+            <a:lstStyle/>
+            <a:p>
+              <a:pPr algn="ctr" rtl="0"/>
+              <a:r>
+                <a:rPr lang="en-US" dirty="0">
+                  <a:solidFill>
+                    <a:schemeClr val="bg1"/>
+                  </a:solidFill>
+                  <a:latin typeface="Segoe UI Semibold" panose="020B0702040204020203" pitchFamily="34" charset="0"/>
+                  <a:cs typeface="Segoe UI Semibold" panose="020B0702040204020203" pitchFamily="34" charset="0"/>
+                </a:rPr>
+                <a:t>6</a:t>
+              </a:r>
+              <a:endParaRPr lang="el-GR" dirty="0">
+                <a:solidFill>
+                  <a:schemeClr val="bg1"/>
+                </a:solidFill>
+                <a:latin typeface="Segoe UI Semibold" panose="020B0702040204020203" pitchFamily="34" charset="0"/>
+                <a:cs typeface="Segoe UI Semibold" panose="020B0702040204020203" pitchFamily="34" charset="0"/>
+              </a:endParaRPr>
+            </a:p>
+          </p:txBody>
+        </p:sp>
+      </p:grpSp>
+      <p:sp>
+        <p:nvSpPr>
+          <p:cNvPr id="34" name="Θέση περιεχομένου 17"/>
+          <p:cNvSpPr txBox="1">
+            <a:spLocks/>
+          </p:cNvSpPr>
+          <p:nvPr/>
+        </p:nvSpPr>
+        <p:spPr>
+          <a:xfrm>
+            <a:off x="9324216" y="2597270"/>
+            <a:ext cx="2484648" cy="2124211"/>
+          </a:xfrm>
+          <a:prstGeom prst="rect">
+            <a:avLst/>
+          </a:prstGeom>
+        </p:spPr>
+        <p:txBody>
+          <a:bodyPr vert="horz" lIns="91440" tIns="45720" rIns="91440" bIns="45720" rtlCol="0">
+            <a:noAutofit/>
+          </a:bodyPr>
+          <a:lstStyle>
+            <a:lvl1pPr marL="228600" indent="-228600" algn="l" defTabSz="914400" rtl="0" eaLnBrk="1" latinLnBrk="0" hangingPunct="1">
+              <a:lnSpc>
+                <a:spcPts val="1800"/>
+              </a:lnSpc>
+              <a:spcBef>
+                <a:spcPts val="1000"/>
+              </a:spcBef>
+              <a:spcAft>
+                <a:spcPts val="1000"/>
+              </a:spcAft>
+              <a:buFont typeface="Arial" panose="020B0604020202020204" pitchFamily="34" charset="0"/>
+              <a:buChar char="•"/>
+              <a:defRPr lang="en-US" sz="1200" kern="1200" smtClean="0">
+                <a:solidFill>
+                  <a:schemeClr val="tx1">
+                    <a:lumMod val="75000"/>
+                    <a:lumOff val="25000"/>
+                  </a:schemeClr>
+                </a:solidFill>
+                <a:latin typeface="+mn-lt"/>
+                <a:ea typeface="+mn-ea"/>
+                <a:cs typeface="+mn-cs"/>
+              </a:defRPr>
+            </a:lvl1pPr>
+            <a:lvl2pPr marL="685800" indent="-228600" algn="l" defTabSz="914400" rtl="0" eaLnBrk="1" latinLnBrk="0" hangingPunct="1">
+              <a:lnSpc>
+                <a:spcPts val="1800"/>
+              </a:lnSpc>
+              <a:spcBef>
+                <a:spcPts val="1000"/>
+              </a:spcBef>
+              <a:spcAft>
+                <a:spcPts val="1000"/>
+              </a:spcAft>
+              <a:buFont typeface="Arial" panose="020B0604020202020204" pitchFamily="34" charset="0"/>
+              <a:buChar char="•"/>
+              <a:defRPr lang="en-US" sz="1200" kern="1200" smtClean="0">
+                <a:solidFill>
+                  <a:schemeClr val="tx1">
+                    <a:lumMod val="75000"/>
+                    <a:lumOff val="25000"/>
+                  </a:schemeClr>
+                </a:solidFill>
+                <a:latin typeface="+mn-lt"/>
+                <a:ea typeface="+mn-ea"/>
+                <a:cs typeface="+mn-cs"/>
+              </a:defRPr>
+            </a:lvl2pPr>
+            <a:lvl3pPr marL="1143000" indent="-228600" algn="l" defTabSz="914400" rtl="0" eaLnBrk="1" latinLnBrk="0" hangingPunct="1">
+              <a:lnSpc>
+                <a:spcPts val="1800"/>
+              </a:lnSpc>
+              <a:spcBef>
+                <a:spcPts val="1000"/>
+              </a:spcBef>
+              <a:spcAft>
+                <a:spcPts val="1000"/>
+              </a:spcAft>
+              <a:buFont typeface="Arial" panose="020B0604020202020204" pitchFamily="34" charset="0"/>
+              <a:buChar char="•"/>
+              <a:defRPr lang="en-US" sz="1200" kern="1200" smtClean="0">
+                <a:solidFill>
+                  <a:schemeClr val="tx1">
+                    <a:lumMod val="75000"/>
+                    <a:lumOff val="25000"/>
+                  </a:schemeClr>
+                </a:solidFill>
+                <a:latin typeface="+mn-lt"/>
+                <a:ea typeface="+mn-ea"/>
+                <a:cs typeface="+mn-cs"/>
+              </a:defRPr>
+            </a:lvl3pPr>
+            <a:lvl4pPr marL="1600200" indent="-228600" algn="l" defTabSz="914400" rtl="0" eaLnBrk="1" latinLnBrk="0" hangingPunct="1">
+              <a:lnSpc>
+                <a:spcPts val="1800"/>
+              </a:lnSpc>
+              <a:spcBef>
+                <a:spcPts val="1000"/>
+              </a:spcBef>
+              <a:spcAft>
+                <a:spcPts val="1000"/>
+              </a:spcAft>
+              <a:buFont typeface="Arial" panose="020B0604020202020204" pitchFamily="34" charset="0"/>
+              <a:buChar char="•"/>
+              <a:defRPr lang="en-US" sz="1200" kern="1200" smtClean="0">
+                <a:solidFill>
+                  <a:schemeClr val="tx1">
+                    <a:lumMod val="75000"/>
+                    <a:lumOff val="25000"/>
+                  </a:schemeClr>
+                </a:solidFill>
+                <a:latin typeface="+mn-lt"/>
+                <a:ea typeface="+mn-ea"/>
+                <a:cs typeface="+mn-cs"/>
+              </a:defRPr>
+            </a:lvl4pPr>
+            <a:lvl5pPr marL="2057400" indent="-228600" algn="l" defTabSz="914400" rtl="0" eaLnBrk="1" latinLnBrk="0" hangingPunct="1">
+              <a:lnSpc>
+                <a:spcPts val="1800"/>
+              </a:lnSpc>
+              <a:spcBef>
+                <a:spcPts val="1000"/>
+              </a:spcBef>
+              <a:spcAft>
+                <a:spcPts val="1000"/>
+              </a:spcAft>
+              <a:buFont typeface="Arial" panose="020B0604020202020204" pitchFamily="34" charset="0"/>
+              <a:buChar char="•"/>
+              <a:defRPr lang="en-US" sz="1200" kern="1200">
+                <a:solidFill>
+                  <a:schemeClr val="tx1">
+                    <a:lumMod val="75000"/>
+                    <a:lumOff val="25000"/>
+                  </a:schemeClr>
+                </a:solidFill>
+                <a:latin typeface="+mn-lt"/>
+                <a:ea typeface="+mn-ea"/>
+                <a:cs typeface="+mn-cs"/>
+              </a:defRPr>
+            </a:lvl5pPr>
+            <a:lvl6pPr marL="2514600" indent="-228600" algn="l" defTabSz="914400" rtl="0" eaLnBrk="1" latinLnBrk="0" hangingPunct="1">
+              <a:lnSpc>
+                <a:spcPct val="90000"/>
+              </a:lnSpc>
+              <a:spcBef>
+                <a:spcPct val="30000"/>
+              </a:spcBef>
+              <a:buFont typeface="Arial" panose="020B0604020202020204" pitchFamily="34" charset="0"/>
+              <a:buChar char="•"/>
+              <a:defRPr sz="1800" kern="1200">
+                <a:solidFill>
+                  <a:schemeClr val="tx1"/>
+                </a:solidFill>
+                <a:latin typeface="+mn-lt"/>
+                <a:ea typeface="+mn-ea"/>
+                <a:cs typeface="+mn-cs"/>
+              </a:defRPr>
+            </a:lvl6pPr>
+            <a:lvl7pPr marL="2971800" indent="-228600" algn="l" defTabSz="914400" rtl="0" eaLnBrk="1" latinLnBrk="0" hangingPunct="1">
+              <a:lnSpc>
+                <a:spcPct val="90000"/>
+              </a:lnSpc>
+              <a:spcBef>
+                <a:spcPct val="30000"/>
+              </a:spcBef>
+              <a:buFont typeface="Arial" panose="020B0604020202020204" pitchFamily="34" charset="0"/>
+              <a:buChar char="•"/>
+              <a:defRPr sz="1800" kern="1200">
+                <a:solidFill>
+                  <a:schemeClr val="tx1"/>
+                </a:solidFill>
+                <a:latin typeface="+mn-lt"/>
+                <a:ea typeface="+mn-ea"/>
+                <a:cs typeface="+mn-cs"/>
+              </a:defRPr>
+            </a:lvl7pPr>
+            <a:lvl8pPr marL="3429000" indent="-228600" algn="l" defTabSz="914400" rtl="0" eaLnBrk="1" latinLnBrk="0" hangingPunct="1">
+              <a:lnSpc>
+                <a:spcPct val="90000"/>
+              </a:lnSpc>
+              <a:spcBef>
+                <a:spcPct val="30000"/>
+              </a:spcBef>
+              <a:buFont typeface="Arial" panose="020B0604020202020204" pitchFamily="34" charset="0"/>
+              <a:buChar char="•"/>
+              <a:defRPr sz="1800" kern="1200">
+                <a:solidFill>
+                  <a:schemeClr val="tx1"/>
+                </a:solidFill>
+                <a:latin typeface="+mn-lt"/>
+                <a:ea typeface="+mn-ea"/>
+                <a:cs typeface="+mn-cs"/>
+              </a:defRPr>
+            </a:lvl8pPr>
+            <a:lvl9pPr marL="3886200" indent="-228600" algn="l" defTabSz="914400" rtl="0" eaLnBrk="1" latinLnBrk="0" hangingPunct="1">
+              <a:lnSpc>
+                <a:spcPct val="90000"/>
+              </a:lnSpc>
+              <a:spcBef>
+                <a:spcPct val="30000"/>
+              </a:spcBef>
+              <a:buFont typeface="Arial" panose="020B0604020202020204" pitchFamily="34" charset="0"/>
+              <a:buChar char="•"/>
+              <a:defRPr sz="1800" kern="1200">
+                <a:solidFill>
+                  <a:schemeClr val="tx1"/>
+                </a:solidFill>
+                <a:latin typeface="+mn-lt"/>
+                <a:ea typeface="+mn-ea"/>
+                <a:cs typeface="+mn-cs"/>
+              </a:defRPr>
+            </a:lvl9pPr>
+          </a:lstStyle>
+          <a:p>
+            <a:pPr marL="0" indent="0" defTabSz="512763" rtl="0">
+              <a:spcAft>
+                <a:spcPts val="2000"/>
+              </a:spcAft>
+              <a:buNone/>
+            </a:pPr>
+            <a:r>
+              <a:rPr lang="el-GR" sz="1400" dirty="0">
+                <a:solidFill>
+                  <a:prstClr val="black">
+                    <a:lumMod val="75000"/>
+                    <a:lumOff val="25000"/>
+                  </a:prstClr>
+                </a:solidFill>
+                <a:latin typeface="Segoe UI" panose="020B0502040204020203" pitchFamily="34" charset="0"/>
+                <a:cs typeface="Segoe UI" panose="020B0502040204020203" pitchFamily="34" charset="0"/>
+              </a:rPr>
+              <a:t>Οι 8 τύποι παικτών σαν αποτέλεσμα αυτής της εργασίας ορίσθηκαν</a:t>
+            </a:r>
+            <a:r>
+              <a:rPr lang="en-US" sz="1400" dirty="0">
+                <a:solidFill>
+                  <a:prstClr val="black">
+                    <a:lumMod val="75000"/>
+                    <a:lumOff val="25000"/>
+                  </a:prstClr>
+                </a:solidFill>
+                <a:latin typeface="Segoe UI" panose="020B0502040204020203" pitchFamily="34" charset="0"/>
+                <a:cs typeface="Segoe UI" panose="020B0502040204020203" pitchFamily="34" charset="0"/>
+              </a:rPr>
+              <a:t>: Defensive Centers, 3-and-D Wings, Scoring Wings, Versatile Forwards, Floor Generals, Shooting Wings, Combo Guards, Offensive Centers.</a:t>
+            </a:r>
+            <a:endParaRPr lang="el-GR" sz="1400" dirty="0">
+              <a:solidFill>
+                <a:prstClr val="black">
+                  <a:lumMod val="75000"/>
+                  <a:lumOff val="25000"/>
+                </a:prstClr>
+              </a:solidFill>
+              <a:latin typeface="Segoe UI" panose="020B0502040204020203" pitchFamily="34" charset="0"/>
+              <a:cs typeface="Segoe UI" panose="020B0502040204020203" pitchFamily="34" charset="0"/>
+            </a:endParaRPr>
           </a:p>
         </p:txBody>
       </p:sp>
     </p:spTree>
     <p:extLst>
       <p:ext uri="{BB962C8B-B14F-4D97-AF65-F5344CB8AC3E}">
-        <p14:creationId xmlns:p14="http://schemas.microsoft.com/office/powerpoint/2010/main" val="1328676004"/>
+        <p14:creationId xmlns:p14="http://schemas.microsoft.com/office/powerpoint/2010/main" val="727668169"/>
       </p:ext>
     </p:extLst>
   </p:cSld>
